--- a/wip/omnicanal/slides.pptx
+++ b/wip/omnicanal/slides.pptx
@@ -5,17 +5,22 @@
     <p:sldMasterId id="2147483800" r:id="rId1"/>
   </p:sldMasterIdLst>
   <p:notesMasterIdLst>
-    <p:notesMasterId r:id="rId7"/>
+    <p:notesMasterId r:id="rId12"/>
   </p:notesMasterIdLst>
   <p:handoutMasterIdLst>
-    <p:handoutMasterId r:id="rId8"/>
+    <p:handoutMasterId r:id="rId13"/>
   </p:handoutMasterIdLst>
   <p:sldIdLst>
     <p:sldId id="257" r:id="rId2"/>
     <p:sldId id="262" r:id="rId3"/>
-    <p:sldId id="261" r:id="rId4"/>
-    <p:sldId id="258" r:id="rId5"/>
-    <p:sldId id="260" r:id="rId6"/>
+    <p:sldId id="263" r:id="rId4"/>
+    <p:sldId id="266" r:id="rId5"/>
+    <p:sldId id="265" r:id="rId6"/>
+    <p:sldId id="261" r:id="rId7"/>
+    <p:sldId id="264" r:id="rId8"/>
+    <p:sldId id="258" r:id="rId9"/>
+    <p:sldId id="267" r:id="rId10"/>
+    <p:sldId id="260" r:id="rId11"/>
   </p:sldIdLst>
   <p:sldSz cx="12192000" cy="6858000"/>
   <p:notesSz cx="6858000" cy="9144000"/>
@@ -538,7 +543,7 @@
             <a:fld id="{9174CE4A-3945-476E-9F9F-D25A0475318F}" type="datetimeFigureOut">
               <a:rPr lang="fr-FR" smtClean="0"/>
               <a:pPr/>
-              <a:t>09/03/2018</a:t>
+              <a:t>14/06/2018</a:t>
             </a:fld>
             <a:endParaRPr lang="fr-FR"/>
           </a:p>
@@ -32238,13 +32243,6 @@
               </a:rPr>
               <a:t>requises sont là</a:t>
             </a:r>
-            <a:endParaRPr lang="fr-FR" sz="1600" dirty="0" smtClean="0">
-              <a:solidFill>
-                <a:srgbClr val="FF0000"/>
-              </a:solidFill>
-              <a:latin typeface="+mj-lt"/>
-              <a:cs typeface="Helvetica"/>
-            </a:endParaRPr>
           </a:p>
         </p:txBody>
       </p:sp>
@@ -32261,2424 +32259,7 @@
 </p:sld>
 </file>
 
-<file path=ppt/slides/slide2.xml><?xml version="1.0" encoding="utf-8"?>
-<p:sld xmlns:a="http://schemas.openxmlformats.org/drawingml/2006/main" xmlns:r="http://schemas.openxmlformats.org/officeDocument/2006/relationships" xmlns:p="http://schemas.openxmlformats.org/presentationml/2006/main">
-  <p:cSld>
-    <p:spTree>
-      <p:nvGrpSpPr>
-        <p:cNvPr id="1" name=""/>
-        <p:cNvGrpSpPr/>
-        <p:nvPr/>
-      </p:nvGrpSpPr>
-      <p:grpSpPr>
-        <a:xfrm>
-          <a:off x="0" y="0"/>
-          <a:ext cx="0" cy="0"/>
-          <a:chOff x="0" y="0"/>
-          <a:chExt cx="0" cy="0"/>
-        </a:xfrm>
-      </p:grpSpPr>
-      <p:sp>
-        <p:nvSpPr>
-          <p:cNvPr id="31" name="Chevron 30"/>
-          <p:cNvSpPr/>
-          <p:nvPr/>
-        </p:nvSpPr>
-        <p:spPr>
-          <a:xfrm>
-            <a:off x="2481685" y="4191000"/>
-            <a:ext cx="4254655" cy="871501"/>
-          </a:xfrm>
-          <a:prstGeom prst="chevron">
-            <a:avLst/>
-          </a:prstGeom>
-          <a:solidFill>
-            <a:schemeClr val="bg2"/>
-          </a:solidFill>
-        </p:spPr>
-        <p:txBody>
-          <a:bodyPr rtlCol="0" anchor="ctr">
-            <a:noAutofit/>
-          </a:bodyPr>
-          <a:lstStyle/>
-          <a:p>
-            <a:pPr lvl="0" algn="ctr" eaLnBrk="1" hangingPunct="1">
-              <a:spcBef>
-                <a:spcPts val="384"/>
-              </a:spcBef>
-              <a:spcAft>
-                <a:spcPts val="0"/>
-              </a:spcAft>
-              <a:buClr>
-                <a:srgbClr val="00A9C5"/>
-              </a:buClr>
-              <a:buSzPct val="80000"/>
-            </a:pPr>
-            <a:r>
-              <a:rPr lang="fr-FR" sz="1600" kern="0">
-                <a:solidFill>
-                  <a:srgbClr val="FFFFFF"/>
-                </a:solidFill>
-                <a:latin typeface="Arial"/>
-              </a:rPr>
-              <a:t>Saisie des infos</a:t>
-            </a:r>
-            <a:endParaRPr lang="fr-FR" sz="1600" kern="0" dirty="0">
-              <a:solidFill>
-                <a:srgbClr val="FFFFFF"/>
-              </a:solidFill>
-              <a:latin typeface="Arial"/>
-            </a:endParaRPr>
-          </a:p>
-        </p:txBody>
-      </p:sp>
-      <p:sp>
-        <p:nvSpPr>
-          <p:cNvPr id="9" name="Rectangle 8"/>
-          <p:cNvSpPr/>
-          <p:nvPr/>
-        </p:nvSpPr>
-        <p:spPr>
-          <a:xfrm>
-            <a:off x="330974" y="4191000"/>
-            <a:ext cx="1946061" cy="874060"/>
-          </a:xfrm>
-          <a:prstGeom prst="rect">
-            <a:avLst/>
-          </a:prstGeom>
-          <a:noFill/>
-          <a:ln w="38100">
-            <a:solidFill>
-              <a:srgbClr val="00AFCB"/>
-            </a:solidFill>
-          </a:ln>
-        </p:spPr>
-        <p:txBody>
-          <a:bodyPr rtlCol="0" anchor="ctr">
-            <a:noAutofit/>
-          </a:bodyPr>
-          <a:lstStyle/>
-          <a:p>
-            <a:pPr lvl="0" algn="ctr" eaLnBrk="1" hangingPunct="1">
-              <a:spcBef>
-                <a:spcPts val="384"/>
-              </a:spcBef>
-              <a:spcAft>
-                <a:spcPts val="0"/>
-              </a:spcAft>
-              <a:buClr>
-                <a:srgbClr val="00A9C5"/>
-              </a:buClr>
-              <a:buSzPct val="80000"/>
-            </a:pPr>
-            <a:r>
-              <a:rPr lang="fr-FR" sz="2400" kern="0" dirty="0" smtClean="0">
-                <a:solidFill>
-                  <a:srgbClr val="00AFCB"/>
-                </a:solidFill>
-                <a:latin typeface="Arial"/>
-              </a:rPr>
-              <a:t>Cœur</a:t>
-            </a:r>
-            <a:endParaRPr lang="fr-FR" sz="2400" kern="0" dirty="0">
-              <a:solidFill>
-                <a:srgbClr val="00AFCB"/>
-              </a:solidFill>
-              <a:latin typeface="Arial"/>
-            </a:endParaRPr>
-          </a:p>
-        </p:txBody>
-      </p:sp>
-      <p:sp>
-        <p:nvSpPr>
-          <p:cNvPr id="12" name="Rectangle 11"/>
-          <p:cNvSpPr/>
-          <p:nvPr/>
-        </p:nvSpPr>
-        <p:spPr>
-          <a:xfrm>
-            <a:off x="330974" y="2606167"/>
-            <a:ext cx="1946061" cy="874060"/>
-          </a:xfrm>
-          <a:prstGeom prst="rect">
-            <a:avLst/>
-          </a:prstGeom>
-          <a:noFill/>
-          <a:ln w="38100">
-            <a:solidFill>
-              <a:srgbClr val="0070C0"/>
-            </a:solidFill>
-          </a:ln>
-        </p:spPr>
-        <p:txBody>
-          <a:bodyPr rtlCol="0" anchor="ctr">
-            <a:noAutofit/>
-          </a:bodyPr>
-          <a:lstStyle/>
-          <a:p>
-            <a:pPr lvl="0" algn="ctr" eaLnBrk="1" hangingPunct="1">
-              <a:spcBef>
-                <a:spcPts val="384"/>
-              </a:spcBef>
-              <a:spcAft>
-                <a:spcPts val="0"/>
-              </a:spcAft>
-              <a:buClr>
-                <a:srgbClr val="00A9C5"/>
-              </a:buClr>
-              <a:buSzPct val="80000"/>
-            </a:pPr>
-            <a:r>
-              <a:rPr lang="fr-FR" sz="2400" kern="0" dirty="0" smtClean="0">
-                <a:solidFill>
-                  <a:srgbClr val="0070C0"/>
-                </a:solidFill>
-                <a:latin typeface="Arial"/>
-              </a:rPr>
-              <a:t>Saisie en agence</a:t>
-            </a:r>
-            <a:endParaRPr lang="fr-FR" sz="2400" kern="0" dirty="0">
-              <a:solidFill>
-                <a:srgbClr val="0070C0"/>
-              </a:solidFill>
-              <a:latin typeface="Arial"/>
-            </a:endParaRPr>
-          </a:p>
-        </p:txBody>
-      </p:sp>
-      <p:cxnSp>
-        <p:nvCxnSpPr>
-          <p:cNvPr id="20" name="Connecteur droit 19"/>
-          <p:cNvCxnSpPr/>
-          <p:nvPr/>
-        </p:nvCxnSpPr>
-        <p:spPr bwMode="auto">
-          <a:xfrm>
-            <a:off x="3343835" y="3471263"/>
-            <a:ext cx="0" cy="708214"/>
-          </a:xfrm>
-          <a:prstGeom prst="line">
-            <a:avLst/>
-          </a:prstGeom>
-          <a:solidFill>
-            <a:schemeClr val="accent1"/>
-          </a:solidFill>
-          <a:ln w="38100" cap="flat" cmpd="sng" algn="ctr">
-            <a:solidFill>
-              <a:srgbClr val="0070C0"/>
-            </a:solidFill>
-            <a:prstDash val="solid"/>
-            <a:round/>
-            <a:headEnd type="none" w="med" len="med"/>
-            <a:tailEnd type="triangle" w="lg" len="lg"/>
-          </a:ln>
-          <a:effectLst/>
-        </p:spPr>
-      </p:cxnSp>
-      <p:cxnSp>
-        <p:nvCxnSpPr>
-          <p:cNvPr id="21" name="Connecteur droit 20"/>
-          <p:cNvCxnSpPr/>
-          <p:nvPr/>
-        </p:nvCxnSpPr>
-        <p:spPr bwMode="auto">
-          <a:xfrm>
-            <a:off x="3605092" y="3480227"/>
-            <a:ext cx="0" cy="708214"/>
-          </a:xfrm>
-          <a:prstGeom prst="line">
-            <a:avLst/>
-          </a:prstGeom>
-          <a:solidFill>
-            <a:schemeClr val="accent1"/>
-          </a:solidFill>
-          <a:ln w="38100" cap="flat" cmpd="sng" algn="ctr">
-            <a:solidFill>
-              <a:srgbClr val="0070C0"/>
-            </a:solidFill>
-            <a:prstDash val="solid"/>
-            <a:round/>
-            <a:headEnd type="none" w="med" len="med"/>
-            <a:tailEnd type="triangle" w="lg" len="lg"/>
-          </a:ln>
-          <a:effectLst/>
-        </p:spPr>
-      </p:cxnSp>
-      <p:cxnSp>
-        <p:nvCxnSpPr>
-          <p:cNvPr id="22" name="Connecteur droit 21"/>
-          <p:cNvCxnSpPr/>
-          <p:nvPr/>
-        </p:nvCxnSpPr>
-        <p:spPr bwMode="auto">
-          <a:xfrm>
-            <a:off x="3866349" y="3480227"/>
-            <a:ext cx="0" cy="708214"/>
-          </a:xfrm>
-          <a:prstGeom prst="line">
-            <a:avLst/>
-          </a:prstGeom>
-          <a:solidFill>
-            <a:schemeClr val="accent1"/>
-          </a:solidFill>
-          <a:ln w="38100" cap="flat" cmpd="sng" algn="ctr">
-            <a:solidFill>
-              <a:srgbClr val="0070C0"/>
-            </a:solidFill>
-            <a:prstDash val="solid"/>
-            <a:round/>
-            <a:headEnd type="none" w="med" len="med"/>
-            <a:tailEnd type="triangle" w="lg" len="lg"/>
-          </a:ln>
-          <a:effectLst/>
-        </p:spPr>
-      </p:cxnSp>
-      <p:cxnSp>
-        <p:nvCxnSpPr>
-          <p:cNvPr id="23" name="Connecteur droit 22"/>
-          <p:cNvCxnSpPr/>
-          <p:nvPr/>
-        </p:nvCxnSpPr>
-        <p:spPr bwMode="auto">
-          <a:xfrm>
-            <a:off x="5246916" y="3471263"/>
-            <a:ext cx="0" cy="708214"/>
-          </a:xfrm>
-          <a:prstGeom prst="line">
-            <a:avLst/>
-          </a:prstGeom>
-          <a:solidFill>
-            <a:schemeClr val="accent1"/>
-          </a:solidFill>
-          <a:ln w="38100" cap="flat" cmpd="sng" algn="ctr">
-            <a:solidFill>
-              <a:srgbClr val="0070C0"/>
-            </a:solidFill>
-            <a:prstDash val="solid"/>
-            <a:round/>
-            <a:headEnd type="none" w="med" len="med"/>
-            <a:tailEnd type="triangle" w="lg" len="lg"/>
-          </a:ln>
-          <a:effectLst/>
-        </p:spPr>
-      </p:cxnSp>
-      <p:cxnSp>
-        <p:nvCxnSpPr>
-          <p:cNvPr id="24" name="Connecteur droit 23"/>
-          <p:cNvCxnSpPr/>
-          <p:nvPr/>
-        </p:nvCxnSpPr>
-        <p:spPr bwMode="auto">
-          <a:xfrm>
-            <a:off x="5540830" y="3471263"/>
-            <a:ext cx="0" cy="708214"/>
-          </a:xfrm>
-          <a:prstGeom prst="line">
-            <a:avLst/>
-          </a:prstGeom>
-          <a:solidFill>
-            <a:schemeClr val="accent1"/>
-          </a:solidFill>
-          <a:ln w="38100" cap="flat" cmpd="sng" algn="ctr">
-            <a:solidFill>
-              <a:srgbClr val="0070C0"/>
-            </a:solidFill>
-            <a:prstDash val="solid"/>
-            <a:round/>
-            <a:headEnd type="none" w="med" len="med"/>
-            <a:tailEnd type="triangle" w="lg" len="lg"/>
-          </a:ln>
-          <a:effectLst/>
-        </p:spPr>
-      </p:cxnSp>
-      <p:cxnSp>
-        <p:nvCxnSpPr>
-          <p:cNvPr id="25" name="Connecteur droit 24"/>
-          <p:cNvCxnSpPr/>
-          <p:nvPr/>
-        </p:nvCxnSpPr>
-        <p:spPr bwMode="auto">
-          <a:xfrm>
-            <a:off x="5834745" y="3480227"/>
-            <a:ext cx="0" cy="699250"/>
-          </a:xfrm>
-          <a:prstGeom prst="line">
-            <a:avLst/>
-          </a:prstGeom>
-          <a:solidFill>
-            <a:schemeClr val="accent1"/>
-          </a:solidFill>
-          <a:ln w="38100" cap="flat" cmpd="sng" algn="ctr">
-            <a:solidFill>
-              <a:srgbClr val="0070C0"/>
-            </a:solidFill>
-            <a:prstDash val="solid"/>
-            <a:round/>
-            <a:headEnd type="none" w="med" len="med"/>
-            <a:tailEnd type="triangle" w="lg" len="lg"/>
-          </a:ln>
-          <a:effectLst/>
-        </p:spPr>
-      </p:cxnSp>
-      <p:sp>
-        <p:nvSpPr>
-          <p:cNvPr id="27" name="Rectangle 26"/>
-          <p:cNvSpPr/>
-          <p:nvPr/>
-        </p:nvSpPr>
-        <p:spPr>
-          <a:xfrm>
-            <a:off x="6736340" y="2246939"/>
-            <a:ext cx="58613" cy="3152376"/>
-          </a:xfrm>
-          <a:prstGeom prst="rect">
-            <a:avLst/>
-          </a:prstGeom>
-          <a:solidFill>
-            <a:schemeClr val="accent2"/>
-          </a:solidFill>
-        </p:spPr>
-        <p:txBody>
-          <a:bodyPr rtlCol="0" anchor="ctr">
-            <a:noAutofit/>
-          </a:bodyPr>
-          <a:lstStyle/>
-          <a:p>
-            <a:pPr algn="ctr" eaLnBrk="1" hangingPunct="1">
-              <a:spcBef>
-                <a:spcPts val="384"/>
-              </a:spcBef>
-              <a:spcAft>
-                <a:spcPts val="0"/>
-              </a:spcAft>
-              <a:buClr>
-                <a:srgbClr val="00A9C5"/>
-              </a:buClr>
-              <a:buSzPct val="80000"/>
-            </a:pPr>
-            <a:endParaRPr lang="fr-FR" sz="1600" kern="0" dirty="0" smtClean="0">
-              <a:solidFill>
-                <a:schemeClr val="bg1"/>
-              </a:solidFill>
-              <a:latin typeface="+mj-lt"/>
-            </a:endParaRPr>
-          </a:p>
-        </p:txBody>
-      </p:sp>
-      <p:sp>
-        <p:nvSpPr>
-          <p:cNvPr id="33" name="Chevron 32"/>
-          <p:cNvSpPr/>
-          <p:nvPr/>
-        </p:nvSpPr>
-        <p:spPr>
-          <a:xfrm>
-            <a:off x="2481685" y="2610005"/>
-            <a:ext cx="2127328" cy="871501"/>
-          </a:xfrm>
-          <a:prstGeom prst="chevron">
-            <a:avLst/>
-          </a:prstGeom>
-          <a:solidFill>
-            <a:srgbClr val="0070C0"/>
-          </a:solidFill>
-        </p:spPr>
-        <p:txBody>
-          <a:bodyPr rtlCol="0" anchor="ctr">
-            <a:noAutofit/>
-          </a:bodyPr>
-          <a:lstStyle/>
-          <a:p>
-            <a:pPr lvl="0" algn="ctr" eaLnBrk="1" hangingPunct="1">
-              <a:spcBef>
-                <a:spcPts val="384"/>
-              </a:spcBef>
-              <a:spcAft>
-                <a:spcPts val="0"/>
-              </a:spcAft>
-              <a:buClr>
-                <a:srgbClr val="00A9C5"/>
-              </a:buClr>
-              <a:buSzPct val="80000"/>
-            </a:pPr>
-            <a:r>
-              <a:rPr lang="fr-FR" sz="1600" kern="0" dirty="0">
-                <a:solidFill>
-                  <a:srgbClr val="FFFFFF"/>
-                </a:solidFill>
-                <a:latin typeface="Arial"/>
-              </a:rPr>
-              <a:t>Scan</a:t>
-            </a:r>
-          </a:p>
-          <a:p>
-            <a:pPr lvl="0" algn="ctr" eaLnBrk="1" hangingPunct="1">
-              <a:spcBef>
-                <a:spcPts val="384"/>
-              </a:spcBef>
-              <a:spcAft>
-                <a:spcPts val="0"/>
-              </a:spcAft>
-              <a:buClr>
-                <a:srgbClr val="00A9C5"/>
-              </a:buClr>
-              <a:buSzPct val="80000"/>
-            </a:pPr>
-            <a:r>
-              <a:rPr lang="fr-FR" sz="1600" kern="0" dirty="0">
-                <a:solidFill>
-                  <a:srgbClr val="FFFFFF"/>
-                </a:solidFill>
-                <a:latin typeface="Arial"/>
-              </a:rPr>
-              <a:t>documents</a:t>
-            </a:r>
-            <a:endParaRPr lang="fr-FR" sz="1600" kern="0" dirty="0">
-              <a:solidFill>
-                <a:srgbClr val="FFFFFF"/>
-              </a:solidFill>
-              <a:latin typeface="Arial"/>
-            </a:endParaRPr>
-          </a:p>
-        </p:txBody>
-      </p:sp>
-      <p:sp>
-        <p:nvSpPr>
-          <p:cNvPr id="34" name="Chevron 33"/>
-          <p:cNvSpPr/>
-          <p:nvPr/>
-        </p:nvSpPr>
-        <p:spPr>
-          <a:xfrm>
-            <a:off x="4609013" y="2634662"/>
-            <a:ext cx="2127328" cy="871501"/>
-          </a:xfrm>
-          <a:prstGeom prst="chevron">
-            <a:avLst/>
-          </a:prstGeom>
-          <a:solidFill>
-            <a:srgbClr val="0070C0"/>
-          </a:solidFill>
-        </p:spPr>
-        <p:txBody>
-          <a:bodyPr rtlCol="0" anchor="ctr">
-            <a:noAutofit/>
-          </a:bodyPr>
-          <a:lstStyle/>
-          <a:p>
-            <a:pPr lvl="0" algn="ctr" eaLnBrk="1" hangingPunct="1">
-              <a:spcBef>
-                <a:spcPts val="384"/>
-              </a:spcBef>
-              <a:spcAft>
-                <a:spcPts val="0"/>
-              </a:spcAft>
-              <a:buClr>
-                <a:srgbClr val="00A9C5"/>
-              </a:buClr>
-              <a:buSzPct val="80000"/>
-            </a:pPr>
-            <a:r>
-              <a:rPr lang="fr-FR" sz="1600" kern="0" dirty="0">
-                <a:solidFill>
-                  <a:srgbClr val="FFFFFF"/>
-                </a:solidFill>
-                <a:latin typeface="Arial"/>
-              </a:rPr>
-              <a:t>Saisie des infos perso</a:t>
-            </a:r>
-            <a:endParaRPr lang="fr-FR" sz="1600" kern="0" dirty="0">
-              <a:solidFill>
-                <a:srgbClr val="FFFFFF"/>
-              </a:solidFill>
-              <a:latin typeface="Arial"/>
-            </a:endParaRPr>
-          </a:p>
-        </p:txBody>
-      </p:sp>
-      <p:sp>
-        <p:nvSpPr>
-          <p:cNvPr id="35" name="Chevron 34"/>
-          <p:cNvSpPr/>
-          <p:nvPr/>
-        </p:nvSpPr>
-        <p:spPr>
-          <a:xfrm>
-            <a:off x="6803829" y="4191000"/>
-            <a:ext cx="4254655" cy="871501"/>
-          </a:xfrm>
-          <a:prstGeom prst="chevron">
-            <a:avLst/>
-          </a:prstGeom>
-          <a:solidFill>
-            <a:schemeClr val="bg2"/>
-          </a:solidFill>
-        </p:spPr>
-        <p:txBody>
-          <a:bodyPr rtlCol="0" anchor="ctr">
-            <a:noAutofit/>
-          </a:bodyPr>
-          <a:lstStyle/>
-          <a:p>
-            <a:pPr lvl="0" algn="ctr" eaLnBrk="1" hangingPunct="1">
-              <a:spcBef>
-                <a:spcPts val="384"/>
-              </a:spcBef>
-              <a:spcAft>
-                <a:spcPts val="0"/>
-              </a:spcAft>
-              <a:buClr>
-                <a:srgbClr val="00A9C5"/>
-              </a:buClr>
-              <a:buSzPct val="80000"/>
-            </a:pPr>
-            <a:r>
-              <a:rPr lang="fr-FR" sz="1600" kern="0" dirty="0" smtClean="0">
-                <a:solidFill>
-                  <a:srgbClr val="FFFFFF"/>
-                </a:solidFill>
-                <a:latin typeface="Arial"/>
-              </a:rPr>
-              <a:t>Traitements backoffice</a:t>
-            </a:r>
-            <a:endParaRPr lang="fr-FR" sz="1600" kern="0" dirty="0">
-              <a:solidFill>
-                <a:srgbClr val="FFFFFF"/>
-              </a:solidFill>
-              <a:latin typeface="Arial"/>
-            </a:endParaRPr>
-          </a:p>
-        </p:txBody>
-      </p:sp>
-      <p:sp>
-        <p:nvSpPr>
-          <p:cNvPr id="36" name="ZoneTexte 35"/>
-          <p:cNvSpPr txBox="1"/>
-          <p:nvPr/>
-        </p:nvSpPr>
-        <p:spPr>
-          <a:xfrm>
-            <a:off x="5878286" y="5889171"/>
-            <a:ext cx="914400" cy="914400"/>
-          </a:xfrm>
-          <a:prstGeom prst="rect">
-            <a:avLst/>
-          </a:prstGeom>
-          <a:noFill/>
-        </p:spPr>
-        <p:txBody>
-          <a:bodyPr wrap="none" rtlCol="0" anchor="ctr">
-            <a:noAutofit/>
-          </a:bodyPr>
-          <a:lstStyle/>
-          <a:p>
-            <a:pPr marL="273050" indent="-273050" eaLnBrk="1" hangingPunct="1">
-              <a:spcBef>
-                <a:spcPts val="384"/>
-              </a:spcBef>
-              <a:spcAft>
-                <a:spcPts val="0"/>
-              </a:spcAft>
-              <a:buClr>
-                <a:srgbClr val="00A9C5"/>
-              </a:buClr>
-              <a:buSzPct val="80000"/>
-              <a:buFont typeface="Wingdings" charset="2"/>
-              <a:buChar char=""/>
-            </a:pPr>
-            <a:endParaRPr lang="fr-FR" sz="1600" dirty="0" smtClean="0">
-              <a:solidFill>
-                <a:srgbClr val="4C4C4C"/>
-              </a:solidFill>
-              <a:latin typeface="+mj-lt"/>
-              <a:cs typeface="Helvetica"/>
-            </a:endParaRPr>
-          </a:p>
-        </p:txBody>
-      </p:sp>
-      <p:sp>
-        <p:nvSpPr>
-          <p:cNvPr id="37" name="ZoneTexte 36"/>
-          <p:cNvSpPr txBox="1"/>
-          <p:nvPr/>
-        </p:nvSpPr>
-        <p:spPr>
-          <a:xfrm>
-            <a:off x="6266078" y="5442536"/>
-            <a:ext cx="1005840" cy="914400"/>
-          </a:xfrm>
-          <a:prstGeom prst="rect">
-            <a:avLst/>
-          </a:prstGeom>
-          <a:noFill/>
-        </p:spPr>
-        <p:txBody>
-          <a:bodyPr wrap="none" rtlCol="0" anchor="ctr">
-            <a:noAutofit/>
-          </a:bodyPr>
-          <a:lstStyle/>
-          <a:p>
-            <a:pPr marL="273050" marR="0" lvl="0" indent="-273050" algn="ctr" defTabSz="914400" eaLnBrk="1" fontAlgn="auto" latinLnBrk="0" hangingPunct="1">
-              <a:lnSpc>
-                <a:spcPct val="100000"/>
-              </a:lnSpc>
-              <a:spcBef>
-                <a:spcPts val="384"/>
-              </a:spcBef>
-              <a:spcAft>
-                <a:spcPts val="0"/>
-              </a:spcAft>
-              <a:buClr>
-                <a:srgbClr val="00A9C5"/>
-              </a:buClr>
-              <a:buSzPct val="80000"/>
-              <a:buFont typeface="Wingdings" charset="2"/>
-              <a:buNone/>
-              <a:tabLst/>
-              <a:defRPr/>
-            </a:pPr>
-            <a:r>
-              <a:rPr lang="fr-FR" sz="1600" dirty="0" smtClean="0">
-                <a:solidFill>
-                  <a:srgbClr val="FF0000"/>
-                </a:solidFill>
-                <a:latin typeface="+mj-lt"/>
-                <a:cs typeface="Helvetica"/>
-              </a:rPr>
-              <a:t>Validation </a:t>
-            </a:r>
-            <a:r>
-              <a:rPr lang="fr-FR" sz="1600" smtClean="0">
-                <a:solidFill>
-                  <a:srgbClr val="FF0000"/>
-                </a:solidFill>
-                <a:latin typeface="+mj-lt"/>
-                <a:cs typeface="Helvetica"/>
-              </a:rPr>
-              <a:t>que </a:t>
-            </a:r>
-            <a:br>
-              <a:rPr lang="fr-FR" sz="1600" smtClean="0">
-                <a:solidFill>
-                  <a:srgbClr val="FF0000"/>
-                </a:solidFill>
-                <a:latin typeface="+mj-lt"/>
-                <a:cs typeface="Helvetica"/>
-              </a:rPr>
-            </a:br>
-            <a:r>
-              <a:rPr lang="fr-FR" sz="1600" smtClean="0">
-                <a:solidFill>
-                  <a:srgbClr val="FF0000"/>
-                </a:solidFill>
-                <a:latin typeface="+mj-lt"/>
-                <a:cs typeface="Helvetica"/>
-              </a:rPr>
-              <a:t>toutes les informations</a:t>
-            </a:r>
-          </a:p>
-          <a:p>
-            <a:pPr marL="273050" marR="0" lvl="0" indent="-273050" algn="ctr" defTabSz="914400" eaLnBrk="1" fontAlgn="auto" latinLnBrk="0" hangingPunct="1">
-              <a:lnSpc>
-                <a:spcPct val="100000"/>
-              </a:lnSpc>
-              <a:spcBef>
-                <a:spcPts val="384"/>
-              </a:spcBef>
-              <a:spcAft>
-                <a:spcPts val="0"/>
-              </a:spcAft>
-              <a:buClr>
-                <a:srgbClr val="00A9C5"/>
-              </a:buClr>
-              <a:buSzPct val="80000"/>
-              <a:buFont typeface="Wingdings" charset="2"/>
-              <a:buNone/>
-              <a:tabLst/>
-              <a:defRPr/>
-            </a:pPr>
-            <a:r>
-              <a:rPr lang="fr-FR" sz="1600" dirty="0" smtClean="0">
-                <a:solidFill>
-                  <a:srgbClr val="FF0000"/>
-                </a:solidFill>
-                <a:latin typeface="+mj-lt"/>
-                <a:cs typeface="Helvetica"/>
-              </a:rPr>
-              <a:t>requises sont là</a:t>
-            </a:r>
-            <a:endParaRPr lang="fr-FR" sz="1600" dirty="0" smtClean="0">
-              <a:solidFill>
-                <a:srgbClr val="FF0000"/>
-              </a:solidFill>
-              <a:latin typeface="+mj-lt"/>
-              <a:cs typeface="Helvetica"/>
-            </a:endParaRPr>
-          </a:p>
-        </p:txBody>
-      </p:sp>
-    </p:spTree>
-    <p:extLst>
-      <p:ext uri="{BB962C8B-B14F-4D97-AF65-F5344CB8AC3E}">
-        <p14:creationId xmlns:p14="http://schemas.microsoft.com/office/powerpoint/2010/main" val="1667529943"/>
-      </p:ext>
-    </p:extLst>
-  </p:cSld>
-  <p:clrMapOvr>
-    <a:masterClrMapping/>
-  </p:clrMapOvr>
-</p:sld>
-</file>
-
-<file path=ppt/slides/slide3.xml><?xml version="1.0" encoding="utf-8"?>
-<p:sld xmlns:a="http://schemas.openxmlformats.org/drawingml/2006/main" xmlns:r="http://schemas.openxmlformats.org/officeDocument/2006/relationships" xmlns:p="http://schemas.openxmlformats.org/presentationml/2006/main">
-  <p:cSld>
-    <p:spTree>
-      <p:nvGrpSpPr>
-        <p:cNvPr id="1" name=""/>
-        <p:cNvGrpSpPr/>
-        <p:nvPr/>
-      </p:nvGrpSpPr>
-      <p:grpSpPr>
-        <a:xfrm>
-          <a:off x="0" y="0"/>
-          <a:ext cx="0" cy="0"/>
-          <a:chOff x="0" y="0"/>
-          <a:chExt cx="0" cy="0"/>
-        </a:xfrm>
-      </p:grpSpPr>
-      <p:sp>
-        <p:nvSpPr>
-          <p:cNvPr id="5" name="Rectangle 4"/>
-          <p:cNvSpPr/>
-          <p:nvPr/>
-        </p:nvSpPr>
-        <p:spPr>
-          <a:xfrm>
-            <a:off x="923365" y="3222170"/>
-            <a:ext cx="4464423" cy="1735311"/>
-          </a:xfrm>
-          <a:prstGeom prst="rect">
-            <a:avLst/>
-          </a:prstGeom>
-          <a:noFill/>
-          <a:ln w="38100">
-            <a:solidFill>
-              <a:srgbClr val="00AFCB"/>
-            </a:solidFill>
-          </a:ln>
-        </p:spPr>
-        <p:txBody>
-          <a:bodyPr rtlCol="0" anchor="ctr">
-            <a:noAutofit/>
-          </a:bodyPr>
-          <a:lstStyle/>
-          <a:p>
-            <a:pPr algn="ctr" eaLnBrk="1" hangingPunct="1">
-              <a:spcBef>
-                <a:spcPts val="384"/>
-              </a:spcBef>
-              <a:spcAft>
-                <a:spcPts val="0"/>
-              </a:spcAft>
-              <a:buClr>
-                <a:srgbClr val="00A9C5"/>
-              </a:buClr>
-              <a:buSzPct val="80000"/>
-            </a:pPr>
-            <a:r>
-              <a:rPr lang="fr-FR" sz="2400" kern="0" dirty="0" smtClean="0">
-                <a:solidFill>
-                  <a:srgbClr val="00AFCB"/>
-                </a:solidFill>
-                <a:latin typeface="+mj-lt"/>
-              </a:rPr>
-              <a:t>Cœur métier</a:t>
-            </a:r>
-          </a:p>
-        </p:txBody>
-      </p:sp>
-      <p:pic>
-        <p:nvPicPr>
-          <p:cNvPr id="6" name="Image 5"/>
-          <p:cNvPicPr>
-            <a:picLocks noChangeAspect="1"/>
-          </p:cNvPicPr>
-          <p:nvPr/>
-        </p:nvPicPr>
-        <p:blipFill>
-          <a:blip r:embed="rId2">
-            <a:extLst>
-              <a:ext uri="{28A0092B-C50C-407E-A947-70E740481C1C}">
-                <a14:useLocalDpi xmlns:a14="http://schemas.microsoft.com/office/drawing/2010/main" val="0"/>
-              </a:ext>
-            </a:extLst>
-          </a:blip>
-          <a:stretch>
-            <a:fillRect/>
-          </a:stretch>
-        </p:blipFill>
-        <p:spPr>
-          <a:xfrm>
-            <a:off x="4615542" y="4076553"/>
-            <a:ext cx="567653" cy="772380"/>
-          </a:xfrm>
-          <a:prstGeom prst="rect">
-            <a:avLst/>
-          </a:prstGeom>
-        </p:spPr>
-      </p:pic>
-      <p:sp>
-        <p:nvSpPr>
-          <p:cNvPr id="8" name="Rectangle 7"/>
-          <p:cNvSpPr/>
-          <p:nvPr/>
-        </p:nvSpPr>
-        <p:spPr>
-          <a:xfrm>
-            <a:off x="6749142" y="3208897"/>
-            <a:ext cx="2242458" cy="1735311"/>
-          </a:xfrm>
-          <a:prstGeom prst="rect">
-            <a:avLst/>
-          </a:prstGeom>
-          <a:noFill/>
-          <a:ln w="38100">
-            <a:solidFill>
-              <a:srgbClr val="00AFCB"/>
-            </a:solidFill>
-          </a:ln>
-        </p:spPr>
-        <p:txBody>
-          <a:bodyPr rtlCol="0" anchor="ctr">
-            <a:noAutofit/>
-          </a:bodyPr>
-          <a:lstStyle/>
-          <a:p>
-            <a:pPr algn="ctr" eaLnBrk="1" hangingPunct="1">
-              <a:spcBef>
-                <a:spcPts val="384"/>
-              </a:spcBef>
-              <a:spcAft>
-                <a:spcPts val="0"/>
-              </a:spcAft>
-              <a:buClr>
-                <a:srgbClr val="00A9C5"/>
-              </a:buClr>
-              <a:buSzPct val="80000"/>
-            </a:pPr>
-            <a:r>
-              <a:rPr lang="fr-FR" sz="2400" kern="0" smtClean="0">
-                <a:solidFill>
-                  <a:srgbClr val="00AFCB"/>
-                </a:solidFill>
-                <a:latin typeface="+mj-lt"/>
-              </a:rPr>
-              <a:t>Reste du SI</a:t>
-            </a:r>
-            <a:endParaRPr lang="fr-FR" sz="2400" kern="0" dirty="0" smtClean="0">
-              <a:solidFill>
-                <a:srgbClr val="00AFCB"/>
-              </a:solidFill>
-              <a:latin typeface="+mj-lt"/>
-            </a:endParaRPr>
-          </a:p>
-        </p:txBody>
-      </p:sp>
-      <p:cxnSp>
-        <p:nvCxnSpPr>
-          <p:cNvPr id="10" name="Connecteur droit avec flèche 9"/>
-          <p:cNvCxnSpPr>
-            <a:stCxn id="16" idx="2"/>
-            <a:endCxn id="5" idx="0"/>
-          </p:cNvCxnSpPr>
-          <p:nvPr/>
-        </p:nvCxnSpPr>
-        <p:spPr bwMode="auto">
-          <a:xfrm>
-            <a:off x="3155576" y="2691729"/>
-            <a:ext cx="1" cy="530441"/>
-          </a:xfrm>
-          <a:prstGeom prst="straightConnector1">
-            <a:avLst/>
-          </a:prstGeom>
-          <a:solidFill>
-            <a:schemeClr val="accent1"/>
-          </a:solidFill>
-          <a:ln w="38100" cap="flat" cmpd="sng" algn="ctr">
-            <a:solidFill>
-              <a:schemeClr val="tx2"/>
-            </a:solidFill>
-            <a:prstDash val="solid"/>
-            <a:round/>
-            <a:headEnd type="none" w="med" len="med"/>
-            <a:tailEnd type="triangle" w="lg" len="lg"/>
-          </a:ln>
-          <a:effectLst/>
-        </p:spPr>
-      </p:cxnSp>
-      <p:cxnSp>
-        <p:nvCxnSpPr>
-          <p:cNvPr id="11" name="Connecteur droit avec flèche 10"/>
-          <p:cNvCxnSpPr>
-            <a:stCxn id="5" idx="3"/>
-            <a:endCxn id="8" idx="1"/>
-          </p:cNvCxnSpPr>
-          <p:nvPr/>
-        </p:nvCxnSpPr>
-        <p:spPr bwMode="auto">
-          <a:xfrm flipV="1">
-            <a:off x="5387788" y="4076553"/>
-            <a:ext cx="1361354" cy="13273"/>
-          </a:xfrm>
-          <a:prstGeom prst="straightConnector1">
-            <a:avLst/>
-          </a:prstGeom>
-          <a:solidFill>
-            <a:schemeClr val="accent1"/>
-          </a:solidFill>
-          <a:ln w="38100" cap="flat" cmpd="sng" algn="ctr">
-            <a:solidFill>
-              <a:schemeClr val="tx2"/>
-            </a:solidFill>
-            <a:prstDash val="solid"/>
-            <a:round/>
-            <a:headEnd type="triangle" w="lg" len="lg"/>
-            <a:tailEnd type="triangle" w="lg" len="lg"/>
-          </a:ln>
-          <a:effectLst/>
-        </p:spPr>
-      </p:cxnSp>
-      <p:sp>
-        <p:nvSpPr>
-          <p:cNvPr id="16" name="Rectangle 15"/>
-          <p:cNvSpPr/>
-          <p:nvPr/>
-        </p:nvSpPr>
-        <p:spPr>
-          <a:xfrm>
-            <a:off x="2215082" y="1273630"/>
-            <a:ext cx="1880987" cy="1418099"/>
-          </a:xfrm>
-          <a:prstGeom prst="rect">
-            <a:avLst/>
-          </a:prstGeom>
-          <a:noFill/>
-          <a:ln w="38100">
-            <a:solidFill>
-              <a:srgbClr val="00AFCB"/>
-            </a:solidFill>
-          </a:ln>
-        </p:spPr>
-        <p:txBody>
-          <a:bodyPr rtlCol="0" anchor="ctr">
-            <a:noAutofit/>
-          </a:bodyPr>
-          <a:lstStyle/>
-          <a:p>
-            <a:pPr lvl="0" algn="ctr" eaLnBrk="1" hangingPunct="1">
-              <a:spcBef>
-                <a:spcPts val="384"/>
-              </a:spcBef>
-              <a:spcAft>
-                <a:spcPts val="0"/>
-              </a:spcAft>
-              <a:buClr>
-                <a:srgbClr val="00A9C5"/>
-              </a:buClr>
-              <a:buSzPct val="80000"/>
-            </a:pPr>
-            <a:r>
-              <a:rPr lang="fr-FR" sz="2400" kern="0" dirty="0">
-                <a:solidFill>
-                  <a:srgbClr val="00AFCB"/>
-                </a:solidFill>
-                <a:latin typeface="Arial"/>
-              </a:rPr>
-              <a:t>Écrans backoffice</a:t>
-            </a:r>
-          </a:p>
-        </p:txBody>
-      </p:sp>
-    </p:spTree>
-    <p:extLst>
-      <p:ext uri="{BB962C8B-B14F-4D97-AF65-F5344CB8AC3E}">
-        <p14:creationId xmlns:p14="http://schemas.microsoft.com/office/powerpoint/2010/main" val="763223844"/>
-      </p:ext>
-    </p:extLst>
-  </p:cSld>
-  <p:clrMapOvr>
-    <a:masterClrMapping/>
-  </p:clrMapOvr>
-</p:sld>
-</file>
-
-<file path=ppt/slides/slide4.xml><?xml version="1.0" encoding="utf-8"?>
-<p:sld xmlns:a="http://schemas.openxmlformats.org/drawingml/2006/main" xmlns:r="http://schemas.openxmlformats.org/officeDocument/2006/relationships" xmlns:p="http://schemas.openxmlformats.org/presentationml/2006/main">
-  <p:cSld>
-    <p:spTree>
-      <p:nvGrpSpPr>
-        <p:cNvPr id="1" name=""/>
-        <p:cNvGrpSpPr/>
-        <p:nvPr/>
-      </p:nvGrpSpPr>
-      <p:grpSpPr>
-        <a:xfrm>
-          <a:off x="0" y="0"/>
-          <a:ext cx="0" cy="0"/>
-          <a:chOff x="0" y="0"/>
-          <a:chExt cx="0" cy="0"/>
-        </a:xfrm>
-      </p:grpSpPr>
-      <p:sp>
-        <p:nvSpPr>
-          <p:cNvPr id="8" name="Rectangle 7"/>
-          <p:cNvSpPr/>
-          <p:nvPr/>
-        </p:nvSpPr>
-        <p:spPr>
-          <a:xfrm>
-            <a:off x="9547430" y="4082145"/>
-            <a:ext cx="1884384" cy="1418099"/>
-          </a:xfrm>
-          <a:prstGeom prst="rect">
-            <a:avLst/>
-          </a:prstGeom>
-          <a:noFill/>
-          <a:ln w="38100">
-            <a:solidFill>
-              <a:srgbClr val="00AFCB"/>
-            </a:solidFill>
-          </a:ln>
-        </p:spPr>
-        <p:txBody>
-          <a:bodyPr rtlCol="0" anchor="ctr">
-            <a:noAutofit/>
-          </a:bodyPr>
-          <a:lstStyle/>
-          <a:p>
-            <a:pPr algn="ctr" eaLnBrk="1" hangingPunct="1">
-              <a:spcBef>
-                <a:spcPts val="384"/>
-              </a:spcBef>
-              <a:spcAft>
-                <a:spcPts val="0"/>
-              </a:spcAft>
-              <a:buClr>
-                <a:srgbClr val="00A9C5"/>
-              </a:buClr>
-              <a:buSzPct val="80000"/>
-            </a:pPr>
-            <a:r>
-              <a:rPr lang="fr-FR" sz="2400" kern="0" smtClean="0">
-                <a:solidFill>
-                  <a:srgbClr val="00AFCB"/>
-                </a:solidFill>
-                <a:latin typeface="+mj-lt"/>
-              </a:rPr>
-              <a:t>Reste du SI</a:t>
-            </a:r>
-            <a:endParaRPr lang="fr-FR" sz="2400" kern="0" dirty="0" smtClean="0">
-              <a:solidFill>
-                <a:srgbClr val="00AFCB"/>
-              </a:solidFill>
-              <a:latin typeface="+mj-lt"/>
-            </a:endParaRPr>
-          </a:p>
-        </p:txBody>
-      </p:sp>
-      <p:cxnSp>
-        <p:nvCxnSpPr>
-          <p:cNvPr id="10" name="Connecteur droit avec flèche 9"/>
-          <p:cNvCxnSpPr>
-            <a:stCxn id="7" idx="3"/>
-            <a:endCxn id="42" idx="1"/>
-          </p:cNvCxnSpPr>
-          <p:nvPr/>
-        </p:nvCxnSpPr>
-        <p:spPr bwMode="auto">
-          <a:xfrm>
-            <a:off x="2104384" y="3127404"/>
-            <a:ext cx="968586" cy="1303749"/>
-          </a:xfrm>
-          <a:prstGeom prst="straightConnector1">
-            <a:avLst/>
-          </a:prstGeom>
-          <a:solidFill>
-            <a:schemeClr val="accent1"/>
-          </a:solidFill>
-          <a:ln w="38100" cap="flat" cmpd="sng" algn="ctr">
-            <a:solidFill>
-              <a:schemeClr val="tx2"/>
-            </a:solidFill>
-            <a:prstDash val="solid"/>
-            <a:round/>
-            <a:headEnd type="triangle" w="lg" len="lg"/>
-            <a:tailEnd type="triangle" w="lg" len="lg"/>
-          </a:ln>
-          <a:effectLst/>
-        </p:spPr>
-      </p:cxnSp>
-      <p:cxnSp>
-        <p:nvCxnSpPr>
-          <p:cNvPr id="11" name="Connecteur droit avec flèche 10"/>
-          <p:cNvCxnSpPr>
-            <a:stCxn id="5" idx="3"/>
-            <a:endCxn id="8" idx="1"/>
-          </p:cNvCxnSpPr>
-          <p:nvPr/>
-        </p:nvCxnSpPr>
-        <p:spPr bwMode="auto">
-          <a:xfrm>
-            <a:off x="8720254" y="4785751"/>
-            <a:ext cx="827176" cy="5444"/>
-          </a:xfrm>
-          <a:prstGeom prst="straightConnector1">
-            <a:avLst/>
-          </a:prstGeom>
-          <a:solidFill>
-            <a:schemeClr val="accent1"/>
-          </a:solidFill>
-          <a:ln w="38100" cap="flat" cmpd="sng" algn="ctr">
-            <a:solidFill>
-              <a:schemeClr val="tx2"/>
-            </a:solidFill>
-            <a:prstDash val="solid"/>
-            <a:round/>
-            <a:headEnd type="triangle" w="lg" len="lg"/>
-            <a:tailEnd type="triangle" w="lg" len="lg"/>
-          </a:ln>
-          <a:effectLst/>
-        </p:spPr>
-      </p:cxnSp>
-      <p:cxnSp>
-        <p:nvCxnSpPr>
-          <p:cNvPr id="26" name="Connecteur droit avec flèche 25"/>
-          <p:cNvCxnSpPr>
-            <a:stCxn id="15" idx="2"/>
-            <a:endCxn id="38" idx="0"/>
-          </p:cNvCxnSpPr>
-          <p:nvPr/>
-        </p:nvCxnSpPr>
-        <p:spPr bwMode="auto">
-          <a:xfrm>
-            <a:off x="5896613" y="3490202"/>
-            <a:ext cx="0" cy="581055"/>
-          </a:xfrm>
-          <a:prstGeom prst="straightConnector1">
-            <a:avLst/>
-          </a:prstGeom>
-          <a:solidFill>
-            <a:schemeClr val="accent1"/>
-          </a:solidFill>
-          <a:ln w="38100" cap="flat" cmpd="sng" algn="ctr">
-            <a:solidFill>
-              <a:schemeClr val="tx2"/>
-            </a:solidFill>
-            <a:prstDash val="solid"/>
-            <a:round/>
-            <a:headEnd type="none" w="med" len="med"/>
-            <a:tailEnd type="triangle" w="lg" len="lg"/>
-          </a:ln>
-          <a:effectLst/>
-        </p:spPr>
-      </p:cxnSp>
-      <p:cxnSp>
-        <p:nvCxnSpPr>
-          <p:cNvPr id="31" name="Connecteur droit avec flèche 30"/>
-          <p:cNvCxnSpPr>
-            <a:stCxn id="16" idx="2"/>
-            <a:endCxn id="15" idx="0"/>
-          </p:cNvCxnSpPr>
-          <p:nvPr/>
-        </p:nvCxnSpPr>
-        <p:spPr bwMode="auto">
-          <a:xfrm>
-            <a:off x="5896613" y="1491343"/>
-            <a:ext cx="0" cy="580760"/>
-          </a:xfrm>
-          <a:prstGeom prst="straightConnector1">
-            <a:avLst/>
-          </a:prstGeom>
-          <a:solidFill>
-            <a:schemeClr val="accent1"/>
-          </a:solidFill>
-          <a:ln w="38100" cap="flat" cmpd="sng" algn="ctr">
-            <a:solidFill>
-              <a:schemeClr val="tx2"/>
-            </a:solidFill>
-            <a:prstDash val="solid"/>
-            <a:round/>
-            <a:headEnd type="none" w="med" len="med"/>
-            <a:tailEnd type="triangle" w="lg" len="lg"/>
-          </a:ln>
-          <a:effectLst/>
-        </p:spPr>
-      </p:cxnSp>
-      <p:cxnSp>
-        <p:nvCxnSpPr>
-          <p:cNvPr id="34" name="Connecteur droit avec flèche 33"/>
-          <p:cNvCxnSpPr>
-            <a:stCxn id="13" idx="2"/>
-            <a:endCxn id="12" idx="0"/>
-          </p:cNvCxnSpPr>
-          <p:nvPr/>
-        </p:nvCxnSpPr>
-        <p:spPr bwMode="auto">
-          <a:xfrm flipH="1">
-            <a:off x="3530252" y="1491343"/>
-            <a:ext cx="12482" cy="575464"/>
-          </a:xfrm>
-          <a:prstGeom prst="straightConnector1">
-            <a:avLst/>
-          </a:prstGeom>
-          <a:solidFill>
-            <a:schemeClr val="accent1"/>
-          </a:solidFill>
-          <a:ln w="38100" cap="flat" cmpd="sng" algn="ctr">
-            <a:solidFill>
-              <a:schemeClr val="tx2"/>
-            </a:solidFill>
-            <a:prstDash val="solid"/>
-            <a:round/>
-            <a:headEnd type="none" w="med" len="med"/>
-            <a:tailEnd type="triangle" w="lg" len="lg"/>
-          </a:ln>
-          <a:effectLst/>
-        </p:spPr>
-      </p:cxnSp>
-      <p:cxnSp>
-        <p:nvCxnSpPr>
-          <p:cNvPr id="23" name="Connecteur droit avec flèche 22"/>
-          <p:cNvCxnSpPr>
-            <a:stCxn id="12" idx="2"/>
-            <a:endCxn id="38" idx="0"/>
-          </p:cNvCxnSpPr>
-          <p:nvPr/>
-        </p:nvCxnSpPr>
-        <p:spPr bwMode="auto">
-          <a:xfrm>
-            <a:off x="3530252" y="3484906"/>
-            <a:ext cx="2366361" cy="586351"/>
-          </a:xfrm>
-          <a:prstGeom prst="straightConnector1">
-            <a:avLst/>
-          </a:prstGeom>
-          <a:solidFill>
-            <a:schemeClr val="accent1"/>
-          </a:solidFill>
-          <a:ln w="38100" cap="flat" cmpd="sng" algn="ctr">
-            <a:solidFill>
-              <a:schemeClr val="tx2"/>
-            </a:solidFill>
-            <a:prstDash val="solid"/>
-            <a:round/>
-            <a:headEnd type="none" w="med" len="med"/>
-            <a:tailEnd type="triangle" w="lg" len="lg"/>
-          </a:ln>
-          <a:effectLst/>
-        </p:spPr>
-      </p:cxnSp>
-      <p:sp>
-        <p:nvSpPr>
-          <p:cNvPr id="7" name="Rectangle 6"/>
-          <p:cNvSpPr/>
-          <p:nvPr/>
-        </p:nvSpPr>
-        <p:spPr>
-          <a:xfrm>
-            <a:off x="223397" y="2418354"/>
-            <a:ext cx="1880987" cy="1418099"/>
-          </a:xfrm>
-          <a:prstGeom prst="rect">
-            <a:avLst/>
-          </a:prstGeom>
-          <a:noFill/>
-          <a:ln w="38100">
-            <a:solidFill>
-              <a:srgbClr val="00AFCB"/>
-            </a:solidFill>
-          </a:ln>
-        </p:spPr>
-        <p:txBody>
-          <a:bodyPr rtlCol="0" anchor="ctr">
-            <a:noAutofit/>
-          </a:bodyPr>
-          <a:lstStyle/>
-          <a:p>
-            <a:pPr lvl="0" algn="ctr" eaLnBrk="1" hangingPunct="1">
-              <a:spcBef>
-                <a:spcPts val="384"/>
-              </a:spcBef>
-              <a:spcAft>
-                <a:spcPts val="0"/>
-              </a:spcAft>
-              <a:buClr>
-                <a:srgbClr val="00A9C5"/>
-              </a:buClr>
-              <a:buSzPct val="80000"/>
-            </a:pPr>
-            <a:r>
-              <a:rPr lang="fr-FR" sz="2400" kern="0" dirty="0" smtClean="0">
-                <a:solidFill>
-                  <a:srgbClr val="00AFCB"/>
-                </a:solidFill>
-                <a:latin typeface="Arial"/>
-              </a:rPr>
-              <a:t>Partenaire 1</a:t>
-            </a:r>
-            <a:endParaRPr lang="fr-FR" sz="2400" kern="0" dirty="0">
-              <a:solidFill>
-                <a:srgbClr val="00AFCB"/>
-              </a:solidFill>
-              <a:latin typeface="Arial"/>
-            </a:endParaRPr>
-          </a:p>
-        </p:txBody>
-      </p:sp>
-      <p:grpSp>
-        <p:nvGrpSpPr>
-          <p:cNvPr id="18" name="Grouper 17"/>
-          <p:cNvGrpSpPr/>
-          <p:nvPr/>
-        </p:nvGrpSpPr>
-        <p:grpSpPr>
-          <a:xfrm>
-            <a:off x="3072970" y="4071257"/>
-            <a:ext cx="5647284" cy="1428987"/>
-            <a:chOff x="2589758" y="4071257"/>
-            <a:chExt cx="5647284" cy="1428987"/>
-          </a:xfrm>
-        </p:grpSpPr>
-        <p:sp>
-          <p:nvSpPr>
-            <p:cNvPr id="5" name="Rectangle 4"/>
-            <p:cNvSpPr/>
-            <p:nvPr/>
-          </p:nvSpPr>
-          <p:spPr>
-            <a:xfrm>
-              <a:off x="2589759" y="4071258"/>
-              <a:ext cx="5647283" cy="1428986"/>
-            </a:xfrm>
-            <a:prstGeom prst="rect">
-              <a:avLst/>
-            </a:prstGeom>
-            <a:noFill/>
-            <a:ln w="38100">
-              <a:solidFill>
-                <a:srgbClr val="00AFCB"/>
-              </a:solidFill>
-            </a:ln>
-          </p:spPr>
-          <p:txBody>
-            <a:bodyPr rtlCol="0" anchor="b">
-              <a:noAutofit/>
-            </a:bodyPr>
-            <a:lstStyle/>
-            <a:p>
-              <a:pPr algn="r" eaLnBrk="1" hangingPunct="1">
-                <a:spcBef>
-                  <a:spcPts val="384"/>
-                </a:spcBef>
-                <a:spcAft>
-                  <a:spcPts val="0"/>
-                </a:spcAft>
-                <a:buClr>
-                  <a:srgbClr val="00A9C5"/>
-                </a:buClr>
-                <a:buSzPct val="80000"/>
-              </a:pPr>
-              <a:r>
-                <a:rPr lang="fr-FR" sz="2400" kern="0" dirty="0" smtClean="0">
-                  <a:solidFill>
-                    <a:srgbClr val="00AFCB"/>
-                  </a:solidFill>
-                  <a:latin typeface="+mj-lt"/>
-                </a:rPr>
-                <a:t>Cœur métier</a:t>
-              </a:r>
-              <a:endParaRPr lang="fr-FR" sz="2400" kern="0" dirty="0" smtClean="0">
-                <a:solidFill>
-                  <a:srgbClr val="00AFCB"/>
-                </a:solidFill>
-                <a:latin typeface="+mj-lt"/>
-              </a:endParaRPr>
-            </a:p>
-          </p:txBody>
-        </p:sp>
-        <p:pic>
-          <p:nvPicPr>
-            <p:cNvPr id="6" name="Image 5"/>
-            <p:cNvPicPr>
-              <a:picLocks noChangeAspect="1"/>
-            </p:cNvPicPr>
-            <p:nvPr/>
-          </p:nvPicPr>
-          <p:blipFill>
-            <a:blip r:embed="rId2">
-              <a:extLst>
-                <a:ext uri="{28A0092B-C50C-407E-A947-70E740481C1C}">
-                  <a14:useLocalDpi xmlns:a14="http://schemas.microsoft.com/office/drawing/2010/main" val="0"/>
-                </a:ext>
-              </a:extLst>
-            </a:blip>
-            <a:stretch>
-              <a:fillRect/>
-            </a:stretch>
-          </p:blipFill>
-          <p:spPr>
-            <a:xfrm>
-              <a:off x="7612562" y="4194702"/>
-              <a:ext cx="567653" cy="772380"/>
-            </a:xfrm>
-            <a:prstGeom prst="rect">
-              <a:avLst/>
-            </a:prstGeom>
-          </p:spPr>
-        </p:pic>
-        <p:sp>
-          <p:nvSpPr>
-            <p:cNvPr id="38" name="Rectangle 37"/>
-            <p:cNvSpPr/>
-            <p:nvPr/>
-          </p:nvSpPr>
-          <p:spPr>
-            <a:xfrm>
-              <a:off x="4472907" y="4071257"/>
-              <a:ext cx="1880987" cy="714348"/>
-            </a:xfrm>
-            <a:prstGeom prst="rect">
-              <a:avLst/>
-            </a:prstGeom>
-            <a:noFill/>
-            <a:ln w="38100">
-              <a:solidFill>
-                <a:srgbClr val="00AFCB"/>
-              </a:solidFill>
-            </a:ln>
-          </p:spPr>
-          <p:txBody>
-            <a:bodyPr rtlCol="0" anchor="ctr">
-              <a:noAutofit/>
-            </a:bodyPr>
-            <a:lstStyle/>
-            <a:p>
-              <a:pPr algn="ctr" eaLnBrk="1" hangingPunct="1">
-                <a:spcBef>
-                  <a:spcPts val="384"/>
-                </a:spcBef>
-                <a:spcAft>
-                  <a:spcPts val="0"/>
-                </a:spcAft>
-                <a:buClr>
-                  <a:srgbClr val="00A9C5"/>
-                </a:buClr>
-                <a:buSzPct val="80000"/>
-              </a:pPr>
-              <a:r>
-                <a:rPr lang="fr-FR" sz="1800" kern="0" dirty="0" smtClean="0">
-                  <a:solidFill>
-                    <a:srgbClr val="00AFCB"/>
-                  </a:solidFill>
-                  <a:latin typeface="+mj-lt"/>
-                </a:rPr>
-                <a:t>Services</a:t>
-              </a:r>
-              <a:br>
-                <a:rPr lang="fr-FR" sz="1800" kern="0" dirty="0" smtClean="0">
-                  <a:solidFill>
-                    <a:srgbClr val="00AFCB"/>
-                  </a:solidFill>
-                  <a:latin typeface="+mj-lt"/>
-                </a:rPr>
-              </a:br>
-              <a:r>
-                <a:rPr lang="fr-FR" sz="1800" kern="0" dirty="0" smtClean="0">
-                  <a:solidFill>
-                    <a:srgbClr val="00AFCB"/>
-                  </a:solidFill>
-                  <a:latin typeface="+mj-lt"/>
-                </a:rPr>
-                <a:t>client</a:t>
-              </a:r>
-            </a:p>
-          </p:txBody>
-        </p:sp>
-        <p:sp>
-          <p:nvSpPr>
-            <p:cNvPr id="42" name="Rectangle 41"/>
-            <p:cNvSpPr/>
-            <p:nvPr/>
-          </p:nvSpPr>
-          <p:spPr>
-            <a:xfrm>
-              <a:off x="2589758" y="4071257"/>
-              <a:ext cx="1885309" cy="719791"/>
-            </a:xfrm>
-            <a:prstGeom prst="rect">
-              <a:avLst/>
-            </a:prstGeom>
-            <a:noFill/>
-            <a:ln w="38100">
-              <a:solidFill>
-                <a:srgbClr val="00AFCB"/>
-              </a:solidFill>
-            </a:ln>
-          </p:spPr>
-          <p:txBody>
-            <a:bodyPr rtlCol="0" anchor="ctr">
-              <a:noAutofit/>
-            </a:bodyPr>
-            <a:lstStyle/>
-            <a:p>
-              <a:pPr lvl="0" algn="ctr" eaLnBrk="1" hangingPunct="1">
-                <a:spcBef>
-                  <a:spcPts val="384"/>
-                </a:spcBef>
-                <a:spcAft>
-                  <a:spcPts val="0"/>
-                </a:spcAft>
-                <a:buClr>
-                  <a:srgbClr val="00A9C5"/>
-                </a:buClr>
-                <a:buSzPct val="80000"/>
-              </a:pPr>
-              <a:r>
-                <a:rPr lang="fr-FR" sz="1800" kern="0" dirty="0">
-                  <a:solidFill>
-                    <a:srgbClr val="00AFCB"/>
-                  </a:solidFill>
-                  <a:latin typeface="Arial"/>
-                </a:rPr>
-                <a:t>Services </a:t>
-              </a:r>
-              <a:r>
-                <a:rPr lang="fr-FR" sz="1800" kern="0" dirty="0" smtClean="0">
-                  <a:solidFill>
-                    <a:srgbClr val="00AFCB"/>
-                  </a:solidFill>
-                  <a:latin typeface="Arial"/>
-                </a:rPr>
-                <a:t>partenaire 1</a:t>
-              </a:r>
-              <a:endParaRPr lang="fr-FR" sz="1800" kern="0" dirty="0">
-                <a:solidFill>
-                  <a:srgbClr val="00AFCB"/>
-                </a:solidFill>
-                <a:latin typeface="Arial"/>
-              </a:endParaRPr>
-            </a:p>
-          </p:txBody>
-        </p:sp>
-        <p:sp>
-          <p:nvSpPr>
-            <p:cNvPr id="58" name="Rectangle 57"/>
-            <p:cNvSpPr/>
-            <p:nvPr/>
-          </p:nvSpPr>
-          <p:spPr>
-            <a:xfrm>
-              <a:off x="6356055" y="4076553"/>
-              <a:ext cx="1880987" cy="579179"/>
-            </a:xfrm>
-            <a:prstGeom prst="rect">
-              <a:avLst/>
-            </a:prstGeom>
-            <a:noFill/>
-            <a:ln w="38100">
-              <a:noFill/>
-            </a:ln>
-          </p:spPr>
-          <p:txBody>
-            <a:bodyPr rtlCol="0" anchor="ctr">
-              <a:noAutofit/>
-            </a:bodyPr>
-            <a:lstStyle/>
-            <a:p>
-              <a:pPr algn="ctr" eaLnBrk="1" hangingPunct="1">
-                <a:spcBef>
-                  <a:spcPts val="384"/>
-                </a:spcBef>
-                <a:spcAft>
-                  <a:spcPts val="0"/>
-                </a:spcAft>
-                <a:buClr>
-                  <a:srgbClr val="00A9C5"/>
-                </a:buClr>
-                <a:buSzPct val="80000"/>
-              </a:pPr>
-              <a:endParaRPr lang="fr-FR" sz="1800" kern="0" dirty="0" smtClean="0">
-                <a:solidFill>
-                  <a:srgbClr val="00AFCB"/>
-                </a:solidFill>
-                <a:latin typeface="+mj-lt"/>
-              </a:endParaRPr>
-            </a:p>
-          </p:txBody>
-        </p:sp>
-      </p:grpSp>
-      <p:cxnSp>
-        <p:nvCxnSpPr>
-          <p:cNvPr id="60" name="Connecteur droit avec flèche 59"/>
-          <p:cNvCxnSpPr>
-            <a:stCxn id="47" idx="2"/>
-            <a:endCxn id="58" idx="0"/>
-          </p:cNvCxnSpPr>
-          <p:nvPr/>
-        </p:nvCxnSpPr>
-        <p:spPr bwMode="auto">
-          <a:xfrm flipH="1">
-            <a:off x="7779761" y="3484906"/>
-            <a:ext cx="483213" cy="591647"/>
-          </a:xfrm>
-          <a:prstGeom prst="straightConnector1">
-            <a:avLst/>
-          </a:prstGeom>
-          <a:solidFill>
-            <a:schemeClr val="accent1"/>
-          </a:solidFill>
-          <a:ln w="38100" cap="flat" cmpd="sng" algn="ctr">
-            <a:solidFill>
-              <a:schemeClr val="tx2"/>
-            </a:solidFill>
-            <a:prstDash val="solid"/>
-            <a:round/>
-            <a:headEnd type="none" w="lg" len="lg"/>
-            <a:tailEnd type="triangle" w="lg" len="lg"/>
-          </a:ln>
-          <a:effectLst/>
-        </p:spPr>
-      </p:cxnSp>
-      <p:grpSp>
-        <p:nvGrpSpPr>
-          <p:cNvPr id="14" name="Grouper 13"/>
-          <p:cNvGrpSpPr/>
-          <p:nvPr/>
-        </p:nvGrpSpPr>
-        <p:grpSpPr>
-          <a:xfrm>
-            <a:off x="2589758" y="2066807"/>
-            <a:ext cx="6613709" cy="1423395"/>
-            <a:chOff x="2589758" y="2066807"/>
-            <a:chExt cx="6613709" cy="1423395"/>
-          </a:xfrm>
-        </p:grpSpPr>
-        <p:sp>
-          <p:nvSpPr>
-            <p:cNvPr id="12" name="Rectangle 11"/>
-            <p:cNvSpPr/>
-            <p:nvPr/>
-          </p:nvSpPr>
-          <p:spPr>
-            <a:xfrm>
-              <a:off x="2589758" y="2066807"/>
-              <a:ext cx="1880987" cy="1418099"/>
-            </a:xfrm>
-            <a:prstGeom prst="rect">
-              <a:avLst/>
-            </a:prstGeom>
-            <a:noFill/>
-            <a:ln w="38100">
-              <a:solidFill>
-                <a:srgbClr val="00AFCB"/>
-              </a:solidFill>
-            </a:ln>
-          </p:spPr>
-          <p:txBody>
-            <a:bodyPr rtlCol="0" anchor="ctr">
-              <a:noAutofit/>
-            </a:bodyPr>
-            <a:lstStyle/>
-            <a:p>
-              <a:pPr algn="ctr" eaLnBrk="1" hangingPunct="1">
-                <a:spcBef>
-                  <a:spcPts val="384"/>
-                </a:spcBef>
-                <a:spcAft>
-                  <a:spcPts val="0"/>
-                </a:spcAft>
-                <a:buClr>
-                  <a:srgbClr val="00A9C5"/>
-                </a:buClr>
-                <a:buSzPct val="80000"/>
-              </a:pPr>
-              <a:r>
-                <a:rPr lang="fr-FR" sz="2400" kern="0" dirty="0" err="1" smtClean="0">
-                  <a:solidFill>
-                    <a:srgbClr val="00AFCB"/>
-                  </a:solidFill>
-                  <a:latin typeface="+mj-lt"/>
-                </a:rPr>
-                <a:t>Backend</a:t>
-              </a:r>
-              <a:r>
-                <a:rPr lang="fr-FR" sz="2400" kern="0" dirty="0" smtClean="0">
-                  <a:solidFill>
-                    <a:srgbClr val="00AFCB"/>
-                  </a:solidFill>
-                  <a:latin typeface="+mj-lt"/>
-                </a:rPr>
-                <a:t> site web client</a:t>
-              </a:r>
-            </a:p>
-          </p:txBody>
-        </p:sp>
-        <p:sp>
-          <p:nvSpPr>
-            <p:cNvPr id="15" name="Rectangle 14"/>
-            <p:cNvSpPr/>
-            <p:nvPr/>
-          </p:nvSpPr>
-          <p:spPr>
-            <a:xfrm>
-              <a:off x="4956119" y="2072103"/>
-              <a:ext cx="1880987" cy="1418099"/>
-            </a:xfrm>
-            <a:prstGeom prst="rect">
-              <a:avLst/>
-            </a:prstGeom>
-            <a:noFill/>
-            <a:ln w="38100">
-              <a:solidFill>
-                <a:srgbClr val="00AFCB"/>
-              </a:solidFill>
-            </a:ln>
-          </p:spPr>
-          <p:txBody>
-            <a:bodyPr rtlCol="0" anchor="ctr">
-              <a:noAutofit/>
-            </a:bodyPr>
-            <a:lstStyle/>
-            <a:p>
-              <a:pPr algn="ctr" eaLnBrk="1" hangingPunct="1">
-                <a:spcBef>
-                  <a:spcPts val="384"/>
-                </a:spcBef>
-                <a:spcAft>
-                  <a:spcPts val="0"/>
-                </a:spcAft>
-                <a:buClr>
-                  <a:srgbClr val="00A9C5"/>
-                </a:buClr>
-                <a:buSzPct val="80000"/>
-              </a:pPr>
-              <a:r>
-                <a:rPr lang="fr-FR" sz="2400" kern="0" dirty="0" err="1" smtClean="0">
-                  <a:solidFill>
-                    <a:srgbClr val="00AFCB"/>
-                  </a:solidFill>
-                  <a:latin typeface="+mj-lt"/>
-                </a:rPr>
-                <a:t>Backend</a:t>
-              </a:r>
-              <a:r>
-                <a:rPr lang="fr-FR" sz="2400" kern="0" dirty="0" smtClean="0">
-                  <a:solidFill>
-                    <a:srgbClr val="00AFCB"/>
-                  </a:solidFill>
-                  <a:latin typeface="+mj-lt"/>
-                </a:rPr>
-                <a:t> appli mobile client</a:t>
-              </a:r>
-            </a:p>
-          </p:txBody>
-        </p:sp>
-        <p:sp>
-          <p:nvSpPr>
-            <p:cNvPr id="47" name="Rectangle 46"/>
-            <p:cNvSpPr/>
-            <p:nvPr/>
-          </p:nvSpPr>
-          <p:spPr>
-            <a:xfrm>
-              <a:off x="7322480" y="2066807"/>
-              <a:ext cx="1880987" cy="1418099"/>
-            </a:xfrm>
-            <a:prstGeom prst="rect">
-              <a:avLst/>
-            </a:prstGeom>
-            <a:noFill/>
-            <a:ln w="38100">
-              <a:solidFill>
-                <a:srgbClr val="00AFCB"/>
-              </a:solidFill>
-            </a:ln>
-          </p:spPr>
-          <p:txBody>
-            <a:bodyPr rtlCol="0" anchor="ctr">
-              <a:noAutofit/>
-            </a:bodyPr>
-            <a:lstStyle/>
-            <a:p>
-              <a:pPr algn="ctr" eaLnBrk="1" hangingPunct="1">
-                <a:spcBef>
-                  <a:spcPts val="384"/>
-                </a:spcBef>
-                <a:spcAft>
-                  <a:spcPts val="0"/>
-                </a:spcAft>
-                <a:buClr>
-                  <a:srgbClr val="00A9C5"/>
-                </a:buClr>
-                <a:buSzPct val="80000"/>
-              </a:pPr>
-              <a:r>
-                <a:rPr lang="fr-FR" sz="2400" kern="0" dirty="0" err="1" smtClean="0">
-                  <a:solidFill>
-                    <a:srgbClr val="00AFCB"/>
-                  </a:solidFill>
-                  <a:latin typeface="+mj-lt"/>
-                </a:rPr>
-                <a:t>Backend</a:t>
-              </a:r>
-              <a:r>
-                <a:rPr lang="fr-FR" sz="2400" kern="0" dirty="0" smtClean="0">
-                  <a:solidFill>
-                    <a:srgbClr val="00AFCB"/>
-                  </a:solidFill>
-                  <a:latin typeface="+mj-lt"/>
-                </a:rPr>
-                <a:t> backoffice</a:t>
-              </a:r>
-            </a:p>
-          </p:txBody>
-        </p:sp>
-        <p:pic>
-          <p:nvPicPr>
-            <p:cNvPr id="67" name="Image 66"/>
-            <p:cNvPicPr>
-              <a:picLocks noChangeAspect="1"/>
-            </p:cNvPicPr>
-            <p:nvPr/>
-          </p:nvPicPr>
-          <p:blipFill>
-            <a:blip r:embed="rId2">
-              <a:extLst>
-                <a:ext uri="{28A0092B-C50C-407E-A947-70E740481C1C}">
-                  <a14:useLocalDpi xmlns:a14="http://schemas.microsoft.com/office/drawing/2010/main" val="0"/>
-                </a:ext>
-              </a:extLst>
-            </a:blip>
-            <a:stretch>
-              <a:fillRect/>
-            </a:stretch>
-          </p:blipFill>
-          <p:spPr>
-            <a:xfrm>
-              <a:off x="4080822" y="3025239"/>
-              <a:ext cx="324728" cy="441843"/>
-            </a:xfrm>
-            <a:prstGeom prst="rect">
-              <a:avLst/>
-            </a:prstGeom>
-          </p:spPr>
-        </p:pic>
-        <p:pic>
-          <p:nvPicPr>
-            <p:cNvPr id="68" name="Image 67"/>
-            <p:cNvPicPr>
-              <a:picLocks noChangeAspect="1"/>
-            </p:cNvPicPr>
-            <p:nvPr/>
-          </p:nvPicPr>
-          <p:blipFill>
-            <a:blip r:embed="rId2">
-              <a:extLst>
-                <a:ext uri="{28A0092B-C50C-407E-A947-70E740481C1C}">
-                  <a14:useLocalDpi xmlns:a14="http://schemas.microsoft.com/office/drawing/2010/main" val="0"/>
-                </a:ext>
-              </a:extLst>
-            </a:blip>
-            <a:stretch>
-              <a:fillRect/>
-            </a:stretch>
-          </p:blipFill>
-          <p:spPr>
-            <a:xfrm>
-              <a:off x="6447301" y="3025239"/>
-              <a:ext cx="324728" cy="441843"/>
-            </a:xfrm>
-            <a:prstGeom prst="rect">
-              <a:avLst/>
-            </a:prstGeom>
-          </p:spPr>
-        </p:pic>
-      </p:grpSp>
-      <p:pic>
-        <p:nvPicPr>
-          <p:cNvPr id="83" name="Image 82"/>
-          <p:cNvPicPr>
-            <a:picLocks noChangeAspect="1"/>
-          </p:cNvPicPr>
-          <p:nvPr/>
-        </p:nvPicPr>
-        <p:blipFill>
-          <a:blip r:embed="rId2">
-            <a:extLst>
-              <a:ext uri="{28A0092B-C50C-407E-A947-70E740481C1C}">
-                <a14:useLocalDpi xmlns:a14="http://schemas.microsoft.com/office/drawing/2010/main" val="0"/>
-              </a:ext>
-            </a:extLst>
-          </a:blip>
-          <a:stretch>
-            <a:fillRect/>
-          </a:stretch>
-        </p:blipFill>
-        <p:spPr>
-          <a:xfrm>
-            <a:off x="1714461" y="3365898"/>
-            <a:ext cx="324728" cy="441843"/>
-          </a:xfrm>
-          <a:prstGeom prst="rect">
-            <a:avLst/>
-          </a:prstGeom>
-        </p:spPr>
-      </p:pic>
-      <p:pic>
-        <p:nvPicPr>
-          <p:cNvPr id="84" name="Image 83"/>
-          <p:cNvPicPr>
-            <a:picLocks noChangeAspect="1"/>
-          </p:cNvPicPr>
-          <p:nvPr/>
-        </p:nvPicPr>
-        <p:blipFill>
-          <a:blip r:embed="rId2">
-            <a:extLst>
-              <a:ext uri="{28A0092B-C50C-407E-A947-70E740481C1C}">
-                <a14:useLocalDpi xmlns:a14="http://schemas.microsoft.com/office/drawing/2010/main" val="0"/>
-              </a:ext>
-            </a:extLst>
-          </a:blip>
-          <a:stretch>
-            <a:fillRect/>
-          </a:stretch>
-        </p:blipFill>
-        <p:spPr>
-          <a:xfrm>
-            <a:off x="11036469" y="5018017"/>
-            <a:ext cx="324728" cy="441843"/>
-          </a:xfrm>
-          <a:prstGeom prst="rect">
-            <a:avLst/>
-          </a:prstGeom>
-        </p:spPr>
-      </p:pic>
-      <p:grpSp>
-        <p:nvGrpSpPr>
-          <p:cNvPr id="17" name="Grouper 16"/>
-          <p:cNvGrpSpPr/>
-          <p:nvPr/>
-        </p:nvGrpSpPr>
-        <p:grpSpPr>
-          <a:xfrm>
-            <a:off x="2602240" y="73244"/>
-            <a:ext cx="6588745" cy="1418099"/>
-            <a:chOff x="2595999" y="73244"/>
-            <a:chExt cx="6588745" cy="1418099"/>
-          </a:xfrm>
-        </p:grpSpPr>
-        <p:grpSp>
-          <p:nvGrpSpPr>
-            <p:cNvPr id="30" name="Grouper 29"/>
-            <p:cNvGrpSpPr/>
-            <p:nvPr/>
-          </p:nvGrpSpPr>
-          <p:grpSpPr>
-            <a:xfrm>
-              <a:off x="2595999" y="73244"/>
-              <a:ext cx="4234866" cy="1418099"/>
-              <a:chOff x="3302208" y="73244"/>
-              <a:chExt cx="4234866" cy="1418099"/>
-            </a:xfrm>
-          </p:grpSpPr>
-          <p:sp>
-            <p:nvSpPr>
-              <p:cNvPr id="13" name="Rectangle 12"/>
-              <p:cNvSpPr/>
-              <p:nvPr/>
-            </p:nvSpPr>
-            <p:spPr>
-              <a:xfrm>
-                <a:off x="3302208" y="73244"/>
-                <a:ext cx="1880987" cy="1418099"/>
-              </a:xfrm>
-              <a:prstGeom prst="rect">
-                <a:avLst/>
-              </a:prstGeom>
-              <a:noFill/>
-              <a:ln w="38100">
-                <a:solidFill>
-                  <a:srgbClr val="00AFCB"/>
-                </a:solidFill>
-              </a:ln>
-            </p:spPr>
-            <p:txBody>
-              <a:bodyPr rtlCol="0" anchor="ctr">
-                <a:noAutofit/>
-              </a:bodyPr>
-              <a:lstStyle/>
-              <a:p>
-                <a:pPr algn="ctr" eaLnBrk="1" hangingPunct="1">
-                  <a:spcBef>
-                    <a:spcPts val="384"/>
-                  </a:spcBef>
-                  <a:spcAft>
-                    <a:spcPts val="0"/>
-                  </a:spcAft>
-                  <a:buClr>
-                    <a:srgbClr val="00A9C5"/>
-                  </a:buClr>
-                  <a:buSzPct val="80000"/>
-                </a:pPr>
-                <a:r>
-                  <a:rPr lang="fr-FR" sz="2400" kern="0" dirty="0" smtClean="0">
-                    <a:solidFill>
-                      <a:srgbClr val="00AFCB"/>
-                    </a:solidFill>
-                    <a:latin typeface="+mj-lt"/>
-                  </a:rPr>
-                  <a:t>Site web client</a:t>
-                </a:r>
-              </a:p>
-            </p:txBody>
-          </p:sp>
-          <p:sp>
-            <p:nvSpPr>
-              <p:cNvPr id="16" name="Rectangle 15"/>
-              <p:cNvSpPr/>
-              <p:nvPr/>
-            </p:nvSpPr>
-            <p:spPr>
-              <a:xfrm>
-                <a:off x="5656087" y="73244"/>
-                <a:ext cx="1880987" cy="1418099"/>
-              </a:xfrm>
-              <a:prstGeom prst="rect">
-                <a:avLst/>
-              </a:prstGeom>
-              <a:noFill/>
-              <a:ln w="38100">
-                <a:solidFill>
-                  <a:srgbClr val="00AFCB"/>
-                </a:solidFill>
-              </a:ln>
-            </p:spPr>
-            <p:txBody>
-              <a:bodyPr rtlCol="0" anchor="ctr">
-                <a:noAutofit/>
-              </a:bodyPr>
-              <a:lstStyle/>
-              <a:p>
-                <a:pPr algn="ctr" eaLnBrk="1" hangingPunct="1">
-                  <a:spcBef>
-                    <a:spcPts val="384"/>
-                  </a:spcBef>
-                  <a:spcAft>
-                    <a:spcPts val="0"/>
-                  </a:spcAft>
-                  <a:buClr>
-                    <a:srgbClr val="00A9C5"/>
-                  </a:buClr>
-                  <a:buSzPct val="80000"/>
-                </a:pPr>
-                <a:r>
-                  <a:rPr lang="fr-FR" sz="2400" kern="0" dirty="0" smtClean="0">
-                    <a:solidFill>
-                      <a:srgbClr val="00AFCB"/>
-                    </a:solidFill>
-                    <a:latin typeface="+mj-lt"/>
-                  </a:rPr>
-                  <a:t>Appli mobile client</a:t>
-                </a:r>
-              </a:p>
-            </p:txBody>
-          </p:sp>
-        </p:grpSp>
-        <p:sp>
-          <p:nvSpPr>
-            <p:cNvPr id="92" name="Rectangle 91"/>
-            <p:cNvSpPr/>
-            <p:nvPr/>
-          </p:nvSpPr>
-          <p:spPr>
-            <a:xfrm>
-              <a:off x="7303757" y="73244"/>
-              <a:ext cx="1880987" cy="1418099"/>
-            </a:xfrm>
-            <a:prstGeom prst="rect">
-              <a:avLst/>
-            </a:prstGeom>
-            <a:noFill/>
-            <a:ln w="38100">
-              <a:solidFill>
-                <a:srgbClr val="00AFCB"/>
-              </a:solidFill>
-            </a:ln>
-          </p:spPr>
-          <p:txBody>
-            <a:bodyPr rtlCol="0" anchor="ctr">
-              <a:noAutofit/>
-            </a:bodyPr>
-            <a:lstStyle/>
-            <a:p>
-              <a:pPr algn="ctr" eaLnBrk="1" hangingPunct="1">
-                <a:spcBef>
-                  <a:spcPts val="384"/>
-                </a:spcBef>
-                <a:spcAft>
-                  <a:spcPts val="0"/>
-                </a:spcAft>
-                <a:buClr>
-                  <a:srgbClr val="00A9C5"/>
-                </a:buClr>
-                <a:buSzPct val="80000"/>
-              </a:pPr>
-              <a:r>
-                <a:rPr lang="fr-FR" sz="2400" kern="0" dirty="0" smtClean="0">
-                  <a:solidFill>
-                    <a:srgbClr val="00AFCB"/>
-                  </a:solidFill>
-                  <a:latin typeface="+mj-lt"/>
-                </a:rPr>
-                <a:t>Site web backoffice</a:t>
-              </a:r>
-            </a:p>
-          </p:txBody>
-        </p:sp>
-      </p:grpSp>
-      <p:cxnSp>
-        <p:nvCxnSpPr>
-          <p:cNvPr id="93" name="Connecteur droit avec flèche 92"/>
-          <p:cNvCxnSpPr>
-            <a:stCxn id="92" idx="2"/>
-            <a:endCxn id="47" idx="0"/>
-          </p:cNvCxnSpPr>
-          <p:nvPr/>
-        </p:nvCxnSpPr>
-        <p:spPr bwMode="auto">
-          <a:xfrm>
-            <a:off x="8250492" y="1491343"/>
-            <a:ext cx="12482" cy="575464"/>
-          </a:xfrm>
-          <a:prstGeom prst="straightConnector1">
-            <a:avLst/>
-          </a:prstGeom>
-          <a:solidFill>
-            <a:schemeClr val="accent1"/>
-          </a:solidFill>
-          <a:ln w="38100" cap="flat" cmpd="sng" algn="ctr">
-            <a:solidFill>
-              <a:schemeClr val="tx2"/>
-            </a:solidFill>
-            <a:prstDash val="solid"/>
-            <a:round/>
-            <a:headEnd type="none" w="med" len="med"/>
-            <a:tailEnd type="triangle" w="lg" len="lg"/>
-          </a:ln>
-          <a:effectLst/>
-        </p:spPr>
-      </p:cxnSp>
-      <p:sp>
-        <p:nvSpPr>
-          <p:cNvPr id="39" name="Rectangle 38"/>
-          <p:cNvSpPr/>
-          <p:nvPr/>
-        </p:nvSpPr>
-        <p:spPr>
-          <a:xfrm>
-            <a:off x="3071735" y="4785752"/>
-            <a:ext cx="1883148" cy="714436"/>
-          </a:xfrm>
-          <a:prstGeom prst="rect">
-            <a:avLst/>
-          </a:prstGeom>
-          <a:noFill/>
-          <a:ln w="38100">
-            <a:solidFill>
-              <a:srgbClr val="00AFCB"/>
-            </a:solidFill>
-          </a:ln>
-        </p:spPr>
-        <p:txBody>
-          <a:bodyPr rtlCol="0" anchor="ctr">
-            <a:noAutofit/>
-          </a:bodyPr>
-          <a:lstStyle/>
-          <a:p>
-            <a:pPr lvl="0" algn="ctr" eaLnBrk="1" hangingPunct="1">
-              <a:spcBef>
-                <a:spcPts val="384"/>
-              </a:spcBef>
-              <a:spcAft>
-                <a:spcPts val="0"/>
-              </a:spcAft>
-              <a:buClr>
-                <a:srgbClr val="00A9C5"/>
-              </a:buClr>
-              <a:buSzPct val="80000"/>
-            </a:pPr>
-            <a:r>
-              <a:rPr lang="fr-FR" sz="1800" kern="0" dirty="0">
-                <a:solidFill>
-                  <a:srgbClr val="00AFCB"/>
-                </a:solidFill>
-                <a:latin typeface="Arial"/>
-              </a:rPr>
-              <a:t>Services </a:t>
-            </a:r>
-            <a:r>
-              <a:rPr lang="fr-FR" sz="1800" kern="0" dirty="0" smtClean="0">
-                <a:solidFill>
-                  <a:srgbClr val="00AFCB"/>
-                </a:solidFill>
-                <a:latin typeface="Arial"/>
-              </a:rPr>
-              <a:t>partenaire 2</a:t>
-            </a:r>
-            <a:endParaRPr lang="fr-FR" sz="1800" kern="0" dirty="0">
-              <a:solidFill>
-                <a:srgbClr val="00AFCB"/>
-              </a:solidFill>
-              <a:latin typeface="Arial"/>
-            </a:endParaRPr>
-          </a:p>
-        </p:txBody>
-      </p:sp>
-      <p:sp>
-        <p:nvSpPr>
-          <p:cNvPr id="45" name="Rectangle 44"/>
-          <p:cNvSpPr/>
-          <p:nvPr/>
-        </p:nvSpPr>
-        <p:spPr>
-          <a:xfrm>
-            <a:off x="224041" y="4082145"/>
-            <a:ext cx="1880987" cy="1418099"/>
-          </a:xfrm>
-          <a:prstGeom prst="rect">
-            <a:avLst/>
-          </a:prstGeom>
-          <a:noFill/>
-          <a:ln w="38100">
-            <a:solidFill>
-              <a:srgbClr val="00AFCB"/>
-            </a:solidFill>
-          </a:ln>
-        </p:spPr>
-        <p:txBody>
-          <a:bodyPr rtlCol="0" anchor="ctr">
-            <a:noAutofit/>
-          </a:bodyPr>
-          <a:lstStyle/>
-          <a:p>
-            <a:pPr lvl="0" algn="ctr" eaLnBrk="1" hangingPunct="1">
-              <a:spcBef>
-                <a:spcPts val="384"/>
-              </a:spcBef>
-              <a:spcAft>
-                <a:spcPts val="0"/>
-              </a:spcAft>
-              <a:buClr>
-                <a:srgbClr val="00A9C5"/>
-              </a:buClr>
-              <a:buSzPct val="80000"/>
-            </a:pPr>
-            <a:r>
-              <a:rPr lang="fr-FR" sz="2400" kern="0" dirty="0" smtClean="0">
-                <a:solidFill>
-                  <a:srgbClr val="00AFCB"/>
-                </a:solidFill>
-                <a:latin typeface="Arial"/>
-              </a:rPr>
-              <a:t>Partenaire 2</a:t>
-            </a:r>
-            <a:endParaRPr lang="fr-FR" sz="2400" kern="0" dirty="0">
-              <a:solidFill>
-                <a:srgbClr val="00AFCB"/>
-              </a:solidFill>
-              <a:latin typeface="Arial"/>
-            </a:endParaRPr>
-          </a:p>
-        </p:txBody>
-      </p:sp>
-      <p:pic>
-        <p:nvPicPr>
-          <p:cNvPr id="46" name="Image 45"/>
-          <p:cNvPicPr>
-            <a:picLocks noChangeAspect="1"/>
-          </p:cNvPicPr>
-          <p:nvPr/>
-        </p:nvPicPr>
-        <p:blipFill>
-          <a:blip r:embed="rId2">
-            <a:extLst>
-              <a:ext uri="{28A0092B-C50C-407E-A947-70E740481C1C}">
-                <a14:useLocalDpi xmlns:a14="http://schemas.microsoft.com/office/drawing/2010/main" val="0"/>
-              </a:ext>
-            </a:extLst>
-          </a:blip>
-          <a:stretch>
-            <a:fillRect/>
-          </a:stretch>
-        </p:blipFill>
-        <p:spPr>
-          <a:xfrm>
-            <a:off x="1715105" y="5029689"/>
-            <a:ext cx="324728" cy="441843"/>
-          </a:xfrm>
-          <a:prstGeom prst="rect">
-            <a:avLst/>
-          </a:prstGeom>
-        </p:spPr>
-      </p:pic>
-      <p:cxnSp>
-        <p:nvCxnSpPr>
-          <p:cNvPr id="49" name="Connecteur droit avec flèche 48"/>
-          <p:cNvCxnSpPr>
-            <a:stCxn id="45" idx="3"/>
-            <a:endCxn id="39" idx="1"/>
-          </p:cNvCxnSpPr>
-          <p:nvPr/>
-        </p:nvCxnSpPr>
-        <p:spPr bwMode="auto">
-          <a:xfrm>
-            <a:off x="2105028" y="4791195"/>
-            <a:ext cx="966707" cy="351775"/>
-          </a:xfrm>
-          <a:prstGeom prst="straightConnector1">
-            <a:avLst/>
-          </a:prstGeom>
-          <a:solidFill>
-            <a:schemeClr val="accent1"/>
-          </a:solidFill>
-          <a:ln w="38100" cap="flat" cmpd="sng" algn="ctr">
-            <a:solidFill>
-              <a:schemeClr val="tx2"/>
-            </a:solidFill>
-            <a:prstDash val="solid"/>
-            <a:round/>
-            <a:headEnd type="triangle" w="lg" len="lg"/>
-            <a:tailEnd type="triangle" w="lg" len="lg"/>
-          </a:ln>
-          <a:effectLst/>
-        </p:spPr>
-      </p:cxnSp>
-    </p:spTree>
-    <p:extLst>
-      <p:ext uri="{BB962C8B-B14F-4D97-AF65-F5344CB8AC3E}">
-        <p14:creationId xmlns:p14="http://schemas.microsoft.com/office/powerpoint/2010/main" val="1393181393"/>
-      </p:ext>
-    </p:extLst>
-  </p:cSld>
-  <p:clrMapOvr>
-    <a:masterClrMapping/>
-  </p:clrMapOvr>
-</p:sld>
-</file>
-
-<file path=ppt/slides/slide5.xml><?xml version="1.0" encoding="utf-8"?>
+<file path=ppt/slides/slide10.xml><?xml version="1.0" encoding="utf-8"?>
 <p:sld xmlns:a="http://schemas.openxmlformats.org/drawingml/2006/main" xmlns:r="http://schemas.openxmlformats.org/officeDocument/2006/relationships" xmlns:p="http://schemas.openxmlformats.org/presentationml/2006/main">
   <p:cSld>
     <p:spTree>
@@ -35760,6 +33341,5843 @@
     <p:extLst>
       <p:ext uri="{BB962C8B-B14F-4D97-AF65-F5344CB8AC3E}">
         <p14:creationId xmlns:p14="http://schemas.microsoft.com/office/powerpoint/2010/main" val="1065958318"/>
+      </p:ext>
+    </p:extLst>
+  </p:cSld>
+  <p:clrMapOvr>
+    <a:masterClrMapping/>
+  </p:clrMapOvr>
+</p:sld>
+</file>
+
+<file path=ppt/slides/slide2.xml><?xml version="1.0" encoding="utf-8"?>
+<p:sld xmlns:a="http://schemas.openxmlformats.org/drawingml/2006/main" xmlns:r="http://schemas.openxmlformats.org/officeDocument/2006/relationships" xmlns:p="http://schemas.openxmlformats.org/presentationml/2006/main">
+  <p:cSld>
+    <p:spTree>
+      <p:nvGrpSpPr>
+        <p:cNvPr id="1" name=""/>
+        <p:cNvGrpSpPr/>
+        <p:nvPr/>
+      </p:nvGrpSpPr>
+      <p:grpSpPr>
+        <a:xfrm>
+          <a:off x="0" y="0"/>
+          <a:ext cx="0" cy="0"/>
+          <a:chOff x="0" y="0"/>
+          <a:chExt cx="0" cy="0"/>
+        </a:xfrm>
+      </p:grpSpPr>
+      <p:sp>
+        <p:nvSpPr>
+          <p:cNvPr id="31" name="Chevron 30"/>
+          <p:cNvSpPr/>
+          <p:nvPr/>
+        </p:nvSpPr>
+        <p:spPr>
+          <a:xfrm>
+            <a:off x="2481685" y="4191000"/>
+            <a:ext cx="4254655" cy="871501"/>
+          </a:xfrm>
+          <a:prstGeom prst="chevron">
+            <a:avLst/>
+          </a:prstGeom>
+          <a:solidFill>
+            <a:schemeClr val="bg2"/>
+          </a:solidFill>
+        </p:spPr>
+        <p:txBody>
+          <a:bodyPr rtlCol="0" anchor="ctr">
+            <a:noAutofit/>
+          </a:bodyPr>
+          <a:lstStyle/>
+          <a:p>
+            <a:pPr lvl="0" algn="ctr" eaLnBrk="1" hangingPunct="1">
+              <a:spcBef>
+                <a:spcPts val="384"/>
+              </a:spcBef>
+              <a:spcAft>
+                <a:spcPts val="0"/>
+              </a:spcAft>
+              <a:buClr>
+                <a:srgbClr val="00A9C5"/>
+              </a:buClr>
+              <a:buSzPct val="80000"/>
+            </a:pPr>
+            <a:r>
+              <a:rPr lang="fr-FR" sz="1600" kern="0">
+                <a:solidFill>
+                  <a:srgbClr val="FFFFFF"/>
+                </a:solidFill>
+                <a:latin typeface="Arial"/>
+              </a:rPr>
+              <a:t>Saisie des infos</a:t>
+            </a:r>
+            <a:endParaRPr lang="fr-FR" sz="1600" kern="0" dirty="0">
+              <a:solidFill>
+                <a:srgbClr val="FFFFFF"/>
+              </a:solidFill>
+              <a:latin typeface="Arial"/>
+            </a:endParaRPr>
+          </a:p>
+        </p:txBody>
+      </p:sp>
+      <p:sp>
+        <p:nvSpPr>
+          <p:cNvPr id="9" name="Rectangle 8"/>
+          <p:cNvSpPr/>
+          <p:nvPr/>
+        </p:nvSpPr>
+        <p:spPr>
+          <a:xfrm>
+            <a:off x="330974" y="4191000"/>
+            <a:ext cx="1946061" cy="874060"/>
+          </a:xfrm>
+          <a:prstGeom prst="rect">
+            <a:avLst/>
+          </a:prstGeom>
+          <a:noFill/>
+          <a:ln w="38100">
+            <a:solidFill>
+              <a:srgbClr val="00AFCB"/>
+            </a:solidFill>
+          </a:ln>
+        </p:spPr>
+        <p:txBody>
+          <a:bodyPr rtlCol="0" anchor="ctr">
+            <a:noAutofit/>
+          </a:bodyPr>
+          <a:lstStyle/>
+          <a:p>
+            <a:pPr lvl="0" algn="ctr" eaLnBrk="1" hangingPunct="1">
+              <a:spcBef>
+                <a:spcPts val="384"/>
+              </a:spcBef>
+              <a:spcAft>
+                <a:spcPts val="0"/>
+              </a:spcAft>
+              <a:buClr>
+                <a:srgbClr val="00A9C5"/>
+              </a:buClr>
+              <a:buSzPct val="80000"/>
+            </a:pPr>
+            <a:r>
+              <a:rPr lang="fr-FR" sz="2400" kern="0" dirty="0" smtClean="0">
+                <a:solidFill>
+                  <a:srgbClr val="00AFCB"/>
+                </a:solidFill>
+                <a:latin typeface="Arial"/>
+              </a:rPr>
+              <a:t>Cœur</a:t>
+            </a:r>
+            <a:endParaRPr lang="fr-FR" sz="2400" kern="0" dirty="0">
+              <a:solidFill>
+                <a:srgbClr val="00AFCB"/>
+              </a:solidFill>
+              <a:latin typeface="Arial"/>
+            </a:endParaRPr>
+          </a:p>
+        </p:txBody>
+      </p:sp>
+      <p:sp>
+        <p:nvSpPr>
+          <p:cNvPr id="12" name="Rectangle 11"/>
+          <p:cNvSpPr/>
+          <p:nvPr/>
+        </p:nvSpPr>
+        <p:spPr>
+          <a:xfrm>
+            <a:off x="330974" y="2606167"/>
+            <a:ext cx="1946061" cy="874060"/>
+          </a:xfrm>
+          <a:prstGeom prst="rect">
+            <a:avLst/>
+          </a:prstGeom>
+          <a:noFill/>
+          <a:ln w="38100">
+            <a:solidFill>
+              <a:srgbClr val="0070C0"/>
+            </a:solidFill>
+          </a:ln>
+        </p:spPr>
+        <p:txBody>
+          <a:bodyPr rtlCol="0" anchor="ctr">
+            <a:noAutofit/>
+          </a:bodyPr>
+          <a:lstStyle/>
+          <a:p>
+            <a:pPr lvl="0" algn="ctr" eaLnBrk="1" hangingPunct="1">
+              <a:spcBef>
+                <a:spcPts val="384"/>
+              </a:spcBef>
+              <a:spcAft>
+                <a:spcPts val="0"/>
+              </a:spcAft>
+              <a:buClr>
+                <a:srgbClr val="00A9C5"/>
+              </a:buClr>
+              <a:buSzPct val="80000"/>
+            </a:pPr>
+            <a:r>
+              <a:rPr lang="fr-FR" sz="2400" kern="0" dirty="0" smtClean="0">
+                <a:solidFill>
+                  <a:srgbClr val="0070C0"/>
+                </a:solidFill>
+                <a:latin typeface="Arial"/>
+              </a:rPr>
+              <a:t>Saisie en agence</a:t>
+            </a:r>
+            <a:endParaRPr lang="fr-FR" sz="2400" kern="0" dirty="0">
+              <a:solidFill>
+                <a:srgbClr val="0070C0"/>
+              </a:solidFill>
+              <a:latin typeface="Arial"/>
+            </a:endParaRPr>
+          </a:p>
+        </p:txBody>
+      </p:sp>
+      <p:cxnSp>
+        <p:nvCxnSpPr>
+          <p:cNvPr id="20" name="Connecteur droit 19"/>
+          <p:cNvCxnSpPr/>
+          <p:nvPr/>
+        </p:nvCxnSpPr>
+        <p:spPr bwMode="auto">
+          <a:xfrm>
+            <a:off x="3343835" y="3471263"/>
+            <a:ext cx="0" cy="708214"/>
+          </a:xfrm>
+          <a:prstGeom prst="line">
+            <a:avLst/>
+          </a:prstGeom>
+          <a:solidFill>
+            <a:schemeClr val="accent1"/>
+          </a:solidFill>
+          <a:ln w="38100" cap="flat" cmpd="sng" algn="ctr">
+            <a:solidFill>
+              <a:srgbClr val="0070C0"/>
+            </a:solidFill>
+            <a:prstDash val="solid"/>
+            <a:round/>
+            <a:headEnd type="none" w="med" len="med"/>
+            <a:tailEnd type="triangle" w="lg" len="lg"/>
+          </a:ln>
+          <a:effectLst/>
+        </p:spPr>
+      </p:cxnSp>
+      <p:cxnSp>
+        <p:nvCxnSpPr>
+          <p:cNvPr id="21" name="Connecteur droit 20"/>
+          <p:cNvCxnSpPr/>
+          <p:nvPr/>
+        </p:nvCxnSpPr>
+        <p:spPr bwMode="auto">
+          <a:xfrm>
+            <a:off x="3605092" y="3480227"/>
+            <a:ext cx="0" cy="708214"/>
+          </a:xfrm>
+          <a:prstGeom prst="line">
+            <a:avLst/>
+          </a:prstGeom>
+          <a:solidFill>
+            <a:schemeClr val="accent1"/>
+          </a:solidFill>
+          <a:ln w="38100" cap="flat" cmpd="sng" algn="ctr">
+            <a:solidFill>
+              <a:srgbClr val="0070C0"/>
+            </a:solidFill>
+            <a:prstDash val="solid"/>
+            <a:round/>
+            <a:headEnd type="none" w="med" len="med"/>
+            <a:tailEnd type="triangle" w="lg" len="lg"/>
+          </a:ln>
+          <a:effectLst/>
+        </p:spPr>
+      </p:cxnSp>
+      <p:cxnSp>
+        <p:nvCxnSpPr>
+          <p:cNvPr id="22" name="Connecteur droit 21"/>
+          <p:cNvCxnSpPr/>
+          <p:nvPr/>
+        </p:nvCxnSpPr>
+        <p:spPr bwMode="auto">
+          <a:xfrm>
+            <a:off x="3866349" y="3480227"/>
+            <a:ext cx="0" cy="708214"/>
+          </a:xfrm>
+          <a:prstGeom prst="line">
+            <a:avLst/>
+          </a:prstGeom>
+          <a:solidFill>
+            <a:schemeClr val="accent1"/>
+          </a:solidFill>
+          <a:ln w="38100" cap="flat" cmpd="sng" algn="ctr">
+            <a:solidFill>
+              <a:srgbClr val="0070C0"/>
+            </a:solidFill>
+            <a:prstDash val="solid"/>
+            <a:round/>
+            <a:headEnd type="none" w="med" len="med"/>
+            <a:tailEnd type="triangle" w="lg" len="lg"/>
+          </a:ln>
+          <a:effectLst/>
+        </p:spPr>
+      </p:cxnSp>
+      <p:cxnSp>
+        <p:nvCxnSpPr>
+          <p:cNvPr id="23" name="Connecteur droit 22"/>
+          <p:cNvCxnSpPr/>
+          <p:nvPr/>
+        </p:nvCxnSpPr>
+        <p:spPr bwMode="auto">
+          <a:xfrm>
+            <a:off x="5246916" y="3471263"/>
+            <a:ext cx="0" cy="708214"/>
+          </a:xfrm>
+          <a:prstGeom prst="line">
+            <a:avLst/>
+          </a:prstGeom>
+          <a:solidFill>
+            <a:schemeClr val="accent1"/>
+          </a:solidFill>
+          <a:ln w="38100" cap="flat" cmpd="sng" algn="ctr">
+            <a:solidFill>
+              <a:srgbClr val="0070C0"/>
+            </a:solidFill>
+            <a:prstDash val="solid"/>
+            <a:round/>
+            <a:headEnd type="none" w="med" len="med"/>
+            <a:tailEnd type="triangle" w="lg" len="lg"/>
+          </a:ln>
+          <a:effectLst/>
+        </p:spPr>
+      </p:cxnSp>
+      <p:cxnSp>
+        <p:nvCxnSpPr>
+          <p:cNvPr id="24" name="Connecteur droit 23"/>
+          <p:cNvCxnSpPr/>
+          <p:nvPr/>
+        </p:nvCxnSpPr>
+        <p:spPr bwMode="auto">
+          <a:xfrm>
+            <a:off x="5540830" y="3471263"/>
+            <a:ext cx="0" cy="708214"/>
+          </a:xfrm>
+          <a:prstGeom prst="line">
+            <a:avLst/>
+          </a:prstGeom>
+          <a:solidFill>
+            <a:schemeClr val="accent1"/>
+          </a:solidFill>
+          <a:ln w="38100" cap="flat" cmpd="sng" algn="ctr">
+            <a:solidFill>
+              <a:srgbClr val="0070C0"/>
+            </a:solidFill>
+            <a:prstDash val="solid"/>
+            <a:round/>
+            <a:headEnd type="none" w="med" len="med"/>
+            <a:tailEnd type="triangle" w="lg" len="lg"/>
+          </a:ln>
+          <a:effectLst/>
+        </p:spPr>
+      </p:cxnSp>
+      <p:cxnSp>
+        <p:nvCxnSpPr>
+          <p:cNvPr id="25" name="Connecteur droit 24"/>
+          <p:cNvCxnSpPr/>
+          <p:nvPr/>
+        </p:nvCxnSpPr>
+        <p:spPr bwMode="auto">
+          <a:xfrm>
+            <a:off x="5834745" y="3480227"/>
+            <a:ext cx="0" cy="699250"/>
+          </a:xfrm>
+          <a:prstGeom prst="line">
+            <a:avLst/>
+          </a:prstGeom>
+          <a:solidFill>
+            <a:schemeClr val="accent1"/>
+          </a:solidFill>
+          <a:ln w="38100" cap="flat" cmpd="sng" algn="ctr">
+            <a:solidFill>
+              <a:srgbClr val="0070C0"/>
+            </a:solidFill>
+            <a:prstDash val="solid"/>
+            <a:round/>
+            <a:headEnd type="none" w="med" len="med"/>
+            <a:tailEnd type="triangle" w="lg" len="lg"/>
+          </a:ln>
+          <a:effectLst/>
+        </p:spPr>
+      </p:cxnSp>
+      <p:sp>
+        <p:nvSpPr>
+          <p:cNvPr id="27" name="Rectangle 26"/>
+          <p:cNvSpPr/>
+          <p:nvPr/>
+        </p:nvSpPr>
+        <p:spPr>
+          <a:xfrm>
+            <a:off x="6736340" y="2246939"/>
+            <a:ext cx="58613" cy="3152376"/>
+          </a:xfrm>
+          <a:prstGeom prst="rect">
+            <a:avLst/>
+          </a:prstGeom>
+          <a:solidFill>
+            <a:schemeClr val="accent2"/>
+          </a:solidFill>
+        </p:spPr>
+        <p:txBody>
+          <a:bodyPr rtlCol="0" anchor="ctr">
+            <a:noAutofit/>
+          </a:bodyPr>
+          <a:lstStyle/>
+          <a:p>
+            <a:pPr algn="ctr" eaLnBrk="1" hangingPunct="1">
+              <a:spcBef>
+                <a:spcPts val="384"/>
+              </a:spcBef>
+              <a:spcAft>
+                <a:spcPts val="0"/>
+              </a:spcAft>
+              <a:buClr>
+                <a:srgbClr val="00A9C5"/>
+              </a:buClr>
+              <a:buSzPct val="80000"/>
+            </a:pPr>
+            <a:endParaRPr lang="fr-FR" sz="1600" kern="0" dirty="0" smtClean="0">
+              <a:solidFill>
+                <a:schemeClr val="bg1"/>
+              </a:solidFill>
+              <a:latin typeface="+mj-lt"/>
+            </a:endParaRPr>
+          </a:p>
+        </p:txBody>
+      </p:sp>
+      <p:sp>
+        <p:nvSpPr>
+          <p:cNvPr id="33" name="Chevron 32"/>
+          <p:cNvSpPr/>
+          <p:nvPr/>
+        </p:nvSpPr>
+        <p:spPr>
+          <a:xfrm>
+            <a:off x="2481685" y="2610005"/>
+            <a:ext cx="2127328" cy="871501"/>
+          </a:xfrm>
+          <a:prstGeom prst="chevron">
+            <a:avLst/>
+          </a:prstGeom>
+          <a:solidFill>
+            <a:srgbClr val="0070C0"/>
+          </a:solidFill>
+        </p:spPr>
+        <p:txBody>
+          <a:bodyPr rtlCol="0" anchor="ctr">
+            <a:noAutofit/>
+          </a:bodyPr>
+          <a:lstStyle/>
+          <a:p>
+            <a:pPr lvl="0" algn="ctr" eaLnBrk="1" hangingPunct="1">
+              <a:spcBef>
+                <a:spcPts val="384"/>
+              </a:spcBef>
+              <a:spcAft>
+                <a:spcPts val="0"/>
+              </a:spcAft>
+              <a:buClr>
+                <a:srgbClr val="00A9C5"/>
+              </a:buClr>
+              <a:buSzPct val="80000"/>
+            </a:pPr>
+            <a:r>
+              <a:rPr lang="fr-FR" sz="1600" kern="0" dirty="0">
+                <a:solidFill>
+                  <a:srgbClr val="FFFFFF"/>
+                </a:solidFill>
+                <a:latin typeface="Arial"/>
+              </a:rPr>
+              <a:t>Scan</a:t>
+            </a:r>
+          </a:p>
+          <a:p>
+            <a:pPr lvl="0" algn="ctr" eaLnBrk="1" hangingPunct="1">
+              <a:spcBef>
+                <a:spcPts val="384"/>
+              </a:spcBef>
+              <a:spcAft>
+                <a:spcPts val="0"/>
+              </a:spcAft>
+              <a:buClr>
+                <a:srgbClr val="00A9C5"/>
+              </a:buClr>
+              <a:buSzPct val="80000"/>
+            </a:pPr>
+            <a:r>
+              <a:rPr lang="fr-FR" sz="1600" kern="0" dirty="0">
+                <a:solidFill>
+                  <a:srgbClr val="FFFFFF"/>
+                </a:solidFill>
+                <a:latin typeface="Arial"/>
+              </a:rPr>
+              <a:t>documents</a:t>
+            </a:r>
+          </a:p>
+        </p:txBody>
+      </p:sp>
+      <p:sp>
+        <p:nvSpPr>
+          <p:cNvPr id="34" name="Chevron 33"/>
+          <p:cNvSpPr/>
+          <p:nvPr/>
+        </p:nvSpPr>
+        <p:spPr>
+          <a:xfrm>
+            <a:off x="4609013" y="2634662"/>
+            <a:ext cx="2127328" cy="871501"/>
+          </a:xfrm>
+          <a:prstGeom prst="chevron">
+            <a:avLst/>
+          </a:prstGeom>
+          <a:solidFill>
+            <a:srgbClr val="0070C0"/>
+          </a:solidFill>
+        </p:spPr>
+        <p:txBody>
+          <a:bodyPr rtlCol="0" anchor="ctr">
+            <a:noAutofit/>
+          </a:bodyPr>
+          <a:lstStyle/>
+          <a:p>
+            <a:pPr lvl="0" algn="ctr" eaLnBrk="1" hangingPunct="1">
+              <a:spcBef>
+                <a:spcPts val="384"/>
+              </a:spcBef>
+              <a:spcAft>
+                <a:spcPts val="0"/>
+              </a:spcAft>
+              <a:buClr>
+                <a:srgbClr val="00A9C5"/>
+              </a:buClr>
+              <a:buSzPct val="80000"/>
+            </a:pPr>
+            <a:r>
+              <a:rPr lang="fr-FR" sz="1600" kern="0" dirty="0">
+                <a:solidFill>
+                  <a:srgbClr val="FFFFFF"/>
+                </a:solidFill>
+                <a:latin typeface="Arial"/>
+              </a:rPr>
+              <a:t>Saisie des infos perso</a:t>
+            </a:r>
+          </a:p>
+        </p:txBody>
+      </p:sp>
+      <p:sp>
+        <p:nvSpPr>
+          <p:cNvPr id="35" name="Chevron 34"/>
+          <p:cNvSpPr/>
+          <p:nvPr/>
+        </p:nvSpPr>
+        <p:spPr>
+          <a:xfrm>
+            <a:off x="6803829" y="4191000"/>
+            <a:ext cx="4254655" cy="871501"/>
+          </a:xfrm>
+          <a:prstGeom prst="chevron">
+            <a:avLst/>
+          </a:prstGeom>
+          <a:solidFill>
+            <a:schemeClr val="bg2"/>
+          </a:solidFill>
+        </p:spPr>
+        <p:txBody>
+          <a:bodyPr rtlCol="0" anchor="ctr">
+            <a:noAutofit/>
+          </a:bodyPr>
+          <a:lstStyle/>
+          <a:p>
+            <a:pPr lvl="0" algn="ctr" eaLnBrk="1" hangingPunct="1">
+              <a:spcBef>
+                <a:spcPts val="384"/>
+              </a:spcBef>
+              <a:spcAft>
+                <a:spcPts val="0"/>
+              </a:spcAft>
+              <a:buClr>
+                <a:srgbClr val="00A9C5"/>
+              </a:buClr>
+              <a:buSzPct val="80000"/>
+            </a:pPr>
+            <a:r>
+              <a:rPr lang="fr-FR" sz="1600" kern="0" dirty="0" smtClean="0">
+                <a:solidFill>
+                  <a:srgbClr val="FFFFFF"/>
+                </a:solidFill>
+                <a:latin typeface="Arial"/>
+              </a:rPr>
+              <a:t>Traitements backoffice</a:t>
+            </a:r>
+            <a:endParaRPr lang="fr-FR" sz="1600" kern="0" dirty="0">
+              <a:solidFill>
+                <a:srgbClr val="FFFFFF"/>
+              </a:solidFill>
+              <a:latin typeface="Arial"/>
+            </a:endParaRPr>
+          </a:p>
+        </p:txBody>
+      </p:sp>
+      <p:sp>
+        <p:nvSpPr>
+          <p:cNvPr id="36" name="ZoneTexte 35"/>
+          <p:cNvSpPr txBox="1"/>
+          <p:nvPr/>
+        </p:nvSpPr>
+        <p:spPr>
+          <a:xfrm>
+            <a:off x="5878286" y="5889171"/>
+            <a:ext cx="914400" cy="914400"/>
+          </a:xfrm>
+          <a:prstGeom prst="rect">
+            <a:avLst/>
+          </a:prstGeom>
+          <a:noFill/>
+        </p:spPr>
+        <p:txBody>
+          <a:bodyPr wrap="none" rtlCol="0" anchor="ctr">
+            <a:noAutofit/>
+          </a:bodyPr>
+          <a:lstStyle/>
+          <a:p>
+            <a:pPr marL="273050" indent="-273050" eaLnBrk="1" hangingPunct="1">
+              <a:spcBef>
+                <a:spcPts val="384"/>
+              </a:spcBef>
+              <a:spcAft>
+                <a:spcPts val="0"/>
+              </a:spcAft>
+              <a:buClr>
+                <a:srgbClr val="00A9C5"/>
+              </a:buClr>
+              <a:buSzPct val="80000"/>
+              <a:buFont typeface="Wingdings" charset="2"/>
+              <a:buChar char=""/>
+            </a:pPr>
+            <a:endParaRPr lang="fr-FR" sz="1600" dirty="0" smtClean="0">
+              <a:solidFill>
+                <a:srgbClr val="4C4C4C"/>
+              </a:solidFill>
+              <a:latin typeface="+mj-lt"/>
+              <a:cs typeface="Helvetica"/>
+            </a:endParaRPr>
+          </a:p>
+        </p:txBody>
+      </p:sp>
+      <p:sp>
+        <p:nvSpPr>
+          <p:cNvPr id="37" name="ZoneTexte 36"/>
+          <p:cNvSpPr txBox="1"/>
+          <p:nvPr/>
+        </p:nvSpPr>
+        <p:spPr>
+          <a:xfrm>
+            <a:off x="6266078" y="5442536"/>
+            <a:ext cx="1005840" cy="914400"/>
+          </a:xfrm>
+          <a:prstGeom prst="rect">
+            <a:avLst/>
+          </a:prstGeom>
+          <a:noFill/>
+        </p:spPr>
+        <p:txBody>
+          <a:bodyPr wrap="none" rtlCol="0" anchor="ctr">
+            <a:noAutofit/>
+          </a:bodyPr>
+          <a:lstStyle/>
+          <a:p>
+            <a:pPr marL="273050" marR="0" lvl="0" indent="-273050" algn="ctr" defTabSz="914400" eaLnBrk="1" fontAlgn="auto" latinLnBrk="0" hangingPunct="1">
+              <a:lnSpc>
+                <a:spcPct val="100000"/>
+              </a:lnSpc>
+              <a:spcBef>
+                <a:spcPts val="384"/>
+              </a:spcBef>
+              <a:spcAft>
+                <a:spcPts val="0"/>
+              </a:spcAft>
+              <a:buClr>
+                <a:srgbClr val="00A9C5"/>
+              </a:buClr>
+              <a:buSzPct val="80000"/>
+              <a:buFont typeface="Wingdings" charset="2"/>
+              <a:buNone/>
+              <a:tabLst/>
+              <a:defRPr/>
+            </a:pPr>
+            <a:r>
+              <a:rPr lang="fr-FR" sz="1600" dirty="0" smtClean="0">
+                <a:solidFill>
+                  <a:srgbClr val="FF0000"/>
+                </a:solidFill>
+                <a:latin typeface="+mj-lt"/>
+                <a:cs typeface="Helvetica"/>
+              </a:rPr>
+              <a:t>Validation </a:t>
+            </a:r>
+            <a:r>
+              <a:rPr lang="fr-FR" sz="1600" smtClean="0">
+                <a:solidFill>
+                  <a:srgbClr val="FF0000"/>
+                </a:solidFill>
+                <a:latin typeface="+mj-lt"/>
+                <a:cs typeface="Helvetica"/>
+              </a:rPr>
+              <a:t>que </a:t>
+            </a:r>
+            <a:br>
+              <a:rPr lang="fr-FR" sz="1600" smtClean="0">
+                <a:solidFill>
+                  <a:srgbClr val="FF0000"/>
+                </a:solidFill>
+                <a:latin typeface="+mj-lt"/>
+                <a:cs typeface="Helvetica"/>
+              </a:rPr>
+            </a:br>
+            <a:r>
+              <a:rPr lang="fr-FR" sz="1600" smtClean="0">
+                <a:solidFill>
+                  <a:srgbClr val="FF0000"/>
+                </a:solidFill>
+                <a:latin typeface="+mj-lt"/>
+                <a:cs typeface="Helvetica"/>
+              </a:rPr>
+              <a:t>toutes les informations</a:t>
+            </a:r>
+          </a:p>
+          <a:p>
+            <a:pPr marL="273050" marR="0" lvl="0" indent="-273050" algn="ctr" defTabSz="914400" eaLnBrk="1" fontAlgn="auto" latinLnBrk="0" hangingPunct="1">
+              <a:lnSpc>
+                <a:spcPct val="100000"/>
+              </a:lnSpc>
+              <a:spcBef>
+                <a:spcPts val="384"/>
+              </a:spcBef>
+              <a:spcAft>
+                <a:spcPts val="0"/>
+              </a:spcAft>
+              <a:buClr>
+                <a:srgbClr val="00A9C5"/>
+              </a:buClr>
+              <a:buSzPct val="80000"/>
+              <a:buFont typeface="Wingdings" charset="2"/>
+              <a:buNone/>
+              <a:tabLst/>
+              <a:defRPr/>
+            </a:pPr>
+            <a:r>
+              <a:rPr lang="fr-FR" sz="1600" dirty="0" smtClean="0">
+                <a:solidFill>
+                  <a:srgbClr val="FF0000"/>
+                </a:solidFill>
+                <a:latin typeface="+mj-lt"/>
+                <a:cs typeface="Helvetica"/>
+              </a:rPr>
+              <a:t>requises sont là</a:t>
+            </a:r>
+          </a:p>
+        </p:txBody>
+      </p:sp>
+    </p:spTree>
+    <p:extLst>
+      <p:ext uri="{BB962C8B-B14F-4D97-AF65-F5344CB8AC3E}">
+        <p14:creationId xmlns:p14="http://schemas.microsoft.com/office/powerpoint/2010/main" val="1667529943"/>
+      </p:ext>
+    </p:extLst>
+  </p:cSld>
+  <p:clrMapOvr>
+    <a:masterClrMapping/>
+  </p:clrMapOvr>
+</p:sld>
+</file>
+
+<file path=ppt/slides/slide3.xml><?xml version="1.0" encoding="utf-8"?>
+<p:sld xmlns:a="http://schemas.openxmlformats.org/drawingml/2006/main" xmlns:r="http://schemas.openxmlformats.org/officeDocument/2006/relationships" xmlns:p="http://schemas.openxmlformats.org/presentationml/2006/main">
+  <p:cSld>
+    <p:spTree>
+      <p:nvGrpSpPr>
+        <p:cNvPr id="1" name=""/>
+        <p:cNvGrpSpPr/>
+        <p:nvPr/>
+      </p:nvGrpSpPr>
+      <p:grpSpPr>
+        <a:xfrm>
+          <a:off x="0" y="0"/>
+          <a:ext cx="0" cy="0"/>
+          <a:chOff x="0" y="0"/>
+          <a:chExt cx="0" cy="0"/>
+        </a:xfrm>
+      </p:grpSpPr>
+      <p:grpSp>
+        <p:nvGrpSpPr>
+          <p:cNvPr id="3" name="Grouper 2"/>
+          <p:cNvGrpSpPr/>
+          <p:nvPr/>
+        </p:nvGrpSpPr>
+        <p:grpSpPr>
+          <a:xfrm>
+            <a:off x="330974" y="2552059"/>
+            <a:ext cx="10727510" cy="2037550"/>
+            <a:chOff x="330974" y="2606167"/>
+            <a:chExt cx="10727510" cy="2037550"/>
+          </a:xfrm>
+        </p:grpSpPr>
+        <p:sp>
+          <p:nvSpPr>
+            <p:cNvPr id="31" name="Chevron 30"/>
+            <p:cNvSpPr/>
+            <p:nvPr/>
+          </p:nvSpPr>
+          <p:spPr>
+            <a:xfrm>
+              <a:off x="2481685" y="3769657"/>
+              <a:ext cx="4254655" cy="871501"/>
+            </a:xfrm>
+            <a:prstGeom prst="chevron">
+              <a:avLst/>
+            </a:prstGeom>
+            <a:solidFill>
+              <a:schemeClr val="bg2"/>
+            </a:solidFill>
+          </p:spPr>
+          <p:txBody>
+            <a:bodyPr rtlCol="0" anchor="ctr">
+              <a:noAutofit/>
+            </a:bodyPr>
+            <a:lstStyle/>
+            <a:p>
+              <a:pPr lvl="0" algn="ctr" eaLnBrk="1" hangingPunct="1">
+                <a:spcBef>
+                  <a:spcPts val="384"/>
+                </a:spcBef>
+                <a:spcAft>
+                  <a:spcPts val="0"/>
+                </a:spcAft>
+                <a:buClr>
+                  <a:srgbClr val="00A9C5"/>
+                </a:buClr>
+                <a:buSzPct val="80000"/>
+              </a:pPr>
+              <a:r>
+                <a:rPr lang="fr-FR" sz="1600" kern="0" dirty="0" smtClean="0">
+                  <a:solidFill>
+                    <a:srgbClr val="FFFFFF"/>
+                  </a:solidFill>
+                  <a:latin typeface="Arial"/>
+                </a:rPr>
+                <a:t>Étape 1</a:t>
+              </a:r>
+              <a:endParaRPr lang="fr-FR" sz="1600" kern="0" dirty="0">
+                <a:solidFill>
+                  <a:srgbClr val="FFFFFF"/>
+                </a:solidFill>
+                <a:latin typeface="Arial"/>
+              </a:endParaRPr>
+            </a:p>
+          </p:txBody>
+        </p:sp>
+        <p:grpSp>
+          <p:nvGrpSpPr>
+            <p:cNvPr id="2" name="Grouper 1"/>
+            <p:cNvGrpSpPr/>
+            <p:nvPr/>
+          </p:nvGrpSpPr>
+          <p:grpSpPr>
+            <a:xfrm>
+              <a:off x="330974" y="2606167"/>
+              <a:ext cx="1946061" cy="2037550"/>
+              <a:chOff x="330974" y="2606167"/>
+              <a:chExt cx="1946061" cy="2037550"/>
+            </a:xfrm>
+          </p:grpSpPr>
+          <p:sp>
+            <p:nvSpPr>
+              <p:cNvPr id="9" name="Rectangle 8"/>
+              <p:cNvSpPr/>
+              <p:nvPr/>
+            </p:nvSpPr>
+            <p:spPr>
+              <a:xfrm>
+                <a:off x="330974" y="3769657"/>
+                <a:ext cx="1946061" cy="874060"/>
+              </a:xfrm>
+              <a:prstGeom prst="rect">
+                <a:avLst/>
+              </a:prstGeom>
+              <a:noFill/>
+              <a:ln w="38100">
+                <a:solidFill>
+                  <a:srgbClr val="00AFCB"/>
+                </a:solidFill>
+              </a:ln>
+            </p:spPr>
+            <p:txBody>
+              <a:bodyPr rtlCol="0" anchor="ctr">
+                <a:noAutofit/>
+              </a:bodyPr>
+              <a:lstStyle/>
+              <a:p>
+                <a:pPr lvl="0" algn="ctr" eaLnBrk="1" hangingPunct="1">
+                  <a:spcBef>
+                    <a:spcPts val="384"/>
+                  </a:spcBef>
+                  <a:spcAft>
+                    <a:spcPts val="0"/>
+                  </a:spcAft>
+                  <a:buClr>
+                    <a:srgbClr val="00A9C5"/>
+                  </a:buClr>
+                  <a:buSzPct val="80000"/>
+                </a:pPr>
+                <a:r>
+                  <a:rPr lang="fr-FR" sz="2400" kern="0" dirty="0" smtClean="0">
+                    <a:solidFill>
+                      <a:srgbClr val="00AFCB"/>
+                    </a:solidFill>
+                    <a:latin typeface="Arial"/>
+                  </a:rPr>
+                  <a:t>Workflow Mainframe</a:t>
+                </a:r>
+                <a:endParaRPr lang="fr-FR" sz="2400" kern="0" dirty="0">
+                  <a:solidFill>
+                    <a:srgbClr val="00AFCB"/>
+                  </a:solidFill>
+                  <a:latin typeface="Arial"/>
+                </a:endParaRPr>
+              </a:p>
+            </p:txBody>
+          </p:sp>
+          <p:sp>
+            <p:nvSpPr>
+              <p:cNvPr id="12" name="Rectangle 11"/>
+              <p:cNvSpPr/>
+              <p:nvPr/>
+            </p:nvSpPr>
+            <p:spPr>
+              <a:xfrm>
+                <a:off x="330974" y="2606167"/>
+                <a:ext cx="1946061" cy="874060"/>
+              </a:xfrm>
+              <a:prstGeom prst="rect">
+                <a:avLst/>
+              </a:prstGeom>
+              <a:noFill/>
+              <a:ln w="38100">
+                <a:solidFill>
+                  <a:srgbClr val="0070C0"/>
+                </a:solidFill>
+              </a:ln>
+            </p:spPr>
+            <p:txBody>
+              <a:bodyPr rtlCol="0" anchor="ctr">
+                <a:noAutofit/>
+              </a:bodyPr>
+              <a:lstStyle/>
+              <a:p>
+                <a:pPr lvl="0" algn="ctr" eaLnBrk="1" hangingPunct="1">
+                  <a:spcBef>
+                    <a:spcPts val="384"/>
+                  </a:spcBef>
+                  <a:spcAft>
+                    <a:spcPts val="0"/>
+                  </a:spcAft>
+                  <a:buClr>
+                    <a:srgbClr val="00A9C5"/>
+                  </a:buClr>
+                  <a:buSzPct val="80000"/>
+                </a:pPr>
+                <a:r>
+                  <a:rPr lang="fr-FR" sz="2400" kern="0" dirty="0" smtClean="0">
+                    <a:solidFill>
+                      <a:srgbClr val="0070C0"/>
+                    </a:solidFill>
+                    <a:latin typeface="Arial"/>
+                  </a:rPr>
+                  <a:t>Workflow Web</a:t>
+                </a:r>
+                <a:endParaRPr lang="fr-FR" sz="2400" kern="0" dirty="0">
+                  <a:solidFill>
+                    <a:srgbClr val="0070C0"/>
+                  </a:solidFill>
+                  <a:latin typeface="Arial"/>
+                </a:endParaRPr>
+              </a:p>
+            </p:txBody>
+          </p:sp>
+        </p:grpSp>
+        <p:sp>
+          <p:nvSpPr>
+            <p:cNvPr id="33" name="Chevron 32"/>
+            <p:cNvSpPr/>
+            <p:nvPr/>
+          </p:nvSpPr>
+          <p:spPr>
+            <a:xfrm>
+              <a:off x="2481685" y="2610005"/>
+              <a:ext cx="2127328" cy="871501"/>
+            </a:xfrm>
+            <a:prstGeom prst="chevron">
+              <a:avLst/>
+            </a:prstGeom>
+            <a:solidFill>
+              <a:srgbClr val="0070C0"/>
+            </a:solidFill>
+          </p:spPr>
+          <p:txBody>
+            <a:bodyPr rtlCol="0" anchor="ctr">
+              <a:noAutofit/>
+            </a:bodyPr>
+            <a:lstStyle/>
+            <a:p>
+              <a:pPr lvl="0" algn="ctr" eaLnBrk="1" hangingPunct="1">
+                <a:spcBef>
+                  <a:spcPts val="384"/>
+                </a:spcBef>
+                <a:spcAft>
+                  <a:spcPts val="0"/>
+                </a:spcAft>
+                <a:buClr>
+                  <a:srgbClr val="00A9C5"/>
+                </a:buClr>
+                <a:buSzPct val="80000"/>
+              </a:pPr>
+              <a:r>
+                <a:rPr lang="fr-FR" sz="1600" kern="0" dirty="0">
+                  <a:solidFill>
+                    <a:srgbClr val="FFFFFF"/>
+                  </a:solidFill>
+                  <a:latin typeface="Arial"/>
+                </a:rPr>
+                <a:t>Étape 1</a:t>
+              </a:r>
+              <a:r>
+                <a:rPr lang="fr-FR" sz="1600" kern="0" dirty="0" smtClean="0">
+                  <a:solidFill>
+                    <a:srgbClr val="FFFFFF"/>
+                  </a:solidFill>
+                  <a:latin typeface="Arial"/>
+                </a:rPr>
+                <a:t>A</a:t>
+              </a:r>
+              <a:endParaRPr lang="fr-FR" sz="1600" kern="0" dirty="0">
+                <a:solidFill>
+                  <a:srgbClr val="FFFFFF"/>
+                </a:solidFill>
+                <a:latin typeface="Arial"/>
+              </a:endParaRPr>
+            </a:p>
+          </p:txBody>
+        </p:sp>
+        <p:sp>
+          <p:nvSpPr>
+            <p:cNvPr id="34" name="Chevron 33"/>
+            <p:cNvSpPr/>
+            <p:nvPr/>
+          </p:nvSpPr>
+          <p:spPr>
+            <a:xfrm>
+              <a:off x="4609012" y="2634662"/>
+              <a:ext cx="2127328" cy="871501"/>
+            </a:xfrm>
+            <a:prstGeom prst="chevron">
+              <a:avLst/>
+            </a:prstGeom>
+            <a:solidFill>
+              <a:srgbClr val="0070C0"/>
+            </a:solidFill>
+          </p:spPr>
+          <p:txBody>
+            <a:bodyPr rtlCol="0" anchor="ctr">
+              <a:noAutofit/>
+            </a:bodyPr>
+            <a:lstStyle/>
+            <a:p>
+              <a:pPr lvl="0" algn="ctr" eaLnBrk="1" hangingPunct="1">
+                <a:spcBef>
+                  <a:spcPts val="384"/>
+                </a:spcBef>
+                <a:spcAft>
+                  <a:spcPts val="0"/>
+                </a:spcAft>
+                <a:buClr>
+                  <a:srgbClr val="00A9C5"/>
+                </a:buClr>
+                <a:buSzPct val="80000"/>
+              </a:pPr>
+              <a:r>
+                <a:rPr lang="fr-FR" sz="1600" kern="0" dirty="0">
+                  <a:solidFill>
+                    <a:srgbClr val="FFFFFF"/>
+                  </a:solidFill>
+                  <a:latin typeface="Arial"/>
+                </a:rPr>
+                <a:t>Étape </a:t>
+              </a:r>
+              <a:r>
+                <a:rPr lang="fr-FR" sz="1600" kern="0" dirty="0" smtClean="0">
+                  <a:solidFill>
+                    <a:srgbClr val="FFFFFF"/>
+                  </a:solidFill>
+                  <a:latin typeface="Arial"/>
+                </a:rPr>
+                <a:t>1B</a:t>
+              </a:r>
+              <a:endParaRPr lang="fr-FR" sz="1600" kern="0" dirty="0">
+                <a:solidFill>
+                  <a:srgbClr val="FFFFFF"/>
+                </a:solidFill>
+                <a:latin typeface="Arial"/>
+              </a:endParaRPr>
+            </a:p>
+          </p:txBody>
+        </p:sp>
+        <p:sp>
+          <p:nvSpPr>
+            <p:cNvPr id="35" name="Chevron 34"/>
+            <p:cNvSpPr/>
+            <p:nvPr/>
+          </p:nvSpPr>
+          <p:spPr>
+            <a:xfrm>
+              <a:off x="6803829" y="3769657"/>
+              <a:ext cx="4254655" cy="871501"/>
+            </a:xfrm>
+            <a:prstGeom prst="chevron">
+              <a:avLst/>
+            </a:prstGeom>
+            <a:solidFill>
+              <a:schemeClr val="bg2"/>
+            </a:solidFill>
+          </p:spPr>
+          <p:txBody>
+            <a:bodyPr rtlCol="0" anchor="ctr">
+              <a:noAutofit/>
+            </a:bodyPr>
+            <a:lstStyle/>
+            <a:p>
+              <a:pPr lvl="0" algn="ctr" eaLnBrk="1" hangingPunct="1">
+                <a:spcBef>
+                  <a:spcPts val="384"/>
+                </a:spcBef>
+                <a:spcAft>
+                  <a:spcPts val="0"/>
+                </a:spcAft>
+                <a:buClr>
+                  <a:srgbClr val="00A9C5"/>
+                </a:buClr>
+                <a:buSzPct val="80000"/>
+              </a:pPr>
+              <a:r>
+                <a:rPr lang="fr-FR" sz="1600" kern="0" dirty="0">
+                  <a:solidFill>
+                    <a:srgbClr val="FFFFFF"/>
+                  </a:solidFill>
+                  <a:latin typeface="Arial"/>
+                </a:rPr>
+                <a:t>Étape </a:t>
+              </a:r>
+              <a:r>
+                <a:rPr lang="fr-FR" sz="1600" kern="0" dirty="0" smtClean="0">
+                  <a:solidFill>
+                    <a:srgbClr val="FFFFFF"/>
+                  </a:solidFill>
+                  <a:latin typeface="Arial"/>
+                </a:rPr>
+                <a:t>2</a:t>
+              </a:r>
+              <a:endParaRPr lang="fr-FR" sz="1600" kern="0" dirty="0">
+                <a:solidFill>
+                  <a:srgbClr val="FFFFFF"/>
+                </a:solidFill>
+                <a:latin typeface="Arial"/>
+              </a:endParaRPr>
+            </a:p>
+          </p:txBody>
+        </p:sp>
+        <p:sp>
+          <p:nvSpPr>
+            <p:cNvPr id="17" name="Chevron 16"/>
+            <p:cNvSpPr/>
+            <p:nvPr/>
+          </p:nvSpPr>
+          <p:spPr>
+            <a:xfrm>
+              <a:off x="6803829" y="2634662"/>
+              <a:ext cx="2127328" cy="871501"/>
+            </a:xfrm>
+            <a:prstGeom prst="chevron">
+              <a:avLst/>
+            </a:prstGeom>
+            <a:solidFill>
+              <a:srgbClr val="0070C0"/>
+            </a:solidFill>
+          </p:spPr>
+          <p:txBody>
+            <a:bodyPr rtlCol="0" anchor="ctr">
+              <a:noAutofit/>
+            </a:bodyPr>
+            <a:lstStyle/>
+            <a:p>
+              <a:pPr lvl="0" algn="ctr" eaLnBrk="1" hangingPunct="1">
+                <a:spcBef>
+                  <a:spcPts val="384"/>
+                </a:spcBef>
+                <a:spcAft>
+                  <a:spcPts val="0"/>
+                </a:spcAft>
+                <a:buClr>
+                  <a:srgbClr val="00A9C5"/>
+                </a:buClr>
+                <a:buSzPct val="80000"/>
+              </a:pPr>
+              <a:r>
+                <a:rPr lang="fr-FR" sz="1600" kern="0" dirty="0">
+                  <a:solidFill>
+                    <a:srgbClr val="FFFFFF"/>
+                  </a:solidFill>
+                  <a:latin typeface="Arial"/>
+                </a:rPr>
+                <a:t>Étape </a:t>
+              </a:r>
+              <a:r>
+                <a:rPr lang="fr-FR" sz="1600" kern="0" dirty="0" smtClean="0">
+                  <a:solidFill>
+                    <a:srgbClr val="FFFFFF"/>
+                  </a:solidFill>
+                  <a:latin typeface="Arial"/>
+                </a:rPr>
+                <a:t>2A</a:t>
+              </a:r>
+              <a:endParaRPr lang="fr-FR" sz="1600" kern="0" dirty="0">
+                <a:solidFill>
+                  <a:srgbClr val="FFFFFF"/>
+                </a:solidFill>
+                <a:latin typeface="Arial"/>
+              </a:endParaRPr>
+            </a:p>
+          </p:txBody>
+        </p:sp>
+        <p:sp>
+          <p:nvSpPr>
+            <p:cNvPr id="18" name="Chevron 17"/>
+            <p:cNvSpPr/>
+            <p:nvPr/>
+          </p:nvSpPr>
+          <p:spPr>
+            <a:xfrm>
+              <a:off x="8920212" y="2659319"/>
+              <a:ext cx="2138272" cy="871501"/>
+            </a:xfrm>
+            <a:prstGeom prst="chevron">
+              <a:avLst/>
+            </a:prstGeom>
+            <a:solidFill>
+              <a:srgbClr val="0070C0"/>
+            </a:solidFill>
+          </p:spPr>
+          <p:txBody>
+            <a:bodyPr rtlCol="0" anchor="ctr">
+              <a:noAutofit/>
+            </a:bodyPr>
+            <a:lstStyle/>
+            <a:p>
+              <a:pPr lvl="0" algn="ctr" eaLnBrk="1" hangingPunct="1">
+                <a:spcBef>
+                  <a:spcPts val="384"/>
+                </a:spcBef>
+                <a:spcAft>
+                  <a:spcPts val="0"/>
+                </a:spcAft>
+                <a:buClr>
+                  <a:srgbClr val="00A9C5"/>
+                </a:buClr>
+                <a:buSzPct val="80000"/>
+              </a:pPr>
+              <a:r>
+                <a:rPr lang="fr-FR" sz="1600" kern="0" dirty="0">
+                  <a:solidFill>
+                    <a:srgbClr val="FFFFFF"/>
+                  </a:solidFill>
+                  <a:latin typeface="Arial"/>
+                </a:rPr>
+                <a:t>Étape 2</a:t>
+              </a:r>
+              <a:r>
+                <a:rPr lang="fr-FR" sz="1600" kern="0" dirty="0" smtClean="0">
+                  <a:solidFill>
+                    <a:srgbClr val="FFFFFF"/>
+                  </a:solidFill>
+                  <a:latin typeface="Arial"/>
+                </a:rPr>
+                <a:t>B</a:t>
+              </a:r>
+              <a:endParaRPr lang="fr-FR" sz="1600" kern="0" dirty="0">
+                <a:solidFill>
+                  <a:srgbClr val="FFFFFF"/>
+                </a:solidFill>
+                <a:latin typeface="Arial"/>
+              </a:endParaRPr>
+            </a:p>
+          </p:txBody>
+        </p:sp>
+      </p:grpSp>
+      <p:sp>
+        <p:nvSpPr>
+          <p:cNvPr id="19" name="Rectangle 18"/>
+          <p:cNvSpPr/>
+          <p:nvPr/>
+        </p:nvSpPr>
+        <p:spPr>
+          <a:xfrm>
+            <a:off x="6736340" y="2246939"/>
+            <a:ext cx="49231" cy="2647790"/>
+          </a:xfrm>
+          <a:prstGeom prst="rect">
+            <a:avLst/>
+          </a:prstGeom>
+          <a:solidFill>
+            <a:schemeClr val="tx2"/>
+          </a:solidFill>
+        </p:spPr>
+        <p:txBody>
+          <a:bodyPr rtlCol="0" anchor="ctr">
+            <a:noAutofit/>
+          </a:bodyPr>
+          <a:lstStyle/>
+          <a:p>
+            <a:pPr algn="ctr" eaLnBrk="1" hangingPunct="1">
+              <a:spcBef>
+                <a:spcPts val="384"/>
+              </a:spcBef>
+              <a:spcAft>
+                <a:spcPts val="0"/>
+              </a:spcAft>
+              <a:buClr>
+                <a:srgbClr val="00A9C5"/>
+              </a:buClr>
+              <a:buSzPct val="80000"/>
+            </a:pPr>
+            <a:endParaRPr lang="fr-FR" sz="1600" kern="0" dirty="0" smtClean="0">
+              <a:solidFill>
+                <a:schemeClr val="bg1"/>
+              </a:solidFill>
+              <a:latin typeface="+mj-lt"/>
+            </a:endParaRPr>
+          </a:p>
+        </p:txBody>
+      </p:sp>
+      <p:sp>
+        <p:nvSpPr>
+          <p:cNvPr id="28" name="Rectangle 27"/>
+          <p:cNvSpPr/>
+          <p:nvPr/>
+        </p:nvSpPr>
+        <p:spPr>
+          <a:xfrm>
+            <a:off x="11069428" y="2246939"/>
+            <a:ext cx="49231" cy="2647790"/>
+          </a:xfrm>
+          <a:prstGeom prst="rect">
+            <a:avLst/>
+          </a:prstGeom>
+          <a:solidFill>
+            <a:schemeClr val="tx2"/>
+          </a:solidFill>
+        </p:spPr>
+        <p:txBody>
+          <a:bodyPr rtlCol="0" anchor="ctr">
+            <a:noAutofit/>
+          </a:bodyPr>
+          <a:lstStyle/>
+          <a:p>
+            <a:pPr algn="ctr" eaLnBrk="1" hangingPunct="1">
+              <a:spcBef>
+                <a:spcPts val="384"/>
+              </a:spcBef>
+              <a:spcAft>
+                <a:spcPts val="0"/>
+              </a:spcAft>
+              <a:buClr>
+                <a:srgbClr val="00A9C5"/>
+              </a:buClr>
+              <a:buSzPct val="80000"/>
+            </a:pPr>
+            <a:endParaRPr lang="fr-FR" sz="1600" kern="0" dirty="0" smtClean="0">
+              <a:solidFill>
+                <a:schemeClr val="bg1"/>
+              </a:solidFill>
+              <a:latin typeface="+mj-lt"/>
+            </a:endParaRPr>
+          </a:p>
+        </p:txBody>
+      </p:sp>
+    </p:spTree>
+    <p:extLst>
+      <p:ext uri="{BB962C8B-B14F-4D97-AF65-F5344CB8AC3E}">
+        <p14:creationId xmlns:p14="http://schemas.microsoft.com/office/powerpoint/2010/main" val="2113164003"/>
+      </p:ext>
+    </p:extLst>
+  </p:cSld>
+  <p:clrMapOvr>
+    <a:masterClrMapping/>
+  </p:clrMapOvr>
+</p:sld>
+</file>
+
+<file path=ppt/slides/slide4.xml><?xml version="1.0" encoding="utf-8"?>
+<p:sld xmlns:a="http://schemas.openxmlformats.org/drawingml/2006/main" xmlns:r="http://schemas.openxmlformats.org/officeDocument/2006/relationships" xmlns:p="http://schemas.openxmlformats.org/presentationml/2006/main">
+  <p:cSld>
+    <p:spTree>
+      <p:nvGrpSpPr>
+        <p:cNvPr id="1" name=""/>
+        <p:cNvGrpSpPr/>
+        <p:nvPr/>
+      </p:nvGrpSpPr>
+      <p:grpSpPr>
+        <a:xfrm>
+          <a:off x="0" y="0"/>
+          <a:ext cx="0" cy="0"/>
+          <a:chOff x="0" y="0"/>
+          <a:chExt cx="0" cy="0"/>
+        </a:xfrm>
+      </p:grpSpPr>
+      <p:sp>
+        <p:nvSpPr>
+          <p:cNvPr id="31" name="Chevron 30"/>
+          <p:cNvSpPr/>
+          <p:nvPr/>
+        </p:nvSpPr>
+        <p:spPr>
+          <a:xfrm>
+            <a:off x="2216212" y="3715549"/>
+            <a:ext cx="4435200" cy="871501"/>
+          </a:xfrm>
+          <a:prstGeom prst="chevron">
+            <a:avLst/>
+          </a:prstGeom>
+          <a:solidFill>
+            <a:schemeClr val="bg2"/>
+          </a:solidFill>
+        </p:spPr>
+        <p:txBody>
+          <a:bodyPr rtlCol="0" anchor="ctr">
+            <a:noAutofit/>
+          </a:bodyPr>
+          <a:lstStyle/>
+          <a:p>
+            <a:pPr lvl="0" algn="ctr" eaLnBrk="1" hangingPunct="1">
+              <a:spcBef>
+                <a:spcPts val="384"/>
+              </a:spcBef>
+              <a:spcAft>
+                <a:spcPts val="0"/>
+              </a:spcAft>
+              <a:buClr>
+                <a:srgbClr val="00A9C5"/>
+              </a:buClr>
+              <a:buSzPct val="80000"/>
+            </a:pPr>
+            <a:r>
+              <a:rPr lang="fr-FR" sz="1600" kern="0" dirty="0" smtClean="0">
+                <a:solidFill>
+                  <a:srgbClr val="FFFFFF"/>
+                </a:solidFill>
+                <a:latin typeface="Arial"/>
+              </a:rPr>
+              <a:t>Étape 1</a:t>
+            </a:r>
+            <a:endParaRPr lang="fr-FR" sz="1600" kern="0" dirty="0">
+              <a:solidFill>
+                <a:srgbClr val="FFFFFF"/>
+              </a:solidFill>
+              <a:latin typeface="Arial"/>
+            </a:endParaRPr>
+          </a:p>
+        </p:txBody>
+      </p:sp>
+      <p:grpSp>
+        <p:nvGrpSpPr>
+          <p:cNvPr id="2" name="Grouper 1"/>
+          <p:cNvGrpSpPr/>
+          <p:nvPr/>
+        </p:nvGrpSpPr>
+        <p:grpSpPr>
+          <a:xfrm>
+            <a:off x="65502" y="2552059"/>
+            <a:ext cx="1946061" cy="2037550"/>
+            <a:chOff x="330974" y="2606167"/>
+            <a:chExt cx="1946061" cy="2037550"/>
+          </a:xfrm>
+        </p:grpSpPr>
+        <p:sp>
+          <p:nvSpPr>
+            <p:cNvPr id="9" name="Rectangle 8"/>
+            <p:cNvSpPr/>
+            <p:nvPr/>
+          </p:nvSpPr>
+          <p:spPr>
+            <a:xfrm>
+              <a:off x="330974" y="3769657"/>
+              <a:ext cx="1946061" cy="874060"/>
+            </a:xfrm>
+            <a:prstGeom prst="rect">
+              <a:avLst/>
+            </a:prstGeom>
+            <a:noFill/>
+            <a:ln w="38100">
+              <a:solidFill>
+                <a:srgbClr val="00AFCB"/>
+              </a:solidFill>
+            </a:ln>
+          </p:spPr>
+          <p:txBody>
+            <a:bodyPr rtlCol="0" anchor="ctr">
+              <a:noAutofit/>
+            </a:bodyPr>
+            <a:lstStyle/>
+            <a:p>
+              <a:pPr lvl="0" algn="ctr" eaLnBrk="1" hangingPunct="1">
+                <a:spcBef>
+                  <a:spcPts val="384"/>
+                </a:spcBef>
+                <a:spcAft>
+                  <a:spcPts val="0"/>
+                </a:spcAft>
+                <a:buClr>
+                  <a:srgbClr val="00A9C5"/>
+                </a:buClr>
+                <a:buSzPct val="80000"/>
+              </a:pPr>
+              <a:r>
+                <a:rPr lang="fr-FR" sz="2400" kern="0" dirty="0" smtClean="0">
+                  <a:solidFill>
+                    <a:srgbClr val="00AFCB"/>
+                  </a:solidFill>
+                  <a:latin typeface="Arial"/>
+                </a:rPr>
+                <a:t>Workflow Mainframe</a:t>
+              </a:r>
+              <a:endParaRPr lang="fr-FR" sz="2400" kern="0" dirty="0">
+                <a:solidFill>
+                  <a:srgbClr val="00AFCB"/>
+                </a:solidFill>
+                <a:latin typeface="Arial"/>
+              </a:endParaRPr>
+            </a:p>
+          </p:txBody>
+        </p:sp>
+        <p:sp>
+          <p:nvSpPr>
+            <p:cNvPr id="12" name="Rectangle 11"/>
+            <p:cNvSpPr/>
+            <p:nvPr/>
+          </p:nvSpPr>
+          <p:spPr>
+            <a:xfrm>
+              <a:off x="330974" y="2606167"/>
+              <a:ext cx="1946061" cy="874060"/>
+            </a:xfrm>
+            <a:prstGeom prst="rect">
+              <a:avLst/>
+            </a:prstGeom>
+            <a:noFill/>
+            <a:ln w="38100">
+              <a:solidFill>
+                <a:srgbClr val="0070C0"/>
+              </a:solidFill>
+            </a:ln>
+          </p:spPr>
+          <p:txBody>
+            <a:bodyPr rtlCol="0" anchor="ctr">
+              <a:noAutofit/>
+            </a:bodyPr>
+            <a:lstStyle/>
+            <a:p>
+              <a:pPr lvl="0" algn="ctr" eaLnBrk="1" hangingPunct="1">
+                <a:spcBef>
+                  <a:spcPts val="384"/>
+                </a:spcBef>
+                <a:spcAft>
+                  <a:spcPts val="0"/>
+                </a:spcAft>
+                <a:buClr>
+                  <a:srgbClr val="00A9C5"/>
+                </a:buClr>
+                <a:buSzPct val="80000"/>
+              </a:pPr>
+              <a:r>
+                <a:rPr lang="fr-FR" sz="2400" kern="0" dirty="0" smtClean="0">
+                  <a:solidFill>
+                    <a:srgbClr val="0070C0"/>
+                  </a:solidFill>
+                  <a:latin typeface="Arial"/>
+                </a:rPr>
+                <a:t>Workflow Web</a:t>
+              </a:r>
+              <a:endParaRPr lang="fr-FR" sz="2400" kern="0" dirty="0">
+                <a:solidFill>
+                  <a:srgbClr val="0070C0"/>
+                </a:solidFill>
+                <a:latin typeface="Arial"/>
+              </a:endParaRPr>
+            </a:p>
+          </p:txBody>
+        </p:sp>
+      </p:grpSp>
+      <p:sp>
+        <p:nvSpPr>
+          <p:cNvPr id="35" name="Chevron 34"/>
+          <p:cNvSpPr/>
+          <p:nvPr/>
+        </p:nvSpPr>
+        <p:spPr>
+          <a:xfrm>
+            <a:off x="6990642" y="3715549"/>
+            <a:ext cx="4435200" cy="871501"/>
+          </a:xfrm>
+          <a:prstGeom prst="chevron">
+            <a:avLst/>
+          </a:prstGeom>
+          <a:solidFill>
+            <a:schemeClr val="bg2"/>
+          </a:solidFill>
+        </p:spPr>
+        <p:txBody>
+          <a:bodyPr rtlCol="0" anchor="ctr">
+            <a:noAutofit/>
+          </a:bodyPr>
+          <a:lstStyle/>
+          <a:p>
+            <a:pPr lvl="0" algn="ctr" eaLnBrk="1" hangingPunct="1">
+              <a:spcBef>
+                <a:spcPts val="384"/>
+              </a:spcBef>
+              <a:spcAft>
+                <a:spcPts val="0"/>
+              </a:spcAft>
+              <a:buClr>
+                <a:srgbClr val="00A9C5"/>
+              </a:buClr>
+              <a:buSzPct val="80000"/>
+            </a:pPr>
+            <a:r>
+              <a:rPr lang="fr-FR" sz="1600" kern="0" dirty="0">
+                <a:solidFill>
+                  <a:srgbClr val="FFFFFF"/>
+                </a:solidFill>
+                <a:latin typeface="Arial"/>
+              </a:rPr>
+              <a:t>Étape </a:t>
+            </a:r>
+            <a:r>
+              <a:rPr lang="fr-FR" sz="1600" kern="0" dirty="0" smtClean="0">
+                <a:solidFill>
+                  <a:srgbClr val="FFFFFF"/>
+                </a:solidFill>
+                <a:latin typeface="Arial"/>
+              </a:rPr>
+              <a:t>2</a:t>
+            </a:r>
+            <a:endParaRPr lang="fr-FR" sz="1600" kern="0" dirty="0">
+              <a:solidFill>
+                <a:srgbClr val="FFFFFF"/>
+              </a:solidFill>
+              <a:latin typeface="Arial"/>
+            </a:endParaRPr>
+          </a:p>
+        </p:txBody>
+      </p:sp>
+      <p:pic>
+        <p:nvPicPr>
+          <p:cNvPr id="14" name="Image 13"/>
+          <p:cNvPicPr>
+            <a:picLocks noChangeAspect="1"/>
+          </p:cNvPicPr>
+          <p:nvPr/>
+        </p:nvPicPr>
+        <p:blipFill>
+          <a:blip r:embed="rId2">
+            <a:extLst>
+              <a:ext uri="{28A0092B-C50C-407E-A947-70E740481C1C}">
+                <a14:useLocalDpi xmlns:a14="http://schemas.microsoft.com/office/drawing/2010/main" val="0"/>
+              </a:ext>
+            </a:extLst>
+          </a:blip>
+          <a:stretch>
+            <a:fillRect/>
+          </a:stretch>
+        </p:blipFill>
+        <p:spPr>
+          <a:xfrm>
+            <a:off x="6654755" y="4168719"/>
+            <a:ext cx="393001" cy="496987"/>
+          </a:xfrm>
+          <a:prstGeom prst="rect">
+            <a:avLst/>
+          </a:prstGeom>
+        </p:spPr>
+      </p:pic>
+      <p:sp>
+        <p:nvSpPr>
+          <p:cNvPr id="33" name="Chevron 32"/>
+          <p:cNvSpPr/>
+          <p:nvPr/>
+        </p:nvSpPr>
+        <p:spPr>
+          <a:xfrm>
+            <a:off x="2269618" y="2555897"/>
+            <a:ext cx="1845043" cy="871501"/>
+          </a:xfrm>
+          <a:prstGeom prst="chevron">
+            <a:avLst/>
+          </a:prstGeom>
+          <a:solidFill>
+            <a:srgbClr val="0070C0"/>
+          </a:solidFill>
+        </p:spPr>
+        <p:txBody>
+          <a:bodyPr rtlCol="0" anchor="ctr">
+            <a:noAutofit/>
+          </a:bodyPr>
+          <a:lstStyle/>
+          <a:p>
+            <a:pPr lvl="0" algn="ctr" eaLnBrk="1" hangingPunct="1">
+              <a:spcBef>
+                <a:spcPts val="384"/>
+              </a:spcBef>
+              <a:spcAft>
+                <a:spcPts val="0"/>
+              </a:spcAft>
+              <a:buClr>
+                <a:srgbClr val="00A9C5"/>
+              </a:buClr>
+              <a:buSzPct val="80000"/>
+            </a:pPr>
+            <a:r>
+              <a:rPr lang="fr-FR" sz="1600" kern="0" dirty="0">
+                <a:solidFill>
+                  <a:srgbClr val="FFFFFF"/>
+                </a:solidFill>
+                <a:latin typeface="Arial"/>
+              </a:rPr>
+              <a:t>Étape </a:t>
+            </a:r>
+            <a:r>
+              <a:rPr lang="fr-FR" sz="1600" kern="0" dirty="0" smtClean="0">
+                <a:solidFill>
+                  <a:srgbClr val="FFFFFF"/>
+                </a:solidFill>
+                <a:latin typeface="Arial"/>
+              </a:rPr>
+              <a:t>A</a:t>
+            </a:r>
+            <a:endParaRPr lang="fr-FR" sz="1600" kern="0" dirty="0">
+              <a:solidFill>
+                <a:srgbClr val="FFFFFF"/>
+              </a:solidFill>
+              <a:latin typeface="Arial"/>
+            </a:endParaRPr>
+          </a:p>
+        </p:txBody>
+      </p:sp>
+      <p:pic>
+        <p:nvPicPr>
+          <p:cNvPr id="15" name="Image 14"/>
+          <p:cNvPicPr>
+            <a:picLocks noChangeAspect="1"/>
+          </p:cNvPicPr>
+          <p:nvPr/>
+        </p:nvPicPr>
+        <p:blipFill>
+          <a:blip r:embed="rId2">
+            <a:extLst>
+              <a:ext uri="{28A0092B-C50C-407E-A947-70E740481C1C}">
+                <a14:useLocalDpi xmlns:a14="http://schemas.microsoft.com/office/drawing/2010/main" val="0"/>
+              </a:ext>
+            </a:extLst>
+          </a:blip>
+          <a:stretch>
+            <a:fillRect/>
+          </a:stretch>
+        </p:blipFill>
+        <p:spPr>
+          <a:xfrm>
+            <a:off x="3851124" y="3225274"/>
+            <a:ext cx="243152" cy="307488"/>
+          </a:xfrm>
+          <a:prstGeom prst="rect">
+            <a:avLst/>
+          </a:prstGeom>
+        </p:spPr>
+      </p:pic>
+      <p:pic>
+        <p:nvPicPr>
+          <p:cNvPr id="20" name="Image 19"/>
+          <p:cNvPicPr>
+            <a:picLocks noChangeAspect="1"/>
+          </p:cNvPicPr>
+          <p:nvPr/>
+        </p:nvPicPr>
+        <p:blipFill>
+          <a:blip r:embed="rId2">
+            <a:extLst>
+              <a:ext uri="{28A0092B-C50C-407E-A947-70E740481C1C}">
+                <a14:useLocalDpi xmlns:a14="http://schemas.microsoft.com/office/drawing/2010/main" val="0"/>
+              </a:ext>
+            </a:extLst>
+          </a:blip>
+          <a:stretch>
+            <a:fillRect/>
+          </a:stretch>
+        </p:blipFill>
+        <p:spPr>
+          <a:xfrm>
+            <a:off x="11425842" y="4168719"/>
+            <a:ext cx="393001" cy="496987"/>
+          </a:xfrm>
+          <a:prstGeom prst="rect">
+            <a:avLst/>
+          </a:prstGeom>
+        </p:spPr>
+      </p:pic>
+      <p:cxnSp>
+        <p:nvCxnSpPr>
+          <p:cNvPr id="22" name="Connecteur droit avec flèche 21"/>
+          <p:cNvCxnSpPr>
+            <a:stCxn id="45" idx="3"/>
+            <a:endCxn id="20" idx="0"/>
+          </p:cNvCxnSpPr>
+          <p:nvPr/>
+        </p:nvCxnSpPr>
+        <p:spPr bwMode="auto">
+          <a:xfrm>
+            <a:off x="11357737" y="2987810"/>
+            <a:ext cx="264606" cy="1180909"/>
+          </a:xfrm>
+          <a:prstGeom prst="straightConnector1">
+            <a:avLst/>
+          </a:prstGeom>
+          <a:solidFill>
+            <a:schemeClr val="accent1"/>
+          </a:solidFill>
+          <a:ln w="38100" cap="flat" cmpd="sng" algn="ctr">
+            <a:solidFill>
+              <a:schemeClr val="tx2"/>
+            </a:solidFill>
+            <a:prstDash val="solid"/>
+            <a:round/>
+            <a:headEnd type="none" w="med" len="med"/>
+            <a:tailEnd type="triangle" w="lg" len="lg"/>
+          </a:ln>
+          <a:effectLst/>
+        </p:spPr>
+      </p:cxnSp>
+      <p:sp>
+        <p:nvSpPr>
+          <p:cNvPr id="36" name="Chevron 35"/>
+          <p:cNvSpPr/>
+          <p:nvPr/>
+        </p:nvSpPr>
+        <p:spPr>
+          <a:xfrm>
+            <a:off x="4080387" y="2552059"/>
+            <a:ext cx="1845043" cy="871501"/>
+          </a:xfrm>
+          <a:prstGeom prst="chevron">
+            <a:avLst/>
+          </a:prstGeom>
+          <a:solidFill>
+            <a:srgbClr val="0070C0"/>
+          </a:solidFill>
+        </p:spPr>
+        <p:txBody>
+          <a:bodyPr rtlCol="0" anchor="ctr">
+            <a:noAutofit/>
+          </a:bodyPr>
+          <a:lstStyle/>
+          <a:p>
+            <a:pPr lvl="0" algn="ctr" eaLnBrk="1" hangingPunct="1">
+              <a:spcBef>
+                <a:spcPts val="384"/>
+              </a:spcBef>
+              <a:spcAft>
+                <a:spcPts val="0"/>
+              </a:spcAft>
+              <a:buClr>
+                <a:srgbClr val="00A9C5"/>
+              </a:buClr>
+              <a:buSzPct val="80000"/>
+            </a:pPr>
+            <a:r>
+              <a:rPr lang="fr-FR" sz="1600" kern="0" dirty="0">
+                <a:solidFill>
+                  <a:srgbClr val="FFFFFF"/>
+                </a:solidFill>
+                <a:latin typeface="Arial"/>
+              </a:rPr>
+              <a:t>Étape </a:t>
+            </a:r>
+            <a:r>
+              <a:rPr lang="fr-FR" sz="1600" kern="0" dirty="0" smtClean="0">
+                <a:solidFill>
+                  <a:srgbClr val="FFFFFF"/>
+                </a:solidFill>
+                <a:latin typeface="Arial"/>
+              </a:rPr>
+              <a:t>B</a:t>
+            </a:r>
+            <a:endParaRPr lang="fr-FR" sz="1600" kern="0" dirty="0">
+              <a:solidFill>
+                <a:srgbClr val="FFFFFF"/>
+              </a:solidFill>
+              <a:latin typeface="Arial"/>
+            </a:endParaRPr>
+          </a:p>
+        </p:txBody>
+      </p:sp>
+      <p:pic>
+        <p:nvPicPr>
+          <p:cNvPr id="37" name="Image 36"/>
+          <p:cNvPicPr>
+            <a:picLocks noChangeAspect="1"/>
+          </p:cNvPicPr>
+          <p:nvPr/>
+        </p:nvPicPr>
+        <p:blipFill>
+          <a:blip r:embed="rId2">
+            <a:extLst>
+              <a:ext uri="{28A0092B-C50C-407E-A947-70E740481C1C}">
+                <a14:useLocalDpi xmlns:a14="http://schemas.microsoft.com/office/drawing/2010/main" val="0"/>
+              </a:ext>
+            </a:extLst>
+          </a:blip>
+          <a:stretch>
+            <a:fillRect/>
+          </a:stretch>
+        </p:blipFill>
+        <p:spPr>
+          <a:xfrm>
+            <a:off x="5661893" y="3221436"/>
+            <a:ext cx="243152" cy="307488"/>
+          </a:xfrm>
+          <a:prstGeom prst="rect">
+            <a:avLst/>
+          </a:prstGeom>
+        </p:spPr>
+      </p:pic>
+      <p:sp>
+        <p:nvSpPr>
+          <p:cNvPr id="39" name="Chevron 38"/>
+          <p:cNvSpPr/>
+          <p:nvPr/>
+        </p:nvSpPr>
+        <p:spPr>
+          <a:xfrm>
+            <a:off x="5891156" y="2552059"/>
+            <a:ext cx="1845043" cy="871501"/>
+          </a:xfrm>
+          <a:prstGeom prst="chevron">
+            <a:avLst/>
+          </a:prstGeom>
+          <a:solidFill>
+            <a:srgbClr val="0070C0"/>
+          </a:solidFill>
+        </p:spPr>
+        <p:txBody>
+          <a:bodyPr rtlCol="0" anchor="ctr">
+            <a:noAutofit/>
+          </a:bodyPr>
+          <a:lstStyle/>
+          <a:p>
+            <a:pPr lvl="0" algn="ctr" eaLnBrk="1" hangingPunct="1">
+              <a:spcBef>
+                <a:spcPts val="384"/>
+              </a:spcBef>
+              <a:spcAft>
+                <a:spcPts val="0"/>
+              </a:spcAft>
+              <a:buClr>
+                <a:srgbClr val="00A9C5"/>
+              </a:buClr>
+              <a:buSzPct val="80000"/>
+            </a:pPr>
+            <a:r>
+              <a:rPr lang="fr-FR" sz="1600" kern="0" dirty="0">
+                <a:solidFill>
+                  <a:srgbClr val="FFFFFF"/>
+                </a:solidFill>
+                <a:latin typeface="Arial"/>
+              </a:rPr>
+              <a:t>Étape </a:t>
+            </a:r>
+            <a:r>
+              <a:rPr lang="fr-FR" sz="1600" kern="0" dirty="0" smtClean="0">
+                <a:solidFill>
+                  <a:srgbClr val="FFFFFF"/>
+                </a:solidFill>
+                <a:latin typeface="Arial"/>
+              </a:rPr>
+              <a:t>C</a:t>
+            </a:r>
+            <a:endParaRPr lang="fr-FR" sz="1600" kern="0" dirty="0">
+              <a:solidFill>
+                <a:srgbClr val="FFFFFF"/>
+              </a:solidFill>
+              <a:latin typeface="Arial"/>
+            </a:endParaRPr>
+          </a:p>
+        </p:txBody>
+      </p:sp>
+      <p:pic>
+        <p:nvPicPr>
+          <p:cNvPr id="40" name="Image 39"/>
+          <p:cNvPicPr>
+            <a:picLocks noChangeAspect="1"/>
+          </p:cNvPicPr>
+          <p:nvPr/>
+        </p:nvPicPr>
+        <p:blipFill>
+          <a:blip r:embed="rId2">
+            <a:extLst>
+              <a:ext uri="{28A0092B-C50C-407E-A947-70E740481C1C}">
+                <a14:useLocalDpi xmlns:a14="http://schemas.microsoft.com/office/drawing/2010/main" val="0"/>
+              </a:ext>
+            </a:extLst>
+          </a:blip>
+          <a:stretch>
+            <a:fillRect/>
+          </a:stretch>
+        </p:blipFill>
+        <p:spPr>
+          <a:xfrm>
+            <a:off x="7472662" y="3221436"/>
+            <a:ext cx="243152" cy="307488"/>
+          </a:xfrm>
+          <a:prstGeom prst="rect">
+            <a:avLst/>
+          </a:prstGeom>
+        </p:spPr>
+      </p:pic>
+      <p:sp>
+        <p:nvSpPr>
+          <p:cNvPr id="42" name="Chevron 41"/>
+          <p:cNvSpPr/>
+          <p:nvPr/>
+        </p:nvSpPr>
+        <p:spPr>
+          <a:xfrm>
+            <a:off x="7701925" y="2552059"/>
+            <a:ext cx="1845043" cy="871501"/>
+          </a:xfrm>
+          <a:prstGeom prst="chevron">
+            <a:avLst/>
+          </a:prstGeom>
+          <a:solidFill>
+            <a:srgbClr val="0070C0"/>
+          </a:solidFill>
+        </p:spPr>
+        <p:txBody>
+          <a:bodyPr rtlCol="0" anchor="ctr">
+            <a:noAutofit/>
+          </a:bodyPr>
+          <a:lstStyle/>
+          <a:p>
+            <a:pPr lvl="0" algn="ctr" eaLnBrk="1" hangingPunct="1">
+              <a:spcBef>
+                <a:spcPts val="384"/>
+              </a:spcBef>
+              <a:spcAft>
+                <a:spcPts val="0"/>
+              </a:spcAft>
+              <a:buClr>
+                <a:srgbClr val="00A9C5"/>
+              </a:buClr>
+              <a:buSzPct val="80000"/>
+            </a:pPr>
+            <a:r>
+              <a:rPr lang="fr-FR" sz="1600" kern="0" dirty="0">
+                <a:solidFill>
+                  <a:srgbClr val="FFFFFF"/>
+                </a:solidFill>
+                <a:latin typeface="Arial"/>
+              </a:rPr>
+              <a:t>Étape </a:t>
+            </a:r>
+            <a:r>
+              <a:rPr lang="fr-FR" sz="1600" kern="0" dirty="0" smtClean="0">
+                <a:solidFill>
+                  <a:srgbClr val="FFFFFF"/>
+                </a:solidFill>
+                <a:latin typeface="Arial"/>
+              </a:rPr>
+              <a:t>D</a:t>
+            </a:r>
+            <a:endParaRPr lang="fr-FR" sz="1600" kern="0" dirty="0">
+              <a:solidFill>
+                <a:srgbClr val="FFFFFF"/>
+              </a:solidFill>
+              <a:latin typeface="Arial"/>
+            </a:endParaRPr>
+          </a:p>
+        </p:txBody>
+      </p:sp>
+      <p:pic>
+        <p:nvPicPr>
+          <p:cNvPr id="43" name="Image 42"/>
+          <p:cNvPicPr>
+            <a:picLocks noChangeAspect="1"/>
+          </p:cNvPicPr>
+          <p:nvPr/>
+        </p:nvPicPr>
+        <p:blipFill>
+          <a:blip r:embed="rId2">
+            <a:extLst>
+              <a:ext uri="{28A0092B-C50C-407E-A947-70E740481C1C}">
+                <a14:useLocalDpi xmlns:a14="http://schemas.microsoft.com/office/drawing/2010/main" val="0"/>
+              </a:ext>
+            </a:extLst>
+          </a:blip>
+          <a:stretch>
+            <a:fillRect/>
+          </a:stretch>
+        </p:blipFill>
+        <p:spPr>
+          <a:xfrm>
+            <a:off x="9283431" y="3221436"/>
+            <a:ext cx="243152" cy="307488"/>
+          </a:xfrm>
+          <a:prstGeom prst="rect">
+            <a:avLst/>
+          </a:prstGeom>
+        </p:spPr>
+      </p:pic>
+      <p:sp>
+        <p:nvSpPr>
+          <p:cNvPr id="45" name="Chevron 44"/>
+          <p:cNvSpPr/>
+          <p:nvPr/>
+        </p:nvSpPr>
+        <p:spPr>
+          <a:xfrm>
+            <a:off x="9512694" y="2552059"/>
+            <a:ext cx="1845043" cy="871501"/>
+          </a:xfrm>
+          <a:prstGeom prst="chevron">
+            <a:avLst/>
+          </a:prstGeom>
+          <a:solidFill>
+            <a:srgbClr val="0070C0"/>
+          </a:solidFill>
+        </p:spPr>
+        <p:txBody>
+          <a:bodyPr rtlCol="0" anchor="ctr">
+            <a:noAutofit/>
+          </a:bodyPr>
+          <a:lstStyle/>
+          <a:p>
+            <a:pPr lvl="0" algn="ctr" eaLnBrk="1" hangingPunct="1">
+              <a:spcBef>
+                <a:spcPts val="384"/>
+              </a:spcBef>
+              <a:spcAft>
+                <a:spcPts val="0"/>
+              </a:spcAft>
+              <a:buClr>
+                <a:srgbClr val="00A9C5"/>
+              </a:buClr>
+              <a:buSzPct val="80000"/>
+            </a:pPr>
+            <a:r>
+              <a:rPr lang="fr-FR" sz="1600" kern="0" dirty="0">
+                <a:solidFill>
+                  <a:srgbClr val="FFFFFF"/>
+                </a:solidFill>
+                <a:latin typeface="Arial"/>
+              </a:rPr>
+              <a:t>Étape </a:t>
+            </a:r>
+            <a:r>
+              <a:rPr lang="fr-FR" sz="1600" kern="0" dirty="0" smtClean="0">
+                <a:solidFill>
+                  <a:srgbClr val="FFFFFF"/>
+                </a:solidFill>
+                <a:latin typeface="Arial"/>
+              </a:rPr>
+              <a:t>A</a:t>
+            </a:r>
+            <a:endParaRPr lang="fr-FR" sz="1600" kern="0" dirty="0">
+              <a:solidFill>
+                <a:srgbClr val="FFFFFF"/>
+              </a:solidFill>
+              <a:latin typeface="Arial"/>
+            </a:endParaRPr>
+          </a:p>
+        </p:txBody>
+      </p:sp>
+    </p:spTree>
+    <p:extLst>
+      <p:ext uri="{BB962C8B-B14F-4D97-AF65-F5344CB8AC3E}">
+        <p14:creationId xmlns:p14="http://schemas.microsoft.com/office/powerpoint/2010/main" val="62735238"/>
+      </p:ext>
+    </p:extLst>
+  </p:cSld>
+  <p:clrMapOvr>
+    <a:masterClrMapping/>
+  </p:clrMapOvr>
+</p:sld>
+</file>
+
+<file path=ppt/slides/slide5.xml><?xml version="1.0" encoding="utf-8"?>
+<p:sld xmlns:a="http://schemas.openxmlformats.org/drawingml/2006/main" xmlns:r="http://schemas.openxmlformats.org/officeDocument/2006/relationships" xmlns:p="http://schemas.openxmlformats.org/presentationml/2006/main">
+  <p:cSld>
+    <p:spTree>
+      <p:nvGrpSpPr>
+        <p:cNvPr id="1" name=""/>
+        <p:cNvGrpSpPr/>
+        <p:nvPr/>
+      </p:nvGrpSpPr>
+      <p:grpSpPr>
+        <a:xfrm>
+          <a:off x="0" y="0"/>
+          <a:ext cx="0" cy="0"/>
+          <a:chOff x="0" y="0"/>
+          <a:chExt cx="0" cy="0"/>
+        </a:xfrm>
+      </p:grpSpPr>
+      <p:grpSp>
+        <p:nvGrpSpPr>
+          <p:cNvPr id="3" name="Grouper 2"/>
+          <p:cNvGrpSpPr/>
+          <p:nvPr/>
+        </p:nvGrpSpPr>
+        <p:grpSpPr>
+          <a:xfrm>
+            <a:off x="330974" y="2552059"/>
+            <a:ext cx="10727510" cy="2037550"/>
+            <a:chOff x="330974" y="2606167"/>
+            <a:chExt cx="10727510" cy="2037550"/>
+          </a:xfrm>
+        </p:grpSpPr>
+        <p:sp>
+          <p:nvSpPr>
+            <p:cNvPr id="31" name="Chevron 30"/>
+            <p:cNvSpPr/>
+            <p:nvPr/>
+          </p:nvSpPr>
+          <p:spPr>
+            <a:xfrm>
+              <a:off x="2481685" y="3769657"/>
+              <a:ext cx="4254655" cy="871501"/>
+            </a:xfrm>
+            <a:prstGeom prst="chevron">
+              <a:avLst/>
+            </a:prstGeom>
+            <a:solidFill>
+              <a:schemeClr val="bg2"/>
+            </a:solidFill>
+          </p:spPr>
+          <p:txBody>
+            <a:bodyPr rtlCol="0" anchor="ctr">
+              <a:noAutofit/>
+            </a:bodyPr>
+            <a:lstStyle/>
+            <a:p>
+              <a:pPr lvl="0" algn="ctr" eaLnBrk="1" hangingPunct="1">
+                <a:spcBef>
+                  <a:spcPts val="384"/>
+                </a:spcBef>
+                <a:spcAft>
+                  <a:spcPts val="0"/>
+                </a:spcAft>
+                <a:buClr>
+                  <a:srgbClr val="00A9C5"/>
+                </a:buClr>
+                <a:buSzPct val="80000"/>
+              </a:pPr>
+              <a:r>
+                <a:rPr lang="fr-FR" sz="1600" kern="0" dirty="0" smtClean="0">
+                  <a:solidFill>
+                    <a:srgbClr val="FFFFFF"/>
+                  </a:solidFill>
+                  <a:latin typeface="Arial"/>
+                </a:rPr>
+                <a:t>Étape 1</a:t>
+              </a:r>
+              <a:endParaRPr lang="fr-FR" sz="1600" kern="0" dirty="0">
+                <a:solidFill>
+                  <a:srgbClr val="FFFFFF"/>
+                </a:solidFill>
+                <a:latin typeface="Arial"/>
+              </a:endParaRPr>
+            </a:p>
+          </p:txBody>
+        </p:sp>
+        <p:grpSp>
+          <p:nvGrpSpPr>
+            <p:cNvPr id="2" name="Grouper 1"/>
+            <p:cNvGrpSpPr/>
+            <p:nvPr/>
+          </p:nvGrpSpPr>
+          <p:grpSpPr>
+            <a:xfrm>
+              <a:off x="330974" y="2606167"/>
+              <a:ext cx="1946061" cy="2037550"/>
+              <a:chOff x="330974" y="2606167"/>
+              <a:chExt cx="1946061" cy="2037550"/>
+            </a:xfrm>
+          </p:grpSpPr>
+          <p:sp>
+            <p:nvSpPr>
+              <p:cNvPr id="9" name="Rectangle 8"/>
+              <p:cNvSpPr/>
+              <p:nvPr/>
+            </p:nvSpPr>
+            <p:spPr>
+              <a:xfrm>
+                <a:off x="330974" y="3769657"/>
+                <a:ext cx="1946061" cy="874060"/>
+              </a:xfrm>
+              <a:prstGeom prst="rect">
+                <a:avLst/>
+              </a:prstGeom>
+              <a:noFill/>
+              <a:ln w="38100">
+                <a:solidFill>
+                  <a:srgbClr val="00AFCB"/>
+                </a:solidFill>
+              </a:ln>
+            </p:spPr>
+            <p:txBody>
+              <a:bodyPr rtlCol="0" anchor="ctr">
+                <a:noAutofit/>
+              </a:bodyPr>
+              <a:lstStyle/>
+              <a:p>
+                <a:pPr lvl="0" algn="ctr" eaLnBrk="1" hangingPunct="1">
+                  <a:spcBef>
+                    <a:spcPts val="384"/>
+                  </a:spcBef>
+                  <a:spcAft>
+                    <a:spcPts val="0"/>
+                  </a:spcAft>
+                  <a:buClr>
+                    <a:srgbClr val="00A9C5"/>
+                  </a:buClr>
+                  <a:buSzPct val="80000"/>
+                </a:pPr>
+                <a:r>
+                  <a:rPr lang="fr-FR" sz="2400" kern="0" dirty="0" smtClean="0">
+                    <a:solidFill>
+                      <a:srgbClr val="00AFCB"/>
+                    </a:solidFill>
+                    <a:latin typeface="Arial"/>
+                  </a:rPr>
+                  <a:t>Workflow Mainframe</a:t>
+                </a:r>
+                <a:endParaRPr lang="fr-FR" sz="2400" kern="0" dirty="0">
+                  <a:solidFill>
+                    <a:srgbClr val="00AFCB"/>
+                  </a:solidFill>
+                  <a:latin typeface="Arial"/>
+                </a:endParaRPr>
+              </a:p>
+            </p:txBody>
+          </p:sp>
+          <p:sp>
+            <p:nvSpPr>
+              <p:cNvPr id="12" name="Rectangle 11"/>
+              <p:cNvSpPr/>
+              <p:nvPr/>
+            </p:nvSpPr>
+            <p:spPr>
+              <a:xfrm>
+                <a:off x="330974" y="2606167"/>
+                <a:ext cx="1946061" cy="874060"/>
+              </a:xfrm>
+              <a:prstGeom prst="rect">
+                <a:avLst/>
+              </a:prstGeom>
+              <a:noFill/>
+              <a:ln w="38100">
+                <a:solidFill>
+                  <a:srgbClr val="0070C0"/>
+                </a:solidFill>
+              </a:ln>
+            </p:spPr>
+            <p:txBody>
+              <a:bodyPr rtlCol="0" anchor="ctr">
+                <a:noAutofit/>
+              </a:bodyPr>
+              <a:lstStyle/>
+              <a:p>
+                <a:pPr lvl="0" algn="ctr" eaLnBrk="1" hangingPunct="1">
+                  <a:spcBef>
+                    <a:spcPts val="384"/>
+                  </a:spcBef>
+                  <a:spcAft>
+                    <a:spcPts val="0"/>
+                  </a:spcAft>
+                  <a:buClr>
+                    <a:srgbClr val="00A9C5"/>
+                  </a:buClr>
+                  <a:buSzPct val="80000"/>
+                </a:pPr>
+                <a:r>
+                  <a:rPr lang="fr-FR" sz="2400" kern="0" dirty="0" smtClean="0">
+                    <a:solidFill>
+                      <a:srgbClr val="0070C0"/>
+                    </a:solidFill>
+                    <a:latin typeface="Arial"/>
+                  </a:rPr>
+                  <a:t>Workflow Web</a:t>
+                </a:r>
+                <a:endParaRPr lang="fr-FR" sz="2400" kern="0" dirty="0">
+                  <a:solidFill>
+                    <a:srgbClr val="0070C0"/>
+                  </a:solidFill>
+                  <a:latin typeface="Arial"/>
+                </a:endParaRPr>
+              </a:p>
+            </p:txBody>
+          </p:sp>
+        </p:grpSp>
+        <p:sp>
+          <p:nvSpPr>
+            <p:cNvPr id="33" name="Chevron 32"/>
+            <p:cNvSpPr/>
+            <p:nvPr/>
+          </p:nvSpPr>
+          <p:spPr>
+            <a:xfrm>
+              <a:off x="2481685" y="2610005"/>
+              <a:ext cx="2127328" cy="871501"/>
+            </a:xfrm>
+            <a:prstGeom prst="chevron">
+              <a:avLst/>
+            </a:prstGeom>
+            <a:solidFill>
+              <a:srgbClr val="0070C0"/>
+            </a:solidFill>
+          </p:spPr>
+          <p:txBody>
+            <a:bodyPr rtlCol="0" anchor="ctr">
+              <a:noAutofit/>
+            </a:bodyPr>
+            <a:lstStyle/>
+            <a:p>
+              <a:pPr lvl="0" algn="ctr" eaLnBrk="1" hangingPunct="1">
+                <a:spcBef>
+                  <a:spcPts val="384"/>
+                </a:spcBef>
+                <a:spcAft>
+                  <a:spcPts val="0"/>
+                </a:spcAft>
+                <a:buClr>
+                  <a:srgbClr val="00A9C5"/>
+                </a:buClr>
+                <a:buSzPct val="80000"/>
+              </a:pPr>
+              <a:r>
+                <a:rPr lang="fr-FR" sz="1600" kern="0" dirty="0">
+                  <a:solidFill>
+                    <a:srgbClr val="FFFFFF"/>
+                  </a:solidFill>
+                  <a:latin typeface="Arial"/>
+                </a:rPr>
+                <a:t>Étape </a:t>
+              </a:r>
+              <a:r>
+                <a:rPr lang="fr-FR" sz="1600" kern="0" dirty="0" smtClean="0">
+                  <a:solidFill>
+                    <a:srgbClr val="FFFFFF"/>
+                  </a:solidFill>
+                  <a:latin typeface="Arial"/>
+                </a:rPr>
+                <a:t>A</a:t>
+              </a:r>
+              <a:endParaRPr lang="fr-FR" sz="1600" kern="0" dirty="0">
+                <a:solidFill>
+                  <a:srgbClr val="FFFFFF"/>
+                </a:solidFill>
+                <a:latin typeface="Arial"/>
+              </a:endParaRPr>
+            </a:p>
+          </p:txBody>
+        </p:sp>
+        <p:sp>
+          <p:nvSpPr>
+            <p:cNvPr id="34" name="Chevron 33"/>
+            <p:cNvSpPr/>
+            <p:nvPr/>
+          </p:nvSpPr>
+          <p:spPr>
+            <a:xfrm>
+              <a:off x="4609012" y="2634662"/>
+              <a:ext cx="2127328" cy="871501"/>
+            </a:xfrm>
+            <a:prstGeom prst="chevron">
+              <a:avLst/>
+            </a:prstGeom>
+            <a:solidFill>
+              <a:srgbClr val="0070C0"/>
+            </a:solidFill>
+          </p:spPr>
+          <p:txBody>
+            <a:bodyPr rtlCol="0" anchor="ctr">
+              <a:noAutofit/>
+            </a:bodyPr>
+            <a:lstStyle/>
+            <a:p>
+              <a:pPr lvl="0" algn="ctr" eaLnBrk="1" hangingPunct="1">
+                <a:spcBef>
+                  <a:spcPts val="384"/>
+                </a:spcBef>
+                <a:spcAft>
+                  <a:spcPts val="0"/>
+                </a:spcAft>
+                <a:buClr>
+                  <a:srgbClr val="00A9C5"/>
+                </a:buClr>
+                <a:buSzPct val="80000"/>
+              </a:pPr>
+              <a:r>
+                <a:rPr lang="fr-FR" sz="1600" kern="0" dirty="0">
+                  <a:solidFill>
+                    <a:srgbClr val="FFFFFF"/>
+                  </a:solidFill>
+                  <a:latin typeface="Arial"/>
+                </a:rPr>
+                <a:t>Étape </a:t>
+              </a:r>
+              <a:r>
+                <a:rPr lang="fr-FR" sz="1600" kern="0" dirty="0" smtClean="0">
+                  <a:solidFill>
+                    <a:srgbClr val="FFFFFF"/>
+                  </a:solidFill>
+                  <a:latin typeface="Arial"/>
+                </a:rPr>
+                <a:t>1B</a:t>
+              </a:r>
+              <a:endParaRPr lang="fr-FR" sz="1600" kern="0" dirty="0">
+                <a:solidFill>
+                  <a:srgbClr val="FFFFFF"/>
+                </a:solidFill>
+                <a:latin typeface="Arial"/>
+              </a:endParaRPr>
+            </a:p>
+          </p:txBody>
+        </p:sp>
+        <p:sp>
+          <p:nvSpPr>
+            <p:cNvPr id="35" name="Chevron 34"/>
+            <p:cNvSpPr/>
+            <p:nvPr/>
+          </p:nvSpPr>
+          <p:spPr>
+            <a:xfrm>
+              <a:off x="6803829" y="3769657"/>
+              <a:ext cx="4254655" cy="871501"/>
+            </a:xfrm>
+            <a:prstGeom prst="chevron">
+              <a:avLst/>
+            </a:prstGeom>
+            <a:solidFill>
+              <a:schemeClr val="bg2"/>
+            </a:solidFill>
+          </p:spPr>
+          <p:txBody>
+            <a:bodyPr rtlCol="0" anchor="ctr">
+              <a:noAutofit/>
+            </a:bodyPr>
+            <a:lstStyle/>
+            <a:p>
+              <a:pPr lvl="0" algn="ctr" eaLnBrk="1" hangingPunct="1">
+                <a:spcBef>
+                  <a:spcPts val="384"/>
+                </a:spcBef>
+                <a:spcAft>
+                  <a:spcPts val="0"/>
+                </a:spcAft>
+                <a:buClr>
+                  <a:srgbClr val="00A9C5"/>
+                </a:buClr>
+                <a:buSzPct val="80000"/>
+              </a:pPr>
+              <a:r>
+                <a:rPr lang="fr-FR" sz="1600" kern="0" dirty="0">
+                  <a:solidFill>
+                    <a:srgbClr val="FFFFFF"/>
+                  </a:solidFill>
+                  <a:latin typeface="Arial"/>
+                </a:rPr>
+                <a:t>Étape </a:t>
+              </a:r>
+              <a:r>
+                <a:rPr lang="fr-FR" sz="1600" kern="0" dirty="0" smtClean="0">
+                  <a:solidFill>
+                    <a:srgbClr val="FFFFFF"/>
+                  </a:solidFill>
+                  <a:latin typeface="Arial"/>
+                </a:rPr>
+                <a:t>2</a:t>
+              </a:r>
+              <a:endParaRPr lang="fr-FR" sz="1600" kern="0" dirty="0">
+                <a:solidFill>
+                  <a:srgbClr val="FFFFFF"/>
+                </a:solidFill>
+                <a:latin typeface="Arial"/>
+              </a:endParaRPr>
+            </a:p>
+          </p:txBody>
+        </p:sp>
+        <p:sp>
+          <p:nvSpPr>
+            <p:cNvPr id="17" name="Chevron 16"/>
+            <p:cNvSpPr/>
+            <p:nvPr/>
+          </p:nvSpPr>
+          <p:spPr>
+            <a:xfrm>
+              <a:off x="6803829" y="2634662"/>
+              <a:ext cx="2127328" cy="871501"/>
+            </a:xfrm>
+            <a:prstGeom prst="chevron">
+              <a:avLst/>
+            </a:prstGeom>
+            <a:solidFill>
+              <a:srgbClr val="0070C0"/>
+            </a:solidFill>
+          </p:spPr>
+          <p:txBody>
+            <a:bodyPr rtlCol="0" anchor="ctr">
+              <a:noAutofit/>
+            </a:bodyPr>
+            <a:lstStyle/>
+            <a:p>
+              <a:pPr lvl="0" algn="ctr" eaLnBrk="1" hangingPunct="1">
+                <a:spcBef>
+                  <a:spcPts val="384"/>
+                </a:spcBef>
+                <a:spcAft>
+                  <a:spcPts val="0"/>
+                </a:spcAft>
+                <a:buClr>
+                  <a:srgbClr val="00A9C5"/>
+                </a:buClr>
+                <a:buSzPct val="80000"/>
+              </a:pPr>
+              <a:r>
+                <a:rPr lang="fr-FR" sz="1600" kern="0" dirty="0">
+                  <a:solidFill>
+                    <a:srgbClr val="FFFFFF"/>
+                  </a:solidFill>
+                  <a:latin typeface="Arial"/>
+                </a:rPr>
+                <a:t>Étape </a:t>
+              </a:r>
+              <a:r>
+                <a:rPr lang="fr-FR" sz="1600" kern="0" dirty="0" smtClean="0">
+                  <a:solidFill>
+                    <a:srgbClr val="FFFFFF"/>
+                  </a:solidFill>
+                  <a:latin typeface="Arial"/>
+                </a:rPr>
+                <a:t>2A</a:t>
+              </a:r>
+              <a:endParaRPr lang="fr-FR" sz="1600" kern="0" dirty="0">
+                <a:solidFill>
+                  <a:srgbClr val="FFFFFF"/>
+                </a:solidFill>
+                <a:latin typeface="Arial"/>
+              </a:endParaRPr>
+            </a:p>
+          </p:txBody>
+        </p:sp>
+        <p:sp>
+          <p:nvSpPr>
+            <p:cNvPr id="18" name="Chevron 17"/>
+            <p:cNvSpPr/>
+            <p:nvPr/>
+          </p:nvSpPr>
+          <p:spPr>
+            <a:xfrm>
+              <a:off x="8920212" y="2659319"/>
+              <a:ext cx="2138272" cy="871501"/>
+            </a:xfrm>
+            <a:prstGeom prst="chevron">
+              <a:avLst/>
+            </a:prstGeom>
+            <a:solidFill>
+              <a:srgbClr val="0070C0"/>
+            </a:solidFill>
+          </p:spPr>
+          <p:txBody>
+            <a:bodyPr rtlCol="0" anchor="ctr">
+              <a:noAutofit/>
+            </a:bodyPr>
+            <a:lstStyle/>
+            <a:p>
+              <a:pPr lvl="0" algn="ctr" eaLnBrk="1" hangingPunct="1">
+                <a:spcBef>
+                  <a:spcPts val="384"/>
+                </a:spcBef>
+                <a:spcAft>
+                  <a:spcPts val="0"/>
+                </a:spcAft>
+                <a:buClr>
+                  <a:srgbClr val="00A9C5"/>
+                </a:buClr>
+                <a:buSzPct val="80000"/>
+              </a:pPr>
+              <a:r>
+                <a:rPr lang="fr-FR" sz="1600" kern="0" dirty="0">
+                  <a:solidFill>
+                    <a:srgbClr val="FFFFFF"/>
+                  </a:solidFill>
+                  <a:latin typeface="Arial"/>
+                </a:rPr>
+                <a:t>Étape 2</a:t>
+              </a:r>
+              <a:r>
+                <a:rPr lang="fr-FR" sz="1600" kern="0" dirty="0" smtClean="0">
+                  <a:solidFill>
+                    <a:srgbClr val="FFFFFF"/>
+                  </a:solidFill>
+                  <a:latin typeface="Arial"/>
+                </a:rPr>
+                <a:t>B</a:t>
+              </a:r>
+              <a:endParaRPr lang="fr-FR" sz="1600" kern="0" dirty="0">
+                <a:solidFill>
+                  <a:srgbClr val="FFFFFF"/>
+                </a:solidFill>
+                <a:latin typeface="Arial"/>
+              </a:endParaRPr>
+            </a:p>
+          </p:txBody>
+        </p:sp>
+      </p:grpSp>
+      <p:sp>
+        <p:nvSpPr>
+          <p:cNvPr id="19" name="Rectangle 18"/>
+          <p:cNvSpPr/>
+          <p:nvPr/>
+        </p:nvSpPr>
+        <p:spPr>
+          <a:xfrm>
+            <a:off x="6736340" y="2246939"/>
+            <a:ext cx="49231" cy="2647790"/>
+          </a:xfrm>
+          <a:prstGeom prst="rect">
+            <a:avLst/>
+          </a:prstGeom>
+          <a:solidFill>
+            <a:schemeClr val="tx2"/>
+          </a:solidFill>
+        </p:spPr>
+        <p:txBody>
+          <a:bodyPr rtlCol="0" anchor="ctr">
+            <a:noAutofit/>
+          </a:bodyPr>
+          <a:lstStyle/>
+          <a:p>
+            <a:pPr algn="ctr" eaLnBrk="1" hangingPunct="1">
+              <a:spcBef>
+                <a:spcPts val="384"/>
+              </a:spcBef>
+              <a:spcAft>
+                <a:spcPts val="0"/>
+              </a:spcAft>
+              <a:buClr>
+                <a:srgbClr val="00A9C5"/>
+              </a:buClr>
+              <a:buSzPct val="80000"/>
+            </a:pPr>
+            <a:endParaRPr lang="fr-FR" sz="1600" kern="0" dirty="0" smtClean="0">
+              <a:solidFill>
+                <a:schemeClr val="bg1"/>
+              </a:solidFill>
+              <a:latin typeface="+mj-lt"/>
+            </a:endParaRPr>
+          </a:p>
+        </p:txBody>
+      </p:sp>
+      <p:sp>
+        <p:nvSpPr>
+          <p:cNvPr id="28" name="Rectangle 27"/>
+          <p:cNvSpPr/>
+          <p:nvPr/>
+        </p:nvSpPr>
+        <p:spPr>
+          <a:xfrm>
+            <a:off x="11069428" y="2246939"/>
+            <a:ext cx="49231" cy="2647790"/>
+          </a:xfrm>
+          <a:prstGeom prst="rect">
+            <a:avLst/>
+          </a:prstGeom>
+          <a:solidFill>
+            <a:schemeClr val="tx2"/>
+          </a:solidFill>
+        </p:spPr>
+        <p:txBody>
+          <a:bodyPr rtlCol="0" anchor="ctr">
+            <a:noAutofit/>
+          </a:bodyPr>
+          <a:lstStyle/>
+          <a:p>
+            <a:pPr algn="ctr" eaLnBrk="1" hangingPunct="1">
+              <a:spcBef>
+                <a:spcPts val="384"/>
+              </a:spcBef>
+              <a:spcAft>
+                <a:spcPts val="0"/>
+              </a:spcAft>
+              <a:buClr>
+                <a:srgbClr val="00A9C5"/>
+              </a:buClr>
+              <a:buSzPct val="80000"/>
+            </a:pPr>
+            <a:endParaRPr lang="fr-FR" sz="1600" kern="0" dirty="0" smtClean="0">
+              <a:solidFill>
+                <a:schemeClr val="bg1"/>
+              </a:solidFill>
+              <a:latin typeface="+mj-lt"/>
+            </a:endParaRPr>
+          </a:p>
+        </p:txBody>
+      </p:sp>
+    </p:spTree>
+    <p:extLst>
+      <p:ext uri="{BB962C8B-B14F-4D97-AF65-F5344CB8AC3E}">
+        <p14:creationId xmlns:p14="http://schemas.microsoft.com/office/powerpoint/2010/main" val="1001100933"/>
+      </p:ext>
+    </p:extLst>
+  </p:cSld>
+  <p:clrMapOvr>
+    <a:masterClrMapping/>
+  </p:clrMapOvr>
+</p:sld>
+</file>
+
+<file path=ppt/slides/slide6.xml><?xml version="1.0" encoding="utf-8"?>
+<p:sld xmlns:a="http://schemas.openxmlformats.org/drawingml/2006/main" xmlns:r="http://schemas.openxmlformats.org/officeDocument/2006/relationships" xmlns:p="http://schemas.openxmlformats.org/presentationml/2006/main">
+  <p:cSld>
+    <p:spTree>
+      <p:nvGrpSpPr>
+        <p:cNvPr id="1" name=""/>
+        <p:cNvGrpSpPr/>
+        <p:nvPr/>
+      </p:nvGrpSpPr>
+      <p:grpSpPr>
+        <a:xfrm>
+          <a:off x="0" y="0"/>
+          <a:ext cx="0" cy="0"/>
+          <a:chOff x="0" y="0"/>
+          <a:chExt cx="0" cy="0"/>
+        </a:xfrm>
+      </p:grpSpPr>
+      <p:sp>
+        <p:nvSpPr>
+          <p:cNvPr id="5" name="Rectangle 4"/>
+          <p:cNvSpPr/>
+          <p:nvPr/>
+        </p:nvSpPr>
+        <p:spPr>
+          <a:xfrm>
+            <a:off x="923365" y="3222170"/>
+            <a:ext cx="4464423" cy="1735311"/>
+          </a:xfrm>
+          <a:prstGeom prst="rect">
+            <a:avLst/>
+          </a:prstGeom>
+          <a:noFill/>
+          <a:ln w="38100">
+            <a:solidFill>
+              <a:srgbClr val="00AFCB"/>
+            </a:solidFill>
+          </a:ln>
+        </p:spPr>
+        <p:txBody>
+          <a:bodyPr rtlCol="0" anchor="ctr">
+            <a:noAutofit/>
+          </a:bodyPr>
+          <a:lstStyle/>
+          <a:p>
+            <a:pPr algn="ctr" eaLnBrk="1" hangingPunct="1">
+              <a:spcBef>
+                <a:spcPts val="384"/>
+              </a:spcBef>
+              <a:spcAft>
+                <a:spcPts val="0"/>
+              </a:spcAft>
+              <a:buClr>
+                <a:srgbClr val="00A9C5"/>
+              </a:buClr>
+              <a:buSzPct val="80000"/>
+            </a:pPr>
+            <a:r>
+              <a:rPr lang="fr-FR" sz="2400" kern="0" dirty="0" smtClean="0">
+                <a:solidFill>
+                  <a:srgbClr val="00AFCB"/>
+                </a:solidFill>
+                <a:latin typeface="+mj-lt"/>
+              </a:rPr>
+              <a:t>Cœur métier</a:t>
+            </a:r>
+            <a:br>
+              <a:rPr lang="fr-FR" sz="2400" kern="0" dirty="0" smtClean="0">
+                <a:solidFill>
+                  <a:srgbClr val="00AFCB"/>
+                </a:solidFill>
+                <a:latin typeface="+mj-lt"/>
+              </a:rPr>
+            </a:br>
+            <a:r>
+              <a:rPr lang="fr-FR" sz="2400" kern="0" dirty="0" smtClean="0">
+                <a:solidFill>
+                  <a:srgbClr val="00AFCB"/>
+                </a:solidFill>
+                <a:latin typeface="+mj-lt"/>
+              </a:rPr>
+              <a:t>Mainframe</a:t>
+            </a:r>
+          </a:p>
+        </p:txBody>
+      </p:sp>
+      <p:pic>
+        <p:nvPicPr>
+          <p:cNvPr id="6" name="Image 5"/>
+          <p:cNvPicPr>
+            <a:picLocks noChangeAspect="1"/>
+          </p:cNvPicPr>
+          <p:nvPr/>
+        </p:nvPicPr>
+        <p:blipFill>
+          <a:blip r:embed="rId2">
+            <a:extLst>
+              <a:ext uri="{28A0092B-C50C-407E-A947-70E740481C1C}">
+                <a14:useLocalDpi xmlns:a14="http://schemas.microsoft.com/office/drawing/2010/main" val="0"/>
+              </a:ext>
+            </a:extLst>
+          </a:blip>
+          <a:stretch>
+            <a:fillRect/>
+          </a:stretch>
+        </p:blipFill>
+        <p:spPr>
+          <a:xfrm>
+            <a:off x="4615542" y="4076553"/>
+            <a:ext cx="567653" cy="772380"/>
+          </a:xfrm>
+          <a:prstGeom prst="rect">
+            <a:avLst/>
+          </a:prstGeom>
+        </p:spPr>
+      </p:pic>
+      <p:cxnSp>
+        <p:nvCxnSpPr>
+          <p:cNvPr id="10" name="Connecteur droit avec flèche 9"/>
+          <p:cNvCxnSpPr>
+            <a:stCxn id="16" idx="2"/>
+            <a:endCxn id="5" idx="0"/>
+          </p:cNvCxnSpPr>
+          <p:nvPr/>
+        </p:nvCxnSpPr>
+        <p:spPr bwMode="auto">
+          <a:xfrm>
+            <a:off x="3155576" y="2691729"/>
+            <a:ext cx="1" cy="530441"/>
+          </a:xfrm>
+          <a:prstGeom prst="straightConnector1">
+            <a:avLst/>
+          </a:prstGeom>
+          <a:solidFill>
+            <a:schemeClr val="accent1"/>
+          </a:solidFill>
+          <a:ln w="38100" cap="flat" cmpd="sng" algn="ctr">
+            <a:solidFill>
+              <a:schemeClr val="tx2"/>
+            </a:solidFill>
+            <a:prstDash val="solid"/>
+            <a:round/>
+            <a:headEnd type="none" w="med" len="med"/>
+            <a:tailEnd type="triangle" w="lg" len="lg"/>
+          </a:ln>
+          <a:effectLst/>
+        </p:spPr>
+      </p:cxnSp>
+      <p:sp>
+        <p:nvSpPr>
+          <p:cNvPr id="16" name="Rectangle 15"/>
+          <p:cNvSpPr/>
+          <p:nvPr/>
+        </p:nvSpPr>
+        <p:spPr>
+          <a:xfrm>
+            <a:off x="2215082" y="1273630"/>
+            <a:ext cx="1880987" cy="1418099"/>
+          </a:xfrm>
+          <a:prstGeom prst="rect">
+            <a:avLst/>
+          </a:prstGeom>
+          <a:noFill/>
+          <a:ln w="38100">
+            <a:solidFill>
+              <a:srgbClr val="00AFCB"/>
+            </a:solidFill>
+          </a:ln>
+        </p:spPr>
+        <p:txBody>
+          <a:bodyPr rtlCol="0" anchor="ctr">
+            <a:noAutofit/>
+          </a:bodyPr>
+          <a:lstStyle/>
+          <a:p>
+            <a:pPr lvl="0" algn="ctr" eaLnBrk="1" hangingPunct="1">
+              <a:spcBef>
+                <a:spcPts val="384"/>
+              </a:spcBef>
+              <a:spcAft>
+                <a:spcPts val="0"/>
+              </a:spcAft>
+              <a:buClr>
+                <a:srgbClr val="00A9C5"/>
+              </a:buClr>
+              <a:buSzPct val="80000"/>
+            </a:pPr>
+            <a:r>
+              <a:rPr lang="fr-FR" sz="2400" kern="0" dirty="0">
+                <a:solidFill>
+                  <a:srgbClr val="00AFCB"/>
+                </a:solidFill>
+                <a:latin typeface="Arial"/>
+              </a:rPr>
+              <a:t>Écrans backoffice</a:t>
+            </a:r>
+          </a:p>
+        </p:txBody>
+      </p:sp>
+    </p:spTree>
+    <p:extLst>
+      <p:ext uri="{BB962C8B-B14F-4D97-AF65-F5344CB8AC3E}">
+        <p14:creationId xmlns:p14="http://schemas.microsoft.com/office/powerpoint/2010/main" val="763223844"/>
+      </p:ext>
+    </p:extLst>
+  </p:cSld>
+  <p:clrMapOvr>
+    <a:masterClrMapping/>
+  </p:clrMapOvr>
+</p:sld>
+</file>
+
+<file path=ppt/slides/slide7.xml><?xml version="1.0" encoding="utf-8"?>
+<p:sld xmlns:a="http://schemas.openxmlformats.org/drawingml/2006/main" xmlns:r="http://schemas.openxmlformats.org/officeDocument/2006/relationships" xmlns:p="http://schemas.openxmlformats.org/presentationml/2006/main">
+  <p:cSld>
+    <p:spTree>
+      <p:nvGrpSpPr>
+        <p:cNvPr id="1" name=""/>
+        <p:cNvGrpSpPr/>
+        <p:nvPr/>
+      </p:nvGrpSpPr>
+      <p:grpSpPr>
+        <a:xfrm>
+          <a:off x="0" y="0"/>
+          <a:ext cx="0" cy="0"/>
+          <a:chOff x="0" y="0"/>
+          <a:chExt cx="0" cy="0"/>
+        </a:xfrm>
+      </p:grpSpPr>
+      <p:sp>
+        <p:nvSpPr>
+          <p:cNvPr id="5" name="Rectangle 4"/>
+          <p:cNvSpPr/>
+          <p:nvPr/>
+        </p:nvSpPr>
+        <p:spPr>
+          <a:xfrm>
+            <a:off x="923365" y="4559358"/>
+            <a:ext cx="4466467" cy="1735311"/>
+          </a:xfrm>
+          <a:prstGeom prst="rect">
+            <a:avLst/>
+          </a:prstGeom>
+          <a:noFill/>
+          <a:ln w="38100">
+            <a:solidFill>
+              <a:srgbClr val="00AFCB"/>
+            </a:solidFill>
+          </a:ln>
+        </p:spPr>
+        <p:txBody>
+          <a:bodyPr rtlCol="0" anchor="ctr">
+            <a:noAutofit/>
+          </a:bodyPr>
+          <a:lstStyle/>
+          <a:p>
+            <a:pPr algn="ctr" eaLnBrk="1" hangingPunct="1">
+              <a:spcBef>
+                <a:spcPts val="384"/>
+              </a:spcBef>
+              <a:spcAft>
+                <a:spcPts val="0"/>
+              </a:spcAft>
+              <a:buClr>
+                <a:srgbClr val="00A9C5"/>
+              </a:buClr>
+              <a:buSzPct val="80000"/>
+            </a:pPr>
+            <a:r>
+              <a:rPr lang="fr-FR" sz="2400" kern="0" dirty="0" smtClean="0">
+                <a:solidFill>
+                  <a:srgbClr val="00AFCB"/>
+                </a:solidFill>
+                <a:latin typeface="+mj-lt"/>
+              </a:rPr>
+              <a:t>Cœur métier</a:t>
+            </a:r>
+            <a:br>
+              <a:rPr lang="fr-FR" sz="2400" kern="0" dirty="0" smtClean="0">
+                <a:solidFill>
+                  <a:srgbClr val="00AFCB"/>
+                </a:solidFill>
+                <a:latin typeface="+mj-lt"/>
+              </a:rPr>
+            </a:br>
+            <a:r>
+              <a:rPr lang="fr-FR" sz="2400" kern="0" dirty="0" smtClean="0">
+                <a:solidFill>
+                  <a:srgbClr val="00AFCB"/>
+                </a:solidFill>
+                <a:latin typeface="+mj-lt"/>
+              </a:rPr>
+              <a:t>Mainframe</a:t>
+            </a:r>
+          </a:p>
+        </p:txBody>
+      </p:sp>
+      <p:pic>
+        <p:nvPicPr>
+          <p:cNvPr id="6" name="Image 5"/>
+          <p:cNvPicPr>
+            <a:picLocks noChangeAspect="1"/>
+          </p:cNvPicPr>
+          <p:nvPr/>
+        </p:nvPicPr>
+        <p:blipFill>
+          <a:blip r:embed="rId2">
+            <a:extLst>
+              <a:ext uri="{28A0092B-C50C-407E-A947-70E740481C1C}">
+                <a14:useLocalDpi xmlns:a14="http://schemas.microsoft.com/office/drawing/2010/main" val="0"/>
+              </a:ext>
+            </a:extLst>
+          </a:blip>
+          <a:stretch>
+            <a:fillRect/>
+          </a:stretch>
+        </p:blipFill>
+        <p:spPr>
+          <a:xfrm>
+            <a:off x="4615542" y="5413741"/>
+            <a:ext cx="567653" cy="772380"/>
+          </a:xfrm>
+          <a:prstGeom prst="rect">
+            <a:avLst/>
+          </a:prstGeom>
+        </p:spPr>
+      </p:pic>
+      <p:cxnSp>
+        <p:nvCxnSpPr>
+          <p:cNvPr id="10" name="Connecteur droit avec flèche 9"/>
+          <p:cNvCxnSpPr>
+            <a:stCxn id="16" idx="2"/>
+            <a:endCxn id="5" idx="0"/>
+          </p:cNvCxnSpPr>
+          <p:nvPr/>
+        </p:nvCxnSpPr>
+        <p:spPr bwMode="auto">
+          <a:xfrm>
+            <a:off x="1863859" y="4028917"/>
+            <a:ext cx="1292740" cy="530441"/>
+          </a:xfrm>
+          <a:prstGeom prst="straightConnector1">
+            <a:avLst/>
+          </a:prstGeom>
+          <a:solidFill>
+            <a:schemeClr val="accent1"/>
+          </a:solidFill>
+          <a:ln w="38100" cap="flat" cmpd="sng" algn="ctr">
+            <a:solidFill>
+              <a:schemeClr val="tx2"/>
+            </a:solidFill>
+            <a:prstDash val="solid"/>
+            <a:round/>
+            <a:headEnd type="none" w="med" len="med"/>
+            <a:tailEnd type="triangle" w="lg" len="lg"/>
+          </a:ln>
+          <a:effectLst/>
+        </p:spPr>
+      </p:cxnSp>
+      <p:sp>
+        <p:nvSpPr>
+          <p:cNvPr id="16" name="Rectangle 15"/>
+          <p:cNvSpPr/>
+          <p:nvPr/>
+        </p:nvSpPr>
+        <p:spPr>
+          <a:xfrm>
+            <a:off x="923365" y="2610818"/>
+            <a:ext cx="1880987" cy="1418099"/>
+          </a:xfrm>
+          <a:prstGeom prst="rect">
+            <a:avLst/>
+          </a:prstGeom>
+          <a:noFill/>
+          <a:ln w="38100">
+            <a:solidFill>
+              <a:srgbClr val="00AFCB"/>
+            </a:solidFill>
+          </a:ln>
+        </p:spPr>
+        <p:txBody>
+          <a:bodyPr rtlCol="0" anchor="ctr">
+            <a:noAutofit/>
+          </a:bodyPr>
+          <a:lstStyle/>
+          <a:p>
+            <a:pPr lvl="0" algn="ctr" eaLnBrk="1" hangingPunct="1">
+              <a:spcBef>
+                <a:spcPts val="384"/>
+              </a:spcBef>
+              <a:spcAft>
+                <a:spcPts val="0"/>
+              </a:spcAft>
+              <a:buClr>
+                <a:srgbClr val="00A9C5"/>
+              </a:buClr>
+              <a:buSzPct val="80000"/>
+            </a:pPr>
+            <a:r>
+              <a:rPr lang="fr-FR" sz="2400" kern="0" dirty="0">
+                <a:solidFill>
+                  <a:srgbClr val="00AFCB"/>
+                </a:solidFill>
+                <a:latin typeface="Arial"/>
+              </a:rPr>
+              <a:t>Écrans </a:t>
+            </a:r>
+            <a:r>
+              <a:rPr lang="fr-FR" sz="2400" kern="0" dirty="0" smtClean="0">
+                <a:solidFill>
+                  <a:srgbClr val="00AFCB"/>
+                </a:solidFill>
+                <a:latin typeface="Arial"/>
+              </a:rPr>
+              <a:t>backoffice historique</a:t>
+            </a:r>
+            <a:endParaRPr lang="fr-FR" sz="2400" kern="0" dirty="0">
+              <a:solidFill>
+                <a:srgbClr val="00AFCB"/>
+              </a:solidFill>
+              <a:latin typeface="Arial"/>
+            </a:endParaRPr>
+          </a:p>
+        </p:txBody>
+      </p:sp>
+      <p:sp>
+        <p:nvSpPr>
+          <p:cNvPr id="9" name="Rectangle 8"/>
+          <p:cNvSpPr/>
+          <p:nvPr/>
+        </p:nvSpPr>
+        <p:spPr>
+          <a:xfrm>
+            <a:off x="3508845" y="2610817"/>
+            <a:ext cx="1880987" cy="1418099"/>
+          </a:xfrm>
+          <a:prstGeom prst="rect">
+            <a:avLst/>
+          </a:prstGeom>
+          <a:noFill/>
+          <a:ln w="38100">
+            <a:solidFill>
+              <a:srgbClr val="00AFCB"/>
+            </a:solidFill>
+          </a:ln>
+        </p:spPr>
+        <p:txBody>
+          <a:bodyPr rtlCol="0" anchor="ctr">
+            <a:noAutofit/>
+          </a:bodyPr>
+          <a:lstStyle/>
+          <a:p>
+            <a:pPr lvl="0" algn="ctr" eaLnBrk="1" hangingPunct="1">
+              <a:spcBef>
+                <a:spcPts val="384"/>
+              </a:spcBef>
+              <a:spcAft>
+                <a:spcPts val="0"/>
+              </a:spcAft>
+              <a:buClr>
+                <a:srgbClr val="00A9C5"/>
+              </a:buClr>
+              <a:buSzPct val="80000"/>
+            </a:pPr>
+            <a:r>
+              <a:rPr lang="fr-FR" sz="2400" kern="0" dirty="0" err="1" smtClean="0">
+                <a:solidFill>
+                  <a:srgbClr val="00AFCB"/>
+                </a:solidFill>
+                <a:latin typeface="Arial"/>
+              </a:rPr>
+              <a:t>Backend</a:t>
+            </a:r>
+            <a:r>
+              <a:rPr lang="fr-FR" sz="2400" kern="0" dirty="0" smtClean="0">
+                <a:solidFill>
+                  <a:srgbClr val="00AFCB"/>
+                </a:solidFill>
+                <a:latin typeface="Arial"/>
+              </a:rPr>
+              <a:t> site web client</a:t>
+            </a:r>
+            <a:endParaRPr lang="fr-FR" sz="2400" kern="0" dirty="0">
+              <a:solidFill>
+                <a:srgbClr val="00AFCB"/>
+              </a:solidFill>
+              <a:latin typeface="Arial"/>
+            </a:endParaRPr>
+          </a:p>
+        </p:txBody>
+      </p:sp>
+      <p:cxnSp>
+        <p:nvCxnSpPr>
+          <p:cNvPr id="12" name="Connecteur droit avec flèche 11"/>
+          <p:cNvCxnSpPr>
+            <a:stCxn id="9" idx="2"/>
+            <a:endCxn id="5" idx="0"/>
+          </p:cNvCxnSpPr>
+          <p:nvPr/>
+        </p:nvCxnSpPr>
+        <p:spPr bwMode="auto">
+          <a:xfrm flipH="1">
+            <a:off x="3156599" y="4028916"/>
+            <a:ext cx="1292740" cy="530442"/>
+          </a:xfrm>
+          <a:prstGeom prst="straightConnector1">
+            <a:avLst/>
+          </a:prstGeom>
+          <a:solidFill>
+            <a:schemeClr val="accent1"/>
+          </a:solidFill>
+          <a:ln w="38100" cap="flat" cmpd="sng" algn="ctr">
+            <a:solidFill>
+              <a:schemeClr val="tx2"/>
+            </a:solidFill>
+            <a:prstDash val="solid"/>
+            <a:round/>
+            <a:headEnd type="none" w="med" len="med"/>
+            <a:tailEnd type="triangle" w="lg" len="lg"/>
+          </a:ln>
+          <a:effectLst/>
+        </p:spPr>
+      </p:cxnSp>
+      <p:pic>
+        <p:nvPicPr>
+          <p:cNvPr id="13" name="Image 12"/>
+          <p:cNvPicPr>
+            <a:picLocks noChangeAspect="1"/>
+          </p:cNvPicPr>
+          <p:nvPr/>
+        </p:nvPicPr>
+        <p:blipFill>
+          <a:blip r:embed="rId2">
+            <a:extLst>
+              <a:ext uri="{28A0092B-C50C-407E-A947-70E740481C1C}">
+                <a14:useLocalDpi xmlns:a14="http://schemas.microsoft.com/office/drawing/2010/main" val="0"/>
+              </a:ext>
+            </a:extLst>
+          </a:blip>
+          <a:stretch>
+            <a:fillRect/>
+          </a:stretch>
+        </p:blipFill>
+        <p:spPr>
+          <a:xfrm>
+            <a:off x="4930460" y="3460957"/>
+            <a:ext cx="393001" cy="496987"/>
+          </a:xfrm>
+          <a:prstGeom prst="rect">
+            <a:avLst/>
+          </a:prstGeom>
+        </p:spPr>
+      </p:pic>
+      <p:cxnSp>
+        <p:nvCxnSpPr>
+          <p:cNvPr id="17" name="Connecteur droit avec flèche 16"/>
+          <p:cNvCxnSpPr>
+            <a:stCxn id="14" idx="2"/>
+            <a:endCxn id="9" idx="0"/>
+          </p:cNvCxnSpPr>
+          <p:nvPr/>
+        </p:nvCxnSpPr>
+        <p:spPr bwMode="auto">
+          <a:xfrm>
+            <a:off x="3384997" y="2293605"/>
+            <a:ext cx="1064342" cy="317212"/>
+          </a:xfrm>
+          <a:prstGeom prst="straightConnector1">
+            <a:avLst/>
+          </a:prstGeom>
+          <a:solidFill>
+            <a:schemeClr val="accent1"/>
+          </a:solidFill>
+          <a:ln w="38100" cap="flat" cmpd="sng" algn="ctr">
+            <a:solidFill>
+              <a:schemeClr val="tx2"/>
+            </a:solidFill>
+            <a:prstDash val="solid"/>
+            <a:round/>
+            <a:headEnd type="none" w="med" len="med"/>
+            <a:tailEnd type="triangle" w="lg" len="lg"/>
+          </a:ln>
+          <a:effectLst/>
+        </p:spPr>
+      </p:cxnSp>
+      <p:grpSp>
+        <p:nvGrpSpPr>
+          <p:cNvPr id="4" name="Grouper 3"/>
+          <p:cNvGrpSpPr/>
+          <p:nvPr/>
+        </p:nvGrpSpPr>
+        <p:grpSpPr>
+          <a:xfrm>
+            <a:off x="2444503" y="875505"/>
+            <a:ext cx="4009670" cy="1418100"/>
+            <a:chOff x="3506801" y="875505"/>
+            <a:chExt cx="4009670" cy="1418100"/>
+          </a:xfrm>
+        </p:grpSpPr>
+        <p:sp>
+          <p:nvSpPr>
+            <p:cNvPr id="14" name="Rectangle 13"/>
+            <p:cNvSpPr/>
+            <p:nvPr/>
+          </p:nvSpPr>
+          <p:spPr>
+            <a:xfrm>
+              <a:off x="3506801" y="875506"/>
+              <a:ext cx="1880987" cy="1418099"/>
+            </a:xfrm>
+            <a:prstGeom prst="rect">
+              <a:avLst/>
+            </a:prstGeom>
+            <a:noFill/>
+            <a:ln w="38100">
+              <a:solidFill>
+                <a:srgbClr val="00AFCB"/>
+              </a:solidFill>
+            </a:ln>
+          </p:spPr>
+          <p:txBody>
+            <a:bodyPr rtlCol="0" anchor="ctr">
+              <a:noAutofit/>
+            </a:bodyPr>
+            <a:lstStyle/>
+            <a:p>
+              <a:pPr lvl="0" algn="ctr" eaLnBrk="1" hangingPunct="1">
+                <a:spcBef>
+                  <a:spcPts val="384"/>
+                </a:spcBef>
+                <a:spcAft>
+                  <a:spcPts val="0"/>
+                </a:spcAft>
+                <a:buClr>
+                  <a:srgbClr val="00A9C5"/>
+                </a:buClr>
+                <a:buSzPct val="80000"/>
+              </a:pPr>
+              <a:r>
+                <a:rPr lang="fr-FR" sz="2400" kern="0" dirty="0">
+                  <a:solidFill>
+                    <a:srgbClr val="00AFCB"/>
+                  </a:solidFill>
+                  <a:latin typeface="Arial"/>
+                </a:rPr>
+                <a:t>Écrans </a:t>
+              </a:r>
+              <a:r>
+                <a:rPr lang="fr-FR" sz="2400" kern="0" dirty="0" smtClean="0">
+                  <a:solidFill>
+                    <a:srgbClr val="00AFCB"/>
+                  </a:solidFill>
+                  <a:latin typeface="Arial"/>
+                </a:rPr>
+                <a:t>public site </a:t>
+              </a:r>
+              <a:r>
+                <a:rPr lang="fr-FR" sz="2400" kern="0" dirty="0" smtClean="0">
+                  <a:solidFill>
+                    <a:srgbClr val="00AFCB"/>
+                  </a:solidFill>
+                  <a:latin typeface="Arial"/>
+                </a:rPr>
+                <a:t>web client</a:t>
+              </a:r>
+              <a:endParaRPr lang="fr-FR" sz="2400" kern="0" dirty="0">
+                <a:solidFill>
+                  <a:srgbClr val="00AFCB"/>
+                </a:solidFill>
+                <a:latin typeface="Arial"/>
+              </a:endParaRPr>
+            </a:p>
+          </p:txBody>
+        </p:sp>
+        <p:sp>
+          <p:nvSpPr>
+            <p:cNvPr id="15" name="Rectangle 14"/>
+            <p:cNvSpPr/>
+            <p:nvPr/>
+          </p:nvSpPr>
+          <p:spPr>
+            <a:xfrm>
+              <a:off x="5635484" y="875505"/>
+              <a:ext cx="1880987" cy="1418099"/>
+            </a:xfrm>
+            <a:prstGeom prst="rect">
+              <a:avLst/>
+            </a:prstGeom>
+            <a:noFill/>
+            <a:ln w="38100">
+              <a:solidFill>
+                <a:srgbClr val="00AFCB"/>
+              </a:solidFill>
+            </a:ln>
+          </p:spPr>
+          <p:txBody>
+            <a:bodyPr rtlCol="0" anchor="ctr">
+              <a:noAutofit/>
+            </a:bodyPr>
+            <a:lstStyle/>
+            <a:p>
+              <a:pPr lvl="0" algn="ctr" eaLnBrk="1" hangingPunct="1">
+                <a:spcBef>
+                  <a:spcPts val="384"/>
+                </a:spcBef>
+                <a:spcAft>
+                  <a:spcPts val="0"/>
+                </a:spcAft>
+                <a:buClr>
+                  <a:srgbClr val="00A9C5"/>
+                </a:buClr>
+                <a:buSzPct val="80000"/>
+              </a:pPr>
+              <a:r>
+                <a:rPr lang="fr-FR" sz="2400" kern="0" dirty="0">
+                  <a:solidFill>
+                    <a:srgbClr val="00AFCB"/>
+                  </a:solidFill>
+                  <a:latin typeface="Arial"/>
+                </a:rPr>
+                <a:t>Écrans </a:t>
+              </a:r>
+              <a:r>
+                <a:rPr lang="fr-FR" sz="2400" kern="0" dirty="0" smtClean="0">
+                  <a:solidFill>
+                    <a:srgbClr val="00AFCB"/>
+                  </a:solidFill>
+                  <a:latin typeface="Arial"/>
+                </a:rPr>
+                <a:t>backoffice site </a:t>
+              </a:r>
+              <a:r>
+                <a:rPr lang="fr-FR" sz="2400" kern="0" dirty="0" smtClean="0">
+                  <a:solidFill>
+                    <a:srgbClr val="00AFCB"/>
+                  </a:solidFill>
+                  <a:latin typeface="Arial"/>
+                </a:rPr>
+                <a:t>web client</a:t>
+              </a:r>
+              <a:endParaRPr lang="fr-FR" sz="2400" kern="0" dirty="0">
+                <a:solidFill>
+                  <a:srgbClr val="00AFCB"/>
+                </a:solidFill>
+                <a:latin typeface="Arial"/>
+              </a:endParaRPr>
+            </a:p>
+          </p:txBody>
+        </p:sp>
+      </p:grpSp>
+      <p:cxnSp>
+        <p:nvCxnSpPr>
+          <p:cNvPr id="18" name="Connecteur droit avec flèche 17"/>
+          <p:cNvCxnSpPr>
+            <a:stCxn id="15" idx="2"/>
+            <a:endCxn id="9" idx="0"/>
+          </p:cNvCxnSpPr>
+          <p:nvPr/>
+        </p:nvCxnSpPr>
+        <p:spPr bwMode="auto">
+          <a:xfrm flipH="1">
+            <a:off x="4449339" y="2293604"/>
+            <a:ext cx="1064341" cy="317213"/>
+          </a:xfrm>
+          <a:prstGeom prst="straightConnector1">
+            <a:avLst/>
+          </a:prstGeom>
+          <a:solidFill>
+            <a:schemeClr val="accent1"/>
+          </a:solidFill>
+          <a:ln w="38100" cap="flat" cmpd="sng" algn="ctr">
+            <a:solidFill>
+              <a:schemeClr val="tx2"/>
+            </a:solidFill>
+            <a:prstDash val="solid"/>
+            <a:round/>
+            <a:headEnd type="none" w="med" len="med"/>
+            <a:tailEnd type="triangle" w="lg" len="lg"/>
+          </a:ln>
+          <a:effectLst/>
+        </p:spPr>
+      </p:cxnSp>
+    </p:spTree>
+    <p:extLst>
+      <p:ext uri="{BB962C8B-B14F-4D97-AF65-F5344CB8AC3E}">
+        <p14:creationId xmlns:p14="http://schemas.microsoft.com/office/powerpoint/2010/main" val="211564780"/>
+      </p:ext>
+    </p:extLst>
+  </p:cSld>
+  <p:clrMapOvr>
+    <a:masterClrMapping/>
+  </p:clrMapOvr>
+</p:sld>
+</file>
+
+<file path=ppt/slides/slide8.xml><?xml version="1.0" encoding="utf-8"?>
+<p:sld xmlns:a="http://schemas.openxmlformats.org/drawingml/2006/main" xmlns:r="http://schemas.openxmlformats.org/officeDocument/2006/relationships" xmlns:p="http://schemas.openxmlformats.org/presentationml/2006/main">
+  <p:cSld>
+    <p:spTree>
+      <p:nvGrpSpPr>
+        <p:cNvPr id="1" name=""/>
+        <p:cNvGrpSpPr/>
+        <p:nvPr/>
+      </p:nvGrpSpPr>
+      <p:grpSpPr>
+        <a:xfrm>
+          <a:off x="0" y="0"/>
+          <a:ext cx="0" cy="0"/>
+          <a:chOff x="0" y="0"/>
+          <a:chExt cx="0" cy="0"/>
+        </a:xfrm>
+      </p:grpSpPr>
+      <p:sp>
+        <p:nvSpPr>
+          <p:cNvPr id="40" name="Rectangle 39"/>
+          <p:cNvSpPr/>
+          <p:nvPr/>
+        </p:nvSpPr>
+        <p:spPr>
+          <a:xfrm>
+            <a:off x="2399837" y="2779116"/>
+            <a:ext cx="1880987" cy="1418099"/>
+          </a:xfrm>
+          <a:prstGeom prst="rect">
+            <a:avLst/>
+          </a:prstGeom>
+          <a:noFill/>
+          <a:ln w="38100">
+            <a:solidFill>
+              <a:srgbClr val="00AFCB"/>
+            </a:solidFill>
+          </a:ln>
+        </p:spPr>
+        <p:txBody>
+          <a:bodyPr rtlCol="0" anchor="ctr">
+            <a:noAutofit/>
+          </a:bodyPr>
+          <a:lstStyle/>
+          <a:p>
+            <a:pPr algn="ctr" eaLnBrk="1" hangingPunct="1">
+              <a:spcBef>
+                <a:spcPts val="384"/>
+              </a:spcBef>
+              <a:spcAft>
+                <a:spcPts val="0"/>
+              </a:spcAft>
+              <a:buClr>
+                <a:srgbClr val="00A9C5"/>
+              </a:buClr>
+              <a:buSzPct val="80000"/>
+            </a:pPr>
+            <a:r>
+              <a:rPr lang="fr-FR" sz="2400" kern="0" dirty="0" err="1" smtClean="0">
+                <a:solidFill>
+                  <a:srgbClr val="00AFCB"/>
+                </a:solidFill>
+                <a:latin typeface="+mj-lt"/>
+              </a:rPr>
+              <a:t>Backend</a:t>
+            </a:r>
+            <a:r>
+              <a:rPr lang="fr-FR" sz="2400" kern="0" dirty="0" smtClean="0">
+                <a:solidFill>
+                  <a:srgbClr val="00AFCB"/>
+                </a:solidFill>
+                <a:latin typeface="+mj-lt"/>
+              </a:rPr>
+              <a:t> partenaires</a:t>
+            </a:r>
+          </a:p>
+          <a:p>
+            <a:pPr algn="ctr" eaLnBrk="1" hangingPunct="1">
+              <a:spcBef>
+                <a:spcPts val="384"/>
+              </a:spcBef>
+              <a:spcAft>
+                <a:spcPts val="0"/>
+              </a:spcAft>
+              <a:buClr>
+                <a:srgbClr val="00A9C5"/>
+              </a:buClr>
+              <a:buSzPct val="80000"/>
+            </a:pPr>
+            <a:endParaRPr lang="fr-FR" sz="2400" kern="0" dirty="0" smtClean="0">
+              <a:solidFill>
+                <a:srgbClr val="00AFCB"/>
+              </a:solidFill>
+              <a:latin typeface="+mj-lt"/>
+            </a:endParaRPr>
+          </a:p>
+        </p:txBody>
+      </p:sp>
+      <p:sp>
+        <p:nvSpPr>
+          <p:cNvPr id="5" name="Rectangle 4"/>
+          <p:cNvSpPr/>
+          <p:nvPr/>
+        </p:nvSpPr>
+        <p:spPr>
+          <a:xfrm>
+            <a:off x="1340210" y="4789012"/>
+            <a:ext cx="10370485" cy="1428986"/>
+          </a:xfrm>
+          <a:prstGeom prst="rect">
+            <a:avLst/>
+          </a:prstGeom>
+          <a:noFill/>
+          <a:ln w="38100">
+            <a:solidFill>
+              <a:srgbClr val="00AFCB"/>
+            </a:solidFill>
+          </a:ln>
+        </p:spPr>
+        <p:txBody>
+          <a:bodyPr rtlCol="0" anchor="ctr">
+            <a:noAutofit/>
+          </a:bodyPr>
+          <a:lstStyle/>
+          <a:p>
+            <a:pPr algn="ctr" eaLnBrk="1" hangingPunct="1">
+              <a:spcBef>
+                <a:spcPts val="384"/>
+              </a:spcBef>
+              <a:spcAft>
+                <a:spcPts val="0"/>
+              </a:spcAft>
+              <a:buClr>
+                <a:srgbClr val="00A9C5"/>
+              </a:buClr>
+              <a:buSzPct val="80000"/>
+            </a:pPr>
+            <a:r>
+              <a:rPr lang="fr-FR" sz="2400" kern="0" dirty="0" smtClean="0">
+                <a:solidFill>
+                  <a:srgbClr val="00AFCB"/>
+                </a:solidFill>
+                <a:latin typeface="+mj-lt"/>
+              </a:rPr>
+              <a:t>Cœur métier</a:t>
+            </a:r>
+          </a:p>
+        </p:txBody>
+      </p:sp>
+      <p:cxnSp>
+        <p:nvCxnSpPr>
+          <p:cNvPr id="10" name="Connecteur droit avec flèche 9"/>
+          <p:cNvCxnSpPr>
+            <a:stCxn id="52" idx="2"/>
+            <a:endCxn id="40" idx="0"/>
+          </p:cNvCxnSpPr>
+          <p:nvPr/>
+        </p:nvCxnSpPr>
+        <p:spPr bwMode="auto">
+          <a:xfrm>
+            <a:off x="2280704" y="2187319"/>
+            <a:ext cx="1059627" cy="591797"/>
+          </a:xfrm>
+          <a:prstGeom prst="straightConnector1">
+            <a:avLst/>
+          </a:prstGeom>
+          <a:solidFill>
+            <a:schemeClr val="accent1"/>
+          </a:solidFill>
+          <a:ln w="38100" cap="flat" cmpd="sng" algn="ctr">
+            <a:solidFill>
+              <a:schemeClr val="tx2"/>
+            </a:solidFill>
+            <a:prstDash val="solid"/>
+            <a:round/>
+            <a:headEnd type="triangle" w="lg" len="lg"/>
+            <a:tailEnd type="triangle" w="lg" len="lg"/>
+          </a:ln>
+          <a:effectLst/>
+        </p:spPr>
+      </p:cxnSp>
+      <p:cxnSp>
+        <p:nvCxnSpPr>
+          <p:cNvPr id="31" name="Connecteur droit avec flèche 30"/>
+          <p:cNvCxnSpPr>
+            <a:stCxn id="16" idx="2"/>
+            <a:endCxn id="12" idx="0"/>
+          </p:cNvCxnSpPr>
+          <p:nvPr/>
+        </p:nvCxnSpPr>
+        <p:spPr bwMode="auto">
+          <a:xfrm flipH="1">
+            <a:off x="7578839" y="2181541"/>
+            <a:ext cx="1059627" cy="587229"/>
+          </a:xfrm>
+          <a:prstGeom prst="straightConnector1">
+            <a:avLst/>
+          </a:prstGeom>
+          <a:solidFill>
+            <a:schemeClr val="accent1"/>
+          </a:solidFill>
+          <a:ln w="38100" cap="flat" cmpd="sng" algn="ctr">
+            <a:solidFill>
+              <a:schemeClr val="tx2"/>
+            </a:solidFill>
+            <a:prstDash val="solid"/>
+            <a:round/>
+            <a:headEnd type="none" w="med" len="med"/>
+            <a:tailEnd type="triangle" w="lg" len="lg"/>
+          </a:ln>
+          <a:effectLst/>
+        </p:spPr>
+      </p:cxnSp>
+      <p:cxnSp>
+        <p:nvCxnSpPr>
+          <p:cNvPr id="34" name="Connecteur droit avec flèche 33"/>
+          <p:cNvCxnSpPr>
+            <a:stCxn id="13" idx="2"/>
+            <a:endCxn id="12" idx="0"/>
+          </p:cNvCxnSpPr>
+          <p:nvPr/>
+        </p:nvCxnSpPr>
+        <p:spPr bwMode="auto">
+          <a:xfrm>
+            <a:off x="6519212" y="2181541"/>
+            <a:ext cx="1059627" cy="587229"/>
+          </a:xfrm>
+          <a:prstGeom prst="straightConnector1">
+            <a:avLst/>
+          </a:prstGeom>
+          <a:solidFill>
+            <a:schemeClr val="accent1"/>
+          </a:solidFill>
+          <a:ln w="38100" cap="flat" cmpd="sng" algn="ctr">
+            <a:solidFill>
+              <a:schemeClr val="tx2"/>
+            </a:solidFill>
+            <a:prstDash val="solid"/>
+            <a:round/>
+            <a:headEnd type="none" w="med" len="med"/>
+            <a:tailEnd type="triangle" w="lg" len="lg"/>
+          </a:ln>
+          <a:effectLst/>
+        </p:spPr>
+      </p:cxnSp>
+      <p:cxnSp>
+        <p:nvCxnSpPr>
+          <p:cNvPr id="23" name="Connecteur droit avec flèche 22"/>
+          <p:cNvCxnSpPr>
+            <a:stCxn id="12" idx="2"/>
+            <a:endCxn id="5" idx="0"/>
+          </p:cNvCxnSpPr>
+          <p:nvPr/>
+        </p:nvCxnSpPr>
+        <p:spPr bwMode="auto">
+          <a:xfrm flipH="1">
+            <a:off x="6525453" y="4186869"/>
+            <a:ext cx="1053386" cy="602143"/>
+          </a:xfrm>
+          <a:prstGeom prst="straightConnector1">
+            <a:avLst/>
+          </a:prstGeom>
+          <a:solidFill>
+            <a:schemeClr val="accent1"/>
+          </a:solidFill>
+          <a:ln w="38100" cap="flat" cmpd="sng" algn="ctr">
+            <a:solidFill>
+              <a:schemeClr val="tx2"/>
+            </a:solidFill>
+            <a:prstDash val="solid"/>
+            <a:round/>
+            <a:headEnd type="none" w="med" len="med"/>
+            <a:tailEnd type="triangle" w="lg" len="lg"/>
+          </a:ln>
+          <a:effectLst/>
+        </p:spPr>
+      </p:cxnSp>
+      <p:cxnSp>
+        <p:nvCxnSpPr>
+          <p:cNvPr id="60" name="Connecteur droit avec flèche 59"/>
+          <p:cNvCxnSpPr>
+            <a:stCxn id="47" idx="2"/>
+            <a:endCxn id="5" idx="0"/>
+          </p:cNvCxnSpPr>
+          <p:nvPr/>
+        </p:nvCxnSpPr>
+        <p:spPr bwMode="auto">
+          <a:xfrm flipH="1">
+            <a:off x="6525453" y="4186869"/>
+            <a:ext cx="4244749" cy="602143"/>
+          </a:xfrm>
+          <a:prstGeom prst="straightConnector1">
+            <a:avLst/>
+          </a:prstGeom>
+          <a:solidFill>
+            <a:schemeClr val="accent1"/>
+          </a:solidFill>
+          <a:ln w="38100" cap="flat" cmpd="sng" algn="ctr">
+            <a:solidFill>
+              <a:schemeClr val="tx2"/>
+            </a:solidFill>
+            <a:prstDash val="solid"/>
+            <a:round/>
+            <a:headEnd type="none" w="lg" len="lg"/>
+            <a:tailEnd type="triangle" w="lg" len="lg"/>
+          </a:ln>
+          <a:effectLst/>
+        </p:spPr>
+      </p:cxnSp>
+      <p:pic>
+        <p:nvPicPr>
+          <p:cNvPr id="67" name="Image 66"/>
+          <p:cNvPicPr>
+            <a:picLocks noChangeAspect="1"/>
+          </p:cNvPicPr>
+          <p:nvPr/>
+        </p:nvPicPr>
+        <p:blipFill>
+          <a:blip r:embed="rId2">
+            <a:extLst>
+              <a:ext uri="{28A0092B-C50C-407E-A947-70E740481C1C}">
+                <a14:useLocalDpi xmlns:a14="http://schemas.microsoft.com/office/drawing/2010/main" val="0"/>
+              </a:ext>
+            </a:extLst>
+          </a:blip>
+          <a:stretch>
+            <a:fillRect/>
+          </a:stretch>
+        </p:blipFill>
+        <p:spPr>
+          <a:xfrm>
+            <a:off x="8127266" y="3701533"/>
+            <a:ext cx="324728" cy="441843"/>
+          </a:xfrm>
+          <a:prstGeom prst="rect">
+            <a:avLst/>
+          </a:prstGeom>
+        </p:spPr>
+      </p:pic>
+      <p:pic>
+        <p:nvPicPr>
+          <p:cNvPr id="83" name="Image 82"/>
+          <p:cNvPicPr>
+            <a:picLocks noChangeAspect="1"/>
+          </p:cNvPicPr>
+          <p:nvPr/>
+        </p:nvPicPr>
+        <p:blipFill>
+          <a:blip r:embed="rId2">
+            <a:extLst>
+              <a:ext uri="{28A0092B-C50C-407E-A947-70E740481C1C}">
+                <a14:useLocalDpi xmlns:a14="http://schemas.microsoft.com/office/drawing/2010/main" val="0"/>
+              </a:ext>
+            </a:extLst>
+          </a:blip>
+          <a:stretch>
+            <a:fillRect/>
+          </a:stretch>
+        </p:blipFill>
+        <p:spPr>
+          <a:xfrm>
+            <a:off x="3870144" y="3721197"/>
+            <a:ext cx="324728" cy="441843"/>
+          </a:xfrm>
+          <a:prstGeom prst="rect">
+            <a:avLst/>
+          </a:prstGeom>
+        </p:spPr>
+      </p:pic>
+      <p:pic>
+        <p:nvPicPr>
+          <p:cNvPr id="6" name="Image 5"/>
+          <p:cNvPicPr>
+            <a:picLocks noChangeAspect="1"/>
+          </p:cNvPicPr>
+          <p:nvPr/>
+        </p:nvPicPr>
+        <p:blipFill>
+          <a:blip r:embed="rId2">
+            <a:extLst>
+              <a:ext uri="{28A0092B-C50C-407E-A947-70E740481C1C}">
+                <a14:useLocalDpi xmlns:a14="http://schemas.microsoft.com/office/drawing/2010/main" val="0"/>
+              </a:ext>
+            </a:extLst>
+          </a:blip>
+          <a:stretch>
+            <a:fillRect/>
+          </a:stretch>
+        </p:blipFill>
+        <p:spPr>
+          <a:xfrm>
+            <a:off x="11063078" y="5402982"/>
+            <a:ext cx="567653" cy="772380"/>
+          </a:xfrm>
+          <a:prstGeom prst="rect">
+            <a:avLst/>
+          </a:prstGeom>
+        </p:spPr>
+      </p:pic>
+      <p:sp>
+        <p:nvSpPr>
+          <p:cNvPr id="58" name="Rectangle 57"/>
+          <p:cNvSpPr/>
+          <p:nvPr/>
+        </p:nvSpPr>
+        <p:spPr>
+          <a:xfrm>
+            <a:off x="8481490" y="4794307"/>
+            <a:ext cx="1880987" cy="579179"/>
+          </a:xfrm>
+          <a:prstGeom prst="rect">
+            <a:avLst/>
+          </a:prstGeom>
+          <a:noFill/>
+          <a:ln w="38100">
+            <a:noFill/>
+          </a:ln>
+        </p:spPr>
+        <p:txBody>
+          <a:bodyPr rtlCol="0" anchor="ctr">
+            <a:noAutofit/>
+          </a:bodyPr>
+          <a:lstStyle/>
+          <a:p>
+            <a:pPr algn="ctr" eaLnBrk="1" hangingPunct="1">
+              <a:spcBef>
+                <a:spcPts val="384"/>
+              </a:spcBef>
+              <a:spcAft>
+                <a:spcPts val="0"/>
+              </a:spcAft>
+              <a:buClr>
+                <a:srgbClr val="00A9C5"/>
+              </a:buClr>
+              <a:buSzPct val="80000"/>
+            </a:pPr>
+            <a:endParaRPr lang="fr-FR" sz="1800" kern="0" dirty="0" smtClean="0">
+              <a:solidFill>
+                <a:srgbClr val="00AFCB"/>
+              </a:solidFill>
+              <a:latin typeface="+mj-lt"/>
+            </a:endParaRPr>
+          </a:p>
+        </p:txBody>
+      </p:sp>
+      <p:sp>
+        <p:nvSpPr>
+          <p:cNvPr id="12" name="Rectangle 11"/>
+          <p:cNvSpPr/>
+          <p:nvPr/>
+        </p:nvSpPr>
+        <p:spPr>
+          <a:xfrm>
+            <a:off x="6638345" y="2768770"/>
+            <a:ext cx="1880987" cy="1418099"/>
+          </a:xfrm>
+          <a:prstGeom prst="rect">
+            <a:avLst/>
+          </a:prstGeom>
+          <a:noFill/>
+          <a:ln w="38100">
+            <a:solidFill>
+              <a:srgbClr val="00AFCB"/>
+            </a:solidFill>
+          </a:ln>
+        </p:spPr>
+        <p:txBody>
+          <a:bodyPr rtlCol="0" anchor="ctr">
+            <a:noAutofit/>
+          </a:bodyPr>
+          <a:lstStyle/>
+          <a:p>
+            <a:pPr algn="ctr" eaLnBrk="1" hangingPunct="1">
+              <a:spcBef>
+                <a:spcPts val="384"/>
+              </a:spcBef>
+              <a:spcAft>
+                <a:spcPts val="0"/>
+              </a:spcAft>
+              <a:buClr>
+                <a:srgbClr val="00A9C5"/>
+              </a:buClr>
+              <a:buSzPct val="80000"/>
+            </a:pPr>
+            <a:r>
+              <a:rPr lang="fr-FR" sz="2400" kern="0" dirty="0" err="1" smtClean="0">
+                <a:solidFill>
+                  <a:srgbClr val="00AFCB"/>
+                </a:solidFill>
+                <a:latin typeface="+mj-lt"/>
+              </a:rPr>
+              <a:t>Backend</a:t>
+            </a:r>
+            <a:r>
+              <a:rPr lang="fr-FR" sz="2400" kern="0" dirty="0" smtClean="0">
+                <a:solidFill>
+                  <a:srgbClr val="00AFCB"/>
+                </a:solidFill>
+                <a:latin typeface="+mj-lt"/>
+              </a:rPr>
+              <a:t> site web client</a:t>
+            </a:r>
+          </a:p>
+        </p:txBody>
+      </p:sp>
+      <p:sp>
+        <p:nvSpPr>
+          <p:cNvPr id="13" name="Rectangle 12"/>
+          <p:cNvSpPr/>
+          <p:nvPr/>
+        </p:nvSpPr>
+        <p:spPr>
+          <a:xfrm>
+            <a:off x="5578718" y="763442"/>
+            <a:ext cx="1880987" cy="1418099"/>
+          </a:xfrm>
+          <a:prstGeom prst="rect">
+            <a:avLst/>
+          </a:prstGeom>
+          <a:noFill/>
+          <a:ln w="38100">
+            <a:solidFill>
+              <a:srgbClr val="00AFCB"/>
+            </a:solidFill>
+          </a:ln>
+        </p:spPr>
+        <p:txBody>
+          <a:bodyPr rtlCol="0" anchor="ctr">
+            <a:noAutofit/>
+          </a:bodyPr>
+          <a:lstStyle/>
+          <a:p>
+            <a:pPr algn="ctr" eaLnBrk="1" hangingPunct="1">
+              <a:spcBef>
+                <a:spcPts val="384"/>
+              </a:spcBef>
+              <a:spcAft>
+                <a:spcPts val="0"/>
+              </a:spcAft>
+              <a:buClr>
+                <a:srgbClr val="00A9C5"/>
+              </a:buClr>
+              <a:buSzPct val="80000"/>
+            </a:pPr>
+            <a:r>
+              <a:rPr lang="fr-FR" sz="2400" kern="0" dirty="0" smtClean="0">
+                <a:solidFill>
+                  <a:srgbClr val="00AFCB"/>
+                </a:solidFill>
+                <a:latin typeface="+mj-lt"/>
+              </a:rPr>
+              <a:t>Site web client</a:t>
+            </a:r>
+          </a:p>
+        </p:txBody>
+      </p:sp>
+      <p:sp>
+        <p:nvSpPr>
+          <p:cNvPr id="16" name="Rectangle 15"/>
+          <p:cNvSpPr/>
+          <p:nvPr/>
+        </p:nvSpPr>
+        <p:spPr>
+          <a:xfrm>
+            <a:off x="7697972" y="763442"/>
+            <a:ext cx="1880987" cy="1418099"/>
+          </a:xfrm>
+          <a:prstGeom prst="rect">
+            <a:avLst/>
+          </a:prstGeom>
+          <a:noFill/>
+          <a:ln w="38100">
+            <a:solidFill>
+              <a:srgbClr val="00AFCB"/>
+            </a:solidFill>
+          </a:ln>
+        </p:spPr>
+        <p:txBody>
+          <a:bodyPr rtlCol="0" anchor="ctr">
+            <a:noAutofit/>
+          </a:bodyPr>
+          <a:lstStyle/>
+          <a:p>
+            <a:pPr algn="ctr" eaLnBrk="1" hangingPunct="1">
+              <a:spcBef>
+                <a:spcPts val="384"/>
+              </a:spcBef>
+              <a:spcAft>
+                <a:spcPts val="0"/>
+              </a:spcAft>
+              <a:buClr>
+                <a:srgbClr val="00A9C5"/>
+              </a:buClr>
+              <a:buSzPct val="80000"/>
+            </a:pPr>
+            <a:r>
+              <a:rPr lang="fr-FR" sz="2400" kern="0" dirty="0" smtClean="0">
+                <a:solidFill>
+                  <a:srgbClr val="00AFCB"/>
+                </a:solidFill>
+                <a:latin typeface="+mj-lt"/>
+              </a:rPr>
+              <a:t>Appli mobile client</a:t>
+            </a:r>
+          </a:p>
+        </p:txBody>
+      </p:sp>
+      <p:sp>
+        <p:nvSpPr>
+          <p:cNvPr id="47" name="Rectangle 46"/>
+          <p:cNvSpPr/>
+          <p:nvPr/>
+        </p:nvSpPr>
+        <p:spPr>
+          <a:xfrm>
+            <a:off x="9829708" y="2768770"/>
+            <a:ext cx="1880987" cy="1418099"/>
+          </a:xfrm>
+          <a:prstGeom prst="rect">
+            <a:avLst/>
+          </a:prstGeom>
+          <a:noFill/>
+          <a:ln w="38100">
+            <a:solidFill>
+              <a:srgbClr val="00AFCB"/>
+            </a:solidFill>
+          </a:ln>
+        </p:spPr>
+        <p:txBody>
+          <a:bodyPr rtlCol="0" anchor="ctr">
+            <a:noAutofit/>
+          </a:bodyPr>
+          <a:lstStyle/>
+          <a:p>
+            <a:pPr lvl="0" algn="ctr" eaLnBrk="1" hangingPunct="1">
+              <a:spcBef>
+                <a:spcPts val="384"/>
+              </a:spcBef>
+              <a:spcAft>
+                <a:spcPts val="0"/>
+              </a:spcAft>
+              <a:buClr>
+                <a:srgbClr val="00A9C5"/>
+              </a:buClr>
+              <a:buSzPct val="80000"/>
+            </a:pPr>
+            <a:r>
+              <a:rPr lang="fr-FR" sz="2400" kern="0" dirty="0" err="1" smtClean="0">
+                <a:solidFill>
+                  <a:srgbClr val="00AFCB"/>
+                </a:solidFill>
+                <a:latin typeface="Arial"/>
+              </a:rPr>
+              <a:t>Backend</a:t>
+            </a:r>
+            <a:r>
+              <a:rPr lang="fr-FR" sz="2400" kern="0" dirty="0" smtClean="0">
+                <a:solidFill>
+                  <a:srgbClr val="00AFCB"/>
+                </a:solidFill>
+                <a:latin typeface="Arial"/>
+              </a:rPr>
+              <a:t> backoffice</a:t>
+            </a:r>
+            <a:endParaRPr lang="fr-FR" sz="2400" kern="0" dirty="0">
+              <a:solidFill>
+                <a:srgbClr val="00AFCB"/>
+              </a:solidFill>
+              <a:latin typeface="Arial"/>
+            </a:endParaRPr>
+          </a:p>
+        </p:txBody>
+      </p:sp>
+      <p:sp>
+        <p:nvSpPr>
+          <p:cNvPr id="92" name="Rectangle 91"/>
+          <p:cNvSpPr/>
+          <p:nvPr/>
+        </p:nvSpPr>
+        <p:spPr>
+          <a:xfrm>
+            <a:off x="9817226" y="763442"/>
+            <a:ext cx="1880987" cy="1418099"/>
+          </a:xfrm>
+          <a:prstGeom prst="rect">
+            <a:avLst/>
+          </a:prstGeom>
+          <a:noFill/>
+          <a:ln w="38100">
+            <a:solidFill>
+              <a:srgbClr val="00AFCB"/>
+            </a:solidFill>
+          </a:ln>
+        </p:spPr>
+        <p:txBody>
+          <a:bodyPr rtlCol="0" anchor="ctr">
+            <a:noAutofit/>
+          </a:bodyPr>
+          <a:lstStyle/>
+          <a:p>
+            <a:pPr lvl="0" algn="ctr" eaLnBrk="1" hangingPunct="1">
+              <a:spcBef>
+                <a:spcPts val="384"/>
+              </a:spcBef>
+              <a:spcAft>
+                <a:spcPts val="0"/>
+              </a:spcAft>
+              <a:buClr>
+                <a:srgbClr val="00A9C5"/>
+              </a:buClr>
+              <a:buSzPct val="80000"/>
+            </a:pPr>
+            <a:r>
+              <a:rPr lang="fr-FR" sz="2400" kern="0" dirty="0">
+                <a:solidFill>
+                  <a:srgbClr val="00AFCB"/>
+                </a:solidFill>
+                <a:latin typeface="Arial"/>
+              </a:rPr>
+              <a:t>Écrans backoffice</a:t>
+            </a:r>
+          </a:p>
+        </p:txBody>
+      </p:sp>
+      <p:cxnSp>
+        <p:nvCxnSpPr>
+          <p:cNvPr id="93" name="Connecteur droit avec flèche 92"/>
+          <p:cNvCxnSpPr>
+            <a:stCxn id="92" idx="2"/>
+            <a:endCxn id="47" idx="0"/>
+          </p:cNvCxnSpPr>
+          <p:nvPr/>
+        </p:nvCxnSpPr>
+        <p:spPr bwMode="auto">
+          <a:xfrm>
+            <a:off x="10757720" y="2181541"/>
+            <a:ext cx="12482" cy="587229"/>
+          </a:xfrm>
+          <a:prstGeom prst="straightConnector1">
+            <a:avLst/>
+          </a:prstGeom>
+          <a:solidFill>
+            <a:schemeClr val="accent1"/>
+          </a:solidFill>
+          <a:ln w="38100" cap="flat" cmpd="sng" algn="ctr">
+            <a:solidFill>
+              <a:schemeClr val="tx2"/>
+            </a:solidFill>
+            <a:prstDash val="solid"/>
+            <a:round/>
+            <a:headEnd type="none" w="med" len="med"/>
+            <a:tailEnd type="triangle" w="lg" len="lg"/>
+          </a:ln>
+          <a:effectLst/>
+        </p:spPr>
+      </p:cxnSp>
+      <p:cxnSp>
+        <p:nvCxnSpPr>
+          <p:cNvPr id="49" name="Connecteur droit avec flèche 48"/>
+          <p:cNvCxnSpPr>
+            <a:stCxn id="40" idx="2"/>
+            <a:endCxn id="5" idx="0"/>
+          </p:cNvCxnSpPr>
+          <p:nvPr/>
+        </p:nvCxnSpPr>
+        <p:spPr bwMode="auto">
+          <a:xfrm>
+            <a:off x="3340331" y="4197215"/>
+            <a:ext cx="3185122" cy="591797"/>
+          </a:xfrm>
+          <a:prstGeom prst="straightConnector1">
+            <a:avLst/>
+          </a:prstGeom>
+          <a:solidFill>
+            <a:schemeClr val="accent1"/>
+          </a:solidFill>
+          <a:ln w="38100" cap="flat" cmpd="sng" algn="ctr">
+            <a:solidFill>
+              <a:schemeClr val="tx2"/>
+            </a:solidFill>
+            <a:prstDash val="solid"/>
+            <a:round/>
+            <a:headEnd type="none" w="med" len="med"/>
+            <a:tailEnd type="triangle" w="lg" len="lg"/>
+          </a:ln>
+          <a:effectLst/>
+        </p:spPr>
+      </p:cxnSp>
+      <p:sp>
+        <p:nvSpPr>
+          <p:cNvPr id="52" name="Rectangle 51"/>
+          <p:cNvSpPr/>
+          <p:nvPr/>
+        </p:nvSpPr>
+        <p:spPr>
+          <a:xfrm>
+            <a:off x="1340210" y="769220"/>
+            <a:ext cx="1880987" cy="1418099"/>
+          </a:xfrm>
+          <a:prstGeom prst="rect">
+            <a:avLst/>
+          </a:prstGeom>
+          <a:noFill/>
+          <a:ln w="38100">
+            <a:solidFill>
+              <a:srgbClr val="00AFCB"/>
+            </a:solidFill>
+          </a:ln>
+        </p:spPr>
+        <p:txBody>
+          <a:bodyPr rtlCol="0" anchor="ctr">
+            <a:noAutofit/>
+          </a:bodyPr>
+          <a:lstStyle/>
+          <a:p>
+            <a:pPr algn="ctr" eaLnBrk="1" hangingPunct="1">
+              <a:spcBef>
+                <a:spcPts val="384"/>
+              </a:spcBef>
+              <a:spcAft>
+                <a:spcPts val="0"/>
+              </a:spcAft>
+              <a:buClr>
+                <a:srgbClr val="00A9C5"/>
+              </a:buClr>
+              <a:buSzPct val="80000"/>
+            </a:pPr>
+            <a:r>
+              <a:rPr lang="fr-FR" sz="2400" kern="0" dirty="0" smtClean="0">
+                <a:solidFill>
+                  <a:srgbClr val="00AFCB"/>
+                </a:solidFill>
+                <a:latin typeface="+mj-lt"/>
+              </a:rPr>
+              <a:t>Partenaire 1</a:t>
+            </a:r>
+          </a:p>
+        </p:txBody>
+      </p:sp>
+      <p:sp>
+        <p:nvSpPr>
+          <p:cNvPr id="53" name="Rectangle 52"/>
+          <p:cNvSpPr/>
+          <p:nvPr/>
+        </p:nvSpPr>
+        <p:spPr>
+          <a:xfrm>
+            <a:off x="3459464" y="769220"/>
+            <a:ext cx="1880987" cy="1418099"/>
+          </a:xfrm>
+          <a:prstGeom prst="rect">
+            <a:avLst/>
+          </a:prstGeom>
+          <a:noFill/>
+          <a:ln w="38100">
+            <a:solidFill>
+              <a:srgbClr val="00AFCB"/>
+            </a:solidFill>
+          </a:ln>
+        </p:spPr>
+        <p:txBody>
+          <a:bodyPr rtlCol="0" anchor="ctr">
+            <a:noAutofit/>
+          </a:bodyPr>
+          <a:lstStyle/>
+          <a:p>
+            <a:pPr algn="ctr" eaLnBrk="1" hangingPunct="1">
+              <a:spcBef>
+                <a:spcPts val="384"/>
+              </a:spcBef>
+              <a:spcAft>
+                <a:spcPts val="0"/>
+              </a:spcAft>
+              <a:buClr>
+                <a:srgbClr val="00A9C5"/>
+              </a:buClr>
+              <a:buSzPct val="80000"/>
+            </a:pPr>
+            <a:r>
+              <a:rPr lang="fr-FR" sz="2400" kern="0" dirty="0">
+                <a:solidFill>
+                  <a:srgbClr val="00AFCB"/>
+                </a:solidFill>
+                <a:latin typeface="+mj-lt"/>
+              </a:rPr>
+              <a:t>Partenaire </a:t>
+            </a:r>
+            <a:r>
+              <a:rPr lang="fr-FR" sz="2400" kern="0" dirty="0" smtClean="0">
+                <a:solidFill>
+                  <a:srgbClr val="00AFCB"/>
+                </a:solidFill>
+                <a:latin typeface="+mj-lt"/>
+              </a:rPr>
+              <a:t>2</a:t>
+            </a:r>
+            <a:endParaRPr lang="fr-FR" sz="2400" kern="0" dirty="0">
+              <a:solidFill>
+                <a:srgbClr val="00AFCB"/>
+              </a:solidFill>
+              <a:latin typeface="+mj-lt"/>
+            </a:endParaRPr>
+          </a:p>
+        </p:txBody>
+      </p:sp>
+      <p:cxnSp>
+        <p:nvCxnSpPr>
+          <p:cNvPr id="59" name="Connecteur droit avec flèche 58"/>
+          <p:cNvCxnSpPr>
+            <a:stCxn id="53" idx="2"/>
+            <a:endCxn id="40" idx="0"/>
+          </p:cNvCxnSpPr>
+          <p:nvPr/>
+        </p:nvCxnSpPr>
+        <p:spPr bwMode="auto">
+          <a:xfrm flipH="1">
+            <a:off x="3340331" y="2187319"/>
+            <a:ext cx="1059627" cy="591797"/>
+          </a:xfrm>
+          <a:prstGeom prst="straightConnector1">
+            <a:avLst/>
+          </a:prstGeom>
+          <a:solidFill>
+            <a:schemeClr val="accent1"/>
+          </a:solidFill>
+          <a:ln w="38100" cap="flat" cmpd="sng" algn="ctr">
+            <a:solidFill>
+              <a:schemeClr val="tx2"/>
+            </a:solidFill>
+            <a:prstDash val="solid"/>
+            <a:round/>
+            <a:headEnd type="triangle" w="lg" len="lg"/>
+            <a:tailEnd type="triangle" w="lg" len="lg"/>
+          </a:ln>
+          <a:effectLst/>
+        </p:spPr>
+      </p:cxnSp>
+      <p:pic>
+        <p:nvPicPr>
+          <p:cNvPr id="89" name="Image 88"/>
+          <p:cNvPicPr>
+            <a:picLocks noChangeAspect="1"/>
+          </p:cNvPicPr>
+          <p:nvPr/>
+        </p:nvPicPr>
+        <p:blipFill>
+          <a:blip r:embed="rId2">
+            <a:extLst>
+              <a:ext uri="{28A0092B-C50C-407E-A947-70E740481C1C}">
+                <a14:useLocalDpi xmlns:a14="http://schemas.microsoft.com/office/drawing/2010/main" val="0"/>
+              </a:ext>
+            </a:extLst>
+          </a:blip>
+          <a:stretch>
+            <a:fillRect/>
+          </a:stretch>
+        </p:blipFill>
+        <p:spPr>
+          <a:xfrm>
+            <a:off x="9192944" y="1709769"/>
+            <a:ext cx="324728" cy="441843"/>
+          </a:xfrm>
+          <a:prstGeom prst="rect">
+            <a:avLst/>
+          </a:prstGeom>
+        </p:spPr>
+      </p:pic>
+    </p:spTree>
+    <p:extLst>
+      <p:ext uri="{BB962C8B-B14F-4D97-AF65-F5344CB8AC3E}">
+        <p14:creationId xmlns:p14="http://schemas.microsoft.com/office/powerpoint/2010/main" val="1393181393"/>
+      </p:ext>
+    </p:extLst>
+  </p:cSld>
+  <p:clrMapOvr>
+    <a:masterClrMapping/>
+  </p:clrMapOvr>
+</p:sld>
+</file>
+
+<file path=ppt/slides/slide9.xml><?xml version="1.0" encoding="utf-8"?>
+<p:sld xmlns:a="http://schemas.openxmlformats.org/drawingml/2006/main" xmlns:r="http://schemas.openxmlformats.org/officeDocument/2006/relationships" xmlns:p="http://schemas.openxmlformats.org/presentationml/2006/main">
+  <p:cSld>
+    <p:spTree>
+      <p:nvGrpSpPr>
+        <p:cNvPr id="1" name=""/>
+        <p:cNvGrpSpPr/>
+        <p:nvPr/>
+      </p:nvGrpSpPr>
+      <p:grpSpPr>
+        <a:xfrm>
+          <a:off x="0" y="0"/>
+          <a:ext cx="0" cy="0"/>
+          <a:chOff x="0" y="0"/>
+          <a:chExt cx="0" cy="0"/>
+        </a:xfrm>
+      </p:grpSpPr>
+      <p:sp>
+        <p:nvSpPr>
+          <p:cNvPr id="5" name="Rectangle 4"/>
+          <p:cNvSpPr/>
+          <p:nvPr/>
+        </p:nvSpPr>
+        <p:spPr>
+          <a:xfrm>
+            <a:off x="1340210" y="4789012"/>
+            <a:ext cx="10370485" cy="1428986"/>
+          </a:xfrm>
+          <a:prstGeom prst="rect">
+            <a:avLst/>
+          </a:prstGeom>
+          <a:noFill/>
+          <a:ln w="38100">
+            <a:solidFill>
+              <a:srgbClr val="00AFCB"/>
+            </a:solidFill>
+          </a:ln>
+        </p:spPr>
+        <p:txBody>
+          <a:bodyPr rtlCol="0" anchor="ctr">
+            <a:noAutofit/>
+          </a:bodyPr>
+          <a:lstStyle/>
+          <a:p>
+            <a:pPr algn="ctr" eaLnBrk="1" hangingPunct="1">
+              <a:spcBef>
+                <a:spcPts val="384"/>
+              </a:spcBef>
+              <a:spcAft>
+                <a:spcPts val="0"/>
+              </a:spcAft>
+              <a:buClr>
+                <a:srgbClr val="00A9C5"/>
+              </a:buClr>
+              <a:buSzPct val="80000"/>
+            </a:pPr>
+            <a:r>
+              <a:rPr lang="fr-FR" sz="2400" kern="0" dirty="0" smtClean="0">
+                <a:solidFill>
+                  <a:srgbClr val="00AFCB"/>
+                </a:solidFill>
+                <a:latin typeface="+mj-lt"/>
+              </a:rPr>
+              <a:t>Cœur métier</a:t>
+            </a:r>
+          </a:p>
+        </p:txBody>
+      </p:sp>
+      <p:cxnSp>
+        <p:nvCxnSpPr>
+          <p:cNvPr id="10" name="Connecteur droit avec flèche 9"/>
+          <p:cNvCxnSpPr>
+            <a:stCxn id="52" idx="2"/>
+            <a:endCxn id="40" idx="0"/>
+          </p:cNvCxnSpPr>
+          <p:nvPr/>
+        </p:nvCxnSpPr>
+        <p:spPr bwMode="auto">
+          <a:xfrm>
+            <a:off x="2280704" y="2187319"/>
+            <a:ext cx="1059627" cy="591797"/>
+          </a:xfrm>
+          <a:prstGeom prst="straightConnector1">
+            <a:avLst/>
+          </a:prstGeom>
+          <a:solidFill>
+            <a:schemeClr val="accent1"/>
+          </a:solidFill>
+          <a:ln w="38100" cap="flat" cmpd="sng" algn="ctr">
+            <a:solidFill>
+              <a:schemeClr val="tx2"/>
+            </a:solidFill>
+            <a:prstDash val="solid"/>
+            <a:round/>
+            <a:headEnd type="triangle" w="lg" len="lg"/>
+            <a:tailEnd type="triangle" w="lg" len="lg"/>
+          </a:ln>
+          <a:effectLst/>
+        </p:spPr>
+      </p:cxnSp>
+      <p:cxnSp>
+        <p:nvCxnSpPr>
+          <p:cNvPr id="31" name="Connecteur droit avec flèche 30"/>
+          <p:cNvCxnSpPr>
+            <a:stCxn id="16" idx="2"/>
+            <a:endCxn id="12" idx="0"/>
+          </p:cNvCxnSpPr>
+          <p:nvPr/>
+        </p:nvCxnSpPr>
+        <p:spPr bwMode="auto">
+          <a:xfrm flipH="1">
+            <a:off x="7578839" y="2181541"/>
+            <a:ext cx="1059627" cy="587229"/>
+          </a:xfrm>
+          <a:prstGeom prst="straightConnector1">
+            <a:avLst/>
+          </a:prstGeom>
+          <a:solidFill>
+            <a:schemeClr val="accent1"/>
+          </a:solidFill>
+          <a:ln w="38100" cap="flat" cmpd="sng" algn="ctr">
+            <a:solidFill>
+              <a:schemeClr val="tx2"/>
+            </a:solidFill>
+            <a:prstDash val="solid"/>
+            <a:round/>
+            <a:headEnd type="none" w="med" len="med"/>
+            <a:tailEnd type="triangle" w="lg" len="lg"/>
+          </a:ln>
+          <a:effectLst/>
+        </p:spPr>
+      </p:cxnSp>
+      <p:cxnSp>
+        <p:nvCxnSpPr>
+          <p:cNvPr id="34" name="Connecteur droit avec flèche 33"/>
+          <p:cNvCxnSpPr>
+            <a:stCxn id="13" idx="2"/>
+            <a:endCxn id="12" idx="0"/>
+          </p:cNvCxnSpPr>
+          <p:nvPr/>
+        </p:nvCxnSpPr>
+        <p:spPr bwMode="auto">
+          <a:xfrm>
+            <a:off x="6519212" y="2181541"/>
+            <a:ext cx="1059627" cy="587229"/>
+          </a:xfrm>
+          <a:prstGeom prst="straightConnector1">
+            <a:avLst/>
+          </a:prstGeom>
+          <a:solidFill>
+            <a:schemeClr val="accent1"/>
+          </a:solidFill>
+          <a:ln w="38100" cap="flat" cmpd="sng" algn="ctr">
+            <a:solidFill>
+              <a:schemeClr val="tx2"/>
+            </a:solidFill>
+            <a:prstDash val="solid"/>
+            <a:round/>
+            <a:headEnd type="none" w="med" len="med"/>
+            <a:tailEnd type="triangle" w="lg" len="lg"/>
+          </a:ln>
+          <a:effectLst/>
+        </p:spPr>
+      </p:cxnSp>
+      <p:cxnSp>
+        <p:nvCxnSpPr>
+          <p:cNvPr id="23" name="Connecteur droit avec flèche 22"/>
+          <p:cNvCxnSpPr>
+            <a:stCxn id="12" idx="2"/>
+            <a:endCxn id="5" idx="0"/>
+          </p:cNvCxnSpPr>
+          <p:nvPr/>
+        </p:nvCxnSpPr>
+        <p:spPr bwMode="auto">
+          <a:xfrm flipH="1">
+            <a:off x="6525453" y="4186869"/>
+            <a:ext cx="1053386" cy="602143"/>
+          </a:xfrm>
+          <a:prstGeom prst="straightConnector1">
+            <a:avLst/>
+          </a:prstGeom>
+          <a:solidFill>
+            <a:schemeClr val="accent1"/>
+          </a:solidFill>
+          <a:ln w="38100" cap="flat" cmpd="sng" algn="ctr">
+            <a:solidFill>
+              <a:schemeClr val="tx2"/>
+            </a:solidFill>
+            <a:prstDash val="solid"/>
+            <a:round/>
+            <a:headEnd type="none" w="med" len="med"/>
+            <a:tailEnd type="triangle" w="lg" len="lg"/>
+          </a:ln>
+          <a:effectLst/>
+        </p:spPr>
+      </p:cxnSp>
+      <p:cxnSp>
+        <p:nvCxnSpPr>
+          <p:cNvPr id="60" name="Connecteur droit avec flèche 59"/>
+          <p:cNvCxnSpPr>
+            <a:stCxn id="47" idx="2"/>
+            <a:endCxn id="5" idx="0"/>
+          </p:cNvCxnSpPr>
+          <p:nvPr/>
+        </p:nvCxnSpPr>
+        <p:spPr bwMode="auto">
+          <a:xfrm flipH="1">
+            <a:off x="6525453" y="4186869"/>
+            <a:ext cx="4244749" cy="602143"/>
+          </a:xfrm>
+          <a:prstGeom prst="straightConnector1">
+            <a:avLst/>
+          </a:prstGeom>
+          <a:solidFill>
+            <a:schemeClr val="accent1"/>
+          </a:solidFill>
+          <a:ln w="38100" cap="flat" cmpd="sng" algn="ctr">
+            <a:solidFill>
+              <a:schemeClr val="tx2"/>
+            </a:solidFill>
+            <a:prstDash val="solid"/>
+            <a:round/>
+            <a:headEnd type="none" w="lg" len="lg"/>
+            <a:tailEnd type="triangle" w="lg" len="lg"/>
+          </a:ln>
+          <a:effectLst/>
+        </p:spPr>
+      </p:cxnSp>
+      <p:grpSp>
+        <p:nvGrpSpPr>
+          <p:cNvPr id="15" name="Grouper 14"/>
+          <p:cNvGrpSpPr/>
+          <p:nvPr/>
+        </p:nvGrpSpPr>
+        <p:grpSpPr>
+          <a:xfrm>
+            <a:off x="2399837" y="2779116"/>
+            <a:ext cx="1880987" cy="1418099"/>
+            <a:chOff x="2399837" y="2779116"/>
+            <a:chExt cx="1880987" cy="1418099"/>
+          </a:xfrm>
+        </p:grpSpPr>
+        <p:sp>
+          <p:nvSpPr>
+            <p:cNvPr id="40" name="Rectangle 39"/>
+            <p:cNvSpPr/>
+            <p:nvPr/>
+          </p:nvSpPr>
+          <p:spPr>
+            <a:xfrm>
+              <a:off x="2399837" y="2779116"/>
+              <a:ext cx="1880987" cy="1418099"/>
+            </a:xfrm>
+            <a:prstGeom prst="rect">
+              <a:avLst/>
+            </a:prstGeom>
+            <a:noFill/>
+            <a:ln w="38100">
+              <a:solidFill>
+                <a:srgbClr val="00AFCB"/>
+              </a:solidFill>
+            </a:ln>
+          </p:spPr>
+          <p:txBody>
+            <a:bodyPr rtlCol="0" anchor="ctr">
+              <a:noAutofit/>
+            </a:bodyPr>
+            <a:lstStyle/>
+            <a:p>
+              <a:pPr algn="ctr" eaLnBrk="1" hangingPunct="1">
+                <a:spcBef>
+                  <a:spcPts val="384"/>
+                </a:spcBef>
+                <a:spcAft>
+                  <a:spcPts val="0"/>
+                </a:spcAft>
+                <a:buClr>
+                  <a:srgbClr val="00A9C5"/>
+                </a:buClr>
+                <a:buSzPct val="80000"/>
+              </a:pPr>
+              <a:r>
+                <a:rPr lang="fr-FR" sz="2400" kern="0" dirty="0" err="1" smtClean="0">
+                  <a:solidFill>
+                    <a:srgbClr val="00AFCB"/>
+                  </a:solidFill>
+                  <a:latin typeface="+mj-lt"/>
+                </a:rPr>
+                <a:t>Backend</a:t>
+              </a:r>
+              <a:r>
+                <a:rPr lang="fr-FR" sz="2400" kern="0" dirty="0" smtClean="0">
+                  <a:solidFill>
+                    <a:srgbClr val="00AFCB"/>
+                  </a:solidFill>
+                  <a:latin typeface="+mj-lt"/>
+                </a:rPr>
+                <a:t> partenaires</a:t>
+              </a:r>
+            </a:p>
+            <a:p>
+              <a:pPr algn="ctr" eaLnBrk="1" hangingPunct="1">
+                <a:spcBef>
+                  <a:spcPts val="384"/>
+                </a:spcBef>
+                <a:spcAft>
+                  <a:spcPts val="0"/>
+                </a:spcAft>
+                <a:buClr>
+                  <a:srgbClr val="00A9C5"/>
+                </a:buClr>
+                <a:buSzPct val="80000"/>
+              </a:pPr>
+              <a:endParaRPr lang="fr-FR" sz="2400" kern="0" dirty="0" smtClean="0">
+                <a:solidFill>
+                  <a:srgbClr val="00AFCB"/>
+                </a:solidFill>
+                <a:latin typeface="+mj-lt"/>
+              </a:endParaRPr>
+            </a:p>
+          </p:txBody>
+        </p:sp>
+        <p:pic>
+          <p:nvPicPr>
+            <p:cNvPr id="83" name="Image 82"/>
+            <p:cNvPicPr>
+              <a:picLocks noChangeAspect="1"/>
+            </p:cNvPicPr>
+            <p:nvPr/>
+          </p:nvPicPr>
+          <p:blipFill>
+            <a:blip r:embed="rId2">
+              <a:extLst>
+                <a:ext uri="{28A0092B-C50C-407E-A947-70E740481C1C}">
+                  <a14:useLocalDpi xmlns:a14="http://schemas.microsoft.com/office/drawing/2010/main" val="0"/>
+                </a:ext>
+              </a:extLst>
+            </a:blip>
+            <a:stretch>
+              <a:fillRect/>
+            </a:stretch>
+          </p:blipFill>
+          <p:spPr>
+            <a:xfrm>
+              <a:off x="3870144" y="3721197"/>
+              <a:ext cx="324728" cy="441843"/>
+            </a:xfrm>
+            <a:prstGeom prst="rect">
+              <a:avLst/>
+            </a:prstGeom>
+          </p:spPr>
+        </p:pic>
+      </p:grpSp>
+      <p:pic>
+        <p:nvPicPr>
+          <p:cNvPr id="6" name="Image 5"/>
+          <p:cNvPicPr>
+            <a:picLocks noChangeAspect="1"/>
+          </p:cNvPicPr>
+          <p:nvPr/>
+        </p:nvPicPr>
+        <p:blipFill>
+          <a:blip r:embed="rId2">
+            <a:extLst>
+              <a:ext uri="{28A0092B-C50C-407E-A947-70E740481C1C}">
+                <a14:useLocalDpi xmlns:a14="http://schemas.microsoft.com/office/drawing/2010/main" val="0"/>
+              </a:ext>
+            </a:extLst>
+          </a:blip>
+          <a:stretch>
+            <a:fillRect/>
+          </a:stretch>
+        </p:blipFill>
+        <p:spPr>
+          <a:xfrm>
+            <a:off x="11063078" y="5402982"/>
+            <a:ext cx="567653" cy="772380"/>
+          </a:xfrm>
+          <a:prstGeom prst="rect">
+            <a:avLst/>
+          </a:prstGeom>
+        </p:spPr>
+      </p:pic>
+      <p:sp>
+        <p:nvSpPr>
+          <p:cNvPr id="58" name="Rectangle 57"/>
+          <p:cNvSpPr/>
+          <p:nvPr/>
+        </p:nvSpPr>
+        <p:spPr>
+          <a:xfrm>
+            <a:off x="8481490" y="4794307"/>
+            <a:ext cx="1880987" cy="579179"/>
+          </a:xfrm>
+          <a:prstGeom prst="rect">
+            <a:avLst/>
+          </a:prstGeom>
+          <a:noFill/>
+          <a:ln w="38100">
+            <a:noFill/>
+          </a:ln>
+        </p:spPr>
+        <p:txBody>
+          <a:bodyPr rtlCol="0" anchor="ctr">
+            <a:noAutofit/>
+          </a:bodyPr>
+          <a:lstStyle/>
+          <a:p>
+            <a:pPr algn="ctr" eaLnBrk="1" hangingPunct="1">
+              <a:spcBef>
+                <a:spcPts val="384"/>
+              </a:spcBef>
+              <a:spcAft>
+                <a:spcPts val="0"/>
+              </a:spcAft>
+              <a:buClr>
+                <a:srgbClr val="00A9C5"/>
+              </a:buClr>
+              <a:buSzPct val="80000"/>
+            </a:pPr>
+            <a:endParaRPr lang="fr-FR" sz="1800" kern="0" dirty="0" smtClean="0">
+              <a:solidFill>
+                <a:srgbClr val="00AFCB"/>
+              </a:solidFill>
+              <a:latin typeface="+mj-lt"/>
+            </a:endParaRPr>
+          </a:p>
+        </p:txBody>
+      </p:sp>
+      <p:grpSp>
+        <p:nvGrpSpPr>
+          <p:cNvPr id="14" name="Grouper 13"/>
+          <p:cNvGrpSpPr/>
+          <p:nvPr/>
+        </p:nvGrpSpPr>
+        <p:grpSpPr>
+          <a:xfrm>
+            <a:off x="6638345" y="2768770"/>
+            <a:ext cx="1880987" cy="1418099"/>
+            <a:chOff x="6638345" y="2768770"/>
+            <a:chExt cx="1880987" cy="1418099"/>
+          </a:xfrm>
+        </p:grpSpPr>
+        <p:pic>
+          <p:nvPicPr>
+            <p:cNvPr id="67" name="Image 66"/>
+            <p:cNvPicPr>
+              <a:picLocks noChangeAspect="1"/>
+            </p:cNvPicPr>
+            <p:nvPr/>
+          </p:nvPicPr>
+          <p:blipFill>
+            <a:blip r:embed="rId2">
+              <a:extLst>
+                <a:ext uri="{28A0092B-C50C-407E-A947-70E740481C1C}">
+                  <a14:useLocalDpi xmlns:a14="http://schemas.microsoft.com/office/drawing/2010/main" val="0"/>
+                </a:ext>
+              </a:extLst>
+            </a:blip>
+            <a:stretch>
+              <a:fillRect/>
+            </a:stretch>
+          </p:blipFill>
+          <p:spPr>
+            <a:xfrm>
+              <a:off x="8127266" y="3701533"/>
+              <a:ext cx="324728" cy="441843"/>
+            </a:xfrm>
+            <a:prstGeom prst="rect">
+              <a:avLst/>
+            </a:prstGeom>
+          </p:spPr>
+        </p:pic>
+        <p:sp>
+          <p:nvSpPr>
+            <p:cNvPr id="12" name="Rectangle 11"/>
+            <p:cNvSpPr/>
+            <p:nvPr/>
+          </p:nvSpPr>
+          <p:spPr>
+            <a:xfrm>
+              <a:off x="6638345" y="2768770"/>
+              <a:ext cx="1880987" cy="1418099"/>
+            </a:xfrm>
+            <a:prstGeom prst="rect">
+              <a:avLst/>
+            </a:prstGeom>
+            <a:noFill/>
+            <a:ln w="38100">
+              <a:solidFill>
+                <a:srgbClr val="00AFCB"/>
+              </a:solidFill>
+            </a:ln>
+          </p:spPr>
+          <p:txBody>
+            <a:bodyPr rtlCol="0" anchor="ctr">
+              <a:noAutofit/>
+            </a:bodyPr>
+            <a:lstStyle/>
+            <a:p>
+              <a:pPr algn="ctr" eaLnBrk="1" hangingPunct="1">
+                <a:spcBef>
+                  <a:spcPts val="384"/>
+                </a:spcBef>
+                <a:spcAft>
+                  <a:spcPts val="0"/>
+                </a:spcAft>
+                <a:buClr>
+                  <a:srgbClr val="00A9C5"/>
+                </a:buClr>
+                <a:buSzPct val="80000"/>
+              </a:pPr>
+              <a:r>
+                <a:rPr lang="fr-FR" sz="2400" kern="0" dirty="0" err="1" smtClean="0">
+                  <a:solidFill>
+                    <a:srgbClr val="00AFCB"/>
+                  </a:solidFill>
+                  <a:latin typeface="+mj-lt"/>
+                </a:rPr>
+                <a:t>Backend</a:t>
+              </a:r>
+              <a:r>
+                <a:rPr lang="fr-FR" sz="2400" kern="0" dirty="0" smtClean="0">
+                  <a:solidFill>
+                    <a:srgbClr val="00AFCB"/>
+                  </a:solidFill>
+                  <a:latin typeface="+mj-lt"/>
+                </a:rPr>
+                <a:t> site web client</a:t>
+              </a:r>
+            </a:p>
+          </p:txBody>
+        </p:sp>
+      </p:grpSp>
+      <p:sp>
+        <p:nvSpPr>
+          <p:cNvPr id="13" name="Rectangle 12"/>
+          <p:cNvSpPr/>
+          <p:nvPr/>
+        </p:nvSpPr>
+        <p:spPr>
+          <a:xfrm>
+            <a:off x="5578718" y="763442"/>
+            <a:ext cx="1880987" cy="1418099"/>
+          </a:xfrm>
+          <a:prstGeom prst="rect">
+            <a:avLst/>
+          </a:prstGeom>
+          <a:noFill/>
+          <a:ln w="38100">
+            <a:solidFill>
+              <a:srgbClr val="00AFCB"/>
+            </a:solidFill>
+          </a:ln>
+        </p:spPr>
+        <p:txBody>
+          <a:bodyPr rtlCol="0" anchor="ctr">
+            <a:noAutofit/>
+          </a:bodyPr>
+          <a:lstStyle/>
+          <a:p>
+            <a:pPr algn="ctr" eaLnBrk="1" hangingPunct="1">
+              <a:spcBef>
+                <a:spcPts val="384"/>
+              </a:spcBef>
+              <a:spcAft>
+                <a:spcPts val="0"/>
+              </a:spcAft>
+              <a:buClr>
+                <a:srgbClr val="00A9C5"/>
+              </a:buClr>
+              <a:buSzPct val="80000"/>
+            </a:pPr>
+            <a:r>
+              <a:rPr lang="fr-FR" sz="2400" kern="0" dirty="0" smtClean="0">
+                <a:solidFill>
+                  <a:srgbClr val="00AFCB"/>
+                </a:solidFill>
+                <a:latin typeface="+mj-lt"/>
+              </a:rPr>
+              <a:t>Site web client</a:t>
+            </a:r>
+          </a:p>
+        </p:txBody>
+      </p:sp>
+      <p:sp>
+        <p:nvSpPr>
+          <p:cNvPr id="16" name="Rectangle 15"/>
+          <p:cNvSpPr/>
+          <p:nvPr/>
+        </p:nvSpPr>
+        <p:spPr>
+          <a:xfrm>
+            <a:off x="7697972" y="763442"/>
+            <a:ext cx="1880987" cy="1418099"/>
+          </a:xfrm>
+          <a:prstGeom prst="rect">
+            <a:avLst/>
+          </a:prstGeom>
+          <a:noFill/>
+          <a:ln w="38100">
+            <a:solidFill>
+              <a:srgbClr val="00AFCB"/>
+            </a:solidFill>
+          </a:ln>
+        </p:spPr>
+        <p:txBody>
+          <a:bodyPr rtlCol="0" anchor="ctr">
+            <a:noAutofit/>
+          </a:bodyPr>
+          <a:lstStyle/>
+          <a:p>
+            <a:pPr algn="ctr" eaLnBrk="1" hangingPunct="1">
+              <a:spcBef>
+                <a:spcPts val="384"/>
+              </a:spcBef>
+              <a:spcAft>
+                <a:spcPts val="0"/>
+              </a:spcAft>
+              <a:buClr>
+                <a:srgbClr val="00A9C5"/>
+              </a:buClr>
+              <a:buSzPct val="80000"/>
+            </a:pPr>
+            <a:r>
+              <a:rPr lang="fr-FR" sz="2400" kern="0" dirty="0" smtClean="0">
+                <a:solidFill>
+                  <a:srgbClr val="00AFCB"/>
+                </a:solidFill>
+                <a:latin typeface="+mj-lt"/>
+              </a:rPr>
+              <a:t>Appli mobile client</a:t>
+            </a:r>
+          </a:p>
+        </p:txBody>
+      </p:sp>
+      <p:sp>
+        <p:nvSpPr>
+          <p:cNvPr id="47" name="Rectangle 46"/>
+          <p:cNvSpPr/>
+          <p:nvPr/>
+        </p:nvSpPr>
+        <p:spPr>
+          <a:xfrm>
+            <a:off x="9829708" y="2768770"/>
+            <a:ext cx="1880987" cy="1418099"/>
+          </a:xfrm>
+          <a:prstGeom prst="rect">
+            <a:avLst/>
+          </a:prstGeom>
+          <a:noFill/>
+          <a:ln w="38100">
+            <a:solidFill>
+              <a:srgbClr val="00AFCB"/>
+            </a:solidFill>
+          </a:ln>
+        </p:spPr>
+        <p:txBody>
+          <a:bodyPr rtlCol="0" anchor="ctr">
+            <a:noAutofit/>
+          </a:bodyPr>
+          <a:lstStyle/>
+          <a:p>
+            <a:pPr lvl="0" algn="ctr" eaLnBrk="1" hangingPunct="1">
+              <a:spcBef>
+                <a:spcPts val="384"/>
+              </a:spcBef>
+              <a:spcAft>
+                <a:spcPts val="0"/>
+              </a:spcAft>
+              <a:buClr>
+                <a:srgbClr val="00A9C5"/>
+              </a:buClr>
+              <a:buSzPct val="80000"/>
+            </a:pPr>
+            <a:r>
+              <a:rPr lang="fr-FR" sz="2400" kern="0" dirty="0" err="1" smtClean="0">
+                <a:solidFill>
+                  <a:srgbClr val="00AFCB"/>
+                </a:solidFill>
+                <a:latin typeface="Arial"/>
+              </a:rPr>
+              <a:t>Backend</a:t>
+            </a:r>
+            <a:r>
+              <a:rPr lang="fr-FR" sz="2400" kern="0" dirty="0" smtClean="0">
+                <a:solidFill>
+                  <a:srgbClr val="00AFCB"/>
+                </a:solidFill>
+                <a:latin typeface="Arial"/>
+              </a:rPr>
+              <a:t> backoffice</a:t>
+            </a:r>
+            <a:endParaRPr lang="fr-FR" sz="2400" kern="0" dirty="0">
+              <a:solidFill>
+                <a:srgbClr val="00AFCB"/>
+              </a:solidFill>
+              <a:latin typeface="Arial"/>
+            </a:endParaRPr>
+          </a:p>
+        </p:txBody>
+      </p:sp>
+      <p:sp>
+        <p:nvSpPr>
+          <p:cNvPr id="92" name="Rectangle 91"/>
+          <p:cNvSpPr/>
+          <p:nvPr/>
+        </p:nvSpPr>
+        <p:spPr>
+          <a:xfrm>
+            <a:off x="9817226" y="763442"/>
+            <a:ext cx="1880987" cy="1418099"/>
+          </a:xfrm>
+          <a:prstGeom prst="rect">
+            <a:avLst/>
+          </a:prstGeom>
+          <a:noFill/>
+          <a:ln w="38100">
+            <a:solidFill>
+              <a:srgbClr val="00AFCB"/>
+            </a:solidFill>
+          </a:ln>
+        </p:spPr>
+        <p:txBody>
+          <a:bodyPr rtlCol="0" anchor="ctr">
+            <a:noAutofit/>
+          </a:bodyPr>
+          <a:lstStyle/>
+          <a:p>
+            <a:pPr lvl="0" algn="ctr" eaLnBrk="1" hangingPunct="1">
+              <a:spcBef>
+                <a:spcPts val="384"/>
+              </a:spcBef>
+              <a:spcAft>
+                <a:spcPts val="0"/>
+              </a:spcAft>
+              <a:buClr>
+                <a:srgbClr val="00A9C5"/>
+              </a:buClr>
+              <a:buSzPct val="80000"/>
+            </a:pPr>
+            <a:r>
+              <a:rPr lang="fr-FR" sz="2400" kern="0" dirty="0">
+                <a:solidFill>
+                  <a:srgbClr val="00AFCB"/>
+                </a:solidFill>
+                <a:latin typeface="Arial"/>
+              </a:rPr>
+              <a:t>Écrans backoffice</a:t>
+            </a:r>
+          </a:p>
+        </p:txBody>
+      </p:sp>
+      <p:cxnSp>
+        <p:nvCxnSpPr>
+          <p:cNvPr id="93" name="Connecteur droit avec flèche 92"/>
+          <p:cNvCxnSpPr>
+            <a:stCxn id="92" idx="2"/>
+            <a:endCxn id="47" idx="0"/>
+          </p:cNvCxnSpPr>
+          <p:nvPr/>
+        </p:nvCxnSpPr>
+        <p:spPr bwMode="auto">
+          <a:xfrm>
+            <a:off x="10757720" y="2181541"/>
+            <a:ext cx="12482" cy="587229"/>
+          </a:xfrm>
+          <a:prstGeom prst="straightConnector1">
+            <a:avLst/>
+          </a:prstGeom>
+          <a:solidFill>
+            <a:schemeClr val="accent1"/>
+          </a:solidFill>
+          <a:ln w="38100" cap="flat" cmpd="sng" algn="ctr">
+            <a:solidFill>
+              <a:schemeClr val="tx2"/>
+            </a:solidFill>
+            <a:prstDash val="solid"/>
+            <a:round/>
+            <a:headEnd type="none" w="med" len="med"/>
+            <a:tailEnd type="triangle" w="lg" len="lg"/>
+          </a:ln>
+          <a:effectLst/>
+        </p:spPr>
+      </p:cxnSp>
+      <p:cxnSp>
+        <p:nvCxnSpPr>
+          <p:cNvPr id="49" name="Connecteur droit avec flèche 48"/>
+          <p:cNvCxnSpPr>
+            <a:stCxn id="40" idx="2"/>
+            <a:endCxn id="5" idx="0"/>
+          </p:cNvCxnSpPr>
+          <p:nvPr/>
+        </p:nvCxnSpPr>
+        <p:spPr bwMode="auto">
+          <a:xfrm>
+            <a:off x="3340331" y="4197215"/>
+            <a:ext cx="3185122" cy="591797"/>
+          </a:xfrm>
+          <a:prstGeom prst="straightConnector1">
+            <a:avLst/>
+          </a:prstGeom>
+          <a:solidFill>
+            <a:schemeClr val="accent1"/>
+          </a:solidFill>
+          <a:ln w="38100" cap="flat" cmpd="sng" algn="ctr">
+            <a:solidFill>
+              <a:schemeClr val="tx2"/>
+            </a:solidFill>
+            <a:prstDash val="solid"/>
+            <a:round/>
+            <a:headEnd type="none" w="med" len="med"/>
+            <a:tailEnd type="triangle" w="lg" len="lg"/>
+          </a:ln>
+          <a:effectLst/>
+        </p:spPr>
+      </p:cxnSp>
+      <p:sp>
+        <p:nvSpPr>
+          <p:cNvPr id="52" name="Rectangle 51"/>
+          <p:cNvSpPr/>
+          <p:nvPr/>
+        </p:nvSpPr>
+        <p:spPr>
+          <a:xfrm>
+            <a:off x="1340210" y="769220"/>
+            <a:ext cx="1880987" cy="1418099"/>
+          </a:xfrm>
+          <a:prstGeom prst="rect">
+            <a:avLst/>
+          </a:prstGeom>
+          <a:noFill/>
+          <a:ln w="38100">
+            <a:solidFill>
+              <a:srgbClr val="00AFCB"/>
+            </a:solidFill>
+          </a:ln>
+        </p:spPr>
+        <p:txBody>
+          <a:bodyPr rtlCol="0" anchor="ctr">
+            <a:noAutofit/>
+          </a:bodyPr>
+          <a:lstStyle/>
+          <a:p>
+            <a:pPr algn="ctr" eaLnBrk="1" hangingPunct="1">
+              <a:spcBef>
+                <a:spcPts val="384"/>
+              </a:spcBef>
+              <a:spcAft>
+                <a:spcPts val="0"/>
+              </a:spcAft>
+              <a:buClr>
+                <a:srgbClr val="00A9C5"/>
+              </a:buClr>
+              <a:buSzPct val="80000"/>
+            </a:pPr>
+            <a:r>
+              <a:rPr lang="fr-FR" sz="2400" kern="0" dirty="0" smtClean="0">
+                <a:solidFill>
+                  <a:srgbClr val="00AFCB"/>
+                </a:solidFill>
+                <a:latin typeface="+mj-lt"/>
+              </a:rPr>
+              <a:t>Partenaire 1</a:t>
+            </a:r>
+          </a:p>
+        </p:txBody>
+      </p:sp>
+      <p:sp>
+        <p:nvSpPr>
+          <p:cNvPr id="53" name="Rectangle 52"/>
+          <p:cNvSpPr/>
+          <p:nvPr/>
+        </p:nvSpPr>
+        <p:spPr>
+          <a:xfrm>
+            <a:off x="3459464" y="769220"/>
+            <a:ext cx="1880987" cy="1418099"/>
+          </a:xfrm>
+          <a:prstGeom prst="rect">
+            <a:avLst/>
+          </a:prstGeom>
+          <a:noFill/>
+          <a:ln w="38100">
+            <a:solidFill>
+              <a:srgbClr val="00AFCB"/>
+            </a:solidFill>
+          </a:ln>
+        </p:spPr>
+        <p:txBody>
+          <a:bodyPr rtlCol="0" anchor="ctr">
+            <a:noAutofit/>
+          </a:bodyPr>
+          <a:lstStyle/>
+          <a:p>
+            <a:pPr algn="ctr" eaLnBrk="1" hangingPunct="1">
+              <a:spcBef>
+                <a:spcPts val="384"/>
+              </a:spcBef>
+              <a:spcAft>
+                <a:spcPts val="0"/>
+              </a:spcAft>
+              <a:buClr>
+                <a:srgbClr val="00A9C5"/>
+              </a:buClr>
+              <a:buSzPct val="80000"/>
+            </a:pPr>
+            <a:r>
+              <a:rPr lang="fr-FR" sz="2400" kern="0" dirty="0">
+                <a:solidFill>
+                  <a:srgbClr val="00AFCB"/>
+                </a:solidFill>
+                <a:latin typeface="+mj-lt"/>
+              </a:rPr>
+              <a:t>Partenaire </a:t>
+            </a:r>
+            <a:r>
+              <a:rPr lang="fr-FR" sz="2400" kern="0" dirty="0" smtClean="0">
+                <a:solidFill>
+                  <a:srgbClr val="00AFCB"/>
+                </a:solidFill>
+                <a:latin typeface="+mj-lt"/>
+              </a:rPr>
+              <a:t>2</a:t>
+            </a:r>
+            <a:endParaRPr lang="fr-FR" sz="2400" kern="0" dirty="0">
+              <a:solidFill>
+                <a:srgbClr val="00AFCB"/>
+              </a:solidFill>
+              <a:latin typeface="+mj-lt"/>
+            </a:endParaRPr>
+          </a:p>
+        </p:txBody>
+      </p:sp>
+      <p:cxnSp>
+        <p:nvCxnSpPr>
+          <p:cNvPr id="59" name="Connecteur droit avec flèche 58"/>
+          <p:cNvCxnSpPr>
+            <a:stCxn id="53" idx="2"/>
+            <a:endCxn id="40" idx="0"/>
+          </p:cNvCxnSpPr>
+          <p:nvPr/>
+        </p:nvCxnSpPr>
+        <p:spPr bwMode="auto">
+          <a:xfrm flipH="1">
+            <a:off x="3340331" y="2187319"/>
+            <a:ext cx="1059627" cy="591797"/>
+          </a:xfrm>
+          <a:prstGeom prst="straightConnector1">
+            <a:avLst/>
+          </a:prstGeom>
+          <a:solidFill>
+            <a:schemeClr val="accent1"/>
+          </a:solidFill>
+          <a:ln w="38100" cap="flat" cmpd="sng" algn="ctr">
+            <a:solidFill>
+              <a:schemeClr val="tx2"/>
+            </a:solidFill>
+            <a:prstDash val="solid"/>
+            <a:round/>
+            <a:headEnd type="triangle" w="lg" len="lg"/>
+            <a:tailEnd type="triangle" w="lg" len="lg"/>
+          </a:ln>
+          <a:effectLst/>
+        </p:spPr>
+      </p:cxnSp>
+      <p:pic>
+        <p:nvPicPr>
+          <p:cNvPr id="89" name="Image 88"/>
+          <p:cNvPicPr>
+            <a:picLocks noChangeAspect="1"/>
+          </p:cNvPicPr>
+          <p:nvPr/>
+        </p:nvPicPr>
+        <p:blipFill>
+          <a:blip r:embed="rId2">
+            <a:extLst>
+              <a:ext uri="{28A0092B-C50C-407E-A947-70E740481C1C}">
+                <a14:useLocalDpi xmlns:a14="http://schemas.microsoft.com/office/drawing/2010/main" val="0"/>
+              </a:ext>
+            </a:extLst>
+          </a:blip>
+          <a:stretch>
+            <a:fillRect/>
+          </a:stretch>
+        </p:blipFill>
+        <p:spPr>
+          <a:xfrm>
+            <a:off x="9192944" y="1709769"/>
+            <a:ext cx="324728" cy="441843"/>
+          </a:xfrm>
+          <a:prstGeom prst="rect">
+            <a:avLst/>
+          </a:prstGeom>
+        </p:spPr>
+      </p:pic>
+      <p:grpSp>
+        <p:nvGrpSpPr>
+          <p:cNvPr id="11" name="Grouper 10"/>
+          <p:cNvGrpSpPr/>
+          <p:nvPr/>
+        </p:nvGrpSpPr>
+        <p:grpSpPr>
+          <a:xfrm>
+            <a:off x="4519091" y="2779116"/>
+            <a:ext cx="1880987" cy="1418099"/>
+            <a:chOff x="4577128" y="2779116"/>
+            <a:chExt cx="1880987" cy="1418099"/>
+          </a:xfrm>
+        </p:grpSpPr>
+        <p:sp>
+          <p:nvSpPr>
+            <p:cNvPr id="24" name="Rectangle 23"/>
+            <p:cNvSpPr/>
+            <p:nvPr/>
+          </p:nvSpPr>
+          <p:spPr>
+            <a:xfrm>
+              <a:off x="4577128" y="2779116"/>
+              <a:ext cx="1880987" cy="1418099"/>
+            </a:xfrm>
+            <a:prstGeom prst="rect">
+              <a:avLst/>
+            </a:prstGeom>
+            <a:noFill/>
+            <a:ln w="38100">
+              <a:solidFill>
+                <a:srgbClr val="00AFCB"/>
+              </a:solidFill>
+            </a:ln>
+          </p:spPr>
+          <p:txBody>
+            <a:bodyPr rtlCol="0" anchor="ctr">
+              <a:noAutofit/>
+            </a:bodyPr>
+            <a:lstStyle/>
+            <a:p>
+              <a:pPr algn="ctr" eaLnBrk="1" hangingPunct="1">
+                <a:spcBef>
+                  <a:spcPts val="384"/>
+                </a:spcBef>
+                <a:spcAft>
+                  <a:spcPts val="0"/>
+                </a:spcAft>
+                <a:buClr>
+                  <a:srgbClr val="00A9C5"/>
+                </a:buClr>
+                <a:buSzPct val="80000"/>
+              </a:pPr>
+              <a:r>
+                <a:rPr lang="fr-FR" sz="2400" kern="0" dirty="0" err="1" smtClean="0">
+                  <a:solidFill>
+                    <a:srgbClr val="00AFCB"/>
+                  </a:solidFill>
+                  <a:latin typeface="+mj-lt"/>
+                </a:rPr>
+                <a:t>Backend</a:t>
+              </a:r>
+              <a:r>
+                <a:rPr lang="fr-FR" sz="2400" kern="0" dirty="0" smtClean="0">
+                  <a:solidFill>
+                    <a:srgbClr val="00AFCB"/>
+                  </a:solidFill>
+                  <a:latin typeface="+mj-lt"/>
+                </a:rPr>
+                <a:t> </a:t>
+              </a:r>
+              <a:r>
+                <a:rPr lang="fr-FR" sz="2400" kern="0" dirty="0" smtClean="0">
+                  <a:solidFill>
+                    <a:srgbClr val="00AFCB"/>
+                  </a:solidFill>
+                  <a:latin typeface="+mj-lt"/>
+                </a:rPr>
+                <a:t>partagé</a:t>
+              </a:r>
+              <a:endParaRPr lang="fr-FR" sz="2400" kern="0" dirty="0" smtClean="0">
+                <a:solidFill>
+                  <a:srgbClr val="00AFCB"/>
+                </a:solidFill>
+                <a:latin typeface="+mj-lt"/>
+              </a:endParaRPr>
+            </a:p>
+            <a:p>
+              <a:pPr algn="ctr" eaLnBrk="1" hangingPunct="1">
+                <a:spcBef>
+                  <a:spcPts val="384"/>
+                </a:spcBef>
+                <a:spcAft>
+                  <a:spcPts val="0"/>
+                </a:spcAft>
+                <a:buClr>
+                  <a:srgbClr val="00A9C5"/>
+                </a:buClr>
+                <a:buSzPct val="80000"/>
+              </a:pPr>
+              <a:endParaRPr lang="fr-FR" sz="2400" kern="0" dirty="0" smtClean="0">
+                <a:solidFill>
+                  <a:srgbClr val="00AFCB"/>
+                </a:solidFill>
+                <a:latin typeface="+mj-lt"/>
+              </a:endParaRPr>
+            </a:p>
+          </p:txBody>
+        </p:sp>
+        <p:pic>
+          <p:nvPicPr>
+            <p:cNvPr id="25" name="Image 24"/>
+            <p:cNvPicPr>
+              <a:picLocks noChangeAspect="1"/>
+            </p:cNvPicPr>
+            <p:nvPr/>
+          </p:nvPicPr>
+          <p:blipFill>
+            <a:blip r:embed="rId2">
+              <a:extLst>
+                <a:ext uri="{28A0092B-C50C-407E-A947-70E740481C1C}">
+                  <a14:useLocalDpi xmlns:a14="http://schemas.microsoft.com/office/drawing/2010/main" val="0"/>
+                </a:ext>
+              </a:extLst>
+            </a:blip>
+            <a:stretch>
+              <a:fillRect/>
+            </a:stretch>
+          </p:blipFill>
+          <p:spPr>
+            <a:xfrm>
+              <a:off x="6047435" y="3721197"/>
+              <a:ext cx="324728" cy="441843"/>
+            </a:xfrm>
+            <a:prstGeom prst="rect">
+              <a:avLst/>
+            </a:prstGeom>
+          </p:spPr>
+        </p:pic>
+      </p:grpSp>
+      <p:cxnSp>
+        <p:nvCxnSpPr>
+          <p:cNvPr id="26" name="Connecteur droit avec flèche 25"/>
+          <p:cNvCxnSpPr>
+            <a:stCxn id="40" idx="3"/>
+            <a:endCxn id="24" idx="1"/>
+          </p:cNvCxnSpPr>
+          <p:nvPr/>
+        </p:nvCxnSpPr>
+        <p:spPr bwMode="auto">
+          <a:xfrm>
+            <a:off x="4280824" y="3488166"/>
+            <a:ext cx="238267" cy="0"/>
+          </a:xfrm>
+          <a:prstGeom prst="straightConnector1">
+            <a:avLst/>
+          </a:prstGeom>
+          <a:solidFill>
+            <a:schemeClr val="accent1"/>
+          </a:solidFill>
+          <a:ln w="38100" cap="flat" cmpd="sng" algn="ctr">
+            <a:solidFill>
+              <a:schemeClr val="tx2"/>
+            </a:solidFill>
+            <a:prstDash val="solid"/>
+            <a:round/>
+            <a:headEnd type="none" w="med" len="med"/>
+            <a:tailEnd type="triangle" w="lg" len="lg"/>
+          </a:ln>
+          <a:effectLst/>
+        </p:spPr>
+      </p:cxnSp>
+      <p:cxnSp>
+        <p:nvCxnSpPr>
+          <p:cNvPr id="29" name="Connecteur droit avec flèche 28"/>
+          <p:cNvCxnSpPr>
+            <a:stCxn id="24" idx="2"/>
+            <a:endCxn id="5" idx="0"/>
+          </p:cNvCxnSpPr>
+          <p:nvPr/>
+        </p:nvCxnSpPr>
+        <p:spPr bwMode="auto">
+          <a:xfrm>
+            <a:off x="5459585" y="4197215"/>
+            <a:ext cx="1065868" cy="591797"/>
+          </a:xfrm>
+          <a:prstGeom prst="straightConnector1">
+            <a:avLst/>
+          </a:prstGeom>
+          <a:solidFill>
+            <a:schemeClr val="accent1"/>
+          </a:solidFill>
+          <a:ln w="38100" cap="flat" cmpd="sng" algn="ctr">
+            <a:solidFill>
+              <a:schemeClr val="tx2"/>
+            </a:solidFill>
+            <a:prstDash val="solid"/>
+            <a:round/>
+            <a:headEnd type="none" w="med" len="med"/>
+            <a:tailEnd type="triangle" w="lg" len="lg"/>
+          </a:ln>
+          <a:effectLst/>
+        </p:spPr>
+      </p:cxnSp>
+      <p:cxnSp>
+        <p:nvCxnSpPr>
+          <p:cNvPr id="32" name="Connecteur droit avec flèche 31"/>
+          <p:cNvCxnSpPr>
+            <a:stCxn id="12" idx="1"/>
+            <a:endCxn id="24" idx="3"/>
+          </p:cNvCxnSpPr>
+          <p:nvPr/>
+        </p:nvCxnSpPr>
+        <p:spPr bwMode="auto">
+          <a:xfrm flipH="1">
+            <a:off x="6400078" y="3477820"/>
+            <a:ext cx="238267" cy="10346"/>
+          </a:xfrm>
+          <a:prstGeom prst="straightConnector1">
+            <a:avLst/>
+          </a:prstGeom>
+          <a:solidFill>
+            <a:schemeClr val="accent1"/>
+          </a:solidFill>
+          <a:ln w="38100" cap="flat" cmpd="sng" algn="ctr">
+            <a:solidFill>
+              <a:schemeClr val="tx2"/>
+            </a:solidFill>
+            <a:prstDash val="solid"/>
+            <a:round/>
+            <a:headEnd type="none" w="med" len="med"/>
+            <a:tailEnd type="triangle" w="lg" len="lg"/>
+          </a:ln>
+          <a:effectLst/>
+        </p:spPr>
+      </p:cxnSp>
+    </p:spTree>
+    <p:extLst>
+      <p:ext uri="{BB962C8B-B14F-4D97-AF65-F5344CB8AC3E}">
+        <p14:creationId xmlns:p14="http://schemas.microsoft.com/office/powerpoint/2010/main" val="1634604216"/>
       </p:ext>
     </p:extLst>
   </p:cSld>

--- a/wip/omnicanal/slides.pptx
+++ b/wip/omnicanal/slides.pptx
@@ -543,7 +543,7 @@
             <a:fld id="{9174CE4A-3945-476E-9F9F-D25A0475318F}" type="datetimeFigureOut">
               <a:rPr lang="fr-FR" smtClean="0"/>
               <a:pPr/>
-              <a:t>14/06/2018</a:t>
+              <a:t>17/06/2018</a:t>
             </a:fld>
             <a:endParaRPr lang="fr-FR"/>
           </a:p>
@@ -1156,7 +1156,7 @@
           <p:cNvPr id="65" name="Rectangle 64">
             <a:extLst>
               <a:ext uri="{FF2B5EF4-FFF2-40B4-BE49-F238E27FC236}">
-                <a16:creationId xmlns:a16="http://schemas.microsoft.com/office/drawing/2014/main" xmlns="" id="{DAC2BD3D-F30D-4E09-AF38-DD12CCE211D7}"/>
+                <a16:creationId xmlns="" xmlns:a16="http://schemas.microsoft.com/office/drawing/2014/main" id="{DAC2BD3D-F30D-4E09-AF38-DD12CCE211D7}"/>
               </a:ext>
             </a:extLst>
           </p:cNvPr>
@@ -1222,7 +1222,7 @@
           <p:cNvPr id="2" name="Groupe 1">
             <a:extLst>
               <a:ext uri="{FF2B5EF4-FFF2-40B4-BE49-F238E27FC236}">
-                <a16:creationId xmlns:a16="http://schemas.microsoft.com/office/drawing/2014/main" xmlns="" id="{678F2DEF-A191-4732-B94A-D825BF029577}"/>
+                <a16:creationId xmlns="" xmlns:a16="http://schemas.microsoft.com/office/drawing/2014/main" id="{678F2DEF-A191-4732-B94A-D825BF029577}"/>
               </a:ext>
             </a:extLst>
           </p:cNvPr>
@@ -1242,7 +1242,7 @@
             <p:cNvPr id="67" name="Freeform 16">
               <a:extLst>
                 <a:ext uri="{FF2B5EF4-FFF2-40B4-BE49-F238E27FC236}">
-                  <a16:creationId xmlns:a16="http://schemas.microsoft.com/office/drawing/2014/main" xmlns="" id="{9065C895-ABC2-4BA1-9E70-522ECB4550DF}"/>
+                  <a16:creationId xmlns="" xmlns:a16="http://schemas.microsoft.com/office/drawing/2014/main" id="{9065C895-ABC2-4BA1-9E70-522ECB4550DF}"/>
                 </a:ext>
               </a:extLst>
             </p:cNvPr>
@@ -1375,7 +1375,7 @@
             </a:ln>
             <a:extLst>
               <a:ext uri="{91240B29-F687-4f45-9708-019B960494DF}">
-                <a14:hiddenLine xmlns="" xmlns:a14="http://schemas.microsoft.com/office/drawing/2010/main" w="9525">
+                <a14:hiddenLine xmlns:a14="http://schemas.microsoft.com/office/drawing/2010/main" xmlns="" w="9525">
                   <a:solidFill>
                     <a:srgbClr val="000000"/>
                   </a:solidFill>
@@ -1403,7 +1403,7 @@
             <p:cNvPr id="68" name="Freeform 17">
               <a:extLst>
                 <a:ext uri="{FF2B5EF4-FFF2-40B4-BE49-F238E27FC236}">
-                  <a16:creationId xmlns:a16="http://schemas.microsoft.com/office/drawing/2014/main" xmlns="" id="{CB0CBD82-F1C1-4C7E-8E64-786AEECF65D9}"/>
+                  <a16:creationId xmlns="" xmlns:a16="http://schemas.microsoft.com/office/drawing/2014/main" id="{CB0CBD82-F1C1-4C7E-8E64-786AEECF65D9}"/>
                 </a:ext>
               </a:extLst>
             </p:cNvPr>
@@ -1536,7 +1536,7 @@
             </a:ln>
             <a:extLst>
               <a:ext uri="{91240B29-F687-4f45-9708-019B960494DF}">
-                <a14:hiddenLine xmlns="" xmlns:a14="http://schemas.microsoft.com/office/drawing/2010/main" w="9525">
+                <a14:hiddenLine xmlns:a14="http://schemas.microsoft.com/office/drawing/2010/main" xmlns="" w="9525">
                   <a:solidFill>
                     <a:srgbClr val="000000"/>
                   </a:solidFill>
@@ -1564,7 +1564,7 @@
             <p:cNvPr id="69" name="Oval 18">
               <a:extLst>
                 <a:ext uri="{FF2B5EF4-FFF2-40B4-BE49-F238E27FC236}">
-                  <a16:creationId xmlns:a16="http://schemas.microsoft.com/office/drawing/2014/main" xmlns="" id="{A054D83A-47E5-4AD9-A149-0D88C16A7199}"/>
+                  <a16:creationId xmlns="" xmlns:a16="http://schemas.microsoft.com/office/drawing/2014/main" id="{A054D83A-47E5-4AD9-A149-0D88C16A7199}"/>
                 </a:ext>
               </a:extLst>
             </p:cNvPr>
@@ -1589,7 +1589,7 @@
             </a:ln>
             <a:extLst>
               <a:ext uri="{91240B29-F687-4f45-9708-019B960494DF}">
-                <a14:hiddenLine xmlns="" xmlns:a14="http://schemas.microsoft.com/office/drawing/2010/main" w="9525">
+                <a14:hiddenLine xmlns:a14="http://schemas.microsoft.com/office/drawing/2010/main" xmlns="" w="9525">
                   <a:solidFill>
                     <a:srgbClr val="000000"/>
                   </a:solidFill>
@@ -1617,7 +1617,7 @@
             <p:cNvPr id="70" name="Oval 19">
               <a:extLst>
                 <a:ext uri="{FF2B5EF4-FFF2-40B4-BE49-F238E27FC236}">
-                  <a16:creationId xmlns:a16="http://schemas.microsoft.com/office/drawing/2014/main" xmlns="" id="{BAAD1406-02A7-4C5F-A621-CF29B4125392}"/>
+                  <a16:creationId xmlns="" xmlns:a16="http://schemas.microsoft.com/office/drawing/2014/main" id="{BAAD1406-02A7-4C5F-A621-CF29B4125392}"/>
                 </a:ext>
               </a:extLst>
             </p:cNvPr>
@@ -1642,7 +1642,7 @@
             </a:ln>
             <a:extLst>
               <a:ext uri="{91240B29-F687-4f45-9708-019B960494DF}">
-                <a14:hiddenLine xmlns="" xmlns:a14="http://schemas.microsoft.com/office/drawing/2010/main" w="9525">
+                <a14:hiddenLine xmlns:a14="http://schemas.microsoft.com/office/drawing/2010/main" xmlns="" w="9525">
                   <a:solidFill>
                     <a:srgbClr val="000000"/>
                   </a:solidFill>
@@ -1670,7 +1670,7 @@
             <p:cNvPr id="71" name="Oval 20">
               <a:extLst>
                 <a:ext uri="{FF2B5EF4-FFF2-40B4-BE49-F238E27FC236}">
-                  <a16:creationId xmlns:a16="http://schemas.microsoft.com/office/drawing/2014/main" xmlns="" id="{F1385403-400C-4533-8412-FD1BEF733491}"/>
+                  <a16:creationId xmlns="" xmlns:a16="http://schemas.microsoft.com/office/drawing/2014/main" id="{F1385403-400C-4533-8412-FD1BEF733491}"/>
                 </a:ext>
               </a:extLst>
             </p:cNvPr>
@@ -1695,7 +1695,7 @@
             </a:ln>
             <a:extLst>
               <a:ext uri="{91240B29-F687-4f45-9708-019B960494DF}">
-                <a14:hiddenLine xmlns="" xmlns:a14="http://schemas.microsoft.com/office/drawing/2010/main" w="9525">
+                <a14:hiddenLine xmlns:a14="http://schemas.microsoft.com/office/drawing/2010/main" xmlns="" w="9525">
                   <a:solidFill>
                     <a:srgbClr val="000000"/>
                   </a:solidFill>
@@ -1723,7 +1723,7 @@
             <p:cNvPr id="72" name="Freeform 21">
               <a:extLst>
                 <a:ext uri="{FF2B5EF4-FFF2-40B4-BE49-F238E27FC236}">
-                  <a16:creationId xmlns:a16="http://schemas.microsoft.com/office/drawing/2014/main" xmlns="" id="{CBD796B4-7594-4BBD-B9F8-7126C8FA0DA0}"/>
+                  <a16:creationId xmlns="" xmlns:a16="http://schemas.microsoft.com/office/drawing/2014/main" id="{CBD796B4-7594-4BBD-B9F8-7126C8FA0DA0}"/>
                 </a:ext>
               </a:extLst>
             </p:cNvPr>
@@ -1856,7 +1856,7 @@
             </a:ln>
             <a:extLst>
               <a:ext uri="{91240B29-F687-4f45-9708-019B960494DF}">
-                <a14:hiddenLine xmlns="" xmlns:a14="http://schemas.microsoft.com/office/drawing/2010/main" w="9525">
+                <a14:hiddenLine xmlns:a14="http://schemas.microsoft.com/office/drawing/2010/main" xmlns="" w="9525">
                   <a:solidFill>
                     <a:srgbClr val="000000"/>
                   </a:solidFill>
@@ -1884,7 +1884,7 @@
             <p:cNvPr id="73" name="Freeform 22">
               <a:extLst>
                 <a:ext uri="{FF2B5EF4-FFF2-40B4-BE49-F238E27FC236}">
-                  <a16:creationId xmlns:a16="http://schemas.microsoft.com/office/drawing/2014/main" xmlns="" id="{C6469E4C-BA3D-44DA-AF94-2A9931BAD2E9}"/>
+                  <a16:creationId xmlns="" xmlns:a16="http://schemas.microsoft.com/office/drawing/2014/main" id="{C6469E4C-BA3D-44DA-AF94-2A9931BAD2E9}"/>
                 </a:ext>
               </a:extLst>
             </p:cNvPr>
@@ -1984,7 +1984,7 @@
             </a:ln>
             <a:extLst>
               <a:ext uri="{91240B29-F687-4f45-9708-019B960494DF}">
-                <a14:hiddenLine xmlns="" xmlns:a14="http://schemas.microsoft.com/office/drawing/2010/main" w="9525">
+                <a14:hiddenLine xmlns:a14="http://schemas.microsoft.com/office/drawing/2010/main" xmlns="" w="9525">
                   <a:solidFill>
                     <a:srgbClr val="000000"/>
                   </a:solidFill>
@@ -2012,7 +2012,7 @@
             <p:cNvPr id="74" name="Freeform 23">
               <a:extLst>
                 <a:ext uri="{FF2B5EF4-FFF2-40B4-BE49-F238E27FC236}">
-                  <a16:creationId xmlns:a16="http://schemas.microsoft.com/office/drawing/2014/main" xmlns="" id="{9006A303-9DC0-4635-8622-87758450354F}"/>
+                  <a16:creationId xmlns="" xmlns:a16="http://schemas.microsoft.com/office/drawing/2014/main" id="{9006A303-9DC0-4635-8622-87758450354F}"/>
                 </a:ext>
               </a:extLst>
             </p:cNvPr>
@@ -2152,7 +2152,7 @@
             </a:ln>
             <a:extLst>
               <a:ext uri="{91240B29-F687-4f45-9708-019B960494DF}">
-                <a14:hiddenLine xmlns="" xmlns:a14="http://schemas.microsoft.com/office/drawing/2010/main" w="9525">
+                <a14:hiddenLine xmlns:a14="http://schemas.microsoft.com/office/drawing/2010/main" xmlns="" w="9525">
                   <a:solidFill>
                     <a:srgbClr val="000000"/>
                   </a:solidFill>
@@ -2180,7 +2180,7 @@
             <p:cNvPr id="75" name="Freeform 24">
               <a:extLst>
                 <a:ext uri="{FF2B5EF4-FFF2-40B4-BE49-F238E27FC236}">
-                  <a16:creationId xmlns:a16="http://schemas.microsoft.com/office/drawing/2014/main" xmlns="" id="{6D80CC9A-0DB2-47E8-9104-F25E3DC9A198}"/>
+                  <a16:creationId xmlns="" xmlns:a16="http://schemas.microsoft.com/office/drawing/2014/main" id="{6D80CC9A-0DB2-47E8-9104-F25E3DC9A198}"/>
                 </a:ext>
               </a:extLst>
             </p:cNvPr>
@@ -2313,7 +2313,7 @@
             </a:ln>
             <a:extLst>
               <a:ext uri="{91240B29-F687-4f45-9708-019B960494DF}">
-                <a14:hiddenLine xmlns="" xmlns:a14="http://schemas.microsoft.com/office/drawing/2010/main" w="9525">
+                <a14:hiddenLine xmlns:a14="http://schemas.microsoft.com/office/drawing/2010/main" xmlns="" w="9525">
                   <a:solidFill>
                     <a:srgbClr val="000000"/>
                   </a:solidFill>
@@ -2341,7 +2341,7 @@
             <p:cNvPr id="76" name="Freeform 25">
               <a:extLst>
                 <a:ext uri="{FF2B5EF4-FFF2-40B4-BE49-F238E27FC236}">
-                  <a16:creationId xmlns:a16="http://schemas.microsoft.com/office/drawing/2014/main" xmlns="" id="{3BC3D495-807A-42D6-A934-D48D9D15CD5C}"/>
+                  <a16:creationId xmlns="" xmlns:a16="http://schemas.microsoft.com/office/drawing/2014/main" id="{3BC3D495-807A-42D6-A934-D48D9D15CD5C}"/>
                 </a:ext>
               </a:extLst>
             </p:cNvPr>
@@ -2474,7 +2474,7 @@
             </a:ln>
             <a:extLst>
               <a:ext uri="{91240B29-F687-4f45-9708-019B960494DF}">
-                <a14:hiddenLine xmlns="" xmlns:a14="http://schemas.microsoft.com/office/drawing/2010/main" w="9525">
+                <a14:hiddenLine xmlns:a14="http://schemas.microsoft.com/office/drawing/2010/main" xmlns="" w="9525">
                   <a:solidFill>
                     <a:srgbClr val="000000"/>
                   </a:solidFill>
@@ -2502,7 +2502,7 @@
             <p:cNvPr id="77" name="Oval 26">
               <a:extLst>
                 <a:ext uri="{FF2B5EF4-FFF2-40B4-BE49-F238E27FC236}">
-                  <a16:creationId xmlns:a16="http://schemas.microsoft.com/office/drawing/2014/main" xmlns="" id="{F192088B-3ACB-4E40-AE13-B3F6FE6077B3}"/>
+                  <a16:creationId xmlns="" xmlns:a16="http://schemas.microsoft.com/office/drawing/2014/main" id="{F192088B-3ACB-4E40-AE13-B3F6FE6077B3}"/>
                 </a:ext>
               </a:extLst>
             </p:cNvPr>
@@ -2527,7 +2527,7 @@
             </a:ln>
             <a:extLst>
               <a:ext uri="{91240B29-F687-4f45-9708-019B960494DF}">
-                <a14:hiddenLine xmlns="" xmlns:a14="http://schemas.microsoft.com/office/drawing/2010/main" w="9525">
+                <a14:hiddenLine xmlns:a14="http://schemas.microsoft.com/office/drawing/2010/main" xmlns="" w="9525">
                   <a:solidFill>
                     <a:srgbClr val="000000"/>
                   </a:solidFill>
@@ -2555,7 +2555,7 @@
             <p:cNvPr id="78" name="Oval 27">
               <a:extLst>
                 <a:ext uri="{FF2B5EF4-FFF2-40B4-BE49-F238E27FC236}">
-                  <a16:creationId xmlns:a16="http://schemas.microsoft.com/office/drawing/2014/main" xmlns="" id="{9CB526D3-D1E0-4A63-B591-2C5949945403}"/>
+                  <a16:creationId xmlns="" xmlns:a16="http://schemas.microsoft.com/office/drawing/2014/main" id="{9CB526D3-D1E0-4A63-B591-2C5949945403}"/>
                 </a:ext>
               </a:extLst>
             </p:cNvPr>
@@ -2580,7 +2580,7 @@
             </a:ln>
             <a:extLst>
               <a:ext uri="{91240B29-F687-4f45-9708-019B960494DF}">
-                <a14:hiddenLine xmlns="" xmlns:a14="http://schemas.microsoft.com/office/drawing/2010/main" w="9525">
+                <a14:hiddenLine xmlns:a14="http://schemas.microsoft.com/office/drawing/2010/main" xmlns="" w="9525">
                   <a:solidFill>
                     <a:srgbClr val="000000"/>
                   </a:solidFill>
@@ -2608,7 +2608,7 @@
             <p:cNvPr id="79" name="Oval 28">
               <a:extLst>
                 <a:ext uri="{FF2B5EF4-FFF2-40B4-BE49-F238E27FC236}">
-                  <a16:creationId xmlns:a16="http://schemas.microsoft.com/office/drawing/2014/main" xmlns="" id="{BF9FE296-C1E3-46DC-A754-8C4DE7B16992}"/>
+                  <a16:creationId xmlns="" xmlns:a16="http://schemas.microsoft.com/office/drawing/2014/main" id="{BF9FE296-C1E3-46DC-A754-8C4DE7B16992}"/>
                 </a:ext>
               </a:extLst>
             </p:cNvPr>
@@ -2633,7 +2633,7 @@
             </a:ln>
             <a:extLst>
               <a:ext uri="{91240B29-F687-4f45-9708-019B960494DF}">
-                <a14:hiddenLine xmlns="" xmlns:a14="http://schemas.microsoft.com/office/drawing/2010/main" w="9525">
+                <a14:hiddenLine xmlns:a14="http://schemas.microsoft.com/office/drawing/2010/main" xmlns="" w="9525">
                   <a:solidFill>
                     <a:srgbClr val="000000"/>
                   </a:solidFill>
@@ -2661,7 +2661,7 @@
             <p:cNvPr id="80" name="Freeform 29">
               <a:extLst>
                 <a:ext uri="{FF2B5EF4-FFF2-40B4-BE49-F238E27FC236}">
-                  <a16:creationId xmlns:a16="http://schemas.microsoft.com/office/drawing/2014/main" xmlns="" id="{454FA7F3-3934-43E7-ACFB-6238D9E36B95}"/>
+                  <a16:creationId xmlns="" xmlns:a16="http://schemas.microsoft.com/office/drawing/2014/main" id="{454FA7F3-3934-43E7-ACFB-6238D9E36B95}"/>
                 </a:ext>
               </a:extLst>
             </p:cNvPr>
@@ -2794,7 +2794,7 @@
             </a:ln>
             <a:extLst>
               <a:ext uri="{91240B29-F687-4f45-9708-019B960494DF}">
-                <a14:hiddenLine xmlns="" xmlns:a14="http://schemas.microsoft.com/office/drawing/2010/main" w="9525">
+                <a14:hiddenLine xmlns:a14="http://schemas.microsoft.com/office/drawing/2010/main" xmlns="" w="9525">
                   <a:solidFill>
                     <a:srgbClr val="000000"/>
                   </a:solidFill>
@@ -2822,7 +2822,7 @@
             <p:cNvPr id="81" name="Freeform 30">
               <a:extLst>
                 <a:ext uri="{FF2B5EF4-FFF2-40B4-BE49-F238E27FC236}">
-                  <a16:creationId xmlns:a16="http://schemas.microsoft.com/office/drawing/2014/main" xmlns="" id="{F47E77E9-0D0B-42C1-A8B8-C94B63CC5114}"/>
+                  <a16:creationId xmlns="" xmlns:a16="http://schemas.microsoft.com/office/drawing/2014/main" id="{F47E77E9-0D0B-42C1-A8B8-C94B63CC5114}"/>
                 </a:ext>
               </a:extLst>
             </p:cNvPr>
@@ -2922,7 +2922,7 @@
             </a:ln>
             <a:extLst>
               <a:ext uri="{91240B29-F687-4f45-9708-019B960494DF}">
-                <a14:hiddenLine xmlns="" xmlns:a14="http://schemas.microsoft.com/office/drawing/2010/main" w="9525">
+                <a14:hiddenLine xmlns:a14="http://schemas.microsoft.com/office/drawing/2010/main" xmlns="" w="9525">
                   <a:solidFill>
                     <a:srgbClr val="000000"/>
                   </a:solidFill>
@@ -2950,7 +2950,7 @@
             <p:cNvPr id="82" name="Freeform 31">
               <a:extLst>
                 <a:ext uri="{FF2B5EF4-FFF2-40B4-BE49-F238E27FC236}">
-                  <a16:creationId xmlns:a16="http://schemas.microsoft.com/office/drawing/2014/main" xmlns="" id="{1455675C-67D6-423B-9228-16BEA8E811B6}"/>
+                  <a16:creationId xmlns="" xmlns:a16="http://schemas.microsoft.com/office/drawing/2014/main" id="{1455675C-67D6-423B-9228-16BEA8E811B6}"/>
                 </a:ext>
               </a:extLst>
             </p:cNvPr>
@@ -3090,7 +3090,7 @@
             </a:ln>
             <a:extLst>
               <a:ext uri="{91240B29-F687-4f45-9708-019B960494DF}">
-                <a14:hiddenLine xmlns="" xmlns:a14="http://schemas.microsoft.com/office/drawing/2010/main" w="9525">
+                <a14:hiddenLine xmlns:a14="http://schemas.microsoft.com/office/drawing/2010/main" xmlns="" w="9525">
                   <a:solidFill>
                     <a:srgbClr val="000000"/>
                   </a:solidFill>
@@ -3118,7 +3118,7 @@
             <p:cNvPr id="83" name="Freeform 32">
               <a:extLst>
                 <a:ext uri="{FF2B5EF4-FFF2-40B4-BE49-F238E27FC236}">
-                  <a16:creationId xmlns:a16="http://schemas.microsoft.com/office/drawing/2014/main" xmlns="" id="{BF526C6B-3E39-4846-A820-77F5A305AE3C}"/>
+                  <a16:creationId xmlns="" xmlns:a16="http://schemas.microsoft.com/office/drawing/2014/main" id="{BF526C6B-3E39-4846-A820-77F5A305AE3C}"/>
                 </a:ext>
               </a:extLst>
             </p:cNvPr>
@@ -3186,7 +3186,7 @@
             </a:ln>
             <a:extLst>
               <a:ext uri="{91240B29-F687-4f45-9708-019B960494DF}">
-                <a14:hiddenLine xmlns="" xmlns:a14="http://schemas.microsoft.com/office/drawing/2010/main" w="9525">
+                <a14:hiddenLine xmlns:a14="http://schemas.microsoft.com/office/drawing/2010/main" xmlns="" w="9525">
                   <a:solidFill>
                     <a:srgbClr val="000000"/>
                   </a:solidFill>
@@ -3214,7 +3214,7 @@
             <p:cNvPr id="84" name="Freeform 33">
               <a:extLst>
                 <a:ext uri="{FF2B5EF4-FFF2-40B4-BE49-F238E27FC236}">
-                  <a16:creationId xmlns:a16="http://schemas.microsoft.com/office/drawing/2014/main" xmlns="" id="{0C9F02C9-A3C0-45C7-9185-D3CB68EDE808}"/>
+                  <a16:creationId xmlns="" xmlns:a16="http://schemas.microsoft.com/office/drawing/2014/main" id="{0C9F02C9-A3C0-45C7-9185-D3CB68EDE808}"/>
                 </a:ext>
               </a:extLst>
             </p:cNvPr>
@@ -3347,7 +3347,7 @@
             </a:ln>
             <a:extLst>
               <a:ext uri="{91240B29-F687-4f45-9708-019B960494DF}">
-                <a14:hiddenLine xmlns="" xmlns:a14="http://schemas.microsoft.com/office/drawing/2010/main" w="9525">
+                <a14:hiddenLine xmlns:a14="http://schemas.microsoft.com/office/drawing/2010/main" xmlns="" w="9525">
                   <a:solidFill>
                     <a:srgbClr val="000000"/>
                   </a:solidFill>
@@ -3375,7 +3375,7 @@
             <p:cNvPr id="85" name="Freeform 34">
               <a:extLst>
                 <a:ext uri="{FF2B5EF4-FFF2-40B4-BE49-F238E27FC236}">
-                  <a16:creationId xmlns:a16="http://schemas.microsoft.com/office/drawing/2014/main" xmlns="" id="{90DF2138-1C84-46D4-8778-8585160EF88A}"/>
+                  <a16:creationId xmlns="" xmlns:a16="http://schemas.microsoft.com/office/drawing/2014/main" id="{90DF2138-1C84-46D4-8778-8585160EF88A}"/>
                 </a:ext>
               </a:extLst>
             </p:cNvPr>
@@ -3508,7 +3508,7 @@
             </a:ln>
             <a:extLst>
               <a:ext uri="{91240B29-F687-4f45-9708-019B960494DF}">
-                <a14:hiddenLine xmlns="" xmlns:a14="http://schemas.microsoft.com/office/drawing/2010/main" w="9525">
+                <a14:hiddenLine xmlns:a14="http://schemas.microsoft.com/office/drawing/2010/main" xmlns="" w="9525">
                   <a:solidFill>
                     <a:srgbClr val="000000"/>
                   </a:solidFill>
@@ -3536,7 +3536,7 @@
             <p:cNvPr id="86" name="Oval 35">
               <a:extLst>
                 <a:ext uri="{FF2B5EF4-FFF2-40B4-BE49-F238E27FC236}">
-                  <a16:creationId xmlns:a16="http://schemas.microsoft.com/office/drawing/2014/main" xmlns="" id="{0816FF9E-F9A4-45E7-9452-A3AB5C9FC622}"/>
+                  <a16:creationId xmlns="" xmlns:a16="http://schemas.microsoft.com/office/drawing/2014/main" id="{0816FF9E-F9A4-45E7-9452-A3AB5C9FC622}"/>
                 </a:ext>
               </a:extLst>
             </p:cNvPr>
@@ -3561,7 +3561,7 @@
             </a:ln>
             <a:extLst>
               <a:ext uri="{91240B29-F687-4f45-9708-019B960494DF}">
-                <a14:hiddenLine xmlns="" xmlns:a14="http://schemas.microsoft.com/office/drawing/2010/main" w="9525">
+                <a14:hiddenLine xmlns:a14="http://schemas.microsoft.com/office/drawing/2010/main" xmlns="" w="9525">
                   <a:solidFill>
                     <a:srgbClr val="000000"/>
                   </a:solidFill>
@@ -3589,7 +3589,7 @@
             <p:cNvPr id="87" name="Oval 36">
               <a:extLst>
                 <a:ext uri="{FF2B5EF4-FFF2-40B4-BE49-F238E27FC236}">
-                  <a16:creationId xmlns:a16="http://schemas.microsoft.com/office/drawing/2014/main" xmlns="" id="{C838B80C-7BF6-4D16-B4CE-821D9F501E90}"/>
+                  <a16:creationId xmlns="" xmlns:a16="http://schemas.microsoft.com/office/drawing/2014/main" id="{C838B80C-7BF6-4D16-B4CE-821D9F501E90}"/>
                 </a:ext>
               </a:extLst>
             </p:cNvPr>
@@ -3614,7 +3614,7 @@
             </a:ln>
             <a:extLst>
               <a:ext uri="{91240B29-F687-4f45-9708-019B960494DF}">
-                <a14:hiddenLine xmlns="" xmlns:a14="http://schemas.microsoft.com/office/drawing/2010/main" w="9525">
+                <a14:hiddenLine xmlns:a14="http://schemas.microsoft.com/office/drawing/2010/main" xmlns="" w="9525">
                   <a:solidFill>
                     <a:srgbClr val="000000"/>
                   </a:solidFill>
@@ -3642,7 +3642,7 @@
             <p:cNvPr id="88" name="Oval 37">
               <a:extLst>
                 <a:ext uri="{FF2B5EF4-FFF2-40B4-BE49-F238E27FC236}">
-                  <a16:creationId xmlns:a16="http://schemas.microsoft.com/office/drawing/2014/main" xmlns="" id="{2664348C-28C6-4FCF-B395-AA547E04787D}"/>
+                  <a16:creationId xmlns="" xmlns:a16="http://schemas.microsoft.com/office/drawing/2014/main" id="{2664348C-28C6-4FCF-B395-AA547E04787D}"/>
                 </a:ext>
               </a:extLst>
             </p:cNvPr>
@@ -3667,7 +3667,7 @@
             </a:ln>
             <a:extLst>
               <a:ext uri="{91240B29-F687-4f45-9708-019B960494DF}">
-                <a14:hiddenLine xmlns="" xmlns:a14="http://schemas.microsoft.com/office/drawing/2010/main" w="9525">
+                <a14:hiddenLine xmlns:a14="http://schemas.microsoft.com/office/drawing/2010/main" xmlns="" w="9525">
                   <a:solidFill>
                     <a:srgbClr val="000000"/>
                   </a:solidFill>
@@ -3695,7 +3695,7 @@
             <p:cNvPr id="89" name="Freeform 38">
               <a:extLst>
                 <a:ext uri="{FF2B5EF4-FFF2-40B4-BE49-F238E27FC236}">
-                  <a16:creationId xmlns:a16="http://schemas.microsoft.com/office/drawing/2014/main" xmlns="" id="{C239B007-982E-43A6-8C3C-C7C998402056}"/>
+                  <a16:creationId xmlns="" xmlns:a16="http://schemas.microsoft.com/office/drawing/2014/main" id="{C239B007-982E-43A6-8C3C-C7C998402056}"/>
                 </a:ext>
               </a:extLst>
             </p:cNvPr>
@@ -3828,7 +3828,7 @@
             </a:ln>
             <a:extLst>
               <a:ext uri="{91240B29-F687-4f45-9708-019B960494DF}">
-                <a14:hiddenLine xmlns="" xmlns:a14="http://schemas.microsoft.com/office/drawing/2010/main" w="9525">
+                <a14:hiddenLine xmlns:a14="http://schemas.microsoft.com/office/drawing/2010/main" xmlns="" w="9525">
                   <a:solidFill>
                     <a:srgbClr val="000000"/>
                   </a:solidFill>
@@ -3856,7 +3856,7 @@
             <p:cNvPr id="90" name="Freeform 39">
               <a:extLst>
                 <a:ext uri="{FF2B5EF4-FFF2-40B4-BE49-F238E27FC236}">
-                  <a16:creationId xmlns:a16="http://schemas.microsoft.com/office/drawing/2014/main" xmlns="" id="{BD36DE13-21E5-4270-BF53-1A521DC0C342}"/>
+                  <a16:creationId xmlns="" xmlns:a16="http://schemas.microsoft.com/office/drawing/2014/main" id="{BD36DE13-21E5-4270-BF53-1A521DC0C342}"/>
                 </a:ext>
               </a:extLst>
             </p:cNvPr>
@@ -3956,7 +3956,7 @@
             </a:ln>
             <a:extLst>
               <a:ext uri="{91240B29-F687-4f45-9708-019B960494DF}">
-                <a14:hiddenLine xmlns="" xmlns:a14="http://schemas.microsoft.com/office/drawing/2010/main" w="9525">
+                <a14:hiddenLine xmlns:a14="http://schemas.microsoft.com/office/drawing/2010/main" xmlns="" w="9525">
                   <a:solidFill>
                     <a:srgbClr val="000000"/>
                   </a:solidFill>
@@ -3984,7 +3984,7 @@
             <p:cNvPr id="91" name="Freeform 40">
               <a:extLst>
                 <a:ext uri="{FF2B5EF4-FFF2-40B4-BE49-F238E27FC236}">
-                  <a16:creationId xmlns:a16="http://schemas.microsoft.com/office/drawing/2014/main" xmlns="" id="{10DCD4BD-4788-426E-BDDD-3E1BB6F298D9}"/>
+                  <a16:creationId xmlns="" xmlns:a16="http://schemas.microsoft.com/office/drawing/2014/main" id="{10DCD4BD-4788-426E-BDDD-3E1BB6F298D9}"/>
                 </a:ext>
               </a:extLst>
             </p:cNvPr>
@@ -4124,7 +4124,7 @@
             </a:ln>
             <a:extLst>
               <a:ext uri="{91240B29-F687-4f45-9708-019B960494DF}">
-                <a14:hiddenLine xmlns="" xmlns:a14="http://schemas.microsoft.com/office/drawing/2010/main" w="9525">
+                <a14:hiddenLine xmlns:a14="http://schemas.microsoft.com/office/drawing/2010/main" xmlns="" w="9525">
                   <a:solidFill>
                     <a:srgbClr val="000000"/>
                   </a:solidFill>
@@ -4152,7 +4152,7 @@
             <p:cNvPr id="92" name="Freeform 41">
               <a:extLst>
                 <a:ext uri="{FF2B5EF4-FFF2-40B4-BE49-F238E27FC236}">
-                  <a16:creationId xmlns:a16="http://schemas.microsoft.com/office/drawing/2014/main" xmlns="" id="{FEF4CBF7-5365-48B8-8E31-9C2E284C94F1}"/>
+                  <a16:creationId xmlns="" xmlns:a16="http://schemas.microsoft.com/office/drawing/2014/main" id="{FEF4CBF7-5365-48B8-8E31-9C2E284C94F1}"/>
                 </a:ext>
               </a:extLst>
             </p:cNvPr>
@@ -4220,7 +4220,7 @@
             </a:ln>
             <a:extLst>
               <a:ext uri="{91240B29-F687-4f45-9708-019B960494DF}">
-                <a14:hiddenLine xmlns="" xmlns:a14="http://schemas.microsoft.com/office/drawing/2010/main" w="9525">
+                <a14:hiddenLine xmlns:a14="http://schemas.microsoft.com/office/drawing/2010/main" xmlns="" w="9525">
                   <a:solidFill>
                     <a:srgbClr val="000000"/>
                   </a:solidFill>
@@ -4248,7 +4248,7 @@
             <p:cNvPr id="93" name="Freeform 42">
               <a:extLst>
                 <a:ext uri="{FF2B5EF4-FFF2-40B4-BE49-F238E27FC236}">
-                  <a16:creationId xmlns:a16="http://schemas.microsoft.com/office/drawing/2014/main" xmlns="" id="{6B4C49B7-3135-4EB2-92F5-D28216A583AB}"/>
+                  <a16:creationId xmlns="" xmlns:a16="http://schemas.microsoft.com/office/drawing/2014/main" id="{6B4C49B7-3135-4EB2-92F5-D28216A583AB}"/>
                 </a:ext>
               </a:extLst>
             </p:cNvPr>
@@ -4381,7 +4381,7 @@
             </a:ln>
             <a:extLst>
               <a:ext uri="{91240B29-F687-4f45-9708-019B960494DF}">
-                <a14:hiddenLine xmlns="" xmlns:a14="http://schemas.microsoft.com/office/drawing/2010/main" w="9525">
+                <a14:hiddenLine xmlns:a14="http://schemas.microsoft.com/office/drawing/2010/main" xmlns="" w="9525">
                   <a:solidFill>
                     <a:srgbClr val="000000"/>
                   </a:solidFill>
@@ -4409,7 +4409,7 @@
             <p:cNvPr id="94" name="Freeform 43">
               <a:extLst>
                 <a:ext uri="{FF2B5EF4-FFF2-40B4-BE49-F238E27FC236}">
-                  <a16:creationId xmlns:a16="http://schemas.microsoft.com/office/drawing/2014/main" xmlns="" id="{2D0C9EB9-0F19-4295-8DD0-7C8E2C593D77}"/>
+                  <a16:creationId xmlns="" xmlns:a16="http://schemas.microsoft.com/office/drawing/2014/main" id="{2D0C9EB9-0F19-4295-8DD0-7C8E2C593D77}"/>
                 </a:ext>
               </a:extLst>
             </p:cNvPr>
@@ -4542,7 +4542,7 @@
             </a:ln>
             <a:extLst>
               <a:ext uri="{91240B29-F687-4f45-9708-019B960494DF}">
-                <a14:hiddenLine xmlns="" xmlns:a14="http://schemas.microsoft.com/office/drawing/2010/main" w="9525">
+                <a14:hiddenLine xmlns:a14="http://schemas.microsoft.com/office/drawing/2010/main" xmlns="" w="9525">
                   <a:solidFill>
                     <a:srgbClr val="000000"/>
                   </a:solidFill>
@@ -4570,7 +4570,7 @@
             <p:cNvPr id="95" name="Oval 44">
               <a:extLst>
                 <a:ext uri="{FF2B5EF4-FFF2-40B4-BE49-F238E27FC236}">
-                  <a16:creationId xmlns:a16="http://schemas.microsoft.com/office/drawing/2014/main" xmlns="" id="{B7D28315-AC60-4F12-9BD7-160A197C807B}"/>
+                  <a16:creationId xmlns="" xmlns:a16="http://schemas.microsoft.com/office/drawing/2014/main" id="{B7D28315-AC60-4F12-9BD7-160A197C807B}"/>
                 </a:ext>
               </a:extLst>
             </p:cNvPr>
@@ -4595,7 +4595,7 @@
             </a:ln>
             <a:extLst>
               <a:ext uri="{91240B29-F687-4f45-9708-019B960494DF}">
-                <a14:hiddenLine xmlns="" xmlns:a14="http://schemas.microsoft.com/office/drawing/2010/main" w="9525">
+                <a14:hiddenLine xmlns:a14="http://schemas.microsoft.com/office/drawing/2010/main" xmlns="" w="9525">
                   <a:solidFill>
                     <a:srgbClr val="000000"/>
                   </a:solidFill>
@@ -4623,7 +4623,7 @@
             <p:cNvPr id="96" name="Oval 45">
               <a:extLst>
                 <a:ext uri="{FF2B5EF4-FFF2-40B4-BE49-F238E27FC236}">
-                  <a16:creationId xmlns:a16="http://schemas.microsoft.com/office/drawing/2014/main" xmlns="" id="{257E426D-A08D-4A3E-BA02-57BED8CA0099}"/>
+                  <a16:creationId xmlns="" xmlns:a16="http://schemas.microsoft.com/office/drawing/2014/main" id="{257E426D-A08D-4A3E-BA02-57BED8CA0099}"/>
                 </a:ext>
               </a:extLst>
             </p:cNvPr>
@@ -4648,7 +4648,7 @@
             </a:ln>
             <a:extLst>
               <a:ext uri="{91240B29-F687-4f45-9708-019B960494DF}">
-                <a14:hiddenLine xmlns="" xmlns:a14="http://schemas.microsoft.com/office/drawing/2010/main" w="9525">
+                <a14:hiddenLine xmlns:a14="http://schemas.microsoft.com/office/drawing/2010/main" xmlns="" w="9525">
                   <a:solidFill>
                     <a:srgbClr val="000000"/>
                   </a:solidFill>
@@ -4676,7 +4676,7 @@
             <p:cNvPr id="97" name="Oval 46">
               <a:extLst>
                 <a:ext uri="{FF2B5EF4-FFF2-40B4-BE49-F238E27FC236}">
-                  <a16:creationId xmlns:a16="http://schemas.microsoft.com/office/drawing/2014/main" xmlns="" id="{456DF678-7FF3-40D2-B1C9-CCC326EE155C}"/>
+                  <a16:creationId xmlns="" xmlns:a16="http://schemas.microsoft.com/office/drawing/2014/main" id="{456DF678-7FF3-40D2-B1C9-CCC326EE155C}"/>
                 </a:ext>
               </a:extLst>
             </p:cNvPr>
@@ -4701,7 +4701,7 @@
             </a:ln>
             <a:extLst>
               <a:ext uri="{91240B29-F687-4f45-9708-019B960494DF}">
-                <a14:hiddenLine xmlns="" xmlns:a14="http://schemas.microsoft.com/office/drawing/2010/main" w="9525">
+                <a14:hiddenLine xmlns:a14="http://schemas.microsoft.com/office/drawing/2010/main" xmlns="" w="9525">
                   <a:solidFill>
                     <a:srgbClr val="000000"/>
                   </a:solidFill>
@@ -4729,7 +4729,7 @@
             <p:cNvPr id="98" name="Freeform 47">
               <a:extLst>
                 <a:ext uri="{FF2B5EF4-FFF2-40B4-BE49-F238E27FC236}">
-                  <a16:creationId xmlns:a16="http://schemas.microsoft.com/office/drawing/2014/main" xmlns="" id="{0909DE71-F161-4D75-8B0F-C5615F34B22A}"/>
+                  <a16:creationId xmlns="" xmlns:a16="http://schemas.microsoft.com/office/drawing/2014/main" id="{0909DE71-F161-4D75-8B0F-C5615F34B22A}"/>
                 </a:ext>
               </a:extLst>
             </p:cNvPr>
@@ -4862,7 +4862,7 @@
             </a:ln>
             <a:extLst>
               <a:ext uri="{91240B29-F687-4f45-9708-019B960494DF}">
-                <a14:hiddenLine xmlns="" xmlns:a14="http://schemas.microsoft.com/office/drawing/2010/main" w="9525">
+                <a14:hiddenLine xmlns:a14="http://schemas.microsoft.com/office/drawing/2010/main" xmlns="" w="9525">
                   <a:solidFill>
                     <a:srgbClr val="000000"/>
                   </a:solidFill>
@@ -4890,7 +4890,7 @@
             <p:cNvPr id="99" name="Freeform 48">
               <a:extLst>
                 <a:ext uri="{FF2B5EF4-FFF2-40B4-BE49-F238E27FC236}">
-                  <a16:creationId xmlns:a16="http://schemas.microsoft.com/office/drawing/2014/main" xmlns="" id="{A5C50A28-7082-4E72-B482-42A519B76778}"/>
+                  <a16:creationId xmlns="" xmlns:a16="http://schemas.microsoft.com/office/drawing/2014/main" id="{A5C50A28-7082-4E72-B482-42A519B76778}"/>
                 </a:ext>
               </a:extLst>
             </p:cNvPr>
@@ -4990,7 +4990,7 @@
             </a:ln>
             <a:extLst>
               <a:ext uri="{91240B29-F687-4f45-9708-019B960494DF}">
-                <a14:hiddenLine xmlns="" xmlns:a14="http://schemas.microsoft.com/office/drawing/2010/main" w="9525">
+                <a14:hiddenLine xmlns:a14="http://schemas.microsoft.com/office/drawing/2010/main" xmlns="" w="9525">
                   <a:solidFill>
                     <a:srgbClr val="000000"/>
                   </a:solidFill>
@@ -5018,7 +5018,7 @@
             <p:cNvPr id="100" name="Freeform 49">
               <a:extLst>
                 <a:ext uri="{FF2B5EF4-FFF2-40B4-BE49-F238E27FC236}">
-                  <a16:creationId xmlns:a16="http://schemas.microsoft.com/office/drawing/2014/main" xmlns="" id="{2688176B-B99B-40F5-BF5E-B7B9F89F99E0}"/>
+                  <a16:creationId xmlns="" xmlns:a16="http://schemas.microsoft.com/office/drawing/2014/main" id="{2688176B-B99B-40F5-BF5E-B7B9F89F99E0}"/>
                 </a:ext>
               </a:extLst>
             </p:cNvPr>
@@ -5158,7 +5158,7 @@
             </a:ln>
             <a:extLst>
               <a:ext uri="{91240B29-F687-4f45-9708-019B960494DF}">
-                <a14:hiddenLine xmlns="" xmlns:a14="http://schemas.microsoft.com/office/drawing/2010/main" w="9525">
+                <a14:hiddenLine xmlns:a14="http://schemas.microsoft.com/office/drawing/2010/main" xmlns="" w="9525">
                   <a:solidFill>
                     <a:srgbClr val="000000"/>
                   </a:solidFill>
@@ -5186,7 +5186,7 @@
             <p:cNvPr id="101" name="Freeform 50">
               <a:extLst>
                 <a:ext uri="{FF2B5EF4-FFF2-40B4-BE49-F238E27FC236}">
-                  <a16:creationId xmlns:a16="http://schemas.microsoft.com/office/drawing/2014/main" xmlns="" id="{1C45397B-8D76-4F97-BEDF-3AC108D950C7}"/>
+                  <a16:creationId xmlns="" xmlns:a16="http://schemas.microsoft.com/office/drawing/2014/main" id="{1C45397B-8D76-4F97-BEDF-3AC108D950C7}"/>
                 </a:ext>
               </a:extLst>
             </p:cNvPr>
@@ -5254,7 +5254,7 @@
             </a:ln>
             <a:extLst>
               <a:ext uri="{91240B29-F687-4f45-9708-019B960494DF}">
-                <a14:hiddenLine xmlns="" xmlns:a14="http://schemas.microsoft.com/office/drawing/2010/main" w="9525">
+                <a14:hiddenLine xmlns:a14="http://schemas.microsoft.com/office/drawing/2010/main" xmlns="" w="9525">
                   <a:solidFill>
                     <a:srgbClr val="000000"/>
                   </a:solidFill>
@@ -5282,7 +5282,7 @@
             <p:cNvPr id="102" name="Freeform 51">
               <a:extLst>
                 <a:ext uri="{FF2B5EF4-FFF2-40B4-BE49-F238E27FC236}">
-                  <a16:creationId xmlns:a16="http://schemas.microsoft.com/office/drawing/2014/main" xmlns="" id="{9CFCB0FA-DD87-4C92-B3E1-CFD004752941}"/>
+                  <a16:creationId xmlns="" xmlns:a16="http://schemas.microsoft.com/office/drawing/2014/main" id="{9CFCB0FA-DD87-4C92-B3E1-CFD004752941}"/>
                 </a:ext>
               </a:extLst>
             </p:cNvPr>
@@ -5415,7 +5415,7 @@
             </a:ln>
             <a:extLst>
               <a:ext uri="{91240B29-F687-4f45-9708-019B960494DF}">
-                <a14:hiddenLine xmlns="" xmlns:a14="http://schemas.microsoft.com/office/drawing/2010/main" w="9525">
+                <a14:hiddenLine xmlns:a14="http://schemas.microsoft.com/office/drawing/2010/main" xmlns="" w="9525">
                   <a:solidFill>
                     <a:srgbClr val="000000"/>
                   </a:solidFill>
@@ -5443,7 +5443,7 @@
             <p:cNvPr id="103" name="Freeform 52">
               <a:extLst>
                 <a:ext uri="{FF2B5EF4-FFF2-40B4-BE49-F238E27FC236}">
-                  <a16:creationId xmlns:a16="http://schemas.microsoft.com/office/drawing/2014/main" xmlns="" id="{AD94F72C-CC90-422E-9D08-4CDCDA8BB87D}"/>
+                  <a16:creationId xmlns="" xmlns:a16="http://schemas.microsoft.com/office/drawing/2014/main" id="{AD94F72C-CC90-422E-9D08-4CDCDA8BB87D}"/>
                 </a:ext>
               </a:extLst>
             </p:cNvPr>
@@ -5576,7 +5576,7 @@
             </a:ln>
             <a:extLst>
               <a:ext uri="{91240B29-F687-4f45-9708-019B960494DF}">
-                <a14:hiddenLine xmlns="" xmlns:a14="http://schemas.microsoft.com/office/drawing/2010/main" w="9525">
+                <a14:hiddenLine xmlns:a14="http://schemas.microsoft.com/office/drawing/2010/main" xmlns="" w="9525">
                   <a:solidFill>
                     <a:srgbClr val="000000"/>
                   </a:solidFill>
@@ -5604,7 +5604,7 @@
             <p:cNvPr id="104" name="Oval 53">
               <a:extLst>
                 <a:ext uri="{FF2B5EF4-FFF2-40B4-BE49-F238E27FC236}">
-                  <a16:creationId xmlns:a16="http://schemas.microsoft.com/office/drawing/2014/main" xmlns="" id="{A541BAA6-0F3B-4A5F-95F1-1190D7CAF2D1}"/>
+                  <a16:creationId xmlns="" xmlns:a16="http://schemas.microsoft.com/office/drawing/2014/main" id="{A541BAA6-0F3B-4A5F-95F1-1190D7CAF2D1}"/>
                 </a:ext>
               </a:extLst>
             </p:cNvPr>
@@ -5629,7 +5629,7 @@
             </a:ln>
             <a:extLst>
               <a:ext uri="{91240B29-F687-4f45-9708-019B960494DF}">
-                <a14:hiddenLine xmlns="" xmlns:a14="http://schemas.microsoft.com/office/drawing/2010/main" w="9525">
+                <a14:hiddenLine xmlns:a14="http://schemas.microsoft.com/office/drawing/2010/main" xmlns="" w="9525">
                   <a:solidFill>
                     <a:srgbClr val="000000"/>
                   </a:solidFill>
@@ -5657,7 +5657,7 @@
             <p:cNvPr id="105" name="Freeform 59">
               <a:extLst>
                 <a:ext uri="{FF2B5EF4-FFF2-40B4-BE49-F238E27FC236}">
-                  <a16:creationId xmlns:a16="http://schemas.microsoft.com/office/drawing/2014/main" xmlns="" id="{398827D7-5E4B-4CC9-9B4E-26A8F8637B7F}"/>
+                  <a16:creationId xmlns="" xmlns:a16="http://schemas.microsoft.com/office/drawing/2014/main" id="{398827D7-5E4B-4CC9-9B4E-26A8F8637B7F}"/>
                 </a:ext>
               </a:extLst>
             </p:cNvPr>
@@ -5725,7 +5725,7 @@
             </a:ln>
             <a:extLst>
               <a:ext uri="{91240B29-F687-4f45-9708-019B960494DF}">
-                <a14:hiddenLine xmlns="" xmlns:a14="http://schemas.microsoft.com/office/drawing/2010/main" w="9525">
+                <a14:hiddenLine xmlns:a14="http://schemas.microsoft.com/office/drawing/2010/main" xmlns="" w="9525">
                   <a:solidFill>
                     <a:srgbClr val="000000"/>
                   </a:solidFill>
@@ -5753,7 +5753,7 @@
             <p:cNvPr id="106" name="Freeform 16">
               <a:extLst>
                 <a:ext uri="{FF2B5EF4-FFF2-40B4-BE49-F238E27FC236}">
-                  <a16:creationId xmlns:a16="http://schemas.microsoft.com/office/drawing/2014/main" xmlns="" id="{31CE89DB-F37E-4DA9-A8B2-F469E38E28CB}"/>
+                  <a16:creationId xmlns="" xmlns:a16="http://schemas.microsoft.com/office/drawing/2014/main" id="{31CE89DB-F37E-4DA9-A8B2-F469E38E28CB}"/>
                 </a:ext>
               </a:extLst>
             </p:cNvPr>
@@ -5886,7 +5886,7 @@
             </a:ln>
             <a:extLst>
               <a:ext uri="{91240B29-F687-4f45-9708-019B960494DF}">
-                <a14:hiddenLine xmlns="" xmlns:a14="http://schemas.microsoft.com/office/drawing/2010/main" w="9525">
+                <a14:hiddenLine xmlns:a14="http://schemas.microsoft.com/office/drawing/2010/main" xmlns="" w="9525">
                   <a:solidFill>
                     <a:srgbClr val="000000"/>
                   </a:solidFill>
@@ -5914,7 +5914,7 @@
             <p:cNvPr id="107" name="Freeform 17">
               <a:extLst>
                 <a:ext uri="{FF2B5EF4-FFF2-40B4-BE49-F238E27FC236}">
-                  <a16:creationId xmlns:a16="http://schemas.microsoft.com/office/drawing/2014/main" xmlns="" id="{FFEF1B2B-4687-411D-B1E8-4B4F075B9723}"/>
+                  <a16:creationId xmlns="" xmlns:a16="http://schemas.microsoft.com/office/drawing/2014/main" id="{FFEF1B2B-4687-411D-B1E8-4B4F075B9723}"/>
                 </a:ext>
               </a:extLst>
             </p:cNvPr>
@@ -6047,7 +6047,7 @@
             </a:ln>
             <a:extLst>
               <a:ext uri="{91240B29-F687-4f45-9708-019B960494DF}">
-                <a14:hiddenLine xmlns="" xmlns:a14="http://schemas.microsoft.com/office/drawing/2010/main" w="9525">
+                <a14:hiddenLine xmlns:a14="http://schemas.microsoft.com/office/drawing/2010/main" xmlns="" w="9525">
                   <a:solidFill>
                     <a:srgbClr val="000000"/>
                   </a:solidFill>
@@ -6075,7 +6075,7 @@
             <p:cNvPr id="108" name="Oval 18">
               <a:extLst>
                 <a:ext uri="{FF2B5EF4-FFF2-40B4-BE49-F238E27FC236}">
-                  <a16:creationId xmlns:a16="http://schemas.microsoft.com/office/drawing/2014/main" xmlns="" id="{8B436B09-C989-48F9-B988-02257B53AD95}"/>
+                  <a16:creationId xmlns="" xmlns:a16="http://schemas.microsoft.com/office/drawing/2014/main" id="{8B436B09-C989-48F9-B988-02257B53AD95}"/>
                 </a:ext>
               </a:extLst>
             </p:cNvPr>
@@ -6100,7 +6100,7 @@
             </a:ln>
             <a:extLst>
               <a:ext uri="{91240B29-F687-4f45-9708-019B960494DF}">
-                <a14:hiddenLine xmlns="" xmlns:a14="http://schemas.microsoft.com/office/drawing/2010/main" w="9525">
+                <a14:hiddenLine xmlns:a14="http://schemas.microsoft.com/office/drawing/2010/main" xmlns="" w="9525">
                   <a:solidFill>
                     <a:srgbClr val="000000"/>
                   </a:solidFill>
@@ -6128,7 +6128,7 @@
             <p:cNvPr id="109" name="Oval 19">
               <a:extLst>
                 <a:ext uri="{FF2B5EF4-FFF2-40B4-BE49-F238E27FC236}">
-                  <a16:creationId xmlns:a16="http://schemas.microsoft.com/office/drawing/2014/main" xmlns="" id="{80142D17-F659-4531-B720-7EE9C9EADBBC}"/>
+                  <a16:creationId xmlns="" xmlns:a16="http://schemas.microsoft.com/office/drawing/2014/main" id="{80142D17-F659-4531-B720-7EE9C9EADBBC}"/>
                 </a:ext>
               </a:extLst>
             </p:cNvPr>
@@ -6153,7 +6153,7 @@
             </a:ln>
             <a:extLst>
               <a:ext uri="{91240B29-F687-4f45-9708-019B960494DF}">
-                <a14:hiddenLine xmlns="" xmlns:a14="http://schemas.microsoft.com/office/drawing/2010/main" w="9525">
+                <a14:hiddenLine xmlns:a14="http://schemas.microsoft.com/office/drawing/2010/main" xmlns="" w="9525">
                   <a:solidFill>
                     <a:srgbClr val="000000"/>
                   </a:solidFill>
@@ -6181,7 +6181,7 @@
             <p:cNvPr id="110" name="Oval 20">
               <a:extLst>
                 <a:ext uri="{FF2B5EF4-FFF2-40B4-BE49-F238E27FC236}">
-                  <a16:creationId xmlns:a16="http://schemas.microsoft.com/office/drawing/2014/main" xmlns="" id="{FBB8A711-39DF-4380-BF61-2E5362E1FFDF}"/>
+                  <a16:creationId xmlns="" xmlns:a16="http://schemas.microsoft.com/office/drawing/2014/main" id="{FBB8A711-39DF-4380-BF61-2E5362E1FFDF}"/>
                 </a:ext>
               </a:extLst>
             </p:cNvPr>
@@ -6206,7 +6206,7 @@
             </a:ln>
             <a:extLst>
               <a:ext uri="{91240B29-F687-4f45-9708-019B960494DF}">
-                <a14:hiddenLine xmlns="" xmlns:a14="http://schemas.microsoft.com/office/drawing/2010/main" w="9525">
+                <a14:hiddenLine xmlns:a14="http://schemas.microsoft.com/office/drawing/2010/main" xmlns="" w="9525">
                   <a:solidFill>
                     <a:srgbClr val="000000"/>
                   </a:solidFill>
@@ -6234,7 +6234,7 @@
             <p:cNvPr id="111" name="Freeform 21">
               <a:extLst>
                 <a:ext uri="{FF2B5EF4-FFF2-40B4-BE49-F238E27FC236}">
-                  <a16:creationId xmlns:a16="http://schemas.microsoft.com/office/drawing/2014/main" xmlns="" id="{CEE46B9B-39A5-407E-96F7-BEC712CCD442}"/>
+                  <a16:creationId xmlns="" xmlns:a16="http://schemas.microsoft.com/office/drawing/2014/main" id="{CEE46B9B-39A5-407E-96F7-BEC712CCD442}"/>
                 </a:ext>
               </a:extLst>
             </p:cNvPr>
@@ -6367,7 +6367,7 @@
             </a:ln>
             <a:extLst>
               <a:ext uri="{91240B29-F687-4f45-9708-019B960494DF}">
-                <a14:hiddenLine xmlns="" xmlns:a14="http://schemas.microsoft.com/office/drawing/2010/main" w="9525">
+                <a14:hiddenLine xmlns:a14="http://schemas.microsoft.com/office/drawing/2010/main" xmlns="" w="9525">
                   <a:solidFill>
                     <a:srgbClr val="000000"/>
                   </a:solidFill>
@@ -6395,7 +6395,7 @@
             <p:cNvPr id="112" name="Freeform 22">
               <a:extLst>
                 <a:ext uri="{FF2B5EF4-FFF2-40B4-BE49-F238E27FC236}">
-                  <a16:creationId xmlns:a16="http://schemas.microsoft.com/office/drawing/2014/main" xmlns="" id="{B25FFA47-BB93-444D-9D87-7E8002DB136B}"/>
+                  <a16:creationId xmlns="" xmlns:a16="http://schemas.microsoft.com/office/drawing/2014/main" id="{B25FFA47-BB93-444D-9D87-7E8002DB136B}"/>
                 </a:ext>
               </a:extLst>
             </p:cNvPr>
@@ -6495,7 +6495,7 @@
             </a:ln>
             <a:extLst>
               <a:ext uri="{91240B29-F687-4f45-9708-019B960494DF}">
-                <a14:hiddenLine xmlns="" xmlns:a14="http://schemas.microsoft.com/office/drawing/2010/main" w="9525">
+                <a14:hiddenLine xmlns:a14="http://schemas.microsoft.com/office/drawing/2010/main" xmlns="" w="9525">
                   <a:solidFill>
                     <a:srgbClr val="000000"/>
                   </a:solidFill>
@@ -6523,7 +6523,7 @@
             <p:cNvPr id="113" name="Freeform 23">
               <a:extLst>
                 <a:ext uri="{FF2B5EF4-FFF2-40B4-BE49-F238E27FC236}">
-                  <a16:creationId xmlns:a16="http://schemas.microsoft.com/office/drawing/2014/main" xmlns="" id="{57D81572-471F-4DD4-BFD7-F52634FCD6BD}"/>
+                  <a16:creationId xmlns="" xmlns:a16="http://schemas.microsoft.com/office/drawing/2014/main" id="{57D81572-471F-4DD4-BFD7-F52634FCD6BD}"/>
                 </a:ext>
               </a:extLst>
             </p:cNvPr>
@@ -6663,7 +6663,7 @@
             </a:ln>
             <a:extLst>
               <a:ext uri="{91240B29-F687-4f45-9708-019B960494DF}">
-                <a14:hiddenLine xmlns="" xmlns:a14="http://schemas.microsoft.com/office/drawing/2010/main" w="9525">
+                <a14:hiddenLine xmlns:a14="http://schemas.microsoft.com/office/drawing/2010/main" xmlns="" w="9525">
                   <a:solidFill>
                     <a:srgbClr val="000000"/>
                   </a:solidFill>
@@ -6691,7 +6691,7 @@
             <p:cNvPr id="114" name="Freeform 32">
               <a:extLst>
                 <a:ext uri="{FF2B5EF4-FFF2-40B4-BE49-F238E27FC236}">
-                  <a16:creationId xmlns:a16="http://schemas.microsoft.com/office/drawing/2014/main" xmlns="" id="{8B260146-1C5C-4799-B962-0EC3A8603905}"/>
+                  <a16:creationId xmlns="" xmlns:a16="http://schemas.microsoft.com/office/drawing/2014/main" id="{8B260146-1C5C-4799-B962-0EC3A8603905}"/>
                 </a:ext>
               </a:extLst>
             </p:cNvPr>
@@ -6759,7 +6759,7 @@
             </a:ln>
             <a:extLst>
               <a:ext uri="{91240B29-F687-4f45-9708-019B960494DF}">
-                <a14:hiddenLine xmlns="" xmlns:a14="http://schemas.microsoft.com/office/drawing/2010/main" w="9525">
+                <a14:hiddenLine xmlns:a14="http://schemas.microsoft.com/office/drawing/2010/main" xmlns="" w="9525">
                   <a:solidFill>
                     <a:srgbClr val="000000"/>
                   </a:solidFill>
@@ -6787,7 +6787,7 @@
             <p:cNvPr id="115" name="Oval 19">
               <a:extLst>
                 <a:ext uri="{FF2B5EF4-FFF2-40B4-BE49-F238E27FC236}">
-                  <a16:creationId xmlns:a16="http://schemas.microsoft.com/office/drawing/2014/main" xmlns="" id="{7C923CC3-6F4E-4752-A190-BF63B2EFE023}"/>
+                  <a16:creationId xmlns="" xmlns:a16="http://schemas.microsoft.com/office/drawing/2014/main" id="{7C923CC3-6F4E-4752-A190-BF63B2EFE023}"/>
                 </a:ext>
               </a:extLst>
             </p:cNvPr>
@@ -6812,7 +6812,7 @@
             </a:ln>
             <a:extLst>
               <a:ext uri="{91240B29-F687-4f45-9708-019B960494DF}">
-                <a14:hiddenLine xmlns="" xmlns:a14="http://schemas.microsoft.com/office/drawing/2010/main" w="9525">
+                <a14:hiddenLine xmlns:a14="http://schemas.microsoft.com/office/drawing/2010/main" xmlns="" w="9525">
                   <a:solidFill>
                     <a:srgbClr val="000000"/>
                   </a:solidFill>
@@ -6840,7 +6840,7 @@
             <p:cNvPr id="116" name="Oval 20">
               <a:extLst>
                 <a:ext uri="{FF2B5EF4-FFF2-40B4-BE49-F238E27FC236}">
-                  <a16:creationId xmlns:a16="http://schemas.microsoft.com/office/drawing/2014/main" xmlns="" id="{1B596F2D-2DFC-4AB8-A265-163C8B0832AC}"/>
+                  <a16:creationId xmlns="" xmlns:a16="http://schemas.microsoft.com/office/drawing/2014/main" id="{1B596F2D-2DFC-4AB8-A265-163C8B0832AC}"/>
                 </a:ext>
               </a:extLst>
             </p:cNvPr>
@@ -6865,7 +6865,7 @@
             </a:ln>
             <a:extLst>
               <a:ext uri="{91240B29-F687-4f45-9708-019B960494DF}">
-                <a14:hiddenLine xmlns="" xmlns:a14="http://schemas.microsoft.com/office/drawing/2010/main" w="9525">
+                <a14:hiddenLine xmlns:a14="http://schemas.microsoft.com/office/drawing/2010/main" xmlns="" w="9525">
                   <a:solidFill>
                     <a:srgbClr val="000000"/>
                   </a:solidFill>
@@ -6893,7 +6893,7 @@
             <p:cNvPr id="117" name="Freeform 21">
               <a:extLst>
                 <a:ext uri="{FF2B5EF4-FFF2-40B4-BE49-F238E27FC236}">
-                  <a16:creationId xmlns:a16="http://schemas.microsoft.com/office/drawing/2014/main" xmlns="" id="{637068CE-C49E-4AA2-87B8-E353EE2D4AFF}"/>
+                  <a16:creationId xmlns="" xmlns:a16="http://schemas.microsoft.com/office/drawing/2014/main" id="{637068CE-C49E-4AA2-87B8-E353EE2D4AFF}"/>
                 </a:ext>
               </a:extLst>
             </p:cNvPr>
@@ -7026,7 +7026,7 @@
             </a:ln>
             <a:extLst>
               <a:ext uri="{91240B29-F687-4f45-9708-019B960494DF}">
-                <a14:hiddenLine xmlns="" xmlns:a14="http://schemas.microsoft.com/office/drawing/2010/main" w="9525">
+                <a14:hiddenLine xmlns:a14="http://schemas.microsoft.com/office/drawing/2010/main" xmlns="" w="9525">
                   <a:solidFill>
                     <a:srgbClr val="000000"/>
                   </a:solidFill>
@@ -7054,7 +7054,7 @@
             <p:cNvPr id="118" name="Freeform 22">
               <a:extLst>
                 <a:ext uri="{FF2B5EF4-FFF2-40B4-BE49-F238E27FC236}">
-                  <a16:creationId xmlns:a16="http://schemas.microsoft.com/office/drawing/2014/main" xmlns="" id="{069A3881-93BD-4E60-BF20-F2818A52825E}"/>
+                  <a16:creationId xmlns="" xmlns:a16="http://schemas.microsoft.com/office/drawing/2014/main" id="{069A3881-93BD-4E60-BF20-F2818A52825E}"/>
                 </a:ext>
               </a:extLst>
             </p:cNvPr>
@@ -7154,7 +7154,7 @@
             </a:ln>
             <a:extLst>
               <a:ext uri="{91240B29-F687-4f45-9708-019B960494DF}">
-                <a14:hiddenLine xmlns="" xmlns:a14="http://schemas.microsoft.com/office/drawing/2010/main" w="9525">
+                <a14:hiddenLine xmlns:a14="http://schemas.microsoft.com/office/drawing/2010/main" xmlns="" w="9525">
                   <a:solidFill>
                     <a:srgbClr val="000000"/>
                   </a:solidFill>
@@ -7182,7 +7182,7 @@
             <p:cNvPr id="119" name="Freeform 23">
               <a:extLst>
                 <a:ext uri="{FF2B5EF4-FFF2-40B4-BE49-F238E27FC236}">
-                  <a16:creationId xmlns:a16="http://schemas.microsoft.com/office/drawing/2014/main" xmlns="" id="{B2B6DFD8-E966-4026-898C-E3A47DF288B6}"/>
+                  <a16:creationId xmlns="" xmlns:a16="http://schemas.microsoft.com/office/drawing/2014/main" id="{B2B6DFD8-E966-4026-898C-E3A47DF288B6}"/>
                 </a:ext>
               </a:extLst>
             </p:cNvPr>
@@ -7322,7 +7322,7 @@
             </a:ln>
             <a:extLst>
               <a:ext uri="{91240B29-F687-4f45-9708-019B960494DF}">
-                <a14:hiddenLine xmlns="" xmlns:a14="http://schemas.microsoft.com/office/drawing/2010/main" w="9525">
+                <a14:hiddenLine xmlns:a14="http://schemas.microsoft.com/office/drawing/2010/main" xmlns="" w="9525">
                   <a:solidFill>
                     <a:srgbClr val="000000"/>
                   </a:solidFill>
@@ -7350,7 +7350,7 @@
             <p:cNvPr id="120" name="Freeform 24">
               <a:extLst>
                 <a:ext uri="{FF2B5EF4-FFF2-40B4-BE49-F238E27FC236}">
-                  <a16:creationId xmlns:a16="http://schemas.microsoft.com/office/drawing/2014/main" xmlns="" id="{4CC6BB82-26BA-4E04-92CC-A742A94845FA}"/>
+                  <a16:creationId xmlns="" xmlns:a16="http://schemas.microsoft.com/office/drawing/2014/main" id="{4CC6BB82-26BA-4E04-92CC-A742A94845FA}"/>
                 </a:ext>
               </a:extLst>
             </p:cNvPr>
@@ -7483,7 +7483,7 @@
             </a:ln>
             <a:extLst>
               <a:ext uri="{91240B29-F687-4f45-9708-019B960494DF}">
-                <a14:hiddenLine xmlns="" xmlns:a14="http://schemas.microsoft.com/office/drawing/2010/main" w="9525">
+                <a14:hiddenLine xmlns:a14="http://schemas.microsoft.com/office/drawing/2010/main" xmlns="" w="9525">
                   <a:solidFill>
                     <a:srgbClr val="000000"/>
                   </a:solidFill>
@@ -7511,7 +7511,7 @@
             <p:cNvPr id="121" name="Freeform 25">
               <a:extLst>
                 <a:ext uri="{FF2B5EF4-FFF2-40B4-BE49-F238E27FC236}">
-                  <a16:creationId xmlns:a16="http://schemas.microsoft.com/office/drawing/2014/main" xmlns="" id="{0098E8EA-80AF-4EDD-8F73-6EA773EAFE53}"/>
+                  <a16:creationId xmlns="" xmlns:a16="http://schemas.microsoft.com/office/drawing/2014/main" id="{0098E8EA-80AF-4EDD-8F73-6EA773EAFE53}"/>
                 </a:ext>
               </a:extLst>
             </p:cNvPr>
@@ -7644,7 +7644,7 @@
             </a:ln>
             <a:extLst>
               <a:ext uri="{91240B29-F687-4f45-9708-019B960494DF}">
-                <a14:hiddenLine xmlns="" xmlns:a14="http://schemas.microsoft.com/office/drawing/2010/main" w="9525">
+                <a14:hiddenLine xmlns:a14="http://schemas.microsoft.com/office/drawing/2010/main" xmlns="" w="9525">
                   <a:solidFill>
                     <a:srgbClr val="000000"/>
                   </a:solidFill>
@@ -7672,7 +7672,7 @@
             <p:cNvPr id="122" name="Oval 26">
               <a:extLst>
                 <a:ext uri="{FF2B5EF4-FFF2-40B4-BE49-F238E27FC236}">
-                  <a16:creationId xmlns:a16="http://schemas.microsoft.com/office/drawing/2014/main" xmlns="" id="{E1529FE8-F9A3-4096-878C-7E750DDDD800}"/>
+                  <a16:creationId xmlns="" xmlns:a16="http://schemas.microsoft.com/office/drawing/2014/main" id="{E1529FE8-F9A3-4096-878C-7E750DDDD800}"/>
                 </a:ext>
               </a:extLst>
             </p:cNvPr>
@@ -7697,7 +7697,7 @@
             </a:ln>
             <a:extLst>
               <a:ext uri="{91240B29-F687-4f45-9708-019B960494DF}">
-                <a14:hiddenLine xmlns="" xmlns:a14="http://schemas.microsoft.com/office/drawing/2010/main" w="9525">
+                <a14:hiddenLine xmlns:a14="http://schemas.microsoft.com/office/drawing/2010/main" xmlns="" w="9525">
                   <a:solidFill>
                     <a:srgbClr val="000000"/>
                   </a:solidFill>
@@ -7725,7 +7725,7 @@
             <p:cNvPr id="123" name="Oval 27">
               <a:extLst>
                 <a:ext uri="{FF2B5EF4-FFF2-40B4-BE49-F238E27FC236}">
-                  <a16:creationId xmlns:a16="http://schemas.microsoft.com/office/drawing/2014/main" xmlns="" id="{4502A066-105F-411C-8755-35B97FC85DE7}"/>
+                  <a16:creationId xmlns="" xmlns:a16="http://schemas.microsoft.com/office/drawing/2014/main" id="{4502A066-105F-411C-8755-35B97FC85DE7}"/>
                 </a:ext>
               </a:extLst>
             </p:cNvPr>
@@ -7750,7 +7750,7 @@
             </a:ln>
             <a:extLst>
               <a:ext uri="{91240B29-F687-4f45-9708-019B960494DF}">
-                <a14:hiddenLine xmlns="" xmlns:a14="http://schemas.microsoft.com/office/drawing/2010/main" w="9525">
+                <a14:hiddenLine xmlns:a14="http://schemas.microsoft.com/office/drawing/2010/main" xmlns="" w="9525">
                   <a:solidFill>
                     <a:srgbClr val="000000"/>
                   </a:solidFill>
@@ -7778,7 +7778,7 @@
             <p:cNvPr id="124" name="Oval 28">
               <a:extLst>
                 <a:ext uri="{FF2B5EF4-FFF2-40B4-BE49-F238E27FC236}">
-                  <a16:creationId xmlns:a16="http://schemas.microsoft.com/office/drawing/2014/main" xmlns="" id="{A2279562-1031-4CE7-80AA-1364AE4EC75D}"/>
+                  <a16:creationId xmlns="" xmlns:a16="http://schemas.microsoft.com/office/drawing/2014/main" id="{A2279562-1031-4CE7-80AA-1364AE4EC75D}"/>
                 </a:ext>
               </a:extLst>
             </p:cNvPr>
@@ -7803,7 +7803,7 @@
             </a:ln>
             <a:extLst>
               <a:ext uri="{91240B29-F687-4f45-9708-019B960494DF}">
-                <a14:hiddenLine xmlns="" xmlns:a14="http://schemas.microsoft.com/office/drawing/2010/main" w="9525">
+                <a14:hiddenLine xmlns:a14="http://schemas.microsoft.com/office/drawing/2010/main" xmlns="" w="9525">
                   <a:solidFill>
                     <a:srgbClr val="000000"/>
                   </a:solidFill>
@@ -7831,7 +7831,7 @@
             <p:cNvPr id="125" name="Freeform 29">
               <a:extLst>
                 <a:ext uri="{FF2B5EF4-FFF2-40B4-BE49-F238E27FC236}">
-                  <a16:creationId xmlns:a16="http://schemas.microsoft.com/office/drawing/2014/main" xmlns="" id="{79585C2B-CCF8-453C-B1A0-CBEDD05B3185}"/>
+                  <a16:creationId xmlns="" xmlns:a16="http://schemas.microsoft.com/office/drawing/2014/main" id="{79585C2B-CCF8-453C-B1A0-CBEDD05B3185}"/>
                 </a:ext>
               </a:extLst>
             </p:cNvPr>
@@ -7964,7 +7964,7 @@
             </a:ln>
             <a:extLst>
               <a:ext uri="{91240B29-F687-4f45-9708-019B960494DF}">
-                <a14:hiddenLine xmlns="" xmlns:a14="http://schemas.microsoft.com/office/drawing/2010/main" w="9525">
+                <a14:hiddenLine xmlns:a14="http://schemas.microsoft.com/office/drawing/2010/main" xmlns="" w="9525">
                   <a:solidFill>
                     <a:srgbClr val="000000"/>
                   </a:solidFill>
@@ -7992,7 +7992,7 @@
             <p:cNvPr id="126" name="Freeform 30">
               <a:extLst>
                 <a:ext uri="{FF2B5EF4-FFF2-40B4-BE49-F238E27FC236}">
-                  <a16:creationId xmlns:a16="http://schemas.microsoft.com/office/drawing/2014/main" xmlns="" id="{08A41A4E-2A02-48E0-B5EC-DB60F70F2B41}"/>
+                  <a16:creationId xmlns="" xmlns:a16="http://schemas.microsoft.com/office/drawing/2014/main" id="{08A41A4E-2A02-48E0-B5EC-DB60F70F2B41}"/>
                 </a:ext>
               </a:extLst>
             </p:cNvPr>
@@ -8092,7 +8092,7 @@
             </a:ln>
             <a:extLst>
               <a:ext uri="{91240B29-F687-4f45-9708-019B960494DF}">
-                <a14:hiddenLine xmlns="" xmlns:a14="http://schemas.microsoft.com/office/drawing/2010/main" w="9525">
+                <a14:hiddenLine xmlns:a14="http://schemas.microsoft.com/office/drawing/2010/main" xmlns="" w="9525">
                   <a:solidFill>
                     <a:srgbClr val="000000"/>
                   </a:solidFill>
@@ -8120,7 +8120,7 @@
             <p:cNvPr id="127" name="Freeform 31">
               <a:extLst>
                 <a:ext uri="{FF2B5EF4-FFF2-40B4-BE49-F238E27FC236}">
-                  <a16:creationId xmlns:a16="http://schemas.microsoft.com/office/drawing/2014/main" xmlns="" id="{1F12F1A3-82B8-431D-8B1B-EA52BF91B427}"/>
+                  <a16:creationId xmlns="" xmlns:a16="http://schemas.microsoft.com/office/drawing/2014/main" id="{1F12F1A3-82B8-431D-8B1B-EA52BF91B427}"/>
                 </a:ext>
               </a:extLst>
             </p:cNvPr>
@@ -8260,7 +8260,7 @@
             </a:ln>
             <a:extLst>
               <a:ext uri="{91240B29-F687-4f45-9708-019B960494DF}">
-                <a14:hiddenLine xmlns="" xmlns:a14="http://schemas.microsoft.com/office/drawing/2010/main" w="9525">
+                <a14:hiddenLine xmlns:a14="http://schemas.microsoft.com/office/drawing/2010/main" xmlns="" w="9525">
                   <a:solidFill>
                     <a:srgbClr val="000000"/>
                   </a:solidFill>
@@ -8288,7 +8288,7 @@
             <p:cNvPr id="128" name="Freeform 32">
               <a:extLst>
                 <a:ext uri="{FF2B5EF4-FFF2-40B4-BE49-F238E27FC236}">
-                  <a16:creationId xmlns:a16="http://schemas.microsoft.com/office/drawing/2014/main" xmlns="" id="{C210EF49-A2D6-42BD-9995-5AB7E7CC54A7}"/>
+                  <a16:creationId xmlns="" xmlns:a16="http://schemas.microsoft.com/office/drawing/2014/main" id="{C210EF49-A2D6-42BD-9995-5AB7E7CC54A7}"/>
                 </a:ext>
               </a:extLst>
             </p:cNvPr>
@@ -8356,7 +8356,7 @@
             </a:ln>
             <a:extLst>
               <a:ext uri="{91240B29-F687-4f45-9708-019B960494DF}">
-                <a14:hiddenLine xmlns="" xmlns:a14="http://schemas.microsoft.com/office/drawing/2010/main" w="9525">
+                <a14:hiddenLine xmlns:a14="http://schemas.microsoft.com/office/drawing/2010/main" xmlns="" w="9525">
                   <a:solidFill>
                     <a:srgbClr val="000000"/>
                   </a:solidFill>
@@ -8384,7 +8384,7 @@
             <p:cNvPr id="129" name="Freeform 33">
               <a:extLst>
                 <a:ext uri="{FF2B5EF4-FFF2-40B4-BE49-F238E27FC236}">
-                  <a16:creationId xmlns:a16="http://schemas.microsoft.com/office/drawing/2014/main" xmlns="" id="{5873E10C-24EC-4A32-9017-D26A13C045DB}"/>
+                  <a16:creationId xmlns="" xmlns:a16="http://schemas.microsoft.com/office/drawing/2014/main" id="{5873E10C-24EC-4A32-9017-D26A13C045DB}"/>
                 </a:ext>
               </a:extLst>
             </p:cNvPr>
@@ -8517,7 +8517,7 @@
             </a:ln>
             <a:extLst>
               <a:ext uri="{91240B29-F687-4f45-9708-019B960494DF}">
-                <a14:hiddenLine xmlns="" xmlns:a14="http://schemas.microsoft.com/office/drawing/2010/main" w="9525">
+                <a14:hiddenLine xmlns:a14="http://schemas.microsoft.com/office/drawing/2010/main" xmlns="" w="9525">
                   <a:solidFill>
                     <a:srgbClr val="000000"/>
                   </a:solidFill>
@@ -8545,7 +8545,7 @@
             <p:cNvPr id="130" name="Freeform 34">
               <a:extLst>
                 <a:ext uri="{FF2B5EF4-FFF2-40B4-BE49-F238E27FC236}">
-                  <a16:creationId xmlns:a16="http://schemas.microsoft.com/office/drawing/2014/main" xmlns="" id="{A4EA6405-2393-47CF-9773-1D2A3BFDF5AF}"/>
+                  <a16:creationId xmlns="" xmlns:a16="http://schemas.microsoft.com/office/drawing/2014/main" id="{A4EA6405-2393-47CF-9773-1D2A3BFDF5AF}"/>
                 </a:ext>
               </a:extLst>
             </p:cNvPr>
@@ -8678,7 +8678,7 @@
             </a:ln>
             <a:extLst>
               <a:ext uri="{91240B29-F687-4f45-9708-019B960494DF}">
-                <a14:hiddenLine xmlns="" xmlns:a14="http://schemas.microsoft.com/office/drawing/2010/main" w="9525">
+                <a14:hiddenLine xmlns:a14="http://schemas.microsoft.com/office/drawing/2010/main" xmlns="" w="9525">
                   <a:solidFill>
                     <a:srgbClr val="000000"/>
                   </a:solidFill>
@@ -8706,7 +8706,7 @@
             <p:cNvPr id="131" name="Oval 35">
               <a:extLst>
                 <a:ext uri="{FF2B5EF4-FFF2-40B4-BE49-F238E27FC236}">
-                  <a16:creationId xmlns:a16="http://schemas.microsoft.com/office/drawing/2014/main" xmlns="" id="{4500B5CF-8A87-4C94-98C2-D9AE92164882}"/>
+                  <a16:creationId xmlns="" xmlns:a16="http://schemas.microsoft.com/office/drawing/2014/main" id="{4500B5CF-8A87-4C94-98C2-D9AE92164882}"/>
                 </a:ext>
               </a:extLst>
             </p:cNvPr>
@@ -8731,7 +8731,7 @@
             </a:ln>
             <a:extLst>
               <a:ext uri="{91240B29-F687-4f45-9708-019B960494DF}">
-                <a14:hiddenLine xmlns="" xmlns:a14="http://schemas.microsoft.com/office/drawing/2010/main" w="9525">
+                <a14:hiddenLine xmlns:a14="http://schemas.microsoft.com/office/drawing/2010/main" xmlns="" w="9525">
                   <a:solidFill>
                     <a:srgbClr val="000000"/>
                   </a:solidFill>
@@ -8759,7 +8759,7 @@
             <p:cNvPr id="132" name="Oval 36">
               <a:extLst>
                 <a:ext uri="{FF2B5EF4-FFF2-40B4-BE49-F238E27FC236}">
-                  <a16:creationId xmlns:a16="http://schemas.microsoft.com/office/drawing/2014/main" xmlns="" id="{52349474-5EA9-4794-9B60-A8170A717911}"/>
+                  <a16:creationId xmlns="" xmlns:a16="http://schemas.microsoft.com/office/drawing/2014/main" id="{52349474-5EA9-4794-9B60-A8170A717911}"/>
                 </a:ext>
               </a:extLst>
             </p:cNvPr>
@@ -8784,7 +8784,7 @@
             </a:ln>
             <a:extLst>
               <a:ext uri="{91240B29-F687-4f45-9708-019B960494DF}">
-                <a14:hiddenLine xmlns="" xmlns:a14="http://schemas.microsoft.com/office/drawing/2010/main" w="9525">
+                <a14:hiddenLine xmlns:a14="http://schemas.microsoft.com/office/drawing/2010/main" xmlns="" w="9525">
                   <a:solidFill>
                     <a:srgbClr val="000000"/>
                   </a:solidFill>
@@ -8812,7 +8812,7 @@
             <p:cNvPr id="133" name="Oval 37">
               <a:extLst>
                 <a:ext uri="{FF2B5EF4-FFF2-40B4-BE49-F238E27FC236}">
-                  <a16:creationId xmlns:a16="http://schemas.microsoft.com/office/drawing/2014/main" xmlns="" id="{38C75585-D619-4E9A-A4CB-1FA8B388ABAC}"/>
+                  <a16:creationId xmlns="" xmlns:a16="http://schemas.microsoft.com/office/drawing/2014/main" id="{38C75585-D619-4E9A-A4CB-1FA8B388ABAC}"/>
                 </a:ext>
               </a:extLst>
             </p:cNvPr>
@@ -8837,7 +8837,7 @@
             </a:ln>
             <a:extLst>
               <a:ext uri="{91240B29-F687-4f45-9708-019B960494DF}">
-                <a14:hiddenLine xmlns="" xmlns:a14="http://schemas.microsoft.com/office/drawing/2010/main" w="9525">
+                <a14:hiddenLine xmlns:a14="http://schemas.microsoft.com/office/drawing/2010/main" xmlns="" w="9525">
                   <a:solidFill>
                     <a:srgbClr val="000000"/>
                   </a:solidFill>
@@ -8865,7 +8865,7 @@
             <p:cNvPr id="134" name="Freeform 38">
               <a:extLst>
                 <a:ext uri="{FF2B5EF4-FFF2-40B4-BE49-F238E27FC236}">
-                  <a16:creationId xmlns:a16="http://schemas.microsoft.com/office/drawing/2014/main" xmlns="" id="{B7DDAA9C-A34D-47EE-96C6-EAD14E1A8A90}"/>
+                  <a16:creationId xmlns="" xmlns:a16="http://schemas.microsoft.com/office/drawing/2014/main" id="{B7DDAA9C-A34D-47EE-96C6-EAD14E1A8A90}"/>
                 </a:ext>
               </a:extLst>
             </p:cNvPr>
@@ -8998,7 +8998,7 @@
             </a:ln>
             <a:extLst>
               <a:ext uri="{91240B29-F687-4f45-9708-019B960494DF}">
-                <a14:hiddenLine xmlns="" xmlns:a14="http://schemas.microsoft.com/office/drawing/2010/main" w="9525">
+                <a14:hiddenLine xmlns:a14="http://schemas.microsoft.com/office/drawing/2010/main" xmlns="" w="9525">
                   <a:solidFill>
                     <a:srgbClr val="000000"/>
                   </a:solidFill>
@@ -9026,7 +9026,7 @@
             <p:cNvPr id="135" name="Freeform 39">
               <a:extLst>
                 <a:ext uri="{FF2B5EF4-FFF2-40B4-BE49-F238E27FC236}">
-                  <a16:creationId xmlns:a16="http://schemas.microsoft.com/office/drawing/2014/main" xmlns="" id="{45DCF87A-1373-46DA-A54B-100EC39BA36B}"/>
+                  <a16:creationId xmlns="" xmlns:a16="http://schemas.microsoft.com/office/drawing/2014/main" id="{45DCF87A-1373-46DA-A54B-100EC39BA36B}"/>
                 </a:ext>
               </a:extLst>
             </p:cNvPr>
@@ -9126,7 +9126,7 @@
             </a:ln>
             <a:extLst>
               <a:ext uri="{91240B29-F687-4f45-9708-019B960494DF}">
-                <a14:hiddenLine xmlns="" xmlns:a14="http://schemas.microsoft.com/office/drawing/2010/main" w="9525">
+                <a14:hiddenLine xmlns:a14="http://schemas.microsoft.com/office/drawing/2010/main" xmlns="" w="9525">
                   <a:solidFill>
                     <a:srgbClr val="000000"/>
                   </a:solidFill>
@@ -9154,7 +9154,7 @@
             <p:cNvPr id="136" name="Freeform 40">
               <a:extLst>
                 <a:ext uri="{FF2B5EF4-FFF2-40B4-BE49-F238E27FC236}">
-                  <a16:creationId xmlns:a16="http://schemas.microsoft.com/office/drawing/2014/main" xmlns="" id="{A3F944FA-8AC6-49DF-A0E8-0EF7E7B6D001}"/>
+                  <a16:creationId xmlns="" xmlns:a16="http://schemas.microsoft.com/office/drawing/2014/main" id="{A3F944FA-8AC6-49DF-A0E8-0EF7E7B6D001}"/>
                 </a:ext>
               </a:extLst>
             </p:cNvPr>
@@ -9294,7 +9294,7 @@
             </a:ln>
             <a:extLst>
               <a:ext uri="{91240B29-F687-4f45-9708-019B960494DF}">
-                <a14:hiddenLine xmlns="" xmlns:a14="http://schemas.microsoft.com/office/drawing/2010/main" w="9525">
+                <a14:hiddenLine xmlns:a14="http://schemas.microsoft.com/office/drawing/2010/main" xmlns="" w="9525">
                   <a:solidFill>
                     <a:srgbClr val="000000"/>
                   </a:solidFill>
@@ -9322,7 +9322,7 @@
             <p:cNvPr id="137" name="Freeform 41">
               <a:extLst>
                 <a:ext uri="{FF2B5EF4-FFF2-40B4-BE49-F238E27FC236}">
-                  <a16:creationId xmlns:a16="http://schemas.microsoft.com/office/drawing/2014/main" xmlns="" id="{58BD42BD-CDB4-495C-8089-4AFDA2261359}"/>
+                  <a16:creationId xmlns="" xmlns:a16="http://schemas.microsoft.com/office/drawing/2014/main" id="{58BD42BD-CDB4-495C-8089-4AFDA2261359}"/>
                 </a:ext>
               </a:extLst>
             </p:cNvPr>
@@ -9390,7 +9390,7 @@
             </a:ln>
             <a:extLst>
               <a:ext uri="{91240B29-F687-4f45-9708-019B960494DF}">
-                <a14:hiddenLine xmlns="" xmlns:a14="http://schemas.microsoft.com/office/drawing/2010/main" w="9525">
+                <a14:hiddenLine xmlns:a14="http://schemas.microsoft.com/office/drawing/2010/main" xmlns="" w="9525">
                   <a:solidFill>
                     <a:srgbClr val="000000"/>
                   </a:solidFill>
@@ -9418,7 +9418,7 @@
             <p:cNvPr id="138" name="Freeform 42">
               <a:extLst>
                 <a:ext uri="{FF2B5EF4-FFF2-40B4-BE49-F238E27FC236}">
-                  <a16:creationId xmlns:a16="http://schemas.microsoft.com/office/drawing/2014/main" xmlns="" id="{ED8607BF-F0B5-4AA1-92D7-03C93A5B2E81}"/>
+                  <a16:creationId xmlns="" xmlns:a16="http://schemas.microsoft.com/office/drawing/2014/main" id="{ED8607BF-F0B5-4AA1-92D7-03C93A5B2E81}"/>
                 </a:ext>
               </a:extLst>
             </p:cNvPr>
@@ -9551,7 +9551,7 @@
             </a:ln>
             <a:extLst>
               <a:ext uri="{91240B29-F687-4f45-9708-019B960494DF}">
-                <a14:hiddenLine xmlns="" xmlns:a14="http://schemas.microsoft.com/office/drawing/2010/main" w="9525">
+                <a14:hiddenLine xmlns:a14="http://schemas.microsoft.com/office/drawing/2010/main" xmlns="" w="9525">
                   <a:solidFill>
                     <a:srgbClr val="000000"/>
                   </a:solidFill>
@@ -9579,7 +9579,7 @@
             <p:cNvPr id="139" name="Freeform 43">
               <a:extLst>
                 <a:ext uri="{FF2B5EF4-FFF2-40B4-BE49-F238E27FC236}">
-                  <a16:creationId xmlns:a16="http://schemas.microsoft.com/office/drawing/2014/main" xmlns="" id="{F138961B-D07B-48A4-94C8-AABA2E25EDF9}"/>
+                  <a16:creationId xmlns="" xmlns:a16="http://schemas.microsoft.com/office/drawing/2014/main" id="{F138961B-D07B-48A4-94C8-AABA2E25EDF9}"/>
                 </a:ext>
               </a:extLst>
             </p:cNvPr>
@@ -9712,7 +9712,7 @@
             </a:ln>
             <a:extLst>
               <a:ext uri="{91240B29-F687-4f45-9708-019B960494DF}">
-                <a14:hiddenLine xmlns="" xmlns:a14="http://schemas.microsoft.com/office/drawing/2010/main" w="9525">
+                <a14:hiddenLine xmlns:a14="http://schemas.microsoft.com/office/drawing/2010/main" xmlns="" w="9525">
                   <a:solidFill>
                     <a:srgbClr val="000000"/>
                   </a:solidFill>
@@ -9740,7 +9740,7 @@
             <p:cNvPr id="140" name="Oval 44">
               <a:extLst>
                 <a:ext uri="{FF2B5EF4-FFF2-40B4-BE49-F238E27FC236}">
-                  <a16:creationId xmlns:a16="http://schemas.microsoft.com/office/drawing/2014/main" xmlns="" id="{3C9AEC7F-17DD-40C8-8BA3-890A8BC8B31B}"/>
+                  <a16:creationId xmlns="" xmlns:a16="http://schemas.microsoft.com/office/drawing/2014/main" id="{3C9AEC7F-17DD-40C8-8BA3-890A8BC8B31B}"/>
                 </a:ext>
               </a:extLst>
             </p:cNvPr>
@@ -9765,7 +9765,7 @@
             </a:ln>
             <a:extLst>
               <a:ext uri="{91240B29-F687-4f45-9708-019B960494DF}">
-                <a14:hiddenLine xmlns="" xmlns:a14="http://schemas.microsoft.com/office/drawing/2010/main" w="9525">
+                <a14:hiddenLine xmlns:a14="http://schemas.microsoft.com/office/drawing/2010/main" xmlns="" w="9525">
                   <a:solidFill>
                     <a:srgbClr val="000000"/>
                   </a:solidFill>
@@ -9793,7 +9793,7 @@
             <p:cNvPr id="141" name="Oval 45">
               <a:extLst>
                 <a:ext uri="{FF2B5EF4-FFF2-40B4-BE49-F238E27FC236}">
-                  <a16:creationId xmlns:a16="http://schemas.microsoft.com/office/drawing/2014/main" xmlns="" id="{6A53FD15-15C8-45DF-9CD6-8E8F037DF006}"/>
+                  <a16:creationId xmlns="" xmlns:a16="http://schemas.microsoft.com/office/drawing/2014/main" id="{6A53FD15-15C8-45DF-9CD6-8E8F037DF006}"/>
                 </a:ext>
               </a:extLst>
             </p:cNvPr>
@@ -9818,7 +9818,7 @@
             </a:ln>
             <a:extLst>
               <a:ext uri="{91240B29-F687-4f45-9708-019B960494DF}">
-                <a14:hiddenLine xmlns="" xmlns:a14="http://schemas.microsoft.com/office/drawing/2010/main" w="9525">
+                <a14:hiddenLine xmlns:a14="http://schemas.microsoft.com/office/drawing/2010/main" xmlns="" w="9525">
                   <a:solidFill>
                     <a:srgbClr val="000000"/>
                   </a:solidFill>
@@ -9846,7 +9846,7 @@
             <p:cNvPr id="142" name="Oval 46">
               <a:extLst>
                 <a:ext uri="{FF2B5EF4-FFF2-40B4-BE49-F238E27FC236}">
-                  <a16:creationId xmlns:a16="http://schemas.microsoft.com/office/drawing/2014/main" xmlns="" id="{6F27F538-B87A-43A8-9A8C-4938EF5D5B5C}"/>
+                  <a16:creationId xmlns="" xmlns:a16="http://schemas.microsoft.com/office/drawing/2014/main" id="{6F27F538-B87A-43A8-9A8C-4938EF5D5B5C}"/>
                 </a:ext>
               </a:extLst>
             </p:cNvPr>
@@ -9871,7 +9871,7 @@
             </a:ln>
             <a:extLst>
               <a:ext uri="{91240B29-F687-4f45-9708-019B960494DF}">
-                <a14:hiddenLine xmlns="" xmlns:a14="http://schemas.microsoft.com/office/drawing/2010/main" w="9525">
+                <a14:hiddenLine xmlns:a14="http://schemas.microsoft.com/office/drawing/2010/main" xmlns="" w="9525">
                   <a:solidFill>
                     <a:srgbClr val="000000"/>
                   </a:solidFill>
@@ -9899,7 +9899,7 @@
             <p:cNvPr id="143" name="Freeform 47">
               <a:extLst>
                 <a:ext uri="{FF2B5EF4-FFF2-40B4-BE49-F238E27FC236}">
-                  <a16:creationId xmlns:a16="http://schemas.microsoft.com/office/drawing/2014/main" xmlns="" id="{7F7D42BF-6F3B-4325-89AB-32AB8B52CF9E}"/>
+                  <a16:creationId xmlns="" xmlns:a16="http://schemas.microsoft.com/office/drawing/2014/main" id="{7F7D42BF-6F3B-4325-89AB-32AB8B52CF9E}"/>
                 </a:ext>
               </a:extLst>
             </p:cNvPr>
@@ -10032,7 +10032,7 @@
             </a:ln>
             <a:extLst>
               <a:ext uri="{91240B29-F687-4f45-9708-019B960494DF}">
-                <a14:hiddenLine xmlns="" xmlns:a14="http://schemas.microsoft.com/office/drawing/2010/main" w="9525">
+                <a14:hiddenLine xmlns:a14="http://schemas.microsoft.com/office/drawing/2010/main" xmlns="" w="9525">
                   <a:solidFill>
                     <a:srgbClr val="000000"/>
                   </a:solidFill>
@@ -10060,7 +10060,7 @@
             <p:cNvPr id="144" name="Freeform 48">
               <a:extLst>
                 <a:ext uri="{FF2B5EF4-FFF2-40B4-BE49-F238E27FC236}">
-                  <a16:creationId xmlns:a16="http://schemas.microsoft.com/office/drawing/2014/main" xmlns="" id="{8C38543B-9677-4974-8072-F151BC92DECB}"/>
+                  <a16:creationId xmlns="" xmlns:a16="http://schemas.microsoft.com/office/drawing/2014/main" id="{8C38543B-9677-4974-8072-F151BC92DECB}"/>
                 </a:ext>
               </a:extLst>
             </p:cNvPr>
@@ -10160,7 +10160,7 @@
             </a:ln>
             <a:extLst>
               <a:ext uri="{91240B29-F687-4f45-9708-019B960494DF}">
-                <a14:hiddenLine xmlns="" xmlns:a14="http://schemas.microsoft.com/office/drawing/2010/main" w="9525">
+                <a14:hiddenLine xmlns:a14="http://schemas.microsoft.com/office/drawing/2010/main" xmlns="" w="9525">
                   <a:solidFill>
                     <a:srgbClr val="000000"/>
                   </a:solidFill>
@@ -10188,7 +10188,7 @@
             <p:cNvPr id="145" name="Freeform 49">
               <a:extLst>
                 <a:ext uri="{FF2B5EF4-FFF2-40B4-BE49-F238E27FC236}">
-                  <a16:creationId xmlns:a16="http://schemas.microsoft.com/office/drawing/2014/main" xmlns="" id="{7994DEF7-5380-47F3-ABDE-576FEAC00462}"/>
+                  <a16:creationId xmlns="" xmlns:a16="http://schemas.microsoft.com/office/drawing/2014/main" id="{7994DEF7-5380-47F3-ABDE-576FEAC00462}"/>
                 </a:ext>
               </a:extLst>
             </p:cNvPr>
@@ -10328,7 +10328,7 @@
             </a:ln>
             <a:extLst>
               <a:ext uri="{91240B29-F687-4f45-9708-019B960494DF}">
-                <a14:hiddenLine xmlns="" xmlns:a14="http://schemas.microsoft.com/office/drawing/2010/main" w="9525">
+                <a14:hiddenLine xmlns:a14="http://schemas.microsoft.com/office/drawing/2010/main" xmlns="" w="9525">
                   <a:solidFill>
                     <a:srgbClr val="000000"/>
                   </a:solidFill>
@@ -10356,7 +10356,7 @@
             <p:cNvPr id="146" name="Freeform 50">
               <a:extLst>
                 <a:ext uri="{FF2B5EF4-FFF2-40B4-BE49-F238E27FC236}">
-                  <a16:creationId xmlns:a16="http://schemas.microsoft.com/office/drawing/2014/main" xmlns="" id="{17DCE0A4-9C75-4788-9C8E-0DABB3645BC5}"/>
+                  <a16:creationId xmlns="" xmlns:a16="http://schemas.microsoft.com/office/drawing/2014/main" id="{17DCE0A4-9C75-4788-9C8E-0DABB3645BC5}"/>
                 </a:ext>
               </a:extLst>
             </p:cNvPr>
@@ -10424,7 +10424,7 @@
             </a:ln>
             <a:extLst>
               <a:ext uri="{91240B29-F687-4f45-9708-019B960494DF}">
-                <a14:hiddenLine xmlns="" xmlns:a14="http://schemas.microsoft.com/office/drawing/2010/main" w="9525">
+                <a14:hiddenLine xmlns:a14="http://schemas.microsoft.com/office/drawing/2010/main" xmlns="" w="9525">
                   <a:solidFill>
                     <a:srgbClr val="000000"/>
                   </a:solidFill>
@@ -10452,7 +10452,7 @@
             <p:cNvPr id="147" name="Freeform 51">
               <a:extLst>
                 <a:ext uri="{FF2B5EF4-FFF2-40B4-BE49-F238E27FC236}">
-                  <a16:creationId xmlns:a16="http://schemas.microsoft.com/office/drawing/2014/main" xmlns="" id="{62929493-B65E-4CB7-8690-A93FB82CC36A}"/>
+                  <a16:creationId xmlns="" xmlns:a16="http://schemas.microsoft.com/office/drawing/2014/main" id="{62929493-B65E-4CB7-8690-A93FB82CC36A}"/>
                 </a:ext>
               </a:extLst>
             </p:cNvPr>
@@ -10585,7 +10585,7 @@
             </a:ln>
             <a:extLst>
               <a:ext uri="{91240B29-F687-4f45-9708-019B960494DF}">
-                <a14:hiddenLine xmlns="" xmlns:a14="http://schemas.microsoft.com/office/drawing/2010/main" w="9525">
+                <a14:hiddenLine xmlns:a14="http://schemas.microsoft.com/office/drawing/2010/main" xmlns="" w="9525">
                   <a:solidFill>
                     <a:srgbClr val="000000"/>
                   </a:solidFill>
@@ -10613,7 +10613,7 @@
             <p:cNvPr id="148" name="Freeform 52">
               <a:extLst>
                 <a:ext uri="{FF2B5EF4-FFF2-40B4-BE49-F238E27FC236}">
-                  <a16:creationId xmlns:a16="http://schemas.microsoft.com/office/drawing/2014/main" xmlns="" id="{FEDABFB9-DC39-4D40-833B-F0DC4C323FAB}"/>
+                  <a16:creationId xmlns="" xmlns:a16="http://schemas.microsoft.com/office/drawing/2014/main" id="{FEDABFB9-DC39-4D40-833B-F0DC4C323FAB}"/>
                 </a:ext>
               </a:extLst>
             </p:cNvPr>
@@ -10746,7 +10746,7 @@
             </a:ln>
             <a:extLst>
               <a:ext uri="{91240B29-F687-4f45-9708-019B960494DF}">
-                <a14:hiddenLine xmlns="" xmlns:a14="http://schemas.microsoft.com/office/drawing/2010/main" w="9525">
+                <a14:hiddenLine xmlns:a14="http://schemas.microsoft.com/office/drawing/2010/main" xmlns="" w="9525">
                   <a:solidFill>
                     <a:srgbClr val="000000"/>
                   </a:solidFill>
@@ -10774,7 +10774,7 @@
             <p:cNvPr id="149" name="Oval 53">
               <a:extLst>
                 <a:ext uri="{FF2B5EF4-FFF2-40B4-BE49-F238E27FC236}">
-                  <a16:creationId xmlns:a16="http://schemas.microsoft.com/office/drawing/2014/main" xmlns="" id="{6B653D4A-C953-43A2-9107-7E72CFF0CBFD}"/>
+                  <a16:creationId xmlns="" xmlns:a16="http://schemas.microsoft.com/office/drawing/2014/main" id="{6B653D4A-C953-43A2-9107-7E72CFF0CBFD}"/>
                 </a:ext>
               </a:extLst>
             </p:cNvPr>
@@ -10799,7 +10799,7 @@
             </a:ln>
             <a:extLst>
               <a:ext uri="{91240B29-F687-4f45-9708-019B960494DF}">
-                <a14:hiddenLine xmlns="" xmlns:a14="http://schemas.microsoft.com/office/drawing/2010/main" w="9525">
+                <a14:hiddenLine xmlns:a14="http://schemas.microsoft.com/office/drawing/2010/main" xmlns="" w="9525">
                   <a:solidFill>
                     <a:srgbClr val="000000"/>
                   </a:solidFill>
@@ -10827,7 +10827,7 @@
             <p:cNvPr id="150" name="Freeform 59">
               <a:extLst>
                 <a:ext uri="{FF2B5EF4-FFF2-40B4-BE49-F238E27FC236}">
-                  <a16:creationId xmlns:a16="http://schemas.microsoft.com/office/drawing/2014/main" xmlns="" id="{8CD747EA-E5F0-4F59-B06A-3C2F8EB82D35}"/>
+                  <a16:creationId xmlns="" xmlns:a16="http://schemas.microsoft.com/office/drawing/2014/main" id="{8CD747EA-E5F0-4F59-B06A-3C2F8EB82D35}"/>
                 </a:ext>
               </a:extLst>
             </p:cNvPr>
@@ -10895,7 +10895,7 @@
             </a:ln>
             <a:extLst>
               <a:ext uri="{91240B29-F687-4f45-9708-019B960494DF}">
-                <a14:hiddenLine xmlns="" xmlns:a14="http://schemas.microsoft.com/office/drawing/2010/main" w="9525">
+                <a14:hiddenLine xmlns:a14="http://schemas.microsoft.com/office/drawing/2010/main" xmlns="" w="9525">
                   <a:solidFill>
                     <a:srgbClr val="000000"/>
                   </a:solidFill>
@@ -10923,7 +10923,7 @@
             <p:cNvPr id="151" name="Oval 36">
               <a:extLst>
                 <a:ext uri="{FF2B5EF4-FFF2-40B4-BE49-F238E27FC236}">
-                  <a16:creationId xmlns:a16="http://schemas.microsoft.com/office/drawing/2014/main" xmlns="" id="{10F7AD51-029F-42B4-8DB5-7BF27590897A}"/>
+                  <a16:creationId xmlns="" xmlns:a16="http://schemas.microsoft.com/office/drawing/2014/main" id="{10F7AD51-029F-42B4-8DB5-7BF27590897A}"/>
                 </a:ext>
               </a:extLst>
             </p:cNvPr>
@@ -10948,7 +10948,7 @@
             </a:ln>
             <a:extLst>
               <a:ext uri="{91240B29-F687-4f45-9708-019B960494DF}">
-                <a14:hiddenLine xmlns="" xmlns:a14="http://schemas.microsoft.com/office/drawing/2010/main" w="9525">
+                <a14:hiddenLine xmlns:a14="http://schemas.microsoft.com/office/drawing/2010/main" xmlns="" w="9525">
                   <a:solidFill>
                     <a:srgbClr val="000000"/>
                   </a:solidFill>
@@ -10976,7 +10976,7 @@
             <p:cNvPr id="152" name="Oval 37">
               <a:extLst>
                 <a:ext uri="{FF2B5EF4-FFF2-40B4-BE49-F238E27FC236}">
-                  <a16:creationId xmlns:a16="http://schemas.microsoft.com/office/drawing/2014/main" xmlns="" id="{D9280BDF-6D7B-4D2B-A354-0FC46252E370}"/>
+                  <a16:creationId xmlns="" xmlns:a16="http://schemas.microsoft.com/office/drawing/2014/main" id="{D9280BDF-6D7B-4D2B-A354-0FC46252E370}"/>
                 </a:ext>
               </a:extLst>
             </p:cNvPr>
@@ -11001,7 +11001,7 @@
             </a:ln>
             <a:extLst>
               <a:ext uri="{91240B29-F687-4f45-9708-019B960494DF}">
-                <a14:hiddenLine xmlns="" xmlns:a14="http://schemas.microsoft.com/office/drawing/2010/main" w="9525">
+                <a14:hiddenLine xmlns:a14="http://schemas.microsoft.com/office/drawing/2010/main" xmlns="" w="9525">
                   <a:solidFill>
                     <a:srgbClr val="000000"/>
                   </a:solidFill>
@@ -11029,7 +11029,7 @@
             <p:cNvPr id="153" name="Freeform 38">
               <a:extLst>
                 <a:ext uri="{FF2B5EF4-FFF2-40B4-BE49-F238E27FC236}">
-                  <a16:creationId xmlns:a16="http://schemas.microsoft.com/office/drawing/2014/main" xmlns="" id="{CE3D67F3-9339-4FED-863B-B211037D171A}"/>
+                  <a16:creationId xmlns="" xmlns:a16="http://schemas.microsoft.com/office/drawing/2014/main" id="{CE3D67F3-9339-4FED-863B-B211037D171A}"/>
                 </a:ext>
               </a:extLst>
             </p:cNvPr>
@@ -11162,7 +11162,7 @@
             </a:ln>
             <a:extLst>
               <a:ext uri="{91240B29-F687-4f45-9708-019B960494DF}">
-                <a14:hiddenLine xmlns="" xmlns:a14="http://schemas.microsoft.com/office/drawing/2010/main" w="9525">
+                <a14:hiddenLine xmlns:a14="http://schemas.microsoft.com/office/drawing/2010/main" xmlns="" w="9525">
                   <a:solidFill>
                     <a:srgbClr val="000000"/>
                   </a:solidFill>
@@ -11190,7 +11190,7 @@
             <p:cNvPr id="154" name="Freeform 39">
               <a:extLst>
                 <a:ext uri="{FF2B5EF4-FFF2-40B4-BE49-F238E27FC236}">
-                  <a16:creationId xmlns:a16="http://schemas.microsoft.com/office/drawing/2014/main" xmlns="" id="{D2E8443D-1FF6-476A-968D-1CC7BC782879}"/>
+                  <a16:creationId xmlns="" xmlns:a16="http://schemas.microsoft.com/office/drawing/2014/main" id="{D2E8443D-1FF6-476A-968D-1CC7BC782879}"/>
                 </a:ext>
               </a:extLst>
             </p:cNvPr>
@@ -11290,7 +11290,7 @@
             </a:ln>
             <a:extLst>
               <a:ext uri="{91240B29-F687-4f45-9708-019B960494DF}">
-                <a14:hiddenLine xmlns="" xmlns:a14="http://schemas.microsoft.com/office/drawing/2010/main" w="9525">
+                <a14:hiddenLine xmlns:a14="http://schemas.microsoft.com/office/drawing/2010/main" xmlns="" w="9525">
                   <a:solidFill>
                     <a:srgbClr val="000000"/>
                   </a:solidFill>
@@ -11318,7 +11318,7 @@
             <p:cNvPr id="155" name="Freeform 40">
               <a:extLst>
                 <a:ext uri="{FF2B5EF4-FFF2-40B4-BE49-F238E27FC236}">
-                  <a16:creationId xmlns:a16="http://schemas.microsoft.com/office/drawing/2014/main" xmlns="" id="{8BD89819-F099-4420-9B06-E54E9B89BA73}"/>
+                  <a16:creationId xmlns="" xmlns:a16="http://schemas.microsoft.com/office/drawing/2014/main" id="{8BD89819-F099-4420-9B06-E54E9B89BA73}"/>
                 </a:ext>
               </a:extLst>
             </p:cNvPr>
@@ -11458,7 +11458,7 @@
             </a:ln>
             <a:extLst>
               <a:ext uri="{91240B29-F687-4f45-9708-019B960494DF}">
-                <a14:hiddenLine xmlns="" xmlns:a14="http://schemas.microsoft.com/office/drawing/2010/main" w="9525">
+                <a14:hiddenLine xmlns:a14="http://schemas.microsoft.com/office/drawing/2010/main" xmlns="" w="9525">
                   <a:solidFill>
                     <a:srgbClr val="000000"/>
                   </a:solidFill>
@@ -11486,7 +11486,7 @@
             <p:cNvPr id="156" name="Freeform 42">
               <a:extLst>
                 <a:ext uri="{FF2B5EF4-FFF2-40B4-BE49-F238E27FC236}">
-                  <a16:creationId xmlns:a16="http://schemas.microsoft.com/office/drawing/2014/main" xmlns="" id="{1B5A5428-AC51-480A-A5AF-C1F800660E1F}"/>
+                  <a16:creationId xmlns="" xmlns:a16="http://schemas.microsoft.com/office/drawing/2014/main" id="{1B5A5428-AC51-480A-A5AF-C1F800660E1F}"/>
                 </a:ext>
               </a:extLst>
             </p:cNvPr>
@@ -11619,7 +11619,7 @@
             </a:ln>
             <a:extLst>
               <a:ext uri="{91240B29-F687-4f45-9708-019B960494DF}">
-                <a14:hiddenLine xmlns="" xmlns:a14="http://schemas.microsoft.com/office/drawing/2010/main" w="9525">
+                <a14:hiddenLine xmlns:a14="http://schemas.microsoft.com/office/drawing/2010/main" xmlns="" w="9525">
                   <a:solidFill>
                     <a:srgbClr val="000000"/>
                   </a:solidFill>
@@ -11647,7 +11647,7 @@
             <p:cNvPr id="157" name="Freeform 43">
               <a:extLst>
                 <a:ext uri="{FF2B5EF4-FFF2-40B4-BE49-F238E27FC236}">
-                  <a16:creationId xmlns:a16="http://schemas.microsoft.com/office/drawing/2014/main" xmlns="" id="{A0582DC2-0448-442A-9329-464DC716C4B1}"/>
+                  <a16:creationId xmlns="" xmlns:a16="http://schemas.microsoft.com/office/drawing/2014/main" id="{A0582DC2-0448-442A-9329-464DC716C4B1}"/>
                 </a:ext>
               </a:extLst>
             </p:cNvPr>
@@ -11780,7 +11780,7 @@
             </a:ln>
             <a:extLst>
               <a:ext uri="{91240B29-F687-4f45-9708-019B960494DF}">
-                <a14:hiddenLine xmlns="" xmlns:a14="http://schemas.microsoft.com/office/drawing/2010/main" w="9525">
+                <a14:hiddenLine xmlns:a14="http://schemas.microsoft.com/office/drawing/2010/main" xmlns="" w="9525">
                   <a:solidFill>
                     <a:srgbClr val="000000"/>
                   </a:solidFill>
@@ -11808,7 +11808,7 @@
             <p:cNvPr id="158" name="Oval 44">
               <a:extLst>
                 <a:ext uri="{FF2B5EF4-FFF2-40B4-BE49-F238E27FC236}">
-                  <a16:creationId xmlns:a16="http://schemas.microsoft.com/office/drawing/2014/main" xmlns="" id="{97BE47FE-FDA2-41C0-B9F1-A213ECF24298}"/>
+                  <a16:creationId xmlns="" xmlns:a16="http://schemas.microsoft.com/office/drawing/2014/main" id="{97BE47FE-FDA2-41C0-B9F1-A213ECF24298}"/>
                 </a:ext>
               </a:extLst>
             </p:cNvPr>
@@ -11833,7 +11833,7 @@
             </a:ln>
             <a:extLst>
               <a:ext uri="{91240B29-F687-4f45-9708-019B960494DF}">
-                <a14:hiddenLine xmlns="" xmlns:a14="http://schemas.microsoft.com/office/drawing/2010/main" w="9525">
+                <a14:hiddenLine xmlns:a14="http://schemas.microsoft.com/office/drawing/2010/main" xmlns="" w="9525">
                   <a:solidFill>
                     <a:srgbClr val="000000"/>
                   </a:solidFill>
@@ -11861,7 +11861,7 @@
             <p:cNvPr id="159" name="Oval 45">
               <a:extLst>
                 <a:ext uri="{FF2B5EF4-FFF2-40B4-BE49-F238E27FC236}">
-                  <a16:creationId xmlns:a16="http://schemas.microsoft.com/office/drawing/2014/main" xmlns="" id="{D5899F79-6CE3-4AD9-86BF-0B6DDC2A59A5}"/>
+                  <a16:creationId xmlns="" xmlns:a16="http://schemas.microsoft.com/office/drawing/2014/main" id="{D5899F79-6CE3-4AD9-86BF-0B6DDC2A59A5}"/>
                 </a:ext>
               </a:extLst>
             </p:cNvPr>
@@ -11886,7 +11886,7 @@
             </a:ln>
             <a:extLst>
               <a:ext uri="{91240B29-F687-4f45-9708-019B960494DF}">
-                <a14:hiddenLine xmlns="" xmlns:a14="http://schemas.microsoft.com/office/drawing/2010/main" w="9525">
+                <a14:hiddenLine xmlns:a14="http://schemas.microsoft.com/office/drawing/2010/main" xmlns="" w="9525">
                   <a:solidFill>
                     <a:srgbClr val="000000"/>
                   </a:solidFill>
@@ -11914,7 +11914,7 @@
             <p:cNvPr id="160" name="Oval 46">
               <a:extLst>
                 <a:ext uri="{FF2B5EF4-FFF2-40B4-BE49-F238E27FC236}">
-                  <a16:creationId xmlns:a16="http://schemas.microsoft.com/office/drawing/2014/main" xmlns="" id="{C22A3B75-2830-4AE9-AB66-C0582C36FE50}"/>
+                  <a16:creationId xmlns="" xmlns:a16="http://schemas.microsoft.com/office/drawing/2014/main" id="{C22A3B75-2830-4AE9-AB66-C0582C36FE50}"/>
                 </a:ext>
               </a:extLst>
             </p:cNvPr>
@@ -11939,7 +11939,7 @@
             </a:ln>
             <a:extLst>
               <a:ext uri="{91240B29-F687-4f45-9708-019B960494DF}">
-                <a14:hiddenLine xmlns="" xmlns:a14="http://schemas.microsoft.com/office/drawing/2010/main" w="9525">
+                <a14:hiddenLine xmlns:a14="http://schemas.microsoft.com/office/drawing/2010/main" xmlns="" w="9525">
                   <a:solidFill>
                     <a:srgbClr val="000000"/>
                   </a:solidFill>
@@ -11967,7 +11967,7 @@
             <p:cNvPr id="161" name="Freeform 47">
               <a:extLst>
                 <a:ext uri="{FF2B5EF4-FFF2-40B4-BE49-F238E27FC236}">
-                  <a16:creationId xmlns:a16="http://schemas.microsoft.com/office/drawing/2014/main" xmlns="" id="{EF8799BE-5C87-40F2-A886-5032A5E5B45B}"/>
+                  <a16:creationId xmlns="" xmlns:a16="http://schemas.microsoft.com/office/drawing/2014/main" id="{EF8799BE-5C87-40F2-A886-5032A5E5B45B}"/>
                 </a:ext>
               </a:extLst>
             </p:cNvPr>
@@ -12100,7 +12100,7 @@
             </a:ln>
             <a:extLst>
               <a:ext uri="{91240B29-F687-4f45-9708-019B960494DF}">
-                <a14:hiddenLine xmlns="" xmlns:a14="http://schemas.microsoft.com/office/drawing/2010/main" w="9525">
+                <a14:hiddenLine xmlns:a14="http://schemas.microsoft.com/office/drawing/2010/main" xmlns="" w="9525">
                   <a:solidFill>
                     <a:srgbClr val="000000"/>
                   </a:solidFill>
@@ -12128,7 +12128,7 @@
             <p:cNvPr id="162" name="Freeform 48">
               <a:extLst>
                 <a:ext uri="{FF2B5EF4-FFF2-40B4-BE49-F238E27FC236}">
-                  <a16:creationId xmlns:a16="http://schemas.microsoft.com/office/drawing/2014/main" xmlns="" id="{347F1E26-4D33-4A10-BE19-EF4B66B0866B}"/>
+                  <a16:creationId xmlns="" xmlns:a16="http://schemas.microsoft.com/office/drawing/2014/main" id="{347F1E26-4D33-4A10-BE19-EF4B66B0866B}"/>
                 </a:ext>
               </a:extLst>
             </p:cNvPr>
@@ -12228,7 +12228,7 @@
             </a:ln>
             <a:extLst>
               <a:ext uri="{91240B29-F687-4f45-9708-019B960494DF}">
-                <a14:hiddenLine xmlns="" xmlns:a14="http://schemas.microsoft.com/office/drawing/2010/main" w="9525">
+                <a14:hiddenLine xmlns:a14="http://schemas.microsoft.com/office/drawing/2010/main" xmlns="" w="9525">
                   <a:solidFill>
                     <a:srgbClr val="000000"/>
                   </a:solidFill>
@@ -12256,7 +12256,7 @@
             <p:cNvPr id="163" name="Freeform 49">
               <a:extLst>
                 <a:ext uri="{FF2B5EF4-FFF2-40B4-BE49-F238E27FC236}">
-                  <a16:creationId xmlns:a16="http://schemas.microsoft.com/office/drawing/2014/main" xmlns="" id="{D6D48CD1-E763-4A75-903E-9C091755C843}"/>
+                  <a16:creationId xmlns="" xmlns:a16="http://schemas.microsoft.com/office/drawing/2014/main" id="{D6D48CD1-E763-4A75-903E-9C091755C843}"/>
                 </a:ext>
               </a:extLst>
             </p:cNvPr>
@@ -12396,7 +12396,7 @@
             </a:ln>
             <a:extLst>
               <a:ext uri="{91240B29-F687-4f45-9708-019B960494DF}">
-                <a14:hiddenLine xmlns="" xmlns:a14="http://schemas.microsoft.com/office/drawing/2010/main" w="9525">
+                <a14:hiddenLine xmlns:a14="http://schemas.microsoft.com/office/drawing/2010/main" xmlns="" w="9525">
                   <a:solidFill>
                     <a:srgbClr val="000000"/>
                   </a:solidFill>
@@ -12424,7 +12424,7 @@
             <p:cNvPr id="164" name="Freeform 50">
               <a:extLst>
                 <a:ext uri="{FF2B5EF4-FFF2-40B4-BE49-F238E27FC236}">
-                  <a16:creationId xmlns:a16="http://schemas.microsoft.com/office/drawing/2014/main" xmlns="" id="{10EDCAE1-2F88-4E8A-9E87-5EA06CB1414E}"/>
+                  <a16:creationId xmlns="" xmlns:a16="http://schemas.microsoft.com/office/drawing/2014/main" id="{10EDCAE1-2F88-4E8A-9E87-5EA06CB1414E}"/>
                 </a:ext>
               </a:extLst>
             </p:cNvPr>
@@ -12492,7 +12492,7 @@
             </a:ln>
             <a:extLst>
               <a:ext uri="{91240B29-F687-4f45-9708-019B960494DF}">
-                <a14:hiddenLine xmlns="" xmlns:a14="http://schemas.microsoft.com/office/drawing/2010/main" w="9525">
+                <a14:hiddenLine xmlns:a14="http://schemas.microsoft.com/office/drawing/2010/main" xmlns="" w="9525">
                   <a:solidFill>
                     <a:srgbClr val="000000"/>
                   </a:solidFill>
@@ -12520,7 +12520,7 @@
             <p:cNvPr id="165" name="Freeform 51">
               <a:extLst>
                 <a:ext uri="{FF2B5EF4-FFF2-40B4-BE49-F238E27FC236}">
-                  <a16:creationId xmlns:a16="http://schemas.microsoft.com/office/drawing/2014/main" xmlns="" id="{B0318F65-29A9-4E99-A7B5-202839DB1F54}"/>
+                  <a16:creationId xmlns="" xmlns:a16="http://schemas.microsoft.com/office/drawing/2014/main" id="{B0318F65-29A9-4E99-A7B5-202839DB1F54}"/>
                 </a:ext>
               </a:extLst>
             </p:cNvPr>
@@ -12653,7 +12653,7 @@
             </a:ln>
             <a:extLst>
               <a:ext uri="{91240B29-F687-4f45-9708-019B960494DF}">
-                <a14:hiddenLine xmlns="" xmlns:a14="http://schemas.microsoft.com/office/drawing/2010/main" w="9525">
+                <a14:hiddenLine xmlns:a14="http://schemas.microsoft.com/office/drawing/2010/main" xmlns="" w="9525">
                   <a:solidFill>
                     <a:srgbClr val="000000"/>
                   </a:solidFill>
@@ -12681,7 +12681,7 @@
             <p:cNvPr id="166" name="Freeform 52">
               <a:extLst>
                 <a:ext uri="{FF2B5EF4-FFF2-40B4-BE49-F238E27FC236}">
-                  <a16:creationId xmlns:a16="http://schemas.microsoft.com/office/drawing/2014/main" xmlns="" id="{6B27258F-A3C7-41C7-8167-AAAF9E125D79}"/>
+                  <a16:creationId xmlns="" xmlns:a16="http://schemas.microsoft.com/office/drawing/2014/main" id="{6B27258F-A3C7-41C7-8167-AAAF9E125D79}"/>
                 </a:ext>
               </a:extLst>
             </p:cNvPr>
@@ -12814,7 +12814,7 @@
             </a:ln>
             <a:extLst>
               <a:ext uri="{91240B29-F687-4f45-9708-019B960494DF}">
-                <a14:hiddenLine xmlns="" xmlns:a14="http://schemas.microsoft.com/office/drawing/2010/main" w="9525">
+                <a14:hiddenLine xmlns:a14="http://schemas.microsoft.com/office/drawing/2010/main" xmlns="" w="9525">
                   <a:solidFill>
                     <a:srgbClr val="000000"/>
                   </a:solidFill>
@@ -12842,7 +12842,7 @@
             <p:cNvPr id="167" name="Oval 53">
               <a:extLst>
                 <a:ext uri="{FF2B5EF4-FFF2-40B4-BE49-F238E27FC236}">
-                  <a16:creationId xmlns:a16="http://schemas.microsoft.com/office/drawing/2014/main" xmlns="" id="{1FA0DF60-A1CC-498E-98F2-A4F6D304E079}"/>
+                  <a16:creationId xmlns="" xmlns:a16="http://schemas.microsoft.com/office/drawing/2014/main" id="{1FA0DF60-A1CC-498E-98F2-A4F6D304E079}"/>
                 </a:ext>
               </a:extLst>
             </p:cNvPr>
@@ -12867,7 +12867,7 @@
             </a:ln>
             <a:extLst>
               <a:ext uri="{91240B29-F687-4f45-9708-019B960494DF}">
-                <a14:hiddenLine xmlns="" xmlns:a14="http://schemas.microsoft.com/office/drawing/2010/main" w="9525">
+                <a14:hiddenLine xmlns:a14="http://schemas.microsoft.com/office/drawing/2010/main" xmlns="" w="9525">
                   <a:solidFill>
                     <a:srgbClr val="000000"/>
                   </a:solidFill>
@@ -12895,7 +12895,7 @@
             <p:cNvPr id="168" name="Freeform 59">
               <a:extLst>
                 <a:ext uri="{FF2B5EF4-FFF2-40B4-BE49-F238E27FC236}">
-                  <a16:creationId xmlns:a16="http://schemas.microsoft.com/office/drawing/2014/main" xmlns="" id="{37CCC26D-B56E-4372-85DE-4EDE87536347}"/>
+                  <a16:creationId xmlns="" xmlns:a16="http://schemas.microsoft.com/office/drawing/2014/main" id="{37CCC26D-B56E-4372-85DE-4EDE87536347}"/>
                 </a:ext>
               </a:extLst>
             </p:cNvPr>
@@ -12963,7 +12963,7 @@
             </a:ln>
             <a:extLst>
               <a:ext uri="{91240B29-F687-4f45-9708-019B960494DF}">
-                <a14:hiddenLine xmlns="" xmlns:a14="http://schemas.microsoft.com/office/drawing/2010/main" w="9525">
+                <a14:hiddenLine xmlns:a14="http://schemas.microsoft.com/office/drawing/2010/main" xmlns="" w="9525">
                   <a:solidFill>
                     <a:srgbClr val="000000"/>
                   </a:solidFill>
@@ -12991,7 +12991,7 @@
             <p:cNvPr id="170" name="Oval 36">
               <a:extLst>
                 <a:ext uri="{FF2B5EF4-FFF2-40B4-BE49-F238E27FC236}">
-                  <a16:creationId xmlns:a16="http://schemas.microsoft.com/office/drawing/2014/main" xmlns="" id="{B078A5C1-B480-412F-9782-8B910D78F004}"/>
+                  <a16:creationId xmlns="" xmlns:a16="http://schemas.microsoft.com/office/drawing/2014/main" id="{B078A5C1-B480-412F-9782-8B910D78F004}"/>
                 </a:ext>
               </a:extLst>
             </p:cNvPr>
@@ -13016,7 +13016,7 @@
             </a:ln>
             <a:extLst>
               <a:ext uri="{91240B29-F687-4f45-9708-019B960494DF}">
-                <a14:hiddenLine xmlns="" xmlns:a14="http://schemas.microsoft.com/office/drawing/2010/main" w="9525">
+                <a14:hiddenLine xmlns:a14="http://schemas.microsoft.com/office/drawing/2010/main" xmlns="" w="9525">
                   <a:solidFill>
                     <a:srgbClr val="000000"/>
                   </a:solidFill>
@@ -13044,7 +13044,7 @@
             <p:cNvPr id="171" name="Oval 37">
               <a:extLst>
                 <a:ext uri="{FF2B5EF4-FFF2-40B4-BE49-F238E27FC236}">
-                  <a16:creationId xmlns:a16="http://schemas.microsoft.com/office/drawing/2014/main" xmlns="" id="{05D72483-40FA-4A62-ABDE-31385CA04755}"/>
+                  <a16:creationId xmlns="" xmlns:a16="http://schemas.microsoft.com/office/drawing/2014/main" id="{05D72483-40FA-4A62-ABDE-31385CA04755}"/>
                 </a:ext>
               </a:extLst>
             </p:cNvPr>
@@ -13069,7 +13069,7 @@
             </a:ln>
             <a:extLst>
               <a:ext uri="{91240B29-F687-4f45-9708-019B960494DF}">
-                <a14:hiddenLine xmlns="" xmlns:a14="http://schemas.microsoft.com/office/drawing/2010/main" w="9525">
+                <a14:hiddenLine xmlns:a14="http://schemas.microsoft.com/office/drawing/2010/main" xmlns="" w="9525">
                   <a:solidFill>
                     <a:srgbClr val="000000"/>
                   </a:solidFill>
@@ -13097,7 +13097,7 @@
             <p:cNvPr id="172" name="Freeform 38">
               <a:extLst>
                 <a:ext uri="{FF2B5EF4-FFF2-40B4-BE49-F238E27FC236}">
-                  <a16:creationId xmlns:a16="http://schemas.microsoft.com/office/drawing/2014/main" xmlns="" id="{CBFBB7C8-E2B9-44C2-BF9D-07C57E716BB0}"/>
+                  <a16:creationId xmlns="" xmlns:a16="http://schemas.microsoft.com/office/drawing/2014/main" id="{CBFBB7C8-E2B9-44C2-BF9D-07C57E716BB0}"/>
                 </a:ext>
               </a:extLst>
             </p:cNvPr>
@@ -13230,7 +13230,7 @@
             </a:ln>
             <a:extLst>
               <a:ext uri="{91240B29-F687-4f45-9708-019B960494DF}">
-                <a14:hiddenLine xmlns="" xmlns:a14="http://schemas.microsoft.com/office/drawing/2010/main" w="9525">
+                <a14:hiddenLine xmlns:a14="http://schemas.microsoft.com/office/drawing/2010/main" xmlns="" w="9525">
                   <a:solidFill>
                     <a:srgbClr val="000000"/>
                   </a:solidFill>
@@ -13258,7 +13258,7 @@
             <p:cNvPr id="173" name="Freeform 39">
               <a:extLst>
                 <a:ext uri="{FF2B5EF4-FFF2-40B4-BE49-F238E27FC236}">
-                  <a16:creationId xmlns:a16="http://schemas.microsoft.com/office/drawing/2014/main" xmlns="" id="{D16F4513-1E27-47D2-9F97-04F24C3CBC7A}"/>
+                  <a16:creationId xmlns="" xmlns:a16="http://schemas.microsoft.com/office/drawing/2014/main" id="{D16F4513-1E27-47D2-9F97-04F24C3CBC7A}"/>
                 </a:ext>
               </a:extLst>
             </p:cNvPr>
@@ -13358,7 +13358,7 @@
             </a:ln>
             <a:extLst>
               <a:ext uri="{91240B29-F687-4f45-9708-019B960494DF}">
-                <a14:hiddenLine xmlns="" xmlns:a14="http://schemas.microsoft.com/office/drawing/2010/main" w="9525">
+                <a14:hiddenLine xmlns:a14="http://schemas.microsoft.com/office/drawing/2010/main" xmlns="" w="9525">
                   <a:solidFill>
                     <a:srgbClr val="000000"/>
                   </a:solidFill>
@@ -13386,7 +13386,7 @@
             <p:cNvPr id="174" name="Freeform 40">
               <a:extLst>
                 <a:ext uri="{FF2B5EF4-FFF2-40B4-BE49-F238E27FC236}">
-                  <a16:creationId xmlns:a16="http://schemas.microsoft.com/office/drawing/2014/main" xmlns="" id="{87D954E6-ED09-42C8-B3A6-03186E9823A4}"/>
+                  <a16:creationId xmlns="" xmlns:a16="http://schemas.microsoft.com/office/drawing/2014/main" id="{87D954E6-ED09-42C8-B3A6-03186E9823A4}"/>
                 </a:ext>
               </a:extLst>
             </p:cNvPr>
@@ -13526,7 +13526,7 @@
             </a:ln>
             <a:extLst>
               <a:ext uri="{91240B29-F687-4f45-9708-019B960494DF}">
-                <a14:hiddenLine xmlns="" xmlns:a14="http://schemas.microsoft.com/office/drawing/2010/main" w="9525">
+                <a14:hiddenLine xmlns:a14="http://schemas.microsoft.com/office/drawing/2010/main" xmlns="" w="9525">
                   <a:solidFill>
                     <a:srgbClr val="000000"/>
                   </a:solidFill>
@@ -13554,7 +13554,7 @@
             <p:cNvPr id="175" name="Freeform 42">
               <a:extLst>
                 <a:ext uri="{FF2B5EF4-FFF2-40B4-BE49-F238E27FC236}">
-                  <a16:creationId xmlns:a16="http://schemas.microsoft.com/office/drawing/2014/main" xmlns="" id="{B2156065-608F-4DC9-B507-678254D0DF9D}"/>
+                  <a16:creationId xmlns="" xmlns:a16="http://schemas.microsoft.com/office/drawing/2014/main" id="{B2156065-608F-4DC9-B507-678254D0DF9D}"/>
                 </a:ext>
               </a:extLst>
             </p:cNvPr>
@@ -13687,7 +13687,7 @@
             </a:ln>
             <a:extLst>
               <a:ext uri="{91240B29-F687-4f45-9708-019B960494DF}">
-                <a14:hiddenLine xmlns="" xmlns:a14="http://schemas.microsoft.com/office/drawing/2010/main" w="9525">
+                <a14:hiddenLine xmlns:a14="http://schemas.microsoft.com/office/drawing/2010/main" xmlns="" w="9525">
                   <a:solidFill>
                     <a:srgbClr val="000000"/>
                   </a:solidFill>
@@ -13715,7 +13715,7 @@
             <p:cNvPr id="176" name="Freeform 43">
               <a:extLst>
                 <a:ext uri="{FF2B5EF4-FFF2-40B4-BE49-F238E27FC236}">
-                  <a16:creationId xmlns:a16="http://schemas.microsoft.com/office/drawing/2014/main" xmlns="" id="{88231401-AE4E-420A-99EF-A48D1AB330DA}"/>
+                  <a16:creationId xmlns="" xmlns:a16="http://schemas.microsoft.com/office/drawing/2014/main" id="{88231401-AE4E-420A-99EF-A48D1AB330DA}"/>
                 </a:ext>
               </a:extLst>
             </p:cNvPr>
@@ -13848,7 +13848,7 @@
             </a:ln>
             <a:extLst>
               <a:ext uri="{91240B29-F687-4f45-9708-019B960494DF}">
-                <a14:hiddenLine xmlns="" xmlns:a14="http://schemas.microsoft.com/office/drawing/2010/main" w="9525">
+                <a14:hiddenLine xmlns:a14="http://schemas.microsoft.com/office/drawing/2010/main" xmlns="" w="9525">
                   <a:solidFill>
                     <a:srgbClr val="000000"/>
                   </a:solidFill>
@@ -13876,7 +13876,7 @@
             <p:cNvPr id="177" name="Oval 44">
               <a:extLst>
                 <a:ext uri="{FF2B5EF4-FFF2-40B4-BE49-F238E27FC236}">
-                  <a16:creationId xmlns:a16="http://schemas.microsoft.com/office/drawing/2014/main" xmlns="" id="{8395D515-511B-4D1B-ABB5-0C11B4D0D7BE}"/>
+                  <a16:creationId xmlns="" xmlns:a16="http://schemas.microsoft.com/office/drawing/2014/main" id="{8395D515-511B-4D1B-ABB5-0C11B4D0D7BE}"/>
                 </a:ext>
               </a:extLst>
             </p:cNvPr>
@@ -13901,7 +13901,7 @@
             </a:ln>
             <a:extLst>
               <a:ext uri="{91240B29-F687-4f45-9708-019B960494DF}">
-                <a14:hiddenLine xmlns="" xmlns:a14="http://schemas.microsoft.com/office/drawing/2010/main" w="9525">
+                <a14:hiddenLine xmlns:a14="http://schemas.microsoft.com/office/drawing/2010/main" xmlns="" w="9525">
                   <a:solidFill>
                     <a:srgbClr val="000000"/>
                   </a:solidFill>
@@ -13929,7 +13929,7 @@
             <p:cNvPr id="178" name="Oval 45">
               <a:extLst>
                 <a:ext uri="{FF2B5EF4-FFF2-40B4-BE49-F238E27FC236}">
-                  <a16:creationId xmlns:a16="http://schemas.microsoft.com/office/drawing/2014/main" xmlns="" id="{AEB0E138-77BE-41F9-A716-051BF43173D7}"/>
+                  <a16:creationId xmlns="" xmlns:a16="http://schemas.microsoft.com/office/drawing/2014/main" id="{AEB0E138-77BE-41F9-A716-051BF43173D7}"/>
                 </a:ext>
               </a:extLst>
             </p:cNvPr>
@@ -13954,7 +13954,7 @@
             </a:ln>
             <a:extLst>
               <a:ext uri="{91240B29-F687-4f45-9708-019B960494DF}">
-                <a14:hiddenLine xmlns="" xmlns:a14="http://schemas.microsoft.com/office/drawing/2010/main" w="9525">
+                <a14:hiddenLine xmlns:a14="http://schemas.microsoft.com/office/drawing/2010/main" xmlns="" w="9525">
                   <a:solidFill>
                     <a:srgbClr val="000000"/>
                   </a:solidFill>
@@ -13982,7 +13982,7 @@
             <p:cNvPr id="179" name="Oval 46">
               <a:extLst>
                 <a:ext uri="{FF2B5EF4-FFF2-40B4-BE49-F238E27FC236}">
-                  <a16:creationId xmlns:a16="http://schemas.microsoft.com/office/drawing/2014/main" xmlns="" id="{41927B00-105B-41D5-9928-D66D558BAC23}"/>
+                  <a16:creationId xmlns="" xmlns:a16="http://schemas.microsoft.com/office/drawing/2014/main" id="{41927B00-105B-41D5-9928-D66D558BAC23}"/>
                 </a:ext>
               </a:extLst>
             </p:cNvPr>
@@ -14007,7 +14007,7 @@
             </a:ln>
             <a:extLst>
               <a:ext uri="{91240B29-F687-4f45-9708-019B960494DF}">
-                <a14:hiddenLine xmlns="" xmlns:a14="http://schemas.microsoft.com/office/drawing/2010/main" w="9525">
+                <a14:hiddenLine xmlns:a14="http://schemas.microsoft.com/office/drawing/2010/main" xmlns="" w="9525">
                   <a:solidFill>
                     <a:srgbClr val="000000"/>
                   </a:solidFill>
@@ -14035,7 +14035,7 @@
             <p:cNvPr id="180" name="Freeform 47">
               <a:extLst>
                 <a:ext uri="{FF2B5EF4-FFF2-40B4-BE49-F238E27FC236}">
-                  <a16:creationId xmlns:a16="http://schemas.microsoft.com/office/drawing/2014/main" xmlns="" id="{D0EDE76C-EBDD-4BB8-BED4-77691286DC23}"/>
+                  <a16:creationId xmlns="" xmlns:a16="http://schemas.microsoft.com/office/drawing/2014/main" id="{D0EDE76C-EBDD-4BB8-BED4-77691286DC23}"/>
                 </a:ext>
               </a:extLst>
             </p:cNvPr>
@@ -14168,7 +14168,7 @@
             </a:ln>
             <a:extLst>
               <a:ext uri="{91240B29-F687-4f45-9708-019B960494DF}">
-                <a14:hiddenLine xmlns="" xmlns:a14="http://schemas.microsoft.com/office/drawing/2010/main" w="9525">
+                <a14:hiddenLine xmlns:a14="http://schemas.microsoft.com/office/drawing/2010/main" xmlns="" w="9525">
                   <a:solidFill>
                     <a:srgbClr val="000000"/>
                   </a:solidFill>
@@ -14196,7 +14196,7 @@
             <p:cNvPr id="181" name="Freeform 48">
               <a:extLst>
                 <a:ext uri="{FF2B5EF4-FFF2-40B4-BE49-F238E27FC236}">
-                  <a16:creationId xmlns:a16="http://schemas.microsoft.com/office/drawing/2014/main" xmlns="" id="{743B8296-6466-4F42-88E3-05BA9C8E45F5}"/>
+                  <a16:creationId xmlns="" xmlns:a16="http://schemas.microsoft.com/office/drawing/2014/main" id="{743B8296-6466-4F42-88E3-05BA9C8E45F5}"/>
                 </a:ext>
               </a:extLst>
             </p:cNvPr>
@@ -14296,7 +14296,7 @@
             </a:ln>
             <a:extLst>
               <a:ext uri="{91240B29-F687-4f45-9708-019B960494DF}">
-                <a14:hiddenLine xmlns="" xmlns:a14="http://schemas.microsoft.com/office/drawing/2010/main" w="9525">
+                <a14:hiddenLine xmlns:a14="http://schemas.microsoft.com/office/drawing/2010/main" xmlns="" w="9525">
                   <a:solidFill>
                     <a:srgbClr val="000000"/>
                   </a:solidFill>
@@ -14324,7 +14324,7 @@
             <p:cNvPr id="182" name="Freeform 49">
               <a:extLst>
                 <a:ext uri="{FF2B5EF4-FFF2-40B4-BE49-F238E27FC236}">
-                  <a16:creationId xmlns:a16="http://schemas.microsoft.com/office/drawing/2014/main" xmlns="" id="{0D804D19-6C23-4C6C-9394-9EE831A535CF}"/>
+                  <a16:creationId xmlns="" xmlns:a16="http://schemas.microsoft.com/office/drawing/2014/main" id="{0D804D19-6C23-4C6C-9394-9EE831A535CF}"/>
                 </a:ext>
               </a:extLst>
             </p:cNvPr>
@@ -14464,7 +14464,7 @@
             </a:ln>
             <a:extLst>
               <a:ext uri="{91240B29-F687-4f45-9708-019B960494DF}">
-                <a14:hiddenLine xmlns="" xmlns:a14="http://schemas.microsoft.com/office/drawing/2010/main" w="9525">
+                <a14:hiddenLine xmlns:a14="http://schemas.microsoft.com/office/drawing/2010/main" xmlns="" w="9525">
                   <a:solidFill>
                     <a:srgbClr val="000000"/>
                   </a:solidFill>
@@ -14492,7 +14492,7 @@
             <p:cNvPr id="183" name="Freeform 50">
               <a:extLst>
                 <a:ext uri="{FF2B5EF4-FFF2-40B4-BE49-F238E27FC236}">
-                  <a16:creationId xmlns:a16="http://schemas.microsoft.com/office/drawing/2014/main" xmlns="" id="{395819C0-D9B7-4D44-AEEC-81DD100E1CC7}"/>
+                  <a16:creationId xmlns="" xmlns:a16="http://schemas.microsoft.com/office/drawing/2014/main" id="{395819C0-D9B7-4D44-AEEC-81DD100E1CC7}"/>
                 </a:ext>
               </a:extLst>
             </p:cNvPr>
@@ -14560,7 +14560,7 @@
             </a:ln>
             <a:extLst>
               <a:ext uri="{91240B29-F687-4f45-9708-019B960494DF}">
-                <a14:hiddenLine xmlns="" xmlns:a14="http://schemas.microsoft.com/office/drawing/2010/main" w="9525">
+                <a14:hiddenLine xmlns:a14="http://schemas.microsoft.com/office/drawing/2010/main" xmlns="" w="9525">
                   <a:solidFill>
                     <a:srgbClr val="000000"/>
                   </a:solidFill>
@@ -14588,7 +14588,7 @@
             <p:cNvPr id="184" name="Freeform 51">
               <a:extLst>
                 <a:ext uri="{FF2B5EF4-FFF2-40B4-BE49-F238E27FC236}">
-                  <a16:creationId xmlns:a16="http://schemas.microsoft.com/office/drawing/2014/main" xmlns="" id="{AC6F935A-1039-4DB7-B33F-D8661270B868}"/>
+                  <a16:creationId xmlns="" xmlns:a16="http://schemas.microsoft.com/office/drawing/2014/main" id="{AC6F935A-1039-4DB7-B33F-D8661270B868}"/>
                 </a:ext>
               </a:extLst>
             </p:cNvPr>
@@ -14721,7 +14721,7 @@
             </a:ln>
             <a:extLst>
               <a:ext uri="{91240B29-F687-4f45-9708-019B960494DF}">
-                <a14:hiddenLine xmlns="" xmlns:a14="http://schemas.microsoft.com/office/drawing/2010/main" w="9525">
+                <a14:hiddenLine xmlns:a14="http://schemas.microsoft.com/office/drawing/2010/main" xmlns="" w="9525">
                   <a:solidFill>
                     <a:srgbClr val="000000"/>
                   </a:solidFill>
@@ -14749,7 +14749,7 @@
             <p:cNvPr id="185" name="Freeform 52">
               <a:extLst>
                 <a:ext uri="{FF2B5EF4-FFF2-40B4-BE49-F238E27FC236}">
-                  <a16:creationId xmlns:a16="http://schemas.microsoft.com/office/drawing/2014/main" xmlns="" id="{A30E2163-9BB2-4383-B18B-4522C68317D8}"/>
+                  <a16:creationId xmlns="" xmlns:a16="http://schemas.microsoft.com/office/drawing/2014/main" id="{A30E2163-9BB2-4383-B18B-4522C68317D8}"/>
                 </a:ext>
               </a:extLst>
             </p:cNvPr>
@@ -14882,7 +14882,7 @@
             </a:ln>
             <a:extLst>
               <a:ext uri="{91240B29-F687-4f45-9708-019B960494DF}">
-                <a14:hiddenLine xmlns="" xmlns:a14="http://schemas.microsoft.com/office/drawing/2010/main" w="9525">
+                <a14:hiddenLine xmlns:a14="http://schemas.microsoft.com/office/drawing/2010/main" xmlns="" w="9525">
                   <a:solidFill>
                     <a:srgbClr val="000000"/>
                   </a:solidFill>
@@ -14910,7 +14910,7 @@
             <p:cNvPr id="186" name="Oval 53">
               <a:extLst>
                 <a:ext uri="{FF2B5EF4-FFF2-40B4-BE49-F238E27FC236}">
-                  <a16:creationId xmlns:a16="http://schemas.microsoft.com/office/drawing/2014/main" xmlns="" id="{716D231B-E4B7-4CF9-BCDD-5DA9F2FAB478}"/>
+                  <a16:creationId xmlns="" xmlns:a16="http://schemas.microsoft.com/office/drawing/2014/main" id="{716D231B-E4B7-4CF9-BCDD-5DA9F2FAB478}"/>
                 </a:ext>
               </a:extLst>
             </p:cNvPr>
@@ -14935,7 +14935,7 @@
             </a:ln>
             <a:extLst>
               <a:ext uri="{91240B29-F687-4f45-9708-019B960494DF}">
-                <a14:hiddenLine xmlns="" xmlns:a14="http://schemas.microsoft.com/office/drawing/2010/main" w="9525">
+                <a14:hiddenLine xmlns:a14="http://schemas.microsoft.com/office/drawing/2010/main" xmlns="" w="9525">
                   <a:solidFill>
                     <a:srgbClr val="000000"/>
                   </a:solidFill>
@@ -14963,7 +14963,7 @@
             <p:cNvPr id="187" name="Freeform 59">
               <a:extLst>
                 <a:ext uri="{FF2B5EF4-FFF2-40B4-BE49-F238E27FC236}">
-                  <a16:creationId xmlns:a16="http://schemas.microsoft.com/office/drawing/2014/main" xmlns="" id="{BDCCD4DD-398C-4437-BCA6-E12528BB40A9}"/>
+                  <a16:creationId xmlns="" xmlns:a16="http://schemas.microsoft.com/office/drawing/2014/main" id="{BDCCD4DD-398C-4437-BCA6-E12528BB40A9}"/>
                 </a:ext>
               </a:extLst>
             </p:cNvPr>
@@ -15031,7 +15031,7 @@
             </a:ln>
             <a:extLst>
               <a:ext uri="{91240B29-F687-4f45-9708-019B960494DF}">
-                <a14:hiddenLine xmlns="" xmlns:a14="http://schemas.microsoft.com/office/drawing/2010/main" w="9525">
+                <a14:hiddenLine xmlns:a14="http://schemas.microsoft.com/office/drawing/2010/main" xmlns="" w="9525">
                   <a:solidFill>
                     <a:srgbClr val="000000"/>
                   </a:solidFill>
@@ -15059,7 +15059,7 @@
             <p:cNvPr id="188" name="Oval 36">
               <a:extLst>
                 <a:ext uri="{FF2B5EF4-FFF2-40B4-BE49-F238E27FC236}">
-                  <a16:creationId xmlns:a16="http://schemas.microsoft.com/office/drawing/2014/main" xmlns="" id="{63FF15A9-5075-4A8C-8DD6-567A66E5DDBA}"/>
+                  <a16:creationId xmlns="" xmlns:a16="http://schemas.microsoft.com/office/drawing/2014/main" id="{63FF15A9-5075-4A8C-8DD6-567A66E5DDBA}"/>
                 </a:ext>
               </a:extLst>
             </p:cNvPr>
@@ -15084,7 +15084,7 @@
             </a:ln>
             <a:extLst>
               <a:ext uri="{91240B29-F687-4f45-9708-019B960494DF}">
-                <a14:hiddenLine xmlns="" xmlns:a14="http://schemas.microsoft.com/office/drawing/2010/main" w="9525">
+                <a14:hiddenLine xmlns:a14="http://schemas.microsoft.com/office/drawing/2010/main" xmlns="" w="9525">
                   <a:solidFill>
                     <a:srgbClr val="000000"/>
                   </a:solidFill>
@@ -15112,7 +15112,7 @@
             <p:cNvPr id="189" name="Oval 37">
               <a:extLst>
                 <a:ext uri="{FF2B5EF4-FFF2-40B4-BE49-F238E27FC236}">
-                  <a16:creationId xmlns:a16="http://schemas.microsoft.com/office/drawing/2014/main" xmlns="" id="{09F155C3-BF25-4E95-8649-03AE21A20A39}"/>
+                  <a16:creationId xmlns="" xmlns:a16="http://schemas.microsoft.com/office/drawing/2014/main" id="{09F155C3-BF25-4E95-8649-03AE21A20A39}"/>
                 </a:ext>
               </a:extLst>
             </p:cNvPr>
@@ -15137,7 +15137,7 @@
             </a:ln>
             <a:extLst>
               <a:ext uri="{91240B29-F687-4f45-9708-019B960494DF}">
-                <a14:hiddenLine xmlns="" xmlns:a14="http://schemas.microsoft.com/office/drawing/2010/main" w="9525">
+                <a14:hiddenLine xmlns:a14="http://schemas.microsoft.com/office/drawing/2010/main" xmlns="" w="9525">
                   <a:solidFill>
                     <a:srgbClr val="000000"/>
                   </a:solidFill>
@@ -15165,7 +15165,7 @@
             <p:cNvPr id="190" name="Freeform 38">
               <a:extLst>
                 <a:ext uri="{FF2B5EF4-FFF2-40B4-BE49-F238E27FC236}">
-                  <a16:creationId xmlns:a16="http://schemas.microsoft.com/office/drawing/2014/main" xmlns="" id="{404C1D6E-E6AD-496C-946C-E43BC22F31AA}"/>
+                  <a16:creationId xmlns="" xmlns:a16="http://schemas.microsoft.com/office/drawing/2014/main" id="{404C1D6E-E6AD-496C-946C-E43BC22F31AA}"/>
                 </a:ext>
               </a:extLst>
             </p:cNvPr>
@@ -15298,7 +15298,7 @@
             </a:ln>
             <a:extLst>
               <a:ext uri="{91240B29-F687-4f45-9708-019B960494DF}">
-                <a14:hiddenLine xmlns="" xmlns:a14="http://schemas.microsoft.com/office/drawing/2010/main" w="9525">
+                <a14:hiddenLine xmlns:a14="http://schemas.microsoft.com/office/drawing/2010/main" xmlns="" w="9525">
                   <a:solidFill>
                     <a:srgbClr val="000000"/>
                   </a:solidFill>
@@ -15326,7 +15326,7 @@
             <p:cNvPr id="191" name="Freeform 39">
               <a:extLst>
                 <a:ext uri="{FF2B5EF4-FFF2-40B4-BE49-F238E27FC236}">
-                  <a16:creationId xmlns:a16="http://schemas.microsoft.com/office/drawing/2014/main" xmlns="" id="{D96FA199-22BD-460E-88A4-4B9C05A5ACD1}"/>
+                  <a16:creationId xmlns="" xmlns:a16="http://schemas.microsoft.com/office/drawing/2014/main" id="{D96FA199-22BD-460E-88A4-4B9C05A5ACD1}"/>
                 </a:ext>
               </a:extLst>
             </p:cNvPr>
@@ -15426,7 +15426,7 @@
             </a:ln>
             <a:extLst>
               <a:ext uri="{91240B29-F687-4f45-9708-019B960494DF}">
-                <a14:hiddenLine xmlns="" xmlns:a14="http://schemas.microsoft.com/office/drawing/2010/main" w="9525">
+                <a14:hiddenLine xmlns:a14="http://schemas.microsoft.com/office/drawing/2010/main" xmlns="" w="9525">
                   <a:solidFill>
                     <a:srgbClr val="000000"/>
                   </a:solidFill>
@@ -15454,7 +15454,7 @@
             <p:cNvPr id="192" name="Freeform 40">
               <a:extLst>
                 <a:ext uri="{FF2B5EF4-FFF2-40B4-BE49-F238E27FC236}">
-                  <a16:creationId xmlns:a16="http://schemas.microsoft.com/office/drawing/2014/main" xmlns="" id="{844A6B82-B300-49B7-B250-0236BFCF981B}"/>
+                  <a16:creationId xmlns="" xmlns:a16="http://schemas.microsoft.com/office/drawing/2014/main" id="{844A6B82-B300-49B7-B250-0236BFCF981B}"/>
                 </a:ext>
               </a:extLst>
             </p:cNvPr>
@@ -15594,7 +15594,7 @@
             </a:ln>
             <a:extLst>
               <a:ext uri="{91240B29-F687-4f45-9708-019B960494DF}">
-                <a14:hiddenLine xmlns="" xmlns:a14="http://schemas.microsoft.com/office/drawing/2010/main" w="9525">
+                <a14:hiddenLine xmlns:a14="http://schemas.microsoft.com/office/drawing/2010/main" xmlns="" w="9525">
                   <a:solidFill>
                     <a:srgbClr val="000000"/>
                   </a:solidFill>
@@ -15622,7 +15622,7 @@
             <p:cNvPr id="193" name="Freeform 42">
               <a:extLst>
                 <a:ext uri="{FF2B5EF4-FFF2-40B4-BE49-F238E27FC236}">
-                  <a16:creationId xmlns:a16="http://schemas.microsoft.com/office/drawing/2014/main" xmlns="" id="{CEE89A0C-B8C6-42C0-B898-1403359C7AC5}"/>
+                  <a16:creationId xmlns="" xmlns:a16="http://schemas.microsoft.com/office/drawing/2014/main" id="{CEE89A0C-B8C6-42C0-B898-1403359C7AC5}"/>
                 </a:ext>
               </a:extLst>
             </p:cNvPr>
@@ -15755,7 +15755,7 @@
             </a:ln>
             <a:extLst>
               <a:ext uri="{91240B29-F687-4f45-9708-019B960494DF}">
-                <a14:hiddenLine xmlns="" xmlns:a14="http://schemas.microsoft.com/office/drawing/2010/main" w="9525">
+                <a14:hiddenLine xmlns:a14="http://schemas.microsoft.com/office/drawing/2010/main" xmlns="" w="9525">
                   <a:solidFill>
                     <a:srgbClr val="000000"/>
                   </a:solidFill>
@@ -15783,7 +15783,7 @@
             <p:cNvPr id="194" name="Freeform 43">
               <a:extLst>
                 <a:ext uri="{FF2B5EF4-FFF2-40B4-BE49-F238E27FC236}">
-                  <a16:creationId xmlns:a16="http://schemas.microsoft.com/office/drawing/2014/main" xmlns="" id="{D50697B4-EA21-45BF-A9D5-CCD3AD34D478}"/>
+                  <a16:creationId xmlns="" xmlns:a16="http://schemas.microsoft.com/office/drawing/2014/main" id="{D50697B4-EA21-45BF-A9D5-CCD3AD34D478}"/>
                 </a:ext>
               </a:extLst>
             </p:cNvPr>
@@ -15916,7 +15916,7 @@
             </a:ln>
             <a:extLst>
               <a:ext uri="{91240B29-F687-4f45-9708-019B960494DF}">
-                <a14:hiddenLine xmlns="" xmlns:a14="http://schemas.microsoft.com/office/drawing/2010/main" w="9525">
+                <a14:hiddenLine xmlns:a14="http://schemas.microsoft.com/office/drawing/2010/main" xmlns="" w="9525">
                   <a:solidFill>
                     <a:srgbClr val="000000"/>
                   </a:solidFill>
@@ -15944,7 +15944,7 @@
             <p:cNvPr id="195" name="Oval 44">
               <a:extLst>
                 <a:ext uri="{FF2B5EF4-FFF2-40B4-BE49-F238E27FC236}">
-                  <a16:creationId xmlns:a16="http://schemas.microsoft.com/office/drawing/2014/main" xmlns="" id="{079319F3-BCC2-419B-B772-C685DAEE180E}"/>
+                  <a16:creationId xmlns="" xmlns:a16="http://schemas.microsoft.com/office/drawing/2014/main" id="{079319F3-BCC2-419B-B772-C685DAEE180E}"/>
                 </a:ext>
               </a:extLst>
             </p:cNvPr>
@@ -15969,7 +15969,7 @@
             </a:ln>
             <a:extLst>
               <a:ext uri="{91240B29-F687-4f45-9708-019B960494DF}">
-                <a14:hiddenLine xmlns="" xmlns:a14="http://schemas.microsoft.com/office/drawing/2010/main" w="9525">
+                <a14:hiddenLine xmlns:a14="http://schemas.microsoft.com/office/drawing/2010/main" xmlns="" w="9525">
                   <a:solidFill>
                     <a:srgbClr val="000000"/>
                   </a:solidFill>
@@ -15997,7 +15997,7 @@
             <p:cNvPr id="196" name="Oval 45">
               <a:extLst>
                 <a:ext uri="{FF2B5EF4-FFF2-40B4-BE49-F238E27FC236}">
-                  <a16:creationId xmlns:a16="http://schemas.microsoft.com/office/drawing/2014/main" xmlns="" id="{1BD2452C-4691-4003-B0F3-27E461DEF059}"/>
+                  <a16:creationId xmlns="" xmlns:a16="http://schemas.microsoft.com/office/drawing/2014/main" id="{1BD2452C-4691-4003-B0F3-27E461DEF059}"/>
                 </a:ext>
               </a:extLst>
             </p:cNvPr>
@@ -16022,7 +16022,7 @@
             </a:ln>
             <a:extLst>
               <a:ext uri="{91240B29-F687-4f45-9708-019B960494DF}">
-                <a14:hiddenLine xmlns="" xmlns:a14="http://schemas.microsoft.com/office/drawing/2010/main" w="9525">
+                <a14:hiddenLine xmlns:a14="http://schemas.microsoft.com/office/drawing/2010/main" xmlns="" w="9525">
                   <a:solidFill>
                     <a:srgbClr val="000000"/>
                   </a:solidFill>
@@ -16050,7 +16050,7 @@
             <p:cNvPr id="197" name="Oval 46">
               <a:extLst>
                 <a:ext uri="{FF2B5EF4-FFF2-40B4-BE49-F238E27FC236}">
-                  <a16:creationId xmlns:a16="http://schemas.microsoft.com/office/drawing/2014/main" xmlns="" id="{199C4794-7424-4B1F-9B2D-9170ABC9D421}"/>
+                  <a16:creationId xmlns="" xmlns:a16="http://schemas.microsoft.com/office/drawing/2014/main" id="{199C4794-7424-4B1F-9B2D-9170ABC9D421}"/>
                 </a:ext>
               </a:extLst>
             </p:cNvPr>
@@ -16075,7 +16075,7 @@
             </a:ln>
             <a:extLst>
               <a:ext uri="{91240B29-F687-4f45-9708-019B960494DF}">
-                <a14:hiddenLine xmlns="" xmlns:a14="http://schemas.microsoft.com/office/drawing/2010/main" w="9525">
+                <a14:hiddenLine xmlns:a14="http://schemas.microsoft.com/office/drawing/2010/main" xmlns="" w="9525">
                   <a:solidFill>
                     <a:srgbClr val="000000"/>
                   </a:solidFill>
@@ -16103,7 +16103,7 @@
             <p:cNvPr id="198" name="Freeform 47">
               <a:extLst>
                 <a:ext uri="{FF2B5EF4-FFF2-40B4-BE49-F238E27FC236}">
-                  <a16:creationId xmlns:a16="http://schemas.microsoft.com/office/drawing/2014/main" xmlns="" id="{F208CBF4-4680-4C5B-A046-A76CEBF22B4B}"/>
+                  <a16:creationId xmlns="" xmlns:a16="http://schemas.microsoft.com/office/drawing/2014/main" id="{F208CBF4-4680-4C5B-A046-A76CEBF22B4B}"/>
                 </a:ext>
               </a:extLst>
             </p:cNvPr>
@@ -16236,7 +16236,7 @@
             </a:ln>
             <a:extLst>
               <a:ext uri="{91240B29-F687-4f45-9708-019B960494DF}">
-                <a14:hiddenLine xmlns="" xmlns:a14="http://schemas.microsoft.com/office/drawing/2010/main" w="9525">
+                <a14:hiddenLine xmlns:a14="http://schemas.microsoft.com/office/drawing/2010/main" xmlns="" w="9525">
                   <a:solidFill>
                     <a:srgbClr val="000000"/>
                   </a:solidFill>
@@ -16264,7 +16264,7 @@
             <p:cNvPr id="199" name="Freeform 48">
               <a:extLst>
                 <a:ext uri="{FF2B5EF4-FFF2-40B4-BE49-F238E27FC236}">
-                  <a16:creationId xmlns:a16="http://schemas.microsoft.com/office/drawing/2014/main" xmlns="" id="{97609986-4137-4430-B2B2-888EB66F744A}"/>
+                  <a16:creationId xmlns="" xmlns:a16="http://schemas.microsoft.com/office/drawing/2014/main" id="{97609986-4137-4430-B2B2-888EB66F744A}"/>
                 </a:ext>
               </a:extLst>
             </p:cNvPr>
@@ -16364,7 +16364,7 @@
             </a:ln>
             <a:extLst>
               <a:ext uri="{91240B29-F687-4f45-9708-019B960494DF}">
-                <a14:hiddenLine xmlns="" xmlns:a14="http://schemas.microsoft.com/office/drawing/2010/main" w="9525">
+                <a14:hiddenLine xmlns:a14="http://schemas.microsoft.com/office/drawing/2010/main" xmlns="" w="9525">
                   <a:solidFill>
                     <a:srgbClr val="000000"/>
                   </a:solidFill>
@@ -16392,7 +16392,7 @@
             <p:cNvPr id="200" name="Freeform 49">
               <a:extLst>
                 <a:ext uri="{FF2B5EF4-FFF2-40B4-BE49-F238E27FC236}">
-                  <a16:creationId xmlns:a16="http://schemas.microsoft.com/office/drawing/2014/main" xmlns="" id="{8C6C1A6B-8468-4290-AAEE-EC3C5121E072}"/>
+                  <a16:creationId xmlns="" xmlns:a16="http://schemas.microsoft.com/office/drawing/2014/main" id="{8C6C1A6B-8468-4290-AAEE-EC3C5121E072}"/>
                 </a:ext>
               </a:extLst>
             </p:cNvPr>
@@ -16532,7 +16532,7 @@
             </a:ln>
             <a:extLst>
               <a:ext uri="{91240B29-F687-4f45-9708-019B960494DF}">
-                <a14:hiddenLine xmlns="" xmlns:a14="http://schemas.microsoft.com/office/drawing/2010/main" w="9525">
+                <a14:hiddenLine xmlns:a14="http://schemas.microsoft.com/office/drawing/2010/main" xmlns="" w="9525">
                   <a:solidFill>
                     <a:srgbClr val="000000"/>
                   </a:solidFill>
@@ -16560,7 +16560,7 @@
             <p:cNvPr id="201" name="Freeform 50">
               <a:extLst>
                 <a:ext uri="{FF2B5EF4-FFF2-40B4-BE49-F238E27FC236}">
-                  <a16:creationId xmlns:a16="http://schemas.microsoft.com/office/drawing/2014/main" xmlns="" id="{ADEAC44A-0FE3-4043-B530-F00B1A8C71B2}"/>
+                  <a16:creationId xmlns="" xmlns:a16="http://schemas.microsoft.com/office/drawing/2014/main" id="{ADEAC44A-0FE3-4043-B530-F00B1A8C71B2}"/>
                 </a:ext>
               </a:extLst>
             </p:cNvPr>
@@ -16628,7 +16628,7 @@
             </a:ln>
             <a:extLst>
               <a:ext uri="{91240B29-F687-4f45-9708-019B960494DF}">
-                <a14:hiddenLine xmlns="" xmlns:a14="http://schemas.microsoft.com/office/drawing/2010/main" w="9525">
+                <a14:hiddenLine xmlns:a14="http://schemas.microsoft.com/office/drawing/2010/main" xmlns="" w="9525">
                   <a:solidFill>
                     <a:srgbClr val="000000"/>
                   </a:solidFill>
@@ -16656,7 +16656,7 @@
             <p:cNvPr id="202" name="Freeform 51">
               <a:extLst>
                 <a:ext uri="{FF2B5EF4-FFF2-40B4-BE49-F238E27FC236}">
-                  <a16:creationId xmlns:a16="http://schemas.microsoft.com/office/drawing/2014/main" xmlns="" id="{FCBEA582-1B40-4B87-95C8-A5B8EF1BA1B1}"/>
+                  <a16:creationId xmlns="" xmlns:a16="http://schemas.microsoft.com/office/drawing/2014/main" id="{FCBEA582-1B40-4B87-95C8-A5B8EF1BA1B1}"/>
                 </a:ext>
               </a:extLst>
             </p:cNvPr>
@@ -16789,7 +16789,7 @@
             </a:ln>
             <a:extLst>
               <a:ext uri="{91240B29-F687-4f45-9708-019B960494DF}">
-                <a14:hiddenLine xmlns="" xmlns:a14="http://schemas.microsoft.com/office/drawing/2010/main" w="9525">
+                <a14:hiddenLine xmlns:a14="http://schemas.microsoft.com/office/drawing/2010/main" xmlns="" w="9525">
                   <a:solidFill>
                     <a:srgbClr val="000000"/>
                   </a:solidFill>
@@ -16817,7 +16817,7 @@
             <p:cNvPr id="203" name="Freeform 52">
               <a:extLst>
                 <a:ext uri="{FF2B5EF4-FFF2-40B4-BE49-F238E27FC236}">
-                  <a16:creationId xmlns:a16="http://schemas.microsoft.com/office/drawing/2014/main" xmlns="" id="{F602AB16-51DA-4DA9-BE00-E9DF0101B8E5}"/>
+                  <a16:creationId xmlns="" xmlns:a16="http://schemas.microsoft.com/office/drawing/2014/main" id="{F602AB16-51DA-4DA9-BE00-E9DF0101B8E5}"/>
                 </a:ext>
               </a:extLst>
             </p:cNvPr>
@@ -16950,7 +16950,7 @@
             </a:ln>
             <a:extLst>
               <a:ext uri="{91240B29-F687-4f45-9708-019B960494DF}">
-                <a14:hiddenLine xmlns="" xmlns:a14="http://schemas.microsoft.com/office/drawing/2010/main" w="9525">
+                <a14:hiddenLine xmlns:a14="http://schemas.microsoft.com/office/drawing/2010/main" xmlns="" w="9525">
                   <a:solidFill>
                     <a:srgbClr val="000000"/>
                   </a:solidFill>
@@ -16978,7 +16978,7 @@
             <p:cNvPr id="204" name="Oval 53">
               <a:extLst>
                 <a:ext uri="{FF2B5EF4-FFF2-40B4-BE49-F238E27FC236}">
-                  <a16:creationId xmlns:a16="http://schemas.microsoft.com/office/drawing/2014/main" xmlns="" id="{DFD0819C-8EAF-4CD7-834D-28C382F1B648}"/>
+                  <a16:creationId xmlns="" xmlns:a16="http://schemas.microsoft.com/office/drawing/2014/main" id="{DFD0819C-8EAF-4CD7-834D-28C382F1B648}"/>
                 </a:ext>
               </a:extLst>
             </p:cNvPr>
@@ -17003,7 +17003,7 @@
             </a:ln>
             <a:extLst>
               <a:ext uri="{91240B29-F687-4f45-9708-019B960494DF}">
-                <a14:hiddenLine xmlns="" xmlns:a14="http://schemas.microsoft.com/office/drawing/2010/main" w="9525">
+                <a14:hiddenLine xmlns:a14="http://schemas.microsoft.com/office/drawing/2010/main" xmlns="" w="9525">
                   <a:solidFill>
                     <a:srgbClr val="000000"/>
                   </a:solidFill>
@@ -17031,7 +17031,7 @@
             <p:cNvPr id="205" name="Freeform 59">
               <a:extLst>
                 <a:ext uri="{FF2B5EF4-FFF2-40B4-BE49-F238E27FC236}">
-                  <a16:creationId xmlns:a16="http://schemas.microsoft.com/office/drawing/2014/main" xmlns="" id="{1677F1E8-46E9-49C0-B3B8-69228949904F}"/>
+                  <a16:creationId xmlns="" xmlns:a16="http://schemas.microsoft.com/office/drawing/2014/main" id="{1677F1E8-46E9-49C0-B3B8-69228949904F}"/>
                 </a:ext>
               </a:extLst>
             </p:cNvPr>
@@ -17099,7 +17099,7 @@
             </a:ln>
             <a:extLst>
               <a:ext uri="{91240B29-F687-4f45-9708-019B960494DF}">
-                <a14:hiddenLine xmlns="" xmlns:a14="http://schemas.microsoft.com/office/drawing/2010/main" w="9525">
+                <a14:hiddenLine xmlns:a14="http://schemas.microsoft.com/office/drawing/2010/main" xmlns="" w="9525">
                   <a:solidFill>
                     <a:srgbClr val="000000"/>
                   </a:solidFill>
@@ -18009,7 +18009,7 @@
             </a:ln>
             <a:extLst>
               <a:ext uri="{91240B29-F687-4f45-9708-019B960494DF}">
-                <a14:hiddenLine xmlns="" xmlns:a14="http://schemas.microsoft.com/office/drawing/2010/main" w="9525">
+                <a14:hiddenLine xmlns:a14="http://schemas.microsoft.com/office/drawing/2010/main" xmlns="" w="9525">
                   <a:solidFill>
                     <a:srgbClr val="000000"/>
                   </a:solidFill>
@@ -18058,7 +18058,7 @@
             </a:ln>
             <a:extLst>
               <a:ext uri="{91240B29-F687-4f45-9708-019B960494DF}">
-                <a14:hiddenLine xmlns="" xmlns:a14="http://schemas.microsoft.com/office/drawing/2010/main" w="9525">
+                <a14:hiddenLine xmlns:a14="http://schemas.microsoft.com/office/drawing/2010/main" xmlns="" w="9525">
                   <a:solidFill>
                     <a:srgbClr val="000000"/>
                   </a:solidFill>
@@ -18215,7 +18215,7 @@
             </a:ln>
             <a:extLst>
               <a:ext uri="{91240B29-F687-4f45-9708-019B960494DF}">
-                <a14:hiddenLine xmlns="" xmlns:a14="http://schemas.microsoft.com/office/drawing/2010/main" w="9525">
+                <a14:hiddenLine xmlns:a14="http://schemas.microsoft.com/office/drawing/2010/main" xmlns="" w="9525">
                   <a:solidFill>
                     <a:srgbClr val="000000"/>
                   </a:solidFill>
@@ -18339,7 +18339,7 @@
             </a:ln>
             <a:extLst>
               <a:ext uri="{91240B29-F687-4f45-9708-019B960494DF}">
-                <a14:hiddenLine xmlns="" xmlns:a14="http://schemas.microsoft.com/office/drawing/2010/main" w="9525">
+                <a14:hiddenLine xmlns:a14="http://schemas.microsoft.com/office/drawing/2010/main" xmlns="" w="9525">
                   <a:solidFill>
                     <a:srgbClr val="000000"/>
                   </a:solidFill>
@@ -18503,7 +18503,7 @@
             </a:ln>
             <a:extLst>
               <a:ext uri="{91240B29-F687-4f45-9708-019B960494DF}">
-                <a14:hiddenLine xmlns="" xmlns:a14="http://schemas.microsoft.com/office/drawing/2010/main" w="9525">
+                <a14:hiddenLine xmlns:a14="http://schemas.microsoft.com/office/drawing/2010/main" xmlns="" w="9525">
                   <a:solidFill>
                     <a:srgbClr val="000000"/>
                   </a:solidFill>
@@ -18660,7 +18660,7 @@
             </a:ln>
             <a:extLst>
               <a:ext uri="{91240B29-F687-4f45-9708-019B960494DF}">
-                <a14:hiddenLine xmlns="" xmlns:a14="http://schemas.microsoft.com/office/drawing/2010/main" w="9525">
+                <a14:hiddenLine xmlns:a14="http://schemas.microsoft.com/office/drawing/2010/main" xmlns="" w="9525">
                   <a:solidFill>
                     <a:srgbClr val="000000"/>
                   </a:solidFill>
@@ -18817,7 +18817,7 @@
             </a:ln>
             <a:extLst>
               <a:ext uri="{91240B29-F687-4f45-9708-019B960494DF}">
-                <a14:hiddenLine xmlns="" xmlns:a14="http://schemas.microsoft.com/office/drawing/2010/main" w="9525">
+                <a14:hiddenLine xmlns:a14="http://schemas.microsoft.com/office/drawing/2010/main" xmlns="" w="9525">
                   <a:solidFill>
                     <a:srgbClr val="000000"/>
                   </a:solidFill>
@@ -18866,7 +18866,7 @@
             </a:ln>
             <a:extLst>
               <a:ext uri="{91240B29-F687-4f45-9708-019B960494DF}">
-                <a14:hiddenLine xmlns="" xmlns:a14="http://schemas.microsoft.com/office/drawing/2010/main" w="9525">
+                <a14:hiddenLine xmlns:a14="http://schemas.microsoft.com/office/drawing/2010/main" xmlns="" w="9525">
                   <a:solidFill>
                     <a:srgbClr val="000000"/>
                   </a:solidFill>
@@ -18915,7 +18915,7 @@
             </a:ln>
             <a:extLst>
               <a:ext uri="{91240B29-F687-4f45-9708-019B960494DF}">
-                <a14:hiddenLine xmlns="" xmlns:a14="http://schemas.microsoft.com/office/drawing/2010/main" w="9525">
+                <a14:hiddenLine xmlns:a14="http://schemas.microsoft.com/office/drawing/2010/main" xmlns="" w="9525">
                   <a:solidFill>
                     <a:srgbClr val="000000"/>
                   </a:solidFill>
@@ -18964,7 +18964,7 @@
             </a:ln>
             <a:extLst>
               <a:ext uri="{91240B29-F687-4f45-9708-019B960494DF}">
-                <a14:hiddenLine xmlns="" xmlns:a14="http://schemas.microsoft.com/office/drawing/2010/main" w="9525">
+                <a14:hiddenLine xmlns:a14="http://schemas.microsoft.com/office/drawing/2010/main" xmlns="" w="9525">
                   <a:solidFill>
                     <a:srgbClr val="000000"/>
                   </a:solidFill>
@@ -19121,7 +19121,7 @@
             </a:ln>
             <a:extLst>
               <a:ext uri="{91240B29-F687-4f45-9708-019B960494DF}">
-                <a14:hiddenLine xmlns="" xmlns:a14="http://schemas.microsoft.com/office/drawing/2010/main" w="9525">
+                <a14:hiddenLine xmlns:a14="http://schemas.microsoft.com/office/drawing/2010/main" xmlns="" w="9525">
                   <a:solidFill>
                     <a:srgbClr val="000000"/>
                   </a:solidFill>
@@ -19245,7 +19245,7 @@
             </a:ln>
             <a:extLst>
               <a:ext uri="{91240B29-F687-4f45-9708-019B960494DF}">
-                <a14:hiddenLine xmlns="" xmlns:a14="http://schemas.microsoft.com/office/drawing/2010/main" w="9525">
+                <a14:hiddenLine xmlns:a14="http://schemas.microsoft.com/office/drawing/2010/main" xmlns="" w="9525">
                   <a:solidFill>
                     <a:srgbClr val="000000"/>
                   </a:solidFill>
@@ -19409,7 +19409,7 @@
             </a:ln>
             <a:extLst>
               <a:ext uri="{91240B29-F687-4f45-9708-019B960494DF}">
-                <a14:hiddenLine xmlns="" xmlns:a14="http://schemas.microsoft.com/office/drawing/2010/main" w="9525">
+                <a14:hiddenLine xmlns:a14="http://schemas.microsoft.com/office/drawing/2010/main" xmlns="" w="9525">
                   <a:solidFill>
                     <a:srgbClr val="000000"/>
                   </a:solidFill>
@@ -19501,7 +19501,7 @@
             </a:ln>
             <a:extLst>
               <a:ext uri="{91240B29-F687-4f45-9708-019B960494DF}">
-                <a14:hiddenLine xmlns="" xmlns:a14="http://schemas.microsoft.com/office/drawing/2010/main" w="9525">
+                <a14:hiddenLine xmlns:a14="http://schemas.microsoft.com/office/drawing/2010/main" xmlns="" w="9525">
                   <a:solidFill>
                     <a:srgbClr val="000000"/>
                   </a:solidFill>
@@ -19658,7 +19658,7 @@
             </a:ln>
             <a:extLst>
               <a:ext uri="{91240B29-F687-4f45-9708-019B960494DF}">
-                <a14:hiddenLine xmlns="" xmlns:a14="http://schemas.microsoft.com/office/drawing/2010/main" w="9525">
+                <a14:hiddenLine xmlns:a14="http://schemas.microsoft.com/office/drawing/2010/main" xmlns="" w="9525">
                   <a:solidFill>
                     <a:srgbClr val="000000"/>
                   </a:solidFill>
@@ -19815,7 +19815,7 @@
             </a:ln>
             <a:extLst>
               <a:ext uri="{91240B29-F687-4f45-9708-019B960494DF}">
-                <a14:hiddenLine xmlns="" xmlns:a14="http://schemas.microsoft.com/office/drawing/2010/main" w="9525">
+                <a14:hiddenLine xmlns:a14="http://schemas.microsoft.com/office/drawing/2010/main" xmlns="" w="9525">
                   <a:solidFill>
                     <a:srgbClr val="000000"/>
                   </a:solidFill>
@@ -19864,7 +19864,7 @@
             </a:ln>
             <a:extLst>
               <a:ext uri="{91240B29-F687-4f45-9708-019B960494DF}">
-                <a14:hiddenLine xmlns="" xmlns:a14="http://schemas.microsoft.com/office/drawing/2010/main" w="9525">
+                <a14:hiddenLine xmlns:a14="http://schemas.microsoft.com/office/drawing/2010/main" xmlns="" w="9525">
                   <a:solidFill>
                     <a:srgbClr val="000000"/>
                   </a:solidFill>
@@ -19913,7 +19913,7 @@
             </a:ln>
             <a:extLst>
               <a:ext uri="{91240B29-F687-4f45-9708-019B960494DF}">
-                <a14:hiddenLine xmlns="" xmlns:a14="http://schemas.microsoft.com/office/drawing/2010/main" w="9525">
+                <a14:hiddenLine xmlns:a14="http://schemas.microsoft.com/office/drawing/2010/main" xmlns="" w="9525">
                   <a:solidFill>
                     <a:srgbClr val="000000"/>
                   </a:solidFill>
@@ -19962,7 +19962,7 @@
             </a:ln>
             <a:extLst>
               <a:ext uri="{91240B29-F687-4f45-9708-019B960494DF}">
-                <a14:hiddenLine xmlns="" xmlns:a14="http://schemas.microsoft.com/office/drawing/2010/main" w="9525">
+                <a14:hiddenLine xmlns:a14="http://schemas.microsoft.com/office/drawing/2010/main" xmlns="" w="9525">
                   <a:solidFill>
                     <a:srgbClr val="000000"/>
                   </a:solidFill>
@@ -20119,7 +20119,7 @@
             </a:ln>
             <a:extLst>
               <a:ext uri="{91240B29-F687-4f45-9708-019B960494DF}">
-                <a14:hiddenLine xmlns="" xmlns:a14="http://schemas.microsoft.com/office/drawing/2010/main" w="9525">
+                <a14:hiddenLine xmlns:a14="http://schemas.microsoft.com/office/drawing/2010/main" xmlns="" w="9525">
                   <a:solidFill>
                     <a:srgbClr val="000000"/>
                   </a:solidFill>
@@ -20243,7 +20243,7 @@
             </a:ln>
             <a:extLst>
               <a:ext uri="{91240B29-F687-4f45-9708-019B960494DF}">
-                <a14:hiddenLine xmlns="" xmlns:a14="http://schemas.microsoft.com/office/drawing/2010/main" w="9525">
+                <a14:hiddenLine xmlns:a14="http://schemas.microsoft.com/office/drawing/2010/main" xmlns="" w="9525">
                   <a:solidFill>
                     <a:srgbClr val="000000"/>
                   </a:solidFill>
@@ -20407,7 +20407,7 @@
             </a:ln>
             <a:extLst>
               <a:ext uri="{91240B29-F687-4f45-9708-019B960494DF}">
-                <a14:hiddenLine xmlns="" xmlns:a14="http://schemas.microsoft.com/office/drawing/2010/main" w="9525">
+                <a14:hiddenLine xmlns:a14="http://schemas.microsoft.com/office/drawing/2010/main" xmlns="" w="9525">
                   <a:solidFill>
                     <a:srgbClr val="000000"/>
                   </a:solidFill>
@@ -20499,7 +20499,7 @@
             </a:ln>
             <a:extLst>
               <a:ext uri="{91240B29-F687-4f45-9708-019B960494DF}">
-                <a14:hiddenLine xmlns="" xmlns:a14="http://schemas.microsoft.com/office/drawing/2010/main" w="9525">
+                <a14:hiddenLine xmlns:a14="http://schemas.microsoft.com/office/drawing/2010/main" xmlns="" w="9525">
                   <a:solidFill>
                     <a:srgbClr val="000000"/>
                   </a:solidFill>
@@ -20656,7 +20656,7 @@
             </a:ln>
             <a:extLst>
               <a:ext uri="{91240B29-F687-4f45-9708-019B960494DF}">
-                <a14:hiddenLine xmlns="" xmlns:a14="http://schemas.microsoft.com/office/drawing/2010/main" w="9525">
+                <a14:hiddenLine xmlns:a14="http://schemas.microsoft.com/office/drawing/2010/main" xmlns="" w="9525">
                   <a:solidFill>
                     <a:srgbClr val="000000"/>
                   </a:solidFill>
@@ -20813,7 +20813,7 @@
             </a:ln>
             <a:extLst>
               <a:ext uri="{91240B29-F687-4f45-9708-019B960494DF}">
-                <a14:hiddenLine xmlns="" xmlns:a14="http://schemas.microsoft.com/office/drawing/2010/main" w="9525">
+                <a14:hiddenLine xmlns:a14="http://schemas.microsoft.com/office/drawing/2010/main" xmlns="" w="9525">
                   <a:solidFill>
                     <a:srgbClr val="000000"/>
                   </a:solidFill>
@@ -20862,7 +20862,7 @@
             </a:ln>
             <a:extLst>
               <a:ext uri="{91240B29-F687-4f45-9708-019B960494DF}">
-                <a14:hiddenLine xmlns="" xmlns:a14="http://schemas.microsoft.com/office/drawing/2010/main" w="9525">
+                <a14:hiddenLine xmlns:a14="http://schemas.microsoft.com/office/drawing/2010/main" xmlns="" w="9525">
                   <a:solidFill>
                     <a:srgbClr val="000000"/>
                   </a:solidFill>
@@ -20911,7 +20911,7 @@
             </a:ln>
             <a:extLst>
               <a:ext uri="{91240B29-F687-4f45-9708-019B960494DF}">
-                <a14:hiddenLine xmlns="" xmlns:a14="http://schemas.microsoft.com/office/drawing/2010/main" w="9525">
+                <a14:hiddenLine xmlns:a14="http://schemas.microsoft.com/office/drawing/2010/main" xmlns="" w="9525">
                   <a:solidFill>
                     <a:srgbClr val="000000"/>
                   </a:solidFill>
@@ -20960,7 +20960,7 @@
             </a:ln>
             <a:extLst>
               <a:ext uri="{91240B29-F687-4f45-9708-019B960494DF}">
-                <a14:hiddenLine xmlns="" xmlns:a14="http://schemas.microsoft.com/office/drawing/2010/main" w="9525">
+                <a14:hiddenLine xmlns:a14="http://schemas.microsoft.com/office/drawing/2010/main" xmlns="" w="9525">
                   <a:solidFill>
                     <a:srgbClr val="000000"/>
                   </a:solidFill>
@@ -21117,7 +21117,7 @@
             </a:ln>
             <a:extLst>
               <a:ext uri="{91240B29-F687-4f45-9708-019B960494DF}">
-                <a14:hiddenLine xmlns="" xmlns:a14="http://schemas.microsoft.com/office/drawing/2010/main" w="9525">
+                <a14:hiddenLine xmlns:a14="http://schemas.microsoft.com/office/drawing/2010/main" xmlns="" w="9525">
                   <a:solidFill>
                     <a:srgbClr val="000000"/>
                   </a:solidFill>
@@ -21241,7 +21241,7 @@
             </a:ln>
             <a:extLst>
               <a:ext uri="{91240B29-F687-4f45-9708-019B960494DF}">
-                <a14:hiddenLine xmlns="" xmlns:a14="http://schemas.microsoft.com/office/drawing/2010/main" w="9525">
+                <a14:hiddenLine xmlns:a14="http://schemas.microsoft.com/office/drawing/2010/main" xmlns="" w="9525">
                   <a:solidFill>
                     <a:srgbClr val="000000"/>
                   </a:solidFill>
@@ -21405,7 +21405,7 @@
             </a:ln>
             <a:extLst>
               <a:ext uri="{91240B29-F687-4f45-9708-019B960494DF}">
-                <a14:hiddenLine xmlns="" xmlns:a14="http://schemas.microsoft.com/office/drawing/2010/main" w="9525">
+                <a14:hiddenLine xmlns:a14="http://schemas.microsoft.com/office/drawing/2010/main" xmlns="" w="9525">
                   <a:solidFill>
                     <a:srgbClr val="000000"/>
                   </a:solidFill>
@@ -21497,7 +21497,7 @@
             </a:ln>
             <a:extLst>
               <a:ext uri="{91240B29-F687-4f45-9708-019B960494DF}">
-                <a14:hiddenLine xmlns="" xmlns:a14="http://schemas.microsoft.com/office/drawing/2010/main" w="9525">
+                <a14:hiddenLine xmlns:a14="http://schemas.microsoft.com/office/drawing/2010/main" xmlns="" w="9525">
                   <a:solidFill>
                     <a:srgbClr val="000000"/>
                   </a:solidFill>
@@ -21654,7 +21654,7 @@
             </a:ln>
             <a:extLst>
               <a:ext uri="{91240B29-F687-4f45-9708-019B960494DF}">
-                <a14:hiddenLine xmlns="" xmlns:a14="http://schemas.microsoft.com/office/drawing/2010/main" w="9525">
+                <a14:hiddenLine xmlns:a14="http://schemas.microsoft.com/office/drawing/2010/main" xmlns="" w="9525">
                   <a:solidFill>
                     <a:srgbClr val="000000"/>
                   </a:solidFill>
@@ -21811,7 +21811,7 @@
             </a:ln>
             <a:extLst>
               <a:ext uri="{91240B29-F687-4f45-9708-019B960494DF}">
-                <a14:hiddenLine xmlns="" xmlns:a14="http://schemas.microsoft.com/office/drawing/2010/main" w="9525">
+                <a14:hiddenLine xmlns:a14="http://schemas.microsoft.com/office/drawing/2010/main" xmlns="" w="9525">
                   <a:solidFill>
                     <a:srgbClr val="000000"/>
                   </a:solidFill>
@@ -21860,7 +21860,7 @@
             </a:ln>
             <a:extLst>
               <a:ext uri="{91240B29-F687-4f45-9708-019B960494DF}">
-                <a14:hiddenLine xmlns="" xmlns:a14="http://schemas.microsoft.com/office/drawing/2010/main" w="9525">
+                <a14:hiddenLine xmlns:a14="http://schemas.microsoft.com/office/drawing/2010/main" xmlns="" w="9525">
                   <a:solidFill>
                     <a:srgbClr val="000000"/>
                   </a:solidFill>
@@ -21909,7 +21909,7 @@
             </a:ln>
             <a:extLst>
               <a:ext uri="{91240B29-F687-4f45-9708-019B960494DF}">
-                <a14:hiddenLine xmlns="" xmlns:a14="http://schemas.microsoft.com/office/drawing/2010/main" w="9525">
+                <a14:hiddenLine xmlns:a14="http://schemas.microsoft.com/office/drawing/2010/main" xmlns="" w="9525">
                   <a:solidFill>
                     <a:srgbClr val="000000"/>
                   </a:solidFill>
@@ -21958,7 +21958,7 @@
             </a:ln>
             <a:extLst>
               <a:ext uri="{91240B29-F687-4f45-9708-019B960494DF}">
-                <a14:hiddenLine xmlns="" xmlns:a14="http://schemas.microsoft.com/office/drawing/2010/main" w="9525">
+                <a14:hiddenLine xmlns:a14="http://schemas.microsoft.com/office/drawing/2010/main" xmlns="" w="9525">
                   <a:solidFill>
                     <a:srgbClr val="000000"/>
                   </a:solidFill>
@@ -22115,7 +22115,7 @@
             </a:ln>
             <a:extLst>
               <a:ext uri="{91240B29-F687-4f45-9708-019B960494DF}">
-                <a14:hiddenLine xmlns="" xmlns:a14="http://schemas.microsoft.com/office/drawing/2010/main" w="9525">
+                <a14:hiddenLine xmlns:a14="http://schemas.microsoft.com/office/drawing/2010/main" xmlns="" w="9525">
                   <a:solidFill>
                     <a:srgbClr val="000000"/>
                   </a:solidFill>
@@ -22239,7 +22239,7 @@
             </a:ln>
             <a:extLst>
               <a:ext uri="{91240B29-F687-4f45-9708-019B960494DF}">
-                <a14:hiddenLine xmlns="" xmlns:a14="http://schemas.microsoft.com/office/drawing/2010/main" w="9525">
+                <a14:hiddenLine xmlns:a14="http://schemas.microsoft.com/office/drawing/2010/main" xmlns="" w="9525">
                   <a:solidFill>
                     <a:srgbClr val="000000"/>
                   </a:solidFill>
@@ -22403,7 +22403,7 @@
             </a:ln>
             <a:extLst>
               <a:ext uri="{91240B29-F687-4f45-9708-019B960494DF}">
-                <a14:hiddenLine xmlns="" xmlns:a14="http://schemas.microsoft.com/office/drawing/2010/main" w="9525">
+                <a14:hiddenLine xmlns:a14="http://schemas.microsoft.com/office/drawing/2010/main" xmlns="" w="9525">
                   <a:solidFill>
                     <a:srgbClr val="000000"/>
                   </a:solidFill>
@@ -22495,7 +22495,7 @@
             </a:ln>
             <a:extLst>
               <a:ext uri="{91240B29-F687-4f45-9708-019B960494DF}">
-                <a14:hiddenLine xmlns="" xmlns:a14="http://schemas.microsoft.com/office/drawing/2010/main" w="9525">
+                <a14:hiddenLine xmlns:a14="http://schemas.microsoft.com/office/drawing/2010/main" xmlns="" w="9525">
                   <a:solidFill>
                     <a:srgbClr val="000000"/>
                   </a:solidFill>
@@ -22652,7 +22652,7 @@
             </a:ln>
             <a:extLst>
               <a:ext uri="{91240B29-F687-4f45-9708-019B960494DF}">
-                <a14:hiddenLine xmlns="" xmlns:a14="http://schemas.microsoft.com/office/drawing/2010/main" w="9525">
+                <a14:hiddenLine xmlns:a14="http://schemas.microsoft.com/office/drawing/2010/main" xmlns="" w="9525">
                   <a:solidFill>
                     <a:srgbClr val="000000"/>
                   </a:solidFill>
@@ -22809,7 +22809,7 @@
             </a:ln>
             <a:extLst>
               <a:ext uri="{91240B29-F687-4f45-9708-019B960494DF}">
-                <a14:hiddenLine xmlns="" xmlns:a14="http://schemas.microsoft.com/office/drawing/2010/main" w="9525">
+                <a14:hiddenLine xmlns:a14="http://schemas.microsoft.com/office/drawing/2010/main" xmlns="" w="9525">
                   <a:solidFill>
                     <a:srgbClr val="000000"/>
                   </a:solidFill>
@@ -22858,7 +22858,7 @@
             </a:ln>
             <a:extLst>
               <a:ext uri="{91240B29-F687-4f45-9708-019B960494DF}">
-                <a14:hiddenLine xmlns="" xmlns:a14="http://schemas.microsoft.com/office/drawing/2010/main" w="9525">
+                <a14:hiddenLine xmlns:a14="http://schemas.microsoft.com/office/drawing/2010/main" xmlns="" w="9525">
                   <a:solidFill>
                     <a:srgbClr val="000000"/>
                   </a:solidFill>
@@ -22907,7 +22907,7 @@
             </a:ln>
             <a:extLst>
               <a:ext uri="{91240B29-F687-4f45-9708-019B960494DF}">
-                <a14:hiddenLine xmlns="" xmlns:a14="http://schemas.microsoft.com/office/drawing/2010/main" w="9525">
+                <a14:hiddenLine xmlns:a14="http://schemas.microsoft.com/office/drawing/2010/main" xmlns="" w="9525">
                   <a:solidFill>
                     <a:srgbClr val="000000"/>
                   </a:solidFill>
@@ -22956,7 +22956,7 @@
             </a:ln>
             <a:extLst>
               <a:ext uri="{91240B29-F687-4f45-9708-019B960494DF}">
-                <a14:hiddenLine xmlns="" xmlns:a14="http://schemas.microsoft.com/office/drawing/2010/main" w="9525">
+                <a14:hiddenLine xmlns:a14="http://schemas.microsoft.com/office/drawing/2010/main" xmlns="" w="9525">
                   <a:solidFill>
                     <a:srgbClr val="000000"/>
                   </a:solidFill>
@@ -23113,7 +23113,7 @@
             </a:ln>
             <a:extLst>
               <a:ext uri="{91240B29-F687-4f45-9708-019B960494DF}">
-                <a14:hiddenLine xmlns="" xmlns:a14="http://schemas.microsoft.com/office/drawing/2010/main" w="9525">
+                <a14:hiddenLine xmlns:a14="http://schemas.microsoft.com/office/drawing/2010/main" xmlns="" w="9525">
                   <a:solidFill>
                     <a:srgbClr val="000000"/>
                   </a:solidFill>
@@ -23237,7 +23237,7 @@
             </a:ln>
             <a:extLst>
               <a:ext uri="{91240B29-F687-4f45-9708-019B960494DF}">
-                <a14:hiddenLine xmlns="" xmlns:a14="http://schemas.microsoft.com/office/drawing/2010/main" w="9525">
+                <a14:hiddenLine xmlns:a14="http://schemas.microsoft.com/office/drawing/2010/main" xmlns="" w="9525">
                   <a:solidFill>
                     <a:srgbClr val="000000"/>
                   </a:solidFill>
@@ -23401,7 +23401,7 @@
             </a:ln>
             <a:extLst>
               <a:ext uri="{91240B29-F687-4f45-9708-019B960494DF}">
-                <a14:hiddenLine xmlns="" xmlns:a14="http://schemas.microsoft.com/office/drawing/2010/main" w="9525">
+                <a14:hiddenLine xmlns:a14="http://schemas.microsoft.com/office/drawing/2010/main" xmlns="" w="9525">
                   <a:solidFill>
                     <a:srgbClr val="000000"/>
                   </a:solidFill>
@@ -23493,7 +23493,7 @@
             </a:ln>
             <a:extLst>
               <a:ext uri="{91240B29-F687-4f45-9708-019B960494DF}">
-                <a14:hiddenLine xmlns="" xmlns:a14="http://schemas.microsoft.com/office/drawing/2010/main" w="9525">
+                <a14:hiddenLine xmlns:a14="http://schemas.microsoft.com/office/drawing/2010/main" xmlns="" w="9525">
                   <a:solidFill>
                     <a:srgbClr val="000000"/>
                   </a:solidFill>
@@ -23650,7 +23650,7 @@
             </a:ln>
             <a:extLst>
               <a:ext uri="{91240B29-F687-4f45-9708-019B960494DF}">
-                <a14:hiddenLine xmlns="" xmlns:a14="http://schemas.microsoft.com/office/drawing/2010/main" w="9525">
+                <a14:hiddenLine xmlns:a14="http://schemas.microsoft.com/office/drawing/2010/main" xmlns="" w="9525">
                   <a:solidFill>
                     <a:srgbClr val="000000"/>
                   </a:solidFill>
@@ -23807,7 +23807,7 @@
             </a:ln>
             <a:extLst>
               <a:ext uri="{91240B29-F687-4f45-9708-019B960494DF}">
-                <a14:hiddenLine xmlns="" xmlns:a14="http://schemas.microsoft.com/office/drawing/2010/main" w="9525">
+                <a14:hiddenLine xmlns:a14="http://schemas.microsoft.com/office/drawing/2010/main" xmlns="" w="9525">
                   <a:solidFill>
                     <a:srgbClr val="000000"/>
                   </a:solidFill>
@@ -23856,7 +23856,7 @@
             </a:ln>
             <a:extLst>
               <a:ext uri="{91240B29-F687-4f45-9708-019B960494DF}">
-                <a14:hiddenLine xmlns="" xmlns:a14="http://schemas.microsoft.com/office/drawing/2010/main" w="9525">
+                <a14:hiddenLine xmlns:a14="http://schemas.microsoft.com/office/drawing/2010/main" xmlns="" w="9525">
                   <a:solidFill>
                     <a:srgbClr val="000000"/>
                   </a:solidFill>
@@ -23889,7 +23889,7 @@
           <p:cNvPr id="117" name="Espace réservé du pied de page 2">
             <a:extLst>
               <a:ext uri="{FF2B5EF4-FFF2-40B4-BE49-F238E27FC236}">
-                <a16:creationId xmlns:a16="http://schemas.microsoft.com/office/drawing/2014/main" xmlns="" id="{C19FB9A1-F92D-4F1C-A2DF-7EB1762C9976}"/>
+                <a16:creationId xmlns="" xmlns:a16="http://schemas.microsoft.com/office/drawing/2014/main" id="{C19FB9A1-F92D-4F1C-A2DF-7EB1762C9976}"/>
               </a:ext>
             </a:extLst>
           </p:cNvPr>
@@ -29176,7 +29176,7 @@
           <p:cNvPr id="14" name="Rectangle 13">
             <a:extLst>
               <a:ext uri="{FF2B5EF4-FFF2-40B4-BE49-F238E27FC236}">
-                <a16:creationId xmlns:a16="http://schemas.microsoft.com/office/drawing/2014/main" xmlns="" id="{C666C74C-1959-421E-9EC2-03B9A9385592}"/>
+                <a16:creationId xmlns="" xmlns:a16="http://schemas.microsoft.com/office/drawing/2014/main" id="{C666C74C-1959-421E-9EC2-03B9A9385592}"/>
               </a:ext>
             </a:extLst>
           </p:cNvPr>
@@ -29565,7 +29565,7 @@
           <p:cNvPr id="13" name="Rectangle 12">
             <a:extLst>
               <a:ext uri="{FF2B5EF4-FFF2-40B4-BE49-F238E27FC236}">
-                <a16:creationId xmlns:a16="http://schemas.microsoft.com/office/drawing/2014/main" xmlns="" id="{83C11809-576F-495E-A1F8-CA74A8AD904F}"/>
+                <a16:creationId xmlns="" xmlns:a16="http://schemas.microsoft.com/office/drawing/2014/main" id="{83C11809-576F-495E-A1F8-CA74A8AD904F}"/>
               </a:ext>
             </a:extLst>
           </p:cNvPr>
@@ -30026,7 +30026,7 @@
           <p:cNvPr id="14" name="Rectangle 13">
             <a:extLst>
               <a:ext uri="{FF2B5EF4-FFF2-40B4-BE49-F238E27FC236}">
-                <a16:creationId xmlns:a16="http://schemas.microsoft.com/office/drawing/2014/main" xmlns="" id="{9049269D-0BC6-4621-AFE9-2A9069445B0B}"/>
+                <a16:creationId xmlns="" xmlns:a16="http://schemas.microsoft.com/office/drawing/2014/main" id="{9049269D-0BC6-4621-AFE9-2A9069445B0B}"/>
               </a:ext>
             </a:extLst>
           </p:cNvPr>
@@ -30491,7 +30491,7 @@
           <p:cNvPr id="14" name="Rectangle 13">
             <a:extLst>
               <a:ext uri="{FF2B5EF4-FFF2-40B4-BE49-F238E27FC236}">
-                <a16:creationId xmlns:a16="http://schemas.microsoft.com/office/drawing/2014/main" xmlns="" id="{35ECD615-867E-4413-A19D-753A5010D783}"/>
+                <a16:creationId xmlns="" xmlns:a16="http://schemas.microsoft.com/office/drawing/2014/main" id="{35ECD615-867E-4413-A19D-753A5010D783}"/>
               </a:ext>
             </a:extLst>
           </p:cNvPr>
@@ -32327,63 +32327,6 @@
           </a:p>
         </p:txBody>
       </p:sp>
-      <p:sp>
-        <p:nvSpPr>
-          <p:cNvPr id="8" name="Rectangle 7"/>
-          <p:cNvSpPr/>
-          <p:nvPr/>
-        </p:nvSpPr>
-        <p:spPr>
-          <a:xfrm>
-            <a:off x="8986793" y="4071257"/>
-            <a:ext cx="1884384" cy="1418099"/>
-          </a:xfrm>
-          <a:prstGeom prst="rect">
-            <a:avLst/>
-          </a:prstGeom>
-          <a:noFill/>
-          <a:ln w="38100">
-            <a:solidFill>
-              <a:srgbClr val="00AFCB"/>
-            </a:solidFill>
-          </a:ln>
-        </p:spPr>
-        <p:txBody>
-          <a:bodyPr rtlCol="0" anchor="ctr">
-            <a:noAutofit/>
-          </a:bodyPr>
-          <a:lstStyle/>
-          <a:p>
-            <a:pPr algn="ctr" eaLnBrk="1" hangingPunct="1">
-              <a:spcBef>
-                <a:spcPts val="384"/>
-              </a:spcBef>
-              <a:spcAft>
-                <a:spcPts val="0"/>
-              </a:spcAft>
-              <a:buClr>
-                <a:srgbClr val="00A9C5"/>
-              </a:buClr>
-              <a:buSzPct val="80000"/>
-            </a:pPr>
-            <a:r>
-              <a:rPr lang="fr-FR" sz="2400" kern="0" smtClean="0">
-                <a:solidFill>
-                  <a:srgbClr val="00AFCB"/>
-                </a:solidFill>
-                <a:latin typeface="+mj-lt"/>
-              </a:rPr>
-              <a:t>Reste du SI</a:t>
-            </a:r>
-            <a:endParaRPr lang="fr-FR" sz="2400" kern="0" dirty="0" smtClean="0">
-              <a:solidFill>
-                <a:srgbClr val="00AFCB"/>
-              </a:solidFill>
-              <a:latin typeface="+mj-lt"/>
-            </a:endParaRPr>
-          </a:p>
-        </p:txBody>
-      </p:sp>
       <p:cxnSp>
         <p:nvCxnSpPr>
           <p:cNvPr id="10" name="Connecteur droit avec flèche 9"/>
@@ -32397,38 +32340,6 @@
           <a:xfrm>
             <a:off x="1863859" y="3495793"/>
             <a:ext cx="3549542" cy="575465"/>
-          </a:xfrm>
-          <a:prstGeom prst="straightConnector1">
-            <a:avLst/>
-          </a:prstGeom>
-          <a:solidFill>
-            <a:schemeClr val="accent1"/>
-          </a:solidFill>
-          <a:ln w="38100" cap="flat" cmpd="sng" algn="ctr">
-            <a:solidFill>
-              <a:schemeClr val="tx2"/>
-            </a:solidFill>
-            <a:prstDash val="solid"/>
-            <a:round/>
-            <a:headEnd type="triangle" w="lg" len="lg"/>
-            <a:tailEnd type="triangle" w="lg" len="lg"/>
-          </a:ln>
-          <a:effectLst/>
-        </p:spPr>
-      </p:cxnSp>
-      <p:cxnSp>
-        <p:nvCxnSpPr>
-          <p:cNvPr id="11" name="Connecteur droit avec flèche 10"/>
-          <p:cNvCxnSpPr>
-            <a:stCxn id="5" idx="3"/>
-            <a:endCxn id="8" idx="1"/>
-          </p:cNvCxnSpPr>
-          <p:nvPr/>
-        </p:nvCxnSpPr>
-        <p:spPr bwMode="auto">
-          <a:xfrm flipV="1">
-            <a:off x="8237042" y="4780307"/>
-            <a:ext cx="749751" cy="5444"/>
           </a:xfrm>
           <a:prstGeom prst="straightConnector1">
             <a:avLst/>
@@ -33217,36 +33128,6 @@
         <p:spPr>
           <a:xfrm>
             <a:off x="2414429" y="3025238"/>
-            <a:ext cx="324728" cy="441843"/>
-          </a:xfrm>
-          <a:prstGeom prst="rect">
-            <a:avLst/>
-          </a:prstGeom>
-        </p:spPr>
-      </p:pic>
-      <p:pic>
-        <p:nvPicPr>
-          <p:cNvPr id="84" name="Image 83"/>
-          <p:cNvPicPr>
-            <a:picLocks noChangeAspect="1"/>
-          </p:cNvPicPr>
-          <p:nvPr/>
-        </p:nvPicPr>
-        <p:blipFill>
-          <a:blip r:embed="rId2">
-            <a:extLst>
-              <a:ext uri="{28A0092B-C50C-407E-A947-70E740481C1C}">
-                <a14:useLocalDpi xmlns:a14="http://schemas.microsoft.com/office/drawing/2010/main" val="0"/>
-              </a:ext>
-            </a:extLst>
-          </a:blip>
-          <a:stretch>
-            <a:fillRect/>
-          </a:stretch>
-        </p:blipFill>
-        <p:spPr>
-          <a:xfrm>
-            <a:off x="10489622" y="5027740"/>
             <a:ext cx="324728" cy="441843"/>
           </a:xfrm>
           <a:prstGeom prst="rect">
@@ -36822,16 +36703,7 @@
                   </a:solidFill>
                   <a:latin typeface="Arial"/>
                 </a:rPr>
-                <a:t>public site </a:t>
-              </a:r>
-              <a:r>
-                <a:rPr lang="fr-FR" sz="2400" kern="0" dirty="0" smtClean="0">
-                  <a:solidFill>
-                    <a:srgbClr val="00AFCB"/>
-                  </a:solidFill>
-                  <a:latin typeface="Arial"/>
-                </a:rPr>
-                <a:t>web client</a:t>
+                <a:t>public site web client</a:t>
               </a:r>
               <a:endParaRPr lang="fr-FR" sz="2400" kern="0" dirty="0">
                 <a:solidFill>
@@ -36897,16 +36769,7 @@
                   </a:solidFill>
                   <a:latin typeface="Arial"/>
                 </a:rPr>
-                <a:t>backoffice site </a:t>
-              </a:r>
-              <a:r>
-                <a:rPr lang="fr-FR" sz="2400" kern="0" dirty="0" smtClean="0">
-                  <a:solidFill>
-                    <a:srgbClr val="00AFCB"/>
-                  </a:solidFill>
-                  <a:latin typeface="Arial"/>
-                </a:rPr>
-                <a:t>web client</a:t>
+                <a:t>backoffice site web client</a:t>
               </a:r>
               <a:endParaRPr lang="fr-FR" sz="2400" kern="0" dirty="0">
                 <a:solidFill>
@@ -39007,23 +38870,8 @@
                   </a:solidFill>
                   <a:latin typeface="+mj-lt"/>
                 </a:rPr>
-                <a:t> </a:t>
+                <a:t> partagé</a:t>
               </a:r>
-              <a:r>
-                <a:rPr lang="fr-FR" sz="2400" kern="0" dirty="0" smtClean="0">
-                  <a:solidFill>
-                    <a:srgbClr val="00AFCB"/>
-                  </a:solidFill>
-                  <a:latin typeface="+mj-lt"/>
-                </a:rPr>
-                <a:t>partagé</a:t>
-              </a:r>
-              <a:endParaRPr lang="fr-FR" sz="2400" kern="0" dirty="0" smtClean="0">
-                <a:solidFill>
-                  <a:srgbClr val="00AFCB"/>
-                </a:solidFill>
-                <a:latin typeface="+mj-lt"/>
-              </a:endParaRPr>
             </a:p>
             <a:p>
               <a:pPr algn="ctr" eaLnBrk="1" hangingPunct="1">

--- a/wip/omnicanal/slides.pptx
+++ b/wip/omnicanal/slides.pptx
@@ -5,10 +5,10 @@
     <p:sldMasterId id="2147483800" r:id="rId1"/>
   </p:sldMasterIdLst>
   <p:notesMasterIdLst>
-    <p:notesMasterId r:id="rId12"/>
+    <p:notesMasterId r:id="rId17"/>
   </p:notesMasterIdLst>
   <p:handoutMasterIdLst>
-    <p:handoutMasterId r:id="rId13"/>
+    <p:handoutMasterId r:id="rId18"/>
   </p:handoutMasterIdLst>
   <p:sldIdLst>
     <p:sldId id="257" r:id="rId2"/>
@@ -20,7 +20,12 @@
     <p:sldId id="264" r:id="rId8"/>
     <p:sldId id="258" r:id="rId9"/>
     <p:sldId id="267" r:id="rId10"/>
-    <p:sldId id="260" r:id="rId11"/>
+    <p:sldId id="268" r:id="rId11"/>
+    <p:sldId id="269" r:id="rId12"/>
+    <p:sldId id="270" r:id="rId13"/>
+    <p:sldId id="271" r:id="rId14"/>
+    <p:sldId id="272" r:id="rId15"/>
+    <p:sldId id="273" r:id="rId16"/>
   </p:sldIdLst>
   <p:sldSz cx="12192000" cy="6858000"/>
   <p:notesSz cx="6858000" cy="9144000"/>
@@ -543,7 +548,7 @@
             <a:fld id="{9174CE4A-3945-476E-9F9F-D25A0475318F}" type="datetimeFigureOut">
               <a:rPr lang="fr-FR" smtClean="0"/>
               <a:pPr/>
-              <a:t>17/06/2018</a:t>
+              <a:t>24/06/2018</a:t>
             </a:fld>
             <a:endParaRPr lang="fr-FR"/>
           </a:p>
@@ -32278,764 +32283,13 @@
       </p:grpSpPr>
       <p:sp>
         <p:nvSpPr>
-          <p:cNvPr id="27" name="Rectangle 26"/>
-          <p:cNvSpPr/>
-          <p:nvPr/>
-        </p:nvSpPr>
-        <p:spPr>
-          <a:xfrm>
-            <a:off x="1044709" y="1944109"/>
-            <a:ext cx="1880987" cy="1418099"/>
-          </a:xfrm>
-          <a:prstGeom prst="rect">
-            <a:avLst/>
-          </a:prstGeom>
-          <a:noFill/>
-          <a:ln w="38100">
-            <a:solidFill>
-              <a:srgbClr val="00AFCB"/>
-            </a:solidFill>
-          </a:ln>
-        </p:spPr>
-        <p:txBody>
-          <a:bodyPr rtlCol="0" anchor="ctr">
-            <a:noAutofit/>
-          </a:bodyPr>
-          <a:lstStyle/>
-          <a:p>
-            <a:pPr lvl="0" algn="ctr" eaLnBrk="1" hangingPunct="1">
-              <a:spcBef>
-                <a:spcPts val="384"/>
-              </a:spcBef>
-              <a:spcAft>
-                <a:spcPts val="0"/>
-              </a:spcAft>
-              <a:buClr>
-                <a:srgbClr val="00A9C5"/>
-              </a:buClr>
-              <a:buSzPct val="80000"/>
-            </a:pPr>
-            <a:r>
-              <a:rPr lang="fr-FR" sz="2400" kern="0" dirty="0">
-                <a:solidFill>
-                  <a:srgbClr val="00AFCB"/>
-                </a:solidFill>
-                <a:latin typeface="Arial"/>
-              </a:rPr>
-              <a:t>Partenaires</a:t>
-            </a:r>
-          </a:p>
-        </p:txBody>
-      </p:sp>
-      <p:cxnSp>
-        <p:nvCxnSpPr>
-          <p:cNvPr id="10" name="Connecteur droit avec flèche 9"/>
-          <p:cNvCxnSpPr>
-            <a:stCxn id="7" idx="2"/>
-            <a:endCxn id="5" idx="0"/>
-          </p:cNvCxnSpPr>
-          <p:nvPr/>
-        </p:nvCxnSpPr>
-        <p:spPr bwMode="auto">
-          <a:xfrm>
-            <a:off x="1863859" y="3495793"/>
-            <a:ext cx="3549542" cy="575465"/>
-          </a:xfrm>
-          <a:prstGeom prst="straightConnector1">
-            <a:avLst/>
-          </a:prstGeom>
-          <a:solidFill>
-            <a:schemeClr val="accent1"/>
-          </a:solidFill>
-          <a:ln w="38100" cap="flat" cmpd="sng" algn="ctr">
-            <a:solidFill>
-              <a:schemeClr val="tx2"/>
-            </a:solidFill>
-            <a:prstDash val="solid"/>
-            <a:round/>
-            <a:headEnd type="triangle" w="lg" len="lg"/>
-            <a:tailEnd type="triangle" w="lg" len="lg"/>
-          </a:ln>
-          <a:effectLst/>
-        </p:spPr>
-      </p:cxnSp>
-      <p:grpSp>
-        <p:nvGrpSpPr>
-          <p:cNvPr id="30" name="Grouper 29"/>
-          <p:cNvGrpSpPr/>
-          <p:nvPr/>
-        </p:nvGrpSpPr>
-        <p:grpSpPr>
-          <a:xfrm>
-            <a:off x="3295967" y="73244"/>
-            <a:ext cx="4234866" cy="1418099"/>
-            <a:chOff x="3302208" y="73244"/>
-            <a:chExt cx="4234866" cy="1418099"/>
-          </a:xfrm>
-        </p:grpSpPr>
-        <p:sp>
-          <p:nvSpPr>
-            <p:cNvPr id="13" name="Rectangle 12"/>
-            <p:cNvSpPr/>
-            <p:nvPr/>
-          </p:nvSpPr>
-          <p:spPr>
-            <a:xfrm>
-              <a:off x="3302208" y="73244"/>
-              <a:ext cx="1880987" cy="1418099"/>
-            </a:xfrm>
-            <a:prstGeom prst="rect">
-              <a:avLst/>
-            </a:prstGeom>
-            <a:noFill/>
-            <a:ln w="38100">
-              <a:solidFill>
-                <a:srgbClr val="00AFCB"/>
-              </a:solidFill>
-            </a:ln>
-          </p:spPr>
-          <p:txBody>
-            <a:bodyPr rtlCol="0" anchor="ctr">
-              <a:noAutofit/>
-            </a:bodyPr>
-            <a:lstStyle/>
-            <a:p>
-              <a:pPr algn="ctr" eaLnBrk="1" hangingPunct="1">
-                <a:spcBef>
-                  <a:spcPts val="384"/>
-                </a:spcBef>
-                <a:spcAft>
-                  <a:spcPts val="0"/>
-                </a:spcAft>
-                <a:buClr>
-                  <a:srgbClr val="00A9C5"/>
-                </a:buClr>
-                <a:buSzPct val="80000"/>
-              </a:pPr>
-              <a:r>
-                <a:rPr lang="fr-FR" sz="2400" kern="0" dirty="0" smtClean="0">
-                  <a:solidFill>
-                    <a:srgbClr val="00AFCB"/>
-                  </a:solidFill>
-                  <a:latin typeface="+mj-lt"/>
-                </a:rPr>
-                <a:t>Site web client</a:t>
-              </a:r>
-            </a:p>
-          </p:txBody>
-        </p:sp>
-        <p:sp>
-          <p:nvSpPr>
-            <p:cNvPr id="16" name="Rectangle 15"/>
-            <p:cNvSpPr/>
-            <p:nvPr/>
-          </p:nvSpPr>
-          <p:spPr>
-            <a:xfrm>
-              <a:off x="5656087" y="73244"/>
-              <a:ext cx="1880987" cy="1418099"/>
-            </a:xfrm>
-            <a:prstGeom prst="rect">
-              <a:avLst/>
-            </a:prstGeom>
-            <a:noFill/>
-            <a:ln w="38100">
-              <a:solidFill>
-                <a:srgbClr val="00AFCB"/>
-              </a:solidFill>
-            </a:ln>
-          </p:spPr>
-          <p:txBody>
-            <a:bodyPr rtlCol="0" anchor="ctr">
-              <a:noAutofit/>
-            </a:bodyPr>
-            <a:lstStyle/>
-            <a:p>
-              <a:pPr algn="ctr" eaLnBrk="1" hangingPunct="1">
-                <a:spcBef>
-                  <a:spcPts val="384"/>
-                </a:spcBef>
-                <a:spcAft>
-                  <a:spcPts val="0"/>
-                </a:spcAft>
-                <a:buClr>
-                  <a:srgbClr val="00A9C5"/>
-                </a:buClr>
-                <a:buSzPct val="80000"/>
-              </a:pPr>
-              <a:r>
-                <a:rPr lang="fr-FR" sz="2400" kern="0" dirty="0" smtClean="0">
-                  <a:solidFill>
-                    <a:srgbClr val="00AFCB"/>
-                  </a:solidFill>
-                  <a:latin typeface="+mj-lt"/>
-                </a:rPr>
-                <a:t>Appli mobile client</a:t>
-              </a:r>
-            </a:p>
-          </p:txBody>
-        </p:sp>
-      </p:grpSp>
-      <p:cxnSp>
-        <p:nvCxnSpPr>
-          <p:cNvPr id="26" name="Connecteur droit avec flèche 25"/>
-          <p:cNvCxnSpPr>
-            <a:stCxn id="15" idx="2"/>
-            <a:endCxn id="38" idx="0"/>
-          </p:cNvCxnSpPr>
-          <p:nvPr/>
-        </p:nvCxnSpPr>
-        <p:spPr bwMode="auto">
-          <a:xfrm flipH="1">
-            <a:off x="5413401" y="3490202"/>
-            <a:ext cx="1183180" cy="581055"/>
-          </a:xfrm>
-          <a:prstGeom prst="straightConnector1">
-            <a:avLst/>
-          </a:prstGeom>
-          <a:solidFill>
-            <a:schemeClr val="accent1"/>
-          </a:solidFill>
-          <a:ln w="38100" cap="flat" cmpd="sng" algn="ctr">
-            <a:solidFill>
-              <a:schemeClr val="tx2"/>
-            </a:solidFill>
-            <a:prstDash val="solid"/>
-            <a:round/>
-            <a:headEnd type="none" w="med" len="med"/>
-            <a:tailEnd type="triangle" w="lg" len="lg"/>
-          </a:ln>
-          <a:effectLst/>
-        </p:spPr>
-      </p:cxnSp>
-      <p:cxnSp>
-        <p:nvCxnSpPr>
-          <p:cNvPr id="31" name="Connecteur droit avec flèche 30"/>
-          <p:cNvCxnSpPr>
-            <a:stCxn id="16" idx="2"/>
-            <a:endCxn id="15" idx="0"/>
-          </p:cNvCxnSpPr>
-          <p:nvPr/>
-        </p:nvCxnSpPr>
-        <p:spPr bwMode="auto">
-          <a:xfrm>
-            <a:off x="6590340" y="1491343"/>
-            <a:ext cx="6241" cy="580760"/>
-          </a:xfrm>
-          <a:prstGeom prst="straightConnector1">
-            <a:avLst/>
-          </a:prstGeom>
-          <a:solidFill>
-            <a:schemeClr val="accent1"/>
-          </a:solidFill>
-          <a:ln w="38100" cap="flat" cmpd="sng" algn="ctr">
-            <a:solidFill>
-              <a:schemeClr val="tx2"/>
-            </a:solidFill>
-            <a:prstDash val="solid"/>
-            <a:round/>
-            <a:headEnd type="none" w="med" len="med"/>
-            <a:tailEnd type="triangle" w="lg" len="lg"/>
-          </a:ln>
-          <a:effectLst/>
-        </p:spPr>
-      </p:cxnSp>
-      <p:cxnSp>
-        <p:nvCxnSpPr>
-          <p:cNvPr id="34" name="Connecteur droit avec flèche 33"/>
-          <p:cNvCxnSpPr>
-            <a:stCxn id="13" idx="2"/>
-            <a:endCxn id="12" idx="0"/>
-          </p:cNvCxnSpPr>
-          <p:nvPr/>
-        </p:nvCxnSpPr>
-        <p:spPr bwMode="auto">
-          <a:xfrm flipH="1">
-            <a:off x="4230220" y="1491343"/>
-            <a:ext cx="6241" cy="575464"/>
-          </a:xfrm>
-          <a:prstGeom prst="straightConnector1">
-            <a:avLst/>
-          </a:prstGeom>
-          <a:solidFill>
-            <a:schemeClr val="accent1"/>
-          </a:solidFill>
-          <a:ln w="38100" cap="flat" cmpd="sng" algn="ctr">
-            <a:solidFill>
-              <a:schemeClr val="tx2"/>
-            </a:solidFill>
-            <a:prstDash val="solid"/>
-            <a:round/>
-            <a:headEnd type="none" w="med" len="med"/>
-            <a:tailEnd type="triangle" w="lg" len="lg"/>
-          </a:ln>
-          <a:effectLst/>
-        </p:spPr>
-      </p:cxnSp>
-      <p:cxnSp>
-        <p:nvCxnSpPr>
-          <p:cNvPr id="23" name="Connecteur droit avec flèche 22"/>
-          <p:cNvCxnSpPr>
-            <a:stCxn id="12" idx="2"/>
-            <a:endCxn id="38" idx="0"/>
-          </p:cNvCxnSpPr>
-          <p:nvPr/>
-        </p:nvCxnSpPr>
-        <p:spPr bwMode="auto">
-          <a:xfrm>
-            <a:off x="4230220" y="3484906"/>
-            <a:ext cx="1183181" cy="586351"/>
-          </a:xfrm>
-          <a:prstGeom prst="straightConnector1">
-            <a:avLst/>
-          </a:prstGeom>
-          <a:solidFill>
-            <a:schemeClr val="accent1"/>
-          </a:solidFill>
-          <a:ln w="38100" cap="flat" cmpd="sng" algn="ctr">
-            <a:solidFill>
-              <a:schemeClr val="tx2"/>
-            </a:solidFill>
-            <a:prstDash val="solid"/>
-            <a:round/>
-            <a:headEnd type="none" w="med" len="med"/>
-            <a:tailEnd type="triangle" w="lg" len="lg"/>
-          </a:ln>
-          <a:effectLst/>
-        </p:spPr>
-      </p:cxnSp>
-      <p:grpSp>
-        <p:nvGrpSpPr>
-          <p:cNvPr id="48" name="Grouper 47"/>
-          <p:cNvGrpSpPr/>
-          <p:nvPr/>
-        </p:nvGrpSpPr>
-        <p:grpSpPr>
-          <a:xfrm>
-            <a:off x="923365" y="2066807"/>
-            <a:ext cx="8980070" cy="1428986"/>
-            <a:chOff x="923365" y="2066807"/>
-            <a:chExt cx="8980070" cy="1428986"/>
-          </a:xfrm>
-        </p:grpSpPr>
-        <p:sp>
-          <p:nvSpPr>
-            <p:cNvPr id="7" name="Rectangle 6"/>
-            <p:cNvSpPr/>
-            <p:nvPr/>
-          </p:nvSpPr>
-          <p:spPr>
-            <a:xfrm>
-              <a:off x="923365" y="2077694"/>
-              <a:ext cx="1880987" cy="1418099"/>
-            </a:xfrm>
-            <a:prstGeom prst="rect">
-              <a:avLst/>
-            </a:prstGeom>
-            <a:solidFill>
-              <a:schemeClr val="bg1"/>
-            </a:solidFill>
-            <a:ln w="38100">
-              <a:solidFill>
-                <a:srgbClr val="00AFCB"/>
-              </a:solidFill>
-            </a:ln>
-          </p:spPr>
-          <p:txBody>
-            <a:bodyPr rtlCol="0" anchor="ctr">
-              <a:noAutofit/>
-            </a:bodyPr>
-            <a:lstStyle/>
-            <a:p>
-              <a:pPr lvl="0" algn="ctr" eaLnBrk="1" hangingPunct="1">
-                <a:spcBef>
-                  <a:spcPts val="384"/>
-                </a:spcBef>
-                <a:spcAft>
-                  <a:spcPts val="0"/>
-                </a:spcAft>
-                <a:buClr>
-                  <a:srgbClr val="00A9C5"/>
-                </a:buClr>
-                <a:buSzPct val="80000"/>
-              </a:pPr>
-              <a:r>
-                <a:rPr lang="fr-FR" sz="2400" kern="0" dirty="0">
-                  <a:solidFill>
-                    <a:srgbClr val="00AFCB"/>
-                  </a:solidFill>
-                  <a:latin typeface="Arial"/>
-                </a:rPr>
-                <a:t>Partenaires</a:t>
-              </a:r>
-            </a:p>
-          </p:txBody>
-        </p:sp>
-        <p:sp>
-          <p:nvSpPr>
-            <p:cNvPr id="12" name="Rectangle 11"/>
-            <p:cNvSpPr/>
-            <p:nvPr/>
-          </p:nvSpPr>
-          <p:spPr>
-            <a:xfrm>
-              <a:off x="3289726" y="2066807"/>
-              <a:ext cx="1880987" cy="1418099"/>
-            </a:xfrm>
-            <a:prstGeom prst="rect">
-              <a:avLst/>
-            </a:prstGeom>
-            <a:noFill/>
-            <a:ln w="38100">
-              <a:solidFill>
-                <a:srgbClr val="00AFCB"/>
-              </a:solidFill>
-            </a:ln>
-          </p:spPr>
-          <p:txBody>
-            <a:bodyPr rtlCol="0" anchor="ctr">
-              <a:noAutofit/>
-            </a:bodyPr>
-            <a:lstStyle/>
-            <a:p>
-              <a:pPr algn="ctr" eaLnBrk="1" hangingPunct="1">
-                <a:spcBef>
-                  <a:spcPts val="384"/>
-                </a:spcBef>
-                <a:spcAft>
-                  <a:spcPts val="0"/>
-                </a:spcAft>
-                <a:buClr>
-                  <a:srgbClr val="00A9C5"/>
-                </a:buClr>
-                <a:buSzPct val="80000"/>
-              </a:pPr>
-              <a:r>
-                <a:rPr lang="fr-FR" sz="2400" kern="0" dirty="0" err="1" smtClean="0">
-                  <a:solidFill>
-                    <a:srgbClr val="00AFCB"/>
-                  </a:solidFill>
-                  <a:latin typeface="+mj-lt"/>
-                </a:rPr>
-                <a:t>Backend</a:t>
-              </a:r>
-              <a:r>
-                <a:rPr lang="fr-FR" sz="2400" kern="0" dirty="0" smtClean="0">
-                  <a:solidFill>
-                    <a:srgbClr val="00AFCB"/>
-                  </a:solidFill>
-                  <a:latin typeface="+mj-lt"/>
-                </a:rPr>
-                <a:t> site web client</a:t>
-              </a:r>
-            </a:p>
-          </p:txBody>
-        </p:sp>
-        <p:sp>
-          <p:nvSpPr>
-            <p:cNvPr id="15" name="Rectangle 14"/>
-            <p:cNvSpPr/>
-            <p:nvPr/>
-          </p:nvSpPr>
-          <p:spPr>
-            <a:xfrm>
-              <a:off x="5656087" y="2072103"/>
-              <a:ext cx="1880987" cy="1418099"/>
-            </a:xfrm>
-            <a:prstGeom prst="rect">
-              <a:avLst/>
-            </a:prstGeom>
-            <a:noFill/>
-            <a:ln w="38100">
-              <a:solidFill>
-                <a:srgbClr val="00AFCB"/>
-              </a:solidFill>
-            </a:ln>
-          </p:spPr>
-          <p:txBody>
-            <a:bodyPr rtlCol="0" anchor="ctr">
-              <a:noAutofit/>
-            </a:bodyPr>
-            <a:lstStyle/>
-            <a:p>
-              <a:pPr algn="ctr" eaLnBrk="1" hangingPunct="1">
-                <a:spcBef>
-                  <a:spcPts val="384"/>
-                </a:spcBef>
-                <a:spcAft>
-                  <a:spcPts val="0"/>
-                </a:spcAft>
-                <a:buClr>
-                  <a:srgbClr val="00A9C5"/>
-                </a:buClr>
-                <a:buSzPct val="80000"/>
-              </a:pPr>
-              <a:r>
-                <a:rPr lang="fr-FR" sz="2400" kern="0" dirty="0" err="1" smtClean="0">
-                  <a:solidFill>
-                    <a:srgbClr val="00AFCB"/>
-                  </a:solidFill>
-                  <a:latin typeface="+mj-lt"/>
-                </a:rPr>
-                <a:t>Backend</a:t>
-              </a:r>
-              <a:r>
-                <a:rPr lang="fr-FR" sz="2400" kern="0" dirty="0" smtClean="0">
-                  <a:solidFill>
-                    <a:srgbClr val="00AFCB"/>
-                  </a:solidFill>
-                  <a:latin typeface="+mj-lt"/>
-                </a:rPr>
-                <a:t> appli mobile client</a:t>
-              </a:r>
-            </a:p>
-          </p:txBody>
-        </p:sp>
-        <p:sp>
-          <p:nvSpPr>
-            <p:cNvPr id="47" name="Rectangle 46"/>
-            <p:cNvSpPr/>
-            <p:nvPr/>
-          </p:nvSpPr>
-          <p:spPr>
-            <a:xfrm>
-              <a:off x="8022448" y="2066807"/>
-              <a:ext cx="1880987" cy="1418099"/>
-            </a:xfrm>
-            <a:prstGeom prst="rect">
-              <a:avLst/>
-            </a:prstGeom>
-            <a:noFill/>
-            <a:ln w="38100">
-              <a:solidFill>
-                <a:srgbClr val="00AFCB"/>
-              </a:solidFill>
-            </a:ln>
-          </p:spPr>
-          <p:txBody>
-            <a:bodyPr rtlCol="0" anchor="ctr">
-              <a:noAutofit/>
-            </a:bodyPr>
-            <a:lstStyle/>
-            <a:p>
-              <a:pPr lvl="0" algn="ctr" eaLnBrk="1" hangingPunct="1">
-                <a:spcBef>
-                  <a:spcPts val="384"/>
-                </a:spcBef>
-                <a:spcAft>
-                  <a:spcPts val="0"/>
-                </a:spcAft>
-                <a:buClr>
-                  <a:srgbClr val="00A9C5"/>
-                </a:buClr>
-                <a:buSzPct val="80000"/>
-              </a:pPr>
-              <a:r>
-                <a:rPr lang="fr-FR" sz="2400" kern="0" dirty="0" err="1">
-                  <a:solidFill>
-                    <a:srgbClr val="00AFCB"/>
-                  </a:solidFill>
-                  <a:latin typeface="Arial"/>
-                </a:rPr>
-                <a:t>Backend</a:t>
-              </a:r>
-              <a:r>
-                <a:rPr lang="fr-FR" sz="2400" kern="0" dirty="0">
-                  <a:solidFill>
-                    <a:srgbClr val="00AFCB"/>
-                  </a:solidFill>
-                  <a:latin typeface="Arial"/>
-                </a:rPr>
-                <a:t> backoffice</a:t>
-              </a:r>
-            </a:p>
-          </p:txBody>
-        </p:sp>
-      </p:grpSp>
-      <p:sp>
-        <p:nvSpPr>
-          <p:cNvPr id="5" name="Rectangle 4"/>
-          <p:cNvSpPr/>
-          <p:nvPr/>
-        </p:nvSpPr>
-        <p:spPr>
-          <a:xfrm>
-            <a:off x="2589759" y="4071258"/>
-            <a:ext cx="5647283" cy="1428986"/>
-          </a:xfrm>
-          <a:prstGeom prst="rect">
-            <a:avLst/>
-          </a:prstGeom>
-          <a:noFill/>
-          <a:ln w="38100">
-            <a:solidFill>
-              <a:srgbClr val="00AFCB"/>
-            </a:solidFill>
-          </a:ln>
-        </p:spPr>
-        <p:txBody>
-          <a:bodyPr rtlCol="0" anchor="b">
-            <a:noAutofit/>
-          </a:bodyPr>
-          <a:lstStyle/>
-          <a:p>
-            <a:pPr algn="ctr" eaLnBrk="1" hangingPunct="1">
-              <a:spcBef>
-                <a:spcPts val="384"/>
-              </a:spcBef>
-              <a:spcAft>
-                <a:spcPts val="0"/>
-              </a:spcAft>
-              <a:buClr>
-                <a:srgbClr val="00A9C5"/>
-              </a:buClr>
-              <a:buSzPct val="80000"/>
-            </a:pPr>
-            <a:endParaRPr lang="fr-FR" sz="2400" kern="0" dirty="0" smtClean="0">
-              <a:solidFill>
-                <a:srgbClr val="00AFCB"/>
-              </a:solidFill>
-              <a:latin typeface="+mj-lt"/>
-            </a:endParaRPr>
-          </a:p>
-          <a:p>
-            <a:pPr algn="ctr" eaLnBrk="1" hangingPunct="1">
-              <a:spcBef>
-                <a:spcPts val="384"/>
-              </a:spcBef>
-              <a:spcAft>
-                <a:spcPts val="0"/>
-              </a:spcAft>
-              <a:buClr>
-                <a:srgbClr val="00A9C5"/>
-              </a:buClr>
-              <a:buSzPct val="80000"/>
-            </a:pPr>
-            <a:r>
-              <a:rPr lang="fr-FR" sz="2400" kern="0" dirty="0" smtClean="0">
-                <a:solidFill>
-                  <a:srgbClr val="00AFCB"/>
-                </a:solidFill>
-                <a:latin typeface="+mj-lt"/>
-              </a:rPr>
-              <a:t>Cœur métier</a:t>
-            </a:r>
-          </a:p>
-        </p:txBody>
-      </p:sp>
-      <p:pic>
-        <p:nvPicPr>
-          <p:cNvPr id="6" name="Image 5"/>
-          <p:cNvPicPr>
-            <a:picLocks noChangeAspect="1"/>
-          </p:cNvPicPr>
-          <p:nvPr/>
-        </p:nvPicPr>
-        <p:blipFill>
-          <a:blip r:embed="rId2">
-            <a:extLst>
-              <a:ext uri="{28A0092B-C50C-407E-A947-70E740481C1C}">
-                <a14:useLocalDpi xmlns:a14="http://schemas.microsoft.com/office/drawing/2010/main" val="0"/>
-              </a:ext>
-            </a:extLst>
-          </a:blip>
-          <a:stretch>
-            <a:fillRect/>
-          </a:stretch>
-        </p:blipFill>
-        <p:spPr>
-          <a:xfrm>
-            <a:off x="7612562" y="4706089"/>
-            <a:ext cx="567653" cy="772380"/>
-          </a:xfrm>
-          <a:prstGeom prst="rect">
-            <a:avLst/>
-          </a:prstGeom>
-        </p:spPr>
-      </p:pic>
-      <p:sp>
-        <p:nvSpPr>
-          <p:cNvPr id="38" name="Rectangle 37"/>
-          <p:cNvSpPr/>
-          <p:nvPr/>
-        </p:nvSpPr>
-        <p:spPr>
-          <a:xfrm>
-            <a:off x="4472907" y="4071257"/>
-            <a:ext cx="1880987" cy="587830"/>
-          </a:xfrm>
-          <a:prstGeom prst="rect">
-            <a:avLst/>
-          </a:prstGeom>
-          <a:noFill/>
-          <a:ln w="38100">
-            <a:solidFill>
-              <a:srgbClr val="00AFCB"/>
-            </a:solidFill>
-          </a:ln>
-        </p:spPr>
-        <p:txBody>
-          <a:bodyPr rtlCol="0" anchor="ctr">
-            <a:noAutofit/>
-          </a:bodyPr>
-          <a:lstStyle/>
-          <a:p>
-            <a:pPr algn="ctr" eaLnBrk="1" hangingPunct="1">
-              <a:spcBef>
-                <a:spcPts val="384"/>
-              </a:spcBef>
-              <a:spcAft>
-                <a:spcPts val="0"/>
-              </a:spcAft>
-              <a:buClr>
-                <a:srgbClr val="00A9C5"/>
-              </a:buClr>
-              <a:buSzPct val="80000"/>
-            </a:pPr>
-            <a:r>
-              <a:rPr lang="fr-FR" sz="1800" kern="0" dirty="0" smtClean="0">
-                <a:solidFill>
-                  <a:srgbClr val="00AFCB"/>
-                </a:solidFill>
-                <a:latin typeface="+mj-lt"/>
-              </a:rPr>
-              <a:t>Services</a:t>
-            </a:r>
-            <a:br>
-              <a:rPr lang="fr-FR" sz="1800" kern="0" dirty="0" smtClean="0">
-                <a:solidFill>
-                  <a:srgbClr val="00AFCB"/>
-                </a:solidFill>
-                <a:latin typeface="+mj-lt"/>
-              </a:rPr>
-            </a:br>
-            <a:r>
-              <a:rPr lang="fr-FR" sz="1800" kern="0" dirty="0" err="1" smtClean="0">
-                <a:solidFill>
-                  <a:srgbClr val="00AFCB"/>
-                </a:solidFill>
-                <a:latin typeface="+mj-lt"/>
-              </a:rPr>
-              <a:t>omnicanaux</a:t>
-            </a:r>
-            <a:endParaRPr lang="fr-FR" sz="1800" kern="0" dirty="0" smtClean="0">
-              <a:solidFill>
-                <a:srgbClr val="00AFCB"/>
-              </a:solidFill>
-              <a:latin typeface="+mj-lt"/>
-            </a:endParaRPr>
-          </a:p>
-        </p:txBody>
-      </p:sp>
-      <p:sp>
-        <p:nvSpPr>
           <p:cNvPr id="58" name="Rectangle 57"/>
           <p:cNvSpPr/>
           <p:nvPr/>
         </p:nvSpPr>
         <p:spPr>
           <a:xfrm>
-            <a:off x="6356055" y="4076553"/>
+            <a:off x="8481490" y="4794307"/>
             <a:ext cx="1880987" cy="579179"/>
           </a:xfrm>
           <a:prstGeom prst="rect">
@@ -33073,19 +32327,70 @@
           </a:p>
         </p:txBody>
       </p:sp>
+      <p:sp>
+        <p:nvSpPr>
+          <p:cNvPr id="5" name="Rectangle 4"/>
+          <p:cNvSpPr/>
+          <p:nvPr/>
+        </p:nvSpPr>
+        <p:spPr>
+          <a:xfrm>
+            <a:off x="3393914" y="4077393"/>
+            <a:ext cx="5404174" cy="770482"/>
+          </a:xfrm>
+          <a:prstGeom prst="rect">
+            <a:avLst/>
+          </a:prstGeom>
+          <a:noFill/>
+          <a:ln w="38100">
+            <a:solidFill>
+              <a:srgbClr val="00AFCB"/>
+            </a:solidFill>
+          </a:ln>
+        </p:spPr>
+        <p:txBody>
+          <a:bodyPr rtlCol="0" anchor="ctr">
+            <a:noAutofit/>
+          </a:bodyPr>
+          <a:lstStyle/>
+          <a:p>
+            <a:pPr algn="ctr" eaLnBrk="1" hangingPunct="1">
+              <a:spcBef>
+                <a:spcPts val="384"/>
+              </a:spcBef>
+              <a:spcAft>
+                <a:spcPts val="0"/>
+              </a:spcAft>
+              <a:buClr>
+                <a:srgbClr val="00A9C5"/>
+              </a:buClr>
+              <a:buSzPct val="80000"/>
+            </a:pPr>
+            <a:r>
+              <a:rPr lang="fr-FR" sz="1200" kern="0" dirty="0" smtClean="0">
+                <a:solidFill>
+                  <a:srgbClr val="00AFCB"/>
+                </a:solidFill>
+                <a:latin typeface="+mj-lt"/>
+              </a:rPr>
+              <a:t>Cœur métier</a:t>
+            </a:r>
+          </a:p>
+        </p:txBody>
+      </p:sp>
       <p:cxnSp>
         <p:nvCxnSpPr>
-          <p:cNvPr id="60" name="Connecteur droit avec flèche 59"/>
+          <p:cNvPr id="10" name="Connecteur droit avec flèche 9"/>
           <p:cNvCxnSpPr>
-            <a:stCxn id="47" idx="2"/>
-            <a:endCxn id="38" idx="0"/>
+            <a:stCxn id="52" idx="2"/>
+            <a:endCxn id="40" idx="0"/>
           </p:cNvCxnSpPr>
           <p:nvPr/>
         </p:nvCxnSpPr>
         <p:spPr bwMode="auto">
-          <a:xfrm flipH="1">
-            <a:off x="5413401" y="3484906"/>
-            <a:ext cx="3549541" cy="586351"/>
+          <a:xfrm>
+            <a:off x="3884015" y="2785083"/>
+            <a:ext cx="542109" cy="263849"/>
           </a:xfrm>
           <a:prstGeom prst="straightConnector1">
             <a:avLst/>
@@ -33093,7 +32398,135 @@
           <a:solidFill>
             <a:schemeClr val="accent1"/>
           </a:solidFill>
-          <a:ln w="38100" cap="flat" cmpd="sng" algn="ctr">
+          <a:ln w="19050" cap="flat" cmpd="sng" algn="ctr">
+            <a:solidFill>
+              <a:schemeClr val="tx2"/>
+            </a:solidFill>
+            <a:prstDash val="solid"/>
+            <a:round/>
+            <a:headEnd type="triangle" w="lg" len="lg"/>
+            <a:tailEnd type="triangle" w="lg" len="lg"/>
+          </a:ln>
+          <a:effectLst/>
+        </p:spPr>
+      </p:cxnSp>
+      <p:cxnSp>
+        <p:nvCxnSpPr>
+          <p:cNvPr id="31" name="Connecteur droit avec flèche 30"/>
+          <p:cNvCxnSpPr>
+            <a:stCxn id="16" idx="2"/>
+            <a:endCxn id="12" idx="0"/>
+          </p:cNvCxnSpPr>
+          <p:nvPr/>
+        </p:nvCxnSpPr>
+        <p:spPr bwMode="auto">
+          <a:xfrm flipH="1">
+            <a:off x="6628360" y="2779305"/>
+            <a:ext cx="508309" cy="269627"/>
+          </a:xfrm>
+          <a:prstGeom prst="straightConnector1">
+            <a:avLst/>
+          </a:prstGeom>
+          <a:solidFill>
+            <a:schemeClr val="accent1"/>
+          </a:solidFill>
+          <a:ln w="19050" cap="flat" cmpd="sng" algn="ctr">
+            <a:solidFill>
+              <a:schemeClr val="tx2"/>
+            </a:solidFill>
+            <a:prstDash val="solid"/>
+            <a:round/>
+            <a:headEnd type="none" w="med" len="med"/>
+            <a:tailEnd type="triangle" w="lg" len="lg"/>
+          </a:ln>
+          <a:effectLst/>
+        </p:spPr>
+      </p:cxnSp>
+      <p:cxnSp>
+        <p:nvCxnSpPr>
+          <p:cNvPr id="34" name="Connecteur droit avec flèche 33"/>
+          <p:cNvCxnSpPr>
+            <a:stCxn id="13" idx="2"/>
+            <a:endCxn id="12" idx="0"/>
+          </p:cNvCxnSpPr>
+          <p:nvPr/>
+        </p:nvCxnSpPr>
+        <p:spPr bwMode="auto">
+          <a:xfrm>
+            <a:off x="6052451" y="2779305"/>
+            <a:ext cx="575909" cy="269627"/>
+          </a:xfrm>
+          <a:prstGeom prst="straightConnector1">
+            <a:avLst/>
+          </a:prstGeom>
+          <a:solidFill>
+            <a:schemeClr val="accent1"/>
+          </a:solidFill>
+          <a:ln w="19050" cap="flat" cmpd="sng" algn="ctr">
+            <a:solidFill>
+              <a:schemeClr val="tx2"/>
+            </a:solidFill>
+            <a:prstDash val="solid"/>
+            <a:round/>
+            <a:headEnd type="none" w="med" len="med"/>
+            <a:tailEnd type="triangle" w="lg" len="lg"/>
+          </a:ln>
+          <a:effectLst/>
+        </p:spPr>
+      </p:cxnSp>
+      <p:cxnSp>
+        <p:nvCxnSpPr>
+          <p:cNvPr id="23" name="Connecteur droit avec flèche 22"/>
+          <p:cNvCxnSpPr>
+            <a:stCxn id="12" idx="2"/>
+            <a:endCxn id="5" idx="0"/>
+          </p:cNvCxnSpPr>
+          <p:nvPr/>
+        </p:nvCxnSpPr>
+        <p:spPr bwMode="auto">
+          <a:xfrm flipH="1">
+            <a:off x="6096001" y="3813544"/>
+            <a:ext cx="532359" cy="263849"/>
+          </a:xfrm>
+          <a:prstGeom prst="straightConnector1">
+            <a:avLst/>
+          </a:prstGeom>
+          <a:solidFill>
+            <a:schemeClr val="accent1"/>
+          </a:solidFill>
+          <a:ln w="19050" cap="flat" cmpd="sng" algn="ctr">
+            <a:solidFill>
+              <a:schemeClr val="tx2"/>
+            </a:solidFill>
+            <a:prstDash val="solid"/>
+            <a:round/>
+            <a:headEnd type="none" w="med" len="med"/>
+            <a:tailEnd type="triangle" w="lg" len="lg"/>
+          </a:ln>
+          <a:effectLst/>
+        </p:spPr>
+      </p:cxnSp>
+      <p:cxnSp>
+        <p:nvCxnSpPr>
+          <p:cNvPr id="60" name="Connecteur droit avec flèche 59"/>
+          <p:cNvCxnSpPr>
+            <a:stCxn id="47" idx="2"/>
+            <a:endCxn id="5" idx="0"/>
+          </p:cNvCxnSpPr>
+          <p:nvPr/>
+        </p:nvCxnSpPr>
+        <p:spPr bwMode="auto">
+          <a:xfrm flipH="1">
+            <a:off x="6096001" y="3813544"/>
+            <a:ext cx="2124888" cy="263849"/>
+          </a:xfrm>
+          <a:prstGeom prst="straightConnector1">
+            <a:avLst/>
+          </a:prstGeom>
+          <a:solidFill>
+            <a:schemeClr val="accent1"/>
+          </a:solidFill>
+          <a:ln w="19050" cap="flat" cmpd="sng" algn="ctr">
             <a:solidFill>
               <a:schemeClr val="tx2"/>
             </a:solidFill>
@@ -33105,9 +32538,134 @@
           <a:effectLst/>
         </p:spPr>
       </p:cxnSp>
+      <p:grpSp>
+        <p:nvGrpSpPr>
+          <p:cNvPr id="15" name="Grouper 14"/>
+          <p:cNvGrpSpPr/>
+          <p:nvPr/>
+        </p:nvGrpSpPr>
+        <p:grpSpPr>
+          <a:xfrm>
+            <a:off x="3936022" y="3048932"/>
+            <a:ext cx="980203" cy="764612"/>
+            <a:chOff x="2399837" y="2779118"/>
+            <a:chExt cx="1880987" cy="1418100"/>
+          </a:xfrm>
+        </p:grpSpPr>
+        <p:sp>
+          <p:nvSpPr>
+            <p:cNvPr id="40" name="Rectangle 39"/>
+            <p:cNvSpPr/>
+            <p:nvPr/>
+          </p:nvSpPr>
+          <p:spPr>
+            <a:xfrm>
+              <a:off x="2399837" y="2779118"/>
+              <a:ext cx="1880987" cy="1418100"/>
+            </a:xfrm>
+            <a:prstGeom prst="rect">
+              <a:avLst/>
+            </a:prstGeom>
+            <a:noFill/>
+            <a:ln w="38100">
+              <a:solidFill>
+                <a:srgbClr val="00AFCB"/>
+              </a:solidFill>
+            </a:ln>
+          </p:spPr>
+          <p:txBody>
+            <a:bodyPr rtlCol="0" anchor="ctr">
+              <a:noAutofit/>
+            </a:bodyPr>
+            <a:lstStyle/>
+            <a:p>
+              <a:pPr algn="ctr" eaLnBrk="1" hangingPunct="1">
+                <a:spcBef>
+                  <a:spcPts val="384"/>
+                </a:spcBef>
+                <a:spcAft>
+                  <a:spcPts val="0"/>
+                </a:spcAft>
+                <a:buClr>
+                  <a:srgbClr val="00A9C5"/>
+                </a:buClr>
+                <a:buSzPct val="80000"/>
+              </a:pPr>
+              <a:r>
+                <a:rPr lang="fr-FR" sz="1200" kern="0" dirty="0" err="1" smtClean="0">
+                  <a:solidFill>
+                    <a:srgbClr val="00AFCB"/>
+                  </a:solidFill>
+                  <a:latin typeface="+mj-lt"/>
+                </a:rPr>
+                <a:t>Backend</a:t>
+              </a:r>
+              <a:r>
+                <a:rPr lang="fr-FR" sz="1200" kern="0" dirty="0" smtClean="0">
+                  <a:solidFill>
+                    <a:srgbClr val="00AFCB"/>
+                  </a:solidFill>
+                  <a:latin typeface="+mj-lt"/>
+                </a:rPr>
+                <a:t> partenaires</a:t>
+              </a:r>
+            </a:p>
+            <a:p>
+              <a:pPr algn="ctr" eaLnBrk="1" hangingPunct="1">
+                <a:spcBef>
+                  <a:spcPts val="384"/>
+                </a:spcBef>
+                <a:spcAft>
+                  <a:spcPts val="0"/>
+                </a:spcAft>
+                <a:buClr>
+                  <a:srgbClr val="00A9C5"/>
+                </a:buClr>
+                <a:buSzPct val="80000"/>
+              </a:pPr>
+              <a:endParaRPr lang="fr-FR" sz="1200" kern="0" dirty="0" smtClean="0">
+                <a:solidFill>
+                  <a:srgbClr val="00AFCB"/>
+                </a:solidFill>
+                <a:latin typeface="+mj-lt"/>
+              </a:endParaRPr>
+            </a:p>
+          </p:txBody>
+        </p:sp>
+        <p:pic>
+          <p:nvPicPr>
+            <p:cNvPr id="83" name="Image 82"/>
+            <p:cNvPicPr>
+              <a:picLocks noChangeAspect="1"/>
+            </p:cNvPicPr>
+            <p:nvPr/>
+          </p:nvPicPr>
+          <p:blipFill>
+            <a:blip r:embed="rId2">
+              <a:extLst>
+                <a:ext uri="{28A0092B-C50C-407E-A947-70E740481C1C}">
+                  <a14:useLocalDpi xmlns:a14="http://schemas.microsoft.com/office/drawing/2010/main" val="0"/>
+                </a:ext>
+              </a:extLst>
+            </a:blip>
+            <a:stretch>
+              <a:fillRect/>
+            </a:stretch>
+          </p:blipFill>
+          <p:spPr>
+            <a:xfrm>
+              <a:off x="3870144" y="3721197"/>
+              <a:ext cx="324728" cy="441843"/>
+            </a:xfrm>
+            <a:prstGeom prst="rect">
+              <a:avLst/>
+            </a:prstGeom>
+          </p:spPr>
+        </p:pic>
+      </p:grpSp>
       <p:pic>
         <p:nvPicPr>
-          <p:cNvPr id="83" name="Image 82"/>
+          <p:cNvPr id="6" name="Image 5"/>
           <p:cNvPicPr>
             <a:picLocks noChangeAspect="1"/>
           </p:cNvPicPr>
@@ -33127,24 +32685,231 @@
         </p:blipFill>
         <p:spPr>
           <a:xfrm>
-            <a:off x="2414429" y="3025238"/>
-            <a:ext cx="324728" cy="441843"/>
+            <a:off x="8290821" y="4259649"/>
+            <a:ext cx="393132" cy="534917"/>
           </a:xfrm>
           <a:prstGeom prst="rect">
             <a:avLst/>
           </a:prstGeom>
         </p:spPr>
       </p:pic>
+      <p:grpSp>
+        <p:nvGrpSpPr>
+          <p:cNvPr id="14" name="Grouper 13"/>
+          <p:cNvGrpSpPr/>
+          <p:nvPr/>
+        </p:nvGrpSpPr>
+        <p:grpSpPr>
+          <a:xfrm>
+            <a:off x="6138258" y="3048932"/>
+            <a:ext cx="980203" cy="764612"/>
+            <a:chOff x="6638345" y="2768770"/>
+            <a:chExt cx="1880987" cy="1418099"/>
+          </a:xfrm>
+        </p:grpSpPr>
+        <p:pic>
+          <p:nvPicPr>
+            <p:cNvPr id="67" name="Image 66"/>
+            <p:cNvPicPr>
+              <a:picLocks noChangeAspect="1"/>
+            </p:cNvPicPr>
+            <p:nvPr/>
+          </p:nvPicPr>
+          <p:blipFill>
+            <a:blip r:embed="rId2">
+              <a:extLst>
+                <a:ext uri="{28A0092B-C50C-407E-A947-70E740481C1C}">
+                  <a14:useLocalDpi xmlns:a14="http://schemas.microsoft.com/office/drawing/2010/main" val="0"/>
+                </a:ext>
+              </a:extLst>
+            </a:blip>
+            <a:stretch>
+              <a:fillRect/>
+            </a:stretch>
+          </p:blipFill>
+          <p:spPr>
+            <a:xfrm>
+              <a:off x="8127266" y="3701533"/>
+              <a:ext cx="324728" cy="441843"/>
+            </a:xfrm>
+            <a:prstGeom prst="rect">
+              <a:avLst/>
+            </a:prstGeom>
+          </p:spPr>
+        </p:pic>
+        <p:sp>
+          <p:nvSpPr>
+            <p:cNvPr id="12" name="Rectangle 11"/>
+            <p:cNvSpPr/>
+            <p:nvPr/>
+          </p:nvSpPr>
+          <p:spPr>
+            <a:xfrm>
+              <a:off x="6638345" y="2768770"/>
+              <a:ext cx="1880987" cy="1418099"/>
+            </a:xfrm>
+            <a:prstGeom prst="rect">
+              <a:avLst/>
+            </a:prstGeom>
+            <a:noFill/>
+            <a:ln w="38100">
+              <a:solidFill>
+                <a:srgbClr val="00AFCB"/>
+              </a:solidFill>
+            </a:ln>
+          </p:spPr>
+          <p:txBody>
+            <a:bodyPr rtlCol="0" anchor="ctr">
+              <a:noAutofit/>
+            </a:bodyPr>
+            <a:lstStyle/>
+            <a:p>
+              <a:pPr algn="ctr" eaLnBrk="1" hangingPunct="1">
+                <a:spcBef>
+                  <a:spcPts val="384"/>
+                </a:spcBef>
+                <a:spcAft>
+                  <a:spcPts val="0"/>
+                </a:spcAft>
+                <a:buClr>
+                  <a:srgbClr val="00A9C5"/>
+                </a:buClr>
+                <a:buSzPct val="80000"/>
+              </a:pPr>
+              <a:r>
+                <a:rPr lang="fr-FR" sz="1200" kern="0" dirty="0" err="1" smtClean="0">
+                  <a:solidFill>
+                    <a:srgbClr val="00AFCB"/>
+                  </a:solidFill>
+                  <a:latin typeface="+mj-lt"/>
+                </a:rPr>
+                <a:t>Backend</a:t>
+              </a:r>
+              <a:r>
+                <a:rPr lang="fr-FR" sz="1200" kern="0" dirty="0" smtClean="0">
+                  <a:solidFill>
+                    <a:srgbClr val="00AFCB"/>
+                  </a:solidFill>
+                  <a:latin typeface="+mj-lt"/>
+                </a:rPr>
+                <a:t> site web client</a:t>
+              </a:r>
+            </a:p>
+          </p:txBody>
+        </p:sp>
+      </p:grpSp>
       <p:sp>
         <p:nvSpPr>
-          <p:cNvPr id="32" name="Rectangle 31"/>
+          <p:cNvPr id="13" name="Rectangle 12"/>
           <p:cNvSpPr/>
           <p:nvPr/>
         </p:nvSpPr>
         <p:spPr>
           <a:xfrm>
-            <a:off x="8003725" y="62356"/>
-            <a:ext cx="1880987" cy="1418099"/>
+            <a:off x="5562349" y="2014693"/>
+            <a:ext cx="980203" cy="764612"/>
+          </a:xfrm>
+          <a:prstGeom prst="rect">
+            <a:avLst/>
+          </a:prstGeom>
+          <a:noFill/>
+          <a:ln w="38100">
+            <a:solidFill>
+              <a:srgbClr val="00AFCB"/>
+            </a:solidFill>
+          </a:ln>
+        </p:spPr>
+        <p:txBody>
+          <a:bodyPr rtlCol="0" anchor="ctr">
+            <a:noAutofit/>
+          </a:bodyPr>
+          <a:lstStyle/>
+          <a:p>
+            <a:pPr algn="ctr" eaLnBrk="1" hangingPunct="1">
+              <a:spcBef>
+                <a:spcPts val="384"/>
+              </a:spcBef>
+              <a:spcAft>
+                <a:spcPts val="0"/>
+              </a:spcAft>
+              <a:buClr>
+                <a:srgbClr val="00A9C5"/>
+              </a:buClr>
+              <a:buSzPct val="80000"/>
+            </a:pPr>
+            <a:r>
+              <a:rPr lang="fr-FR" sz="1200" kern="0" dirty="0" smtClean="0">
+                <a:solidFill>
+                  <a:srgbClr val="00AFCB"/>
+                </a:solidFill>
+                <a:latin typeface="+mj-lt"/>
+              </a:rPr>
+              <a:t>Site web client</a:t>
+            </a:r>
+          </a:p>
+        </p:txBody>
+      </p:sp>
+      <p:sp>
+        <p:nvSpPr>
+          <p:cNvPr id="16" name="Rectangle 15"/>
+          <p:cNvSpPr/>
+          <p:nvPr/>
+        </p:nvSpPr>
+        <p:spPr>
+          <a:xfrm>
+            <a:off x="6646567" y="2014693"/>
+            <a:ext cx="980203" cy="764612"/>
+          </a:xfrm>
+          <a:prstGeom prst="rect">
+            <a:avLst/>
+          </a:prstGeom>
+          <a:noFill/>
+          <a:ln w="38100">
+            <a:solidFill>
+              <a:srgbClr val="00AFCB"/>
+            </a:solidFill>
+          </a:ln>
+        </p:spPr>
+        <p:txBody>
+          <a:bodyPr rtlCol="0" anchor="ctr">
+            <a:noAutofit/>
+          </a:bodyPr>
+          <a:lstStyle/>
+          <a:p>
+            <a:pPr algn="ctr" eaLnBrk="1" hangingPunct="1">
+              <a:spcBef>
+                <a:spcPts val="384"/>
+              </a:spcBef>
+              <a:spcAft>
+                <a:spcPts val="0"/>
+              </a:spcAft>
+              <a:buClr>
+                <a:srgbClr val="00A9C5"/>
+              </a:buClr>
+              <a:buSzPct val="80000"/>
+            </a:pPr>
+            <a:r>
+              <a:rPr lang="fr-FR" sz="1200" kern="0" dirty="0" smtClean="0">
+                <a:solidFill>
+                  <a:srgbClr val="00AFCB"/>
+                </a:solidFill>
+                <a:latin typeface="+mj-lt"/>
+              </a:rPr>
+              <a:t>Appli mobile client</a:t>
+            </a:r>
+          </a:p>
+        </p:txBody>
+      </p:sp>
+      <p:sp>
+        <p:nvSpPr>
+          <p:cNvPr id="47" name="Rectangle 46"/>
+          <p:cNvSpPr/>
+          <p:nvPr/>
+        </p:nvSpPr>
+        <p:spPr>
+          <a:xfrm>
+            <a:off x="7730787" y="3048932"/>
+            <a:ext cx="980203" cy="764612"/>
           </a:xfrm>
           <a:prstGeom prst="rect">
             <a:avLst/>
@@ -33175,30 +32940,96 @@
               <a:buSzPct val="80000"/>
             </a:pPr>
             <a:r>
-              <a:rPr lang="fr-FR" sz="2400" kern="0" dirty="0">
+              <a:rPr lang="fr-FR" sz="1200" kern="0" dirty="0" err="1" smtClean="0">
                 <a:solidFill>
                   <a:srgbClr val="00AFCB"/>
                 </a:solidFill>
                 <a:latin typeface="Arial"/>
               </a:rPr>
-              <a:t>Site web backoffice</a:t>
+              <a:t>Backend</a:t>
+            </a:r>
+            <a:r>
+              <a:rPr lang="fr-FR" sz="1200" kern="0" dirty="0" smtClean="0">
+                <a:solidFill>
+                  <a:srgbClr val="00AFCB"/>
+                </a:solidFill>
+                <a:latin typeface="Arial"/>
+              </a:rPr>
+              <a:t> backoffice</a:t>
+            </a:r>
+            <a:endParaRPr lang="fr-FR" sz="1200" kern="0" dirty="0">
+              <a:solidFill>
+                <a:srgbClr val="00AFCB"/>
+              </a:solidFill>
+              <a:latin typeface="Arial"/>
+            </a:endParaRPr>
+          </a:p>
+        </p:txBody>
+      </p:sp>
+      <p:sp>
+        <p:nvSpPr>
+          <p:cNvPr id="92" name="Rectangle 91"/>
+          <p:cNvSpPr/>
+          <p:nvPr/>
+        </p:nvSpPr>
+        <p:spPr>
+          <a:xfrm>
+            <a:off x="7730787" y="2010126"/>
+            <a:ext cx="980203" cy="764612"/>
+          </a:xfrm>
+          <a:prstGeom prst="rect">
+            <a:avLst/>
+          </a:prstGeom>
+          <a:noFill/>
+          <a:ln w="38100">
+            <a:solidFill>
+              <a:srgbClr val="00AFCB"/>
+            </a:solidFill>
+          </a:ln>
+        </p:spPr>
+        <p:txBody>
+          <a:bodyPr rtlCol="0" anchor="ctr">
+            <a:noAutofit/>
+          </a:bodyPr>
+          <a:lstStyle/>
+          <a:p>
+            <a:pPr lvl="0" algn="ctr" eaLnBrk="1" hangingPunct="1">
+              <a:spcBef>
+                <a:spcPts val="384"/>
+              </a:spcBef>
+              <a:spcAft>
+                <a:spcPts val="0"/>
+              </a:spcAft>
+              <a:buClr>
+                <a:srgbClr val="00A9C5"/>
+              </a:buClr>
+              <a:buSzPct val="80000"/>
+            </a:pPr>
+            <a:r>
+              <a:rPr lang="fr-FR" sz="1200" kern="0" dirty="0">
+                <a:solidFill>
+                  <a:srgbClr val="00AFCB"/>
+                </a:solidFill>
+                <a:latin typeface="Arial"/>
+              </a:rPr>
+              <a:t>Écrans backoffice</a:t>
             </a:r>
           </a:p>
         </p:txBody>
       </p:sp>
       <p:cxnSp>
         <p:nvCxnSpPr>
-          <p:cNvPr id="33" name="Connecteur droit avec flèche 32"/>
+          <p:cNvPr id="93" name="Connecteur droit avec flèche 92"/>
           <p:cNvCxnSpPr>
-            <a:stCxn id="32" idx="2"/>
+            <a:stCxn id="92" idx="2"/>
             <a:endCxn id="47" idx="0"/>
           </p:cNvCxnSpPr>
           <p:nvPr/>
         </p:nvCxnSpPr>
         <p:spPr bwMode="auto">
           <a:xfrm>
-            <a:off x="8944219" y="1480455"/>
-            <a:ext cx="18723" cy="586352"/>
+            <a:off x="8220889" y="2774738"/>
+            <a:ext cx="0" cy="274194"/>
           </a:xfrm>
           <a:prstGeom prst="straightConnector1">
             <a:avLst/>
@@ -33206,7 +33037,7 @@
           <a:solidFill>
             <a:schemeClr val="accent1"/>
           </a:solidFill>
-          <a:ln w="38100" cap="flat" cmpd="sng" algn="ctr">
+          <a:ln w="19050" cap="flat" cmpd="sng" algn="ctr">
             <a:solidFill>
               <a:schemeClr val="tx2"/>
             </a:solidFill>
@@ -33218,10 +33049,5965 @@
           <a:effectLst/>
         </p:spPr>
       </p:cxnSp>
+      <p:cxnSp>
+        <p:nvCxnSpPr>
+          <p:cNvPr id="49" name="Connecteur droit avec flèche 48"/>
+          <p:cNvCxnSpPr>
+            <a:stCxn id="40" idx="2"/>
+            <a:endCxn id="5" idx="0"/>
+          </p:cNvCxnSpPr>
+          <p:nvPr/>
+        </p:nvCxnSpPr>
+        <p:spPr bwMode="auto">
+          <a:xfrm>
+            <a:off x="4426124" y="3813544"/>
+            <a:ext cx="1669877" cy="263849"/>
+          </a:xfrm>
+          <a:prstGeom prst="straightConnector1">
+            <a:avLst/>
+          </a:prstGeom>
+          <a:solidFill>
+            <a:schemeClr val="accent1"/>
+          </a:solidFill>
+          <a:ln w="19050" cap="flat" cmpd="sng" algn="ctr">
+            <a:solidFill>
+              <a:schemeClr val="tx2"/>
+            </a:solidFill>
+            <a:prstDash val="solid"/>
+            <a:round/>
+            <a:headEnd type="none" w="med" len="med"/>
+            <a:tailEnd type="triangle" w="lg" len="lg"/>
+          </a:ln>
+          <a:effectLst/>
+        </p:spPr>
+      </p:cxnSp>
+      <p:sp>
+        <p:nvSpPr>
+          <p:cNvPr id="52" name="Rectangle 51"/>
+          <p:cNvSpPr/>
+          <p:nvPr/>
+        </p:nvSpPr>
+        <p:spPr>
+          <a:xfrm>
+            <a:off x="3393913" y="2020471"/>
+            <a:ext cx="980203" cy="764612"/>
+          </a:xfrm>
+          <a:prstGeom prst="rect">
+            <a:avLst/>
+          </a:prstGeom>
+          <a:noFill/>
+          <a:ln w="38100">
+            <a:solidFill>
+              <a:srgbClr val="00AFCB"/>
+            </a:solidFill>
+          </a:ln>
+        </p:spPr>
+        <p:txBody>
+          <a:bodyPr rtlCol="0" anchor="ctr">
+            <a:noAutofit/>
+          </a:bodyPr>
+          <a:lstStyle/>
+          <a:p>
+            <a:pPr algn="ctr" eaLnBrk="1" hangingPunct="1">
+              <a:spcBef>
+                <a:spcPts val="384"/>
+              </a:spcBef>
+              <a:spcAft>
+                <a:spcPts val="0"/>
+              </a:spcAft>
+              <a:buClr>
+                <a:srgbClr val="00A9C5"/>
+              </a:buClr>
+              <a:buSzPct val="80000"/>
+            </a:pPr>
+            <a:r>
+              <a:rPr lang="fr-FR" sz="1200" kern="0" dirty="0" smtClean="0">
+                <a:solidFill>
+                  <a:srgbClr val="00AFCB"/>
+                </a:solidFill>
+                <a:latin typeface="+mj-lt"/>
+              </a:rPr>
+              <a:t>Partenaire 1</a:t>
+            </a:r>
+          </a:p>
+        </p:txBody>
+      </p:sp>
+      <p:sp>
+        <p:nvSpPr>
+          <p:cNvPr id="53" name="Rectangle 52"/>
+          <p:cNvSpPr/>
+          <p:nvPr/>
+        </p:nvSpPr>
+        <p:spPr>
+          <a:xfrm>
+            <a:off x="4478131" y="2014693"/>
+            <a:ext cx="980203" cy="764612"/>
+          </a:xfrm>
+          <a:prstGeom prst="rect">
+            <a:avLst/>
+          </a:prstGeom>
+          <a:noFill/>
+          <a:ln w="38100">
+            <a:solidFill>
+              <a:srgbClr val="00AFCB"/>
+            </a:solidFill>
+          </a:ln>
+        </p:spPr>
+        <p:txBody>
+          <a:bodyPr rtlCol="0" anchor="ctr">
+            <a:noAutofit/>
+          </a:bodyPr>
+          <a:lstStyle/>
+          <a:p>
+            <a:pPr algn="ctr" eaLnBrk="1" hangingPunct="1">
+              <a:spcBef>
+                <a:spcPts val="384"/>
+              </a:spcBef>
+              <a:spcAft>
+                <a:spcPts val="0"/>
+              </a:spcAft>
+              <a:buClr>
+                <a:srgbClr val="00A9C5"/>
+              </a:buClr>
+              <a:buSzPct val="80000"/>
+            </a:pPr>
+            <a:r>
+              <a:rPr lang="fr-FR" sz="1200" kern="0" dirty="0">
+                <a:solidFill>
+                  <a:srgbClr val="00AFCB"/>
+                </a:solidFill>
+                <a:latin typeface="+mj-lt"/>
+              </a:rPr>
+              <a:t>Partenaire </a:t>
+            </a:r>
+            <a:r>
+              <a:rPr lang="fr-FR" sz="1200" kern="0" dirty="0" smtClean="0">
+                <a:solidFill>
+                  <a:srgbClr val="00AFCB"/>
+                </a:solidFill>
+                <a:latin typeface="+mj-lt"/>
+              </a:rPr>
+              <a:t>2</a:t>
+            </a:r>
+            <a:endParaRPr lang="fr-FR" sz="1200" kern="0" dirty="0">
+              <a:solidFill>
+                <a:srgbClr val="00AFCB"/>
+              </a:solidFill>
+              <a:latin typeface="+mj-lt"/>
+            </a:endParaRPr>
+          </a:p>
+        </p:txBody>
+      </p:sp>
+      <p:cxnSp>
+        <p:nvCxnSpPr>
+          <p:cNvPr id="59" name="Connecteur droit avec flèche 58"/>
+          <p:cNvCxnSpPr>
+            <a:stCxn id="53" idx="2"/>
+            <a:endCxn id="40" idx="0"/>
+          </p:cNvCxnSpPr>
+          <p:nvPr/>
+        </p:nvCxnSpPr>
+        <p:spPr bwMode="auto">
+          <a:xfrm flipH="1">
+            <a:off x="4426124" y="2779305"/>
+            <a:ext cx="542109" cy="269627"/>
+          </a:xfrm>
+          <a:prstGeom prst="straightConnector1">
+            <a:avLst/>
+          </a:prstGeom>
+          <a:solidFill>
+            <a:schemeClr val="accent1"/>
+          </a:solidFill>
+          <a:ln w="19050" cap="flat" cmpd="sng" algn="ctr">
+            <a:solidFill>
+              <a:schemeClr val="tx2"/>
+            </a:solidFill>
+            <a:prstDash val="solid"/>
+            <a:round/>
+            <a:headEnd type="triangle" w="lg" len="lg"/>
+            <a:tailEnd type="triangle" w="lg" len="lg"/>
+          </a:ln>
+          <a:effectLst/>
+        </p:spPr>
+      </p:cxnSp>
+      <p:grpSp>
+        <p:nvGrpSpPr>
+          <p:cNvPr id="11" name="Grouper 10"/>
+          <p:cNvGrpSpPr/>
+          <p:nvPr/>
+        </p:nvGrpSpPr>
+        <p:grpSpPr>
+          <a:xfrm>
+            <a:off x="5037140" y="3051867"/>
+            <a:ext cx="980203" cy="764612"/>
+            <a:chOff x="4577128" y="2779116"/>
+            <a:chExt cx="1880987" cy="1418099"/>
+          </a:xfrm>
+        </p:grpSpPr>
+        <p:sp>
+          <p:nvSpPr>
+            <p:cNvPr id="24" name="Rectangle 23"/>
+            <p:cNvSpPr/>
+            <p:nvPr/>
+          </p:nvSpPr>
+          <p:spPr>
+            <a:xfrm>
+              <a:off x="4577128" y="2779116"/>
+              <a:ext cx="1880987" cy="1418099"/>
+            </a:xfrm>
+            <a:prstGeom prst="rect">
+              <a:avLst/>
+            </a:prstGeom>
+            <a:noFill/>
+            <a:ln w="38100">
+              <a:solidFill>
+                <a:srgbClr val="00AFCB"/>
+              </a:solidFill>
+            </a:ln>
+          </p:spPr>
+          <p:txBody>
+            <a:bodyPr rtlCol="0" anchor="ctr">
+              <a:noAutofit/>
+            </a:bodyPr>
+            <a:lstStyle/>
+            <a:p>
+              <a:pPr algn="ctr" eaLnBrk="1" hangingPunct="1">
+                <a:spcBef>
+                  <a:spcPts val="384"/>
+                </a:spcBef>
+                <a:spcAft>
+                  <a:spcPts val="0"/>
+                </a:spcAft>
+                <a:buClr>
+                  <a:srgbClr val="00A9C5"/>
+                </a:buClr>
+                <a:buSzPct val="80000"/>
+              </a:pPr>
+              <a:r>
+                <a:rPr lang="fr-FR" sz="1200" kern="0" dirty="0" err="1" smtClean="0">
+                  <a:solidFill>
+                    <a:srgbClr val="00AFCB"/>
+                  </a:solidFill>
+                  <a:latin typeface="+mj-lt"/>
+                </a:rPr>
+                <a:t>Backend</a:t>
+              </a:r>
+              <a:r>
+                <a:rPr lang="fr-FR" sz="1200" kern="0" dirty="0" smtClean="0">
+                  <a:solidFill>
+                    <a:srgbClr val="00AFCB"/>
+                  </a:solidFill>
+                  <a:latin typeface="+mj-lt"/>
+                </a:rPr>
+                <a:t> partagé</a:t>
+              </a:r>
+            </a:p>
+            <a:p>
+              <a:pPr algn="ctr" eaLnBrk="1" hangingPunct="1">
+                <a:spcBef>
+                  <a:spcPts val="384"/>
+                </a:spcBef>
+                <a:spcAft>
+                  <a:spcPts val="0"/>
+                </a:spcAft>
+                <a:buClr>
+                  <a:srgbClr val="00A9C5"/>
+                </a:buClr>
+                <a:buSzPct val="80000"/>
+              </a:pPr>
+              <a:endParaRPr lang="fr-FR" sz="1200" kern="0" dirty="0" smtClean="0">
+                <a:solidFill>
+                  <a:srgbClr val="00AFCB"/>
+                </a:solidFill>
+                <a:latin typeface="+mj-lt"/>
+              </a:endParaRPr>
+            </a:p>
+          </p:txBody>
+        </p:sp>
+        <p:pic>
+          <p:nvPicPr>
+            <p:cNvPr id="25" name="Image 24"/>
+            <p:cNvPicPr>
+              <a:picLocks noChangeAspect="1"/>
+            </p:cNvPicPr>
+            <p:nvPr/>
+          </p:nvPicPr>
+          <p:blipFill>
+            <a:blip r:embed="rId2">
+              <a:extLst>
+                <a:ext uri="{28A0092B-C50C-407E-A947-70E740481C1C}">
+                  <a14:useLocalDpi xmlns:a14="http://schemas.microsoft.com/office/drawing/2010/main" val="0"/>
+                </a:ext>
+              </a:extLst>
+            </a:blip>
+            <a:stretch>
+              <a:fillRect/>
+            </a:stretch>
+          </p:blipFill>
+          <p:spPr>
+            <a:xfrm>
+              <a:off x="6047435" y="3721197"/>
+              <a:ext cx="324728" cy="441843"/>
+            </a:xfrm>
+            <a:prstGeom prst="rect">
+              <a:avLst/>
+            </a:prstGeom>
+          </p:spPr>
+        </p:pic>
+      </p:grpSp>
+      <p:cxnSp>
+        <p:nvCxnSpPr>
+          <p:cNvPr id="26" name="Connecteur droit avec flèche 25"/>
+          <p:cNvCxnSpPr>
+            <a:stCxn id="40" idx="3"/>
+            <a:endCxn id="24" idx="1"/>
+          </p:cNvCxnSpPr>
+          <p:nvPr/>
+        </p:nvCxnSpPr>
+        <p:spPr bwMode="auto">
+          <a:xfrm>
+            <a:off x="4916225" y="3431238"/>
+            <a:ext cx="120915" cy="2935"/>
+          </a:xfrm>
+          <a:prstGeom prst="straightConnector1">
+            <a:avLst/>
+          </a:prstGeom>
+          <a:solidFill>
+            <a:schemeClr val="accent1"/>
+          </a:solidFill>
+          <a:ln w="19050" cap="flat" cmpd="sng" algn="ctr">
+            <a:solidFill>
+              <a:schemeClr val="tx2"/>
+            </a:solidFill>
+            <a:prstDash val="solid"/>
+            <a:round/>
+            <a:headEnd type="none" w="med" len="med"/>
+            <a:tailEnd type="triangle" w="lg" len="lg"/>
+          </a:ln>
+          <a:effectLst/>
+        </p:spPr>
+      </p:cxnSp>
+      <p:cxnSp>
+        <p:nvCxnSpPr>
+          <p:cNvPr id="29" name="Connecteur droit avec flèche 28"/>
+          <p:cNvCxnSpPr>
+            <a:stCxn id="24" idx="2"/>
+            <a:endCxn id="5" idx="0"/>
+          </p:cNvCxnSpPr>
+          <p:nvPr/>
+        </p:nvCxnSpPr>
+        <p:spPr bwMode="auto">
+          <a:xfrm>
+            <a:off x="5527242" y="3816479"/>
+            <a:ext cx="568759" cy="260914"/>
+          </a:xfrm>
+          <a:prstGeom prst="straightConnector1">
+            <a:avLst/>
+          </a:prstGeom>
+          <a:solidFill>
+            <a:schemeClr val="accent1"/>
+          </a:solidFill>
+          <a:ln w="19050" cap="flat" cmpd="sng" algn="ctr">
+            <a:solidFill>
+              <a:schemeClr val="tx2"/>
+            </a:solidFill>
+            <a:prstDash val="solid"/>
+            <a:round/>
+            <a:headEnd type="none" w="med" len="med"/>
+            <a:tailEnd type="triangle" w="lg" len="lg"/>
+          </a:ln>
+          <a:effectLst/>
+        </p:spPr>
+      </p:cxnSp>
+      <p:cxnSp>
+        <p:nvCxnSpPr>
+          <p:cNvPr id="32" name="Connecteur droit avec flèche 31"/>
+          <p:cNvCxnSpPr>
+            <a:stCxn id="12" idx="1"/>
+            <a:endCxn id="24" idx="3"/>
+          </p:cNvCxnSpPr>
+          <p:nvPr/>
+        </p:nvCxnSpPr>
+        <p:spPr bwMode="auto">
+          <a:xfrm flipH="1">
+            <a:off x="6017343" y="3431238"/>
+            <a:ext cx="120915" cy="2935"/>
+          </a:xfrm>
+          <a:prstGeom prst="straightConnector1">
+            <a:avLst/>
+          </a:prstGeom>
+          <a:solidFill>
+            <a:schemeClr val="accent1"/>
+          </a:solidFill>
+          <a:ln w="19050" cap="flat" cmpd="sng" algn="ctr">
+            <a:solidFill>
+              <a:schemeClr val="tx2"/>
+            </a:solidFill>
+            <a:prstDash val="solid"/>
+            <a:round/>
+            <a:headEnd type="none" w="med" len="med"/>
+            <a:tailEnd type="triangle" w="lg" len="lg"/>
+          </a:ln>
+          <a:effectLst/>
+        </p:spPr>
+      </p:cxnSp>
+      <p:pic>
+        <p:nvPicPr>
+          <p:cNvPr id="54" name="Image 53"/>
+          <p:cNvPicPr>
+            <a:picLocks noChangeAspect="1"/>
+          </p:cNvPicPr>
+          <p:nvPr/>
+        </p:nvPicPr>
+        <p:blipFill>
+          <a:blip r:embed="rId2">
+            <a:extLst>
+              <a:ext uri="{28A0092B-C50C-407E-A947-70E740481C1C}">
+                <a14:useLocalDpi xmlns:a14="http://schemas.microsoft.com/office/drawing/2010/main" val="0"/>
+              </a:ext>
+            </a:extLst>
+          </a:blip>
+          <a:stretch>
+            <a:fillRect/>
+          </a:stretch>
+        </p:blipFill>
+        <p:spPr>
+          <a:xfrm>
+            <a:off x="7426095" y="2501280"/>
+            <a:ext cx="169219" cy="238233"/>
+          </a:xfrm>
+          <a:prstGeom prst="rect">
+            <a:avLst/>
+          </a:prstGeom>
+        </p:spPr>
+      </p:pic>
     </p:spTree>
     <p:extLst>
       <p:ext uri="{BB962C8B-B14F-4D97-AF65-F5344CB8AC3E}">
-        <p14:creationId xmlns:p14="http://schemas.microsoft.com/office/powerpoint/2010/main" val="1065958318"/>
+        <p14:creationId xmlns:p14="http://schemas.microsoft.com/office/powerpoint/2010/main" val="50001832"/>
+      </p:ext>
+    </p:extLst>
+  </p:cSld>
+  <p:clrMapOvr>
+    <a:masterClrMapping/>
+  </p:clrMapOvr>
+</p:sld>
+</file>
+
+<file path=ppt/slides/slide11.xml><?xml version="1.0" encoding="utf-8"?>
+<p:sld xmlns:a="http://schemas.openxmlformats.org/drawingml/2006/main" xmlns:r="http://schemas.openxmlformats.org/officeDocument/2006/relationships" xmlns:p="http://schemas.openxmlformats.org/presentationml/2006/main">
+  <p:cSld>
+    <p:spTree>
+      <p:nvGrpSpPr>
+        <p:cNvPr id="1" name=""/>
+        <p:cNvGrpSpPr/>
+        <p:nvPr/>
+      </p:nvGrpSpPr>
+      <p:grpSpPr>
+        <a:xfrm>
+          <a:off x="0" y="0"/>
+          <a:ext cx="0" cy="0"/>
+          <a:chOff x="0" y="0"/>
+          <a:chExt cx="0" cy="0"/>
+        </a:xfrm>
+      </p:grpSpPr>
+      <p:sp>
+        <p:nvSpPr>
+          <p:cNvPr id="5" name="Rectangle 4"/>
+          <p:cNvSpPr/>
+          <p:nvPr/>
+        </p:nvSpPr>
+        <p:spPr>
+          <a:xfrm>
+            <a:off x="3393914" y="3921449"/>
+            <a:ext cx="5404174" cy="926425"/>
+          </a:xfrm>
+          <a:prstGeom prst="rect">
+            <a:avLst/>
+          </a:prstGeom>
+          <a:noFill/>
+          <a:ln w="38100">
+            <a:solidFill>
+              <a:srgbClr val="00AFCB"/>
+            </a:solidFill>
+          </a:ln>
+        </p:spPr>
+        <p:txBody>
+          <a:bodyPr rtlCol="0" anchor="ctr">
+            <a:noAutofit/>
+          </a:bodyPr>
+          <a:lstStyle/>
+          <a:p>
+            <a:pPr algn="ctr" eaLnBrk="1" hangingPunct="1">
+              <a:spcBef>
+                <a:spcPts val="384"/>
+              </a:spcBef>
+              <a:spcAft>
+                <a:spcPts val="0"/>
+              </a:spcAft>
+              <a:buClr>
+                <a:srgbClr val="00A9C5"/>
+              </a:buClr>
+              <a:buSzPct val="80000"/>
+            </a:pPr>
+            <a:r>
+              <a:rPr lang="fr-FR" sz="1200" kern="0" dirty="0" smtClean="0">
+                <a:solidFill>
+                  <a:srgbClr val="00AFCB"/>
+                </a:solidFill>
+                <a:latin typeface="+mj-lt"/>
+              </a:rPr>
+              <a:t>Cœur </a:t>
+            </a:r>
+            <a:r>
+              <a:rPr lang="fr-FR" sz="1200" kern="0" dirty="0" smtClean="0">
+                <a:solidFill>
+                  <a:srgbClr val="00AFCB"/>
+                </a:solidFill>
+                <a:latin typeface="+mj-lt"/>
+              </a:rPr>
+              <a:t>métier enrichi</a:t>
+            </a:r>
+            <a:endParaRPr lang="fr-FR" sz="1200" kern="0" dirty="0" smtClean="0">
+              <a:solidFill>
+                <a:srgbClr val="00AFCB"/>
+              </a:solidFill>
+              <a:latin typeface="+mj-lt"/>
+            </a:endParaRPr>
+          </a:p>
+        </p:txBody>
+      </p:sp>
+      <p:cxnSp>
+        <p:nvCxnSpPr>
+          <p:cNvPr id="10" name="Connecteur droit avec flèche 9"/>
+          <p:cNvCxnSpPr>
+            <a:stCxn id="52" idx="2"/>
+            <a:endCxn id="40" idx="0"/>
+          </p:cNvCxnSpPr>
+          <p:nvPr/>
+        </p:nvCxnSpPr>
+        <p:spPr bwMode="auto">
+          <a:xfrm>
+            <a:off x="3884015" y="2785083"/>
+            <a:ext cx="542109" cy="265317"/>
+          </a:xfrm>
+          <a:prstGeom prst="straightConnector1">
+            <a:avLst/>
+          </a:prstGeom>
+          <a:solidFill>
+            <a:schemeClr val="accent1"/>
+          </a:solidFill>
+          <a:ln w="19050" cap="flat" cmpd="sng" algn="ctr">
+            <a:solidFill>
+              <a:schemeClr val="tx2"/>
+            </a:solidFill>
+            <a:prstDash val="solid"/>
+            <a:round/>
+            <a:headEnd type="triangle" w="lg" len="lg"/>
+            <a:tailEnd type="triangle" w="lg" len="lg"/>
+          </a:ln>
+          <a:effectLst/>
+        </p:spPr>
+      </p:cxnSp>
+      <p:cxnSp>
+        <p:nvCxnSpPr>
+          <p:cNvPr id="31" name="Connecteur droit avec flèche 30"/>
+          <p:cNvCxnSpPr>
+            <a:stCxn id="16" idx="2"/>
+            <a:endCxn id="12" idx="0"/>
+          </p:cNvCxnSpPr>
+          <p:nvPr/>
+        </p:nvCxnSpPr>
+        <p:spPr bwMode="auto">
+          <a:xfrm flipH="1">
+            <a:off x="6628360" y="2779305"/>
+            <a:ext cx="508309" cy="269627"/>
+          </a:xfrm>
+          <a:prstGeom prst="straightConnector1">
+            <a:avLst/>
+          </a:prstGeom>
+          <a:solidFill>
+            <a:schemeClr val="accent1"/>
+          </a:solidFill>
+          <a:ln w="19050" cap="flat" cmpd="sng" algn="ctr">
+            <a:solidFill>
+              <a:schemeClr val="tx2"/>
+            </a:solidFill>
+            <a:prstDash val="solid"/>
+            <a:round/>
+            <a:headEnd type="none" w="med" len="med"/>
+            <a:tailEnd type="triangle" w="lg" len="lg"/>
+          </a:ln>
+          <a:effectLst/>
+        </p:spPr>
+      </p:cxnSp>
+      <p:cxnSp>
+        <p:nvCxnSpPr>
+          <p:cNvPr id="34" name="Connecteur droit avec flèche 33"/>
+          <p:cNvCxnSpPr>
+            <a:stCxn id="13" idx="2"/>
+            <a:endCxn id="12" idx="0"/>
+          </p:cNvCxnSpPr>
+          <p:nvPr/>
+        </p:nvCxnSpPr>
+        <p:spPr bwMode="auto">
+          <a:xfrm>
+            <a:off x="6052451" y="2779305"/>
+            <a:ext cx="575909" cy="269627"/>
+          </a:xfrm>
+          <a:prstGeom prst="straightConnector1">
+            <a:avLst/>
+          </a:prstGeom>
+          <a:solidFill>
+            <a:schemeClr val="accent1"/>
+          </a:solidFill>
+          <a:ln w="19050" cap="flat" cmpd="sng" algn="ctr">
+            <a:solidFill>
+              <a:schemeClr val="tx2"/>
+            </a:solidFill>
+            <a:prstDash val="solid"/>
+            <a:round/>
+            <a:headEnd type="none" w="med" len="med"/>
+            <a:tailEnd type="triangle" w="lg" len="lg"/>
+          </a:ln>
+          <a:effectLst/>
+        </p:spPr>
+      </p:cxnSp>
+      <p:cxnSp>
+        <p:nvCxnSpPr>
+          <p:cNvPr id="23" name="Connecteur droit avec flèche 22"/>
+          <p:cNvCxnSpPr>
+            <a:stCxn id="12" idx="2"/>
+            <a:endCxn id="5" idx="0"/>
+          </p:cNvCxnSpPr>
+          <p:nvPr/>
+        </p:nvCxnSpPr>
+        <p:spPr bwMode="auto">
+          <a:xfrm flipH="1">
+            <a:off x="6096001" y="3654665"/>
+            <a:ext cx="532359" cy="266784"/>
+          </a:xfrm>
+          <a:prstGeom prst="straightConnector1">
+            <a:avLst/>
+          </a:prstGeom>
+          <a:solidFill>
+            <a:schemeClr val="accent1"/>
+          </a:solidFill>
+          <a:ln w="19050" cap="flat" cmpd="sng" algn="ctr">
+            <a:solidFill>
+              <a:schemeClr val="tx2"/>
+            </a:solidFill>
+            <a:prstDash val="solid"/>
+            <a:round/>
+            <a:headEnd type="none" w="med" len="med"/>
+            <a:tailEnd type="triangle" w="lg" len="lg"/>
+          </a:ln>
+          <a:effectLst/>
+        </p:spPr>
+      </p:cxnSp>
+      <p:cxnSp>
+        <p:nvCxnSpPr>
+          <p:cNvPr id="60" name="Connecteur droit avec flèche 59"/>
+          <p:cNvCxnSpPr>
+            <a:stCxn id="47" idx="2"/>
+            <a:endCxn id="5" idx="0"/>
+          </p:cNvCxnSpPr>
+          <p:nvPr/>
+        </p:nvCxnSpPr>
+        <p:spPr bwMode="auto">
+          <a:xfrm flipH="1">
+            <a:off x="6096001" y="3654665"/>
+            <a:ext cx="2124888" cy="266784"/>
+          </a:xfrm>
+          <a:prstGeom prst="straightConnector1">
+            <a:avLst/>
+          </a:prstGeom>
+          <a:solidFill>
+            <a:schemeClr val="accent1"/>
+          </a:solidFill>
+          <a:ln w="19050" cap="flat" cmpd="sng" algn="ctr">
+            <a:solidFill>
+              <a:schemeClr val="tx2"/>
+            </a:solidFill>
+            <a:prstDash val="solid"/>
+            <a:round/>
+            <a:headEnd type="none" w="lg" len="lg"/>
+            <a:tailEnd type="triangle" w="lg" len="lg"/>
+          </a:ln>
+          <a:effectLst/>
+        </p:spPr>
+      </p:cxnSp>
+      <p:grpSp>
+        <p:nvGrpSpPr>
+          <p:cNvPr id="15" name="Grouper 14"/>
+          <p:cNvGrpSpPr/>
+          <p:nvPr/>
+        </p:nvGrpSpPr>
+        <p:grpSpPr>
+          <a:xfrm>
+            <a:off x="3936022" y="3050400"/>
+            <a:ext cx="980203" cy="605733"/>
+            <a:chOff x="2399837" y="2779118"/>
+            <a:chExt cx="1880987" cy="1418100"/>
+          </a:xfrm>
+        </p:grpSpPr>
+        <p:sp>
+          <p:nvSpPr>
+            <p:cNvPr id="40" name="Rectangle 39"/>
+            <p:cNvSpPr/>
+            <p:nvPr/>
+          </p:nvSpPr>
+          <p:spPr>
+            <a:xfrm>
+              <a:off x="2399837" y="2779118"/>
+              <a:ext cx="1880987" cy="1418100"/>
+            </a:xfrm>
+            <a:prstGeom prst="rect">
+              <a:avLst/>
+            </a:prstGeom>
+            <a:noFill/>
+            <a:ln w="38100">
+              <a:solidFill>
+                <a:srgbClr val="00AFCB"/>
+              </a:solidFill>
+            </a:ln>
+          </p:spPr>
+          <p:txBody>
+            <a:bodyPr rtlCol="0" anchor="ctr">
+              <a:noAutofit/>
+            </a:bodyPr>
+            <a:lstStyle/>
+            <a:p>
+              <a:pPr algn="ctr" eaLnBrk="1" hangingPunct="1">
+                <a:spcBef>
+                  <a:spcPts val="384"/>
+                </a:spcBef>
+                <a:spcAft>
+                  <a:spcPts val="0"/>
+                </a:spcAft>
+                <a:buClr>
+                  <a:srgbClr val="00A9C5"/>
+                </a:buClr>
+                <a:buSzPct val="80000"/>
+              </a:pPr>
+              <a:r>
+                <a:rPr lang="fr-FR" sz="1200" kern="0" dirty="0" err="1" smtClean="0">
+                  <a:solidFill>
+                    <a:srgbClr val="00AFCB"/>
+                  </a:solidFill>
+                  <a:latin typeface="+mj-lt"/>
+                </a:rPr>
+                <a:t>Backend</a:t>
+              </a:r>
+              <a:r>
+                <a:rPr lang="fr-FR" sz="1200" kern="0" dirty="0" smtClean="0">
+                  <a:solidFill>
+                    <a:srgbClr val="00AFCB"/>
+                  </a:solidFill>
+                  <a:latin typeface="+mj-lt"/>
+                </a:rPr>
+                <a:t> partenaires</a:t>
+              </a:r>
+            </a:p>
+            <a:p>
+              <a:pPr algn="ctr" eaLnBrk="1" hangingPunct="1">
+                <a:spcBef>
+                  <a:spcPts val="384"/>
+                </a:spcBef>
+                <a:spcAft>
+                  <a:spcPts val="0"/>
+                </a:spcAft>
+                <a:buClr>
+                  <a:srgbClr val="00A9C5"/>
+                </a:buClr>
+                <a:buSzPct val="80000"/>
+              </a:pPr>
+              <a:endParaRPr lang="fr-FR" sz="1200" kern="0" dirty="0" smtClean="0">
+                <a:solidFill>
+                  <a:srgbClr val="00AFCB"/>
+                </a:solidFill>
+                <a:latin typeface="+mj-lt"/>
+              </a:endParaRPr>
+            </a:p>
+          </p:txBody>
+        </p:sp>
+        <p:pic>
+          <p:nvPicPr>
+            <p:cNvPr id="83" name="Image 82"/>
+            <p:cNvPicPr>
+              <a:picLocks noChangeAspect="1"/>
+            </p:cNvPicPr>
+            <p:nvPr/>
+          </p:nvPicPr>
+          <p:blipFill>
+            <a:blip r:embed="rId2">
+              <a:extLst>
+                <a:ext uri="{28A0092B-C50C-407E-A947-70E740481C1C}">
+                  <a14:useLocalDpi xmlns:a14="http://schemas.microsoft.com/office/drawing/2010/main" val="0"/>
+                </a:ext>
+              </a:extLst>
+            </a:blip>
+            <a:stretch>
+              <a:fillRect/>
+            </a:stretch>
+          </p:blipFill>
+          <p:spPr>
+            <a:xfrm>
+              <a:off x="3870144" y="3721197"/>
+              <a:ext cx="324728" cy="441843"/>
+            </a:xfrm>
+            <a:prstGeom prst="rect">
+              <a:avLst/>
+            </a:prstGeom>
+          </p:spPr>
+        </p:pic>
+      </p:grpSp>
+      <p:pic>
+        <p:nvPicPr>
+          <p:cNvPr id="6" name="Image 5"/>
+          <p:cNvPicPr>
+            <a:picLocks noChangeAspect="1"/>
+          </p:cNvPicPr>
+          <p:nvPr/>
+        </p:nvPicPr>
+        <p:blipFill>
+          <a:blip r:embed="rId2">
+            <a:extLst>
+              <a:ext uri="{28A0092B-C50C-407E-A947-70E740481C1C}">
+                <a14:useLocalDpi xmlns:a14="http://schemas.microsoft.com/office/drawing/2010/main" val="0"/>
+              </a:ext>
+            </a:extLst>
+          </a:blip>
+          <a:stretch>
+            <a:fillRect/>
+          </a:stretch>
+        </p:blipFill>
+        <p:spPr>
+          <a:xfrm>
+            <a:off x="8290821" y="4259649"/>
+            <a:ext cx="393132" cy="534917"/>
+          </a:xfrm>
+          <a:prstGeom prst="rect">
+            <a:avLst/>
+          </a:prstGeom>
+        </p:spPr>
+      </p:pic>
+      <p:grpSp>
+        <p:nvGrpSpPr>
+          <p:cNvPr id="14" name="Grouper 13"/>
+          <p:cNvGrpSpPr/>
+          <p:nvPr/>
+        </p:nvGrpSpPr>
+        <p:grpSpPr>
+          <a:xfrm>
+            <a:off x="6138258" y="3048932"/>
+            <a:ext cx="980203" cy="605733"/>
+            <a:chOff x="6638345" y="2768770"/>
+            <a:chExt cx="1880987" cy="1418099"/>
+          </a:xfrm>
+        </p:grpSpPr>
+        <p:pic>
+          <p:nvPicPr>
+            <p:cNvPr id="67" name="Image 66"/>
+            <p:cNvPicPr>
+              <a:picLocks noChangeAspect="1"/>
+            </p:cNvPicPr>
+            <p:nvPr/>
+          </p:nvPicPr>
+          <p:blipFill>
+            <a:blip r:embed="rId2">
+              <a:extLst>
+                <a:ext uri="{28A0092B-C50C-407E-A947-70E740481C1C}">
+                  <a14:useLocalDpi xmlns:a14="http://schemas.microsoft.com/office/drawing/2010/main" val="0"/>
+                </a:ext>
+              </a:extLst>
+            </a:blip>
+            <a:stretch>
+              <a:fillRect/>
+            </a:stretch>
+          </p:blipFill>
+          <p:spPr>
+            <a:xfrm>
+              <a:off x="8127266" y="3701533"/>
+              <a:ext cx="324728" cy="441843"/>
+            </a:xfrm>
+            <a:prstGeom prst="rect">
+              <a:avLst/>
+            </a:prstGeom>
+          </p:spPr>
+        </p:pic>
+        <p:sp>
+          <p:nvSpPr>
+            <p:cNvPr id="12" name="Rectangle 11"/>
+            <p:cNvSpPr/>
+            <p:nvPr/>
+          </p:nvSpPr>
+          <p:spPr>
+            <a:xfrm>
+              <a:off x="6638345" y="2768770"/>
+              <a:ext cx="1880987" cy="1418099"/>
+            </a:xfrm>
+            <a:prstGeom prst="rect">
+              <a:avLst/>
+            </a:prstGeom>
+            <a:noFill/>
+            <a:ln w="38100">
+              <a:solidFill>
+                <a:srgbClr val="00AFCB"/>
+              </a:solidFill>
+            </a:ln>
+          </p:spPr>
+          <p:txBody>
+            <a:bodyPr rtlCol="0" anchor="ctr">
+              <a:noAutofit/>
+            </a:bodyPr>
+            <a:lstStyle/>
+            <a:p>
+              <a:pPr algn="ctr" eaLnBrk="1" hangingPunct="1">
+                <a:spcBef>
+                  <a:spcPts val="384"/>
+                </a:spcBef>
+                <a:spcAft>
+                  <a:spcPts val="0"/>
+                </a:spcAft>
+                <a:buClr>
+                  <a:srgbClr val="00A9C5"/>
+                </a:buClr>
+                <a:buSzPct val="80000"/>
+              </a:pPr>
+              <a:r>
+                <a:rPr lang="fr-FR" sz="1200" kern="0" dirty="0" err="1" smtClean="0">
+                  <a:solidFill>
+                    <a:srgbClr val="00AFCB"/>
+                  </a:solidFill>
+                  <a:latin typeface="+mj-lt"/>
+                </a:rPr>
+                <a:t>Backend</a:t>
+              </a:r>
+              <a:r>
+                <a:rPr lang="fr-FR" sz="1200" kern="0" dirty="0" smtClean="0">
+                  <a:solidFill>
+                    <a:srgbClr val="00AFCB"/>
+                  </a:solidFill>
+                  <a:latin typeface="+mj-lt"/>
+                </a:rPr>
+                <a:t> site web client</a:t>
+              </a:r>
+            </a:p>
+          </p:txBody>
+        </p:sp>
+      </p:grpSp>
+      <p:sp>
+        <p:nvSpPr>
+          <p:cNvPr id="13" name="Rectangle 12"/>
+          <p:cNvSpPr/>
+          <p:nvPr/>
+        </p:nvSpPr>
+        <p:spPr>
+          <a:xfrm>
+            <a:off x="5562349" y="2014693"/>
+            <a:ext cx="980203" cy="764612"/>
+          </a:xfrm>
+          <a:prstGeom prst="rect">
+            <a:avLst/>
+          </a:prstGeom>
+          <a:noFill/>
+          <a:ln w="38100">
+            <a:solidFill>
+              <a:srgbClr val="00AFCB"/>
+            </a:solidFill>
+          </a:ln>
+        </p:spPr>
+        <p:txBody>
+          <a:bodyPr rtlCol="0" anchor="ctr">
+            <a:noAutofit/>
+          </a:bodyPr>
+          <a:lstStyle/>
+          <a:p>
+            <a:pPr algn="ctr" eaLnBrk="1" hangingPunct="1">
+              <a:spcBef>
+                <a:spcPts val="384"/>
+              </a:spcBef>
+              <a:spcAft>
+                <a:spcPts val="0"/>
+              </a:spcAft>
+              <a:buClr>
+                <a:srgbClr val="00A9C5"/>
+              </a:buClr>
+              <a:buSzPct val="80000"/>
+            </a:pPr>
+            <a:r>
+              <a:rPr lang="fr-FR" sz="1200" kern="0" dirty="0" smtClean="0">
+                <a:solidFill>
+                  <a:srgbClr val="00AFCB"/>
+                </a:solidFill>
+                <a:latin typeface="+mj-lt"/>
+              </a:rPr>
+              <a:t>Site web client</a:t>
+            </a:r>
+          </a:p>
+        </p:txBody>
+      </p:sp>
+      <p:sp>
+        <p:nvSpPr>
+          <p:cNvPr id="16" name="Rectangle 15"/>
+          <p:cNvSpPr/>
+          <p:nvPr/>
+        </p:nvSpPr>
+        <p:spPr>
+          <a:xfrm>
+            <a:off x="6646567" y="2014693"/>
+            <a:ext cx="980203" cy="764612"/>
+          </a:xfrm>
+          <a:prstGeom prst="rect">
+            <a:avLst/>
+          </a:prstGeom>
+          <a:noFill/>
+          <a:ln w="38100">
+            <a:solidFill>
+              <a:srgbClr val="00AFCB"/>
+            </a:solidFill>
+          </a:ln>
+        </p:spPr>
+        <p:txBody>
+          <a:bodyPr rtlCol="0" anchor="ctr">
+            <a:noAutofit/>
+          </a:bodyPr>
+          <a:lstStyle/>
+          <a:p>
+            <a:pPr algn="ctr" eaLnBrk="1" hangingPunct="1">
+              <a:spcBef>
+                <a:spcPts val="384"/>
+              </a:spcBef>
+              <a:spcAft>
+                <a:spcPts val="0"/>
+              </a:spcAft>
+              <a:buClr>
+                <a:srgbClr val="00A9C5"/>
+              </a:buClr>
+              <a:buSzPct val="80000"/>
+            </a:pPr>
+            <a:r>
+              <a:rPr lang="fr-FR" sz="1200" kern="0" dirty="0" smtClean="0">
+                <a:solidFill>
+                  <a:srgbClr val="00AFCB"/>
+                </a:solidFill>
+                <a:latin typeface="+mj-lt"/>
+              </a:rPr>
+              <a:t>Appli mobile client</a:t>
+            </a:r>
+          </a:p>
+        </p:txBody>
+      </p:sp>
+      <p:sp>
+        <p:nvSpPr>
+          <p:cNvPr id="47" name="Rectangle 46"/>
+          <p:cNvSpPr/>
+          <p:nvPr/>
+        </p:nvSpPr>
+        <p:spPr>
+          <a:xfrm>
+            <a:off x="7730787" y="3048932"/>
+            <a:ext cx="980203" cy="605733"/>
+          </a:xfrm>
+          <a:prstGeom prst="rect">
+            <a:avLst/>
+          </a:prstGeom>
+          <a:noFill/>
+          <a:ln w="38100">
+            <a:solidFill>
+              <a:srgbClr val="00AFCB"/>
+            </a:solidFill>
+          </a:ln>
+        </p:spPr>
+        <p:txBody>
+          <a:bodyPr rtlCol="0" anchor="ctr">
+            <a:noAutofit/>
+          </a:bodyPr>
+          <a:lstStyle/>
+          <a:p>
+            <a:pPr lvl="0" algn="ctr" eaLnBrk="1" hangingPunct="1">
+              <a:spcBef>
+                <a:spcPts val="384"/>
+              </a:spcBef>
+              <a:spcAft>
+                <a:spcPts val="0"/>
+              </a:spcAft>
+              <a:buClr>
+                <a:srgbClr val="00A9C5"/>
+              </a:buClr>
+              <a:buSzPct val="80000"/>
+            </a:pPr>
+            <a:r>
+              <a:rPr lang="fr-FR" sz="1200" kern="0" dirty="0" err="1" smtClean="0">
+                <a:solidFill>
+                  <a:srgbClr val="00AFCB"/>
+                </a:solidFill>
+                <a:latin typeface="Arial"/>
+              </a:rPr>
+              <a:t>Backend</a:t>
+            </a:r>
+            <a:r>
+              <a:rPr lang="fr-FR" sz="1200" kern="0" dirty="0" smtClean="0">
+                <a:solidFill>
+                  <a:srgbClr val="00AFCB"/>
+                </a:solidFill>
+                <a:latin typeface="Arial"/>
+              </a:rPr>
+              <a:t> backoffice</a:t>
+            </a:r>
+            <a:endParaRPr lang="fr-FR" sz="1200" kern="0" dirty="0">
+              <a:solidFill>
+                <a:srgbClr val="00AFCB"/>
+              </a:solidFill>
+              <a:latin typeface="Arial"/>
+            </a:endParaRPr>
+          </a:p>
+        </p:txBody>
+      </p:sp>
+      <p:sp>
+        <p:nvSpPr>
+          <p:cNvPr id="92" name="Rectangle 91"/>
+          <p:cNvSpPr/>
+          <p:nvPr/>
+        </p:nvSpPr>
+        <p:spPr>
+          <a:xfrm>
+            <a:off x="7730787" y="2010126"/>
+            <a:ext cx="980203" cy="764612"/>
+          </a:xfrm>
+          <a:prstGeom prst="rect">
+            <a:avLst/>
+          </a:prstGeom>
+          <a:noFill/>
+          <a:ln w="38100">
+            <a:solidFill>
+              <a:srgbClr val="00AFCB"/>
+            </a:solidFill>
+          </a:ln>
+        </p:spPr>
+        <p:txBody>
+          <a:bodyPr rtlCol="0" anchor="ctr">
+            <a:noAutofit/>
+          </a:bodyPr>
+          <a:lstStyle/>
+          <a:p>
+            <a:pPr lvl="0" algn="ctr" eaLnBrk="1" hangingPunct="1">
+              <a:spcBef>
+                <a:spcPts val="384"/>
+              </a:spcBef>
+              <a:spcAft>
+                <a:spcPts val="0"/>
+              </a:spcAft>
+              <a:buClr>
+                <a:srgbClr val="00A9C5"/>
+              </a:buClr>
+              <a:buSzPct val="80000"/>
+            </a:pPr>
+            <a:r>
+              <a:rPr lang="fr-FR" sz="1200" kern="0" dirty="0">
+                <a:solidFill>
+                  <a:srgbClr val="00AFCB"/>
+                </a:solidFill>
+                <a:latin typeface="Arial"/>
+              </a:rPr>
+              <a:t>Écrans backoffice</a:t>
+            </a:r>
+          </a:p>
+        </p:txBody>
+      </p:sp>
+      <p:cxnSp>
+        <p:nvCxnSpPr>
+          <p:cNvPr id="93" name="Connecteur droit avec flèche 92"/>
+          <p:cNvCxnSpPr>
+            <a:stCxn id="92" idx="2"/>
+            <a:endCxn id="47" idx="0"/>
+          </p:cNvCxnSpPr>
+          <p:nvPr/>
+        </p:nvCxnSpPr>
+        <p:spPr bwMode="auto">
+          <a:xfrm>
+            <a:off x="8220889" y="2774738"/>
+            <a:ext cx="0" cy="274194"/>
+          </a:xfrm>
+          <a:prstGeom prst="straightConnector1">
+            <a:avLst/>
+          </a:prstGeom>
+          <a:solidFill>
+            <a:schemeClr val="accent1"/>
+          </a:solidFill>
+          <a:ln w="19050" cap="flat" cmpd="sng" algn="ctr">
+            <a:solidFill>
+              <a:schemeClr val="tx2"/>
+            </a:solidFill>
+            <a:prstDash val="solid"/>
+            <a:round/>
+            <a:headEnd type="none" w="med" len="med"/>
+            <a:tailEnd type="triangle" w="lg" len="lg"/>
+          </a:ln>
+          <a:effectLst/>
+        </p:spPr>
+      </p:cxnSp>
+      <p:cxnSp>
+        <p:nvCxnSpPr>
+          <p:cNvPr id="49" name="Connecteur droit avec flèche 48"/>
+          <p:cNvCxnSpPr>
+            <a:stCxn id="40" idx="2"/>
+            <a:endCxn id="5" idx="0"/>
+          </p:cNvCxnSpPr>
+          <p:nvPr/>
+        </p:nvCxnSpPr>
+        <p:spPr bwMode="auto">
+          <a:xfrm>
+            <a:off x="4426124" y="3656133"/>
+            <a:ext cx="1669877" cy="265316"/>
+          </a:xfrm>
+          <a:prstGeom prst="straightConnector1">
+            <a:avLst/>
+          </a:prstGeom>
+          <a:solidFill>
+            <a:schemeClr val="accent1"/>
+          </a:solidFill>
+          <a:ln w="19050" cap="flat" cmpd="sng" algn="ctr">
+            <a:solidFill>
+              <a:schemeClr val="tx2"/>
+            </a:solidFill>
+            <a:prstDash val="solid"/>
+            <a:round/>
+            <a:headEnd type="none" w="med" len="med"/>
+            <a:tailEnd type="triangle" w="lg" len="lg"/>
+          </a:ln>
+          <a:effectLst/>
+        </p:spPr>
+      </p:cxnSp>
+      <p:sp>
+        <p:nvSpPr>
+          <p:cNvPr id="52" name="Rectangle 51"/>
+          <p:cNvSpPr/>
+          <p:nvPr/>
+        </p:nvSpPr>
+        <p:spPr>
+          <a:xfrm>
+            <a:off x="3393913" y="2020471"/>
+            <a:ext cx="980203" cy="764612"/>
+          </a:xfrm>
+          <a:prstGeom prst="rect">
+            <a:avLst/>
+          </a:prstGeom>
+          <a:noFill/>
+          <a:ln w="38100">
+            <a:solidFill>
+              <a:srgbClr val="00AFCB"/>
+            </a:solidFill>
+          </a:ln>
+        </p:spPr>
+        <p:txBody>
+          <a:bodyPr rtlCol="0" anchor="ctr">
+            <a:noAutofit/>
+          </a:bodyPr>
+          <a:lstStyle/>
+          <a:p>
+            <a:pPr algn="ctr" eaLnBrk="1" hangingPunct="1">
+              <a:spcBef>
+                <a:spcPts val="384"/>
+              </a:spcBef>
+              <a:spcAft>
+                <a:spcPts val="0"/>
+              </a:spcAft>
+              <a:buClr>
+                <a:srgbClr val="00A9C5"/>
+              </a:buClr>
+              <a:buSzPct val="80000"/>
+            </a:pPr>
+            <a:r>
+              <a:rPr lang="fr-FR" sz="1200" kern="0" dirty="0" smtClean="0">
+                <a:solidFill>
+                  <a:srgbClr val="00AFCB"/>
+                </a:solidFill>
+                <a:latin typeface="+mj-lt"/>
+              </a:rPr>
+              <a:t>Partenaire 1</a:t>
+            </a:r>
+          </a:p>
+        </p:txBody>
+      </p:sp>
+      <p:sp>
+        <p:nvSpPr>
+          <p:cNvPr id="53" name="Rectangle 52"/>
+          <p:cNvSpPr/>
+          <p:nvPr/>
+        </p:nvSpPr>
+        <p:spPr>
+          <a:xfrm>
+            <a:off x="4478131" y="2014693"/>
+            <a:ext cx="980203" cy="764612"/>
+          </a:xfrm>
+          <a:prstGeom prst="rect">
+            <a:avLst/>
+          </a:prstGeom>
+          <a:noFill/>
+          <a:ln w="38100">
+            <a:solidFill>
+              <a:srgbClr val="00AFCB"/>
+            </a:solidFill>
+          </a:ln>
+        </p:spPr>
+        <p:txBody>
+          <a:bodyPr rtlCol="0" anchor="ctr">
+            <a:noAutofit/>
+          </a:bodyPr>
+          <a:lstStyle/>
+          <a:p>
+            <a:pPr algn="ctr" eaLnBrk="1" hangingPunct="1">
+              <a:spcBef>
+                <a:spcPts val="384"/>
+              </a:spcBef>
+              <a:spcAft>
+                <a:spcPts val="0"/>
+              </a:spcAft>
+              <a:buClr>
+                <a:srgbClr val="00A9C5"/>
+              </a:buClr>
+              <a:buSzPct val="80000"/>
+            </a:pPr>
+            <a:r>
+              <a:rPr lang="fr-FR" sz="1200" kern="0" dirty="0">
+                <a:solidFill>
+                  <a:srgbClr val="00AFCB"/>
+                </a:solidFill>
+                <a:latin typeface="+mj-lt"/>
+              </a:rPr>
+              <a:t>Partenaire </a:t>
+            </a:r>
+            <a:r>
+              <a:rPr lang="fr-FR" sz="1200" kern="0" dirty="0" smtClean="0">
+                <a:solidFill>
+                  <a:srgbClr val="00AFCB"/>
+                </a:solidFill>
+                <a:latin typeface="+mj-lt"/>
+              </a:rPr>
+              <a:t>2</a:t>
+            </a:r>
+            <a:endParaRPr lang="fr-FR" sz="1200" kern="0" dirty="0">
+              <a:solidFill>
+                <a:srgbClr val="00AFCB"/>
+              </a:solidFill>
+              <a:latin typeface="+mj-lt"/>
+            </a:endParaRPr>
+          </a:p>
+        </p:txBody>
+      </p:sp>
+      <p:cxnSp>
+        <p:nvCxnSpPr>
+          <p:cNvPr id="59" name="Connecteur droit avec flèche 58"/>
+          <p:cNvCxnSpPr>
+            <a:stCxn id="53" idx="2"/>
+            <a:endCxn id="40" idx="0"/>
+          </p:cNvCxnSpPr>
+          <p:nvPr/>
+        </p:nvCxnSpPr>
+        <p:spPr bwMode="auto">
+          <a:xfrm flipH="1">
+            <a:off x="4426124" y="2779305"/>
+            <a:ext cx="542109" cy="271095"/>
+          </a:xfrm>
+          <a:prstGeom prst="straightConnector1">
+            <a:avLst/>
+          </a:prstGeom>
+          <a:solidFill>
+            <a:schemeClr val="accent1"/>
+          </a:solidFill>
+          <a:ln w="19050" cap="flat" cmpd="sng" algn="ctr">
+            <a:solidFill>
+              <a:schemeClr val="tx2"/>
+            </a:solidFill>
+            <a:prstDash val="solid"/>
+            <a:round/>
+            <a:headEnd type="triangle" w="lg" len="lg"/>
+            <a:tailEnd type="triangle" w="lg" len="lg"/>
+          </a:ln>
+          <a:effectLst/>
+        </p:spPr>
+      </p:cxnSp>
+      <p:grpSp>
+        <p:nvGrpSpPr>
+          <p:cNvPr id="11" name="Grouper 10"/>
+          <p:cNvGrpSpPr/>
+          <p:nvPr/>
+        </p:nvGrpSpPr>
+        <p:grpSpPr>
+          <a:xfrm>
+            <a:off x="5037140" y="3102544"/>
+            <a:ext cx="980203" cy="501445"/>
+            <a:chOff x="4577128" y="3023268"/>
+            <a:chExt cx="1880987" cy="1173947"/>
+          </a:xfrm>
+        </p:grpSpPr>
+        <p:sp>
+          <p:nvSpPr>
+            <p:cNvPr id="24" name="Rectangle 23"/>
+            <p:cNvSpPr/>
+            <p:nvPr/>
+          </p:nvSpPr>
+          <p:spPr>
+            <a:xfrm>
+              <a:off x="4577128" y="3023268"/>
+              <a:ext cx="1880987" cy="1173947"/>
+            </a:xfrm>
+            <a:prstGeom prst="rect">
+              <a:avLst/>
+            </a:prstGeom>
+            <a:noFill/>
+            <a:ln w="38100">
+              <a:solidFill>
+                <a:srgbClr val="00AFCB"/>
+              </a:solidFill>
+            </a:ln>
+          </p:spPr>
+          <p:txBody>
+            <a:bodyPr rtlCol="0" anchor="ctr">
+              <a:noAutofit/>
+            </a:bodyPr>
+            <a:lstStyle/>
+            <a:p>
+              <a:pPr algn="ctr" eaLnBrk="1" hangingPunct="1">
+                <a:spcBef>
+                  <a:spcPts val="384"/>
+                </a:spcBef>
+                <a:spcAft>
+                  <a:spcPts val="0"/>
+                </a:spcAft>
+                <a:buClr>
+                  <a:srgbClr val="00A9C5"/>
+                </a:buClr>
+                <a:buSzPct val="80000"/>
+              </a:pPr>
+              <a:r>
+                <a:rPr lang="fr-FR" sz="1200" kern="0" dirty="0" err="1" smtClean="0">
+                  <a:solidFill>
+                    <a:srgbClr val="00AFCB"/>
+                  </a:solidFill>
+                  <a:latin typeface="+mj-lt"/>
+                </a:rPr>
+                <a:t>Backend</a:t>
+              </a:r>
+              <a:r>
+                <a:rPr lang="fr-FR" sz="1200" kern="0" dirty="0" smtClean="0">
+                  <a:solidFill>
+                    <a:srgbClr val="00AFCB"/>
+                  </a:solidFill>
+                  <a:latin typeface="+mj-lt"/>
+                </a:rPr>
+                <a:t> partagé</a:t>
+              </a:r>
+            </a:p>
+          </p:txBody>
+        </p:sp>
+        <p:pic>
+          <p:nvPicPr>
+            <p:cNvPr id="25" name="Image 24"/>
+            <p:cNvPicPr>
+              <a:picLocks noChangeAspect="1"/>
+            </p:cNvPicPr>
+            <p:nvPr/>
+          </p:nvPicPr>
+          <p:blipFill>
+            <a:blip r:embed="rId2">
+              <a:extLst>
+                <a:ext uri="{28A0092B-C50C-407E-A947-70E740481C1C}">
+                  <a14:useLocalDpi xmlns:a14="http://schemas.microsoft.com/office/drawing/2010/main" val="0"/>
+                </a:ext>
+              </a:extLst>
+            </a:blip>
+            <a:stretch>
+              <a:fillRect/>
+            </a:stretch>
+          </p:blipFill>
+          <p:spPr>
+            <a:xfrm>
+              <a:off x="6137358" y="3748828"/>
+              <a:ext cx="253671" cy="345160"/>
+            </a:xfrm>
+            <a:prstGeom prst="rect">
+              <a:avLst/>
+            </a:prstGeom>
+          </p:spPr>
+        </p:pic>
+      </p:grpSp>
+      <p:cxnSp>
+        <p:nvCxnSpPr>
+          <p:cNvPr id="26" name="Connecteur droit avec flèche 25"/>
+          <p:cNvCxnSpPr>
+            <a:stCxn id="40" idx="3"/>
+            <a:endCxn id="24" idx="1"/>
+          </p:cNvCxnSpPr>
+          <p:nvPr/>
+        </p:nvCxnSpPr>
+        <p:spPr bwMode="auto">
+          <a:xfrm>
+            <a:off x="4916225" y="3353267"/>
+            <a:ext cx="120915" cy="0"/>
+          </a:xfrm>
+          <a:prstGeom prst="straightConnector1">
+            <a:avLst/>
+          </a:prstGeom>
+          <a:solidFill>
+            <a:schemeClr val="accent1"/>
+          </a:solidFill>
+          <a:ln w="19050" cap="flat" cmpd="sng" algn="ctr">
+            <a:solidFill>
+              <a:schemeClr val="tx2"/>
+            </a:solidFill>
+            <a:prstDash val="solid"/>
+            <a:round/>
+            <a:headEnd type="none" w="med" len="med"/>
+            <a:tailEnd type="triangle" w="lg" len="lg"/>
+          </a:ln>
+          <a:effectLst/>
+        </p:spPr>
+      </p:cxnSp>
+      <p:cxnSp>
+        <p:nvCxnSpPr>
+          <p:cNvPr id="29" name="Connecteur droit avec flèche 28"/>
+          <p:cNvCxnSpPr>
+            <a:stCxn id="24" idx="2"/>
+            <a:endCxn id="5" idx="0"/>
+          </p:cNvCxnSpPr>
+          <p:nvPr/>
+        </p:nvCxnSpPr>
+        <p:spPr bwMode="auto">
+          <a:xfrm>
+            <a:off x="5527242" y="3603989"/>
+            <a:ext cx="568759" cy="317460"/>
+          </a:xfrm>
+          <a:prstGeom prst="straightConnector1">
+            <a:avLst/>
+          </a:prstGeom>
+          <a:solidFill>
+            <a:schemeClr val="accent1"/>
+          </a:solidFill>
+          <a:ln w="19050" cap="flat" cmpd="sng" algn="ctr">
+            <a:solidFill>
+              <a:schemeClr val="tx2"/>
+            </a:solidFill>
+            <a:prstDash val="solid"/>
+            <a:round/>
+            <a:headEnd type="none" w="med" len="med"/>
+            <a:tailEnd type="triangle" w="lg" len="lg"/>
+          </a:ln>
+          <a:effectLst/>
+        </p:spPr>
+      </p:cxnSp>
+      <p:cxnSp>
+        <p:nvCxnSpPr>
+          <p:cNvPr id="32" name="Connecteur droit avec flèche 31"/>
+          <p:cNvCxnSpPr>
+            <a:stCxn id="12" idx="1"/>
+            <a:endCxn id="24" idx="3"/>
+          </p:cNvCxnSpPr>
+          <p:nvPr/>
+        </p:nvCxnSpPr>
+        <p:spPr bwMode="auto">
+          <a:xfrm flipH="1">
+            <a:off x="6017343" y="3351799"/>
+            <a:ext cx="120915" cy="1468"/>
+          </a:xfrm>
+          <a:prstGeom prst="straightConnector1">
+            <a:avLst/>
+          </a:prstGeom>
+          <a:solidFill>
+            <a:schemeClr val="accent1"/>
+          </a:solidFill>
+          <a:ln w="19050" cap="flat" cmpd="sng" algn="ctr">
+            <a:solidFill>
+              <a:schemeClr val="tx2"/>
+            </a:solidFill>
+            <a:prstDash val="solid"/>
+            <a:round/>
+            <a:headEnd type="none" w="med" len="med"/>
+            <a:tailEnd type="triangle" w="lg" len="lg"/>
+          </a:ln>
+          <a:effectLst/>
+        </p:spPr>
+      </p:cxnSp>
+      <p:pic>
+        <p:nvPicPr>
+          <p:cNvPr id="54" name="Image 53"/>
+          <p:cNvPicPr>
+            <a:picLocks noChangeAspect="1"/>
+          </p:cNvPicPr>
+          <p:nvPr/>
+        </p:nvPicPr>
+        <p:blipFill>
+          <a:blip r:embed="rId2">
+            <a:extLst>
+              <a:ext uri="{28A0092B-C50C-407E-A947-70E740481C1C}">
+                <a14:useLocalDpi xmlns:a14="http://schemas.microsoft.com/office/drawing/2010/main" val="0"/>
+              </a:ext>
+            </a:extLst>
+          </a:blip>
+          <a:stretch>
+            <a:fillRect/>
+          </a:stretch>
+        </p:blipFill>
+        <p:spPr>
+          <a:xfrm>
+            <a:off x="7426095" y="2501280"/>
+            <a:ext cx="169219" cy="238233"/>
+          </a:xfrm>
+          <a:prstGeom prst="rect">
+            <a:avLst/>
+          </a:prstGeom>
+        </p:spPr>
+      </p:pic>
+    </p:spTree>
+    <p:extLst>
+      <p:ext uri="{BB962C8B-B14F-4D97-AF65-F5344CB8AC3E}">
+        <p14:creationId xmlns:p14="http://schemas.microsoft.com/office/powerpoint/2010/main" val="1232685173"/>
+      </p:ext>
+    </p:extLst>
+  </p:cSld>
+  <p:clrMapOvr>
+    <a:masterClrMapping/>
+  </p:clrMapOvr>
+</p:sld>
+</file>
+
+<file path=ppt/slides/slide12.xml><?xml version="1.0" encoding="utf-8"?>
+<p:sld xmlns:a="http://schemas.openxmlformats.org/drawingml/2006/main" xmlns:r="http://schemas.openxmlformats.org/officeDocument/2006/relationships" xmlns:p="http://schemas.openxmlformats.org/presentationml/2006/main">
+  <p:cSld>
+    <p:spTree>
+      <p:nvGrpSpPr>
+        <p:cNvPr id="1" name=""/>
+        <p:cNvGrpSpPr/>
+        <p:nvPr/>
+      </p:nvGrpSpPr>
+      <p:grpSpPr>
+        <a:xfrm>
+          <a:off x="0" y="0"/>
+          <a:ext cx="0" cy="0"/>
+          <a:chOff x="0" y="0"/>
+          <a:chExt cx="0" cy="0"/>
+        </a:xfrm>
+      </p:grpSpPr>
+      <p:sp>
+        <p:nvSpPr>
+          <p:cNvPr id="5" name="Rectangle 4"/>
+          <p:cNvSpPr/>
+          <p:nvPr/>
+        </p:nvSpPr>
+        <p:spPr>
+          <a:xfrm>
+            <a:off x="3393914" y="3813545"/>
+            <a:ext cx="5404174" cy="1034330"/>
+          </a:xfrm>
+          <a:prstGeom prst="rect">
+            <a:avLst/>
+          </a:prstGeom>
+          <a:noFill/>
+          <a:ln w="38100">
+            <a:solidFill>
+              <a:srgbClr val="00AFCB"/>
+            </a:solidFill>
+          </a:ln>
+        </p:spPr>
+        <p:txBody>
+          <a:bodyPr rtlCol="0" anchor="ctr">
+            <a:noAutofit/>
+          </a:bodyPr>
+          <a:lstStyle/>
+          <a:p>
+            <a:pPr algn="ctr" eaLnBrk="1" hangingPunct="1">
+              <a:spcBef>
+                <a:spcPts val="384"/>
+              </a:spcBef>
+              <a:spcAft>
+                <a:spcPts val="0"/>
+              </a:spcAft>
+              <a:buClr>
+                <a:srgbClr val="00A9C5"/>
+              </a:buClr>
+              <a:buSzPct val="80000"/>
+            </a:pPr>
+            <a:r>
+              <a:rPr lang="fr-FR" sz="1200" kern="0" dirty="0" smtClean="0">
+                <a:solidFill>
+                  <a:srgbClr val="00AFCB"/>
+                </a:solidFill>
+                <a:latin typeface="+mj-lt"/>
+              </a:rPr>
+              <a:t>Cœur </a:t>
+            </a:r>
+            <a:r>
+              <a:rPr lang="fr-FR" sz="1200" kern="0" dirty="0" smtClean="0">
+                <a:solidFill>
+                  <a:srgbClr val="00AFCB"/>
+                </a:solidFill>
+                <a:latin typeface="+mj-lt"/>
+              </a:rPr>
+              <a:t>métier omnicanal</a:t>
+            </a:r>
+            <a:endParaRPr lang="fr-FR" sz="1200" kern="0" dirty="0" smtClean="0">
+              <a:solidFill>
+                <a:srgbClr val="00AFCB"/>
+              </a:solidFill>
+              <a:latin typeface="+mj-lt"/>
+            </a:endParaRPr>
+          </a:p>
+        </p:txBody>
+      </p:sp>
+      <p:cxnSp>
+        <p:nvCxnSpPr>
+          <p:cNvPr id="10" name="Connecteur droit avec flèche 9"/>
+          <p:cNvCxnSpPr>
+            <a:stCxn id="52" idx="2"/>
+            <a:endCxn id="40" idx="0"/>
+          </p:cNvCxnSpPr>
+          <p:nvPr/>
+        </p:nvCxnSpPr>
+        <p:spPr bwMode="auto">
+          <a:xfrm>
+            <a:off x="3884015" y="2785083"/>
+            <a:ext cx="542109" cy="265318"/>
+          </a:xfrm>
+          <a:prstGeom prst="straightConnector1">
+            <a:avLst/>
+          </a:prstGeom>
+          <a:solidFill>
+            <a:schemeClr val="accent1"/>
+          </a:solidFill>
+          <a:ln w="19050" cap="flat" cmpd="sng" algn="ctr">
+            <a:solidFill>
+              <a:schemeClr val="tx2"/>
+            </a:solidFill>
+            <a:prstDash val="solid"/>
+            <a:round/>
+            <a:headEnd type="triangle" w="lg" len="lg"/>
+            <a:tailEnd type="triangle" w="lg" len="lg"/>
+          </a:ln>
+          <a:effectLst/>
+        </p:spPr>
+      </p:cxnSp>
+      <p:cxnSp>
+        <p:nvCxnSpPr>
+          <p:cNvPr id="31" name="Connecteur droit avec flèche 30"/>
+          <p:cNvCxnSpPr>
+            <a:stCxn id="16" idx="2"/>
+            <a:endCxn id="12" idx="0"/>
+          </p:cNvCxnSpPr>
+          <p:nvPr/>
+        </p:nvCxnSpPr>
+        <p:spPr bwMode="auto">
+          <a:xfrm flipH="1">
+            <a:off x="6628360" y="2779305"/>
+            <a:ext cx="508309" cy="269628"/>
+          </a:xfrm>
+          <a:prstGeom prst="straightConnector1">
+            <a:avLst/>
+          </a:prstGeom>
+          <a:solidFill>
+            <a:schemeClr val="accent1"/>
+          </a:solidFill>
+          <a:ln w="19050" cap="flat" cmpd="sng" algn="ctr">
+            <a:solidFill>
+              <a:schemeClr val="tx2"/>
+            </a:solidFill>
+            <a:prstDash val="solid"/>
+            <a:round/>
+            <a:headEnd type="none" w="med" len="med"/>
+            <a:tailEnd type="triangle" w="lg" len="lg"/>
+          </a:ln>
+          <a:effectLst/>
+        </p:spPr>
+      </p:cxnSp>
+      <p:cxnSp>
+        <p:nvCxnSpPr>
+          <p:cNvPr id="34" name="Connecteur droit avec flèche 33"/>
+          <p:cNvCxnSpPr>
+            <a:stCxn id="13" idx="2"/>
+            <a:endCxn id="12" idx="0"/>
+          </p:cNvCxnSpPr>
+          <p:nvPr/>
+        </p:nvCxnSpPr>
+        <p:spPr bwMode="auto">
+          <a:xfrm>
+            <a:off x="6052451" y="2779305"/>
+            <a:ext cx="575909" cy="269628"/>
+          </a:xfrm>
+          <a:prstGeom prst="straightConnector1">
+            <a:avLst/>
+          </a:prstGeom>
+          <a:solidFill>
+            <a:schemeClr val="accent1"/>
+          </a:solidFill>
+          <a:ln w="19050" cap="flat" cmpd="sng" algn="ctr">
+            <a:solidFill>
+              <a:schemeClr val="tx2"/>
+            </a:solidFill>
+            <a:prstDash val="solid"/>
+            <a:round/>
+            <a:headEnd type="none" w="med" len="med"/>
+            <a:tailEnd type="triangle" w="lg" len="lg"/>
+          </a:ln>
+          <a:effectLst/>
+        </p:spPr>
+      </p:cxnSp>
+      <p:cxnSp>
+        <p:nvCxnSpPr>
+          <p:cNvPr id="23" name="Connecteur droit avec flèche 22"/>
+          <p:cNvCxnSpPr>
+            <a:stCxn id="12" idx="2"/>
+            <a:endCxn id="5" idx="0"/>
+          </p:cNvCxnSpPr>
+          <p:nvPr/>
+        </p:nvCxnSpPr>
+        <p:spPr bwMode="auto">
+          <a:xfrm flipH="1">
+            <a:off x="6096001" y="3578943"/>
+            <a:ext cx="532359" cy="234602"/>
+          </a:xfrm>
+          <a:prstGeom prst="straightConnector1">
+            <a:avLst/>
+          </a:prstGeom>
+          <a:solidFill>
+            <a:schemeClr val="accent1"/>
+          </a:solidFill>
+          <a:ln w="19050" cap="flat" cmpd="sng" algn="ctr">
+            <a:solidFill>
+              <a:schemeClr val="tx2"/>
+            </a:solidFill>
+            <a:prstDash val="solid"/>
+            <a:round/>
+            <a:headEnd type="none" w="med" len="med"/>
+            <a:tailEnd type="triangle" w="lg" len="lg"/>
+          </a:ln>
+          <a:effectLst/>
+        </p:spPr>
+      </p:cxnSp>
+      <p:cxnSp>
+        <p:nvCxnSpPr>
+          <p:cNvPr id="60" name="Connecteur droit avec flèche 59"/>
+          <p:cNvCxnSpPr>
+            <a:stCxn id="47" idx="2"/>
+            <a:endCxn id="5" idx="0"/>
+          </p:cNvCxnSpPr>
+          <p:nvPr/>
+        </p:nvCxnSpPr>
+        <p:spPr bwMode="auto">
+          <a:xfrm flipH="1">
+            <a:off x="6096001" y="3578943"/>
+            <a:ext cx="2124888" cy="234602"/>
+          </a:xfrm>
+          <a:prstGeom prst="straightConnector1">
+            <a:avLst/>
+          </a:prstGeom>
+          <a:solidFill>
+            <a:schemeClr val="accent1"/>
+          </a:solidFill>
+          <a:ln w="19050" cap="flat" cmpd="sng" algn="ctr">
+            <a:solidFill>
+              <a:schemeClr val="tx2"/>
+            </a:solidFill>
+            <a:prstDash val="solid"/>
+            <a:round/>
+            <a:headEnd type="none" w="lg" len="lg"/>
+            <a:tailEnd type="triangle" w="lg" len="lg"/>
+          </a:ln>
+          <a:effectLst/>
+        </p:spPr>
+      </p:cxnSp>
+      <p:sp>
+        <p:nvSpPr>
+          <p:cNvPr id="40" name="Rectangle 39"/>
+          <p:cNvSpPr/>
+          <p:nvPr/>
+        </p:nvSpPr>
+        <p:spPr>
+          <a:xfrm>
+            <a:off x="3936022" y="3050401"/>
+            <a:ext cx="980203" cy="530010"/>
+          </a:xfrm>
+          <a:prstGeom prst="rect">
+            <a:avLst/>
+          </a:prstGeom>
+          <a:noFill/>
+          <a:ln w="38100">
+            <a:solidFill>
+              <a:srgbClr val="00AFCB"/>
+            </a:solidFill>
+          </a:ln>
+        </p:spPr>
+        <p:txBody>
+          <a:bodyPr rtlCol="0" anchor="ctr">
+            <a:noAutofit/>
+          </a:bodyPr>
+          <a:lstStyle/>
+          <a:p>
+            <a:pPr algn="ctr" eaLnBrk="1" hangingPunct="1">
+              <a:spcBef>
+                <a:spcPts val="384"/>
+              </a:spcBef>
+              <a:spcAft>
+                <a:spcPts val="0"/>
+              </a:spcAft>
+              <a:buClr>
+                <a:srgbClr val="00A9C5"/>
+              </a:buClr>
+              <a:buSzPct val="80000"/>
+            </a:pPr>
+            <a:r>
+              <a:rPr lang="fr-FR" sz="1200" kern="0" dirty="0" err="1" smtClean="0">
+                <a:solidFill>
+                  <a:srgbClr val="00AFCB"/>
+                </a:solidFill>
+                <a:latin typeface="+mj-lt"/>
+              </a:rPr>
+              <a:t>Backend</a:t>
+            </a:r>
+            <a:r>
+              <a:rPr lang="fr-FR" sz="1200" kern="0" dirty="0" smtClean="0">
+                <a:solidFill>
+                  <a:srgbClr val="00AFCB"/>
+                </a:solidFill>
+                <a:latin typeface="+mj-lt"/>
+              </a:rPr>
+              <a:t> partenaires</a:t>
+            </a:r>
+          </a:p>
+        </p:txBody>
+      </p:sp>
+      <p:pic>
+        <p:nvPicPr>
+          <p:cNvPr id="6" name="Image 5"/>
+          <p:cNvPicPr>
+            <a:picLocks noChangeAspect="1"/>
+          </p:cNvPicPr>
+          <p:nvPr/>
+        </p:nvPicPr>
+        <p:blipFill>
+          <a:blip r:embed="rId2">
+            <a:extLst>
+              <a:ext uri="{28A0092B-C50C-407E-A947-70E740481C1C}">
+                <a14:useLocalDpi xmlns:a14="http://schemas.microsoft.com/office/drawing/2010/main" val="0"/>
+              </a:ext>
+            </a:extLst>
+          </a:blip>
+          <a:stretch>
+            <a:fillRect/>
+          </a:stretch>
+        </p:blipFill>
+        <p:spPr>
+          <a:xfrm>
+            <a:off x="8290821" y="4259649"/>
+            <a:ext cx="393132" cy="534917"/>
+          </a:xfrm>
+          <a:prstGeom prst="rect">
+            <a:avLst/>
+          </a:prstGeom>
+        </p:spPr>
+      </p:pic>
+      <p:sp>
+        <p:nvSpPr>
+          <p:cNvPr id="12" name="Rectangle 11"/>
+          <p:cNvSpPr/>
+          <p:nvPr/>
+        </p:nvSpPr>
+        <p:spPr>
+          <a:xfrm>
+            <a:off x="6138258" y="3048933"/>
+            <a:ext cx="980203" cy="530010"/>
+          </a:xfrm>
+          <a:prstGeom prst="rect">
+            <a:avLst/>
+          </a:prstGeom>
+          <a:noFill/>
+          <a:ln w="38100">
+            <a:solidFill>
+              <a:srgbClr val="00AFCB"/>
+            </a:solidFill>
+          </a:ln>
+        </p:spPr>
+        <p:txBody>
+          <a:bodyPr rtlCol="0" anchor="ctr">
+            <a:noAutofit/>
+          </a:bodyPr>
+          <a:lstStyle/>
+          <a:p>
+            <a:pPr algn="ctr" eaLnBrk="1" hangingPunct="1">
+              <a:spcBef>
+                <a:spcPts val="384"/>
+              </a:spcBef>
+              <a:spcAft>
+                <a:spcPts val="0"/>
+              </a:spcAft>
+              <a:buClr>
+                <a:srgbClr val="00A9C5"/>
+              </a:buClr>
+              <a:buSzPct val="80000"/>
+            </a:pPr>
+            <a:r>
+              <a:rPr lang="fr-FR" sz="1200" kern="0" dirty="0" err="1" smtClean="0">
+                <a:solidFill>
+                  <a:srgbClr val="00AFCB"/>
+                </a:solidFill>
+                <a:latin typeface="+mj-lt"/>
+              </a:rPr>
+              <a:t>Backend</a:t>
+            </a:r>
+            <a:r>
+              <a:rPr lang="fr-FR" sz="1200" kern="0" dirty="0" smtClean="0">
+                <a:solidFill>
+                  <a:srgbClr val="00AFCB"/>
+                </a:solidFill>
+                <a:latin typeface="+mj-lt"/>
+              </a:rPr>
+              <a:t> site web client</a:t>
+            </a:r>
+          </a:p>
+        </p:txBody>
+      </p:sp>
+      <p:sp>
+        <p:nvSpPr>
+          <p:cNvPr id="13" name="Rectangle 12"/>
+          <p:cNvSpPr/>
+          <p:nvPr/>
+        </p:nvSpPr>
+        <p:spPr>
+          <a:xfrm>
+            <a:off x="5562349" y="2014693"/>
+            <a:ext cx="980203" cy="764612"/>
+          </a:xfrm>
+          <a:prstGeom prst="rect">
+            <a:avLst/>
+          </a:prstGeom>
+          <a:noFill/>
+          <a:ln w="38100">
+            <a:solidFill>
+              <a:srgbClr val="00AFCB"/>
+            </a:solidFill>
+          </a:ln>
+        </p:spPr>
+        <p:txBody>
+          <a:bodyPr rtlCol="0" anchor="ctr">
+            <a:noAutofit/>
+          </a:bodyPr>
+          <a:lstStyle/>
+          <a:p>
+            <a:pPr algn="ctr" eaLnBrk="1" hangingPunct="1">
+              <a:spcBef>
+                <a:spcPts val="384"/>
+              </a:spcBef>
+              <a:spcAft>
+                <a:spcPts val="0"/>
+              </a:spcAft>
+              <a:buClr>
+                <a:srgbClr val="00A9C5"/>
+              </a:buClr>
+              <a:buSzPct val="80000"/>
+            </a:pPr>
+            <a:r>
+              <a:rPr lang="fr-FR" sz="1200" kern="0" dirty="0" smtClean="0">
+                <a:solidFill>
+                  <a:srgbClr val="00AFCB"/>
+                </a:solidFill>
+                <a:latin typeface="+mj-lt"/>
+              </a:rPr>
+              <a:t>Site web client</a:t>
+            </a:r>
+          </a:p>
+        </p:txBody>
+      </p:sp>
+      <p:sp>
+        <p:nvSpPr>
+          <p:cNvPr id="16" name="Rectangle 15"/>
+          <p:cNvSpPr/>
+          <p:nvPr/>
+        </p:nvSpPr>
+        <p:spPr>
+          <a:xfrm>
+            <a:off x="6646567" y="2014693"/>
+            <a:ext cx="980203" cy="764612"/>
+          </a:xfrm>
+          <a:prstGeom prst="rect">
+            <a:avLst/>
+          </a:prstGeom>
+          <a:noFill/>
+          <a:ln w="38100">
+            <a:solidFill>
+              <a:srgbClr val="00AFCB"/>
+            </a:solidFill>
+          </a:ln>
+        </p:spPr>
+        <p:txBody>
+          <a:bodyPr rtlCol="0" anchor="ctr">
+            <a:noAutofit/>
+          </a:bodyPr>
+          <a:lstStyle/>
+          <a:p>
+            <a:pPr algn="ctr" eaLnBrk="1" hangingPunct="1">
+              <a:spcBef>
+                <a:spcPts val="384"/>
+              </a:spcBef>
+              <a:spcAft>
+                <a:spcPts val="0"/>
+              </a:spcAft>
+              <a:buClr>
+                <a:srgbClr val="00A9C5"/>
+              </a:buClr>
+              <a:buSzPct val="80000"/>
+            </a:pPr>
+            <a:r>
+              <a:rPr lang="fr-FR" sz="1200" kern="0" dirty="0" smtClean="0">
+                <a:solidFill>
+                  <a:srgbClr val="00AFCB"/>
+                </a:solidFill>
+                <a:latin typeface="+mj-lt"/>
+              </a:rPr>
+              <a:t>Appli mobile client</a:t>
+            </a:r>
+          </a:p>
+        </p:txBody>
+      </p:sp>
+      <p:sp>
+        <p:nvSpPr>
+          <p:cNvPr id="47" name="Rectangle 46"/>
+          <p:cNvSpPr/>
+          <p:nvPr/>
+        </p:nvSpPr>
+        <p:spPr>
+          <a:xfrm>
+            <a:off x="7730787" y="3048933"/>
+            <a:ext cx="980203" cy="530010"/>
+          </a:xfrm>
+          <a:prstGeom prst="rect">
+            <a:avLst/>
+          </a:prstGeom>
+          <a:noFill/>
+          <a:ln w="38100">
+            <a:solidFill>
+              <a:srgbClr val="00AFCB"/>
+            </a:solidFill>
+          </a:ln>
+        </p:spPr>
+        <p:txBody>
+          <a:bodyPr rtlCol="0" anchor="ctr">
+            <a:noAutofit/>
+          </a:bodyPr>
+          <a:lstStyle/>
+          <a:p>
+            <a:pPr lvl="0" algn="ctr" eaLnBrk="1" hangingPunct="1">
+              <a:spcBef>
+                <a:spcPts val="384"/>
+              </a:spcBef>
+              <a:spcAft>
+                <a:spcPts val="0"/>
+              </a:spcAft>
+              <a:buClr>
+                <a:srgbClr val="00A9C5"/>
+              </a:buClr>
+              <a:buSzPct val="80000"/>
+            </a:pPr>
+            <a:r>
+              <a:rPr lang="fr-FR" sz="1200" kern="0" dirty="0" err="1" smtClean="0">
+                <a:solidFill>
+                  <a:srgbClr val="00AFCB"/>
+                </a:solidFill>
+                <a:latin typeface="Arial"/>
+              </a:rPr>
+              <a:t>Backend</a:t>
+            </a:r>
+            <a:r>
+              <a:rPr lang="fr-FR" sz="1200" kern="0" dirty="0" smtClean="0">
+                <a:solidFill>
+                  <a:srgbClr val="00AFCB"/>
+                </a:solidFill>
+                <a:latin typeface="Arial"/>
+              </a:rPr>
+              <a:t> backoffice</a:t>
+            </a:r>
+            <a:endParaRPr lang="fr-FR" sz="1200" kern="0" dirty="0">
+              <a:solidFill>
+                <a:srgbClr val="00AFCB"/>
+              </a:solidFill>
+              <a:latin typeface="Arial"/>
+            </a:endParaRPr>
+          </a:p>
+        </p:txBody>
+      </p:sp>
+      <p:sp>
+        <p:nvSpPr>
+          <p:cNvPr id="92" name="Rectangle 91"/>
+          <p:cNvSpPr/>
+          <p:nvPr/>
+        </p:nvSpPr>
+        <p:spPr>
+          <a:xfrm>
+            <a:off x="7730787" y="2010126"/>
+            <a:ext cx="980203" cy="764612"/>
+          </a:xfrm>
+          <a:prstGeom prst="rect">
+            <a:avLst/>
+          </a:prstGeom>
+          <a:noFill/>
+          <a:ln w="38100">
+            <a:solidFill>
+              <a:srgbClr val="00AFCB"/>
+            </a:solidFill>
+          </a:ln>
+        </p:spPr>
+        <p:txBody>
+          <a:bodyPr rtlCol="0" anchor="ctr">
+            <a:noAutofit/>
+          </a:bodyPr>
+          <a:lstStyle/>
+          <a:p>
+            <a:pPr lvl="0" algn="ctr" eaLnBrk="1" hangingPunct="1">
+              <a:spcBef>
+                <a:spcPts val="384"/>
+              </a:spcBef>
+              <a:spcAft>
+                <a:spcPts val="0"/>
+              </a:spcAft>
+              <a:buClr>
+                <a:srgbClr val="00A9C5"/>
+              </a:buClr>
+              <a:buSzPct val="80000"/>
+            </a:pPr>
+            <a:r>
+              <a:rPr lang="fr-FR" sz="1200" kern="0" dirty="0">
+                <a:solidFill>
+                  <a:srgbClr val="00AFCB"/>
+                </a:solidFill>
+                <a:latin typeface="Arial"/>
+              </a:rPr>
+              <a:t>Écrans backoffice</a:t>
+            </a:r>
+          </a:p>
+        </p:txBody>
+      </p:sp>
+      <p:cxnSp>
+        <p:nvCxnSpPr>
+          <p:cNvPr id="93" name="Connecteur droit avec flèche 92"/>
+          <p:cNvCxnSpPr>
+            <a:stCxn id="92" idx="2"/>
+            <a:endCxn id="47" idx="0"/>
+          </p:cNvCxnSpPr>
+          <p:nvPr/>
+        </p:nvCxnSpPr>
+        <p:spPr bwMode="auto">
+          <a:xfrm>
+            <a:off x="8220889" y="2774738"/>
+            <a:ext cx="0" cy="274195"/>
+          </a:xfrm>
+          <a:prstGeom prst="straightConnector1">
+            <a:avLst/>
+          </a:prstGeom>
+          <a:solidFill>
+            <a:schemeClr val="accent1"/>
+          </a:solidFill>
+          <a:ln w="19050" cap="flat" cmpd="sng" algn="ctr">
+            <a:solidFill>
+              <a:schemeClr val="tx2"/>
+            </a:solidFill>
+            <a:prstDash val="solid"/>
+            <a:round/>
+            <a:headEnd type="none" w="med" len="med"/>
+            <a:tailEnd type="triangle" w="lg" len="lg"/>
+          </a:ln>
+          <a:effectLst/>
+        </p:spPr>
+      </p:cxnSp>
+      <p:cxnSp>
+        <p:nvCxnSpPr>
+          <p:cNvPr id="49" name="Connecteur droit avec flèche 48"/>
+          <p:cNvCxnSpPr>
+            <a:stCxn id="40" idx="2"/>
+            <a:endCxn id="5" idx="0"/>
+          </p:cNvCxnSpPr>
+          <p:nvPr/>
+        </p:nvCxnSpPr>
+        <p:spPr bwMode="auto">
+          <a:xfrm>
+            <a:off x="4426124" y="3580411"/>
+            <a:ext cx="1669877" cy="233134"/>
+          </a:xfrm>
+          <a:prstGeom prst="straightConnector1">
+            <a:avLst/>
+          </a:prstGeom>
+          <a:solidFill>
+            <a:schemeClr val="accent1"/>
+          </a:solidFill>
+          <a:ln w="19050" cap="flat" cmpd="sng" algn="ctr">
+            <a:solidFill>
+              <a:schemeClr val="tx2"/>
+            </a:solidFill>
+            <a:prstDash val="solid"/>
+            <a:round/>
+            <a:headEnd type="none" w="med" len="med"/>
+            <a:tailEnd type="triangle" w="lg" len="lg"/>
+          </a:ln>
+          <a:effectLst/>
+        </p:spPr>
+      </p:cxnSp>
+      <p:sp>
+        <p:nvSpPr>
+          <p:cNvPr id="52" name="Rectangle 51"/>
+          <p:cNvSpPr/>
+          <p:nvPr/>
+        </p:nvSpPr>
+        <p:spPr>
+          <a:xfrm>
+            <a:off x="3393913" y="2020471"/>
+            <a:ext cx="980203" cy="764612"/>
+          </a:xfrm>
+          <a:prstGeom prst="rect">
+            <a:avLst/>
+          </a:prstGeom>
+          <a:noFill/>
+          <a:ln w="38100">
+            <a:solidFill>
+              <a:srgbClr val="00AFCB"/>
+            </a:solidFill>
+          </a:ln>
+        </p:spPr>
+        <p:txBody>
+          <a:bodyPr rtlCol="0" anchor="ctr">
+            <a:noAutofit/>
+          </a:bodyPr>
+          <a:lstStyle/>
+          <a:p>
+            <a:pPr algn="ctr" eaLnBrk="1" hangingPunct="1">
+              <a:spcBef>
+                <a:spcPts val="384"/>
+              </a:spcBef>
+              <a:spcAft>
+                <a:spcPts val="0"/>
+              </a:spcAft>
+              <a:buClr>
+                <a:srgbClr val="00A9C5"/>
+              </a:buClr>
+              <a:buSzPct val="80000"/>
+            </a:pPr>
+            <a:r>
+              <a:rPr lang="fr-FR" sz="1200" kern="0" dirty="0" smtClean="0">
+                <a:solidFill>
+                  <a:srgbClr val="00AFCB"/>
+                </a:solidFill>
+                <a:latin typeface="+mj-lt"/>
+              </a:rPr>
+              <a:t>Partenaire 1</a:t>
+            </a:r>
+          </a:p>
+        </p:txBody>
+      </p:sp>
+      <p:sp>
+        <p:nvSpPr>
+          <p:cNvPr id="53" name="Rectangle 52"/>
+          <p:cNvSpPr/>
+          <p:nvPr/>
+        </p:nvSpPr>
+        <p:spPr>
+          <a:xfrm>
+            <a:off x="4478131" y="2014693"/>
+            <a:ext cx="980203" cy="764612"/>
+          </a:xfrm>
+          <a:prstGeom prst="rect">
+            <a:avLst/>
+          </a:prstGeom>
+          <a:noFill/>
+          <a:ln w="38100">
+            <a:solidFill>
+              <a:srgbClr val="00AFCB"/>
+            </a:solidFill>
+          </a:ln>
+        </p:spPr>
+        <p:txBody>
+          <a:bodyPr rtlCol="0" anchor="ctr">
+            <a:noAutofit/>
+          </a:bodyPr>
+          <a:lstStyle/>
+          <a:p>
+            <a:pPr algn="ctr" eaLnBrk="1" hangingPunct="1">
+              <a:spcBef>
+                <a:spcPts val="384"/>
+              </a:spcBef>
+              <a:spcAft>
+                <a:spcPts val="0"/>
+              </a:spcAft>
+              <a:buClr>
+                <a:srgbClr val="00A9C5"/>
+              </a:buClr>
+              <a:buSzPct val="80000"/>
+            </a:pPr>
+            <a:r>
+              <a:rPr lang="fr-FR" sz="1200" kern="0" dirty="0">
+                <a:solidFill>
+                  <a:srgbClr val="00AFCB"/>
+                </a:solidFill>
+                <a:latin typeface="+mj-lt"/>
+              </a:rPr>
+              <a:t>Partenaire </a:t>
+            </a:r>
+            <a:r>
+              <a:rPr lang="fr-FR" sz="1200" kern="0" dirty="0" smtClean="0">
+                <a:solidFill>
+                  <a:srgbClr val="00AFCB"/>
+                </a:solidFill>
+                <a:latin typeface="+mj-lt"/>
+              </a:rPr>
+              <a:t>2</a:t>
+            </a:r>
+            <a:endParaRPr lang="fr-FR" sz="1200" kern="0" dirty="0">
+              <a:solidFill>
+                <a:srgbClr val="00AFCB"/>
+              </a:solidFill>
+              <a:latin typeface="+mj-lt"/>
+            </a:endParaRPr>
+          </a:p>
+        </p:txBody>
+      </p:sp>
+      <p:cxnSp>
+        <p:nvCxnSpPr>
+          <p:cNvPr id="59" name="Connecteur droit avec flèche 58"/>
+          <p:cNvCxnSpPr>
+            <a:stCxn id="53" idx="2"/>
+            <a:endCxn id="40" idx="0"/>
+          </p:cNvCxnSpPr>
+          <p:nvPr/>
+        </p:nvCxnSpPr>
+        <p:spPr bwMode="auto">
+          <a:xfrm flipH="1">
+            <a:off x="4426124" y="2779305"/>
+            <a:ext cx="542109" cy="271096"/>
+          </a:xfrm>
+          <a:prstGeom prst="straightConnector1">
+            <a:avLst/>
+          </a:prstGeom>
+          <a:solidFill>
+            <a:schemeClr val="accent1"/>
+          </a:solidFill>
+          <a:ln w="19050" cap="flat" cmpd="sng" algn="ctr">
+            <a:solidFill>
+              <a:schemeClr val="tx2"/>
+            </a:solidFill>
+            <a:prstDash val="solid"/>
+            <a:round/>
+            <a:headEnd type="triangle" w="lg" len="lg"/>
+            <a:tailEnd type="triangle" w="lg" len="lg"/>
+          </a:ln>
+          <a:effectLst/>
+        </p:spPr>
+      </p:cxnSp>
+      <p:pic>
+        <p:nvPicPr>
+          <p:cNvPr id="54" name="Image 53"/>
+          <p:cNvPicPr>
+            <a:picLocks noChangeAspect="1"/>
+          </p:cNvPicPr>
+          <p:nvPr/>
+        </p:nvPicPr>
+        <p:blipFill>
+          <a:blip r:embed="rId2">
+            <a:extLst>
+              <a:ext uri="{28A0092B-C50C-407E-A947-70E740481C1C}">
+                <a14:useLocalDpi xmlns:a14="http://schemas.microsoft.com/office/drawing/2010/main" val="0"/>
+              </a:ext>
+            </a:extLst>
+          </a:blip>
+          <a:stretch>
+            <a:fillRect/>
+          </a:stretch>
+        </p:blipFill>
+        <p:spPr>
+          <a:xfrm>
+            <a:off x="7426095" y="2501280"/>
+            <a:ext cx="169219" cy="238233"/>
+          </a:xfrm>
+          <a:prstGeom prst="rect">
+            <a:avLst/>
+          </a:prstGeom>
+        </p:spPr>
+      </p:pic>
+    </p:spTree>
+    <p:extLst>
+      <p:ext uri="{BB962C8B-B14F-4D97-AF65-F5344CB8AC3E}">
+        <p14:creationId xmlns:p14="http://schemas.microsoft.com/office/powerpoint/2010/main" val="256140431"/>
+      </p:ext>
+    </p:extLst>
+  </p:cSld>
+  <p:clrMapOvr>
+    <a:masterClrMapping/>
+  </p:clrMapOvr>
+</p:sld>
+</file>
+
+<file path=ppt/slides/slide13.xml><?xml version="1.0" encoding="utf-8"?>
+<p:sld xmlns:a="http://schemas.openxmlformats.org/drawingml/2006/main" xmlns:r="http://schemas.openxmlformats.org/officeDocument/2006/relationships" xmlns:p="http://schemas.openxmlformats.org/presentationml/2006/main">
+  <p:cSld>
+    <p:spTree>
+      <p:nvGrpSpPr>
+        <p:cNvPr id="1" name=""/>
+        <p:cNvGrpSpPr/>
+        <p:nvPr/>
+      </p:nvGrpSpPr>
+      <p:grpSpPr>
+        <a:xfrm>
+          <a:off x="0" y="0"/>
+          <a:ext cx="0" cy="0"/>
+          <a:chOff x="0" y="0"/>
+          <a:chExt cx="0" cy="0"/>
+        </a:xfrm>
+      </p:grpSpPr>
+      <p:sp>
+        <p:nvSpPr>
+          <p:cNvPr id="5" name="Rectangle 4"/>
+          <p:cNvSpPr/>
+          <p:nvPr/>
+        </p:nvSpPr>
+        <p:spPr>
+          <a:xfrm>
+            <a:off x="3393914" y="4077393"/>
+            <a:ext cx="5404174" cy="770482"/>
+          </a:xfrm>
+          <a:prstGeom prst="rect">
+            <a:avLst/>
+          </a:prstGeom>
+          <a:noFill/>
+          <a:ln w="38100">
+            <a:solidFill>
+              <a:srgbClr val="00AFCB"/>
+            </a:solidFill>
+          </a:ln>
+        </p:spPr>
+        <p:txBody>
+          <a:bodyPr rtlCol="0" anchor="ctr">
+            <a:noAutofit/>
+          </a:bodyPr>
+          <a:lstStyle/>
+          <a:p>
+            <a:pPr algn="ctr" eaLnBrk="1" hangingPunct="1">
+              <a:spcBef>
+                <a:spcPts val="384"/>
+              </a:spcBef>
+              <a:spcAft>
+                <a:spcPts val="0"/>
+              </a:spcAft>
+              <a:buClr>
+                <a:srgbClr val="00A9C5"/>
+              </a:buClr>
+              <a:buSzPct val="80000"/>
+            </a:pPr>
+            <a:r>
+              <a:rPr lang="fr-FR" sz="1200" kern="0" dirty="0" smtClean="0">
+                <a:solidFill>
+                  <a:srgbClr val="00AFCB"/>
+                </a:solidFill>
+                <a:latin typeface="+mj-lt"/>
+              </a:rPr>
+              <a:t>Cœur métier</a:t>
+            </a:r>
+          </a:p>
+        </p:txBody>
+      </p:sp>
+      <p:cxnSp>
+        <p:nvCxnSpPr>
+          <p:cNvPr id="10" name="Connecteur droit avec flèche 9"/>
+          <p:cNvCxnSpPr>
+            <a:stCxn id="52" idx="2"/>
+            <a:endCxn id="40" idx="0"/>
+          </p:cNvCxnSpPr>
+          <p:nvPr/>
+        </p:nvCxnSpPr>
+        <p:spPr bwMode="auto">
+          <a:xfrm>
+            <a:off x="3884015" y="2785083"/>
+            <a:ext cx="542109" cy="263849"/>
+          </a:xfrm>
+          <a:prstGeom prst="straightConnector1">
+            <a:avLst/>
+          </a:prstGeom>
+          <a:solidFill>
+            <a:schemeClr val="accent1"/>
+          </a:solidFill>
+          <a:ln w="19050" cap="flat" cmpd="sng" algn="ctr">
+            <a:solidFill>
+              <a:schemeClr val="tx2"/>
+            </a:solidFill>
+            <a:prstDash val="solid"/>
+            <a:round/>
+            <a:headEnd type="triangle" w="lg" len="lg"/>
+            <a:tailEnd type="triangle" w="lg" len="lg"/>
+          </a:ln>
+          <a:effectLst/>
+        </p:spPr>
+      </p:cxnSp>
+      <p:cxnSp>
+        <p:nvCxnSpPr>
+          <p:cNvPr id="31" name="Connecteur droit avec flèche 30"/>
+          <p:cNvCxnSpPr>
+            <a:stCxn id="16" idx="2"/>
+            <a:endCxn id="12" idx="0"/>
+          </p:cNvCxnSpPr>
+          <p:nvPr/>
+        </p:nvCxnSpPr>
+        <p:spPr bwMode="auto">
+          <a:xfrm flipH="1">
+            <a:off x="6628360" y="2779305"/>
+            <a:ext cx="508309" cy="269627"/>
+          </a:xfrm>
+          <a:prstGeom prst="straightConnector1">
+            <a:avLst/>
+          </a:prstGeom>
+          <a:solidFill>
+            <a:schemeClr val="accent1"/>
+          </a:solidFill>
+          <a:ln w="19050" cap="flat" cmpd="sng" algn="ctr">
+            <a:solidFill>
+              <a:schemeClr val="tx2"/>
+            </a:solidFill>
+            <a:prstDash val="solid"/>
+            <a:round/>
+            <a:headEnd type="none" w="med" len="med"/>
+            <a:tailEnd type="triangle" w="lg" len="lg"/>
+          </a:ln>
+          <a:effectLst/>
+        </p:spPr>
+      </p:cxnSp>
+      <p:cxnSp>
+        <p:nvCxnSpPr>
+          <p:cNvPr id="34" name="Connecteur droit avec flèche 33"/>
+          <p:cNvCxnSpPr>
+            <a:stCxn id="13" idx="2"/>
+            <a:endCxn id="12" idx="0"/>
+          </p:cNvCxnSpPr>
+          <p:nvPr/>
+        </p:nvCxnSpPr>
+        <p:spPr bwMode="auto">
+          <a:xfrm>
+            <a:off x="6052451" y="2779305"/>
+            <a:ext cx="575909" cy="269627"/>
+          </a:xfrm>
+          <a:prstGeom prst="straightConnector1">
+            <a:avLst/>
+          </a:prstGeom>
+          <a:solidFill>
+            <a:schemeClr val="accent1"/>
+          </a:solidFill>
+          <a:ln w="19050" cap="flat" cmpd="sng" algn="ctr">
+            <a:solidFill>
+              <a:schemeClr val="tx2"/>
+            </a:solidFill>
+            <a:prstDash val="solid"/>
+            <a:round/>
+            <a:headEnd type="none" w="med" len="med"/>
+            <a:tailEnd type="triangle" w="lg" len="lg"/>
+          </a:ln>
+          <a:effectLst/>
+        </p:spPr>
+      </p:cxnSp>
+      <p:cxnSp>
+        <p:nvCxnSpPr>
+          <p:cNvPr id="23" name="Connecteur droit avec flèche 22"/>
+          <p:cNvCxnSpPr>
+            <a:stCxn id="12" idx="2"/>
+            <a:endCxn id="5" idx="0"/>
+          </p:cNvCxnSpPr>
+          <p:nvPr/>
+        </p:nvCxnSpPr>
+        <p:spPr bwMode="auto">
+          <a:xfrm flipH="1">
+            <a:off x="6096001" y="3813544"/>
+            <a:ext cx="532359" cy="263849"/>
+          </a:xfrm>
+          <a:prstGeom prst="straightConnector1">
+            <a:avLst/>
+          </a:prstGeom>
+          <a:solidFill>
+            <a:schemeClr val="accent1"/>
+          </a:solidFill>
+          <a:ln w="19050" cap="flat" cmpd="sng" algn="ctr">
+            <a:solidFill>
+              <a:schemeClr val="tx2"/>
+            </a:solidFill>
+            <a:prstDash val="solid"/>
+            <a:round/>
+            <a:headEnd type="none" w="med" len="med"/>
+            <a:tailEnd type="triangle" w="lg" len="lg"/>
+          </a:ln>
+          <a:effectLst/>
+        </p:spPr>
+      </p:cxnSp>
+      <p:cxnSp>
+        <p:nvCxnSpPr>
+          <p:cNvPr id="60" name="Connecteur droit avec flèche 59"/>
+          <p:cNvCxnSpPr>
+            <a:stCxn id="47" idx="2"/>
+            <a:endCxn id="5" idx="0"/>
+          </p:cNvCxnSpPr>
+          <p:nvPr/>
+        </p:nvCxnSpPr>
+        <p:spPr bwMode="auto">
+          <a:xfrm flipH="1">
+            <a:off x="6096001" y="3813544"/>
+            <a:ext cx="2124888" cy="263849"/>
+          </a:xfrm>
+          <a:prstGeom prst="straightConnector1">
+            <a:avLst/>
+          </a:prstGeom>
+          <a:solidFill>
+            <a:schemeClr val="accent1"/>
+          </a:solidFill>
+          <a:ln w="19050" cap="flat" cmpd="sng" algn="ctr">
+            <a:solidFill>
+              <a:schemeClr val="tx2"/>
+            </a:solidFill>
+            <a:prstDash val="solid"/>
+            <a:round/>
+            <a:headEnd type="none" w="lg" len="lg"/>
+            <a:tailEnd type="triangle" w="lg" len="lg"/>
+          </a:ln>
+          <a:effectLst/>
+        </p:spPr>
+      </p:cxnSp>
+      <p:grpSp>
+        <p:nvGrpSpPr>
+          <p:cNvPr id="15" name="Grouper 14"/>
+          <p:cNvGrpSpPr/>
+          <p:nvPr/>
+        </p:nvGrpSpPr>
+        <p:grpSpPr>
+          <a:xfrm>
+            <a:off x="3936022" y="3048932"/>
+            <a:ext cx="980203" cy="764612"/>
+            <a:chOff x="2399837" y="2779118"/>
+            <a:chExt cx="1880987" cy="1418100"/>
+          </a:xfrm>
+        </p:grpSpPr>
+        <p:sp>
+          <p:nvSpPr>
+            <p:cNvPr id="40" name="Rectangle 39"/>
+            <p:cNvSpPr/>
+            <p:nvPr/>
+          </p:nvSpPr>
+          <p:spPr>
+            <a:xfrm>
+              <a:off x="2399837" y="2779118"/>
+              <a:ext cx="1880987" cy="1418100"/>
+            </a:xfrm>
+            <a:prstGeom prst="rect">
+              <a:avLst/>
+            </a:prstGeom>
+            <a:noFill/>
+            <a:ln w="38100">
+              <a:solidFill>
+                <a:srgbClr val="00AFCB"/>
+              </a:solidFill>
+            </a:ln>
+          </p:spPr>
+          <p:txBody>
+            <a:bodyPr rtlCol="0" anchor="ctr">
+              <a:noAutofit/>
+            </a:bodyPr>
+            <a:lstStyle/>
+            <a:p>
+              <a:pPr algn="ctr" eaLnBrk="1" hangingPunct="1">
+                <a:spcBef>
+                  <a:spcPts val="384"/>
+                </a:spcBef>
+                <a:spcAft>
+                  <a:spcPts val="0"/>
+                </a:spcAft>
+                <a:buClr>
+                  <a:srgbClr val="00A9C5"/>
+                </a:buClr>
+                <a:buSzPct val="80000"/>
+              </a:pPr>
+              <a:r>
+                <a:rPr lang="fr-FR" sz="1200" kern="0" dirty="0" err="1" smtClean="0">
+                  <a:solidFill>
+                    <a:srgbClr val="00AFCB"/>
+                  </a:solidFill>
+                  <a:latin typeface="+mj-lt"/>
+                </a:rPr>
+                <a:t>Backend</a:t>
+              </a:r>
+              <a:r>
+                <a:rPr lang="fr-FR" sz="1200" kern="0" dirty="0" smtClean="0">
+                  <a:solidFill>
+                    <a:srgbClr val="00AFCB"/>
+                  </a:solidFill>
+                  <a:latin typeface="+mj-lt"/>
+                </a:rPr>
+                <a:t> partenaires</a:t>
+              </a:r>
+            </a:p>
+            <a:p>
+              <a:pPr algn="ctr" eaLnBrk="1" hangingPunct="1">
+                <a:spcBef>
+                  <a:spcPts val="384"/>
+                </a:spcBef>
+                <a:spcAft>
+                  <a:spcPts val="0"/>
+                </a:spcAft>
+                <a:buClr>
+                  <a:srgbClr val="00A9C5"/>
+                </a:buClr>
+                <a:buSzPct val="80000"/>
+              </a:pPr>
+              <a:endParaRPr lang="fr-FR" sz="1200" kern="0" dirty="0" smtClean="0">
+                <a:solidFill>
+                  <a:srgbClr val="00AFCB"/>
+                </a:solidFill>
+                <a:latin typeface="+mj-lt"/>
+              </a:endParaRPr>
+            </a:p>
+          </p:txBody>
+        </p:sp>
+        <p:pic>
+          <p:nvPicPr>
+            <p:cNvPr id="83" name="Image 82"/>
+            <p:cNvPicPr>
+              <a:picLocks noChangeAspect="1"/>
+            </p:cNvPicPr>
+            <p:nvPr/>
+          </p:nvPicPr>
+          <p:blipFill>
+            <a:blip r:embed="rId2">
+              <a:extLst>
+                <a:ext uri="{28A0092B-C50C-407E-A947-70E740481C1C}">
+                  <a14:useLocalDpi xmlns:a14="http://schemas.microsoft.com/office/drawing/2010/main" val="0"/>
+                </a:ext>
+              </a:extLst>
+            </a:blip>
+            <a:stretch>
+              <a:fillRect/>
+            </a:stretch>
+          </p:blipFill>
+          <p:spPr>
+            <a:xfrm>
+              <a:off x="3870144" y="3721197"/>
+              <a:ext cx="324728" cy="441843"/>
+            </a:xfrm>
+            <a:prstGeom prst="rect">
+              <a:avLst/>
+            </a:prstGeom>
+          </p:spPr>
+        </p:pic>
+      </p:grpSp>
+      <p:pic>
+        <p:nvPicPr>
+          <p:cNvPr id="6" name="Image 5"/>
+          <p:cNvPicPr>
+            <a:picLocks noChangeAspect="1"/>
+          </p:cNvPicPr>
+          <p:nvPr/>
+        </p:nvPicPr>
+        <p:blipFill>
+          <a:blip r:embed="rId2">
+            <a:extLst>
+              <a:ext uri="{28A0092B-C50C-407E-A947-70E740481C1C}">
+                <a14:useLocalDpi xmlns:a14="http://schemas.microsoft.com/office/drawing/2010/main" val="0"/>
+              </a:ext>
+            </a:extLst>
+          </a:blip>
+          <a:stretch>
+            <a:fillRect/>
+          </a:stretch>
+        </p:blipFill>
+        <p:spPr>
+          <a:xfrm>
+            <a:off x="8290821" y="4259649"/>
+            <a:ext cx="393132" cy="534917"/>
+          </a:xfrm>
+          <a:prstGeom prst="rect">
+            <a:avLst/>
+          </a:prstGeom>
+        </p:spPr>
+      </p:pic>
+      <p:grpSp>
+        <p:nvGrpSpPr>
+          <p:cNvPr id="14" name="Grouper 13"/>
+          <p:cNvGrpSpPr/>
+          <p:nvPr/>
+        </p:nvGrpSpPr>
+        <p:grpSpPr>
+          <a:xfrm>
+            <a:off x="6138258" y="3048932"/>
+            <a:ext cx="980203" cy="764612"/>
+            <a:chOff x="6638345" y="2768770"/>
+            <a:chExt cx="1880987" cy="1418099"/>
+          </a:xfrm>
+        </p:grpSpPr>
+        <p:pic>
+          <p:nvPicPr>
+            <p:cNvPr id="67" name="Image 66"/>
+            <p:cNvPicPr>
+              <a:picLocks noChangeAspect="1"/>
+            </p:cNvPicPr>
+            <p:nvPr/>
+          </p:nvPicPr>
+          <p:blipFill>
+            <a:blip r:embed="rId2">
+              <a:extLst>
+                <a:ext uri="{28A0092B-C50C-407E-A947-70E740481C1C}">
+                  <a14:useLocalDpi xmlns:a14="http://schemas.microsoft.com/office/drawing/2010/main" val="0"/>
+                </a:ext>
+              </a:extLst>
+            </a:blip>
+            <a:stretch>
+              <a:fillRect/>
+            </a:stretch>
+          </p:blipFill>
+          <p:spPr>
+            <a:xfrm>
+              <a:off x="8127266" y="3701533"/>
+              <a:ext cx="324728" cy="441843"/>
+            </a:xfrm>
+            <a:prstGeom prst="rect">
+              <a:avLst/>
+            </a:prstGeom>
+          </p:spPr>
+        </p:pic>
+        <p:sp>
+          <p:nvSpPr>
+            <p:cNvPr id="12" name="Rectangle 11"/>
+            <p:cNvSpPr/>
+            <p:nvPr/>
+          </p:nvSpPr>
+          <p:spPr>
+            <a:xfrm>
+              <a:off x="6638345" y="2768770"/>
+              <a:ext cx="1880987" cy="1418099"/>
+            </a:xfrm>
+            <a:prstGeom prst="rect">
+              <a:avLst/>
+            </a:prstGeom>
+            <a:noFill/>
+            <a:ln w="38100">
+              <a:solidFill>
+                <a:srgbClr val="00AFCB"/>
+              </a:solidFill>
+            </a:ln>
+          </p:spPr>
+          <p:txBody>
+            <a:bodyPr rtlCol="0" anchor="ctr">
+              <a:noAutofit/>
+            </a:bodyPr>
+            <a:lstStyle/>
+            <a:p>
+              <a:pPr algn="ctr" eaLnBrk="1" hangingPunct="1">
+                <a:spcBef>
+                  <a:spcPts val="384"/>
+                </a:spcBef>
+                <a:spcAft>
+                  <a:spcPts val="0"/>
+                </a:spcAft>
+                <a:buClr>
+                  <a:srgbClr val="00A9C5"/>
+                </a:buClr>
+                <a:buSzPct val="80000"/>
+              </a:pPr>
+              <a:r>
+                <a:rPr lang="fr-FR" sz="1200" kern="0" dirty="0" err="1" smtClean="0">
+                  <a:solidFill>
+                    <a:srgbClr val="00AFCB"/>
+                  </a:solidFill>
+                  <a:latin typeface="+mj-lt"/>
+                </a:rPr>
+                <a:t>Backend</a:t>
+              </a:r>
+              <a:r>
+                <a:rPr lang="fr-FR" sz="1200" kern="0" dirty="0" smtClean="0">
+                  <a:solidFill>
+                    <a:srgbClr val="00AFCB"/>
+                  </a:solidFill>
+                  <a:latin typeface="+mj-lt"/>
+                </a:rPr>
+                <a:t> site web client</a:t>
+              </a:r>
+            </a:p>
+          </p:txBody>
+        </p:sp>
+      </p:grpSp>
+      <p:sp>
+        <p:nvSpPr>
+          <p:cNvPr id="13" name="Rectangle 12"/>
+          <p:cNvSpPr/>
+          <p:nvPr/>
+        </p:nvSpPr>
+        <p:spPr>
+          <a:xfrm>
+            <a:off x="5562349" y="2014693"/>
+            <a:ext cx="980203" cy="764612"/>
+          </a:xfrm>
+          <a:prstGeom prst="rect">
+            <a:avLst/>
+          </a:prstGeom>
+          <a:noFill/>
+          <a:ln w="38100">
+            <a:solidFill>
+              <a:srgbClr val="00AFCB"/>
+            </a:solidFill>
+          </a:ln>
+        </p:spPr>
+        <p:txBody>
+          <a:bodyPr rtlCol="0" anchor="ctr">
+            <a:noAutofit/>
+          </a:bodyPr>
+          <a:lstStyle/>
+          <a:p>
+            <a:pPr algn="ctr" eaLnBrk="1" hangingPunct="1">
+              <a:spcBef>
+                <a:spcPts val="384"/>
+              </a:spcBef>
+              <a:spcAft>
+                <a:spcPts val="0"/>
+              </a:spcAft>
+              <a:buClr>
+                <a:srgbClr val="00A9C5"/>
+              </a:buClr>
+              <a:buSzPct val="80000"/>
+            </a:pPr>
+            <a:r>
+              <a:rPr lang="fr-FR" sz="1200" kern="0" dirty="0" smtClean="0">
+                <a:solidFill>
+                  <a:srgbClr val="00AFCB"/>
+                </a:solidFill>
+                <a:latin typeface="+mj-lt"/>
+              </a:rPr>
+              <a:t>Site web client</a:t>
+            </a:r>
+          </a:p>
+        </p:txBody>
+      </p:sp>
+      <p:sp>
+        <p:nvSpPr>
+          <p:cNvPr id="16" name="Rectangle 15"/>
+          <p:cNvSpPr/>
+          <p:nvPr/>
+        </p:nvSpPr>
+        <p:spPr>
+          <a:xfrm>
+            <a:off x="6646567" y="2014693"/>
+            <a:ext cx="980203" cy="764612"/>
+          </a:xfrm>
+          <a:prstGeom prst="rect">
+            <a:avLst/>
+          </a:prstGeom>
+          <a:noFill/>
+          <a:ln w="38100">
+            <a:solidFill>
+              <a:srgbClr val="00AFCB"/>
+            </a:solidFill>
+          </a:ln>
+        </p:spPr>
+        <p:txBody>
+          <a:bodyPr rtlCol="0" anchor="ctr">
+            <a:noAutofit/>
+          </a:bodyPr>
+          <a:lstStyle/>
+          <a:p>
+            <a:pPr algn="ctr" eaLnBrk="1" hangingPunct="1">
+              <a:spcBef>
+                <a:spcPts val="384"/>
+              </a:spcBef>
+              <a:spcAft>
+                <a:spcPts val="0"/>
+              </a:spcAft>
+              <a:buClr>
+                <a:srgbClr val="00A9C5"/>
+              </a:buClr>
+              <a:buSzPct val="80000"/>
+            </a:pPr>
+            <a:r>
+              <a:rPr lang="fr-FR" sz="1200" kern="0" dirty="0" smtClean="0">
+                <a:solidFill>
+                  <a:srgbClr val="00AFCB"/>
+                </a:solidFill>
+                <a:latin typeface="+mj-lt"/>
+              </a:rPr>
+              <a:t>Appli mobile client</a:t>
+            </a:r>
+          </a:p>
+        </p:txBody>
+      </p:sp>
+      <p:sp>
+        <p:nvSpPr>
+          <p:cNvPr id="47" name="Rectangle 46"/>
+          <p:cNvSpPr/>
+          <p:nvPr/>
+        </p:nvSpPr>
+        <p:spPr>
+          <a:xfrm>
+            <a:off x="7730787" y="3048932"/>
+            <a:ext cx="980203" cy="764612"/>
+          </a:xfrm>
+          <a:prstGeom prst="rect">
+            <a:avLst/>
+          </a:prstGeom>
+          <a:noFill/>
+          <a:ln w="38100">
+            <a:solidFill>
+              <a:srgbClr val="00AFCB"/>
+            </a:solidFill>
+          </a:ln>
+        </p:spPr>
+        <p:txBody>
+          <a:bodyPr rtlCol="0" anchor="ctr">
+            <a:noAutofit/>
+          </a:bodyPr>
+          <a:lstStyle/>
+          <a:p>
+            <a:pPr lvl="0" algn="ctr" eaLnBrk="1" hangingPunct="1">
+              <a:spcBef>
+                <a:spcPts val="384"/>
+              </a:spcBef>
+              <a:spcAft>
+                <a:spcPts val="0"/>
+              </a:spcAft>
+              <a:buClr>
+                <a:srgbClr val="00A9C5"/>
+              </a:buClr>
+              <a:buSzPct val="80000"/>
+            </a:pPr>
+            <a:r>
+              <a:rPr lang="fr-FR" sz="1200" kern="0" dirty="0" err="1" smtClean="0">
+                <a:solidFill>
+                  <a:srgbClr val="00AFCB"/>
+                </a:solidFill>
+                <a:latin typeface="Arial"/>
+              </a:rPr>
+              <a:t>Backend</a:t>
+            </a:r>
+            <a:r>
+              <a:rPr lang="fr-FR" sz="1200" kern="0" dirty="0" smtClean="0">
+                <a:solidFill>
+                  <a:srgbClr val="00AFCB"/>
+                </a:solidFill>
+                <a:latin typeface="Arial"/>
+              </a:rPr>
+              <a:t> backoffice</a:t>
+            </a:r>
+            <a:endParaRPr lang="fr-FR" sz="1200" kern="0" dirty="0">
+              <a:solidFill>
+                <a:srgbClr val="00AFCB"/>
+              </a:solidFill>
+              <a:latin typeface="Arial"/>
+            </a:endParaRPr>
+          </a:p>
+        </p:txBody>
+      </p:sp>
+      <p:sp>
+        <p:nvSpPr>
+          <p:cNvPr id="92" name="Rectangle 91"/>
+          <p:cNvSpPr/>
+          <p:nvPr/>
+        </p:nvSpPr>
+        <p:spPr>
+          <a:xfrm>
+            <a:off x="7730787" y="2010126"/>
+            <a:ext cx="980203" cy="764612"/>
+          </a:xfrm>
+          <a:prstGeom prst="rect">
+            <a:avLst/>
+          </a:prstGeom>
+          <a:noFill/>
+          <a:ln w="38100">
+            <a:solidFill>
+              <a:srgbClr val="00AFCB"/>
+            </a:solidFill>
+          </a:ln>
+        </p:spPr>
+        <p:txBody>
+          <a:bodyPr rtlCol="0" anchor="ctr">
+            <a:noAutofit/>
+          </a:bodyPr>
+          <a:lstStyle/>
+          <a:p>
+            <a:pPr lvl="0" algn="ctr" eaLnBrk="1" hangingPunct="1">
+              <a:spcBef>
+                <a:spcPts val="384"/>
+              </a:spcBef>
+              <a:spcAft>
+                <a:spcPts val="0"/>
+              </a:spcAft>
+              <a:buClr>
+                <a:srgbClr val="00A9C5"/>
+              </a:buClr>
+              <a:buSzPct val="80000"/>
+            </a:pPr>
+            <a:r>
+              <a:rPr lang="fr-FR" sz="1200" kern="0" dirty="0">
+                <a:solidFill>
+                  <a:srgbClr val="00AFCB"/>
+                </a:solidFill>
+                <a:latin typeface="Arial"/>
+              </a:rPr>
+              <a:t>Écrans backoffice</a:t>
+            </a:r>
+          </a:p>
+        </p:txBody>
+      </p:sp>
+      <p:cxnSp>
+        <p:nvCxnSpPr>
+          <p:cNvPr id="93" name="Connecteur droit avec flèche 92"/>
+          <p:cNvCxnSpPr>
+            <a:stCxn id="92" idx="2"/>
+            <a:endCxn id="47" idx="0"/>
+          </p:cNvCxnSpPr>
+          <p:nvPr/>
+        </p:nvCxnSpPr>
+        <p:spPr bwMode="auto">
+          <a:xfrm>
+            <a:off x="8220889" y="2774738"/>
+            <a:ext cx="0" cy="274194"/>
+          </a:xfrm>
+          <a:prstGeom prst="straightConnector1">
+            <a:avLst/>
+          </a:prstGeom>
+          <a:solidFill>
+            <a:schemeClr val="accent1"/>
+          </a:solidFill>
+          <a:ln w="19050" cap="flat" cmpd="sng" algn="ctr">
+            <a:solidFill>
+              <a:schemeClr val="tx2"/>
+            </a:solidFill>
+            <a:prstDash val="solid"/>
+            <a:round/>
+            <a:headEnd type="none" w="med" len="med"/>
+            <a:tailEnd type="triangle" w="lg" len="lg"/>
+          </a:ln>
+          <a:effectLst/>
+        </p:spPr>
+      </p:cxnSp>
+      <p:cxnSp>
+        <p:nvCxnSpPr>
+          <p:cNvPr id="49" name="Connecteur droit avec flèche 48"/>
+          <p:cNvCxnSpPr>
+            <a:stCxn id="40" idx="2"/>
+            <a:endCxn id="5" idx="0"/>
+          </p:cNvCxnSpPr>
+          <p:nvPr/>
+        </p:nvCxnSpPr>
+        <p:spPr bwMode="auto">
+          <a:xfrm>
+            <a:off x="4426124" y="3813544"/>
+            <a:ext cx="1669877" cy="263849"/>
+          </a:xfrm>
+          <a:prstGeom prst="straightConnector1">
+            <a:avLst/>
+          </a:prstGeom>
+          <a:solidFill>
+            <a:schemeClr val="accent1"/>
+          </a:solidFill>
+          <a:ln w="19050" cap="flat" cmpd="sng" algn="ctr">
+            <a:solidFill>
+              <a:schemeClr val="tx2"/>
+            </a:solidFill>
+            <a:prstDash val="solid"/>
+            <a:round/>
+            <a:headEnd type="none" w="med" len="med"/>
+            <a:tailEnd type="triangle" w="lg" len="lg"/>
+          </a:ln>
+          <a:effectLst/>
+        </p:spPr>
+      </p:cxnSp>
+      <p:sp>
+        <p:nvSpPr>
+          <p:cNvPr id="52" name="Rectangle 51"/>
+          <p:cNvSpPr/>
+          <p:nvPr/>
+        </p:nvSpPr>
+        <p:spPr>
+          <a:xfrm>
+            <a:off x="3393913" y="2020471"/>
+            <a:ext cx="980203" cy="764612"/>
+          </a:xfrm>
+          <a:prstGeom prst="rect">
+            <a:avLst/>
+          </a:prstGeom>
+          <a:noFill/>
+          <a:ln w="38100">
+            <a:solidFill>
+              <a:srgbClr val="00AFCB"/>
+            </a:solidFill>
+          </a:ln>
+        </p:spPr>
+        <p:txBody>
+          <a:bodyPr rtlCol="0" anchor="ctr">
+            <a:noAutofit/>
+          </a:bodyPr>
+          <a:lstStyle/>
+          <a:p>
+            <a:pPr algn="ctr" eaLnBrk="1" hangingPunct="1">
+              <a:spcBef>
+                <a:spcPts val="384"/>
+              </a:spcBef>
+              <a:spcAft>
+                <a:spcPts val="0"/>
+              </a:spcAft>
+              <a:buClr>
+                <a:srgbClr val="00A9C5"/>
+              </a:buClr>
+              <a:buSzPct val="80000"/>
+            </a:pPr>
+            <a:r>
+              <a:rPr lang="fr-FR" sz="1200" kern="0" dirty="0" smtClean="0">
+                <a:solidFill>
+                  <a:srgbClr val="00AFCB"/>
+                </a:solidFill>
+                <a:latin typeface="+mj-lt"/>
+              </a:rPr>
+              <a:t>Partenaire 1</a:t>
+            </a:r>
+          </a:p>
+        </p:txBody>
+      </p:sp>
+      <p:sp>
+        <p:nvSpPr>
+          <p:cNvPr id="53" name="Rectangle 52"/>
+          <p:cNvSpPr/>
+          <p:nvPr/>
+        </p:nvSpPr>
+        <p:spPr>
+          <a:xfrm>
+            <a:off x="4478131" y="2014693"/>
+            <a:ext cx="980203" cy="764612"/>
+          </a:xfrm>
+          <a:prstGeom prst="rect">
+            <a:avLst/>
+          </a:prstGeom>
+          <a:noFill/>
+          <a:ln w="38100">
+            <a:solidFill>
+              <a:srgbClr val="00AFCB"/>
+            </a:solidFill>
+          </a:ln>
+        </p:spPr>
+        <p:txBody>
+          <a:bodyPr rtlCol="0" anchor="ctr">
+            <a:noAutofit/>
+          </a:bodyPr>
+          <a:lstStyle/>
+          <a:p>
+            <a:pPr algn="ctr" eaLnBrk="1" hangingPunct="1">
+              <a:spcBef>
+                <a:spcPts val="384"/>
+              </a:spcBef>
+              <a:spcAft>
+                <a:spcPts val="0"/>
+              </a:spcAft>
+              <a:buClr>
+                <a:srgbClr val="00A9C5"/>
+              </a:buClr>
+              <a:buSzPct val="80000"/>
+            </a:pPr>
+            <a:r>
+              <a:rPr lang="fr-FR" sz="1200" kern="0" dirty="0">
+                <a:solidFill>
+                  <a:srgbClr val="00AFCB"/>
+                </a:solidFill>
+                <a:latin typeface="+mj-lt"/>
+              </a:rPr>
+              <a:t>Partenaire </a:t>
+            </a:r>
+            <a:r>
+              <a:rPr lang="fr-FR" sz="1200" kern="0" dirty="0" smtClean="0">
+                <a:solidFill>
+                  <a:srgbClr val="00AFCB"/>
+                </a:solidFill>
+                <a:latin typeface="+mj-lt"/>
+              </a:rPr>
+              <a:t>2</a:t>
+            </a:r>
+            <a:endParaRPr lang="fr-FR" sz="1200" kern="0" dirty="0">
+              <a:solidFill>
+                <a:srgbClr val="00AFCB"/>
+              </a:solidFill>
+              <a:latin typeface="+mj-lt"/>
+            </a:endParaRPr>
+          </a:p>
+        </p:txBody>
+      </p:sp>
+      <p:cxnSp>
+        <p:nvCxnSpPr>
+          <p:cNvPr id="59" name="Connecteur droit avec flèche 58"/>
+          <p:cNvCxnSpPr>
+            <a:stCxn id="53" idx="2"/>
+            <a:endCxn id="40" idx="0"/>
+          </p:cNvCxnSpPr>
+          <p:nvPr/>
+        </p:nvCxnSpPr>
+        <p:spPr bwMode="auto">
+          <a:xfrm flipH="1">
+            <a:off x="4426124" y="2779305"/>
+            <a:ext cx="542109" cy="269627"/>
+          </a:xfrm>
+          <a:prstGeom prst="straightConnector1">
+            <a:avLst/>
+          </a:prstGeom>
+          <a:solidFill>
+            <a:schemeClr val="accent1"/>
+          </a:solidFill>
+          <a:ln w="19050" cap="flat" cmpd="sng" algn="ctr">
+            <a:solidFill>
+              <a:schemeClr val="tx2"/>
+            </a:solidFill>
+            <a:prstDash val="solid"/>
+            <a:round/>
+            <a:headEnd type="triangle" w="lg" len="lg"/>
+            <a:tailEnd type="triangle" w="lg" len="lg"/>
+          </a:ln>
+          <a:effectLst/>
+        </p:spPr>
+      </p:cxnSp>
+      <p:grpSp>
+        <p:nvGrpSpPr>
+          <p:cNvPr id="11" name="Grouper 10"/>
+          <p:cNvGrpSpPr/>
+          <p:nvPr/>
+        </p:nvGrpSpPr>
+        <p:grpSpPr>
+          <a:xfrm>
+            <a:off x="5037140" y="3051867"/>
+            <a:ext cx="980203" cy="764612"/>
+            <a:chOff x="4577128" y="2779116"/>
+            <a:chExt cx="1880987" cy="1418099"/>
+          </a:xfrm>
+        </p:grpSpPr>
+        <p:sp>
+          <p:nvSpPr>
+            <p:cNvPr id="24" name="Rectangle 23"/>
+            <p:cNvSpPr/>
+            <p:nvPr/>
+          </p:nvSpPr>
+          <p:spPr>
+            <a:xfrm>
+              <a:off x="4577128" y="2779116"/>
+              <a:ext cx="1880987" cy="1418099"/>
+            </a:xfrm>
+            <a:prstGeom prst="rect">
+              <a:avLst/>
+            </a:prstGeom>
+            <a:noFill/>
+            <a:ln w="38100">
+              <a:solidFill>
+                <a:srgbClr val="00AFCB"/>
+              </a:solidFill>
+            </a:ln>
+          </p:spPr>
+          <p:txBody>
+            <a:bodyPr rtlCol="0" anchor="ctr">
+              <a:noAutofit/>
+            </a:bodyPr>
+            <a:lstStyle/>
+            <a:p>
+              <a:pPr algn="ctr" eaLnBrk="1" hangingPunct="1">
+                <a:spcBef>
+                  <a:spcPts val="384"/>
+                </a:spcBef>
+                <a:spcAft>
+                  <a:spcPts val="0"/>
+                </a:spcAft>
+                <a:buClr>
+                  <a:srgbClr val="00A9C5"/>
+                </a:buClr>
+                <a:buSzPct val="80000"/>
+              </a:pPr>
+              <a:r>
+                <a:rPr lang="fr-FR" sz="1200" kern="0" dirty="0" err="1" smtClean="0">
+                  <a:solidFill>
+                    <a:srgbClr val="00AFCB"/>
+                  </a:solidFill>
+                  <a:latin typeface="+mj-lt"/>
+                </a:rPr>
+                <a:t>Backend</a:t>
+              </a:r>
+              <a:r>
+                <a:rPr lang="fr-FR" sz="1200" kern="0" dirty="0" smtClean="0">
+                  <a:solidFill>
+                    <a:srgbClr val="00AFCB"/>
+                  </a:solidFill>
+                  <a:latin typeface="+mj-lt"/>
+                </a:rPr>
+                <a:t> partagé</a:t>
+              </a:r>
+            </a:p>
+            <a:p>
+              <a:pPr algn="ctr" eaLnBrk="1" hangingPunct="1">
+                <a:spcBef>
+                  <a:spcPts val="384"/>
+                </a:spcBef>
+                <a:spcAft>
+                  <a:spcPts val="0"/>
+                </a:spcAft>
+                <a:buClr>
+                  <a:srgbClr val="00A9C5"/>
+                </a:buClr>
+                <a:buSzPct val="80000"/>
+              </a:pPr>
+              <a:endParaRPr lang="fr-FR" sz="1200" kern="0" dirty="0" smtClean="0">
+                <a:solidFill>
+                  <a:srgbClr val="00AFCB"/>
+                </a:solidFill>
+                <a:latin typeface="+mj-lt"/>
+              </a:endParaRPr>
+            </a:p>
+          </p:txBody>
+        </p:sp>
+        <p:pic>
+          <p:nvPicPr>
+            <p:cNvPr id="25" name="Image 24"/>
+            <p:cNvPicPr>
+              <a:picLocks noChangeAspect="1"/>
+            </p:cNvPicPr>
+            <p:nvPr/>
+          </p:nvPicPr>
+          <p:blipFill>
+            <a:blip r:embed="rId2">
+              <a:extLst>
+                <a:ext uri="{28A0092B-C50C-407E-A947-70E740481C1C}">
+                  <a14:useLocalDpi xmlns:a14="http://schemas.microsoft.com/office/drawing/2010/main" val="0"/>
+                </a:ext>
+              </a:extLst>
+            </a:blip>
+            <a:stretch>
+              <a:fillRect/>
+            </a:stretch>
+          </p:blipFill>
+          <p:spPr>
+            <a:xfrm>
+              <a:off x="6047435" y="3721197"/>
+              <a:ext cx="324728" cy="441843"/>
+            </a:xfrm>
+            <a:prstGeom prst="rect">
+              <a:avLst/>
+            </a:prstGeom>
+          </p:spPr>
+        </p:pic>
+      </p:grpSp>
+      <p:cxnSp>
+        <p:nvCxnSpPr>
+          <p:cNvPr id="26" name="Connecteur droit avec flèche 25"/>
+          <p:cNvCxnSpPr>
+            <a:stCxn id="40" idx="3"/>
+            <a:endCxn id="24" idx="1"/>
+          </p:cNvCxnSpPr>
+          <p:nvPr/>
+        </p:nvCxnSpPr>
+        <p:spPr bwMode="auto">
+          <a:xfrm>
+            <a:off x="4916225" y="3431238"/>
+            <a:ext cx="120915" cy="2935"/>
+          </a:xfrm>
+          <a:prstGeom prst="straightConnector1">
+            <a:avLst/>
+          </a:prstGeom>
+          <a:solidFill>
+            <a:schemeClr val="accent1"/>
+          </a:solidFill>
+          <a:ln w="19050" cap="flat" cmpd="sng" algn="ctr">
+            <a:solidFill>
+              <a:schemeClr val="tx2"/>
+            </a:solidFill>
+            <a:prstDash val="solid"/>
+            <a:round/>
+            <a:headEnd type="none" w="med" len="med"/>
+            <a:tailEnd type="triangle" w="lg" len="lg"/>
+          </a:ln>
+          <a:effectLst/>
+        </p:spPr>
+      </p:cxnSp>
+      <p:cxnSp>
+        <p:nvCxnSpPr>
+          <p:cNvPr id="29" name="Connecteur droit avec flèche 28"/>
+          <p:cNvCxnSpPr>
+            <a:stCxn id="24" idx="2"/>
+            <a:endCxn id="5" idx="0"/>
+          </p:cNvCxnSpPr>
+          <p:nvPr/>
+        </p:nvCxnSpPr>
+        <p:spPr bwMode="auto">
+          <a:xfrm>
+            <a:off x="5527242" y="3816479"/>
+            <a:ext cx="568759" cy="260914"/>
+          </a:xfrm>
+          <a:prstGeom prst="straightConnector1">
+            <a:avLst/>
+          </a:prstGeom>
+          <a:solidFill>
+            <a:schemeClr val="accent1"/>
+          </a:solidFill>
+          <a:ln w="19050" cap="flat" cmpd="sng" algn="ctr">
+            <a:solidFill>
+              <a:schemeClr val="tx2"/>
+            </a:solidFill>
+            <a:prstDash val="solid"/>
+            <a:round/>
+            <a:headEnd type="none" w="med" len="med"/>
+            <a:tailEnd type="triangle" w="lg" len="lg"/>
+          </a:ln>
+          <a:effectLst/>
+        </p:spPr>
+      </p:cxnSp>
+      <p:cxnSp>
+        <p:nvCxnSpPr>
+          <p:cNvPr id="32" name="Connecteur droit avec flèche 31"/>
+          <p:cNvCxnSpPr>
+            <a:stCxn id="12" idx="1"/>
+            <a:endCxn id="24" idx="3"/>
+          </p:cNvCxnSpPr>
+          <p:nvPr/>
+        </p:nvCxnSpPr>
+        <p:spPr bwMode="auto">
+          <a:xfrm flipH="1">
+            <a:off x="6017343" y="3431238"/>
+            <a:ext cx="120915" cy="2935"/>
+          </a:xfrm>
+          <a:prstGeom prst="straightConnector1">
+            <a:avLst/>
+          </a:prstGeom>
+          <a:solidFill>
+            <a:schemeClr val="accent1"/>
+          </a:solidFill>
+          <a:ln w="19050" cap="flat" cmpd="sng" algn="ctr">
+            <a:solidFill>
+              <a:schemeClr val="tx2"/>
+            </a:solidFill>
+            <a:prstDash val="solid"/>
+            <a:round/>
+            <a:headEnd type="none" w="med" len="med"/>
+            <a:tailEnd type="triangle" w="lg" len="lg"/>
+          </a:ln>
+          <a:effectLst/>
+        </p:spPr>
+      </p:cxnSp>
+      <p:pic>
+        <p:nvPicPr>
+          <p:cNvPr id="54" name="Image 53"/>
+          <p:cNvPicPr>
+            <a:picLocks noChangeAspect="1"/>
+          </p:cNvPicPr>
+          <p:nvPr/>
+        </p:nvPicPr>
+        <p:blipFill>
+          <a:blip r:embed="rId2">
+            <a:extLst>
+              <a:ext uri="{28A0092B-C50C-407E-A947-70E740481C1C}">
+                <a14:useLocalDpi xmlns:a14="http://schemas.microsoft.com/office/drawing/2010/main" val="0"/>
+              </a:ext>
+            </a:extLst>
+          </a:blip>
+          <a:stretch>
+            <a:fillRect/>
+          </a:stretch>
+        </p:blipFill>
+        <p:spPr>
+          <a:xfrm>
+            <a:off x="7426095" y="2501280"/>
+            <a:ext cx="169219" cy="238233"/>
+          </a:xfrm>
+          <a:prstGeom prst="rect">
+            <a:avLst/>
+          </a:prstGeom>
+        </p:spPr>
+      </p:pic>
+    </p:spTree>
+    <p:extLst>
+      <p:ext uri="{BB962C8B-B14F-4D97-AF65-F5344CB8AC3E}">
+        <p14:creationId xmlns:p14="http://schemas.microsoft.com/office/powerpoint/2010/main" val="1703680425"/>
+      </p:ext>
+    </p:extLst>
+  </p:cSld>
+  <p:clrMapOvr>
+    <a:masterClrMapping/>
+  </p:clrMapOvr>
+</p:sld>
+</file>
+
+<file path=ppt/slides/slide14.xml><?xml version="1.0" encoding="utf-8"?>
+<p:sld xmlns:a="http://schemas.openxmlformats.org/drawingml/2006/main" xmlns:r="http://schemas.openxmlformats.org/officeDocument/2006/relationships" xmlns:p="http://schemas.openxmlformats.org/presentationml/2006/main">
+  <p:cSld>
+    <p:spTree>
+      <p:nvGrpSpPr>
+        <p:cNvPr id="1" name=""/>
+        <p:cNvGrpSpPr/>
+        <p:nvPr/>
+      </p:nvGrpSpPr>
+      <p:grpSpPr>
+        <a:xfrm>
+          <a:off x="0" y="0"/>
+          <a:ext cx="0" cy="0"/>
+          <a:chOff x="0" y="0"/>
+          <a:chExt cx="0" cy="0"/>
+        </a:xfrm>
+      </p:grpSpPr>
+      <p:sp>
+        <p:nvSpPr>
+          <p:cNvPr id="5" name="Rectangle 4"/>
+          <p:cNvSpPr/>
+          <p:nvPr/>
+        </p:nvSpPr>
+        <p:spPr>
+          <a:xfrm>
+            <a:off x="3393914" y="4564505"/>
+            <a:ext cx="5404174" cy="499673"/>
+          </a:xfrm>
+          <a:prstGeom prst="rect">
+            <a:avLst/>
+          </a:prstGeom>
+          <a:noFill/>
+          <a:ln w="38100">
+            <a:solidFill>
+              <a:srgbClr val="00AFCB"/>
+            </a:solidFill>
+          </a:ln>
+        </p:spPr>
+        <p:txBody>
+          <a:bodyPr rtlCol="0" anchor="ctr">
+            <a:noAutofit/>
+          </a:bodyPr>
+          <a:lstStyle/>
+          <a:p>
+            <a:pPr algn="ctr" eaLnBrk="1" hangingPunct="1">
+              <a:spcBef>
+                <a:spcPts val="384"/>
+              </a:spcBef>
+              <a:spcAft>
+                <a:spcPts val="0"/>
+              </a:spcAft>
+              <a:buClr>
+                <a:srgbClr val="00A9C5"/>
+              </a:buClr>
+              <a:buSzPct val="80000"/>
+            </a:pPr>
+            <a:r>
+              <a:rPr lang="fr-FR" sz="1200" kern="0" dirty="0" smtClean="0">
+                <a:solidFill>
+                  <a:srgbClr val="00AFCB"/>
+                </a:solidFill>
+                <a:latin typeface="+mj-lt"/>
+              </a:rPr>
+              <a:t>Cœur métier</a:t>
+            </a:r>
+          </a:p>
+        </p:txBody>
+      </p:sp>
+      <p:cxnSp>
+        <p:nvCxnSpPr>
+          <p:cNvPr id="10" name="Connecteur droit avec flèche 9"/>
+          <p:cNvCxnSpPr>
+            <a:stCxn id="52" idx="2"/>
+            <a:endCxn id="40" idx="0"/>
+          </p:cNvCxnSpPr>
+          <p:nvPr/>
+        </p:nvCxnSpPr>
+        <p:spPr bwMode="auto">
+          <a:xfrm>
+            <a:off x="3884015" y="2785083"/>
+            <a:ext cx="0" cy="263849"/>
+          </a:xfrm>
+          <a:prstGeom prst="straightConnector1">
+            <a:avLst/>
+          </a:prstGeom>
+          <a:solidFill>
+            <a:schemeClr val="accent1"/>
+          </a:solidFill>
+          <a:ln w="19050" cap="flat" cmpd="sng" algn="ctr">
+            <a:solidFill>
+              <a:schemeClr val="tx2"/>
+            </a:solidFill>
+            <a:prstDash val="solid"/>
+            <a:round/>
+            <a:headEnd type="triangle" w="lg" len="lg"/>
+            <a:tailEnd type="triangle" w="lg" len="lg"/>
+          </a:ln>
+          <a:effectLst/>
+        </p:spPr>
+      </p:cxnSp>
+      <p:cxnSp>
+        <p:nvCxnSpPr>
+          <p:cNvPr id="31" name="Connecteur droit avec flèche 30"/>
+          <p:cNvCxnSpPr>
+            <a:stCxn id="16" idx="2"/>
+            <a:endCxn id="12" idx="0"/>
+          </p:cNvCxnSpPr>
+          <p:nvPr/>
+        </p:nvCxnSpPr>
+        <p:spPr bwMode="auto">
+          <a:xfrm>
+            <a:off x="7136669" y="2779305"/>
+            <a:ext cx="0" cy="269627"/>
+          </a:xfrm>
+          <a:prstGeom prst="straightConnector1">
+            <a:avLst/>
+          </a:prstGeom>
+          <a:solidFill>
+            <a:schemeClr val="accent1"/>
+          </a:solidFill>
+          <a:ln w="19050" cap="flat" cmpd="sng" algn="ctr">
+            <a:solidFill>
+              <a:schemeClr val="tx2"/>
+            </a:solidFill>
+            <a:prstDash val="solid"/>
+            <a:round/>
+            <a:headEnd type="none" w="med" len="med"/>
+            <a:tailEnd type="triangle" w="lg" len="lg"/>
+          </a:ln>
+          <a:effectLst/>
+        </p:spPr>
+      </p:cxnSp>
+      <p:cxnSp>
+        <p:nvCxnSpPr>
+          <p:cNvPr id="34" name="Connecteur droit avec flèche 33"/>
+          <p:cNvCxnSpPr>
+            <a:stCxn id="13" idx="2"/>
+            <a:endCxn id="12" idx="0"/>
+          </p:cNvCxnSpPr>
+          <p:nvPr/>
+        </p:nvCxnSpPr>
+        <p:spPr bwMode="auto">
+          <a:xfrm>
+            <a:off x="6052451" y="2779305"/>
+            <a:ext cx="1084218" cy="269627"/>
+          </a:xfrm>
+          <a:prstGeom prst="straightConnector1">
+            <a:avLst/>
+          </a:prstGeom>
+          <a:solidFill>
+            <a:schemeClr val="accent1"/>
+          </a:solidFill>
+          <a:ln w="19050" cap="flat" cmpd="sng" algn="ctr">
+            <a:solidFill>
+              <a:schemeClr val="tx2"/>
+            </a:solidFill>
+            <a:prstDash val="solid"/>
+            <a:round/>
+            <a:headEnd type="none" w="med" len="med"/>
+            <a:tailEnd type="triangle" w="lg" len="lg"/>
+          </a:ln>
+          <a:effectLst/>
+        </p:spPr>
+      </p:cxnSp>
+      <p:cxnSp>
+        <p:nvCxnSpPr>
+          <p:cNvPr id="23" name="Connecteur droit avec flèche 22"/>
+          <p:cNvCxnSpPr>
+            <a:stCxn id="12" idx="2"/>
+            <a:endCxn id="5" idx="0"/>
+          </p:cNvCxnSpPr>
+          <p:nvPr/>
+        </p:nvCxnSpPr>
+        <p:spPr bwMode="auto">
+          <a:xfrm flipH="1">
+            <a:off x="6096001" y="3813544"/>
+            <a:ext cx="1040668" cy="750961"/>
+          </a:xfrm>
+          <a:prstGeom prst="straightConnector1">
+            <a:avLst/>
+          </a:prstGeom>
+          <a:solidFill>
+            <a:schemeClr val="accent1"/>
+          </a:solidFill>
+          <a:ln w="19050" cap="flat" cmpd="sng" algn="ctr">
+            <a:solidFill>
+              <a:schemeClr val="tx2"/>
+            </a:solidFill>
+            <a:prstDash val="solid"/>
+            <a:round/>
+            <a:headEnd type="none" w="med" len="med"/>
+            <a:tailEnd type="triangle" w="lg" len="lg"/>
+          </a:ln>
+          <a:effectLst/>
+        </p:spPr>
+      </p:cxnSp>
+      <p:cxnSp>
+        <p:nvCxnSpPr>
+          <p:cNvPr id="60" name="Connecteur droit avec flèche 59"/>
+          <p:cNvCxnSpPr>
+            <a:stCxn id="47" idx="2"/>
+            <a:endCxn id="5" idx="0"/>
+          </p:cNvCxnSpPr>
+          <p:nvPr/>
+        </p:nvCxnSpPr>
+        <p:spPr bwMode="auto">
+          <a:xfrm flipH="1">
+            <a:off x="6096001" y="3813544"/>
+            <a:ext cx="2124888" cy="750961"/>
+          </a:xfrm>
+          <a:prstGeom prst="straightConnector1">
+            <a:avLst/>
+          </a:prstGeom>
+          <a:solidFill>
+            <a:schemeClr val="accent1"/>
+          </a:solidFill>
+          <a:ln w="19050" cap="flat" cmpd="sng" algn="ctr">
+            <a:solidFill>
+              <a:schemeClr val="tx2"/>
+            </a:solidFill>
+            <a:prstDash val="solid"/>
+            <a:round/>
+            <a:headEnd type="none" w="lg" len="lg"/>
+            <a:tailEnd type="triangle" w="lg" len="lg"/>
+          </a:ln>
+          <a:effectLst/>
+        </p:spPr>
+      </p:cxnSp>
+      <p:grpSp>
+        <p:nvGrpSpPr>
+          <p:cNvPr id="15" name="Grouper 14"/>
+          <p:cNvGrpSpPr/>
+          <p:nvPr/>
+        </p:nvGrpSpPr>
+        <p:grpSpPr>
+          <a:xfrm>
+            <a:off x="3393913" y="3048932"/>
+            <a:ext cx="980203" cy="764612"/>
+            <a:chOff x="2399837" y="2779118"/>
+            <a:chExt cx="1880987" cy="1418100"/>
+          </a:xfrm>
+        </p:grpSpPr>
+        <p:sp>
+          <p:nvSpPr>
+            <p:cNvPr id="40" name="Rectangle 39"/>
+            <p:cNvSpPr/>
+            <p:nvPr/>
+          </p:nvSpPr>
+          <p:spPr>
+            <a:xfrm>
+              <a:off x="2399837" y="2779118"/>
+              <a:ext cx="1880987" cy="1418100"/>
+            </a:xfrm>
+            <a:prstGeom prst="rect">
+              <a:avLst/>
+            </a:prstGeom>
+            <a:noFill/>
+            <a:ln w="38100">
+              <a:solidFill>
+                <a:srgbClr val="00AFCB"/>
+              </a:solidFill>
+            </a:ln>
+          </p:spPr>
+          <p:txBody>
+            <a:bodyPr rtlCol="0" anchor="ctr">
+              <a:noAutofit/>
+            </a:bodyPr>
+            <a:lstStyle/>
+            <a:p>
+              <a:pPr algn="ctr" eaLnBrk="1" hangingPunct="1">
+                <a:spcBef>
+                  <a:spcPts val="384"/>
+                </a:spcBef>
+                <a:spcAft>
+                  <a:spcPts val="0"/>
+                </a:spcAft>
+                <a:buClr>
+                  <a:srgbClr val="00A9C5"/>
+                </a:buClr>
+                <a:buSzPct val="80000"/>
+              </a:pPr>
+              <a:r>
+                <a:rPr lang="fr-FR" sz="1200" kern="0" dirty="0" err="1" smtClean="0">
+                  <a:solidFill>
+                    <a:srgbClr val="00AFCB"/>
+                  </a:solidFill>
+                  <a:latin typeface="+mj-lt"/>
+                </a:rPr>
+                <a:t>Backend</a:t>
+              </a:r>
+              <a:r>
+                <a:rPr lang="fr-FR" sz="1200" kern="0" dirty="0" smtClean="0">
+                  <a:solidFill>
+                    <a:srgbClr val="00AFCB"/>
+                  </a:solidFill>
+                  <a:latin typeface="+mj-lt"/>
+                </a:rPr>
+                <a:t> partenaires</a:t>
+              </a:r>
+            </a:p>
+            <a:p>
+              <a:pPr algn="ctr" eaLnBrk="1" hangingPunct="1">
+                <a:spcBef>
+                  <a:spcPts val="384"/>
+                </a:spcBef>
+                <a:spcAft>
+                  <a:spcPts val="0"/>
+                </a:spcAft>
+                <a:buClr>
+                  <a:srgbClr val="00A9C5"/>
+                </a:buClr>
+                <a:buSzPct val="80000"/>
+              </a:pPr>
+              <a:endParaRPr lang="fr-FR" sz="1200" kern="0" dirty="0" smtClean="0">
+                <a:solidFill>
+                  <a:srgbClr val="00AFCB"/>
+                </a:solidFill>
+                <a:latin typeface="+mj-lt"/>
+              </a:endParaRPr>
+            </a:p>
+          </p:txBody>
+        </p:sp>
+        <p:pic>
+          <p:nvPicPr>
+            <p:cNvPr id="83" name="Image 82"/>
+            <p:cNvPicPr>
+              <a:picLocks noChangeAspect="1"/>
+            </p:cNvPicPr>
+            <p:nvPr/>
+          </p:nvPicPr>
+          <p:blipFill>
+            <a:blip r:embed="rId2">
+              <a:extLst>
+                <a:ext uri="{28A0092B-C50C-407E-A947-70E740481C1C}">
+                  <a14:useLocalDpi xmlns:a14="http://schemas.microsoft.com/office/drawing/2010/main" val="0"/>
+                </a:ext>
+              </a:extLst>
+            </a:blip>
+            <a:stretch>
+              <a:fillRect/>
+            </a:stretch>
+          </p:blipFill>
+          <p:spPr>
+            <a:xfrm>
+              <a:off x="3870144" y="3721197"/>
+              <a:ext cx="324728" cy="441843"/>
+            </a:xfrm>
+            <a:prstGeom prst="rect">
+              <a:avLst/>
+            </a:prstGeom>
+          </p:spPr>
+        </p:pic>
+      </p:grpSp>
+      <p:pic>
+        <p:nvPicPr>
+          <p:cNvPr id="6" name="Image 5"/>
+          <p:cNvPicPr>
+            <a:picLocks noChangeAspect="1"/>
+          </p:cNvPicPr>
+          <p:nvPr/>
+        </p:nvPicPr>
+        <p:blipFill>
+          <a:blip r:embed="rId2">
+            <a:extLst>
+              <a:ext uri="{28A0092B-C50C-407E-A947-70E740481C1C}">
+                <a14:useLocalDpi xmlns:a14="http://schemas.microsoft.com/office/drawing/2010/main" val="0"/>
+              </a:ext>
+            </a:extLst>
+          </a:blip>
+          <a:stretch>
+            <a:fillRect/>
+          </a:stretch>
+        </p:blipFill>
+        <p:spPr>
+          <a:xfrm>
+            <a:off x="8379311" y="4634232"/>
+            <a:ext cx="264739" cy="360218"/>
+          </a:xfrm>
+          <a:prstGeom prst="rect">
+            <a:avLst/>
+          </a:prstGeom>
+        </p:spPr>
+      </p:pic>
+      <p:grpSp>
+        <p:nvGrpSpPr>
+          <p:cNvPr id="14" name="Grouper 13"/>
+          <p:cNvGrpSpPr/>
+          <p:nvPr/>
+        </p:nvGrpSpPr>
+        <p:grpSpPr>
+          <a:xfrm>
+            <a:off x="6646567" y="3048932"/>
+            <a:ext cx="980203" cy="764612"/>
+            <a:chOff x="6638345" y="2768770"/>
+            <a:chExt cx="1880987" cy="1418099"/>
+          </a:xfrm>
+        </p:grpSpPr>
+        <p:pic>
+          <p:nvPicPr>
+            <p:cNvPr id="67" name="Image 66"/>
+            <p:cNvPicPr>
+              <a:picLocks noChangeAspect="1"/>
+            </p:cNvPicPr>
+            <p:nvPr/>
+          </p:nvPicPr>
+          <p:blipFill>
+            <a:blip r:embed="rId2">
+              <a:extLst>
+                <a:ext uri="{28A0092B-C50C-407E-A947-70E740481C1C}">
+                  <a14:useLocalDpi xmlns:a14="http://schemas.microsoft.com/office/drawing/2010/main" val="0"/>
+                </a:ext>
+              </a:extLst>
+            </a:blip>
+            <a:stretch>
+              <a:fillRect/>
+            </a:stretch>
+          </p:blipFill>
+          <p:spPr>
+            <a:xfrm>
+              <a:off x="8127266" y="3701533"/>
+              <a:ext cx="324728" cy="441843"/>
+            </a:xfrm>
+            <a:prstGeom prst="rect">
+              <a:avLst/>
+            </a:prstGeom>
+          </p:spPr>
+        </p:pic>
+        <p:sp>
+          <p:nvSpPr>
+            <p:cNvPr id="12" name="Rectangle 11"/>
+            <p:cNvSpPr/>
+            <p:nvPr/>
+          </p:nvSpPr>
+          <p:spPr>
+            <a:xfrm>
+              <a:off x="6638345" y="2768770"/>
+              <a:ext cx="1880987" cy="1418099"/>
+            </a:xfrm>
+            <a:prstGeom prst="rect">
+              <a:avLst/>
+            </a:prstGeom>
+            <a:noFill/>
+            <a:ln w="38100">
+              <a:solidFill>
+                <a:srgbClr val="00AFCB"/>
+              </a:solidFill>
+            </a:ln>
+          </p:spPr>
+          <p:txBody>
+            <a:bodyPr rtlCol="0" anchor="ctr">
+              <a:noAutofit/>
+            </a:bodyPr>
+            <a:lstStyle/>
+            <a:p>
+              <a:pPr algn="ctr" eaLnBrk="1" hangingPunct="1">
+                <a:spcBef>
+                  <a:spcPts val="384"/>
+                </a:spcBef>
+                <a:spcAft>
+                  <a:spcPts val="0"/>
+                </a:spcAft>
+                <a:buClr>
+                  <a:srgbClr val="00A9C5"/>
+                </a:buClr>
+                <a:buSzPct val="80000"/>
+              </a:pPr>
+              <a:r>
+                <a:rPr lang="fr-FR" sz="1200" kern="0" dirty="0" err="1" smtClean="0">
+                  <a:solidFill>
+                    <a:srgbClr val="00AFCB"/>
+                  </a:solidFill>
+                  <a:latin typeface="+mj-lt"/>
+                </a:rPr>
+                <a:t>Backend</a:t>
+              </a:r>
+              <a:r>
+                <a:rPr lang="fr-FR" sz="1200" kern="0" dirty="0" smtClean="0">
+                  <a:solidFill>
+                    <a:srgbClr val="00AFCB"/>
+                  </a:solidFill>
+                  <a:latin typeface="+mj-lt"/>
+                </a:rPr>
+                <a:t> site web client</a:t>
+              </a:r>
+            </a:p>
+          </p:txBody>
+        </p:sp>
+      </p:grpSp>
+      <p:sp>
+        <p:nvSpPr>
+          <p:cNvPr id="13" name="Rectangle 12"/>
+          <p:cNvSpPr/>
+          <p:nvPr/>
+        </p:nvSpPr>
+        <p:spPr>
+          <a:xfrm>
+            <a:off x="5562349" y="2014693"/>
+            <a:ext cx="980203" cy="764612"/>
+          </a:xfrm>
+          <a:prstGeom prst="rect">
+            <a:avLst/>
+          </a:prstGeom>
+          <a:noFill/>
+          <a:ln w="38100">
+            <a:solidFill>
+              <a:srgbClr val="00AFCB"/>
+            </a:solidFill>
+          </a:ln>
+        </p:spPr>
+        <p:txBody>
+          <a:bodyPr rtlCol="0" anchor="ctr">
+            <a:noAutofit/>
+          </a:bodyPr>
+          <a:lstStyle/>
+          <a:p>
+            <a:pPr algn="ctr" eaLnBrk="1" hangingPunct="1">
+              <a:spcBef>
+                <a:spcPts val="384"/>
+              </a:spcBef>
+              <a:spcAft>
+                <a:spcPts val="0"/>
+              </a:spcAft>
+              <a:buClr>
+                <a:srgbClr val="00A9C5"/>
+              </a:buClr>
+              <a:buSzPct val="80000"/>
+            </a:pPr>
+            <a:r>
+              <a:rPr lang="fr-FR" sz="1200" kern="0" dirty="0" smtClean="0">
+                <a:solidFill>
+                  <a:srgbClr val="00AFCB"/>
+                </a:solidFill>
+                <a:latin typeface="+mj-lt"/>
+              </a:rPr>
+              <a:t>Site web client</a:t>
+            </a:r>
+          </a:p>
+        </p:txBody>
+      </p:sp>
+      <p:sp>
+        <p:nvSpPr>
+          <p:cNvPr id="16" name="Rectangle 15"/>
+          <p:cNvSpPr/>
+          <p:nvPr/>
+        </p:nvSpPr>
+        <p:spPr>
+          <a:xfrm>
+            <a:off x="6646567" y="2014693"/>
+            <a:ext cx="980203" cy="764612"/>
+          </a:xfrm>
+          <a:prstGeom prst="rect">
+            <a:avLst/>
+          </a:prstGeom>
+          <a:noFill/>
+          <a:ln w="38100">
+            <a:solidFill>
+              <a:srgbClr val="00AFCB"/>
+            </a:solidFill>
+          </a:ln>
+        </p:spPr>
+        <p:txBody>
+          <a:bodyPr rtlCol="0" anchor="ctr">
+            <a:noAutofit/>
+          </a:bodyPr>
+          <a:lstStyle/>
+          <a:p>
+            <a:pPr algn="ctr" eaLnBrk="1" hangingPunct="1">
+              <a:spcBef>
+                <a:spcPts val="384"/>
+              </a:spcBef>
+              <a:spcAft>
+                <a:spcPts val="0"/>
+              </a:spcAft>
+              <a:buClr>
+                <a:srgbClr val="00A9C5"/>
+              </a:buClr>
+              <a:buSzPct val="80000"/>
+            </a:pPr>
+            <a:r>
+              <a:rPr lang="fr-FR" sz="1200" kern="0" dirty="0" smtClean="0">
+                <a:solidFill>
+                  <a:srgbClr val="00AFCB"/>
+                </a:solidFill>
+                <a:latin typeface="+mj-lt"/>
+              </a:rPr>
+              <a:t>Appli mobile client</a:t>
+            </a:r>
+          </a:p>
+        </p:txBody>
+      </p:sp>
+      <p:sp>
+        <p:nvSpPr>
+          <p:cNvPr id="47" name="Rectangle 46"/>
+          <p:cNvSpPr/>
+          <p:nvPr/>
+        </p:nvSpPr>
+        <p:spPr>
+          <a:xfrm>
+            <a:off x="7730787" y="3048932"/>
+            <a:ext cx="980203" cy="764612"/>
+          </a:xfrm>
+          <a:prstGeom prst="rect">
+            <a:avLst/>
+          </a:prstGeom>
+          <a:noFill/>
+          <a:ln w="38100">
+            <a:solidFill>
+              <a:srgbClr val="00AFCB"/>
+            </a:solidFill>
+          </a:ln>
+        </p:spPr>
+        <p:txBody>
+          <a:bodyPr rtlCol="0" anchor="ctr">
+            <a:noAutofit/>
+          </a:bodyPr>
+          <a:lstStyle/>
+          <a:p>
+            <a:pPr lvl="0" algn="ctr" eaLnBrk="1" hangingPunct="1">
+              <a:spcBef>
+                <a:spcPts val="384"/>
+              </a:spcBef>
+              <a:spcAft>
+                <a:spcPts val="0"/>
+              </a:spcAft>
+              <a:buClr>
+                <a:srgbClr val="00A9C5"/>
+              </a:buClr>
+              <a:buSzPct val="80000"/>
+            </a:pPr>
+            <a:r>
+              <a:rPr lang="fr-FR" sz="1200" kern="0" dirty="0" err="1" smtClean="0">
+                <a:solidFill>
+                  <a:srgbClr val="00AFCB"/>
+                </a:solidFill>
+                <a:latin typeface="Arial"/>
+              </a:rPr>
+              <a:t>Backend</a:t>
+            </a:r>
+            <a:r>
+              <a:rPr lang="fr-FR" sz="1200" kern="0" dirty="0" smtClean="0">
+                <a:solidFill>
+                  <a:srgbClr val="00AFCB"/>
+                </a:solidFill>
+                <a:latin typeface="Arial"/>
+              </a:rPr>
+              <a:t> backoffice</a:t>
+            </a:r>
+            <a:endParaRPr lang="fr-FR" sz="1200" kern="0" dirty="0">
+              <a:solidFill>
+                <a:srgbClr val="00AFCB"/>
+              </a:solidFill>
+              <a:latin typeface="Arial"/>
+            </a:endParaRPr>
+          </a:p>
+        </p:txBody>
+      </p:sp>
+      <p:sp>
+        <p:nvSpPr>
+          <p:cNvPr id="92" name="Rectangle 91"/>
+          <p:cNvSpPr/>
+          <p:nvPr/>
+        </p:nvSpPr>
+        <p:spPr>
+          <a:xfrm>
+            <a:off x="7730787" y="2010126"/>
+            <a:ext cx="980203" cy="764612"/>
+          </a:xfrm>
+          <a:prstGeom prst="rect">
+            <a:avLst/>
+          </a:prstGeom>
+          <a:noFill/>
+          <a:ln w="38100">
+            <a:solidFill>
+              <a:srgbClr val="00AFCB"/>
+            </a:solidFill>
+          </a:ln>
+        </p:spPr>
+        <p:txBody>
+          <a:bodyPr rtlCol="0" anchor="ctr">
+            <a:noAutofit/>
+          </a:bodyPr>
+          <a:lstStyle/>
+          <a:p>
+            <a:pPr lvl="0" algn="ctr" eaLnBrk="1" hangingPunct="1">
+              <a:spcBef>
+                <a:spcPts val="384"/>
+              </a:spcBef>
+              <a:spcAft>
+                <a:spcPts val="0"/>
+              </a:spcAft>
+              <a:buClr>
+                <a:srgbClr val="00A9C5"/>
+              </a:buClr>
+              <a:buSzPct val="80000"/>
+            </a:pPr>
+            <a:r>
+              <a:rPr lang="fr-FR" sz="1200" kern="0" dirty="0">
+                <a:solidFill>
+                  <a:srgbClr val="00AFCB"/>
+                </a:solidFill>
+                <a:latin typeface="Arial"/>
+              </a:rPr>
+              <a:t>Écrans backoffice</a:t>
+            </a:r>
+          </a:p>
+        </p:txBody>
+      </p:sp>
+      <p:cxnSp>
+        <p:nvCxnSpPr>
+          <p:cNvPr id="93" name="Connecteur droit avec flèche 92"/>
+          <p:cNvCxnSpPr>
+            <a:stCxn id="92" idx="2"/>
+            <a:endCxn id="47" idx="0"/>
+          </p:cNvCxnSpPr>
+          <p:nvPr/>
+        </p:nvCxnSpPr>
+        <p:spPr bwMode="auto">
+          <a:xfrm>
+            <a:off x="8220889" y="2774738"/>
+            <a:ext cx="0" cy="274194"/>
+          </a:xfrm>
+          <a:prstGeom prst="straightConnector1">
+            <a:avLst/>
+          </a:prstGeom>
+          <a:solidFill>
+            <a:schemeClr val="accent1"/>
+          </a:solidFill>
+          <a:ln w="19050" cap="flat" cmpd="sng" algn="ctr">
+            <a:solidFill>
+              <a:schemeClr val="tx2"/>
+            </a:solidFill>
+            <a:prstDash val="solid"/>
+            <a:round/>
+            <a:headEnd type="none" w="med" len="med"/>
+            <a:tailEnd type="triangle" w="lg" len="lg"/>
+          </a:ln>
+          <a:effectLst/>
+        </p:spPr>
+      </p:cxnSp>
+      <p:cxnSp>
+        <p:nvCxnSpPr>
+          <p:cNvPr id="49" name="Connecteur droit avec flèche 48"/>
+          <p:cNvCxnSpPr>
+            <a:stCxn id="40" idx="2"/>
+            <a:endCxn id="5" idx="0"/>
+          </p:cNvCxnSpPr>
+          <p:nvPr/>
+        </p:nvCxnSpPr>
+        <p:spPr bwMode="auto">
+          <a:xfrm>
+            <a:off x="3884015" y="3813544"/>
+            <a:ext cx="2211986" cy="750961"/>
+          </a:xfrm>
+          <a:prstGeom prst="straightConnector1">
+            <a:avLst/>
+          </a:prstGeom>
+          <a:solidFill>
+            <a:schemeClr val="accent1"/>
+          </a:solidFill>
+          <a:ln w="19050" cap="flat" cmpd="sng" algn="ctr">
+            <a:solidFill>
+              <a:schemeClr val="tx2"/>
+            </a:solidFill>
+            <a:prstDash val="solid"/>
+            <a:round/>
+            <a:headEnd type="none" w="med" len="med"/>
+            <a:tailEnd type="triangle" w="lg" len="lg"/>
+          </a:ln>
+          <a:effectLst/>
+        </p:spPr>
+      </p:cxnSp>
+      <p:sp>
+        <p:nvSpPr>
+          <p:cNvPr id="52" name="Rectangle 51"/>
+          <p:cNvSpPr/>
+          <p:nvPr/>
+        </p:nvSpPr>
+        <p:spPr>
+          <a:xfrm>
+            <a:off x="3393913" y="2020471"/>
+            <a:ext cx="980203" cy="764612"/>
+          </a:xfrm>
+          <a:prstGeom prst="rect">
+            <a:avLst/>
+          </a:prstGeom>
+          <a:noFill/>
+          <a:ln w="38100">
+            <a:solidFill>
+              <a:srgbClr val="00AFCB"/>
+            </a:solidFill>
+          </a:ln>
+        </p:spPr>
+        <p:txBody>
+          <a:bodyPr rtlCol="0" anchor="ctr">
+            <a:noAutofit/>
+          </a:bodyPr>
+          <a:lstStyle/>
+          <a:p>
+            <a:pPr algn="ctr" eaLnBrk="1" hangingPunct="1">
+              <a:spcBef>
+                <a:spcPts val="384"/>
+              </a:spcBef>
+              <a:spcAft>
+                <a:spcPts val="0"/>
+              </a:spcAft>
+              <a:buClr>
+                <a:srgbClr val="00A9C5"/>
+              </a:buClr>
+              <a:buSzPct val="80000"/>
+            </a:pPr>
+            <a:r>
+              <a:rPr lang="fr-FR" sz="1200" kern="0" dirty="0" smtClean="0">
+                <a:solidFill>
+                  <a:srgbClr val="00AFCB"/>
+                </a:solidFill>
+                <a:latin typeface="+mj-lt"/>
+              </a:rPr>
+              <a:t>Partenaire 1</a:t>
+            </a:r>
+          </a:p>
+        </p:txBody>
+      </p:sp>
+      <p:sp>
+        <p:nvSpPr>
+          <p:cNvPr id="53" name="Rectangle 52"/>
+          <p:cNvSpPr/>
+          <p:nvPr/>
+        </p:nvSpPr>
+        <p:spPr>
+          <a:xfrm>
+            <a:off x="4478131" y="2014693"/>
+            <a:ext cx="980203" cy="764612"/>
+          </a:xfrm>
+          <a:prstGeom prst="rect">
+            <a:avLst/>
+          </a:prstGeom>
+          <a:noFill/>
+          <a:ln w="38100">
+            <a:solidFill>
+              <a:srgbClr val="00AFCB"/>
+            </a:solidFill>
+          </a:ln>
+        </p:spPr>
+        <p:txBody>
+          <a:bodyPr rtlCol="0" anchor="ctr">
+            <a:noAutofit/>
+          </a:bodyPr>
+          <a:lstStyle/>
+          <a:p>
+            <a:pPr algn="ctr" eaLnBrk="1" hangingPunct="1">
+              <a:spcBef>
+                <a:spcPts val="384"/>
+              </a:spcBef>
+              <a:spcAft>
+                <a:spcPts val="0"/>
+              </a:spcAft>
+              <a:buClr>
+                <a:srgbClr val="00A9C5"/>
+              </a:buClr>
+              <a:buSzPct val="80000"/>
+            </a:pPr>
+            <a:r>
+              <a:rPr lang="fr-FR" sz="1200" kern="0" dirty="0">
+                <a:solidFill>
+                  <a:srgbClr val="00AFCB"/>
+                </a:solidFill>
+                <a:latin typeface="+mj-lt"/>
+              </a:rPr>
+              <a:t>Partenaire </a:t>
+            </a:r>
+            <a:r>
+              <a:rPr lang="fr-FR" sz="1200" kern="0" dirty="0" smtClean="0">
+                <a:solidFill>
+                  <a:srgbClr val="00AFCB"/>
+                </a:solidFill>
+                <a:latin typeface="+mj-lt"/>
+              </a:rPr>
+              <a:t>2</a:t>
+            </a:r>
+            <a:endParaRPr lang="fr-FR" sz="1200" kern="0" dirty="0">
+              <a:solidFill>
+                <a:srgbClr val="00AFCB"/>
+              </a:solidFill>
+              <a:latin typeface="+mj-lt"/>
+            </a:endParaRPr>
+          </a:p>
+        </p:txBody>
+      </p:sp>
+      <p:cxnSp>
+        <p:nvCxnSpPr>
+          <p:cNvPr id="59" name="Connecteur droit avec flèche 58"/>
+          <p:cNvCxnSpPr>
+            <a:stCxn id="53" idx="2"/>
+            <a:endCxn id="40" idx="0"/>
+          </p:cNvCxnSpPr>
+          <p:nvPr/>
+        </p:nvCxnSpPr>
+        <p:spPr bwMode="auto">
+          <a:xfrm flipH="1">
+            <a:off x="3884015" y="2779305"/>
+            <a:ext cx="1084218" cy="269627"/>
+          </a:xfrm>
+          <a:prstGeom prst="straightConnector1">
+            <a:avLst/>
+          </a:prstGeom>
+          <a:solidFill>
+            <a:schemeClr val="accent1"/>
+          </a:solidFill>
+          <a:ln w="19050" cap="flat" cmpd="sng" algn="ctr">
+            <a:solidFill>
+              <a:schemeClr val="tx2"/>
+            </a:solidFill>
+            <a:prstDash val="solid"/>
+            <a:round/>
+            <a:headEnd type="triangle" w="lg" len="lg"/>
+            <a:tailEnd type="triangle" w="lg" len="lg"/>
+          </a:ln>
+          <a:effectLst/>
+        </p:spPr>
+      </p:cxnSp>
+      <p:grpSp>
+        <p:nvGrpSpPr>
+          <p:cNvPr id="11" name="Grouper 10"/>
+          <p:cNvGrpSpPr/>
+          <p:nvPr/>
+        </p:nvGrpSpPr>
+        <p:grpSpPr>
+          <a:xfrm>
+            <a:off x="4831625" y="3051867"/>
+            <a:ext cx="1357434" cy="1031304"/>
+            <a:chOff x="4577128" y="2779116"/>
+            <a:chExt cx="1880987" cy="1418099"/>
+          </a:xfrm>
+        </p:grpSpPr>
+        <p:sp>
+          <p:nvSpPr>
+            <p:cNvPr id="24" name="Rectangle 23"/>
+            <p:cNvSpPr/>
+            <p:nvPr/>
+          </p:nvSpPr>
+          <p:spPr>
+            <a:xfrm>
+              <a:off x="4577128" y="2779116"/>
+              <a:ext cx="1880987" cy="1418099"/>
+            </a:xfrm>
+            <a:prstGeom prst="rect">
+              <a:avLst/>
+            </a:prstGeom>
+            <a:noFill/>
+            <a:ln w="38100">
+              <a:solidFill>
+                <a:srgbClr val="00AFCB"/>
+              </a:solidFill>
+            </a:ln>
+          </p:spPr>
+          <p:txBody>
+            <a:bodyPr rtlCol="0" anchor="ctr">
+              <a:noAutofit/>
+            </a:bodyPr>
+            <a:lstStyle/>
+            <a:p>
+              <a:pPr algn="ctr" eaLnBrk="1" hangingPunct="1">
+                <a:spcBef>
+                  <a:spcPts val="384"/>
+                </a:spcBef>
+                <a:spcAft>
+                  <a:spcPts val="0"/>
+                </a:spcAft>
+                <a:buClr>
+                  <a:srgbClr val="00A9C5"/>
+                </a:buClr>
+                <a:buSzPct val="80000"/>
+              </a:pPr>
+              <a:r>
+                <a:rPr lang="fr-FR" sz="1200" kern="0" dirty="0" err="1" smtClean="0">
+                  <a:solidFill>
+                    <a:srgbClr val="00AFCB"/>
+                  </a:solidFill>
+                  <a:latin typeface="+mj-lt"/>
+                </a:rPr>
+                <a:t>Backend</a:t>
+              </a:r>
+              <a:r>
+                <a:rPr lang="fr-FR" sz="1200" kern="0" dirty="0" smtClean="0">
+                  <a:solidFill>
+                    <a:srgbClr val="00AFCB"/>
+                  </a:solidFill>
+                  <a:latin typeface="+mj-lt"/>
+                </a:rPr>
+                <a:t> partagé</a:t>
+              </a:r>
+            </a:p>
+            <a:p>
+              <a:pPr algn="ctr" eaLnBrk="1" hangingPunct="1">
+                <a:spcBef>
+                  <a:spcPts val="384"/>
+                </a:spcBef>
+                <a:spcAft>
+                  <a:spcPts val="0"/>
+                </a:spcAft>
+                <a:buClr>
+                  <a:srgbClr val="00A9C5"/>
+                </a:buClr>
+                <a:buSzPct val="80000"/>
+              </a:pPr>
+              <a:endParaRPr lang="fr-FR" sz="1200" kern="0" dirty="0" smtClean="0">
+                <a:solidFill>
+                  <a:srgbClr val="00AFCB"/>
+                </a:solidFill>
+                <a:latin typeface="+mj-lt"/>
+              </a:endParaRPr>
+            </a:p>
+          </p:txBody>
+        </p:sp>
+        <p:pic>
+          <p:nvPicPr>
+            <p:cNvPr id="25" name="Image 24"/>
+            <p:cNvPicPr>
+              <a:picLocks noChangeAspect="1"/>
+            </p:cNvPicPr>
+            <p:nvPr/>
+          </p:nvPicPr>
+          <p:blipFill>
+            <a:blip r:embed="rId2">
+              <a:extLst>
+                <a:ext uri="{28A0092B-C50C-407E-A947-70E740481C1C}">
+                  <a14:useLocalDpi xmlns:a14="http://schemas.microsoft.com/office/drawing/2010/main" val="0"/>
+                </a:ext>
+              </a:extLst>
+            </a:blip>
+            <a:stretch>
+              <a:fillRect/>
+            </a:stretch>
+          </p:blipFill>
+          <p:spPr>
+            <a:xfrm>
+              <a:off x="5865931" y="3474232"/>
+              <a:ext cx="506231" cy="688809"/>
+            </a:xfrm>
+            <a:prstGeom prst="rect">
+              <a:avLst/>
+            </a:prstGeom>
+          </p:spPr>
+        </p:pic>
+      </p:grpSp>
+      <p:cxnSp>
+        <p:nvCxnSpPr>
+          <p:cNvPr id="26" name="Connecteur droit avec flèche 25"/>
+          <p:cNvCxnSpPr>
+            <a:stCxn id="40" idx="3"/>
+            <a:endCxn id="24" idx="1"/>
+          </p:cNvCxnSpPr>
+          <p:nvPr/>
+        </p:nvCxnSpPr>
+        <p:spPr bwMode="auto">
+          <a:xfrm>
+            <a:off x="4374116" y="3431238"/>
+            <a:ext cx="457509" cy="136281"/>
+          </a:xfrm>
+          <a:prstGeom prst="straightConnector1">
+            <a:avLst/>
+          </a:prstGeom>
+          <a:solidFill>
+            <a:schemeClr val="accent1"/>
+          </a:solidFill>
+          <a:ln w="19050" cap="flat" cmpd="sng" algn="ctr">
+            <a:solidFill>
+              <a:schemeClr val="tx2"/>
+            </a:solidFill>
+            <a:prstDash val="solid"/>
+            <a:round/>
+            <a:headEnd type="none" w="med" len="med"/>
+            <a:tailEnd type="triangle" w="lg" len="lg"/>
+          </a:ln>
+          <a:effectLst/>
+        </p:spPr>
+      </p:cxnSp>
+      <p:cxnSp>
+        <p:nvCxnSpPr>
+          <p:cNvPr id="29" name="Connecteur droit avec flèche 28"/>
+          <p:cNvCxnSpPr>
+            <a:stCxn id="24" idx="2"/>
+            <a:endCxn id="5" idx="0"/>
+          </p:cNvCxnSpPr>
+          <p:nvPr/>
+        </p:nvCxnSpPr>
+        <p:spPr bwMode="auto">
+          <a:xfrm>
+            <a:off x="5510342" y="4083171"/>
+            <a:ext cx="585659" cy="481334"/>
+          </a:xfrm>
+          <a:prstGeom prst="straightConnector1">
+            <a:avLst/>
+          </a:prstGeom>
+          <a:solidFill>
+            <a:schemeClr val="accent1"/>
+          </a:solidFill>
+          <a:ln w="19050" cap="flat" cmpd="sng" algn="ctr">
+            <a:solidFill>
+              <a:schemeClr val="tx2"/>
+            </a:solidFill>
+            <a:prstDash val="solid"/>
+            <a:round/>
+            <a:headEnd type="none" w="med" len="med"/>
+            <a:tailEnd type="triangle" w="lg" len="lg"/>
+          </a:ln>
+          <a:effectLst/>
+        </p:spPr>
+      </p:cxnSp>
+      <p:cxnSp>
+        <p:nvCxnSpPr>
+          <p:cNvPr id="32" name="Connecteur droit avec flèche 31"/>
+          <p:cNvCxnSpPr>
+            <a:stCxn id="12" idx="1"/>
+            <a:endCxn id="24" idx="3"/>
+          </p:cNvCxnSpPr>
+          <p:nvPr/>
+        </p:nvCxnSpPr>
+        <p:spPr bwMode="auto">
+          <a:xfrm flipH="1">
+            <a:off x="6189059" y="3431238"/>
+            <a:ext cx="457508" cy="136281"/>
+          </a:xfrm>
+          <a:prstGeom prst="straightConnector1">
+            <a:avLst/>
+          </a:prstGeom>
+          <a:solidFill>
+            <a:schemeClr val="accent1"/>
+          </a:solidFill>
+          <a:ln w="19050" cap="flat" cmpd="sng" algn="ctr">
+            <a:solidFill>
+              <a:schemeClr val="tx2"/>
+            </a:solidFill>
+            <a:prstDash val="solid"/>
+            <a:round/>
+            <a:headEnd type="none" w="med" len="med"/>
+            <a:tailEnd type="triangle" w="lg" len="lg"/>
+          </a:ln>
+          <a:effectLst/>
+        </p:spPr>
+      </p:cxnSp>
+      <p:pic>
+        <p:nvPicPr>
+          <p:cNvPr id="54" name="Image 53"/>
+          <p:cNvPicPr>
+            <a:picLocks noChangeAspect="1"/>
+          </p:cNvPicPr>
+          <p:nvPr/>
+        </p:nvPicPr>
+        <p:blipFill>
+          <a:blip r:embed="rId2">
+            <a:extLst>
+              <a:ext uri="{28A0092B-C50C-407E-A947-70E740481C1C}">
+                <a14:useLocalDpi xmlns:a14="http://schemas.microsoft.com/office/drawing/2010/main" val="0"/>
+              </a:ext>
+            </a:extLst>
+          </a:blip>
+          <a:stretch>
+            <a:fillRect/>
+          </a:stretch>
+        </p:blipFill>
+        <p:spPr>
+          <a:xfrm>
+            <a:off x="7426095" y="2501280"/>
+            <a:ext cx="169219" cy="238233"/>
+          </a:xfrm>
+          <a:prstGeom prst="rect">
+            <a:avLst/>
+          </a:prstGeom>
+        </p:spPr>
+      </p:pic>
+    </p:spTree>
+    <p:extLst>
+      <p:ext uri="{BB962C8B-B14F-4D97-AF65-F5344CB8AC3E}">
+        <p14:creationId xmlns:p14="http://schemas.microsoft.com/office/powerpoint/2010/main" val="1357437524"/>
+      </p:ext>
+    </p:extLst>
+  </p:cSld>
+  <p:clrMapOvr>
+    <a:masterClrMapping/>
+  </p:clrMapOvr>
+</p:sld>
+</file>
+
+<file path=ppt/slides/slide15.xml><?xml version="1.0" encoding="utf-8"?>
+<p:sld xmlns:a="http://schemas.openxmlformats.org/drawingml/2006/main" xmlns:r="http://schemas.openxmlformats.org/officeDocument/2006/relationships" xmlns:p="http://schemas.openxmlformats.org/presentationml/2006/main">
+  <p:cSld>
+    <p:spTree>
+      <p:nvGrpSpPr>
+        <p:cNvPr id="1" name=""/>
+        <p:cNvGrpSpPr/>
+        <p:nvPr/>
+      </p:nvGrpSpPr>
+      <p:grpSpPr>
+        <a:xfrm>
+          <a:off x="0" y="0"/>
+          <a:ext cx="0" cy="0"/>
+          <a:chOff x="0" y="0"/>
+          <a:chExt cx="0" cy="0"/>
+        </a:xfrm>
+      </p:grpSpPr>
+      <p:sp>
+        <p:nvSpPr>
+          <p:cNvPr id="5" name="Rectangle 4"/>
+          <p:cNvSpPr/>
+          <p:nvPr/>
+        </p:nvSpPr>
+        <p:spPr>
+          <a:xfrm>
+            <a:off x="4654879" y="5197955"/>
+            <a:ext cx="1710926" cy="504646"/>
+          </a:xfrm>
+          <a:prstGeom prst="rect">
+            <a:avLst/>
+          </a:prstGeom>
+          <a:noFill/>
+          <a:ln w="38100">
+            <a:solidFill>
+              <a:srgbClr val="00AFCB"/>
+            </a:solidFill>
+          </a:ln>
+        </p:spPr>
+        <p:txBody>
+          <a:bodyPr rtlCol="0" anchor="ctr">
+            <a:noAutofit/>
+          </a:bodyPr>
+          <a:lstStyle/>
+          <a:p>
+            <a:pPr algn="ctr" eaLnBrk="1" hangingPunct="1">
+              <a:spcBef>
+                <a:spcPts val="384"/>
+              </a:spcBef>
+              <a:spcAft>
+                <a:spcPts val="0"/>
+              </a:spcAft>
+              <a:buClr>
+                <a:srgbClr val="00A9C5"/>
+              </a:buClr>
+              <a:buSzPct val="80000"/>
+            </a:pPr>
+            <a:r>
+              <a:rPr lang="fr-FR" sz="1200" kern="0" dirty="0" smtClean="0">
+                <a:solidFill>
+                  <a:srgbClr val="00AFCB"/>
+                </a:solidFill>
+                <a:latin typeface="+mj-lt"/>
+              </a:rPr>
+              <a:t>Reliquat du système historique</a:t>
+            </a:r>
+            <a:endParaRPr lang="fr-FR" sz="1200" kern="0" dirty="0" smtClean="0">
+              <a:solidFill>
+                <a:srgbClr val="00AFCB"/>
+              </a:solidFill>
+              <a:latin typeface="+mj-lt"/>
+            </a:endParaRPr>
+          </a:p>
+        </p:txBody>
+      </p:sp>
+      <p:cxnSp>
+        <p:nvCxnSpPr>
+          <p:cNvPr id="10" name="Connecteur droit avec flèche 9"/>
+          <p:cNvCxnSpPr>
+            <a:stCxn id="52" idx="2"/>
+            <a:endCxn id="40" idx="0"/>
+          </p:cNvCxnSpPr>
+          <p:nvPr/>
+        </p:nvCxnSpPr>
+        <p:spPr bwMode="auto">
+          <a:xfrm>
+            <a:off x="3884015" y="2785083"/>
+            <a:ext cx="0" cy="263849"/>
+          </a:xfrm>
+          <a:prstGeom prst="straightConnector1">
+            <a:avLst/>
+          </a:prstGeom>
+          <a:solidFill>
+            <a:schemeClr val="accent1"/>
+          </a:solidFill>
+          <a:ln w="19050" cap="flat" cmpd="sng" algn="ctr">
+            <a:solidFill>
+              <a:schemeClr val="tx2"/>
+            </a:solidFill>
+            <a:prstDash val="solid"/>
+            <a:round/>
+            <a:headEnd type="triangle" w="lg" len="lg"/>
+            <a:tailEnd type="triangle" w="lg" len="lg"/>
+          </a:ln>
+          <a:effectLst/>
+        </p:spPr>
+      </p:cxnSp>
+      <p:cxnSp>
+        <p:nvCxnSpPr>
+          <p:cNvPr id="31" name="Connecteur droit avec flèche 30"/>
+          <p:cNvCxnSpPr>
+            <a:stCxn id="16" idx="2"/>
+            <a:endCxn id="12" idx="0"/>
+          </p:cNvCxnSpPr>
+          <p:nvPr/>
+        </p:nvCxnSpPr>
+        <p:spPr bwMode="auto">
+          <a:xfrm>
+            <a:off x="7136669" y="2779305"/>
+            <a:ext cx="0" cy="269627"/>
+          </a:xfrm>
+          <a:prstGeom prst="straightConnector1">
+            <a:avLst/>
+          </a:prstGeom>
+          <a:solidFill>
+            <a:schemeClr val="accent1"/>
+          </a:solidFill>
+          <a:ln w="19050" cap="flat" cmpd="sng" algn="ctr">
+            <a:solidFill>
+              <a:schemeClr val="tx2"/>
+            </a:solidFill>
+            <a:prstDash val="solid"/>
+            <a:round/>
+            <a:headEnd type="none" w="med" len="med"/>
+            <a:tailEnd type="triangle" w="lg" len="lg"/>
+          </a:ln>
+          <a:effectLst/>
+        </p:spPr>
+      </p:cxnSp>
+      <p:cxnSp>
+        <p:nvCxnSpPr>
+          <p:cNvPr id="34" name="Connecteur droit avec flèche 33"/>
+          <p:cNvCxnSpPr>
+            <a:stCxn id="13" idx="2"/>
+            <a:endCxn id="12" idx="0"/>
+          </p:cNvCxnSpPr>
+          <p:nvPr/>
+        </p:nvCxnSpPr>
+        <p:spPr bwMode="auto">
+          <a:xfrm>
+            <a:off x="6052451" y="2779305"/>
+            <a:ext cx="1084218" cy="269627"/>
+          </a:xfrm>
+          <a:prstGeom prst="straightConnector1">
+            <a:avLst/>
+          </a:prstGeom>
+          <a:solidFill>
+            <a:schemeClr val="accent1"/>
+          </a:solidFill>
+          <a:ln w="19050" cap="flat" cmpd="sng" algn="ctr">
+            <a:solidFill>
+              <a:schemeClr val="tx2"/>
+            </a:solidFill>
+            <a:prstDash val="solid"/>
+            <a:round/>
+            <a:headEnd type="none" w="med" len="med"/>
+            <a:tailEnd type="triangle" w="lg" len="lg"/>
+          </a:ln>
+          <a:effectLst/>
+        </p:spPr>
+      </p:cxnSp>
+      <p:cxnSp>
+        <p:nvCxnSpPr>
+          <p:cNvPr id="60" name="Connecteur droit avec flèche 59"/>
+          <p:cNvCxnSpPr>
+            <a:stCxn id="47" idx="2"/>
+            <a:endCxn id="24" idx="3"/>
+          </p:cNvCxnSpPr>
+          <p:nvPr/>
+        </p:nvCxnSpPr>
+        <p:spPr bwMode="auto">
+          <a:xfrm flipH="1">
+            <a:off x="6365804" y="3813544"/>
+            <a:ext cx="1855085" cy="243360"/>
+          </a:xfrm>
+          <a:prstGeom prst="straightConnector1">
+            <a:avLst/>
+          </a:prstGeom>
+          <a:solidFill>
+            <a:schemeClr val="accent1"/>
+          </a:solidFill>
+          <a:ln w="19050" cap="flat" cmpd="sng" algn="ctr">
+            <a:solidFill>
+              <a:schemeClr val="tx2"/>
+            </a:solidFill>
+            <a:prstDash val="solid"/>
+            <a:round/>
+            <a:headEnd type="none" w="lg" len="lg"/>
+            <a:tailEnd type="triangle" w="lg" len="lg"/>
+          </a:ln>
+          <a:effectLst/>
+        </p:spPr>
+      </p:cxnSp>
+      <p:grpSp>
+        <p:nvGrpSpPr>
+          <p:cNvPr id="15" name="Grouper 14"/>
+          <p:cNvGrpSpPr/>
+          <p:nvPr/>
+        </p:nvGrpSpPr>
+        <p:grpSpPr>
+          <a:xfrm>
+            <a:off x="3393913" y="3048932"/>
+            <a:ext cx="980203" cy="764612"/>
+            <a:chOff x="2399837" y="2779118"/>
+            <a:chExt cx="1880987" cy="1418100"/>
+          </a:xfrm>
+        </p:grpSpPr>
+        <p:sp>
+          <p:nvSpPr>
+            <p:cNvPr id="40" name="Rectangle 39"/>
+            <p:cNvSpPr/>
+            <p:nvPr/>
+          </p:nvSpPr>
+          <p:spPr>
+            <a:xfrm>
+              <a:off x="2399837" y="2779118"/>
+              <a:ext cx="1880987" cy="1418100"/>
+            </a:xfrm>
+            <a:prstGeom prst="rect">
+              <a:avLst/>
+            </a:prstGeom>
+            <a:noFill/>
+            <a:ln w="38100">
+              <a:solidFill>
+                <a:srgbClr val="00AFCB"/>
+              </a:solidFill>
+            </a:ln>
+          </p:spPr>
+          <p:txBody>
+            <a:bodyPr rtlCol="0" anchor="ctr">
+              <a:noAutofit/>
+            </a:bodyPr>
+            <a:lstStyle/>
+            <a:p>
+              <a:pPr algn="ctr" eaLnBrk="1" hangingPunct="1">
+                <a:spcBef>
+                  <a:spcPts val="384"/>
+                </a:spcBef>
+                <a:spcAft>
+                  <a:spcPts val="0"/>
+                </a:spcAft>
+                <a:buClr>
+                  <a:srgbClr val="00A9C5"/>
+                </a:buClr>
+                <a:buSzPct val="80000"/>
+              </a:pPr>
+              <a:r>
+                <a:rPr lang="fr-FR" sz="1200" kern="0" dirty="0" err="1" smtClean="0">
+                  <a:solidFill>
+                    <a:srgbClr val="00AFCB"/>
+                  </a:solidFill>
+                  <a:latin typeface="+mj-lt"/>
+                </a:rPr>
+                <a:t>Backend</a:t>
+              </a:r>
+              <a:r>
+                <a:rPr lang="fr-FR" sz="1200" kern="0" dirty="0" smtClean="0">
+                  <a:solidFill>
+                    <a:srgbClr val="00AFCB"/>
+                  </a:solidFill>
+                  <a:latin typeface="+mj-lt"/>
+                </a:rPr>
+                <a:t> partenaires</a:t>
+              </a:r>
+            </a:p>
+            <a:p>
+              <a:pPr algn="ctr" eaLnBrk="1" hangingPunct="1">
+                <a:spcBef>
+                  <a:spcPts val="384"/>
+                </a:spcBef>
+                <a:spcAft>
+                  <a:spcPts val="0"/>
+                </a:spcAft>
+                <a:buClr>
+                  <a:srgbClr val="00A9C5"/>
+                </a:buClr>
+                <a:buSzPct val="80000"/>
+              </a:pPr>
+              <a:endParaRPr lang="fr-FR" sz="1200" kern="0" dirty="0" smtClean="0">
+                <a:solidFill>
+                  <a:srgbClr val="00AFCB"/>
+                </a:solidFill>
+                <a:latin typeface="+mj-lt"/>
+              </a:endParaRPr>
+            </a:p>
+          </p:txBody>
+        </p:sp>
+        <p:pic>
+          <p:nvPicPr>
+            <p:cNvPr id="83" name="Image 82"/>
+            <p:cNvPicPr>
+              <a:picLocks noChangeAspect="1"/>
+            </p:cNvPicPr>
+            <p:nvPr/>
+          </p:nvPicPr>
+          <p:blipFill>
+            <a:blip r:embed="rId2">
+              <a:extLst>
+                <a:ext uri="{28A0092B-C50C-407E-A947-70E740481C1C}">
+                  <a14:useLocalDpi xmlns:a14="http://schemas.microsoft.com/office/drawing/2010/main" val="0"/>
+                </a:ext>
+              </a:extLst>
+            </a:blip>
+            <a:stretch>
+              <a:fillRect/>
+            </a:stretch>
+          </p:blipFill>
+          <p:spPr>
+            <a:xfrm>
+              <a:off x="3870144" y="3721197"/>
+              <a:ext cx="324728" cy="441843"/>
+            </a:xfrm>
+            <a:prstGeom prst="rect">
+              <a:avLst/>
+            </a:prstGeom>
+          </p:spPr>
+        </p:pic>
+      </p:grpSp>
+      <p:pic>
+        <p:nvPicPr>
+          <p:cNvPr id="6" name="Image 5"/>
+          <p:cNvPicPr>
+            <a:picLocks noChangeAspect="1"/>
+          </p:cNvPicPr>
+          <p:nvPr/>
+        </p:nvPicPr>
+        <p:blipFill>
+          <a:blip r:embed="rId2">
+            <a:extLst>
+              <a:ext uri="{28A0092B-C50C-407E-A947-70E740481C1C}">
+                <a14:useLocalDpi xmlns:a14="http://schemas.microsoft.com/office/drawing/2010/main" val="0"/>
+              </a:ext>
+            </a:extLst>
+          </a:blip>
+          <a:stretch>
+            <a:fillRect/>
+          </a:stretch>
+        </p:blipFill>
+        <p:spPr>
+          <a:xfrm>
+            <a:off x="6125546" y="5450278"/>
+            <a:ext cx="162560" cy="221188"/>
+          </a:xfrm>
+          <a:prstGeom prst="rect">
+            <a:avLst/>
+          </a:prstGeom>
+        </p:spPr>
+      </p:pic>
+      <p:grpSp>
+        <p:nvGrpSpPr>
+          <p:cNvPr id="14" name="Grouper 13"/>
+          <p:cNvGrpSpPr/>
+          <p:nvPr/>
+        </p:nvGrpSpPr>
+        <p:grpSpPr>
+          <a:xfrm>
+            <a:off x="6646567" y="3048932"/>
+            <a:ext cx="980203" cy="764612"/>
+            <a:chOff x="6638345" y="2768770"/>
+            <a:chExt cx="1880987" cy="1418099"/>
+          </a:xfrm>
+        </p:grpSpPr>
+        <p:pic>
+          <p:nvPicPr>
+            <p:cNvPr id="67" name="Image 66"/>
+            <p:cNvPicPr>
+              <a:picLocks noChangeAspect="1"/>
+            </p:cNvPicPr>
+            <p:nvPr/>
+          </p:nvPicPr>
+          <p:blipFill>
+            <a:blip r:embed="rId2">
+              <a:extLst>
+                <a:ext uri="{28A0092B-C50C-407E-A947-70E740481C1C}">
+                  <a14:useLocalDpi xmlns:a14="http://schemas.microsoft.com/office/drawing/2010/main" val="0"/>
+                </a:ext>
+              </a:extLst>
+            </a:blip>
+            <a:stretch>
+              <a:fillRect/>
+            </a:stretch>
+          </p:blipFill>
+          <p:spPr>
+            <a:xfrm>
+              <a:off x="8127266" y="3701533"/>
+              <a:ext cx="324728" cy="441843"/>
+            </a:xfrm>
+            <a:prstGeom prst="rect">
+              <a:avLst/>
+            </a:prstGeom>
+          </p:spPr>
+        </p:pic>
+        <p:sp>
+          <p:nvSpPr>
+            <p:cNvPr id="12" name="Rectangle 11"/>
+            <p:cNvSpPr/>
+            <p:nvPr/>
+          </p:nvSpPr>
+          <p:spPr>
+            <a:xfrm>
+              <a:off x="6638345" y="2768770"/>
+              <a:ext cx="1880987" cy="1418099"/>
+            </a:xfrm>
+            <a:prstGeom prst="rect">
+              <a:avLst/>
+            </a:prstGeom>
+            <a:noFill/>
+            <a:ln w="38100">
+              <a:solidFill>
+                <a:srgbClr val="00AFCB"/>
+              </a:solidFill>
+            </a:ln>
+          </p:spPr>
+          <p:txBody>
+            <a:bodyPr rtlCol="0" anchor="ctr">
+              <a:noAutofit/>
+            </a:bodyPr>
+            <a:lstStyle/>
+            <a:p>
+              <a:pPr algn="ctr" eaLnBrk="1" hangingPunct="1">
+                <a:spcBef>
+                  <a:spcPts val="384"/>
+                </a:spcBef>
+                <a:spcAft>
+                  <a:spcPts val="0"/>
+                </a:spcAft>
+                <a:buClr>
+                  <a:srgbClr val="00A9C5"/>
+                </a:buClr>
+                <a:buSzPct val="80000"/>
+              </a:pPr>
+              <a:r>
+                <a:rPr lang="fr-FR" sz="1200" kern="0" dirty="0" err="1" smtClean="0">
+                  <a:solidFill>
+                    <a:srgbClr val="00AFCB"/>
+                  </a:solidFill>
+                  <a:latin typeface="+mj-lt"/>
+                </a:rPr>
+                <a:t>Backend</a:t>
+              </a:r>
+              <a:r>
+                <a:rPr lang="fr-FR" sz="1200" kern="0" dirty="0" smtClean="0">
+                  <a:solidFill>
+                    <a:srgbClr val="00AFCB"/>
+                  </a:solidFill>
+                  <a:latin typeface="+mj-lt"/>
+                </a:rPr>
+                <a:t> site web client</a:t>
+              </a:r>
+            </a:p>
+          </p:txBody>
+        </p:sp>
+      </p:grpSp>
+      <p:sp>
+        <p:nvSpPr>
+          <p:cNvPr id="13" name="Rectangle 12"/>
+          <p:cNvSpPr/>
+          <p:nvPr/>
+        </p:nvSpPr>
+        <p:spPr>
+          <a:xfrm>
+            <a:off x="5562349" y="2014693"/>
+            <a:ext cx="980203" cy="764612"/>
+          </a:xfrm>
+          <a:prstGeom prst="rect">
+            <a:avLst/>
+          </a:prstGeom>
+          <a:noFill/>
+          <a:ln w="38100">
+            <a:solidFill>
+              <a:srgbClr val="00AFCB"/>
+            </a:solidFill>
+          </a:ln>
+        </p:spPr>
+        <p:txBody>
+          <a:bodyPr rtlCol="0" anchor="ctr">
+            <a:noAutofit/>
+          </a:bodyPr>
+          <a:lstStyle/>
+          <a:p>
+            <a:pPr algn="ctr" eaLnBrk="1" hangingPunct="1">
+              <a:spcBef>
+                <a:spcPts val="384"/>
+              </a:spcBef>
+              <a:spcAft>
+                <a:spcPts val="0"/>
+              </a:spcAft>
+              <a:buClr>
+                <a:srgbClr val="00A9C5"/>
+              </a:buClr>
+              <a:buSzPct val="80000"/>
+            </a:pPr>
+            <a:r>
+              <a:rPr lang="fr-FR" sz="1200" kern="0" dirty="0" smtClean="0">
+                <a:solidFill>
+                  <a:srgbClr val="00AFCB"/>
+                </a:solidFill>
+                <a:latin typeface="+mj-lt"/>
+              </a:rPr>
+              <a:t>Site web client</a:t>
+            </a:r>
+          </a:p>
+        </p:txBody>
+      </p:sp>
+      <p:sp>
+        <p:nvSpPr>
+          <p:cNvPr id="16" name="Rectangle 15"/>
+          <p:cNvSpPr/>
+          <p:nvPr/>
+        </p:nvSpPr>
+        <p:spPr>
+          <a:xfrm>
+            <a:off x="6646567" y="2014693"/>
+            <a:ext cx="980203" cy="764612"/>
+          </a:xfrm>
+          <a:prstGeom prst="rect">
+            <a:avLst/>
+          </a:prstGeom>
+          <a:noFill/>
+          <a:ln w="38100">
+            <a:solidFill>
+              <a:srgbClr val="00AFCB"/>
+            </a:solidFill>
+          </a:ln>
+        </p:spPr>
+        <p:txBody>
+          <a:bodyPr rtlCol="0" anchor="ctr">
+            <a:noAutofit/>
+          </a:bodyPr>
+          <a:lstStyle/>
+          <a:p>
+            <a:pPr algn="ctr" eaLnBrk="1" hangingPunct="1">
+              <a:spcBef>
+                <a:spcPts val="384"/>
+              </a:spcBef>
+              <a:spcAft>
+                <a:spcPts val="0"/>
+              </a:spcAft>
+              <a:buClr>
+                <a:srgbClr val="00A9C5"/>
+              </a:buClr>
+              <a:buSzPct val="80000"/>
+            </a:pPr>
+            <a:r>
+              <a:rPr lang="fr-FR" sz="1200" kern="0" dirty="0" smtClean="0">
+                <a:solidFill>
+                  <a:srgbClr val="00AFCB"/>
+                </a:solidFill>
+                <a:latin typeface="+mj-lt"/>
+              </a:rPr>
+              <a:t>Appli mobile client</a:t>
+            </a:r>
+          </a:p>
+        </p:txBody>
+      </p:sp>
+      <p:sp>
+        <p:nvSpPr>
+          <p:cNvPr id="47" name="Rectangle 46"/>
+          <p:cNvSpPr/>
+          <p:nvPr/>
+        </p:nvSpPr>
+        <p:spPr>
+          <a:xfrm>
+            <a:off x="7730787" y="3048932"/>
+            <a:ext cx="980203" cy="764612"/>
+          </a:xfrm>
+          <a:prstGeom prst="rect">
+            <a:avLst/>
+          </a:prstGeom>
+          <a:noFill/>
+          <a:ln w="38100">
+            <a:solidFill>
+              <a:srgbClr val="00AFCB"/>
+            </a:solidFill>
+          </a:ln>
+        </p:spPr>
+        <p:txBody>
+          <a:bodyPr rtlCol="0" anchor="ctr">
+            <a:noAutofit/>
+          </a:bodyPr>
+          <a:lstStyle/>
+          <a:p>
+            <a:pPr lvl="0" algn="ctr" eaLnBrk="1" hangingPunct="1">
+              <a:spcBef>
+                <a:spcPts val="384"/>
+              </a:spcBef>
+              <a:spcAft>
+                <a:spcPts val="0"/>
+              </a:spcAft>
+              <a:buClr>
+                <a:srgbClr val="00A9C5"/>
+              </a:buClr>
+              <a:buSzPct val="80000"/>
+            </a:pPr>
+            <a:r>
+              <a:rPr lang="fr-FR" sz="1200" kern="0" dirty="0" err="1" smtClean="0">
+                <a:solidFill>
+                  <a:srgbClr val="00AFCB"/>
+                </a:solidFill>
+                <a:latin typeface="Arial"/>
+              </a:rPr>
+              <a:t>Backend</a:t>
+            </a:r>
+            <a:r>
+              <a:rPr lang="fr-FR" sz="1200" kern="0" dirty="0" smtClean="0">
+                <a:solidFill>
+                  <a:srgbClr val="00AFCB"/>
+                </a:solidFill>
+                <a:latin typeface="Arial"/>
+              </a:rPr>
+              <a:t> backoffice</a:t>
+            </a:r>
+            <a:endParaRPr lang="fr-FR" sz="1200" kern="0" dirty="0">
+              <a:solidFill>
+                <a:srgbClr val="00AFCB"/>
+              </a:solidFill>
+              <a:latin typeface="Arial"/>
+            </a:endParaRPr>
+          </a:p>
+        </p:txBody>
+      </p:sp>
+      <p:sp>
+        <p:nvSpPr>
+          <p:cNvPr id="92" name="Rectangle 91"/>
+          <p:cNvSpPr/>
+          <p:nvPr/>
+        </p:nvSpPr>
+        <p:spPr>
+          <a:xfrm>
+            <a:off x="7730787" y="2010126"/>
+            <a:ext cx="980203" cy="764612"/>
+          </a:xfrm>
+          <a:prstGeom prst="rect">
+            <a:avLst/>
+          </a:prstGeom>
+          <a:noFill/>
+          <a:ln w="38100">
+            <a:solidFill>
+              <a:srgbClr val="00AFCB"/>
+            </a:solidFill>
+          </a:ln>
+        </p:spPr>
+        <p:txBody>
+          <a:bodyPr rtlCol="0" anchor="ctr">
+            <a:noAutofit/>
+          </a:bodyPr>
+          <a:lstStyle/>
+          <a:p>
+            <a:pPr lvl="0" algn="ctr" eaLnBrk="1" hangingPunct="1">
+              <a:spcBef>
+                <a:spcPts val="384"/>
+              </a:spcBef>
+              <a:spcAft>
+                <a:spcPts val="0"/>
+              </a:spcAft>
+              <a:buClr>
+                <a:srgbClr val="00A9C5"/>
+              </a:buClr>
+              <a:buSzPct val="80000"/>
+            </a:pPr>
+            <a:r>
+              <a:rPr lang="fr-FR" sz="1200" kern="0" dirty="0">
+                <a:solidFill>
+                  <a:srgbClr val="00AFCB"/>
+                </a:solidFill>
+                <a:latin typeface="Arial"/>
+              </a:rPr>
+              <a:t>Écrans backoffice</a:t>
+            </a:r>
+          </a:p>
+        </p:txBody>
+      </p:sp>
+      <p:cxnSp>
+        <p:nvCxnSpPr>
+          <p:cNvPr id="93" name="Connecteur droit avec flèche 92"/>
+          <p:cNvCxnSpPr>
+            <a:stCxn id="92" idx="2"/>
+            <a:endCxn id="47" idx="0"/>
+          </p:cNvCxnSpPr>
+          <p:nvPr/>
+        </p:nvCxnSpPr>
+        <p:spPr bwMode="auto">
+          <a:xfrm>
+            <a:off x="8220889" y="2774738"/>
+            <a:ext cx="0" cy="274194"/>
+          </a:xfrm>
+          <a:prstGeom prst="straightConnector1">
+            <a:avLst/>
+          </a:prstGeom>
+          <a:solidFill>
+            <a:schemeClr val="accent1"/>
+          </a:solidFill>
+          <a:ln w="19050" cap="flat" cmpd="sng" algn="ctr">
+            <a:solidFill>
+              <a:schemeClr val="tx2"/>
+            </a:solidFill>
+            <a:prstDash val="solid"/>
+            <a:round/>
+            <a:headEnd type="none" w="med" len="med"/>
+            <a:tailEnd type="triangle" w="lg" len="lg"/>
+          </a:ln>
+          <a:effectLst/>
+        </p:spPr>
+      </p:cxnSp>
+      <p:sp>
+        <p:nvSpPr>
+          <p:cNvPr id="52" name="Rectangle 51"/>
+          <p:cNvSpPr/>
+          <p:nvPr/>
+        </p:nvSpPr>
+        <p:spPr>
+          <a:xfrm>
+            <a:off x="3393913" y="2020471"/>
+            <a:ext cx="980203" cy="764612"/>
+          </a:xfrm>
+          <a:prstGeom prst="rect">
+            <a:avLst/>
+          </a:prstGeom>
+          <a:noFill/>
+          <a:ln w="38100">
+            <a:solidFill>
+              <a:srgbClr val="00AFCB"/>
+            </a:solidFill>
+          </a:ln>
+        </p:spPr>
+        <p:txBody>
+          <a:bodyPr rtlCol="0" anchor="ctr">
+            <a:noAutofit/>
+          </a:bodyPr>
+          <a:lstStyle/>
+          <a:p>
+            <a:pPr algn="ctr" eaLnBrk="1" hangingPunct="1">
+              <a:spcBef>
+                <a:spcPts val="384"/>
+              </a:spcBef>
+              <a:spcAft>
+                <a:spcPts val="0"/>
+              </a:spcAft>
+              <a:buClr>
+                <a:srgbClr val="00A9C5"/>
+              </a:buClr>
+              <a:buSzPct val="80000"/>
+            </a:pPr>
+            <a:r>
+              <a:rPr lang="fr-FR" sz="1200" kern="0" dirty="0" smtClean="0">
+                <a:solidFill>
+                  <a:srgbClr val="00AFCB"/>
+                </a:solidFill>
+                <a:latin typeface="+mj-lt"/>
+              </a:rPr>
+              <a:t>Partenaire 1</a:t>
+            </a:r>
+          </a:p>
+        </p:txBody>
+      </p:sp>
+      <p:sp>
+        <p:nvSpPr>
+          <p:cNvPr id="53" name="Rectangle 52"/>
+          <p:cNvSpPr/>
+          <p:nvPr/>
+        </p:nvSpPr>
+        <p:spPr>
+          <a:xfrm>
+            <a:off x="4478131" y="2014693"/>
+            <a:ext cx="980203" cy="764612"/>
+          </a:xfrm>
+          <a:prstGeom prst="rect">
+            <a:avLst/>
+          </a:prstGeom>
+          <a:noFill/>
+          <a:ln w="38100">
+            <a:solidFill>
+              <a:srgbClr val="00AFCB"/>
+            </a:solidFill>
+          </a:ln>
+        </p:spPr>
+        <p:txBody>
+          <a:bodyPr rtlCol="0" anchor="ctr">
+            <a:noAutofit/>
+          </a:bodyPr>
+          <a:lstStyle/>
+          <a:p>
+            <a:pPr algn="ctr" eaLnBrk="1" hangingPunct="1">
+              <a:spcBef>
+                <a:spcPts val="384"/>
+              </a:spcBef>
+              <a:spcAft>
+                <a:spcPts val="0"/>
+              </a:spcAft>
+              <a:buClr>
+                <a:srgbClr val="00A9C5"/>
+              </a:buClr>
+              <a:buSzPct val="80000"/>
+            </a:pPr>
+            <a:r>
+              <a:rPr lang="fr-FR" sz="1200" kern="0" dirty="0">
+                <a:solidFill>
+                  <a:srgbClr val="00AFCB"/>
+                </a:solidFill>
+                <a:latin typeface="+mj-lt"/>
+              </a:rPr>
+              <a:t>Partenaire </a:t>
+            </a:r>
+            <a:r>
+              <a:rPr lang="fr-FR" sz="1200" kern="0" dirty="0" smtClean="0">
+                <a:solidFill>
+                  <a:srgbClr val="00AFCB"/>
+                </a:solidFill>
+                <a:latin typeface="+mj-lt"/>
+              </a:rPr>
+              <a:t>2</a:t>
+            </a:r>
+            <a:endParaRPr lang="fr-FR" sz="1200" kern="0" dirty="0">
+              <a:solidFill>
+                <a:srgbClr val="00AFCB"/>
+              </a:solidFill>
+              <a:latin typeface="+mj-lt"/>
+            </a:endParaRPr>
+          </a:p>
+        </p:txBody>
+      </p:sp>
+      <p:cxnSp>
+        <p:nvCxnSpPr>
+          <p:cNvPr id="59" name="Connecteur droit avec flèche 58"/>
+          <p:cNvCxnSpPr>
+            <a:stCxn id="53" idx="2"/>
+            <a:endCxn id="40" idx="0"/>
+          </p:cNvCxnSpPr>
+          <p:nvPr/>
+        </p:nvCxnSpPr>
+        <p:spPr bwMode="auto">
+          <a:xfrm flipH="1">
+            <a:off x="3884015" y="2779305"/>
+            <a:ext cx="1084218" cy="269627"/>
+          </a:xfrm>
+          <a:prstGeom prst="straightConnector1">
+            <a:avLst/>
+          </a:prstGeom>
+          <a:solidFill>
+            <a:schemeClr val="accent1"/>
+          </a:solidFill>
+          <a:ln w="19050" cap="flat" cmpd="sng" algn="ctr">
+            <a:solidFill>
+              <a:schemeClr val="tx2"/>
+            </a:solidFill>
+            <a:prstDash val="solid"/>
+            <a:round/>
+            <a:headEnd type="triangle" w="lg" len="lg"/>
+            <a:tailEnd type="triangle" w="lg" len="lg"/>
+          </a:ln>
+          <a:effectLst/>
+        </p:spPr>
+      </p:cxnSp>
+      <p:sp>
+        <p:nvSpPr>
+          <p:cNvPr id="24" name="Rectangle 23"/>
+          <p:cNvSpPr/>
+          <p:nvPr/>
+        </p:nvSpPr>
+        <p:spPr>
+          <a:xfrm>
+            <a:off x="4654879" y="3175818"/>
+            <a:ext cx="1710925" cy="1762171"/>
+          </a:xfrm>
+          <a:prstGeom prst="rect">
+            <a:avLst/>
+          </a:prstGeom>
+          <a:noFill/>
+          <a:ln w="38100">
+            <a:solidFill>
+              <a:srgbClr val="00AFCB"/>
+            </a:solidFill>
+          </a:ln>
+        </p:spPr>
+        <p:txBody>
+          <a:bodyPr rtlCol="0" anchor="ctr">
+            <a:noAutofit/>
+          </a:bodyPr>
+          <a:lstStyle/>
+          <a:p>
+            <a:pPr algn="ctr" eaLnBrk="1" hangingPunct="1">
+              <a:spcBef>
+                <a:spcPts val="384"/>
+              </a:spcBef>
+              <a:spcAft>
+                <a:spcPts val="0"/>
+              </a:spcAft>
+              <a:buClr>
+                <a:srgbClr val="00A9C5"/>
+              </a:buClr>
+              <a:buSzPct val="80000"/>
+            </a:pPr>
+            <a:r>
+              <a:rPr lang="fr-FR" sz="1200" kern="0" dirty="0" smtClean="0">
+                <a:solidFill>
+                  <a:srgbClr val="00AFCB"/>
+                </a:solidFill>
+                <a:latin typeface="+mj-lt"/>
+              </a:rPr>
+              <a:t>Couche omnicanal</a:t>
+            </a:r>
+            <a:endParaRPr lang="fr-FR" sz="1200" kern="0" dirty="0" smtClean="0">
+              <a:solidFill>
+                <a:srgbClr val="00AFCB"/>
+              </a:solidFill>
+              <a:latin typeface="+mj-lt"/>
+            </a:endParaRPr>
+          </a:p>
+          <a:p>
+            <a:pPr algn="ctr" eaLnBrk="1" hangingPunct="1">
+              <a:spcBef>
+                <a:spcPts val="384"/>
+              </a:spcBef>
+              <a:spcAft>
+                <a:spcPts val="0"/>
+              </a:spcAft>
+              <a:buClr>
+                <a:srgbClr val="00A9C5"/>
+              </a:buClr>
+              <a:buSzPct val="80000"/>
+            </a:pPr>
+            <a:endParaRPr lang="fr-FR" sz="1200" kern="0" dirty="0" smtClean="0">
+              <a:solidFill>
+                <a:srgbClr val="00AFCB"/>
+              </a:solidFill>
+              <a:latin typeface="+mj-lt"/>
+            </a:endParaRPr>
+          </a:p>
+        </p:txBody>
+      </p:sp>
+      <p:cxnSp>
+        <p:nvCxnSpPr>
+          <p:cNvPr id="26" name="Connecteur droit avec flèche 25"/>
+          <p:cNvCxnSpPr>
+            <a:stCxn id="40" idx="3"/>
+            <a:endCxn id="24" idx="1"/>
+          </p:cNvCxnSpPr>
+          <p:nvPr/>
+        </p:nvCxnSpPr>
+        <p:spPr bwMode="auto">
+          <a:xfrm>
+            <a:off x="4374116" y="3431238"/>
+            <a:ext cx="280763" cy="625666"/>
+          </a:xfrm>
+          <a:prstGeom prst="straightConnector1">
+            <a:avLst/>
+          </a:prstGeom>
+          <a:solidFill>
+            <a:schemeClr val="accent1"/>
+          </a:solidFill>
+          <a:ln w="19050" cap="flat" cmpd="sng" algn="ctr">
+            <a:solidFill>
+              <a:schemeClr val="tx2"/>
+            </a:solidFill>
+            <a:prstDash val="solid"/>
+            <a:round/>
+            <a:headEnd type="none" w="med" len="med"/>
+            <a:tailEnd type="triangle" w="lg" len="lg"/>
+          </a:ln>
+          <a:effectLst/>
+        </p:spPr>
+      </p:cxnSp>
+      <p:cxnSp>
+        <p:nvCxnSpPr>
+          <p:cNvPr id="29" name="Connecteur droit avec flèche 28"/>
+          <p:cNvCxnSpPr>
+            <a:stCxn id="24" idx="2"/>
+            <a:endCxn id="5" idx="0"/>
+          </p:cNvCxnSpPr>
+          <p:nvPr/>
+        </p:nvCxnSpPr>
+        <p:spPr bwMode="auto">
+          <a:xfrm>
+            <a:off x="5510342" y="4937989"/>
+            <a:ext cx="0" cy="259966"/>
+          </a:xfrm>
+          <a:prstGeom prst="straightConnector1">
+            <a:avLst/>
+          </a:prstGeom>
+          <a:solidFill>
+            <a:schemeClr val="accent1"/>
+          </a:solidFill>
+          <a:ln w="19050" cap="flat" cmpd="sng" algn="ctr">
+            <a:solidFill>
+              <a:schemeClr val="tx2"/>
+            </a:solidFill>
+            <a:prstDash val="solid"/>
+            <a:round/>
+            <a:headEnd type="none" w="med" len="med"/>
+            <a:tailEnd type="triangle" w="lg" len="lg"/>
+          </a:ln>
+          <a:effectLst/>
+        </p:spPr>
+      </p:cxnSp>
+      <p:cxnSp>
+        <p:nvCxnSpPr>
+          <p:cNvPr id="32" name="Connecteur droit avec flèche 31"/>
+          <p:cNvCxnSpPr>
+            <a:stCxn id="12" idx="1"/>
+            <a:endCxn id="24" idx="3"/>
+          </p:cNvCxnSpPr>
+          <p:nvPr/>
+        </p:nvCxnSpPr>
+        <p:spPr bwMode="auto">
+          <a:xfrm flipH="1">
+            <a:off x="6365804" y="3431238"/>
+            <a:ext cx="280763" cy="625666"/>
+          </a:xfrm>
+          <a:prstGeom prst="straightConnector1">
+            <a:avLst/>
+          </a:prstGeom>
+          <a:solidFill>
+            <a:schemeClr val="accent1"/>
+          </a:solidFill>
+          <a:ln w="19050" cap="flat" cmpd="sng" algn="ctr">
+            <a:solidFill>
+              <a:schemeClr val="tx2"/>
+            </a:solidFill>
+            <a:prstDash val="solid"/>
+            <a:round/>
+            <a:headEnd type="none" w="med" len="med"/>
+            <a:tailEnd type="triangle" w="lg" len="lg"/>
+          </a:ln>
+          <a:effectLst/>
+        </p:spPr>
+      </p:cxnSp>
+      <p:pic>
+        <p:nvPicPr>
+          <p:cNvPr id="54" name="Image 53"/>
+          <p:cNvPicPr>
+            <a:picLocks noChangeAspect="1"/>
+          </p:cNvPicPr>
+          <p:nvPr/>
+        </p:nvPicPr>
+        <p:blipFill>
+          <a:blip r:embed="rId2">
+            <a:extLst>
+              <a:ext uri="{28A0092B-C50C-407E-A947-70E740481C1C}">
+                <a14:useLocalDpi xmlns:a14="http://schemas.microsoft.com/office/drawing/2010/main" val="0"/>
+              </a:ext>
+            </a:extLst>
+          </a:blip>
+          <a:stretch>
+            <a:fillRect/>
+          </a:stretch>
+        </p:blipFill>
+        <p:spPr>
+          <a:xfrm>
+            <a:off x="7426095" y="2501280"/>
+            <a:ext cx="169219" cy="238233"/>
+          </a:xfrm>
+          <a:prstGeom prst="rect">
+            <a:avLst/>
+          </a:prstGeom>
+        </p:spPr>
+      </p:pic>
+      <p:pic>
+        <p:nvPicPr>
+          <p:cNvPr id="43" name="Image 42"/>
+          <p:cNvPicPr>
+            <a:picLocks noChangeAspect="1"/>
+          </p:cNvPicPr>
+          <p:nvPr/>
+        </p:nvPicPr>
+        <p:blipFill>
+          <a:blip r:embed="rId2">
+            <a:extLst>
+              <a:ext uri="{28A0092B-C50C-407E-A947-70E740481C1C}">
+                <a14:useLocalDpi xmlns:a14="http://schemas.microsoft.com/office/drawing/2010/main" val="0"/>
+              </a:ext>
+            </a:extLst>
+          </a:blip>
+          <a:stretch>
+            <a:fillRect/>
+          </a:stretch>
+        </p:blipFill>
+        <p:spPr>
+          <a:xfrm>
+            <a:off x="5913337" y="4375592"/>
+            <a:ext cx="365327" cy="500932"/>
+          </a:xfrm>
+          <a:prstGeom prst="rect">
+            <a:avLst/>
+          </a:prstGeom>
+        </p:spPr>
+      </p:pic>
+    </p:spTree>
+    <p:extLst>
+      <p:ext uri="{BB962C8B-B14F-4D97-AF65-F5344CB8AC3E}">
+        <p14:creationId xmlns:p14="http://schemas.microsoft.com/office/powerpoint/2010/main" val="1124229106"/>
       </p:ext>
     </p:extLst>
   </p:cSld>
@@ -37226,52 +43012,6 @@
       </p:pic>
       <p:sp>
         <p:nvSpPr>
-          <p:cNvPr id="58" name="Rectangle 57"/>
-          <p:cNvSpPr/>
-          <p:nvPr/>
-        </p:nvSpPr>
-        <p:spPr>
-          <a:xfrm>
-            <a:off x="8481490" y="4794307"/>
-            <a:ext cx="1880987" cy="579179"/>
-          </a:xfrm>
-          <a:prstGeom prst="rect">
-            <a:avLst/>
-          </a:prstGeom>
-          <a:noFill/>
-          <a:ln w="38100">
-            <a:noFill/>
-          </a:ln>
-        </p:spPr>
-        <p:txBody>
-          <a:bodyPr rtlCol="0" anchor="ctr">
-            <a:noAutofit/>
-          </a:bodyPr>
-          <a:lstStyle/>
-          <a:p>
-            <a:pPr algn="ctr" eaLnBrk="1" hangingPunct="1">
-              <a:spcBef>
-                <a:spcPts val="384"/>
-              </a:spcBef>
-              <a:spcAft>
-                <a:spcPts val="0"/>
-              </a:spcAft>
-              <a:buClr>
-                <a:srgbClr val="00A9C5"/>
-              </a:buClr>
-              <a:buSzPct val="80000"/>
-            </a:pPr>
-            <a:endParaRPr lang="fr-FR" sz="1800" kern="0" dirty="0" smtClean="0">
-              <a:solidFill>
-                <a:srgbClr val="00AFCB"/>
-              </a:solidFill>
-              <a:latin typeface="+mj-lt"/>
-            </a:endParaRPr>
-          </a:p>
-        </p:txBody>
-      </p:sp>
-      <p:sp>
-        <p:nvSpPr>
           <p:cNvPr id="12" name="Rectangle 11"/>
           <p:cNvSpPr/>
           <p:nvPr/>
@@ -38188,52 +43928,6 @@
           </a:prstGeom>
         </p:spPr>
       </p:pic>
-      <p:sp>
-        <p:nvSpPr>
-          <p:cNvPr id="58" name="Rectangle 57"/>
-          <p:cNvSpPr/>
-          <p:nvPr/>
-        </p:nvSpPr>
-        <p:spPr>
-          <a:xfrm>
-            <a:off x="8481490" y="4794307"/>
-            <a:ext cx="1880987" cy="579179"/>
-          </a:xfrm>
-          <a:prstGeom prst="rect">
-            <a:avLst/>
-          </a:prstGeom>
-          <a:noFill/>
-          <a:ln w="38100">
-            <a:noFill/>
-          </a:ln>
-        </p:spPr>
-        <p:txBody>
-          <a:bodyPr rtlCol="0" anchor="ctr">
-            <a:noAutofit/>
-          </a:bodyPr>
-          <a:lstStyle/>
-          <a:p>
-            <a:pPr algn="ctr" eaLnBrk="1" hangingPunct="1">
-              <a:spcBef>
-                <a:spcPts val="384"/>
-              </a:spcBef>
-              <a:spcAft>
-                <a:spcPts val="0"/>
-              </a:spcAft>
-              <a:buClr>
-                <a:srgbClr val="00A9C5"/>
-              </a:buClr>
-              <a:buSzPct val="80000"/>
-            </a:pPr>
-            <a:endParaRPr lang="fr-FR" sz="1800" kern="0" dirty="0" smtClean="0">
-              <a:solidFill>
-                <a:srgbClr val="00AFCB"/>
-              </a:solidFill>
-              <a:latin typeface="+mj-lt"/>
-            </a:endParaRPr>
-          </a:p>
-        </p:txBody>
-      </p:sp>
       <p:grpSp>
         <p:nvGrpSpPr>
           <p:cNvPr id="14" name="Grouper 13"/>

--- a/wip/omnicanal/slides.pptx
+++ b/wip/omnicanal/slides.pptx
@@ -548,7 +548,7 @@
             <a:fld id="{9174CE4A-3945-476E-9F9F-D25A0475318F}" type="datetimeFigureOut">
               <a:rPr lang="fr-FR" smtClean="0"/>
               <a:pPr/>
-              <a:t>24/06/2018</a:t>
+              <a:t>26/07/2018</a:t>
             </a:fld>
             <a:endParaRPr lang="fr-FR"/>
           </a:p>
@@ -1161,7 +1161,7 @@
           <p:cNvPr id="65" name="Rectangle 64">
             <a:extLst>
               <a:ext uri="{FF2B5EF4-FFF2-40B4-BE49-F238E27FC236}">
-                <a16:creationId xmlns="" xmlns:a16="http://schemas.microsoft.com/office/drawing/2014/main" id="{DAC2BD3D-F30D-4E09-AF38-DD12CCE211D7}"/>
+                <a16:creationId xmlns:a16="http://schemas.microsoft.com/office/drawing/2014/main" xmlns="" id="{DAC2BD3D-F30D-4E09-AF38-DD12CCE211D7}"/>
               </a:ext>
             </a:extLst>
           </p:cNvPr>
@@ -1227,7 +1227,7 @@
           <p:cNvPr id="2" name="Groupe 1">
             <a:extLst>
               <a:ext uri="{FF2B5EF4-FFF2-40B4-BE49-F238E27FC236}">
-                <a16:creationId xmlns="" xmlns:a16="http://schemas.microsoft.com/office/drawing/2014/main" id="{678F2DEF-A191-4732-B94A-D825BF029577}"/>
+                <a16:creationId xmlns:a16="http://schemas.microsoft.com/office/drawing/2014/main" xmlns="" id="{678F2DEF-A191-4732-B94A-D825BF029577}"/>
               </a:ext>
             </a:extLst>
           </p:cNvPr>
@@ -1247,7 +1247,7 @@
             <p:cNvPr id="67" name="Freeform 16">
               <a:extLst>
                 <a:ext uri="{FF2B5EF4-FFF2-40B4-BE49-F238E27FC236}">
-                  <a16:creationId xmlns="" xmlns:a16="http://schemas.microsoft.com/office/drawing/2014/main" id="{9065C895-ABC2-4BA1-9E70-522ECB4550DF}"/>
+                  <a16:creationId xmlns:a16="http://schemas.microsoft.com/office/drawing/2014/main" xmlns="" id="{9065C895-ABC2-4BA1-9E70-522ECB4550DF}"/>
                 </a:ext>
               </a:extLst>
             </p:cNvPr>
@@ -1380,7 +1380,7 @@
             </a:ln>
             <a:extLst>
               <a:ext uri="{91240B29-F687-4f45-9708-019B960494DF}">
-                <a14:hiddenLine xmlns:a14="http://schemas.microsoft.com/office/drawing/2010/main" xmlns="" w="9525">
+                <a14:hiddenLine xmlns="" xmlns:a14="http://schemas.microsoft.com/office/drawing/2010/main" w="9525">
                   <a:solidFill>
                     <a:srgbClr val="000000"/>
                   </a:solidFill>
@@ -1408,7 +1408,7 @@
             <p:cNvPr id="68" name="Freeform 17">
               <a:extLst>
                 <a:ext uri="{FF2B5EF4-FFF2-40B4-BE49-F238E27FC236}">
-                  <a16:creationId xmlns="" xmlns:a16="http://schemas.microsoft.com/office/drawing/2014/main" id="{CB0CBD82-F1C1-4C7E-8E64-786AEECF65D9}"/>
+                  <a16:creationId xmlns:a16="http://schemas.microsoft.com/office/drawing/2014/main" xmlns="" id="{CB0CBD82-F1C1-4C7E-8E64-786AEECF65D9}"/>
                 </a:ext>
               </a:extLst>
             </p:cNvPr>
@@ -1541,7 +1541,7 @@
             </a:ln>
             <a:extLst>
               <a:ext uri="{91240B29-F687-4f45-9708-019B960494DF}">
-                <a14:hiddenLine xmlns:a14="http://schemas.microsoft.com/office/drawing/2010/main" xmlns="" w="9525">
+                <a14:hiddenLine xmlns="" xmlns:a14="http://schemas.microsoft.com/office/drawing/2010/main" w="9525">
                   <a:solidFill>
                     <a:srgbClr val="000000"/>
                   </a:solidFill>
@@ -1569,7 +1569,7 @@
             <p:cNvPr id="69" name="Oval 18">
               <a:extLst>
                 <a:ext uri="{FF2B5EF4-FFF2-40B4-BE49-F238E27FC236}">
-                  <a16:creationId xmlns="" xmlns:a16="http://schemas.microsoft.com/office/drawing/2014/main" id="{A054D83A-47E5-4AD9-A149-0D88C16A7199}"/>
+                  <a16:creationId xmlns:a16="http://schemas.microsoft.com/office/drawing/2014/main" xmlns="" id="{A054D83A-47E5-4AD9-A149-0D88C16A7199}"/>
                 </a:ext>
               </a:extLst>
             </p:cNvPr>
@@ -1594,7 +1594,7 @@
             </a:ln>
             <a:extLst>
               <a:ext uri="{91240B29-F687-4f45-9708-019B960494DF}">
-                <a14:hiddenLine xmlns:a14="http://schemas.microsoft.com/office/drawing/2010/main" xmlns="" w="9525">
+                <a14:hiddenLine xmlns="" xmlns:a14="http://schemas.microsoft.com/office/drawing/2010/main" w="9525">
                   <a:solidFill>
                     <a:srgbClr val="000000"/>
                   </a:solidFill>
@@ -1622,7 +1622,7 @@
             <p:cNvPr id="70" name="Oval 19">
               <a:extLst>
                 <a:ext uri="{FF2B5EF4-FFF2-40B4-BE49-F238E27FC236}">
-                  <a16:creationId xmlns="" xmlns:a16="http://schemas.microsoft.com/office/drawing/2014/main" id="{BAAD1406-02A7-4C5F-A621-CF29B4125392}"/>
+                  <a16:creationId xmlns:a16="http://schemas.microsoft.com/office/drawing/2014/main" xmlns="" id="{BAAD1406-02A7-4C5F-A621-CF29B4125392}"/>
                 </a:ext>
               </a:extLst>
             </p:cNvPr>
@@ -1647,7 +1647,7 @@
             </a:ln>
             <a:extLst>
               <a:ext uri="{91240B29-F687-4f45-9708-019B960494DF}">
-                <a14:hiddenLine xmlns:a14="http://schemas.microsoft.com/office/drawing/2010/main" xmlns="" w="9525">
+                <a14:hiddenLine xmlns="" xmlns:a14="http://schemas.microsoft.com/office/drawing/2010/main" w="9525">
                   <a:solidFill>
                     <a:srgbClr val="000000"/>
                   </a:solidFill>
@@ -1675,7 +1675,7 @@
             <p:cNvPr id="71" name="Oval 20">
               <a:extLst>
                 <a:ext uri="{FF2B5EF4-FFF2-40B4-BE49-F238E27FC236}">
-                  <a16:creationId xmlns="" xmlns:a16="http://schemas.microsoft.com/office/drawing/2014/main" id="{F1385403-400C-4533-8412-FD1BEF733491}"/>
+                  <a16:creationId xmlns:a16="http://schemas.microsoft.com/office/drawing/2014/main" xmlns="" id="{F1385403-400C-4533-8412-FD1BEF733491}"/>
                 </a:ext>
               </a:extLst>
             </p:cNvPr>
@@ -1700,7 +1700,7 @@
             </a:ln>
             <a:extLst>
               <a:ext uri="{91240B29-F687-4f45-9708-019B960494DF}">
-                <a14:hiddenLine xmlns:a14="http://schemas.microsoft.com/office/drawing/2010/main" xmlns="" w="9525">
+                <a14:hiddenLine xmlns="" xmlns:a14="http://schemas.microsoft.com/office/drawing/2010/main" w="9525">
                   <a:solidFill>
                     <a:srgbClr val="000000"/>
                   </a:solidFill>
@@ -1728,7 +1728,7 @@
             <p:cNvPr id="72" name="Freeform 21">
               <a:extLst>
                 <a:ext uri="{FF2B5EF4-FFF2-40B4-BE49-F238E27FC236}">
-                  <a16:creationId xmlns="" xmlns:a16="http://schemas.microsoft.com/office/drawing/2014/main" id="{CBD796B4-7594-4BBD-B9F8-7126C8FA0DA0}"/>
+                  <a16:creationId xmlns:a16="http://schemas.microsoft.com/office/drawing/2014/main" xmlns="" id="{CBD796B4-7594-4BBD-B9F8-7126C8FA0DA0}"/>
                 </a:ext>
               </a:extLst>
             </p:cNvPr>
@@ -1861,7 +1861,7 @@
             </a:ln>
             <a:extLst>
               <a:ext uri="{91240B29-F687-4f45-9708-019B960494DF}">
-                <a14:hiddenLine xmlns:a14="http://schemas.microsoft.com/office/drawing/2010/main" xmlns="" w="9525">
+                <a14:hiddenLine xmlns="" xmlns:a14="http://schemas.microsoft.com/office/drawing/2010/main" w="9525">
                   <a:solidFill>
                     <a:srgbClr val="000000"/>
                   </a:solidFill>
@@ -1889,7 +1889,7 @@
             <p:cNvPr id="73" name="Freeform 22">
               <a:extLst>
                 <a:ext uri="{FF2B5EF4-FFF2-40B4-BE49-F238E27FC236}">
-                  <a16:creationId xmlns="" xmlns:a16="http://schemas.microsoft.com/office/drawing/2014/main" id="{C6469E4C-BA3D-44DA-AF94-2A9931BAD2E9}"/>
+                  <a16:creationId xmlns:a16="http://schemas.microsoft.com/office/drawing/2014/main" xmlns="" id="{C6469E4C-BA3D-44DA-AF94-2A9931BAD2E9}"/>
                 </a:ext>
               </a:extLst>
             </p:cNvPr>
@@ -1989,7 +1989,7 @@
             </a:ln>
             <a:extLst>
               <a:ext uri="{91240B29-F687-4f45-9708-019B960494DF}">
-                <a14:hiddenLine xmlns:a14="http://schemas.microsoft.com/office/drawing/2010/main" xmlns="" w="9525">
+                <a14:hiddenLine xmlns="" xmlns:a14="http://schemas.microsoft.com/office/drawing/2010/main" w="9525">
                   <a:solidFill>
                     <a:srgbClr val="000000"/>
                   </a:solidFill>
@@ -2017,7 +2017,7 @@
             <p:cNvPr id="74" name="Freeform 23">
               <a:extLst>
                 <a:ext uri="{FF2B5EF4-FFF2-40B4-BE49-F238E27FC236}">
-                  <a16:creationId xmlns="" xmlns:a16="http://schemas.microsoft.com/office/drawing/2014/main" id="{9006A303-9DC0-4635-8622-87758450354F}"/>
+                  <a16:creationId xmlns:a16="http://schemas.microsoft.com/office/drawing/2014/main" xmlns="" id="{9006A303-9DC0-4635-8622-87758450354F}"/>
                 </a:ext>
               </a:extLst>
             </p:cNvPr>
@@ -2157,7 +2157,7 @@
             </a:ln>
             <a:extLst>
               <a:ext uri="{91240B29-F687-4f45-9708-019B960494DF}">
-                <a14:hiddenLine xmlns:a14="http://schemas.microsoft.com/office/drawing/2010/main" xmlns="" w="9525">
+                <a14:hiddenLine xmlns="" xmlns:a14="http://schemas.microsoft.com/office/drawing/2010/main" w="9525">
                   <a:solidFill>
                     <a:srgbClr val="000000"/>
                   </a:solidFill>
@@ -2185,7 +2185,7 @@
             <p:cNvPr id="75" name="Freeform 24">
               <a:extLst>
                 <a:ext uri="{FF2B5EF4-FFF2-40B4-BE49-F238E27FC236}">
-                  <a16:creationId xmlns="" xmlns:a16="http://schemas.microsoft.com/office/drawing/2014/main" id="{6D80CC9A-0DB2-47E8-9104-F25E3DC9A198}"/>
+                  <a16:creationId xmlns:a16="http://schemas.microsoft.com/office/drawing/2014/main" xmlns="" id="{6D80CC9A-0DB2-47E8-9104-F25E3DC9A198}"/>
                 </a:ext>
               </a:extLst>
             </p:cNvPr>
@@ -2318,7 +2318,7 @@
             </a:ln>
             <a:extLst>
               <a:ext uri="{91240B29-F687-4f45-9708-019B960494DF}">
-                <a14:hiddenLine xmlns:a14="http://schemas.microsoft.com/office/drawing/2010/main" xmlns="" w="9525">
+                <a14:hiddenLine xmlns="" xmlns:a14="http://schemas.microsoft.com/office/drawing/2010/main" w="9525">
                   <a:solidFill>
                     <a:srgbClr val="000000"/>
                   </a:solidFill>
@@ -2346,7 +2346,7 @@
             <p:cNvPr id="76" name="Freeform 25">
               <a:extLst>
                 <a:ext uri="{FF2B5EF4-FFF2-40B4-BE49-F238E27FC236}">
-                  <a16:creationId xmlns="" xmlns:a16="http://schemas.microsoft.com/office/drawing/2014/main" id="{3BC3D495-807A-42D6-A934-D48D9D15CD5C}"/>
+                  <a16:creationId xmlns:a16="http://schemas.microsoft.com/office/drawing/2014/main" xmlns="" id="{3BC3D495-807A-42D6-A934-D48D9D15CD5C}"/>
                 </a:ext>
               </a:extLst>
             </p:cNvPr>
@@ -2479,7 +2479,7 @@
             </a:ln>
             <a:extLst>
               <a:ext uri="{91240B29-F687-4f45-9708-019B960494DF}">
-                <a14:hiddenLine xmlns:a14="http://schemas.microsoft.com/office/drawing/2010/main" xmlns="" w="9525">
+                <a14:hiddenLine xmlns="" xmlns:a14="http://schemas.microsoft.com/office/drawing/2010/main" w="9525">
                   <a:solidFill>
                     <a:srgbClr val="000000"/>
                   </a:solidFill>
@@ -2507,7 +2507,7 @@
             <p:cNvPr id="77" name="Oval 26">
               <a:extLst>
                 <a:ext uri="{FF2B5EF4-FFF2-40B4-BE49-F238E27FC236}">
-                  <a16:creationId xmlns="" xmlns:a16="http://schemas.microsoft.com/office/drawing/2014/main" id="{F192088B-3ACB-4E40-AE13-B3F6FE6077B3}"/>
+                  <a16:creationId xmlns:a16="http://schemas.microsoft.com/office/drawing/2014/main" xmlns="" id="{F192088B-3ACB-4E40-AE13-B3F6FE6077B3}"/>
                 </a:ext>
               </a:extLst>
             </p:cNvPr>
@@ -2532,7 +2532,7 @@
             </a:ln>
             <a:extLst>
               <a:ext uri="{91240B29-F687-4f45-9708-019B960494DF}">
-                <a14:hiddenLine xmlns:a14="http://schemas.microsoft.com/office/drawing/2010/main" xmlns="" w="9525">
+                <a14:hiddenLine xmlns="" xmlns:a14="http://schemas.microsoft.com/office/drawing/2010/main" w="9525">
                   <a:solidFill>
                     <a:srgbClr val="000000"/>
                   </a:solidFill>
@@ -2560,7 +2560,7 @@
             <p:cNvPr id="78" name="Oval 27">
               <a:extLst>
                 <a:ext uri="{FF2B5EF4-FFF2-40B4-BE49-F238E27FC236}">
-                  <a16:creationId xmlns="" xmlns:a16="http://schemas.microsoft.com/office/drawing/2014/main" id="{9CB526D3-D1E0-4A63-B591-2C5949945403}"/>
+                  <a16:creationId xmlns:a16="http://schemas.microsoft.com/office/drawing/2014/main" xmlns="" id="{9CB526D3-D1E0-4A63-B591-2C5949945403}"/>
                 </a:ext>
               </a:extLst>
             </p:cNvPr>
@@ -2585,7 +2585,7 @@
             </a:ln>
             <a:extLst>
               <a:ext uri="{91240B29-F687-4f45-9708-019B960494DF}">
-                <a14:hiddenLine xmlns:a14="http://schemas.microsoft.com/office/drawing/2010/main" xmlns="" w="9525">
+                <a14:hiddenLine xmlns="" xmlns:a14="http://schemas.microsoft.com/office/drawing/2010/main" w="9525">
                   <a:solidFill>
                     <a:srgbClr val="000000"/>
                   </a:solidFill>
@@ -2613,7 +2613,7 @@
             <p:cNvPr id="79" name="Oval 28">
               <a:extLst>
                 <a:ext uri="{FF2B5EF4-FFF2-40B4-BE49-F238E27FC236}">
-                  <a16:creationId xmlns="" xmlns:a16="http://schemas.microsoft.com/office/drawing/2014/main" id="{BF9FE296-C1E3-46DC-A754-8C4DE7B16992}"/>
+                  <a16:creationId xmlns:a16="http://schemas.microsoft.com/office/drawing/2014/main" xmlns="" id="{BF9FE296-C1E3-46DC-A754-8C4DE7B16992}"/>
                 </a:ext>
               </a:extLst>
             </p:cNvPr>
@@ -2638,7 +2638,7 @@
             </a:ln>
             <a:extLst>
               <a:ext uri="{91240B29-F687-4f45-9708-019B960494DF}">
-                <a14:hiddenLine xmlns:a14="http://schemas.microsoft.com/office/drawing/2010/main" xmlns="" w="9525">
+                <a14:hiddenLine xmlns="" xmlns:a14="http://schemas.microsoft.com/office/drawing/2010/main" w="9525">
                   <a:solidFill>
                     <a:srgbClr val="000000"/>
                   </a:solidFill>
@@ -2666,7 +2666,7 @@
             <p:cNvPr id="80" name="Freeform 29">
               <a:extLst>
                 <a:ext uri="{FF2B5EF4-FFF2-40B4-BE49-F238E27FC236}">
-                  <a16:creationId xmlns="" xmlns:a16="http://schemas.microsoft.com/office/drawing/2014/main" id="{454FA7F3-3934-43E7-ACFB-6238D9E36B95}"/>
+                  <a16:creationId xmlns:a16="http://schemas.microsoft.com/office/drawing/2014/main" xmlns="" id="{454FA7F3-3934-43E7-ACFB-6238D9E36B95}"/>
                 </a:ext>
               </a:extLst>
             </p:cNvPr>
@@ -2799,7 +2799,7 @@
             </a:ln>
             <a:extLst>
               <a:ext uri="{91240B29-F687-4f45-9708-019B960494DF}">
-                <a14:hiddenLine xmlns:a14="http://schemas.microsoft.com/office/drawing/2010/main" xmlns="" w="9525">
+                <a14:hiddenLine xmlns="" xmlns:a14="http://schemas.microsoft.com/office/drawing/2010/main" w="9525">
                   <a:solidFill>
                     <a:srgbClr val="000000"/>
                   </a:solidFill>
@@ -2827,7 +2827,7 @@
             <p:cNvPr id="81" name="Freeform 30">
               <a:extLst>
                 <a:ext uri="{FF2B5EF4-FFF2-40B4-BE49-F238E27FC236}">
-                  <a16:creationId xmlns="" xmlns:a16="http://schemas.microsoft.com/office/drawing/2014/main" id="{F47E77E9-0D0B-42C1-A8B8-C94B63CC5114}"/>
+                  <a16:creationId xmlns:a16="http://schemas.microsoft.com/office/drawing/2014/main" xmlns="" id="{F47E77E9-0D0B-42C1-A8B8-C94B63CC5114}"/>
                 </a:ext>
               </a:extLst>
             </p:cNvPr>
@@ -2927,7 +2927,7 @@
             </a:ln>
             <a:extLst>
               <a:ext uri="{91240B29-F687-4f45-9708-019B960494DF}">
-                <a14:hiddenLine xmlns:a14="http://schemas.microsoft.com/office/drawing/2010/main" xmlns="" w="9525">
+                <a14:hiddenLine xmlns="" xmlns:a14="http://schemas.microsoft.com/office/drawing/2010/main" w="9525">
                   <a:solidFill>
                     <a:srgbClr val="000000"/>
                   </a:solidFill>
@@ -2955,7 +2955,7 @@
             <p:cNvPr id="82" name="Freeform 31">
               <a:extLst>
                 <a:ext uri="{FF2B5EF4-FFF2-40B4-BE49-F238E27FC236}">
-                  <a16:creationId xmlns="" xmlns:a16="http://schemas.microsoft.com/office/drawing/2014/main" id="{1455675C-67D6-423B-9228-16BEA8E811B6}"/>
+                  <a16:creationId xmlns:a16="http://schemas.microsoft.com/office/drawing/2014/main" xmlns="" id="{1455675C-67D6-423B-9228-16BEA8E811B6}"/>
                 </a:ext>
               </a:extLst>
             </p:cNvPr>
@@ -3095,7 +3095,7 @@
             </a:ln>
             <a:extLst>
               <a:ext uri="{91240B29-F687-4f45-9708-019B960494DF}">
-                <a14:hiddenLine xmlns:a14="http://schemas.microsoft.com/office/drawing/2010/main" xmlns="" w="9525">
+                <a14:hiddenLine xmlns="" xmlns:a14="http://schemas.microsoft.com/office/drawing/2010/main" w="9525">
                   <a:solidFill>
                     <a:srgbClr val="000000"/>
                   </a:solidFill>
@@ -3123,7 +3123,7 @@
             <p:cNvPr id="83" name="Freeform 32">
               <a:extLst>
                 <a:ext uri="{FF2B5EF4-FFF2-40B4-BE49-F238E27FC236}">
-                  <a16:creationId xmlns="" xmlns:a16="http://schemas.microsoft.com/office/drawing/2014/main" id="{BF526C6B-3E39-4846-A820-77F5A305AE3C}"/>
+                  <a16:creationId xmlns:a16="http://schemas.microsoft.com/office/drawing/2014/main" xmlns="" id="{BF526C6B-3E39-4846-A820-77F5A305AE3C}"/>
                 </a:ext>
               </a:extLst>
             </p:cNvPr>
@@ -3191,7 +3191,7 @@
             </a:ln>
             <a:extLst>
               <a:ext uri="{91240B29-F687-4f45-9708-019B960494DF}">
-                <a14:hiddenLine xmlns:a14="http://schemas.microsoft.com/office/drawing/2010/main" xmlns="" w="9525">
+                <a14:hiddenLine xmlns="" xmlns:a14="http://schemas.microsoft.com/office/drawing/2010/main" w="9525">
                   <a:solidFill>
                     <a:srgbClr val="000000"/>
                   </a:solidFill>
@@ -3219,7 +3219,7 @@
             <p:cNvPr id="84" name="Freeform 33">
               <a:extLst>
                 <a:ext uri="{FF2B5EF4-FFF2-40B4-BE49-F238E27FC236}">
-                  <a16:creationId xmlns="" xmlns:a16="http://schemas.microsoft.com/office/drawing/2014/main" id="{0C9F02C9-A3C0-45C7-9185-D3CB68EDE808}"/>
+                  <a16:creationId xmlns:a16="http://schemas.microsoft.com/office/drawing/2014/main" xmlns="" id="{0C9F02C9-A3C0-45C7-9185-D3CB68EDE808}"/>
                 </a:ext>
               </a:extLst>
             </p:cNvPr>
@@ -3352,7 +3352,7 @@
             </a:ln>
             <a:extLst>
               <a:ext uri="{91240B29-F687-4f45-9708-019B960494DF}">
-                <a14:hiddenLine xmlns:a14="http://schemas.microsoft.com/office/drawing/2010/main" xmlns="" w="9525">
+                <a14:hiddenLine xmlns="" xmlns:a14="http://schemas.microsoft.com/office/drawing/2010/main" w="9525">
                   <a:solidFill>
                     <a:srgbClr val="000000"/>
                   </a:solidFill>
@@ -3380,7 +3380,7 @@
             <p:cNvPr id="85" name="Freeform 34">
               <a:extLst>
                 <a:ext uri="{FF2B5EF4-FFF2-40B4-BE49-F238E27FC236}">
-                  <a16:creationId xmlns="" xmlns:a16="http://schemas.microsoft.com/office/drawing/2014/main" id="{90DF2138-1C84-46D4-8778-8585160EF88A}"/>
+                  <a16:creationId xmlns:a16="http://schemas.microsoft.com/office/drawing/2014/main" xmlns="" id="{90DF2138-1C84-46D4-8778-8585160EF88A}"/>
                 </a:ext>
               </a:extLst>
             </p:cNvPr>
@@ -3513,7 +3513,7 @@
             </a:ln>
             <a:extLst>
               <a:ext uri="{91240B29-F687-4f45-9708-019B960494DF}">
-                <a14:hiddenLine xmlns:a14="http://schemas.microsoft.com/office/drawing/2010/main" xmlns="" w="9525">
+                <a14:hiddenLine xmlns="" xmlns:a14="http://schemas.microsoft.com/office/drawing/2010/main" w="9525">
                   <a:solidFill>
                     <a:srgbClr val="000000"/>
                   </a:solidFill>
@@ -3541,7 +3541,7 @@
             <p:cNvPr id="86" name="Oval 35">
               <a:extLst>
                 <a:ext uri="{FF2B5EF4-FFF2-40B4-BE49-F238E27FC236}">
-                  <a16:creationId xmlns="" xmlns:a16="http://schemas.microsoft.com/office/drawing/2014/main" id="{0816FF9E-F9A4-45E7-9452-A3AB5C9FC622}"/>
+                  <a16:creationId xmlns:a16="http://schemas.microsoft.com/office/drawing/2014/main" xmlns="" id="{0816FF9E-F9A4-45E7-9452-A3AB5C9FC622}"/>
                 </a:ext>
               </a:extLst>
             </p:cNvPr>
@@ -3566,7 +3566,7 @@
             </a:ln>
             <a:extLst>
               <a:ext uri="{91240B29-F687-4f45-9708-019B960494DF}">
-                <a14:hiddenLine xmlns:a14="http://schemas.microsoft.com/office/drawing/2010/main" xmlns="" w="9525">
+                <a14:hiddenLine xmlns="" xmlns:a14="http://schemas.microsoft.com/office/drawing/2010/main" w="9525">
                   <a:solidFill>
                     <a:srgbClr val="000000"/>
                   </a:solidFill>
@@ -3594,7 +3594,7 @@
             <p:cNvPr id="87" name="Oval 36">
               <a:extLst>
                 <a:ext uri="{FF2B5EF4-FFF2-40B4-BE49-F238E27FC236}">
-                  <a16:creationId xmlns="" xmlns:a16="http://schemas.microsoft.com/office/drawing/2014/main" id="{C838B80C-7BF6-4D16-B4CE-821D9F501E90}"/>
+                  <a16:creationId xmlns:a16="http://schemas.microsoft.com/office/drawing/2014/main" xmlns="" id="{C838B80C-7BF6-4D16-B4CE-821D9F501E90}"/>
                 </a:ext>
               </a:extLst>
             </p:cNvPr>
@@ -3619,7 +3619,7 @@
             </a:ln>
             <a:extLst>
               <a:ext uri="{91240B29-F687-4f45-9708-019B960494DF}">
-                <a14:hiddenLine xmlns:a14="http://schemas.microsoft.com/office/drawing/2010/main" xmlns="" w="9525">
+                <a14:hiddenLine xmlns="" xmlns:a14="http://schemas.microsoft.com/office/drawing/2010/main" w="9525">
                   <a:solidFill>
                     <a:srgbClr val="000000"/>
                   </a:solidFill>
@@ -3647,7 +3647,7 @@
             <p:cNvPr id="88" name="Oval 37">
               <a:extLst>
                 <a:ext uri="{FF2B5EF4-FFF2-40B4-BE49-F238E27FC236}">
-                  <a16:creationId xmlns="" xmlns:a16="http://schemas.microsoft.com/office/drawing/2014/main" id="{2664348C-28C6-4FCF-B395-AA547E04787D}"/>
+                  <a16:creationId xmlns:a16="http://schemas.microsoft.com/office/drawing/2014/main" xmlns="" id="{2664348C-28C6-4FCF-B395-AA547E04787D}"/>
                 </a:ext>
               </a:extLst>
             </p:cNvPr>
@@ -3672,7 +3672,7 @@
             </a:ln>
             <a:extLst>
               <a:ext uri="{91240B29-F687-4f45-9708-019B960494DF}">
-                <a14:hiddenLine xmlns:a14="http://schemas.microsoft.com/office/drawing/2010/main" xmlns="" w="9525">
+                <a14:hiddenLine xmlns="" xmlns:a14="http://schemas.microsoft.com/office/drawing/2010/main" w="9525">
                   <a:solidFill>
                     <a:srgbClr val="000000"/>
                   </a:solidFill>
@@ -3700,7 +3700,7 @@
             <p:cNvPr id="89" name="Freeform 38">
               <a:extLst>
                 <a:ext uri="{FF2B5EF4-FFF2-40B4-BE49-F238E27FC236}">
-                  <a16:creationId xmlns="" xmlns:a16="http://schemas.microsoft.com/office/drawing/2014/main" id="{C239B007-982E-43A6-8C3C-C7C998402056}"/>
+                  <a16:creationId xmlns:a16="http://schemas.microsoft.com/office/drawing/2014/main" xmlns="" id="{C239B007-982E-43A6-8C3C-C7C998402056}"/>
                 </a:ext>
               </a:extLst>
             </p:cNvPr>
@@ -3833,7 +3833,7 @@
             </a:ln>
             <a:extLst>
               <a:ext uri="{91240B29-F687-4f45-9708-019B960494DF}">
-                <a14:hiddenLine xmlns:a14="http://schemas.microsoft.com/office/drawing/2010/main" xmlns="" w="9525">
+                <a14:hiddenLine xmlns="" xmlns:a14="http://schemas.microsoft.com/office/drawing/2010/main" w="9525">
                   <a:solidFill>
                     <a:srgbClr val="000000"/>
                   </a:solidFill>
@@ -3861,7 +3861,7 @@
             <p:cNvPr id="90" name="Freeform 39">
               <a:extLst>
                 <a:ext uri="{FF2B5EF4-FFF2-40B4-BE49-F238E27FC236}">
-                  <a16:creationId xmlns="" xmlns:a16="http://schemas.microsoft.com/office/drawing/2014/main" id="{BD36DE13-21E5-4270-BF53-1A521DC0C342}"/>
+                  <a16:creationId xmlns:a16="http://schemas.microsoft.com/office/drawing/2014/main" xmlns="" id="{BD36DE13-21E5-4270-BF53-1A521DC0C342}"/>
                 </a:ext>
               </a:extLst>
             </p:cNvPr>
@@ -3961,7 +3961,7 @@
             </a:ln>
             <a:extLst>
               <a:ext uri="{91240B29-F687-4f45-9708-019B960494DF}">
-                <a14:hiddenLine xmlns:a14="http://schemas.microsoft.com/office/drawing/2010/main" xmlns="" w="9525">
+                <a14:hiddenLine xmlns="" xmlns:a14="http://schemas.microsoft.com/office/drawing/2010/main" w="9525">
                   <a:solidFill>
                     <a:srgbClr val="000000"/>
                   </a:solidFill>
@@ -3989,7 +3989,7 @@
             <p:cNvPr id="91" name="Freeform 40">
               <a:extLst>
                 <a:ext uri="{FF2B5EF4-FFF2-40B4-BE49-F238E27FC236}">
-                  <a16:creationId xmlns="" xmlns:a16="http://schemas.microsoft.com/office/drawing/2014/main" id="{10DCD4BD-4788-426E-BDDD-3E1BB6F298D9}"/>
+                  <a16:creationId xmlns:a16="http://schemas.microsoft.com/office/drawing/2014/main" xmlns="" id="{10DCD4BD-4788-426E-BDDD-3E1BB6F298D9}"/>
                 </a:ext>
               </a:extLst>
             </p:cNvPr>
@@ -4129,7 +4129,7 @@
             </a:ln>
             <a:extLst>
               <a:ext uri="{91240B29-F687-4f45-9708-019B960494DF}">
-                <a14:hiddenLine xmlns:a14="http://schemas.microsoft.com/office/drawing/2010/main" xmlns="" w="9525">
+                <a14:hiddenLine xmlns="" xmlns:a14="http://schemas.microsoft.com/office/drawing/2010/main" w="9525">
                   <a:solidFill>
                     <a:srgbClr val="000000"/>
                   </a:solidFill>
@@ -4157,7 +4157,7 @@
             <p:cNvPr id="92" name="Freeform 41">
               <a:extLst>
                 <a:ext uri="{FF2B5EF4-FFF2-40B4-BE49-F238E27FC236}">
-                  <a16:creationId xmlns="" xmlns:a16="http://schemas.microsoft.com/office/drawing/2014/main" id="{FEF4CBF7-5365-48B8-8E31-9C2E284C94F1}"/>
+                  <a16:creationId xmlns:a16="http://schemas.microsoft.com/office/drawing/2014/main" xmlns="" id="{FEF4CBF7-5365-48B8-8E31-9C2E284C94F1}"/>
                 </a:ext>
               </a:extLst>
             </p:cNvPr>
@@ -4225,7 +4225,7 @@
             </a:ln>
             <a:extLst>
               <a:ext uri="{91240B29-F687-4f45-9708-019B960494DF}">
-                <a14:hiddenLine xmlns:a14="http://schemas.microsoft.com/office/drawing/2010/main" xmlns="" w="9525">
+                <a14:hiddenLine xmlns="" xmlns:a14="http://schemas.microsoft.com/office/drawing/2010/main" w="9525">
                   <a:solidFill>
                     <a:srgbClr val="000000"/>
                   </a:solidFill>
@@ -4253,7 +4253,7 @@
             <p:cNvPr id="93" name="Freeform 42">
               <a:extLst>
                 <a:ext uri="{FF2B5EF4-FFF2-40B4-BE49-F238E27FC236}">
-                  <a16:creationId xmlns="" xmlns:a16="http://schemas.microsoft.com/office/drawing/2014/main" id="{6B4C49B7-3135-4EB2-92F5-D28216A583AB}"/>
+                  <a16:creationId xmlns:a16="http://schemas.microsoft.com/office/drawing/2014/main" xmlns="" id="{6B4C49B7-3135-4EB2-92F5-D28216A583AB}"/>
                 </a:ext>
               </a:extLst>
             </p:cNvPr>
@@ -4386,7 +4386,7 @@
             </a:ln>
             <a:extLst>
               <a:ext uri="{91240B29-F687-4f45-9708-019B960494DF}">
-                <a14:hiddenLine xmlns:a14="http://schemas.microsoft.com/office/drawing/2010/main" xmlns="" w="9525">
+                <a14:hiddenLine xmlns="" xmlns:a14="http://schemas.microsoft.com/office/drawing/2010/main" w="9525">
                   <a:solidFill>
                     <a:srgbClr val="000000"/>
                   </a:solidFill>
@@ -4414,7 +4414,7 @@
             <p:cNvPr id="94" name="Freeform 43">
               <a:extLst>
                 <a:ext uri="{FF2B5EF4-FFF2-40B4-BE49-F238E27FC236}">
-                  <a16:creationId xmlns="" xmlns:a16="http://schemas.microsoft.com/office/drawing/2014/main" id="{2D0C9EB9-0F19-4295-8DD0-7C8E2C593D77}"/>
+                  <a16:creationId xmlns:a16="http://schemas.microsoft.com/office/drawing/2014/main" xmlns="" id="{2D0C9EB9-0F19-4295-8DD0-7C8E2C593D77}"/>
                 </a:ext>
               </a:extLst>
             </p:cNvPr>
@@ -4547,7 +4547,7 @@
             </a:ln>
             <a:extLst>
               <a:ext uri="{91240B29-F687-4f45-9708-019B960494DF}">
-                <a14:hiddenLine xmlns:a14="http://schemas.microsoft.com/office/drawing/2010/main" xmlns="" w="9525">
+                <a14:hiddenLine xmlns="" xmlns:a14="http://schemas.microsoft.com/office/drawing/2010/main" w="9525">
                   <a:solidFill>
                     <a:srgbClr val="000000"/>
                   </a:solidFill>
@@ -4575,7 +4575,7 @@
             <p:cNvPr id="95" name="Oval 44">
               <a:extLst>
                 <a:ext uri="{FF2B5EF4-FFF2-40B4-BE49-F238E27FC236}">
-                  <a16:creationId xmlns="" xmlns:a16="http://schemas.microsoft.com/office/drawing/2014/main" id="{B7D28315-AC60-4F12-9BD7-160A197C807B}"/>
+                  <a16:creationId xmlns:a16="http://schemas.microsoft.com/office/drawing/2014/main" xmlns="" id="{B7D28315-AC60-4F12-9BD7-160A197C807B}"/>
                 </a:ext>
               </a:extLst>
             </p:cNvPr>
@@ -4600,7 +4600,7 @@
             </a:ln>
             <a:extLst>
               <a:ext uri="{91240B29-F687-4f45-9708-019B960494DF}">
-                <a14:hiddenLine xmlns:a14="http://schemas.microsoft.com/office/drawing/2010/main" xmlns="" w="9525">
+                <a14:hiddenLine xmlns="" xmlns:a14="http://schemas.microsoft.com/office/drawing/2010/main" w="9525">
                   <a:solidFill>
                     <a:srgbClr val="000000"/>
                   </a:solidFill>
@@ -4628,7 +4628,7 @@
             <p:cNvPr id="96" name="Oval 45">
               <a:extLst>
                 <a:ext uri="{FF2B5EF4-FFF2-40B4-BE49-F238E27FC236}">
-                  <a16:creationId xmlns="" xmlns:a16="http://schemas.microsoft.com/office/drawing/2014/main" id="{257E426D-A08D-4A3E-BA02-57BED8CA0099}"/>
+                  <a16:creationId xmlns:a16="http://schemas.microsoft.com/office/drawing/2014/main" xmlns="" id="{257E426D-A08D-4A3E-BA02-57BED8CA0099}"/>
                 </a:ext>
               </a:extLst>
             </p:cNvPr>
@@ -4653,7 +4653,7 @@
             </a:ln>
             <a:extLst>
               <a:ext uri="{91240B29-F687-4f45-9708-019B960494DF}">
-                <a14:hiddenLine xmlns:a14="http://schemas.microsoft.com/office/drawing/2010/main" xmlns="" w="9525">
+                <a14:hiddenLine xmlns="" xmlns:a14="http://schemas.microsoft.com/office/drawing/2010/main" w="9525">
                   <a:solidFill>
                     <a:srgbClr val="000000"/>
                   </a:solidFill>
@@ -4681,7 +4681,7 @@
             <p:cNvPr id="97" name="Oval 46">
               <a:extLst>
                 <a:ext uri="{FF2B5EF4-FFF2-40B4-BE49-F238E27FC236}">
-                  <a16:creationId xmlns="" xmlns:a16="http://schemas.microsoft.com/office/drawing/2014/main" id="{456DF678-7FF3-40D2-B1C9-CCC326EE155C}"/>
+                  <a16:creationId xmlns:a16="http://schemas.microsoft.com/office/drawing/2014/main" xmlns="" id="{456DF678-7FF3-40D2-B1C9-CCC326EE155C}"/>
                 </a:ext>
               </a:extLst>
             </p:cNvPr>
@@ -4706,7 +4706,7 @@
             </a:ln>
             <a:extLst>
               <a:ext uri="{91240B29-F687-4f45-9708-019B960494DF}">
-                <a14:hiddenLine xmlns:a14="http://schemas.microsoft.com/office/drawing/2010/main" xmlns="" w="9525">
+                <a14:hiddenLine xmlns="" xmlns:a14="http://schemas.microsoft.com/office/drawing/2010/main" w="9525">
                   <a:solidFill>
                     <a:srgbClr val="000000"/>
                   </a:solidFill>
@@ -4734,7 +4734,7 @@
             <p:cNvPr id="98" name="Freeform 47">
               <a:extLst>
                 <a:ext uri="{FF2B5EF4-FFF2-40B4-BE49-F238E27FC236}">
-                  <a16:creationId xmlns="" xmlns:a16="http://schemas.microsoft.com/office/drawing/2014/main" id="{0909DE71-F161-4D75-8B0F-C5615F34B22A}"/>
+                  <a16:creationId xmlns:a16="http://schemas.microsoft.com/office/drawing/2014/main" xmlns="" id="{0909DE71-F161-4D75-8B0F-C5615F34B22A}"/>
                 </a:ext>
               </a:extLst>
             </p:cNvPr>
@@ -4867,7 +4867,7 @@
             </a:ln>
             <a:extLst>
               <a:ext uri="{91240B29-F687-4f45-9708-019B960494DF}">
-                <a14:hiddenLine xmlns:a14="http://schemas.microsoft.com/office/drawing/2010/main" xmlns="" w="9525">
+                <a14:hiddenLine xmlns="" xmlns:a14="http://schemas.microsoft.com/office/drawing/2010/main" w="9525">
                   <a:solidFill>
                     <a:srgbClr val="000000"/>
                   </a:solidFill>
@@ -4895,7 +4895,7 @@
             <p:cNvPr id="99" name="Freeform 48">
               <a:extLst>
                 <a:ext uri="{FF2B5EF4-FFF2-40B4-BE49-F238E27FC236}">
-                  <a16:creationId xmlns="" xmlns:a16="http://schemas.microsoft.com/office/drawing/2014/main" id="{A5C50A28-7082-4E72-B482-42A519B76778}"/>
+                  <a16:creationId xmlns:a16="http://schemas.microsoft.com/office/drawing/2014/main" xmlns="" id="{A5C50A28-7082-4E72-B482-42A519B76778}"/>
                 </a:ext>
               </a:extLst>
             </p:cNvPr>
@@ -4995,7 +4995,7 @@
             </a:ln>
             <a:extLst>
               <a:ext uri="{91240B29-F687-4f45-9708-019B960494DF}">
-                <a14:hiddenLine xmlns:a14="http://schemas.microsoft.com/office/drawing/2010/main" xmlns="" w="9525">
+                <a14:hiddenLine xmlns="" xmlns:a14="http://schemas.microsoft.com/office/drawing/2010/main" w="9525">
                   <a:solidFill>
                     <a:srgbClr val="000000"/>
                   </a:solidFill>
@@ -5023,7 +5023,7 @@
             <p:cNvPr id="100" name="Freeform 49">
               <a:extLst>
                 <a:ext uri="{FF2B5EF4-FFF2-40B4-BE49-F238E27FC236}">
-                  <a16:creationId xmlns="" xmlns:a16="http://schemas.microsoft.com/office/drawing/2014/main" id="{2688176B-B99B-40F5-BF5E-B7B9F89F99E0}"/>
+                  <a16:creationId xmlns:a16="http://schemas.microsoft.com/office/drawing/2014/main" xmlns="" id="{2688176B-B99B-40F5-BF5E-B7B9F89F99E0}"/>
                 </a:ext>
               </a:extLst>
             </p:cNvPr>
@@ -5163,7 +5163,7 @@
             </a:ln>
             <a:extLst>
               <a:ext uri="{91240B29-F687-4f45-9708-019B960494DF}">
-                <a14:hiddenLine xmlns:a14="http://schemas.microsoft.com/office/drawing/2010/main" xmlns="" w="9525">
+                <a14:hiddenLine xmlns="" xmlns:a14="http://schemas.microsoft.com/office/drawing/2010/main" w="9525">
                   <a:solidFill>
                     <a:srgbClr val="000000"/>
                   </a:solidFill>
@@ -5191,7 +5191,7 @@
             <p:cNvPr id="101" name="Freeform 50">
               <a:extLst>
                 <a:ext uri="{FF2B5EF4-FFF2-40B4-BE49-F238E27FC236}">
-                  <a16:creationId xmlns="" xmlns:a16="http://schemas.microsoft.com/office/drawing/2014/main" id="{1C45397B-8D76-4F97-BEDF-3AC108D950C7}"/>
+                  <a16:creationId xmlns:a16="http://schemas.microsoft.com/office/drawing/2014/main" xmlns="" id="{1C45397B-8D76-4F97-BEDF-3AC108D950C7}"/>
                 </a:ext>
               </a:extLst>
             </p:cNvPr>
@@ -5259,7 +5259,7 @@
             </a:ln>
             <a:extLst>
               <a:ext uri="{91240B29-F687-4f45-9708-019B960494DF}">
-                <a14:hiddenLine xmlns:a14="http://schemas.microsoft.com/office/drawing/2010/main" xmlns="" w="9525">
+                <a14:hiddenLine xmlns="" xmlns:a14="http://schemas.microsoft.com/office/drawing/2010/main" w="9525">
                   <a:solidFill>
                     <a:srgbClr val="000000"/>
                   </a:solidFill>
@@ -5287,7 +5287,7 @@
             <p:cNvPr id="102" name="Freeform 51">
               <a:extLst>
                 <a:ext uri="{FF2B5EF4-FFF2-40B4-BE49-F238E27FC236}">
-                  <a16:creationId xmlns="" xmlns:a16="http://schemas.microsoft.com/office/drawing/2014/main" id="{9CFCB0FA-DD87-4C92-B3E1-CFD004752941}"/>
+                  <a16:creationId xmlns:a16="http://schemas.microsoft.com/office/drawing/2014/main" xmlns="" id="{9CFCB0FA-DD87-4C92-B3E1-CFD004752941}"/>
                 </a:ext>
               </a:extLst>
             </p:cNvPr>
@@ -5420,7 +5420,7 @@
             </a:ln>
             <a:extLst>
               <a:ext uri="{91240B29-F687-4f45-9708-019B960494DF}">
-                <a14:hiddenLine xmlns:a14="http://schemas.microsoft.com/office/drawing/2010/main" xmlns="" w="9525">
+                <a14:hiddenLine xmlns="" xmlns:a14="http://schemas.microsoft.com/office/drawing/2010/main" w="9525">
                   <a:solidFill>
                     <a:srgbClr val="000000"/>
                   </a:solidFill>
@@ -5448,7 +5448,7 @@
             <p:cNvPr id="103" name="Freeform 52">
               <a:extLst>
                 <a:ext uri="{FF2B5EF4-FFF2-40B4-BE49-F238E27FC236}">
-                  <a16:creationId xmlns="" xmlns:a16="http://schemas.microsoft.com/office/drawing/2014/main" id="{AD94F72C-CC90-422E-9D08-4CDCDA8BB87D}"/>
+                  <a16:creationId xmlns:a16="http://schemas.microsoft.com/office/drawing/2014/main" xmlns="" id="{AD94F72C-CC90-422E-9D08-4CDCDA8BB87D}"/>
                 </a:ext>
               </a:extLst>
             </p:cNvPr>
@@ -5581,7 +5581,7 @@
             </a:ln>
             <a:extLst>
               <a:ext uri="{91240B29-F687-4f45-9708-019B960494DF}">
-                <a14:hiddenLine xmlns:a14="http://schemas.microsoft.com/office/drawing/2010/main" xmlns="" w="9525">
+                <a14:hiddenLine xmlns="" xmlns:a14="http://schemas.microsoft.com/office/drawing/2010/main" w="9525">
                   <a:solidFill>
                     <a:srgbClr val="000000"/>
                   </a:solidFill>
@@ -5609,7 +5609,7 @@
             <p:cNvPr id="104" name="Oval 53">
               <a:extLst>
                 <a:ext uri="{FF2B5EF4-FFF2-40B4-BE49-F238E27FC236}">
-                  <a16:creationId xmlns="" xmlns:a16="http://schemas.microsoft.com/office/drawing/2014/main" id="{A541BAA6-0F3B-4A5F-95F1-1190D7CAF2D1}"/>
+                  <a16:creationId xmlns:a16="http://schemas.microsoft.com/office/drawing/2014/main" xmlns="" id="{A541BAA6-0F3B-4A5F-95F1-1190D7CAF2D1}"/>
                 </a:ext>
               </a:extLst>
             </p:cNvPr>
@@ -5634,7 +5634,7 @@
             </a:ln>
             <a:extLst>
               <a:ext uri="{91240B29-F687-4f45-9708-019B960494DF}">
-                <a14:hiddenLine xmlns:a14="http://schemas.microsoft.com/office/drawing/2010/main" xmlns="" w="9525">
+                <a14:hiddenLine xmlns="" xmlns:a14="http://schemas.microsoft.com/office/drawing/2010/main" w="9525">
                   <a:solidFill>
                     <a:srgbClr val="000000"/>
                   </a:solidFill>
@@ -5662,7 +5662,7 @@
             <p:cNvPr id="105" name="Freeform 59">
               <a:extLst>
                 <a:ext uri="{FF2B5EF4-FFF2-40B4-BE49-F238E27FC236}">
-                  <a16:creationId xmlns="" xmlns:a16="http://schemas.microsoft.com/office/drawing/2014/main" id="{398827D7-5E4B-4CC9-9B4E-26A8F8637B7F}"/>
+                  <a16:creationId xmlns:a16="http://schemas.microsoft.com/office/drawing/2014/main" xmlns="" id="{398827D7-5E4B-4CC9-9B4E-26A8F8637B7F}"/>
                 </a:ext>
               </a:extLst>
             </p:cNvPr>
@@ -5730,7 +5730,7 @@
             </a:ln>
             <a:extLst>
               <a:ext uri="{91240B29-F687-4f45-9708-019B960494DF}">
-                <a14:hiddenLine xmlns:a14="http://schemas.microsoft.com/office/drawing/2010/main" xmlns="" w="9525">
+                <a14:hiddenLine xmlns="" xmlns:a14="http://schemas.microsoft.com/office/drawing/2010/main" w="9525">
                   <a:solidFill>
                     <a:srgbClr val="000000"/>
                   </a:solidFill>
@@ -5758,7 +5758,7 @@
             <p:cNvPr id="106" name="Freeform 16">
               <a:extLst>
                 <a:ext uri="{FF2B5EF4-FFF2-40B4-BE49-F238E27FC236}">
-                  <a16:creationId xmlns="" xmlns:a16="http://schemas.microsoft.com/office/drawing/2014/main" id="{31CE89DB-F37E-4DA9-A8B2-F469E38E28CB}"/>
+                  <a16:creationId xmlns:a16="http://schemas.microsoft.com/office/drawing/2014/main" xmlns="" id="{31CE89DB-F37E-4DA9-A8B2-F469E38E28CB}"/>
                 </a:ext>
               </a:extLst>
             </p:cNvPr>
@@ -5891,7 +5891,7 @@
             </a:ln>
             <a:extLst>
               <a:ext uri="{91240B29-F687-4f45-9708-019B960494DF}">
-                <a14:hiddenLine xmlns:a14="http://schemas.microsoft.com/office/drawing/2010/main" xmlns="" w="9525">
+                <a14:hiddenLine xmlns="" xmlns:a14="http://schemas.microsoft.com/office/drawing/2010/main" w="9525">
                   <a:solidFill>
                     <a:srgbClr val="000000"/>
                   </a:solidFill>
@@ -5919,7 +5919,7 @@
             <p:cNvPr id="107" name="Freeform 17">
               <a:extLst>
                 <a:ext uri="{FF2B5EF4-FFF2-40B4-BE49-F238E27FC236}">
-                  <a16:creationId xmlns="" xmlns:a16="http://schemas.microsoft.com/office/drawing/2014/main" id="{FFEF1B2B-4687-411D-B1E8-4B4F075B9723}"/>
+                  <a16:creationId xmlns:a16="http://schemas.microsoft.com/office/drawing/2014/main" xmlns="" id="{FFEF1B2B-4687-411D-B1E8-4B4F075B9723}"/>
                 </a:ext>
               </a:extLst>
             </p:cNvPr>
@@ -6052,7 +6052,7 @@
             </a:ln>
             <a:extLst>
               <a:ext uri="{91240B29-F687-4f45-9708-019B960494DF}">
-                <a14:hiddenLine xmlns:a14="http://schemas.microsoft.com/office/drawing/2010/main" xmlns="" w="9525">
+                <a14:hiddenLine xmlns="" xmlns:a14="http://schemas.microsoft.com/office/drawing/2010/main" w="9525">
                   <a:solidFill>
                     <a:srgbClr val="000000"/>
                   </a:solidFill>
@@ -6080,7 +6080,7 @@
             <p:cNvPr id="108" name="Oval 18">
               <a:extLst>
                 <a:ext uri="{FF2B5EF4-FFF2-40B4-BE49-F238E27FC236}">
-                  <a16:creationId xmlns="" xmlns:a16="http://schemas.microsoft.com/office/drawing/2014/main" id="{8B436B09-C989-48F9-B988-02257B53AD95}"/>
+                  <a16:creationId xmlns:a16="http://schemas.microsoft.com/office/drawing/2014/main" xmlns="" id="{8B436B09-C989-48F9-B988-02257B53AD95}"/>
                 </a:ext>
               </a:extLst>
             </p:cNvPr>
@@ -6105,7 +6105,7 @@
             </a:ln>
             <a:extLst>
               <a:ext uri="{91240B29-F687-4f45-9708-019B960494DF}">
-                <a14:hiddenLine xmlns:a14="http://schemas.microsoft.com/office/drawing/2010/main" xmlns="" w="9525">
+                <a14:hiddenLine xmlns="" xmlns:a14="http://schemas.microsoft.com/office/drawing/2010/main" w="9525">
                   <a:solidFill>
                     <a:srgbClr val="000000"/>
                   </a:solidFill>
@@ -6133,7 +6133,7 @@
             <p:cNvPr id="109" name="Oval 19">
               <a:extLst>
                 <a:ext uri="{FF2B5EF4-FFF2-40B4-BE49-F238E27FC236}">
-                  <a16:creationId xmlns="" xmlns:a16="http://schemas.microsoft.com/office/drawing/2014/main" id="{80142D17-F659-4531-B720-7EE9C9EADBBC}"/>
+                  <a16:creationId xmlns:a16="http://schemas.microsoft.com/office/drawing/2014/main" xmlns="" id="{80142D17-F659-4531-B720-7EE9C9EADBBC}"/>
                 </a:ext>
               </a:extLst>
             </p:cNvPr>
@@ -6158,7 +6158,7 @@
             </a:ln>
             <a:extLst>
               <a:ext uri="{91240B29-F687-4f45-9708-019B960494DF}">
-                <a14:hiddenLine xmlns:a14="http://schemas.microsoft.com/office/drawing/2010/main" xmlns="" w="9525">
+                <a14:hiddenLine xmlns="" xmlns:a14="http://schemas.microsoft.com/office/drawing/2010/main" w="9525">
                   <a:solidFill>
                     <a:srgbClr val="000000"/>
                   </a:solidFill>
@@ -6186,7 +6186,7 @@
             <p:cNvPr id="110" name="Oval 20">
               <a:extLst>
                 <a:ext uri="{FF2B5EF4-FFF2-40B4-BE49-F238E27FC236}">
-                  <a16:creationId xmlns="" xmlns:a16="http://schemas.microsoft.com/office/drawing/2014/main" id="{FBB8A711-39DF-4380-BF61-2E5362E1FFDF}"/>
+                  <a16:creationId xmlns:a16="http://schemas.microsoft.com/office/drawing/2014/main" xmlns="" id="{FBB8A711-39DF-4380-BF61-2E5362E1FFDF}"/>
                 </a:ext>
               </a:extLst>
             </p:cNvPr>
@@ -6211,7 +6211,7 @@
             </a:ln>
             <a:extLst>
               <a:ext uri="{91240B29-F687-4f45-9708-019B960494DF}">
-                <a14:hiddenLine xmlns:a14="http://schemas.microsoft.com/office/drawing/2010/main" xmlns="" w="9525">
+                <a14:hiddenLine xmlns="" xmlns:a14="http://schemas.microsoft.com/office/drawing/2010/main" w="9525">
                   <a:solidFill>
                     <a:srgbClr val="000000"/>
                   </a:solidFill>
@@ -6239,7 +6239,7 @@
             <p:cNvPr id="111" name="Freeform 21">
               <a:extLst>
                 <a:ext uri="{FF2B5EF4-FFF2-40B4-BE49-F238E27FC236}">
-                  <a16:creationId xmlns="" xmlns:a16="http://schemas.microsoft.com/office/drawing/2014/main" id="{CEE46B9B-39A5-407E-96F7-BEC712CCD442}"/>
+                  <a16:creationId xmlns:a16="http://schemas.microsoft.com/office/drawing/2014/main" xmlns="" id="{CEE46B9B-39A5-407E-96F7-BEC712CCD442}"/>
                 </a:ext>
               </a:extLst>
             </p:cNvPr>
@@ -6372,7 +6372,7 @@
             </a:ln>
             <a:extLst>
               <a:ext uri="{91240B29-F687-4f45-9708-019B960494DF}">
-                <a14:hiddenLine xmlns:a14="http://schemas.microsoft.com/office/drawing/2010/main" xmlns="" w="9525">
+                <a14:hiddenLine xmlns="" xmlns:a14="http://schemas.microsoft.com/office/drawing/2010/main" w="9525">
                   <a:solidFill>
                     <a:srgbClr val="000000"/>
                   </a:solidFill>
@@ -6400,7 +6400,7 @@
             <p:cNvPr id="112" name="Freeform 22">
               <a:extLst>
                 <a:ext uri="{FF2B5EF4-FFF2-40B4-BE49-F238E27FC236}">
-                  <a16:creationId xmlns="" xmlns:a16="http://schemas.microsoft.com/office/drawing/2014/main" id="{B25FFA47-BB93-444D-9D87-7E8002DB136B}"/>
+                  <a16:creationId xmlns:a16="http://schemas.microsoft.com/office/drawing/2014/main" xmlns="" id="{B25FFA47-BB93-444D-9D87-7E8002DB136B}"/>
                 </a:ext>
               </a:extLst>
             </p:cNvPr>
@@ -6500,7 +6500,7 @@
             </a:ln>
             <a:extLst>
               <a:ext uri="{91240B29-F687-4f45-9708-019B960494DF}">
-                <a14:hiddenLine xmlns:a14="http://schemas.microsoft.com/office/drawing/2010/main" xmlns="" w="9525">
+                <a14:hiddenLine xmlns="" xmlns:a14="http://schemas.microsoft.com/office/drawing/2010/main" w="9525">
                   <a:solidFill>
                     <a:srgbClr val="000000"/>
                   </a:solidFill>
@@ -6528,7 +6528,7 @@
             <p:cNvPr id="113" name="Freeform 23">
               <a:extLst>
                 <a:ext uri="{FF2B5EF4-FFF2-40B4-BE49-F238E27FC236}">
-                  <a16:creationId xmlns="" xmlns:a16="http://schemas.microsoft.com/office/drawing/2014/main" id="{57D81572-471F-4DD4-BFD7-F52634FCD6BD}"/>
+                  <a16:creationId xmlns:a16="http://schemas.microsoft.com/office/drawing/2014/main" xmlns="" id="{57D81572-471F-4DD4-BFD7-F52634FCD6BD}"/>
                 </a:ext>
               </a:extLst>
             </p:cNvPr>
@@ -6668,7 +6668,7 @@
             </a:ln>
             <a:extLst>
               <a:ext uri="{91240B29-F687-4f45-9708-019B960494DF}">
-                <a14:hiddenLine xmlns:a14="http://schemas.microsoft.com/office/drawing/2010/main" xmlns="" w="9525">
+                <a14:hiddenLine xmlns="" xmlns:a14="http://schemas.microsoft.com/office/drawing/2010/main" w="9525">
                   <a:solidFill>
                     <a:srgbClr val="000000"/>
                   </a:solidFill>
@@ -6696,7 +6696,7 @@
             <p:cNvPr id="114" name="Freeform 32">
               <a:extLst>
                 <a:ext uri="{FF2B5EF4-FFF2-40B4-BE49-F238E27FC236}">
-                  <a16:creationId xmlns="" xmlns:a16="http://schemas.microsoft.com/office/drawing/2014/main" id="{8B260146-1C5C-4799-B962-0EC3A8603905}"/>
+                  <a16:creationId xmlns:a16="http://schemas.microsoft.com/office/drawing/2014/main" xmlns="" id="{8B260146-1C5C-4799-B962-0EC3A8603905}"/>
                 </a:ext>
               </a:extLst>
             </p:cNvPr>
@@ -6764,7 +6764,7 @@
             </a:ln>
             <a:extLst>
               <a:ext uri="{91240B29-F687-4f45-9708-019B960494DF}">
-                <a14:hiddenLine xmlns:a14="http://schemas.microsoft.com/office/drawing/2010/main" xmlns="" w="9525">
+                <a14:hiddenLine xmlns="" xmlns:a14="http://schemas.microsoft.com/office/drawing/2010/main" w="9525">
                   <a:solidFill>
                     <a:srgbClr val="000000"/>
                   </a:solidFill>
@@ -6792,7 +6792,7 @@
             <p:cNvPr id="115" name="Oval 19">
               <a:extLst>
                 <a:ext uri="{FF2B5EF4-FFF2-40B4-BE49-F238E27FC236}">
-                  <a16:creationId xmlns="" xmlns:a16="http://schemas.microsoft.com/office/drawing/2014/main" id="{7C923CC3-6F4E-4752-A190-BF63B2EFE023}"/>
+                  <a16:creationId xmlns:a16="http://schemas.microsoft.com/office/drawing/2014/main" xmlns="" id="{7C923CC3-6F4E-4752-A190-BF63B2EFE023}"/>
                 </a:ext>
               </a:extLst>
             </p:cNvPr>
@@ -6817,7 +6817,7 @@
             </a:ln>
             <a:extLst>
               <a:ext uri="{91240B29-F687-4f45-9708-019B960494DF}">
-                <a14:hiddenLine xmlns:a14="http://schemas.microsoft.com/office/drawing/2010/main" xmlns="" w="9525">
+                <a14:hiddenLine xmlns="" xmlns:a14="http://schemas.microsoft.com/office/drawing/2010/main" w="9525">
                   <a:solidFill>
                     <a:srgbClr val="000000"/>
                   </a:solidFill>
@@ -6845,7 +6845,7 @@
             <p:cNvPr id="116" name="Oval 20">
               <a:extLst>
                 <a:ext uri="{FF2B5EF4-FFF2-40B4-BE49-F238E27FC236}">
-                  <a16:creationId xmlns="" xmlns:a16="http://schemas.microsoft.com/office/drawing/2014/main" id="{1B596F2D-2DFC-4AB8-A265-163C8B0832AC}"/>
+                  <a16:creationId xmlns:a16="http://schemas.microsoft.com/office/drawing/2014/main" xmlns="" id="{1B596F2D-2DFC-4AB8-A265-163C8B0832AC}"/>
                 </a:ext>
               </a:extLst>
             </p:cNvPr>
@@ -6870,7 +6870,7 @@
             </a:ln>
             <a:extLst>
               <a:ext uri="{91240B29-F687-4f45-9708-019B960494DF}">
-                <a14:hiddenLine xmlns:a14="http://schemas.microsoft.com/office/drawing/2010/main" xmlns="" w="9525">
+                <a14:hiddenLine xmlns="" xmlns:a14="http://schemas.microsoft.com/office/drawing/2010/main" w="9525">
                   <a:solidFill>
                     <a:srgbClr val="000000"/>
                   </a:solidFill>
@@ -6898,7 +6898,7 @@
             <p:cNvPr id="117" name="Freeform 21">
               <a:extLst>
                 <a:ext uri="{FF2B5EF4-FFF2-40B4-BE49-F238E27FC236}">
-                  <a16:creationId xmlns="" xmlns:a16="http://schemas.microsoft.com/office/drawing/2014/main" id="{637068CE-C49E-4AA2-87B8-E353EE2D4AFF}"/>
+                  <a16:creationId xmlns:a16="http://schemas.microsoft.com/office/drawing/2014/main" xmlns="" id="{637068CE-C49E-4AA2-87B8-E353EE2D4AFF}"/>
                 </a:ext>
               </a:extLst>
             </p:cNvPr>
@@ -7031,7 +7031,7 @@
             </a:ln>
             <a:extLst>
               <a:ext uri="{91240B29-F687-4f45-9708-019B960494DF}">
-                <a14:hiddenLine xmlns:a14="http://schemas.microsoft.com/office/drawing/2010/main" xmlns="" w="9525">
+                <a14:hiddenLine xmlns="" xmlns:a14="http://schemas.microsoft.com/office/drawing/2010/main" w="9525">
                   <a:solidFill>
                     <a:srgbClr val="000000"/>
                   </a:solidFill>
@@ -7059,7 +7059,7 @@
             <p:cNvPr id="118" name="Freeform 22">
               <a:extLst>
                 <a:ext uri="{FF2B5EF4-FFF2-40B4-BE49-F238E27FC236}">
-                  <a16:creationId xmlns="" xmlns:a16="http://schemas.microsoft.com/office/drawing/2014/main" id="{069A3881-93BD-4E60-BF20-F2818A52825E}"/>
+                  <a16:creationId xmlns:a16="http://schemas.microsoft.com/office/drawing/2014/main" xmlns="" id="{069A3881-93BD-4E60-BF20-F2818A52825E}"/>
                 </a:ext>
               </a:extLst>
             </p:cNvPr>
@@ -7159,7 +7159,7 @@
             </a:ln>
             <a:extLst>
               <a:ext uri="{91240B29-F687-4f45-9708-019B960494DF}">
-                <a14:hiddenLine xmlns:a14="http://schemas.microsoft.com/office/drawing/2010/main" xmlns="" w="9525">
+                <a14:hiddenLine xmlns="" xmlns:a14="http://schemas.microsoft.com/office/drawing/2010/main" w="9525">
                   <a:solidFill>
                     <a:srgbClr val="000000"/>
                   </a:solidFill>
@@ -7187,7 +7187,7 @@
             <p:cNvPr id="119" name="Freeform 23">
               <a:extLst>
                 <a:ext uri="{FF2B5EF4-FFF2-40B4-BE49-F238E27FC236}">
-                  <a16:creationId xmlns="" xmlns:a16="http://schemas.microsoft.com/office/drawing/2014/main" id="{B2B6DFD8-E966-4026-898C-E3A47DF288B6}"/>
+                  <a16:creationId xmlns:a16="http://schemas.microsoft.com/office/drawing/2014/main" xmlns="" id="{B2B6DFD8-E966-4026-898C-E3A47DF288B6}"/>
                 </a:ext>
               </a:extLst>
             </p:cNvPr>
@@ -7327,7 +7327,7 @@
             </a:ln>
             <a:extLst>
               <a:ext uri="{91240B29-F687-4f45-9708-019B960494DF}">
-                <a14:hiddenLine xmlns:a14="http://schemas.microsoft.com/office/drawing/2010/main" xmlns="" w="9525">
+                <a14:hiddenLine xmlns="" xmlns:a14="http://schemas.microsoft.com/office/drawing/2010/main" w="9525">
                   <a:solidFill>
                     <a:srgbClr val="000000"/>
                   </a:solidFill>
@@ -7355,7 +7355,7 @@
             <p:cNvPr id="120" name="Freeform 24">
               <a:extLst>
                 <a:ext uri="{FF2B5EF4-FFF2-40B4-BE49-F238E27FC236}">
-                  <a16:creationId xmlns="" xmlns:a16="http://schemas.microsoft.com/office/drawing/2014/main" id="{4CC6BB82-26BA-4E04-92CC-A742A94845FA}"/>
+                  <a16:creationId xmlns:a16="http://schemas.microsoft.com/office/drawing/2014/main" xmlns="" id="{4CC6BB82-26BA-4E04-92CC-A742A94845FA}"/>
                 </a:ext>
               </a:extLst>
             </p:cNvPr>
@@ -7488,7 +7488,7 @@
             </a:ln>
             <a:extLst>
               <a:ext uri="{91240B29-F687-4f45-9708-019B960494DF}">
-                <a14:hiddenLine xmlns:a14="http://schemas.microsoft.com/office/drawing/2010/main" xmlns="" w="9525">
+                <a14:hiddenLine xmlns="" xmlns:a14="http://schemas.microsoft.com/office/drawing/2010/main" w="9525">
                   <a:solidFill>
                     <a:srgbClr val="000000"/>
                   </a:solidFill>
@@ -7516,7 +7516,7 @@
             <p:cNvPr id="121" name="Freeform 25">
               <a:extLst>
                 <a:ext uri="{FF2B5EF4-FFF2-40B4-BE49-F238E27FC236}">
-                  <a16:creationId xmlns="" xmlns:a16="http://schemas.microsoft.com/office/drawing/2014/main" id="{0098E8EA-80AF-4EDD-8F73-6EA773EAFE53}"/>
+                  <a16:creationId xmlns:a16="http://schemas.microsoft.com/office/drawing/2014/main" xmlns="" id="{0098E8EA-80AF-4EDD-8F73-6EA773EAFE53}"/>
                 </a:ext>
               </a:extLst>
             </p:cNvPr>
@@ -7649,7 +7649,7 @@
             </a:ln>
             <a:extLst>
               <a:ext uri="{91240B29-F687-4f45-9708-019B960494DF}">
-                <a14:hiddenLine xmlns:a14="http://schemas.microsoft.com/office/drawing/2010/main" xmlns="" w="9525">
+                <a14:hiddenLine xmlns="" xmlns:a14="http://schemas.microsoft.com/office/drawing/2010/main" w="9525">
                   <a:solidFill>
                     <a:srgbClr val="000000"/>
                   </a:solidFill>
@@ -7677,7 +7677,7 @@
             <p:cNvPr id="122" name="Oval 26">
               <a:extLst>
                 <a:ext uri="{FF2B5EF4-FFF2-40B4-BE49-F238E27FC236}">
-                  <a16:creationId xmlns="" xmlns:a16="http://schemas.microsoft.com/office/drawing/2014/main" id="{E1529FE8-F9A3-4096-878C-7E750DDDD800}"/>
+                  <a16:creationId xmlns:a16="http://schemas.microsoft.com/office/drawing/2014/main" xmlns="" id="{E1529FE8-F9A3-4096-878C-7E750DDDD800}"/>
                 </a:ext>
               </a:extLst>
             </p:cNvPr>
@@ -7702,7 +7702,7 @@
             </a:ln>
             <a:extLst>
               <a:ext uri="{91240B29-F687-4f45-9708-019B960494DF}">
-                <a14:hiddenLine xmlns:a14="http://schemas.microsoft.com/office/drawing/2010/main" xmlns="" w="9525">
+                <a14:hiddenLine xmlns="" xmlns:a14="http://schemas.microsoft.com/office/drawing/2010/main" w="9525">
                   <a:solidFill>
                     <a:srgbClr val="000000"/>
                   </a:solidFill>
@@ -7730,7 +7730,7 @@
             <p:cNvPr id="123" name="Oval 27">
               <a:extLst>
                 <a:ext uri="{FF2B5EF4-FFF2-40B4-BE49-F238E27FC236}">
-                  <a16:creationId xmlns="" xmlns:a16="http://schemas.microsoft.com/office/drawing/2014/main" id="{4502A066-105F-411C-8755-35B97FC85DE7}"/>
+                  <a16:creationId xmlns:a16="http://schemas.microsoft.com/office/drawing/2014/main" xmlns="" id="{4502A066-105F-411C-8755-35B97FC85DE7}"/>
                 </a:ext>
               </a:extLst>
             </p:cNvPr>
@@ -7755,7 +7755,7 @@
             </a:ln>
             <a:extLst>
               <a:ext uri="{91240B29-F687-4f45-9708-019B960494DF}">
-                <a14:hiddenLine xmlns:a14="http://schemas.microsoft.com/office/drawing/2010/main" xmlns="" w="9525">
+                <a14:hiddenLine xmlns="" xmlns:a14="http://schemas.microsoft.com/office/drawing/2010/main" w="9525">
                   <a:solidFill>
                     <a:srgbClr val="000000"/>
                   </a:solidFill>
@@ -7783,7 +7783,7 @@
             <p:cNvPr id="124" name="Oval 28">
               <a:extLst>
                 <a:ext uri="{FF2B5EF4-FFF2-40B4-BE49-F238E27FC236}">
-                  <a16:creationId xmlns="" xmlns:a16="http://schemas.microsoft.com/office/drawing/2014/main" id="{A2279562-1031-4CE7-80AA-1364AE4EC75D}"/>
+                  <a16:creationId xmlns:a16="http://schemas.microsoft.com/office/drawing/2014/main" xmlns="" id="{A2279562-1031-4CE7-80AA-1364AE4EC75D}"/>
                 </a:ext>
               </a:extLst>
             </p:cNvPr>
@@ -7808,7 +7808,7 @@
             </a:ln>
             <a:extLst>
               <a:ext uri="{91240B29-F687-4f45-9708-019B960494DF}">
-                <a14:hiddenLine xmlns:a14="http://schemas.microsoft.com/office/drawing/2010/main" xmlns="" w="9525">
+                <a14:hiddenLine xmlns="" xmlns:a14="http://schemas.microsoft.com/office/drawing/2010/main" w="9525">
                   <a:solidFill>
                     <a:srgbClr val="000000"/>
                   </a:solidFill>
@@ -7836,7 +7836,7 @@
             <p:cNvPr id="125" name="Freeform 29">
               <a:extLst>
                 <a:ext uri="{FF2B5EF4-FFF2-40B4-BE49-F238E27FC236}">
-                  <a16:creationId xmlns="" xmlns:a16="http://schemas.microsoft.com/office/drawing/2014/main" id="{79585C2B-CCF8-453C-B1A0-CBEDD05B3185}"/>
+                  <a16:creationId xmlns:a16="http://schemas.microsoft.com/office/drawing/2014/main" xmlns="" id="{79585C2B-CCF8-453C-B1A0-CBEDD05B3185}"/>
                 </a:ext>
               </a:extLst>
             </p:cNvPr>
@@ -7969,7 +7969,7 @@
             </a:ln>
             <a:extLst>
               <a:ext uri="{91240B29-F687-4f45-9708-019B960494DF}">
-                <a14:hiddenLine xmlns:a14="http://schemas.microsoft.com/office/drawing/2010/main" xmlns="" w="9525">
+                <a14:hiddenLine xmlns="" xmlns:a14="http://schemas.microsoft.com/office/drawing/2010/main" w="9525">
                   <a:solidFill>
                     <a:srgbClr val="000000"/>
                   </a:solidFill>
@@ -7997,7 +7997,7 @@
             <p:cNvPr id="126" name="Freeform 30">
               <a:extLst>
                 <a:ext uri="{FF2B5EF4-FFF2-40B4-BE49-F238E27FC236}">
-                  <a16:creationId xmlns="" xmlns:a16="http://schemas.microsoft.com/office/drawing/2014/main" id="{08A41A4E-2A02-48E0-B5EC-DB60F70F2B41}"/>
+                  <a16:creationId xmlns:a16="http://schemas.microsoft.com/office/drawing/2014/main" xmlns="" id="{08A41A4E-2A02-48E0-B5EC-DB60F70F2B41}"/>
                 </a:ext>
               </a:extLst>
             </p:cNvPr>
@@ -8097,7 +8097,7 @@
             </a:ln>
             <a:extLst>
               <a:ext uri="{91240B29-F687-4f45-9708-019B960494DF}">
-                <a14:hiddenLine xmlns:a14="http://schemas.microsoft.com/office/drawing/2010/main" xmlns="" w="9525">
+                <a14:hiddenLine xmlns="" xmlns:a14="http://schemas.microsoft.com/office/drawing/2010/main" w="9525">
                   <a:solidFill>
                     <a:srgbClr val="000000"/>
                   </a:solidFill>
@@ -8125,7 +8125,7 @@
             <p:cNvPr id="127" name="Freeform 31">
               <a:extLst>
                 <a:ext uri="{FF2B5EF4-FFF2-40B4-BE49-F238E27FC236}">
-                  <a16:creationId xmlns="" xmlns:a16="http://schemas.microsoft.com/office/drawing/2014/main" id="{1F12F1A3-82B8-431D-8B1B-EA52BF91B427}"/>
+                  <a16:creationId xmlns:a16="http://schemas.microsoft.com/office/drawing/2014/main" xmlns="" id="{1F12F1A3-82B8-431D-8B1B-EA52BF91B427}"/>
                 </a:ext>
               </a:extLst>
             </p:cNvPr>
@@ -8265,7 +8265,7 @@
             </a:ln>
             <a:extLst>
               <a:ext uri="{91240B29-F687-4f45-9708-019B960494DF}">
-                <a14:hiddenLine xmlns:a14="http://schemas.microsoft.com/office/drawing/2010/main" xmlns="" w="9525">
+                <a14:hiddenLine xmlns="" xmlns:a14="http://schemas.microsoft.com/office/drawing/2010/main" w="9525">
                   <a:solidFill>
                     <a:srgbClr val="000000"/>
                   </a:solidFill>
@@ -8293,7 +8293,7 @@
             <p:cNvPr id="128" name="Freeform 32">
               <a:extLst>
                 <a:ext uri="{FF2B5EF4-FFF2-40B4-BE49-F238E27FC236}">
-                  <a16:creationId xmlns="" xmlns:a16="http://schemas.microsoft.com/office/drawing/2014/main" id="{C210EF49-A2D6-42BD-9995-5AB7E7CC54A7}"/>
+                  <a16:creationId xmlns:a16="http://schemas.microsoft.com/office/drawing/2014/main" xmlns="" id="{C210EF49-A2D6-42BD-9995-5AB7E7CC54A7}"/>
                 </a:ext>
               </a:extLst>
             </p:cNvPr>
@@ -8361,7 +8361,7 @@
             </a:ln>
             <a:extLst>
               <a:ext uri="{91240B29-F687-4f45-9708-019B960494DF}">
-                <a14:hiddenLine xmlns:a14="http://schemas.microsoft.com/office/drawing/2010/main" xmlns="" w="9525">
+                <a14:hiddenLine xmlns="" xmlns:a14="http://schemas.microsoft.com/office/drawing/2010/main" w="9525">
                   <a:solidFill>
                     <a:srgbClr val="000000"/>
                   </a:solidFill>
@@ -8389,7 +8389,7 @@
             <p:cNvPr id="129" name="Freeform 33">
               <a:extLst>
                 <a:ext uri="{FF2B5EF4-FFF2-40B4-BE49-F238E27FC236}">
-                  <a16:creationId xmlns="" xmlns:a16="http://schemas.microsoft.com/office/drawing/2014/main" id="{5873E10C-24EC-4A32-9017-D26A13C045DB}"/>
+                  <a16:creationId xmlns:a16="http://schemas.microsoft.com/office/drawing/2014/main" xmlns="" id="{5873E10C-24EC-4A32-9017-D26A13C045DB}"/>
                 </a:ext>
               </a:extLst>
             </p:cNvPr>
@@ -8522,7 +8522,7 @@
             </a:ln>
             <a:extLst>
               <a:ext uri="{91240B29-F687-4f45-9708-019B960494DF}">
-                <a14:hiddenLine xmlns:a14="http://schemas.microsoft.com/office/drawing/2010/main" xmlns="" w="9525">
+                <a14:hiddenLine xmlns="" xmlns:a14="http://schemas.microsoft.com/office/drawing/2010/main" w="9525">
                   <a:solidFill>
                     <a:srgbClr val="000000"/>
                   </a:solidFill>
@@ -8550,7 +8550,7 @@
             <p:cNvPr id="130" name="Freeform 34">
               <a:extLst>
                 <a:ext uri="{FF2B5EF4-FFF2-40B4-BE49-F238E27FC236}">
-                  <a16:creationId xmlns="" xmlns:a16="http://schemas.microsoft.com/office/drawing/2014/main" id="{A4EA6405-2393-47CF-9773-1D2A3BFDF5AF}"/>
+                  <a16:creationId xmlns:a16="http://schemas.microsoft.com/office/drawing/2014/main" xmlns="" id="{A4EA6405-2393-47CF-9773-1D2A3BFDF5AF}"/>
                 </a:ext>
               </a:extLst>
             </p:cNvPr>
@@ -8683,7 +8683,7 @@
             </a:ln>
             <a:extLst>
               <a:ext uri="{91240B29-F687-4f45-9708-019B960494DF}">
-                <a14:hiddenLine xmlns:a14="http://schemas.microsoft.com/office/drawing/2010/main" xmlns="" w="9525">
+                <a14:hiddenLine xmlns="" xmlns:a14="http://schemas.microsoft.com/office/drawing/2010/main" w="9525">
                   <a:solidFill>
                     <a:srgbClr val="000000"/>
                   </a:solidFill>
@@ -8711,7 +8711,7 @@
             <p:cNvPr id="131" name="Oval 35">
               <a:extLst>
                 <a:ext uri="{FF2B5EF4-FFF2-40B4-BE49-F238E27FC236}">
-                  <a16:creationId xmlns="" xmlns:a16="http://schemas.microsoft.com/office/drawing/2014/main" id="{4500B5CF-8A87-4C94-98C2-D9AE92164882}"/>
+                  <a16:creationId xmlns:a16="http://schemas.microsoft.com/office/drawing/2014/main" xmlns="" id="{4500B5CF-8A87-4C94-98C2-D9AE92164882}"/>
                 </a:ext>
               </a:extLst>
             </p:cNvPr>
@@ -8736,7 +8736,7 @@
             </a:ln>
             <a:extLst>
               <a:ext uri="{91240B29-F687-4f45-9708-019B960494DF}">
-                <a14:hiddenLine xmlns:a14="http://schemas.microsoft.com/office/drawing/2010/main" xmlns="" w="9525">
+                <a14:hiddenLine xmlns="" xmlns:a14="http://schemas.microsoft.com/office/drawing/2010/main" w="9525">
                   <a:solidFill>
                     <a:srgbClr val="000000"/>
                   </a:solidFill>
@@ -8764,7 +8764,7 @@
             <p:cNvPr id="132" name="Oval 36">
               <a:extLst>
                 <a:ext uri="{FF2B5EF4-FFF2-40B4-BE49-F238E27FC236}">
-                  <a16:creationId xmlns="" xmlns:a16="http://schemas.microsoft.com/office/drawing/2014/main" id="{52349474-5EA9-4794-9B60-A8170A717911}"/>
+                  <a16:creationId xmlns:a16="http://schemas.microsoft.com/office/drawing/2014/main" xmlns="" id="{52349474-5EA9-4794-9B60-A8170A717911}"/>
                 </a:ext>
               </a:extLst>
             </p:cNvPr>
@@ -8789,7 +8789,7 @@
             </a:ln>
             <a:extLst>
               <a:ext uri="{91240B29-F687-4f45-9708-019B960494DF}">
-                <a14:hiddenLine xmlns:a14="http://schemas.microsoft.com/office/drawing/2010/main" xmlns="" w="9525">
+                <a14:hiddenLine xmlns="" xmlns:a14="http://schemas.microsoft.com/office/drawing/2010/main" w="9525">
                   <a:solidFill>
                     <a:srgbClr val="000000"/>
                   </a:solidFill>
@@ -8817,7 +8817,7 @@
             <p:cNvPr id="133" name="Oval 37">
               <a:extLst>
                 <a:ext uri="{FF2B5EF4-FFF2-40B4-BE49-F238E27FC236}">
-                  <a16:creationId xmlns="" xmlns:a16="http://schemas.microsoft.com/office/drawing/2014/main" id="{38C75585-D619-4E9A-A4CB-1FA8B388ABAC}"/>
+                  <a16:creationId xmlns:a16="http://schemas.microsoft.com/office/drawing/2014/main" xmlns="" id="{38C75585-D619-4E9A-A4CB-1FA8B388ABAC}"/>
                 </a:ext>
               </a:extLst>
             </p:cNvPr>
@@ -8842,7 +8842,7 @@
             </a:ln>
             <a:extLst>
               <a:ext uri="{91240B29-F687-4f45-9708-019B960494DF}">
-                <a14:hiddenLine xmlns:a14="http://schemas.microsoft.com/office/drawing/2010/main" xmlns="" w="9525">
+                <a14:hiddenLine xmlns="" xmlns:a14="http://schemas.microsoft.com/office/drawing/2010/main" w="9525">
                   <a:solidFill>
                     <a:srgbClr val="000000"/>
                   </a:solidFill>
@@ -8870,7 +8870,7 @@
             <p:cNvPr id="134" name="Freeform 38">
               <a:extLst>
                 <a:ext uri="{FF2B5EF4-FFF2-40B4-BE49-F238E27FC236}">
-                  <a16:creationId xmlns="" xmlns:a16="http://schemas.microsoft.com/office/drawing/2014/main" id="{B7DDAA9C-A34D-47EE-96C6-EAD14E1A8A90}"/>
+                  <a16:creationId xmlns:a16="http://schemas.microsoft.com/office/drawing/2014/main" xmlns="" id="{B7DDAA9C-A34D-47EE-96C6-EAD14E1A8A90}"/>
                 </a:ext>
               </a:extLst>
             </p:cNvPr>
@@ -9003,7 +9003,7 @@
             </a:ln>
             <a:extLst>
               <a:ext uri="{91240B29-F687-4f45-9708-019B960494DF}">
-                <a14:hiddenLine xmlns:a14="http://schemas.microsoft.com/office/drawing/2010/main" xmlns="" w="9525">
+                <a14:hiddenLine xmlns="" xmlns:a14="http://schemas.microsoft.com/office/drawing/2010/main" w="9525">
                   <a:solidFill>
                     <a:srgbClr val="000000"/>
                   </a:solidFill>
@@ -9031,7 +9031,7 @@
             <p:cNvPr id="135" name="Freeform 39">
               <a:extLst>
                 <a:ext uri="{FF2B5EF4-FFF2-40B4-BE49-F238E27FC236}">
-                  <a16:creationId xmlns="" xmlns:a16="http://schemas.microsoft.com/office/drawing/2014/main" id="{45DCF87A-1373-46DA-A54B-100EC39BA36B}"/>
+                  <a16:creationId xmlns:a16="http://schemas.microsoft.com/office/drawing/2014/main" xmlns="" id="{45DCF87A-1373-46DA-A54B-100EC39BA36B}"/>
                 </a:ext>
               </a:extLst>
             </p:cNvPr>
@@ -9131,7 +9131,7 @@
             </a:ln>
             <a:extLst>
               <a:ext uri="{91240B29-F687-4f45-9708-019B960494DF}">
-                <a14:hiddenLine xmlns:a14="http://schemas.microsoft.com/office/drawing/2010/main" xmlns="" w="9525">
+                <a14:hiddenLine xmlns="" xmlns:a14="http://schemas.microsoft.com/office/drawing/2010/main" w="9525">
                   <a:solidFill>
                     <a:srgbClr val="000000"/>
                   </a:solidFill>
@@ -9159,7 +9159,7 @@
             <p:cNvPr id="136" name="Freeform 40">
               <a:extLst>
                 <a:ext uri="{FF2B5EF4-FFF2-40B4-BE49-F238E27FC236}">
-                  <a16:creationId xmlns="" xmlns:a16="http://schemas.microsoft.com/office/drawing/2014/main" id="{A3F944FA-8AC6-49DF-A0E8-0EF7E7B6D001}"/>
+                  <a16:creationId xmlns:a16="http://schemas.microsoft.com/office/drawing/2014/main" xmlns="" id="{A3F944FA-8AC6-49DF-A0E8-0EF7E7B6D001}"/>
                 </a:ext>
               </a:extLst>
             </p:cNvPr>
@@ -9299,7 +9299,7 @@
             </a:ln>
             <a:extLst>
               <a:ext uri="{91240B29-F687-4f45-9708-019B960494DF}">
-                <a14:hiddenLine xmlns:a14="http://schemas.microsoft.com/office/drawing/2010/main" xmlns="" w="9525">
+                <a14:hiddenLine xmlns="" xmlns:a14="http://schemas.microsoft.com/office/drawing/2010/main" w="9525">
                   <a:solidFill>
                     <a:srgbClr val="000000"/>
                   </a:solidFill>
@@ -9327,7 +9327,7 @@
             <p:cNvPr id="137" name="Freeform 41">
               <a:extLst>
                 <a:ext uri="{FF2B5EF4-FFF2-40B4-BE49-F238E27FC236}">
-                  <a16:creationId xmlns="" xmlns:a16="http://schemas.microsoft.com/office/drawing/2014/main" id="{58BD42BD-CDB4-495C-8089-4AFDA2261359}"/>
+                  <a16:creationId xmlns:a16="http://schemas.microsoft.com/office/drawing/2014/main" xmlns="" id="{58BD42BD-CDB4-495C-8089-4AFDA2261359}"/>
                 </a:ext>
               </a:extLst>
             </p:cNvPr>
@@ -9395,7 +9395,7 @@
             </a:ln>
             <a:extLst>
               <a:ext uri="{91240B29-F687-4f45-9708-019B960494DF}">
-                <a14:hiddenLine xmlns:a14="http://schemas.microsoft.com/office/drawing/2010/main" xmlns="" w="9525">
+                <a14:hiddenLine xmlns="" xmlns:a14="http://schemas.microsoft.com/office/drawing/2010/main" w="9525">
                   <a:solidFill>
                     <a:srgbClr val="000000"/>
                   </a:solidFill>
@@ -9423,7 +9423,7 @@
             <p:cNvPr id="138" name="Freeform 42">
               <a:extLst>
                 <a:ext uri="{FF2B5EF4-FFF2-40B4-BE49-F238E27FC236}">
-                  <a16:creationId xmlns="" xmlns:a16="http://schemas.microsoft.com/office/drawing/2014/main" id="{ED8607BF-F0B5-4AA1-92D7-03C93A5B2E81}"/>
+                  <a16:creationId xmlns:a16="http://schemas.microsoft.com/office/drawing/2014/main" xmlns="" id="{ED8607BF-F0B5-4AA1-92D7-03C93A5B2E81}"/>
                 </a:ext>
               </a:extLst>
             </p:cNvPr>
@@ -9556,7 +9556,7 @@
             </a:ln>
             <a:extLst>
               <a:ext uri="{91240B29-F687-4f45-9708-019B960494DF}">
-                <a14:hiddenLine xmlns:a14="http://schemas.microsoft.com/office/drawing/2010/main" xmlns="" w="9525">
+                <a14:hiddenLine xmlns="" xmlns:a14="http://schemas.microsoft.com/office/drawing/2010/main" w="9525">
                   <a:solidFill>
                     <a:srgbClr val="000000"/>
                   </a:solidFill>
@@ -9584,7 +9584,7 @@
             <p:cNvPr id="139" name="Freeform 43">
               <a:extLst>
                 <a:ext uri="{FF2B5EF4-FFF2-40B4-BE49-F238E27FC236}">
-                  <a16:creationId xmlns="" xmlns:a16="http://schemas.microsoft.com/office/drawing/2014/main" id="{F138961B-D07B-48A4-94C8-AABA2E25EDF9}"/>
+                  <a16:creationId xmlns:a16="http://schemas.microsoft.com/office/drawing/2014/main" xmlns="" id="{F138961B-D07B-48A4-94C8-AABA2E25EDF9}"/>
                 </a:ext>
               </a:extLst>
             </p:cNvPr>
@@ -9717,7 +9717,7 @@
             </a:ln>
             <a:extLst>
               <a:ext uri="{91240B29-F687-4f45-9708-019B960494DF}">
-                <a14:hiddenLine xmlns:a14="http://schemas.microsoft.com/office/drawing/2010/main" xmlns="" w="9525">
+                <a14:hiddenLine xmlns="" xmlns:a14="http://schemas.microsoft.com/office/drawing/2010/main" w="9525">
                   <a:solidFill>
                     <a:srgbClr val="000000"/>
                   </a:solidFill>
@@ -9745,7 +9745,7 @@
             <p:cNvPr id="140" name="Oval 44">
               <a:extLst>
                 <a:ext uri="{FF2B5EF4-FFF2-40B4-BE49-F238E27FC236}">
-                  <a16:creationId xmlns="" xmlns:a16="http://schemas.microsoft.com/office/drawing/2014/main" id="{3C9AEC7F-17DD-40C8-8BA3-890A8BC8B31B}"/>
+                  <a16:creationId xmlns:a16="http://schemas.microsoft.com/office/drawing/2014/main" xmlns="" id="{3C9AEC7F-17DD-40C8-8BA3-890A8BC8B31B}"/>
                 </a:ext>
               </a:extLst>
             </p:cNvPr>
@@ -9770,7 +9770,7 @@
             </a:ln>
             <a:extLst>
               <a:ext uri="{91240B29-F687-4f45-9708-019B960494DF}">
-                <a14:hiddenLine xmlns:a14="http://schemas.microsoft.com/office/drawing/2010/main" xmlns="" w="9525">
+                <a14:hiddenLine xmlns="" xmlns:a14="http://schemas.microsoft.com/office/drawing/2010/main" w="9525">
                   <a:solidFill>
                     <a:srgbClr val="000000"/>
                   </a:solidFill>
@@ -9798,7 +9798,7 @@
             <p:cNvPr id="141" name="Oval 45">
               <a:extLst>
                 <a:ext uri="{FF2B5EF4-FFF2-40B4-BE49-F238E27FC236}">
-                  <a16:creationId xmlns="" xmlns:a16="http://schemas.microsoft.com/office/drawing/2014/main" id="{6A53FD15-15C8-45DF-9CD6-8E8F037DF006}"/>
+                  <a16:creationId xmlns:a16="http://schemas.microsoft.com/office/drawing/2014/main" xmlns="" id="{6A53FD15-15C8-45DF-9CD6-8E8F037DF006}"/>
                 </a:ext>
               </a:extLst>
             </p:cNvPr>
@@ -9823,7 +9823,7 @@
             </a:ln>
             <a:extLst>
               <a:ext uri="{91240B29-F687-4f45-9708-019B960494DF}">
-                <a14:hiddenLine xmlns:a14="http://schemas.microsoft.com/office/drawing/2010/main" xmlns="" w="9525">
+                <a14:hiddenLine xmlns="" xmlns:a14="http://schemas.microsoft.com/office/drawing/2010/main" w="9525">
                   <a:solidFill>
                     <a:srgbClr val="000000"/>
                   </a:solidFill>
@@ -9851,7 +9851,7 @@
             <p:cNvPr id="142" name="Oval 46">
               <a:extLst>
                 <a:ext uri="{FF2B5EF4-FFF2-40B4-BE49-F238E27FC236}">
-                  <a16:creationId xmlns="" xmlns:a16="http://schemas.microsoft.com/office/drawing/2014/main" id="{6F27F538-B87A-43A8-9A8C-4938EF5D5B5C}"/>
+                  <a16:creationId xmlns:a16="http://schemas.microsoft.com/office/drawing/2014/main" xmlns="" id="{6F27F538-B87A-43A8-9A8C-4938EF5D5B5C}"/>
                 </a:ext>
               </a:extLst>
             </p:cNvPr>
@@ -9876,7 +9876,7 @@
             </a:ln>
             <a:extLst>
               <a:ext uri="{91240B29-F687-4f45-9708-019B960494DF}">
-                <a14:hiddenLine xmlns:a14="http://schemas.microsoft.com/office/drawing/2010/main" xmlns="" w="9525">
+                <a14:hiddenLine xmlns="" xmlns:a14="http://schemas.microsoft.com/office/drawing/2010/main" w="9525">
                   <a:solidFill>
                     <a:srgbClr val="000000"/>
                   </a:solidFill>
@@ -9904,7 +9904,7 @@
             <p:cNvPr id="143" name="Freeform 47">
               <a:extLst>
                 <a:ext uri="{FF2B5EF4-FFF2-40B4-BE49-F238E27FC236}">
-                  <a16:creationId xmlns="" xmlns:a16="http://schemas.microsoft.com/office/drawing/2014/main" id="{7F7D42BF-6F3B-4325-89AB-32AB8B52CF9E}"/>
+                  <a16:creationId xmlns:a16="http://schemas.microsoft.com/office/drawing/2014/main" xmlns="" id="{7F7D42BF-6F3B-4325-89AB-32AB8B52CF9E}"/>
                 </a:ext>
               </a:extLst>
             </p:cNvPr>
@@ -10037,7 +10037,7 @@
             </a:ln>
             <a:extLst>
               <a:ext uri="{91240B29-F687-4f45-9708-019B960494DF}">
-                <a14:hiddenLine xmlns:a14="http://schemas.microsoft.com/office/drawing/2010/main" xmlns="" w="9525">
+                <a14:hiddenLine xmlns="" xmlns:a14="http://schemas.microsoft.com/office/drawing/2010/main" w="9525">
                   <a:solidFill>
                     <a:srgbClr val="000000"/>
                   </a:solidFill>
@@ -10065,7 +10065,7 @@
             <p:cNvPr id="144" name="Freeform 48">
               <a:extLst>
                 <a:ext uri="{FF2B5EF4-FFF2-40B4-BE49-F238E27FC236}">
-                  <a16:creationId xmlns="" xmlns:a16="http://schemas.microsoft.com/office/drawing/2014/main" id="{8C38543B-9677-4974-8072-F151BC92DECB}"/>
+                  <a16:creationId xmlns:a16="http://schemas.microsoft.com/office/drawing/2014/main" xmlns="" id="{8C38543B-9677-4974-8072-F151BC92DECB}"/>
                 </a:ext>
               </a:extLst>
             </p:cNvPr>
@@ -10165,7 +10165,7 @@
             </a:ln>
             <a:extLst>
               <a:ext uri="{91240B29-F687-4f45-9708-019B960494DF}">
-                <a14:hiddenLine xmlns:a14="http://schemas.microsoft.com/office/drawing/2010/main" xmlns="" w="9525">
+                <a14:hiddenLine xmlns="" xmlns:a14="http://schemas.microsoft.com/office/drawing/2010/main" w="9525">
                   <a:solidFill>
                     <a:srgbClr val="000000"/>
                   </a:solidFill>
@@ -10193,7 +10193,7 @@
             <p:cNvPr id="145" name="Freeform 49">
               <a:extLst>
                 <a:ext uri="{FF2B5EF4-FFF2-40B4-BE49-F238E27FC236}">
-                  <a16:creationId xmlns="" xmlns:a16="http://schemas.microsoft.com/office/drawing/2014/main" id="{7994DEF7-5380-47F3-ABDE-576FEAC00462}"/>
+                  <a16:creationId xmlns:a16="http://schemas.microsoft.com/office/drawing/2014/main" xmlns="" id="{7994DEF7-5380-47F3-ABDE-576FEAC00462}"/>
                 </a:ext>
               </a:extLst>
             </p:cNvPr>
@@ -10333,7 +10333,7 @@
             </a:ln>
             <a:extLst>
               <a:ext uri="{91240B29-F687-4f45-9708-019B960494DF}">
-                <a14:hiddenLine xmlns:a14="http://schemas.microsoft.com/office/drawing/2010/main" xmlns="" w="9525">
+                <a14:hiddenLine xmlns="" xmlns:a14="http://schemas.microsoft.com/office/drawing/2010/main" w="9525">
                   <a:solidFill>
                     <a:srgbClr val="000000"/>
                   </a:solidFill>
@@ -10361,7 +10361,7 @@
             <p:cNvPr id="146" name="Freeform 50">
               <a:extLst>
                 <a:ext uri="{FF2B5EF4-FFF2-40B4-BE49-F238E27FC236}">
-                  <a16:creationId xmlns="" xmlns:a16="http://schemas.microsoft.com/office/drawing/2014/main" id="{17DCE0A4-9C75-4788-9C8E-0DABB3645BC5}"/>
+                  <a16:creationId xmlns:a16="http://schemas.microsoft.com/office/drawing/2014/main" xmlns="" id="{17DCE0A4-9C75-4788-9C8E-0DABB3645BC5}"/>
                 </a:ext>
               </a:extLst>
             </p:cNvPr>
@@ -10429,7 +10429,7 @@
             </a:ln>
             <a:extLst>
               <a:ext uri="{91240B29-F687-4f45-9708-019B960494DF}">
-                <a14:hiddenLine xmlns:a14="http://schemas.microsoft.com/office/drawing/2010/main" xmlns="" w="9525">
+                <a14:hiddenLine xmlns="" xmlns:a14="http://schemas.microsoft.com/office/drawing/2010/main" w="9525">
                   <a:solidFill>
                     <a:srgbClr val="000000"/>
                   </a:solidFill>
@@ -10457,7 +10457,7 @@
             <p:cNvPr id="147" name="Freeform 51">
               <a:extLst>
                 <a:ext uri="{FF2B5EF4-FFF2-40B4-BE49-F238E27FC236}">
-                  <a16:creationId xmlns="" xmlns:a16="http://schemas.microsoft.com/office/drawing/2014/main" id="{62929493-B65E-4CB7-8690-A93FB82CC36A}"/>
+                  <a16:creationId xmlns:a16="http://schemas.microsoft.com/office/drawing/2014/main" xmlns="" id="{62929493-B65E-4CB7-8690-A93FB82CC36A}"/>
                 </a:ext>
               </a:extLst>
             </p:cNvPr>
@@ -10590,7 +10590,7 @@
             </a:ln>
             <a:extLst>
               <a:ext uri="{91240B29-F687-4f45-9708-019B960494DF}">
-                <a14:hiddenLine xmlns:a14="http://schemas.microsoft.com/office/drawing/2010/main" xmlns="" w="9525">
+                <a14:hiddenLine xmlns="" xmlns:a14="http://schemas.microsoft.com/office/drawing/2010/main" w="9525">
                   <a:solidFill>
                     <a:srgbClr val="000000"/>
                   </a:solidFill>
@@ -10618,7 +10618,7 @@
             <p:cNvPr id="148" name="Freeform 52">
               <a:extLst>
                 <a:ext uri="{FF2B5EF4-FFF2-40B4-BE49-F238E27FC236}">
-                  <a16:creationId xmlns="" xmlns:a16="http://schemas.microsoft.com/office/drawing/2014/main" id="{FEDABFB9-DC39-4D40-833B-F0DC4C323FAB}"/>
+                  <a16:creationId xmlns:a16="http://schemas.microsoft.com/office/drawing/2014/main" xmlns="" id="{FEDABFB9-DC39-4D40-833B-F0DC4C323FAB}"/>
                 </a:ext>
               </a:extLst>
             </p:cNvPr>
@@ -10751,7 +10751,7 @@
             </a:ln>
             <a:extLst>
               <a:ext uri="{91240B29-F687-4f45-9708-019B960494DF}">
-                <a14:hiddenLine xmlns:a14="http://schemas.microsoft.com/office/drawing/2010/main" xmlns="" w="9525">
+                <a14:hiddenLine xmlns="" xmlns:a14="http://schemas.microsoft.com/office/drawing/2010/main" w="9525">
                   <a:solidFill>
                     <a:srgbClr val="000000"/>
                   </a:solidFill>
@@ -10779,7 +10779,7 @@
             <p:cNvPr id="149" name="Oval 53">
               <a:extLst>
                 <a:ext uri="{FF2B5EF4-FFF2-40B4-BE49-F238E27FC236}">
-                  <a16:creationId xmlns="" xmlns:a16="http://schemas.microsoft.com/office/drawing/2014/main" id="{6B653D4A-C953-43A2-9107-7E72CFF0CBFD}"/>
+                  <a16:creationId xmlns:a16="http://schemas.microsoft.com/office/drawing/2014/main" xmlns="" id="{6B653D4A-C953-43A2-9107-7E72CFF0CBFD}"/>
                 </a:ext>
               </a:extLst>
             </p:cNvPr>
@@ -10804,7 +10804,7 @@
             </a:ln>
             <a:extLst>
               <a:ext uri="{91240B29-F687-4f45-9708-019B960494DF}">
-                <a14:hiddenLine xmlns:a14="http://schemas.microsoft.com/office/drawing/2010/main" xmlns="" w="9525">
+                <a14:hiddenLine xmlns="" xmlns:a14="http://schemas.microsoft.com/office/drawing/2010/main" w="9525">
                   <a:solidFill>
                     <a:srgbClr val="000000"/>
                   </a:solidFill>
@@ -10832,7 +10832,7 @@
             <p:cNvPr id="150" name="Freeform 59">
               <a:extLst>
                 <a:ext uri="{FF2B5EF4-FFF2-40B4-BE49-F238E27FC236}">
-                  <a16:creationId xmlns="" xmlns:a16="http://schemas.microsoft.com/office/drawing/2014/main" id="{8CD747EA-E5F0-4F59-B06A-3C2F8EB82D35}"/>
+                  <a16:creationId xmlns:a16="http://schemas.microsoft.com/office/drawing/2014/main" xmlns="" id="{8CD747EA-E5F0-4F59-B06A-3C2F8EB82D35}"/>
                 </a:ext>
               </a:extLst>
             </p:cNvPr>
@@ -10900,7 +10900,7 @@
             </a:ln>
             <a:extLst>
               <a:ext uri="{91240B29-F687-4f45-9708-019B960494DF}">
-                <a14:hiddenLine xmlns:a14="http://schemas.microsoft.com/office/drawing/2010/main" xmlns="" w="9525">
+                <a14:hiddenLine xmlns="" xmlns:a14="http://schemas.microsoft.com/office/drawing/2010/main" w="9525">
                   <a:solidFill>
                     <a:srgbClr val="000000"/>
                   </a:solidFill>
@@ -10928,7 +10928,7 @@
             <p:cNvPr id="151" name="Oval 36">
               <a:extLst>
                 <a:ext uri="{FF2B5EF4-FFF2-40B4-BE49-F238E27FC236}">
-                  <a16:creationId xmlns="" xmlns:a16="http://schemas.microsoft.com/office/drawing/2014/main" id="{10F7AD51-029F-42B4-8DB5-7BF27590897A}"/>
+                  <a16:creationId xmlns:a16="http://schemas.microsoft.com/office/drawing/2014/main" xmlns="" id="{10F7AD51-029F-42B4-8DB5-7BF27590897A}"/>
                 </a:ext>
               </a:extLst>
             </p:cNvPr>
@@ -10953,7 +10953,7 @@
             </a:ln>
             <a:extLst>
               <a:ext uri="{91240B29-F687-4f45-9708-019B960494DF}">
-                <a14:hiddenLine xmlns:a14="http://schemas.microsoft.com/office/drawing/2010/main" xmlns="" w="9525">
+                <a14:hiddenLine xmlns="" xmlns:a14="http://schemas.microsoft.com/office/drawing/2010/main" w="9525">
                   <a:solidFill>
                     <a:srgbClr val="000000"/>
                   </a:solidFill>
@@ -10981,7 +10981,7 @@
             <p:cNvPr id="152" name="Oval 37">
               <a:extLst>
                 <a:ext uri="{FF2B5EF4-FFF2-40B4-BE49-F238E27FC236}">
-                  <a16:creationId xmlns="" xmlns:a16="http://schemas.microsoft.com/office/drawing/2014/main" id="{D9280BDF-6D7B-4D2B-A354-0FC46252E370}"/>
+                  <a16:creationId xmlns:a16="http://schemas.microsoft.com/office/drawing/2014/main" xmlns="" id="{D9280BDF-6D7B-4D2B-A354-0FC46252E370}"/>
                 </a:ext>
               </a:extLst>
             </p:cNvPr>
@@ -11006,7 +11006,7 @@
             </a:ln>
             <a:extLst>
               <a:ext uri="{91240B29-F687-4f45-9708-019B960494DF}">
-                <a14:hiddenLine xmlns:a14="http://schemas.microsoft.com/office/drawing/2010/main" xmlns="" w="9525">
+                <a14:hiddenLine xmlns="" xmlns:a14="http://schemas.microsoft.com/office/drawing/2010/main" w="9525">
                   <a:solidFill>
                     <a:srgbClr val="000000"/>
                   </a:solidFill>
@@ -11034,7 +11034,7 @@
             <p:cNvPr id="153" name="Freeform 38">
               <a:extLst>
                 <a:ext uri="{FF2B5EF4-FFF2-40B4-BE49-F238E27FC236}">
-                  <a16:creationId xmlns="" xmlns:a16="http://schemas.microsoft.com/office/drawing/2014/main" id="{CE3D67F3-9339-4FED-863B-B211037D171A}"/>
+                  <a16:creationId xmlns:a16="http://schemas.microsoft.com/office/drawing/2014/main" xmlns="" id="{CE3D67F3-9339-4FED-863B-B211037D171A}"/>
                 </a:ext>
               </a:extLst>
             </p:cNvPr>
@@ -11167,7 +11167,7 @@
             </a:ln>
             <a:extLst>
               <a:ext uri="{91240B29-F687-4f45-9708-019B960494DF}">
-                <a14:hiddenLine xmlns:a14="http://schemas.microsoft.com/office/drawing/2010/main" xmlns="" w="9525">
+                <a14:hiddenLine xmlns="" xmlns:a14="http://schemas.microsoft.com/office/drawing/2010/main" w="9525">
                   <a:solidFill>
                     <a:srgbClr val="000000"/>
                   </a:solidFill>
@@ -11195,7 +11195,7 @@
             <p:cNvPr id="154" name="Freeform 39">
               <a:extLst>
                 <a:ext uri="{FF2B5EF4-FFF2-40B4-BE49-F238E27FC236}">
-                  <a16:creationId xmlns="" xmlns:a16="http://schemas.microsoft.com/office/drawing/2014/main" id="{D2E8443D-1FF6-476A-968D-1CC7BC782879}"/>
+                  <a16:creationId xmlns:a16="http://schemas.microsoft.com/office/drawing/2014/main" xmlns="" id="{D2E8443D-1FF6-476A-968D-1CC7BC782879}"/>
                 </a:ext>
               </a:extLst>
             </p:cNvPr>
@@ -11295,7 +11295,7 @@
             </a:ln>
             <a:extLst>
               <a:ext uri="{91240B29-F687-4f45-9708-019B960494DF}">
-                <a14:hiddenLine xmlns:a14="http://schemas.microsoft.com/office/drawing/2010/main" xmlns="" w="9525">
+                <a14:hiddenLine xmlns="" xmlns:a14="http://schemas.microsoft.com/office/drawing/2010/main" w="9525">
                   <a:solidFill>
                     <a:srgbClr val="000000"/>
                   </a:solidFill>
@@ -11323,7 +11323,7 @@
             <p:cNvPr id="155" name="Freeform 40">
               <a:extLst>
                 <a:ext uri="{FF2B5EF4-FFF2-40B4-BE49-F238E27FC236}">
-                  <a16:creationId xmlns="" xmlns:a16="http://schemas.microsoft.com/office/drawing/2014/main" id="{8BD89819-F099-4420-9B06-E54E9B89BA73}"/>
+                  <a16:creationId xmlns:a16="http://schemas.microsoft.com/office/drawing/2014/main" xmlns="" id="{8BD89819-F099-4420-9B06-E54E9B89BA73}"/>
                 </a:ext>
               </a:extLst>
             </p:cNvPr>
@@ -11463,7 +11463,7 @@
             </a:ln>
             <a:extLst>
               <a:ext uri="{91240B29-F687-4f45-9708-019B960494DF}">
-                <a14:hiddenLine xmlns:a14="http://schemas.microsoft.com/office/drawing/2010/main" xmlns="" w="9525">
+                <a14:hiddenLine xmlns="" xmlns:a14="http://schemas.microsoft.com/office/drawing/2010/main" w="9525">
                   <a:solidFill>
                     <a:srgbClr val="000000"/>
                   </a:solidFill>
@@ -11491,7 +11491,7 @@
             <p:cNvPr id="156" name="Freeform 42">
               <a:extLst>
                 <a:ext uri="{FF2B5EF4-FFF2-40B4-BE49-F238E27FC236}">
-                  <a16:creationId xmlns="" xmlns:a16="http://schemas.microsoft.com/office/drawing/2014/main" id="{1B5A5428-AC51-480A-A5AF-C1F800660E1F}"/>
+                  <a16:creationId xmlns:a16="http://schemas.microsoft.com/office/drawing/2014/main" xmlns="" id="{1B5A5428-AC51-480A-A5AF-C1F800660E1F}"/>
                 </a:ext>
               </a:extLst>
             </p:cNvPr>
@@ -11624,7 +11624,7 @@
             </a:ln>
             <a:extLst>
               <a:ext uri="{91240B29-F687-4f45-9708-019B960494DF}">
-                <a14:hiddenLine xmlns:a14="http://schemas.microsoft.com/office/drawing/2010/main" xmlns="" w="9525">
+                <a14:hiddenLine xmlns="" xmlns:a14="http://schemas.microsoft.com/office/drawing/2010/main" w="9525">
                   <a:solidFill>
                     <a:srgbClr val="000000"/>
                   </a:solidFill>
@@ -11652,7 +11652,7 @@
             <p:cNvPr id="157" name="Freeform 43">
               <a:extLst>
                 <a:ext uri="{FF2B5EF4-FFF2-40B4-BE49-F238E27FC236}">
-                  <a16:creationId xmlns="" xmlns:a16="http://schemas.microsoft.com/office/drawing/2014/main" id="{A0582DC2-0448-442A-9329-464DC716C4B1}"/>
+                  <a16:creationId xmlns:a16="http://schemas.microsoft.com/office/drawing/2014/main" xmlns="" id="{A0582DC2-0448-442A-9329-464DC716C4B1}"/>
                 </a:ext>
               </a:extLst>
             </p:cNvPr>
@@ -11785,7 +11785,7 @@
             </a:ln>
             <a:extLst>
               <a:ext uri="{91240B29-F687-4f45-9708-019B960494DF}">
-                <a14:hiddenLine xmlns:a14="http://schemas.microsoft.com/office/drawing/2010/main" xmlns="" w="9525">
+                <a14:hiddenLine xmlns="" xmlns:a14="http://schemas.microsoft.com/office/drawing/2010/main" w="9525">
                   <a:solidFill>
                     <a:srgbClr val="000000"/>
                   </a:solidFill>
@@ -11813,7 +11813,7 @@
             <p:cNvPr id="158" name="Oval 44">
               <a:extLst>
                 <a:ext uri="{FF2B5EF4-FFF2-40B4-BE49-F238E27FC236}">
-                  <a16:creationId xmlns="" xmlns:a16="http://schemas.microsoft.com/office/drawing/2014/main" id="{97BE47FE-FDA2-41C0-B9F1-A213ECF24298}"/>
+                  <a16:creationId xmlns:a16="http://schemas.microsoft.com/office/drawing/2014/main" xmlns="" id="{97BE47FE-FDA2-41C0-B9F1-A213ECF24298}"/>
                 </a:ext>
               </a:extLst>
             </p:cNvPr>
@@ -11838,7 +11838,7 @@
             </a:ln>
             <a:extLst>
               <a:ext uri="{91240B29-F687-4f45-9708-019B960494DF}">
-                <a14:hiddenLine xmlns:a14="http://schemas.microsoft.com/office/drawing/2010/main" xmlns="" w="9525">
+                <a14:hiddenLine xmlns="" xmlns:a14="http://schemas.microsoft.com/office/drawing/2010/main" w="9525">
                   <a:solidFill>
                     <a:srgbClr val="000000"/>
                   </a:solidFill>
@@ -11866,7 +11866,7 @@
             <p:cNvPr id="159" name="Oval 45">
               <a:extLst>
                 <a:ext uri="{FF2B5EF4-FFF2-40B4-BE49-F238E27FC236}">
-                  <a16:creationId xmlns="" xmlns:a16="http://schemas.microsoft.com/office/drawing/2014/main" id="{D5899F79-6CE3-4AD9-86BF-0B6DDC2A59A5}"/>
+                  <a16:creationId xmlns:a16="http://schemas.microsoft.com/office/drawing/2014/main" xmlns="" id="{D5899F79-6CE3-4AD9-86BF-0B6DDC2A59A5}"/>
                 </a:ext>
               </a:extLst>
             </p:cNvPr>
@@ -11891,7 +11891,7 @@
             </a:ln>
             <a:extLst>
               <a:ext uri="{91240B29-F687-4f45-9708-019B960494DF}">
-                <a14:hiddenLine xmlns:a14="http://schemas.microsoft.com/office/drawing/2010/main" xmlns="" w="9525">
+                <a14:hiddenLine xmlns="" xmlns:a14="http://schemas.microsoft.com/office/drawing/2010/main" w="9525">
                   <a:solidFill>
                     <a:srgbClr val="000000"/>
                   </a:solidFill>
@@ -11919,7 +11919,7 @@
             <p:cNvPr id="160" name="Oval 46">
               <a:extLst>
                 <a:ext uri="{FF2B5EF4-FFF2-40B4-BE49-F238E27FC236}">
-                  <a16:creationId xmlns="" xmlns:a16="http://schemas.microsoft.com/office/drawing/2014/main" id="{C22A3B75-2830-4AE9-AB66-C0582C36FE50}"/>
+                  <a16:creationId xmlns:a16="http://schemas.microsoft.com/office/drawing/2014/main" xmlns="" id="{C22A3B75-2830-4AE9-AB66-C0582C36FE50}"/>
                 </a:ext>
               </a:extLst>
             </p:cNvPr>
@@ -11944,7 +11944,7 @@
             </a:ln>
             <a:extLst>
               <a:ext uri="{91240B29-F687-4f45-9708-019B960494DF}">
-                <a14:hiddenLine xmlns:a14="http://schemas.microsoft.com/office/drawing/2010/main" xmlns="" w="9525">
+                <a14:hiddenLine xmlns="" xmlns:a14="http://schemas.microsoft.com/office/drawing/2010/main" w="9525">
                   <a:solidFill>
                     <a:srgbClr val="000000"/>
                   </a:solidFill>
@@ -11972,7 +11972,7 @@
             <p:cNvPr id="161" name="Freeform 47">
               <a:extLst>
                 <a:ext uri="{FF2B5EF4-FFF2-40B4-BE49-F238E27FC236}">
-                  <a16:creationId xmlns="" xmlns:a16="http://schemas.microsoft.com/office/drawing/2014/main" id="{EF8799BE-5C87-40F2-A886-5032A5E5B45B}"/>
+                  <a16:creationId xmlns:a16="http://schemas.microsoft.com/office/drawing/2014/main" xmlns="" id="{EF8799BE-5C87-40F2-A886-5032A5E5B45B}"/>
                 </a:ext>
               </a:extLst>
             </p:cNvPr>
@@ -12105,7 +12105,7 @@
             </a:ln>
             <a:extLst>
               <a:ext uri="{91240B29-F687-4f45-9708-019B960494DF}">
-                <a14:hiddenLine xmlns:a14="http://schemas.microsoft.com/office/drawing/2010/main" xmlns="" w="9525">
+                <a14:hiddenLine xmlns="" xmlns:a14="http://schemas.microsoft.com/office/drawing/2010/main" w="9525">
                   <a:solidFill>
                     <a:srgbClr val="000000"/>
                   </a:solidFill>
@@ -12133,7 +12133,7 @@
             <p:cNvPr id="162" name="Freeform 48">
               <a:extLst>
                 <a:ext uri="{FF2B5EF4-FFF2-40B4-BE49-F238E27FC236}">
-                  <a16:creationId xmlns="" xmlns:a16="http://schemas.microsoft.com/office/drawing/2014/main" id="{347F1E26-4D33-4A10-BE19-EF4B66B0866B}"/>
+                  <a16:creationId xmlns:a16="http://schemas.microsoft.com/office/drawing/2014/main" xmlns="" id="{347F1E26-4D33-4A10-BE19-EF4B66B0866B}"/>
                 </a:ext>
               </a:extLst>
             </p:cNvPr>
@@ -12233,7 +12233,7 @@
             </a:ln>
             <a:extLst>
               <a:ext uri="{91240B29-F687-4f45-9708-019B960494DF}">
-                <a14:hiddenLine xmlns:a14="http://schemas.microsoft.com/office/drawing/2010/main" xmlns="" w="9525">
+                <a14:hiddenLine xmlns="" xmlns:a14="http://schemas.microsoft.com/office/drawing/2010/main" w="9525">
                   <a:solidFill>
                     <a:srgbClr val="000000"/>
                   </a:solidFill>
@@ -12261,7 +12261,7 @@
             <p:cNvPr id="163" name="Freeform 49">
               <a:extLst>
                 <a:ext uri="{FF2B5EF4-FFF2-40B4-BE49-F238E27FC236}">
-                  <a16:creationId xmlns="" xmlns:a16="http://schemas.microsoft.com/office/drawing/2014/main" id="{D6D48CD1-E763-4A75-903E-9C091755C843}"/>
+                  <a16:creationId xmlns:a16="http://schemas.microsoft.com/office/drawing/2014/main" xmlns="" id="{D6D48CD1-E763-4A75-903E-9C091755C843}"/>
                 </a:ext>
               </a:extLst>
             </p:cNvPr>
@@ -12401,7 +12401,7 @@
             </a:ln>
             <a:extLst>
               <a:ext uri="{91240B29-F687-4f45-9708-019B960494DF}">
-                <a14:hiddenLine xmlns:a14="http://schemas.microsoft.com/office/drawing/2010/main" xmlns="" w="9525">
+                <a14:hiddenLine xmlns="" xmlns:a14="http://schemas.microsoft.com/office/drawing/2010/main" w="9525">
                   <a:solidFill>
                     <a:srgbClr val="000000"/>
                   </a:solidFill>
@@ -12429,7 +12429,7 @@
             <p:cNvPr id="164" name="Freeform 50">
               <a:extLst>
                 <a:ext uri="{FF2B5EF4-FFF2-40B4-BE49-F238E27FC236}">
-                  <a16:creationId xmlns="" xmlns:a16="http://schemas.microsoft.com/office/drawing/2014/main" id="{10EDCAE1-2F88-4E8A-9E87-5EA06CB1414E}"/>
+                  <a16:creationId xmlns:a16="http://schemas.microsoft.com/office/drawing/2014/main" xmlns="" id="{10EDCAE1-2F88-4E8A-9E87-5EA06CB1414E}"/>
                 </a:ext>
               </a:extLst>
             </p:cNvPr>
@@ -12497,7 +12497,7 @@
             </a:ln>
             <a:extLst>
               <a:ext uri="{91240B29-F687-4f45-9708-019B960494DF}">
-                <a14:hiddenLine xmlns:a14="http://schemas.microsoft.com/office/drawing/2010/main" xmlns="" w="9525">
+                <a14:hiddenLine xmlns="" xmlns:a14="http://schemas.microsoft.com/office/drawing/2010/main" w="9525">
                   <a:solidFill>
                     <a:srgbClr val="000000"/>
                   </a:solidFill>
@@ -12525,7 +12525,7 @@
             <p:cNvPr id="165" name="Freeform 51">
               <a:extLst>
                 <a:ext uri="{FF2B5EF4-FFF2-40B4-BE49-F238E27FC236}">
-                  <a16:creationId xmlns="" xmlns:a16="http://schemas.microsoft.com/office/drawing/2014/main" id="{B0318F65-29A9-4E99-A7B5-202839DB1F54}"/>
+                  <a16:creationId xmlns:a16="http://schemas.microsoft.com/office/drawing/2014/main" xmlns="" id="{B0318F65-29A9-4E99-A7B5-202839DB1F54}"/>
                 </a:ext>
               </a:extLst>
             </p:cNvPr>
@@ -12658,7 +12658,7 @@
             </a:ln>
             <a:extLst>
               <a:ext uri="{91240B29-F687-4f45-9708-019B960494DF}">
-                <a14:hiddenLine xmlns:a14="http://schemas.microsoft.com/office/drawing/2010/main" xmlns="" w="9525">
+                <a14:hiddenLine xmlns="" xmlns:a14="http://schemas.microsoft.com/office/drawing/2010/main" w="9525">
                   <a:solidFill>
                     <a:srgbClr val="000000"/>
                   </a:solidFill>
@@ -12686,7 +12686,7 @@
             <p:cNvPr id="166" name="Freeform 52">
               <a:extLst>
                 <a:ext uri="{FF2B5EF4-FFF2-40B4-BE49-F238E27FC236}">
-                  <a16:creationId xmlns="" xmlns:a16="http://schemas.microsoft.com/office/drawing/2014/main" id="{6B27258F-A3C7-41C7-8167-AAAF9E125D79}"/>
+                  <a16:creationId xmlns:a16="http://schemas.microsoft.com/office/drawing/2014/main" xmlns="" id="{6B27258F-A3C7-41C7-8167-AAAF9E125D79}"/>
                 </a:ext>
               </a:extLst>
             </p:cNvPr>
@@ -12819,7 +12819,7 @@
             </a:ln>
             <a:extLst>
               <a:ext uri="{91240B29-F687-4f45-9708-019B960494DF}">
-                <a14:hiddenLine xmlns:a14="http://schemas.microsoft.com/office/drawing/2010/main" xmlns="" w="9525">
+                <a14:hiddenLine xmlns="" xmlns:a14="http://schemas.microsoft.com/office/drawing/2010/main" w="9525">
                   <a:solidFill>
                     <a:srgbClr val="000000"/>
                   </a:solidFill>
@@ -12847,7 +12847,7 @@
             <p:cNvPr id="167" name="Oval 53">
               <a:extLst>
                 <a:ext uri="{FF2B5EF4-FFF2-40B4-BE49-F238E27FC236}">
-                  <a16:creationId xmlns="" xmlns:a16="http://schemas.microsoft.com/office/drawing/2014/main" id="{1FA0DF60-A1CC-498E-98F2-A4F6D304E079}"/>
+                  <a16:creationId xmlns:a16="http://schemas.microsoft.com/office/drawing/2014/main" xmlns="" id="{1FA0DF60-A1CC-498E-98F2-A4F6D304E079}"/>
                 </a:ext>
               </a:extLst>
             </p:cNvPr>
@@ -12872,7 +12872,7 @@
             </a:ln>
             <a:extLst>
               <a:ext uri="{91240B29-F687-4f45-9708-019B960494DF}">
-                <a14:hiddenLine xmlns:a14="http://schemas.microsoft.com/office/drawing/2010/main" xmlns="" w="9525">
+                <a14:hiddenLine xmlns="" xmlns:a14="http://schemas.microsoft.com/office/drawing/2010/main" w="9525">
                   <a:solidFill>
                     <a:srgbClr val="000000"/>
                   </a:solidFill>
@@ -12900,7 +12900,7 @@
             <p:cNvPr id="168" name="Freeform 59">
               <a:extLst>
                 <a:ext uri="{FF2B5EF4-FFF2-40B4-BE49-F238E27FC236}">
-                  <a16:creationId xmlns="" xmlns:a16="http://schemas.microsoft.com/office/drawing/2014/main" id="{37CCC26D-B56E-4372-85DE-4EDE87536347}"/>
+                  <a16:creationId xmlns:a16="http://schemas.microsoft.com/office/drawing/2014/main" xmlns="" id="{37CCC26D-B56E-4372-85DE-4EDE87536347}"/>
                 </a:ext>
               </a:extLst>
             </p:cNvPr>
@@ -12968,7 +12968,7 @@
             </a:ln>
             <a:extLst>
               <a:ext uri="{91240B29-F687-4f45-9708-019B960494DF}">
-                <a14:hiddenLine xmlns:a14="http://schemas.microsoft.com/office/drawing/2010/main" xmlns="" w="9525">
+                <a14:hiddenLine xmlns="" xmlns:a14="http://schemas.microsoft.com/office/drawing/2010/main" w="9525">
                   <a:solidFill>
                     <a:srgbClr val="000000"/>
                   </a:solidFill>
@@ -12996,7 +12996,7 @@
             <p:cNvPr id="170" name="Oval 36">
               <a:extLst>
                 <a:ext uri="{FF2B5EF4-FFF2-40B4-BE49-F238E27FC236}">
-                  <a16:creationId xmlns="" xmlns:a16="http://schemas.microsoft.com/office/drawing/2014/main" id="{B078A5C1-B480-412F-9782-8B910D78F004}"/>
+                  <a16:creationId xmlns:a16="http://schemas.microsoft.com/office/drawing/2014/main" xmlns="" id="{B078A5C1-B480-412F-9782-8B910D78F004}"/>
                 </a:ext>
               </a:extLst>
             </p:cNvPr>
@@ -13021,7 +13021,7 @@
             </a:ln>
             <a:extLst>
               <a:ext uri="{91240B29-F687-4f45-9708-019B960494DF}">
-                <a14:hiddenLine xmlns:a14="http://schemas.microsoft.com/office/drawing/2010/main" xmlns="" w="9525">
+                <a14:hiddenLine xmlns="" xmlns:a14="http://schemas.microsoft.com/office/drawing/2010/main" w="9525">
                   <a:solidFill>
                     <a:srgbClr val="000000"/>
                   </a:solidFill>
@@ -13049,7 +13049,7 @@
             <p:cNvPr id="171" name="Oval 37">
               <a:extLst>
                 <a:ext uri="{FF2B5EF4-FFF2-40B4-BE49-F238E27FC236}">
-                  <a16:creationId xmlns="" xmlns:a16="http://schemas.microsoft.com/office/drawing/2014/main" id="{05D72483-40FA-4A62-ABDE-31385CA04755}"/>
+                  <a16:creationId xmlns:a16="http://schemas.microsoft.com/office/drawing/2014/main" xmlns="" id="{05D72483-40FA-4A62-ABDE-31385CA04755}"/>
                 </a:ext>
               </a:extLst>
             </p:cNvPr>
@@ -13074,7 +13074,7 @@
             </a:ln>
             <a:extLst>
               <a:ext uri="{91240B29-F687-4f45-9708-019B960494DF}">
-                <a14:hiddenLine xmlns:a14="http://schemas.microsoft.com/office/drawing/2010/main" xmlns="" w="9525">
+                <a14:hiddenLine xmlns="" xmlns:a14="http://schemas.microsoft.com/office/drawing/2010/main" w="9525">
                   <a:solidFill>
                     <a:srgbClr val="000000"/>
                   </a:solidFill>
@@ -13102,7 +13102,7 @@
             <p:cNvPr id="172" name="Freeform 38">
               <a:extLst>
                 <a:ext uri="{FF2B5EF4-FFF2-40B4-BE49-F238E27FC236}">
-                  <a16:creationId xmlns="" xmlns:a16="http://schemas.microsoft.com/office/drawing/2014/main" id="{CBFBB7C8-E2B9-44C2-BF9D-07C57E716BB0}"/>
+                  <a16:creationId xmlns:a16="http://schemas.microsoft.com/office/drawing/2014/main" xmlns="" id="{CBFBB7C8-E2B9-44C2-BF9D-07C57E716BB0}"/>
                 </a:ext>
               </a:extLst>
             </p:cNvPr>
@@ -13235,7 +13235,7 @@
             </a:ln>
             <a:extLst>
               <a:ext uri="{91240B29-F687-4f45-9708-019B960494DF}">
-                <a14:hiddenLine xmlns:a14="http://schemas.microsoft.com/office/drawing/2010/main" xmlns="" w="9525">
+                <a14:hiddenLine xmlns="" xmlns:a14="http://schemas.microsoft.com/office/drawing/2010/main" w="9525">
                   <a:solidFill>
                     <a:srgbClr val="000000"/>
                   </a:solidFill>
@@ -13263,7 +13263,7 @@
             <p:cNvPr id="173" name="Freeform 39">
               <a:extLst>
                 <a:ext uri="{FF2B5EF4-FFF2-40B4-BE49-F238E27FC236}">
-                  <a16:creationId xmlns="" xmlns:a16="http://schemas.microsoft.com/office/drawing/2014/main" id="{D16F4513-1E27-47D2-9F97-04F24C3CBC7A}"/>
+                  <a16:creationId xmlns:a16="http://schemas.microsoft.com/office/drawing/2014/main" xmlns="" id="{D16F4513-1E27-47D2-9F97-04F24C3CBC7A}"/>
                 </a:ext>
               </a:extLst>
             </p:cNvPr>
@@ -13363,7 +13363,7 @@
             </a:ln>
             <a:extLst>
               <a:ext uri="{91240B29-F687-4f45-9708-019B960494DF}">
-                <a14:hiddenLine xmlns:a14="http://schemas.microsoft.com/office/drawing/2010/main" xmlns="" w="9525">
+                <a14:hiddenLine xmlns="" xmlns:a14="http://schemas.microsoft.com/office/drawing/2010/main" w="9525">
                   <a:solidFill>
                     <a:srgbClr val="000000"/>
                   </a:solidFill>
@@ -13391,7 +13391,7 @@
             <p:cNvPr id="174" name="Freeform 40">
               <a:extLst>
                 <a:ext uri="{FF2B5EF4-FFF2-40B4-BE49-F238E27FC236}">
-                  <a16:creationId xmlns="" xmlns:a16="http://schemas.microsoft.com/office/drawing/2014/main" id="{87D954E6-ED09-42C8-B3A6-03186E9823A4}"/>
+                  <a16:creationId xmlns:a16="http://schemas.microsoft.com/office/drawing/2014/main" xmlns="" id="{87D954E6-ED09-42C8-B3A6-03186E9823A4}"/>
                 </a:ext>
               </a:extLst>
             </p:cNvPr>
@@ -13531,7 +13531,7 @@
             </a:ln>
             <a:extLst>
               <a:ext uri="{91240B29-F687-4f45-9708-019B960494DF}">
-                <a14:hiddenLine xmlns:a14="http://schemas.microsoft.com/office/drawing/2010/main" xmlns="" w="9525">
+                <a14:hiddenLine xmlns="" xmlns:a14="http://schemas.microsoft.com/office/drawing/2010/main" w="9525">
                   <a:solidFill>
                     <a:srgbClr val="000000"/>
                   </a:solidFill>
@@ -13559,7 +13559,7 @@
             <p:cNvPr id="175" name="Freeform 42">
               <a:extLst>
                 <a:ext uri="{FF2B5EF4-FFF2-40B4-BE49-F238E27FC236}">
-                  <a16:creationId xmlns="" xmlns:a16="http://schemas.microsoft.com/office/drawing/2014/main" id="{B2156065-608F-4DC9-B507-678254D0DF9D}"/>
+                  <a16:creationId xmlns:a16="http://schemas.microsoft.com/office/drawing/2014/main" xmlns="" id="{B2156065-608F-4DC9-B507-678254D0DF9D}"/>
                 </a:ext>
               </a:extLst>
             </p:cNvPr>
@@ -13692,7 +13692,7 @@
             </a:ln>
             <a:extLst>
               <a:ext uri="{91240B29-F687-4f45-9708-019B960494DF}">
-                <a14:hiddenLine xmlns:a14="http://schemas.microsoft.com/office/drawing/2010/main" xmlns="" w="9525">
+                <a14:hiddenLine xmlns="" xmlns:a14="http://schemas.microsoft.com/office/drawing/2010/main" w="9525">
                   <a:solidFill>
                     <a:srgbClr val="000000"/>
                   </a:solidFill>
@@ -13720,7 +13720,7 @@
             <p:cNvPr id="176" name="Freeform 43">
               <a:extLst>
                 <a:ext uri="{FF2B5EF4-FFF2-40B4-BE49-F238E27FC236}">
-                  <a16:creationId xmlns="" xmlns:a16="http://schemas.microsoft.com/office/drawing/2014/main" id="{88231401-AE4E-420A-99EF-A48D1AB330DA}"/>
+                  <a16:creationId xmlns:a16="http://schemas.microsoft.com/office/drawing/2014/main" xmlns="" id="{88231401-AE4E-420A-99EF-A48D1AB330DA}"/>
                 </a:ext>
               </a:extLst>
             </p:cNvPr>
@@ -13853,7 +13853,7 @@
             </a:ln>
             <a:extLst>
               <a:ext uri="{91240B29-F687-4f45-9708-019B960494DF}">
-                <a14:hiddenLine xmlns:a14="http://schemas.microsoft.com/office/drawing/2010/main" xmlns="" w="9525">
+                <a14:hiddenLine xmlns="" xmlns:a14="http://schemas.microsoft.com/office/drawing/2010/main" w="9525">
                   <a:solidFill>
                     <a:srgbClr val="000000"/>
                   </a:solidFill>
@@ -13881,7 +13881,7 @@
             <p:cNvPr id="177" name="Oval 44">
               <a:extLst>
                 <a:ext uri="{FF2B5EF4-FFF2-40B4-BE49-F238E27FC236}">
-                  <a16:creationId xmlns="" xmlns:a16="http://schemas.microsoft.com/office/drawing/2014/main" id="{8395D515-511B-4D1B-ABB5-0C11B4D0D7BE}"/>
+                  <a16:creationId xmlns:a16="http://schemas.microsoft.com/office/drawing/2014/main" xmlns="" id="{8395D515-511B-4D1B-ABB5-0C11B4D0D7BE}"/>
                 </a:ext>
               </a:extLst>
             </p:cNvPr>
@@ -13906,7 +13906,7 @@
             </a:ln>
             <a:extLst>
               <a:ext uri="{91240B29-F687-4f45-9708-019B960494DF}">
-                <a14:hiddenLine xmlns:a14="http://schemas.microsoft.com/office/drawing/2010/main" xmlns="" w="9525">
+                <a14:hiddenLine xmlns="" xmlns:a14="http://schemas.microsoft.com/office/drawing/2010/main" w="9525">
                   <a:solidFill>
                     <a:srgbClr val="000000"/>
                   </a:solidFill>
@@ -13934,7 +13934,7 @@
             <p:cNvPr id="178" name="Oval 45">
               <a:extLst>
                 <a:ext uri="{FF2B5EF4-FFF2-40B4-BE49-F238E27FC236}">
-                  <a16:creationId xmlns="" xmlns:a16="http://schemas.microsoft.com/office/drawing/2014/main" id="{AEB0E138-77BE-41F9-A716-051BF43173D7}"/>
+                  <a16:creationId xmlns:a16="http://schemas.microsoft.com/office/drawing/2014/main" xmlns="" id="{AEB0E138-77BE-41F9-A716-051BF43173D7}"/>
                 </a:ext>
               </a:extLst>
             </p:cNvPr>
@@ -13959,7 +13959,7 @@
             </a:ln>
             <a:extLst>
               <a:ext uri="{91240B29-F687-4f45-9708-019B960494DF}">
-                <a14:hiddenLine xmlns:a14="http://schemas.microsoft.com/office/drawing/2010/main" xmlns="" w="9525">
+                <a14:hiddenLine xmlns="" xmlns:a14="http://schemas.microsoft.com/office/drawing/2010/main" w="9525">
                   <a:solidFill>
                     <a:srgbClr val="000000"/>
                   </a:solidFill>
@@ -13987,7 +13987,7 @@
             <p:cNvPr id="179" name="Oval 46">
               <a:extLst>
                 <a:ext uri="{FF2B5EF4-FFF2-40B4-BE49-F238E27FC236}">
-                  <a16:creationId xmlns="" xmlns:a16="http://schemas.microsoft.com/office/drawing/2014/main" id="{41927B00-105B-41D5-9928-D66D558BAC23}"/>
+                  <a16:creationId xmlns:a16="http://schemas.microsoft.com/office/drawing/2014/main" xmlns="" id="{41927B00-105B-41D5-9928-D66D558BAC23}"/>
                 </a:ext>
               </a:extLst>
             </p:cNvPr>
@@ -14012,7 +14012,7 @@
             </a:ln>
             <a:extLst>
               <a:ext uri="{91240B29-F687-4f45-9708-019B960494DF}">
-                <a14:hiddenLine xmlns:a14="http://schemas.microsoft.com/office/drawing/2010/main" xmlns="" w="9525">
+                <a14:hiddenLine xmlns="" xmlns:a14="http://schemas.microsoft.com/office/drawing/2010/main" w="9525">
                   <a:solidFill>
                     <a:srgbClr val="000000"/>
                   </a:solidFill>
@@ -14040,7 +14040,7 @@
             <p:cNvPr id="180" name="Freeform 47">
               <a:extLst>
                 <a:ext uri="{FF2B5EF4-FFF2-40B4-BE49-F238E27FC236}">
-                  <a16:creationId xmlns="" xmlns:a16="http://schemas.microsoft.com/office/drawing/2014/main" id="{D0EDE76C-EBDD-4BB8-BED4-77691286DC23}"/>
+                  <a16:creationId xmlns:a16="http://schemas.microsoft.com/office/drawing/2014/main" xmlns="" id="{D0EDE76C-EBDD-4BB8-BED4-77691286DC23}"/>
                 </a:ext>
               </a:extLst>
             </p:cNvPr>
@@ -14173,7 +14173,7 @@
             </a:ln>
             <a:extLst>
               <a:ext uri="{91240B29-F687-4f45-9708-019B960494DF}">
-                <a14:hiddenLine xmlns:a14="http://schemas.microsoft.com/office/drawing/2010/main" xmlns="" w="9525">
+                <a14:hiddenLine xmlns="" xmlns:a14="http://schemas.microsoft.com/office/drawing/2010/main" w="9525">
                   <a:solidFill>
                     <a:srgbClr val="000000"/>
                   </a:solidFill>
@@ -14201,7 +14201,7 @@
             <p:cNvPr id="181" name="Freeform 48">
               <a:extLst>
                 <a:ext uri="{FF2B5EF4-FFF2-40B4-BE49-F238E27FC236}">
-                  <a16:creationId xmlns="" xmlns:a16="http://schemas.microsoft.com/office/drawing/2014/main" id="{743B8296-6466-4F42-88E3-05BA9C8E45F5}"/>
+                  <a16:creationId xmlns:a16="http://schemas.microsoft.com/office/drawing/2014/main" xmlns="" id="{743B8296-6466-4F42-88E3-05BA9C8E45F5}"/>
                 </a:ext>
               </a:extLst>
             </p:cNvPr>
@@ -14301,7 +14301,7 @@
             </a:ln>
             <a:extLst>
               <a:ext uri="{91240B29-F687-4f45-9708-019B960494DF}">
-                <a14:hiddenLine xmlns:a14="http://schemas.microsoft.com/office/drawing/2010/main" xmlns="" w="9525">
+                <a14:hiddenLine xmlns="" xmlns:a14="http://schemas.microsoft.com/office/drawing/2010/main" w="9525">
                   <a:solidFill>
                     <a:srgbClr val="000000"/>
                   </a:solidFill>
@@ -14329,7 +14329,7 @@
             <p:cNvPr id="182" name="Freeform 49">
               <a:extLst>
                 <a:ext uri="{FF2B5EF4-FFF2-40B4-BE49-F238E27FC236}">
-                  <a16:creationId xmlns="" xmlns:a16="http://schemas.microsoft.com/office/drawing/2014/main" id="{0D804D19-6C23-4C6C-9394-9EE831A535CF}"/>
+                  <a16:creationId xmlns:a16="http://schemas.microsoft.com/office/drawing/2014/main" xmlns="" id="{0D804D19-6C23-4C6C-9394-9EE831A535CF}"/>
                 </a:ext>
               </a:extLst>
             </p:cNvPr>
@@ -14469,7 +14469,7 @@
             </a:ln>
             <a:extLst>
               <a:ext uri="{91240B29-F687-4f45-9708-019B960494DF}">
-                <a14:hiddenLine xmlns:a14="http://schemas.microsoft.com/office/drawing/2010/main" xmlns="" w="9525">
+                <a14:hiddenLine xmlns="" xmlns:a14="http://schemas.microsoft.com/office/drawing/2010/main" w="9525">
                   <a:solidFill>
                     <a:srgbClr val="000000"/>
                   </a:solidFill>
@@ -14497,7 +14497,7 @@
             <p:cNvPr id="183" name="Freeform 50">
               <a:extLst>
                 <a:ext uri="{FF2B5EF4-FFF2-40B4-BE49-F238E27FC236}">
-                  <a16:creationId xmlns="" xmlns:a16="http://schemas.microsoft.com/office/drawing/2014/main" id="{395819C0-D9B7-4D44-AEEC-81DD100E1CC7}"/>
+                  <a16:creationId xmlns:a16="http://schemas.microsoft.com/office/drawing/2014/main" xmlns="" id="{395819C0-D9B7-4D44-AEEC-81DD100E1CC7}"/>
                 </a:ext>
               </a:extLst>
             </p:cNvPr>
@@ -14565,7 +14565,7 @@
             </a:ln>
             <a:extLst>
               <a:ext uri="{91240B29-F687-4f45-9708-019B960494DF}">
-                <a14:hiddenLine xmlns:a14="http://schemas.microsoft.com/office/drawing/2010/main" xmlns="" w="9525">
+                <a14:hiddenLine xmlns="" xmlns:a14="http://schemas.microsoft.com/office/drawing/2010/main" w="9525">
                   <a:solidFill>
                     <a:srgbClr val="000000"/>
                   </a:solidFill>
@@ -14593,7 +14593,7 @@
             <p:cNvPr id="184" name="Freeform 51">
               <a:extLst>
                 <a:ext uri="{FF2B5EF4-FFF2-40B4-BE49-F238E27FC236}">
-                  <a16:creationId xmlns="" xmlns:a16="http://schemas.microsoft.com/office/drawing/2014/main" id="{AC6F935A-1039-4DB7-B33F-D8661270B868}"/>
+                  <a16:creationId xmlns:a16="http://schemas.microsoft.com/office/drawing/2014/main" xmlns="" id="{AC6F935A-1039-4DB7-B33F-D8661270B868}"/>
                 </a:ext>
               </a:extLst>
             </p:cNvPr>
@@ -14726,7 +14726,7 @@
             </a:ln>
             <a:extLst>
               <a:ext uri="{91240B29-F687-4f45-9708-019B960494DF}">
-                <a14:hiddenLine xmlns:a14="http://schemas.microsoft.com/office/drawing/2010/main" xmlns="" w="9525">
+                <a14:hiddenLine xmlns="" xmlns:a14="http://schemas.microsoft.com/office/drawing/2010/main" w="9525">
                   <a:solidFill>
                     <a:srgbClr val="000000"/>
                   </a:solidFill>
@@ -14754,7 +14754,7 @@
             <p:cNvPr id="185" name="Freeform 52">
               <a:extLst>
                 <a:ext uri="{FF2B5EF4-FFF2-40B4-BE49-F238E27FC236}">
-                  <a16:creationId xmlns="" xmlns:a16="http://schemas.microsoft.com/office/drawing/2014/main" id="{A30E2163-9BB2-4383-B18B-4522C68317D8}"/>
+                  <a16:creationId xmlns:a16="http://schemas.microsoft.com/office/drawing/2014/main" xmlns="" id="{A30E2163-9BB2-4383-B18B-4522C68317D8}"/>
                 </a:ext>
               </a:extLst>
             </p:cNvPr>
@@ -14887,7 +14887,7 @@
             </a:ln>
             <a:extLst>
               <a:ext uri="{91240B29-F687-4f45-9708-019B960494DF}">
-                <a14:hiddenLine xmlns:a14="http://schemas.microsoft.com/office/drawing/2010/main" xmlns="" w="9525">
+                <a14:hiddenLine xmlns="" xmlns:a14="http://schemas.microsoft.com/office/drawing/2010/main" w="9525">
                   <a:solidFill>
                     <a:srgbClr val="000000"/>
                   </a:solidFill>
@@ -14915,7 +14915,7 @@
             <p:cNvPr id="186" name="Oval 53">
               <a:extLst>
                 <a:ext uri="{FF2B5EF4-FFF2-40B4-BE49-F238E27FC236}">
-                  <a16:creationId xmlns="" xmlns:a16="http://schemas.microsoft.com/office/drawing/2014/main" id="{716D231B-E4B7-4CF9-BCDD-5DA9F2FAB478}"/>
+                  <a16:creationId xmlns:a16="http://schemas.microsoft.com/office/drawing/2014/main" xmlns="" id="{716D231B-E4B7-4CF9-BCDD-5DA9F2FAB478}"/>
                 </a:ext>
               </a:extLst>
             </p:cNvPr>
@@ -14940,7 +14940,7 @@
             </a:ln>
             <a:extLst>
               <a:ext uri="{91240B29-F687-4f45-9708-019B960494DF}">
-                <a14:hiddenLine xmlns:a14="http://schemas.microsoft.com/office/drawing/2010/main" xmlns="" w="9525">
+                <a14:hiddenLine xmlns="" xmlns:a14="http://schemas.microsoft.com/office/drawing/2010/main" w="9525">
                   <a:solidFill>
                     <a:srgbClr val="000000"/>
                   </a:solidFill>
@@ -14968,7 +14968,7 @@
             <p:cNvPr id="187" name="Freeform 59">
               <a:extLst>
                 <a:ext uri="{FF2B5EF4-FFF2-40B4-BE49-F238E27FC236}">
-                  <a16:creationId xmlns="" xmlns:a16="http://schemas.microsoft.com/office/drawing/2014/main" id="{BDCCD4DD-398C-4437-BCA6-E12528BB40A9}"/>
+                  <a16:creationId xmlns:a16="http://schemas.microsoft.com/office/drawing/2014/main" xmlns="" id="{BDCCD4DD-398C-4437-BCA6-E12528BB40A9}"/>
                 </a:ext>
               </a:extLst>
             </p:cNvPr>
@@ -15036,7 +15036,7 @@
             </a:ln>
             <a:extLst>
               <a:ext uri="{91240B29-F687-4f45-9708-019B960494DF}">
-                <a14:hiddenLine xmlns:a14="http://schemas.microsoft.com/office/drawing/2010/main" xmlns="" w="9525">
+                <a14:hiddenLine xmlns="" xmlns:a14="http://schemas.microsoft.com/office/drawing/2010/main" w="9525">
                   <a:solidFill>
                     <a:srgbClr val="000000"/>
                   </a:solidFill>
@@ -15064,7 +15064,7 @@
             <p:cNvPr id="188" name="Oval 36">
               <a:extLst>
                 <a:ext uri="{FF2B5EF4-FFF2-40B4-BE49-F238E27FC236}">
-                  <a16:creationId xmlns="" xmlns:a16="http://schemas.microsoft.com/office/drawing/2014/main" id="{63FF15A9-5075-4A8C-8DD6-567A66E5DDBA}"/>
+                  <a16:creationId xmlns:a16="http://schemas.microsoft.com/office/drawing/2014/main" xmlns="" id="{63FF15A9-5075-4A8C-8DD6-567A66E5DDBA}"/>
                 </a:ext>
               </a:extLst>
             </p:cNvPr>
@@ -15089,7 +15089,7 @@
             </a:ln>
             <a:extLst>
               <a:ext uri="{91240B29-F687-4f45-9708-019B960494DF}">
-                <a14:hiddenLine xmlns:a14="http://schemas.microsoft.com/office/drawing/2010/main" xmlns="" w="9525">
+                <a14:hiddenLine xmlns="" xmlns:a14="http://schemas.microsoft.com/office/drawing/2010/main" w="9525">
                   <a:solidFill>
                     <a:srgbClr val="000000"/>
                   </a:solidFill>
@@ -15117,7 +15117,7 @@
             <p:cNvPr id="189" name="Oval 37">
               <a:extLst>
                 <a:ext uri="{FF2B5EF4-FFF2-40B4-BE49-F238E27FC236}">
-                  <a16:creationId xmlns="" xmlns:a16="http://schemas.microsoft.com/office/drawing/2014/main" id="{09F155C3-BF25-4E95-8649-03AE21A20A39}"/>
+                  <a16:creationId xmlns:a16="http://schemas.microsoft.com/office/drawing/2014/main" xmlns="" id="{09F155C3-BF25-4E95-8649-03AE21A20A39}"/>
                 </a:ext>
               </a:extLst>
             </p:cNvPr>
@@ -15142,7 +15142,7 @@
             </a:ln>
             <a:extLst>
               <a:ext uri="{91240B29-F687-4f45-9708-019B960494DF}">
-                <a14:hiddenLine xmlns:a14="http://schemas.microsoft.com/office/drawing/2010/main" xmlns="" w="9525">
+                <a14:hiddenLine xmlns="" xmlns:a14="http://schemas.microsoft.com/office/drawing/2010/main" w="9525">
                   <a:solidFill>
                     <a:srgbClr val="000000"/>
                   </a:solidFill>
@@ -15170,7 +15170,7 @@
             <p:cNvPr id="190" name="Freeform 38">
               <a:extLst>
                 <a:ext uri="{FF2B5EF4-FFF2-40B4-BE49-F238E27FC236}">
-                  <a16:creationId xmlns="" xmlns:a16="http://schemas.microsoft.com/office/drawing/2014/main" id="{404C1D6E-E6AD-496C-946C-E43BC22F31AA}"/>
+                  <a16:creationId xmlns:a16="http://schemas.microsoft.com/office/drawing/2014/main" xmlns="" id="{404C1D6E-E6AD-496C-946C-E43BC22F31AA}"/>
                 </a:ext>
               </a:extLst>
             </p:cNvPr>
@@ -15303,7 +15303,7 @@
             </a:ln>
             <a:extLst>
               <a:ext uri="{91240B29-F687-4f45-9708-019B960494DF}">
-                <a14:hiddenLine xmlns:a14="http://schemas.microsoft.com/office/drawing/2010/main" xmlns="" w="9525">
+                <a14:hiddenLine xmlns="" xmlns:a14="http://schemas.microsoft.com/office/drawing/2010/main" w="9525">
                   <a:solidFill>
                     <a:srgbClr val="000000"/>
                   </a:solidFill>
@@ -15331,7 +15331,7 @@
             <p:cNvPr id="191" name="Freeform 39">
               <a:extLst>
                 <a:ext uri="{FF2B5EF4-FFF2-40B4-BE49-F238E27FC236}">
-                  <a16:creationId xmlns="" xmlns:a16="http://schemas.microsoft.com/office/drawing/2014/main" id="{D96FA199-22BD-460E-88A4-4B9C05A5ACD1}"/>
+                  <a16:creationId xmlns:a16="http://schemas.microsoft.com/office/drawing/2014/main" xmlns="" id="{D96FA199-22BD-460E-88A4-4B9C05A5ACD1}"/>
                 </a:ext>
               </a:extLst>
             </p:cNvPr>
@@ -15431,7 +15431,7 @@
             </a:ln>
             <a:extLst>
               <a:ext uri="{91240B29-F687-4f45-9708-019B960494DF}">
-                <a14:hiddenLine xmlns:a14="http://schemas.microsoft.com/office/drawing/2010/main" xmlns="" w="9525">
+                <a14:hiddenLine xmlns="" xmlns:a14="http://schemas.microsoft.com/office/drawing/2010/main" w="9525">
                   <a:solidFill>
                     <a:srgbClr val="000000"/>
                   </a:solidFill>
@@ -15459,7 +15459,7 @@
             <p:cNvPr id="192" name="Freeform 40">
               <a:extLst>
                 <a:ext uri="{FF2B5EF4-FFF2-40B4-BE49-F238E27FC236}">
-                  <a16:creationId xmlns="" xmlns:a16="http://schemas.microsoft.com/office/drawing/2014/main" id="{844A6B82-B300-49B7-B250-0236BFCF981B}"/>
+                  <a16:creationId xmlns:a16="http://schemas.microsoft.com/office/drawing/2014/main" xmlns="" id="{844A6B82-B300-49B7-B250-0236BFCF981B}"/>
                 </a:ext>
               </a:extLst>
             </p:cNvPr>
@@ -15599,7 +15599,7 @@
             </a:ln>
             <a:extLst>
               <a:ext uri="{91240B29-F687-4f45-9708-019B960494DF}">
-                <a14:hiddenLine xmlns:a14="http://schemas.microsoft.com/office/drawing/2010/main" xmlns="" w="9525">
+                <a14:hiddenLine xmlns="" xmlns:a14="http://schemas.microsoft.com/office/drawing/2010/main" w="9525">
                   <a:solidFill>
                     <a:srgbClr val="000000"/>
                   </a:solidFill>
@@ -15627,7 +15627,7 @@
             <p:cNvPr id="193" name="Freeform 42">
               <a:extLst>
                 <a:ext uri="{FF2B5EF4-FFF2-40B4-BE49-F238E27FC236}">
-                  <a16:creationId xmlns="" xmlns:a16="http://schemas.microsoft.com/office/drawing/2014/main" id="{CEE89A0C-B8C6-42C0-B898-1403359C7AC5}"/>
+                  <a16:creationId xmlns:a16="http://schemas.microsoft.com/office/drawing/2014/main" xmlns="" id="{CEE89A0C-B8C6-42C0-B898-1403359C7AC5}"/>
                 </a:ext>
               </a:extLst>
             </p:cNvPr>
@@ -15760,7 +15760,7 @@
             </a:ln>
             <a:extLst>
               <a:ext uri="{91240B29-F687-4f45-9708-019B960494DF}">
-                <a14:hiddenLine xmlns:a14="http://schemas.microsoft.com/office/drawing/2010/main" xmlns="" w="9525">
+                <a14:hiddenLine xmlns="" xmlns:a14="http://schemas.microsoft.com/office/drawing/2010/main" w="9525">
                   <a:solidFill>
                     <a:srgbClr val="000000"/>
                   </a:solidFill>
@@ -15788,7 +15788,7 @@
             <p:cNvPr id="194" name="Freeform 43">
               <a:extLst>
                 <a:ext uri="{FF2B5EF4-FFF2-40B4-BE49-F238E27FC236}">
-                  <a16:creationId xmlns="" xmlns:a16="http://schemas.microsoft.com/office/drawing/2014/main" id="{D50697B4-EA21-45BF-A9D5-CCD3AD34D478}"/>
+                  <a16:creationId xmlns:a16="http://schemas.microsoft.com/office/drawing/2014/main" xmlns="" id="{D50697B4-EA21-45BF-A9D5-CCD3AD34D478}"/>
                 </a:ext>
               </a:extLst>
             </p:cNvPr>
@@ -15921,7 +15921,7 @@
             </a:ln>
             <a:extLst>
               <a:ext uri="{91240B29-F687-4f45-9708-019B960494DF}">
-                <a14:hiddenLine xmlns:a14="http://schemas.microsoft.com/office/drawing/2010/main" xmlns="" w="9525">
+                <a14:hiddenLine xmlns="" xmlns:a14="http://schemas.microsoft.com/office/drawing/2010/main" w="9525">
                   <a:solidFill>
                     <a:srgbClr val="000000"/>
                   </a:solidFill>
@@ -15949,7 +15949,7 @@
             <p:cNvPr id="195" name="Oval 44">
               <a:extLst>
                 <a:ext uri="{FF2B5EF4-FFF2-40B4-BE49-F238E27FC236}">
-                  <a16:creationId xmlns="" xmlns:a16="http://schemas.microsoft.com/office/drawing/2014/main" id="{079319F3-BCC2-419B-B772-C685DAEE180E}"/>
+                  <a16:creationId xmlns:a16="http://schemas.microsoft.com/office/drawing/2014/main" xmlns="" id="{079319F3-BCC2-419B-B772-C685DAEE180E}"/>
                 </a:ext>
               </a:extLst>
             </p:cNvPr>
@@ -15974,7 +15974,7 @@
             </a:ln>
             <a:extLst>
               <a:ext uri="{91240B29-F687-4f45-9708-019B960494DF}">
-                <a14:hiddenLine xmlns:a14="http://schemas.microsoft.com/office/drawing/2010/main" xmlns="" w="9525">
+                <a14:hiddenLine xmlns="" xmlns:a14="http://schemas.microsoft.com/office/drawing/2010/main" w="9525">
                   <a:solidFill>
                     <a:srgbClr val="000000"/>
                   </a:solidFill>
@@ -16002,7 +16002,7 @@
             <p:cNvPr id="196" name="Oval 45">
               <a:extLst>
                 <a:ext uri="{FF2B5EF4-FFF2-40B4-BE49-F238E27FC236}">
-                  <a16:creationId xmlns="" xmlns:a16="http://schemas.microsoft.com/office/drawing/2014/main" id="{1BD2452C-4691-4003-B0F3-27E461DEF059}"/>
+                  <a16:creationId xmlns:a16="http://schemas.microsoft.com/office/drawing/2014/main" xmlns="" id="{1BD2452C-4691-4003-B0F3-27E461DEF059}"/>
                 </a:ext>
               </a:extLst>
             </p:cNvPr>
@@ -16027,7 +16027,7 @@
             </a:ln>
             <a:extLst>
               <a:ext uri="{91240B29-F687-4f45-9708-019B960494DF}">
-                <a14:hiddenLine xmlns:a14="http://schemas.microsoft.com/office/drawing/2010/main" xmlns="" w="9525">
+                <a14:hiddenLine xmlns="" xmlns:a14="http://schemas.microsoft.com/office/drawing/2010/main" w="9525">
                   <a:solidFill>
                     <a:srgbClr val="000000"/>
                   </a:solidFill>
@@ -16055,7 +16055,7 @@
             <p:cNvPr id="197" name="Oval 46">
               <a:extLst>
                 <a:ext uri="{FF2B5EF4-FFF2-40B4-BE49-F238E27FC236}">
-                  <a16:creationId xmlns="" xmlns:a16="http://schemas.microsoft.com/office/drawing/2014/main" id="{199C4794-7424-4B1F-9B2D-9170ABC9D421}"/>
+                  <a16:creationId xmlns:a16="http://schemas.microsoft.com/office/drawing/2014/main" xmlns="" id="{199C4794-7424-4B1F-9B2D-9170ABC9D421}"/>
                 </a:ext>
               </a:extLst>
             </p:cNvPr>
@@ -16080,7 +16080,7 @@
             </a:ln>
             <a:extLst>
               <a:ext uri="{91240B29-F687-4f45-9708-019B960494DF}">
-                <a14:hiddenLine xmlns:a14="http://schemas.microsoft.com/office/drawing/2010/main" xmlns="" w="9525">
+                <a14:hiddenLine xmlns="" xmlns:a14="http://schemas.microsoft.com/office/drawing/2010/main" w="9525">
                   <a:solidFill>
                     <a:srgbClr val="000000"/>
                   </a:solidFill>
@@ -16108,7 +16108,7 @@
             <p:cNvPr id="198" name="Freeform 47">
               <a:extLst>
                 <a:ext uri="{FF2B5EF4-FFF2-40B4-BE49-F238E27FC236}">
-                  <a16:creationId xmlns="" xmlns:a16="http://schemas.microsoft.com/office/drawing/2014/main" id="{F208CBF4-4680-4C5B-A046-A76CEBF22B4B}"/>
+                  <a16:creationId xmlns:a16="http://schemas.microsoft.com/office/drawing/2014/main" xmlns="" id="{F208CBF4-4680-4C5B-A046-A76CEBF22B4B}"/>
                 </a:ext>
               </a:extLst>
             </p:cNvPr>
@@ -16241,7 +16241,7 @@
             </a:ln>
             <a:extLst>
               <a:ext uri="{91240B29-F687-4f45-9708-019B960494DF}">
-                <a14:hiddenLine xmlns:a14="http://schemas.microsoft.com/office/drawing/2010/main" xmlns="" w="9525">
+                <a14:hiddenLine xmlns="" xmlns:a14="http://schemas.microsoft.com/office/drawing/2010/main" w="9525">
                   <a:solidFill>
                     <a:srgbClr val="000000"/>
                   </a:solidFill>
@@ -16269,7 +16269,7 @@
             <p:cNvPr id="199" name="Freeform 48">
               <a:extLst>
                 <a:ext uri="{FF2B5EF4-FFF2-40B4-BE49-F238E27FC236}">
-                  <a16:creationId xmlns="" xmlns:a16="http://schemas.microsoft.com/office/drawing/2014/main" id="{97609986-4137-4430-B2B2-888EB66F744A}"/>
+                  <a16:creationId xmlns:a16="http://schemas.microsoft.com/office/drawing/2014/main" xmlns="" id="{97609986-4137-4430-B2B2-888EB66F744A}"/>
                 </a:ext>
               </a:extLst>
             </p:cNvPr>
@@ -16369,7 +16369,7 @@
             </a:ln>
             <a:extLst>
               <a:ext uri="{91240B29-F687-4f45-9708-019B960494DF}">
-                <a14:hiddenLine xmlns:a14="http://schemas.microsoft.com/office/drawing/2010/main" xmlns="" w="9525">
+                <a14:hiddenLine xmlns="" xmlns:a14="http://schemas.microsoft.com/office/drawing/2010/main" w="9525">
                   <a:solidFill>
                     <a:srgbClr val="000000"/>
                   </a:solidFill>
@@ -16397,7 +16397,7 @@
             <p:cNvPr id="200" name="Freeform 49">
               <a:extLst>
                 <a:ext uri="{FF2B5EF4-FFF2-40B4-BE49-F238E27FC236}">
-                  <a16:creationId xmlns="" xmlns:a16="http://schemas.microsoft.com/office/drawing/2014/main" id="{8C6C1A6B-8468-4290-AAEE-EC3C5121E072}"/>
+                  <a16:creationId xmlns:a16="http://schemas.microsoft.com/office/drawing/2014/main" xmlns="" id="{8C6C1A6B-8468-4290-AAEE-EC3C5121E072}"/>
                 </a:ext>
               </a:extLst>
             </p:cNvPr>
@@ -16537,7 +16537,7 @@
             </a:ln>
             <a:extLst>
               <a:ext uri="{91240B29-F687-4f45-9708-019B960494DF}">
-                <a14:hiddenLine xmlns:a14="http://schemas.microsoft.com/office/drawing/2010/main" xmlns="" w="9525">
+                <a14:hiddenLine xmlns="" xmlns:a14="http://schemas.microsoft.com/office/drawing/2010/main" w="9525">
                   <a:solidFill>
                     <a:srgbClr val="000000"/>
                   </a:solidFill>
@@ -16565,7 +16565,7 @@
             <p:cNvPr id="201" name="Freeform 50">
               <a:extLst>
                 <a:ext uri="{FF2B5EF4-FFF2-40B4-BE49-F238E27FC236}">
-                  <a16:creationId xmlns="" xmlns:a16="http://schemas.microsoft.com/office/drawing/2014/main" id="{ADEAC44A-0FE3-4043-B530-F00B1A8C71B2}"/>
+                  <a16:creationId xmlns:a16="http://schemas.microsoft.com/office/drawing/2014/main" xmlns="" id="{ADEAC44A-0FE3-4043-B530-F00B1A8C71B2}"/>
                 </a:ext>
               </a:extLst>
             </p:cNvPr>
@@ -16633,7 +16633,7 @@
             </a:ln>
             <a:extLst>
               <a:ext uri="{91240B29-F687-4f45-9708-019B960494DF}">
-                <a14:hiddenLine xmlns:a14="http://schemas.microsoft.com/office/drawing/2010/main" xmlns="" w="9525">
+                <a14:hiddenLine xmlns="" xmlns:a14="http://schemas.microsoft.com/office/drawing/2010/main" w="9525">
                   <a:solidFill>
                     <a:srgbClr val="000000"/>
                   </a:solidFill>
@@ -16661,7 +16661,7 @@
             <p:cNvPr id="202" name="Freeform 51">
               <a:extLst>
                 <a:ext uri="{FF2B5EF4-FFF2-40B4-BE49-F238E27FC236}">
-                  <a16:creationId xmlns="" xmlns:a16="http://schemas.microsoft.com/office/drawing/2014/main" id="{FCBEA582-1B40-4B87-95C8-A5B8EF1BA1B1}"/>
+                  <a16:creationId xmlns:a16="http://schemas.microsoft.com/office/drawing/2014/main" xmlns="" id="{FCBEA582-1B40-4B87-95C8-A5B8EF1BA1B1}"/>
                 </a:ext>
               </a:extLst>
             </p:cNvPr>
@@ -16794,7 +16794,7 @@
             </a:ln>
             <a:extLst>
               <a:ext uri="{91240B29-F687-4f45-9708-019B960494DF}">
-                <a14:hiddenLine xmlns:a14="http://schemas.microsoft.com/office/drawing/2010/main" xmlns="" w="9525">
+                <a14:hiddenLine xmlns="" xmlns:a14="http://schemas.microsoft.com/office/drawing/2010/main" w="9525">
                   <a:solidFill>
                     <a:srgbClr val="000000"/>
                   </a:solidFill>
@@ -16822,7 +16822,7 @@
             <p:cNvPr id="203" name="Freeform 52">
               <a:extLst>
                 <a:ext uri="{FF2B5EF4-FFF2-40B4-BE49-F238E27FC236}">
-                  <a16:creationId xmlns="" xmlns:a16="http://schemas.microsoft.com/office/drawing/2014/main" id="{F602AB16-51DA-4DA9-BE00-E9DF0101B8E5}"/>
+                  <a16:creationId xmlns:a16="http://schemas.microsoft.com/office/drawing/2014/main" xmlns="" id="{F602AB16-51DA-4DA9-BE00-E9DF0101B8E5}"/>
                 </a:ext>
               </a:extLst>
             </p:cNvPr>
@@ -16955,7 +16955,7 @@
             </a:ln>
             <a:extLst>
               <a:ext uri="{91240B29-F687-4f45-9708-019B960494DF}">
-                <a14:hiddenLine xmlns:a14="http://schemas.microsoft.com/office/drawing/2010/main" xmlns="" w="9525">
+                <a14:hiddenLine xmlns="" xmlns:a14="http://schemas.microsoft.com/office/drawing/2010/main" w="9525">
                   <a:solidFill>
                     <a:srgbClr val="000000"/>
                   </a:solidFill>
@@ -16983,7 +16983,7 @@
             <p:cNvPr id="204" name="Oval 53">
               <a:extLst>
                 <a:ext uri="{FF2B5EF4-FFF2-40B4-BE49-F238E27FC236}">
-                  <a16:creationId xmlns="" xmlns:a16="http://schemas.microsoft.com/office/drawing/2014/main" id="{DFD0819C-8EAF-4CD7-834D-28C382F1B648}"/>
+                  <a16:creationId xmlns:a16="http://schemas.microsoft.com/office/drawing/2014/main" xmlns="" id="{DFD0819C-8EAF-4CD7-834D-28C382F1B648}"/>
                 </a:ext>
               </a:extLst>
             </p:cNvPr>
@@ -17008,7 +17008,7 @@
             </a:ln>
             <a:extLst>
               <a:ext uri="{91240B29-F687-4f45-9708-019B960494DF}">
-                <a14:hiddenLine xmlns:a14="http://schemas.microsoft.com/office/drawing/2010/main" xmlns="" w="9525">
+                <a14:hiddenLine xmlns="" xmlns:a14="http://schemas.microsoft.com/office/drawing/2010/main" w="9525">
                   <a:solidFill>
                     <a:srgbClr val="000000"/>
                   </a:solidFill>
@@ -17036,7 +17036,7 @@
             <p:cNvPr id="205" name="Freeform 59">
               <a:extLst>
                 <a:ext uri="{FF2B5EF4-FFF2-40B4-BE49-F238E27FC236}">
-                  <a16:creationId xmlns="" xmlns:a16="http://schemas.microsoft.com/office/drawing/2014/main" id="{1677F1E8-46E9-49C0-B3B8-69228949904F}"/>
+                  <a16:creationId xmlns:a16="http://schemas.microsoft.com/office/drawing/2014/main" xmlns="" id="{1677F1E8-46E9-49C0-B3B8-69228949904F}"/>
                 </a:ext>
               </a:extLst>
             </p:cNvPr>
@@ -17104,7 +17104,7 @@
             </a:ln>
             <a:extLst>
               <a:ext uri="{91240B29-F687-4f45-9708-019B960494DF}">
-                <a14:hiddenLine xmlns:a14="http://schemas.microsoft.com/office/drawing/2010/main" xmlns="" w="9525">
+                <a14:hiddenLine xmlns="" xmlns:a14="http://schemas.microsoft.com/office/drawing/2010/main" w="9525">
                   <a:solidFill>
                     <a:srgbClr val="000000"/>
                   </a:solidFill>
@@ -18014,7 +18014,7 @@
             </a:ln>
             <a:extLst>
               <a:ext uri="{91240B29-F687-4f45-9708-019B960494DF}">
-                <a14:hiddenLine xmlns:a14="http://schemas.microsoft.com/office/drawing/2010/main" xmlns="" w="9525">
+                <a14:hiddenLine xmlns="" xmlns:a14="http://schemas.microsoft.com/office/drawing/2010/main" w="9525">
                   <a:solidFill>
                     <a:srgbClr val="000000"/>
                   </a:solidFill>
@@ -18063,7 +18063,7 @@
             </a:ln>
             <a:extLst>
               <a:ext uri="{91240B29-F687-4f45-9708-019B960494DF}">
-                <a14:hiddenLine xmlns:a14="http://schemas.microsoft.com/office/drawing/2010/main" xmlns="" w="9525">
+                <a14:hiddenLine xmlns="" xmlns:a14="http://schemas.microsoft.com/office/drawing/2010/main" w="9525">
                   <a:solidFill>
                     <a:srgbClr val="000000"/>
                   </a:solidFill>
@@ -18220,7 +18220,7 @@
             </a:ln>
             <a:extLst>
               <a:ext uri="{91240B29-F687-4f45-9708-019B960494DF}">
-                <a14:hiddenLine xmlns:a14="http://schemas.microsoft.com/office/drawing/2010/main" xmlns="" w="9525">
+                <a14:hiddenLine xmlns="" xmlns:a14="http://schemas.microsoft.com/office/drawing/2010/main" w="9525">
                   <a:solidFill>
                     <a:srgbClr val="000000"/>
                   </a:solidFill>
@@ -18344,7 +18344,7 @@
             </a:ln>
             <a:extLst>
               <a:ext uri="{91240B29-F687-4f45-9708-019B960494DF}">
-                <a14:hiddenLine xmlns:a14="http://schemas.microsoft.com/office/drawing/2010/main" xmlns="" w="9525">
+                <a14:hiddenLine xmlns="" xmlns:a14="http://schemas.microsoft.com/office/drawing/2010/main" w="9525">
                   <a:solidFill>
                     <a:srgbClr val="000000"/>
                   </a:solidFill>
@@ -18508,7 +18508,7 @@
             </a:ln>
             <a:extLst>
               <a:ext uri="{91240B29-F687-4f45-9708-019B960494DF}">
-                <a14:hiddenLine xmlns:a14="http://schemas.microsoft.com/office/drawing/2010/main" xmlns="" w="9525">
+                <a14:hiddenLine xmlns="" xmlns:a14="http://schemas.microsoft.com/office/drawing/2010/main" w="9525">
                   <a:solidFill>
                     <a:srgbClr val="000000"/>
                   </a:solidFill>
@@ -18665,7 +18665,7 @@
             </a:ln>
             <a:extLst>
               <a:ext uri="{91240B29-F687-4f45-9708-019B960494DF}">
-                <a14:hiddenLine xmlns:a14="http://schemas.microsoft.com/office/drawing/2010/main" xmlns="" w="9525">
+                <a14:hiddenLine xmlns="" xmlns:a14="http://schemas.microsoft.com/office/drawing/2010/main" w="9525">
                   <a:solidFill>
                     <a:srgbClr val="000000"/>
                   </a:solidFill>
@@ -18822,7 +18822,7 @@
             </a:ln>
             <a:extLst>
               <a:ext uri="{91240B29-F687-4f45-9708-019B960494DF}">
-                <a14:hiddenLine xmlns:a14="http://schemas.microsoft.com/office/drawing/2010/main" xmlns="" w="9525">
+                <a14:hiddenLine xmlns="" xmlns:a14="http://schemas.microsoft.com/office/drawing/2010/main" w="9525">
                   <a:solidFill>
                     <a:srgbClr val="000000"/>
                   </a:solidFill>
@@ -18871,7 +18871,7 @@
             </a:ln>
             <a:extLst>
               <a:ext uri="{91240B29-F687-4f45-9708-019B960494DF}">
-                <a14:hiddenLine xmlns:a14="http://schemas.microsoft.com/office/drawing/2010/main" xmlns="" w="9525">
+                <a14:hiddenLine xmlns="" xmlns:a14="http://schemas.microsoft.com/office/drawing/2010/main" w="9525">
                   <a:solidFill>
                     <a:srgbClr val="000000"/>
                   </a:solidFill>
@@ -18920,7 +18920,7 @@
             </a:ln>
             <a:extLst>
               <a:ext uri="{91240B29-F687-4f45-9708-019B960494DF}">
-                <a14:hiddenLine xmlns:a14="http://schemas.microsoft.com/office/drawing/2010/main" xmlns="" w="9525">
+                <a14:hiddenLine xmlns="" xmlns:a14="http://schemas.microsoft.com/office/drawing/2010/main" w="9525">
                   <a:solidFill>
                     <a:srgbClr val="000000"/>
                   </a:solidFill>
@@ -18969,7 +18969,7 @@
             </a:ln>
             <a:extLst>
               <a:ext uri="{91240B29-F687-4f45-9708-019B960494DF}">
-                <a14:hiddenLine xmlns:a14="http://schemas.microsoft.com/office/drawing/2010/main" xmlns="" w="9525">
+                <a14:hiddenLine xmlns="" xmlns:a14="http://schemas.microsoft.com/office/drawing/2010/main" w="9525">
                   <a:solidFill>
                     <a:srgbClr val="000000"/>
                   </a:solidFill>
@@ -19126,7 +19126,7 @@
             </a:ln>
             <a:extLst>
               <a:ext uri="{91240B29-F687-4f45-9708-019B960494DF}">
-                <a14:hiddenLine xmlns:a14="http://schemas.microsoft.com/office/drawing/2010/main" xmlns="" w="9525">
+                <a14:hiddenLine xmlns="" xmlns:a14="http://schemas.microsoft.com/office/drawing/2010/main" w="9525">
                   <a:solidFill>
                     <a:srgbClr val="000000"/>
                   </a:solidFill>
@@ -19250,7 +19250,7 @@
             </a:ln>
             <a:extLst>
               <a:ext uri="{91240B29-F687-4f45-9708-019B960494DF}">
-                <a14:hiddenLine xmlns:a14="http://schemas.microsoft.com/office/drawing/2010/main" xmlns="" w="9525">
+                <a14:hiddenLine xmlns="" xmlns:a14="http://schemas.microsoft.com/office/drawing/2010/main" w="9525">
                   <a:solidFill>
                     <a:srgbClr val="000000"/>
                   </a:solidFill>
@@ -19414,7 +19414,7 @@
             </a:ln>
             <a:extLst>
               <a:ext uri="{91240B29-F687-4f45-9708-019B960494DF}">
-                <a14:hiddenLine xmlns:a14="http://schemas.microsoft.com/office/drawing/2010/main" xmlns="" w="9525">
+                <a14:hiddenLine xmlns="" xmlns:a14="http://schemas.microsoft.com/office/drawing/2010/main" w="9525">
                   <a:solidFill>
                     <a:srgbClr val="000000"/>
                   </a:solidFill>
@@ -19506,7 +19506,7 @@
             </a:ln>
             <a:extLst>
               <a:ext uri="{91240B29-F687-4f45-9708-019B960494DF}">
-                <a14:hiddenLine xmlns:a14="http://schemas.microsoft.com/office/drawing/2010/main" xmlns="" w="9525">
+                <a14:hiddenLine xmlns="" xmlns:a14="http://schemas.microsoft.com/office/drawing/2010/main" w="9525">
                   <a:solidFill>
                     <a:srgbClr val="000000"/>
                   </a:solidFill>
@@ -19663,7 +19663,7 @@
             </a:ln>
             <a:extLst>
               <a:ext uri="{91240B29-F687-4f45-9708-019B960494DF}">
-                <a14:hiddenLine xmlns:a14="http://schemas.microsoft.com/office/drawing/2010/main" xmlns="" w="9525">
+                <a14:hiddenLine xmlns="" xmlns:a14="http://schemas.microsoft.com/office/drawing/2010/main" w="9525">
                   <a:solidFill>
                     <a:srgbClr val="000000"/>
                   </a:solidFill>
@@ -19820,7 +19820,7 @@
             </a:ln>
             <a:extLst>
               <a:ext uri="{91240B29-F687-4f45-9708-019B960494DF}">
-                <a14:hiddenLine xmlns:a14="http://schemas.microsoft.com/office/drawing/2010/main" xmlns="" w="9525">
+                <a14:hiddenLine xmlns="" xmlns:a14="http://schemas.microsoft.com/office/drawing/2010/main" w="9525">
                   <a:solidFill>
                     <a:srgbClr val="000000"/>
                   </a:solidFill>
@@ -19869,7 +19869,7 @@
             </a:ln>
             <a:extLst>
               <a:ext uri="{91240B29-F687-4f45-9708-019B960494DF}">
-                <a14:hiddenLine xmlns:a14="http://schemas.microsoft.com/office/drawing/2010/main" xmlns="" w="9525">
+                <a14:hiddenLine xmlns="" xmlns:a14="http://schemas.microsoft.com/office/drawing/2010/main" w="9525">
                   <a:solidFill>
                     <a:srgbClr val="000000"/>
                   </a:solidFill>
@@ -19918,7 +19918,7 @@
             </a:ln>
             <a:extLst>
               <a:ext uri="{91240B29-F687-4f45-9708-019B960494DF}">
-                <a14:hiddenLine xmlns:a14="http://schemas.microsoft.com/office/drawing/2010/main" xmlns="" w="9525">
+                <a14:hiddenLine xmlns="" xmlns:a14="http://schemas.microsoft.com/office/drawing/2010/main" w="9525">
                   <a:solidFill>
                     <a:srgbClr val="000000"/>
                   </a:solidFill>
@@ -19967,7 +19967,7 @@
             </a:ln>
             <a:extLst>
               <a:ext uri="{91240B29-F687-4f45-9708-019B960494DF}">
-                <a14:hiddenLine xmlns:a14="http://schemas.microsoft.com/office/drawing/2010/main" xmlns="" w="9525">
+                <a14:hiddenLine xmlns="" xmlns:a14="http://schemas.microsoft.com/office/drawing/2010/main" w="9525">
                   <a:solidFill>
                     <a:srgbClr val="000000"/>
                   </a:solidFill>
@@ -20124,7 +20124,7 @@
             </a:ln>
             <a:extLst>
               <a:ext uri="{91240B29-F687-4f45-9708-019B960494DF}">
-                <a14:hiddenLine xmlns:a14="http://schemas.microsoft.com/office/drawing/2010/main" xmlns="" w="9525">
+                <a14:hiddenLine xmlns="" xmlns:a14="http://schemas.microsoft.com/office/drawing/2010/main" w="9525">
                   <a:solidFill>
                     <a:srgbClr val="000000"/>
                   </a:solidFill>
@@ -20248,7 +20248,7 @@
             </a:ln>
             <a:extLst>
               <a:ext uri="{91240B29-F687-4f45-9708-019B960494DF}">
-                <a14:hiddenLine xmlns:a14="http://schemas.microsoft.com/office/drawing/2010/main" xmlns="" w="9525">
+                <a14:hiddenLine xmlns="" xmlns:a14="http://schemas.microsoft.com/office/drawing/2010/main" w="9525">
                   <a:solidFill>
                     <a:srgbClr val="000000"/>
                   </a:solidFill>
@@ -20412,7 +20412,7 @@
             </a:ln>
             <a:extLst>
               <a:ext uri="{91240B29-F687-4f45-9708-019B960494DF}">
-                <a14:hiddenLine xmlns:a14="http://schemas.microsoft.com/office/drawing/2010/main" xmlns="" w="9525">
+                <a14:hiddenLine xmlns="" xmlns:a14="http://schemas.microsoft.com/office/drawing/2010/main" w="9525">
                   <a:solidFill>
                     <a:srgbClr val="000000"/>
                   </a:solidFill>
@@ -20504,7 +20504,7 @@
             </a:ln>
             <a:extLst>
               <a:ext uri="{91240B29-F687-4f45-9708-019B960494DF}">
-                <a14:hiddenLine xmlns:a14="http://schemas.microsoft.com/office/drawing/2010/main" xmlns="" w="9525">
+                <a14:hiddenLine xmlns="" xmlns:a14="http://schemas.microsoft.com/office/drawing/2010/main" w="9525">
                   <a:solidFill>
                     <a:srgbClr val="000000"/>
                   </a:solidFill>
@@ -20661,7 +20661,7 @@
             </a:ln>
             <a:extLst>
               <a:ext uri="{91240B29-F687-4f45-9708-019B960494DF}">
-                <a14:hiddenLine xmlns:a14="http://schemas.microsoft.com/office/drawing/2010/main" xmlns="" w="9525">
+                <a14:hiddenLine xmlns="" xmlns:a14="http://schemas.microsoft.com/office/drawing/2010/main" w="9525">
                   <a:solidFill>
                     <a:srgbClr val="000000"/>
                   </a:solidFill>
@@ -20818,7 +20818,7 @@
             </a:ln>
             <a:extLst>
               <a:ext uri="{91240B29-F687-4f45-9708-019B960494DF}">
-                <a14:hiddenLine xmlns:a14="http://schemas.microsoft.com/office/drawing/2010/main" xmlns="" w="9525">
+                <a14:hiddenLine xmlns="" xmlns:a14="http://schemas.microsoft.com/office/drawing/2010/main" w="9525">
                   <a:solidFill>
                     <a:srgbClr val="000000"/>
                   </a:solidFill>
@@ -20867,7 +20867,7 @@
             </a:ln>
             <a:extLst>
               <a:ext uri="{91240B29-F687-4f45-9708-019B960494DF}">
-                <a14:hiddenLine xmlns:a14="http://schemas.microsoft.com/office/drawing/2010/main" xmlns="" w="9525">
+                <a14:hiddenLine xmlns="" xmlns:a14="http://schemas.microsoft.com/office/drawing/2010/main" w="9525">
                   <a:solidFill>
                     <a:srgbClr val="000000"/>
                   </a:solidFill>
@@ -20916,7 +20916,7 @@
             </a:ln>
             <a:extLst>
               <a:ext uri="{91240B29-F687-4f45-9708-019B960494DF}">
-                <a14:hiddenLine xmlns:a14="http://schemas.microsoft.com/office/drawing/2010/main" xmlns="" w="9525">
+                <a14:hiddenLine xmlns="" xmlns:a14="http://schemas.microsoft.com/office/drawing/2010/main" w="9525">
                   <a:solidFill>
                     <a:srgbClr val="000000"/>
                   </a:solidFill>
@@ -20965,7 +20965,7 @@
             </a:ln>
             <a:extLst>
               <a:ext uri="{91240B29-F687-4f45-9708-019B960494DF}">
-                <a14:hiddenLine xmlns:a14="http://schemas.microsoft.com/office/drawing/2010/main" xmlns="" w="9525">
+                <a14:hiddenLine xmlns="" xmlns:a14="http://schemas.microsoft.com/office/drawing/2010/main" w="9525">
                   <a:solidFill>
                     <a:srgbClr val="000000"/>
                   </a:solidFill>
@@ -21122,7 +21122,7 @@
             </a:ln>
             <a:extLst>
               <a:ext uri="{91240B29-F687-4f45-9708-019B960494DF}">
-                <a14:hiddenLine xmlns:a14="http://schemas.microsoft.com/office/drawing/2010/main" xmlns="" w="9525">
+                <a14:hiddenLine xmlns="" xmlns:a14="http://schemas.microsoft.com/office/drawing/2010/main" w="9525">
                   <a:solidFill>
                     <a:srgbClr val="000000"/>
                   </a:solidFill>
@@ -21246,7 +21246,7 @@
             </a:ln>
             <a:extLst>
               <a:ext uri="{91240B29-F687-4f45-9708-019B960494DF}">
-                <a14:hiddenLine xmlns:a14="http://schemas.microsoft.com/office/drawing/2010/main" xmlns="" w="9525">
+                <a14:hiddenLine xmlns="" xmlns:a14="http://schemas.microsoft.com/office/drawing/2010/main" w="9525">
                   <a:solidFill>
                     <a:srgbClr val="000000"/>
                   </a:solidFill>
@@ -21410,7 +21410,7 @@
             </a:ln>
             <a:extLst>
               <a:ext uri="{91240B29-F687-4f45-9708-019B960494DF}">
-                <a14:hiddenLine xmlns:a14="http://schemas.microsoft.com/office/drawing/2010/main" xmlns="" w="9525">
+                <a14:hiddenLine xmlns="" xmlns:a14="http://schemas.microsoft.com/office/drawing/2010/main" w="9525">
                   <a:solidFill>
                     <a:srgbClr val="000000"/>
                   </a:solidFill>
@@ -21502,7 +21502,7 @@
             </a:ln>
             <a:extLst>
               <a:ext uri="{91240B29-F687-4f45-9708-019B960494DF}">
-                <a14:hiddenLine xmlns:a14="http://schemas.microsoft.com/office/drawing/2010/main" xmlns="" w="9525">
+                <a14:hiddenLine xmlns="" xmlns:a14="http://schemas.microsoft.com/office/drawing/2010/main" w="9525">
                   <a:solidFill>
                     <a:srgbClr val="000000"/>
                   </a:solidFill>
@@ -21659,7 +21659,7 @@
             </a:ln>
             <a:extLst>
               <a:ext uri="{91240B29-F687-4f45-9708-019B960494DF}">
-                <a14:hiddenLine xmlns:a14="http://schemas.microsoft.com/office/drawing/2010/main" xmlns="" w="9525">
+                <a14:hiddenLine xmlns="" xmlns:a14="http://schemas.microsoft.com/office/drawing/2010/main" w="9525">
                   <a:solidFill>
                     <a:srgbClr val="000000"/>
                   </a:solidFill>
@@ -21816,7 +21816,7 @@
             </a:ln>
             <a:extLst>
               <a:ext uri="{91240B29-F687-4f45-9708-019B960494DF}">
-                <a14:hiddenLine xmlns:a14="http://schemas.microsoft.com/office/drawing/2010/main" xmlns="" w="9525">
+                <a14:hiddenLine xmlns="" xmlns:a14="http://schemas.microsoft.com/office/drawing/2010/main" w="9525">
                   <a:solidFill>
                     <a:srgbClr val="000000"/>
                   </a:solidFill>
@@ -21865,7 +21865,7 @@
             </a:ln>
             <a:extLst>
               <a:ext uri="{91240B29-F687-4f45-9708-019B960494DF}">
-                <a14:hiddenLine xmlns:a14="http://schemas.microsoft.com/office/drawing/2010/main" xmlns="" w="9525">
+                <a14:hiddenLine xmlns="" xmlns:a14="http://schemas.microsoft.com/office/drawing/2010/main" w="9525">
                   <a:solidFill>
                     <a:srgbClr val="000000"/>
                   </a:solidFill>
@@ -21914,7 +21914,7 @@
             </a:ln>
             <a:extLst>
               <a:ext uri="{91240B29-F687-4f45-9708-019B960494DF}">
-                <a14:hiddenLine xmlns:a14="http://schemas.microsoft.com/office/drawing/2010/main" xmlns="" w="9525">
+                <a14:hiddenLine xmlns="" xmlns:a14="http://schemas.microsoft.com/office/drawing/2010/main" w="9525">
                   <a:solidFill>
                     <a:srgbClr val="000000"/>
                   </a:solidFill>
@@ -21963,7 +21963,7 @@
             </a:ln>
             <a:extLst>
               <a:ext uri="{91240B29-F687-4f45-9708-019B960494DF}">
-                <a14:hiddenLine xmlns:a14="http://schemas.microsoft.com/office/drawing/2010/main" xmlns="" w="9525">
+                <a14:hiddenLine xmlns="" xmlns:a14="http://schemas.microsoft.com/office/drawing/2010/main" w="9525">
                   <a:solidFill>
                     <a:srgbClr val="000000"/>
                   </a:solidFill>
@@ -22120,7 +22120,7 @@
             </a:ln>
             <a:extLst>
               <a:ext uri="{91240B29-F687-4f45-9708-019B960494DF}">
-                <a14:hiddenLine xmlns:a14="http://schemas.microsoft.com/office/drawing/2010/main" xmlns="" w="9525">
+                <a14:hiddenLine xmlns="" xmlns:a14="http://schemas.microsoft.com/office/drawing/2010/main" w="9525">
                   <a:solidFill>
                     <a:srgbClr val="000000"/>
                   </a:solidFill>
@@ -22244,7 +22244,7 @@
             </a:ln>
             <a:extLst>
               <a:ext uri="{91240B29-F687-4f45-9708-019B960494DF}">
-                <a14:hiddenLine xmlns:a14="http://schemas.microsoft.com/office/drawing/2010/main" xmlns="" w="9525">
+                <a14:hiddenLine xmlns="" xmlns:a14="http://schemas.microsoft.com/office/drawing/2010/main" w="9525">
                   <a:solidFill>
                     <a:srgbClr val="000000"/>
                   </a:solidFill>
@@ -22408,7 +22408,7 @@
             </a:ln>
             <a:extLst>
               <a:ext uri="{91240B29-F687-4f45-9708-019B960494DF}">
-                <a14:hiddenLine xmlns:a14="http://schemas.microsoft.com/office/drawing/2010/main" xmlns="" w="9525">
+                <a14:hiddenLine xmlns="" xmlns:a14="http://schemas.microsoft.com/office/drawing/2010/main" w="9525">
                   <a:solidFill>
                     <a:srgbClr val="000000"/>
                   </a:solidFill>
@@ -22500,7 +22500,7 @@
             </a:ln>
             <a:extLst>
               <a:ext uri="{91240B29-F687-4f45-9708-019B960494DF}">
-                <a14:hiddenLine xmlns:a14="http://schemas.microsoft.com/office/drawing/2010/main" xmlns="" w="9525">
+                <a14:hiddenLine xmlns="" xmlns:a14="http://schemas.microsoft.com/office/drawing/2010/main" w="9525">
                   <a:solidFill>
                     <a:srgbClr val="000000"/>
                   </a:solidFill>
@@ -22657,7 +22657,7 @@
             </a:ln>
             <a:extLst>
               <a:ext uri="{91240B29-F687-4f45-9708-019B960494DF}">
-                <a14:hiddenLine xmlns:a14="http://schemas.microsoft.com/office/drawing/2010/main" xmlns="" w="9525">
+                <a14:hiddenLine xmlns="" xmlns:a14="http://schemas.microsoft.com/office/drawing/2010/main" w="9525">
                   <a:solidFill>
                     <a:srgbClr val="000000"/>
                   </a:solidFill>
@@ -22814,7 +22814,7 @@
             </a:ln>
             <a:extLst>
               <a:ext uri="{91240B29-F687-4f45-9708-019B960494DF}">
-                <a14:hiddenLine xmlns:a14="http://schemas.microsoft.com/office/drawing/2010/main" xmlns="" w="9525">
+                <a14:hiddenLine xmlns="" xmlns:a14="http://schemas.microsoft.com/office/drawing/2010/main" w="9525">
                   <a:solidFill>
                     <a:srgbClr val="000000"/>
                   </a:solidFill>
@@ -22863,7 +22863,7 @@
             </a:ln>
             <a:extLst>
               <a:ext uri="{91240B29-F687-4f45-9708-019B960494DF}">
-                <a14:hiddenLine xmlns:a14="http://schemas.microsoft.com/office/drawing/2010/main" xmlns="" w="9525">
+                <a14:hiddenLine xmlns="" xmlns:a14="http://schemas.microsoft.com/office/drawing/2010/main" w="9525">
                   <a:solidFill>
                     <a:srgbClr val="000000"/>
                   </a:solidFill>
@@ -22912,7 +22912,7 @@
             </a:ln>
             <a:extLst>
               <a:ext uri="{91240B29-F687-4f45-9708-019B960494DF}">
-                <a14:hiddenLine xmlns:a14="http://schemas.microsoft.com/office/drawing/2010/main" xmlns="" w="9525">
+                <a14:hiddenLine xmlns="" xmlns:a14="http://schemas.microsoft.com/office/drawing/2010/main" w="9525">
                   <a:solidFill>
                     <a:srgbClr val="000000"/>
                   </a:solidFill>
@@ -22961,7 +22961,7 @@
             </a:ln>
             <a:extLst>
               <a:ext uri="{91240B29-F687-4f45-9708-019B960494DF}">
-                <a14:hiddenLine xmlns:a14="http://schemas.microsoft.com/office/drawing/2010/main" xmlns="" w="9525">
+                <a14:hiddenLine xmlns="" xmlns:a14="http://schemas.microsoft.com/office/drawing/2010/main" w="9525">
                   <a:solidFill>
                     <a:srgbClr val="000000"/>
                   </a:solidFill>
@@ -23118,7 +23118,7 @@
             </a:ln>
             <a:extLst>
               <a:ext uri="{91240B29-F687-4f45-9708-019B960494DF}">
-                <a14:hiddenLine xmlns:a14="http://schemas.microsoft.com/office/drawing/2010/main" xmlns="" w="9525">
+                <a14:hiddenLine xmlns="" xmlns:a14="http://schemas.microsoft.com/office/drawing/2010/main" w="9525">
                   <a:solidFill>
                     <a:srgbClr val="000000"/>
                   </a:solidFill>
@@ -23242,7 +23242,7 @@
             </a:ln>
             <a:extLst>
               <a:ext uri="{91240B29-F687-4f45-9708-019B960494DF}">
-                <a14:hiddenLine xmlns:a14="http://schemas.microsoft.com/office/drawing/2010/main" xmlns="" w="9525">
+                <a14:hiddenLine xmlns="" xmlns:a14="http://schemas.microsoft.com/office/drawing/2010/main" w="9525">
                   <a:solidFill>
                     <a:srgbClr val="000000"/>
                   </a:solidFill>
@@ -23406,7 +23406,7 @@
             </a:ln>
             <a:extLst>
               <a:ext uri="{91240B29-F687-4f45-9708-019B960494DF}">
-                <a14:hiddenLine xmlns:a14="http://schemas.microsoft.com/office/drawing/2010/main" xmlns="" w="9525">
+                <a14:hiddenLine xmlns="" xmlns:a14="http://schemas.microsoft.com/office/drawing/2010/main" w="9525">
                   <a:solidFill>
                     <a:srgbClr val="000000"/>
                   </a:solidFill>
@@ -23498,7 +23498,7 @@
             </a:ln>
             <a:extLst>
               <a:ext uri="{91240B29-F687-4f45-9708-019B960494DF}">
-                <a14:hiddenLine xmlns:a14="http://schemas.microsoft.com/office/drawing/2010/main" xmlns="" w="9525">
+                <a14:hiddenLine xmlns="" xmlns:a14="http://schemas.microsoft.com/office/drawing/2010/main" w="9525">
                   <a:solidFill>
                     <a:srgbClr val="000000"/>
                   </a:solidFill>
@@ -23655,7 +23655,7 @@
             </a:ln>
             <a:extLst>
               <a:ext uri="{91240B29-F687-4f45-9708-019B960494DF}">
-                <a14:hiddenLine xmlns:a14="http://schemas.microsoft.com/office/drawing/2010/main" xmlns="" w="9525">
+                <a14:hiddenLine xmlns="" xmlns:a14="http://schemas.microsoft.com/office/drawing/2010/main" w="9525">
                   <a:solidFill>
                     <a:srgbClr val="000000"/>
                   </a:solidFill>
@@ -23812,7 +23812,7 @@
             </a:ln>
             <a:extLst>
               <a:ext uri="{91240B29-F687-4f45-9708-019B960494DF}">
-                <a14:hiddenLine xmlns:a14="http://schemas.microsoft.com/office/drawing/2010/main" xmlns="" w="9525">
+                <a14:hiddenLine xmlns="" xmlns:a14="http://schemas.microsoft.com/office/drawing/2010/main" w="9525">
                   <a:solidFill>
                     <a:srgbClr val="000000"/>
                   </a:solidFill>
@@ -23861,7 +23861,7 @@
             </a:ln>
             <a:extLst>
               <a:ext uri="{91240B29-F687-4f45-9708-019B960494DF}">
-                <a14:hiddenLine xmlns:a14="http://schemas.microsoft.com/office/drawing/2010/main" xmlns="" w="9525">
+                <a14:hiddenLine xmlns="" xmlns:a14="http://schemas.microsoft.com/office/drawing/2010/main" w="9525">
                   <a:solidFill>
                     <a:srgbClr val="000000"/>
                   </a:solidFill>
@@ -23894,7 +23894,7 @@
           <p:cNvPr id="117" name="Espace réservé du pied de page 2">
             <a:extLst>
               <a:ext uri="{FF2B5EF4-FFF2-40B4-BE49-F238E27FC236}">
-                <a16:creationId xmlns="" xmlns:a16="http://schemas.microsoft.com/office/drawing/2014/main" id="{C19FB9A1-F92D-4F1C-A2DF-7EB1762C9976}"/>
+                <a16:creationId xmlns:a16="http://schemas.microsoft.com/office/drawing/2014/main" xmlns="" id="{C19FB9A1-F92D-4F1C-A2DF-7EB1762C9976}"/>
               </a:ext>
             </a:extLst>
           </p:cNvPr>
@@ -29181,7 +29181,7 @@
           <p:cNvPr id="14" name="Rectangle 13">
             <a:extLst>
               <a:ext uri="{FF2B5EF4-FFF2-40B4-BE49-F238E27FC236}">
-                <a16:creationId xmlns="" xmlns:a16="http://schemas.microsoft.com/office/drawing/2014/main" id="{C666C74C-1959-421E-9EC2-03B9A9385592}"/>
+                <a16:creationId xmlns:a16="http://schemas.microsoft.com/office/drawing/2014/main" xmlns="" id="{C666C74C-1959-421E-9EC2-03B9A9385592}"/>
               </a:ext>
             </a:extLst>
           </p:cNvPr>
@@ -29570,7 +29570,7 @@
           <p:cNvPr id="13" name="Rectangle 12">
             <a:extLst>
               <a:ext uri="{FF2B5EF4-FFF2-40B4-BE49-F238E27FC236}">
-                <a16:creationId xmlns="" xmlns:a16="http://schemas.microsoft.com/office/drawing/2014/main" id="{83C11809-576F-495E-A1F8-CA74A8AD904F}"/>
+                <a16:creationId xmlns:a16="http://schemas.microsoft.com/office/drawing/2014/main" xmlns="" id="{83C11809-576F-495E-A1F8-CA74A8AD904F}"/>
               </a:ext>
             </a:extLst>
           </p:cNvPr>
@@ -30031,7 +30031,7 @@
           <p:cNvPr id="14" name="Rectangle 13">
             <a:extLst>
               <a:ext uri="{FF2B5EF4-FFF2-40B4-BE49-F238E27FC236}">
-                <a16:creationId xmlns="" xmlns:a16="http://schemas.microsoft.com/office/drawing/2014/main" id="{9049269D-0BC6-4621-AFE9-2A9069445B0B}"/>
+                <a16:creationId xmlns:a16="http://schemas.microsoft.com/office/drawing/2014/main" xmlns="" id="{9049269D-0BC6-4621-AFE9-2A9069445B0B}"/>
               </a:ext>
             </a:extLst>
           </p:cNvPr>
@@ -30496,7 +30496,7 @@
           <p:cNvPr id="14" name="Rectangle 13">
             <a:extLst>
               <a:ext uri="{FF2B5EF4-FFF2-40B4-BE49-F238E27FC236}">
-                <a16:creationId xmlns="" xmlns:a16="http://schemas.microsoft.com/office/drawing/2014/main" id="{35ECD615-867E-4413-A19D-753A5010D783}"/>
+                <a16:creationId xmlns:a16="http://schemas.microsoft.com/office/drawing/2014/main" xmlns="" id="{35ECD615-867E-4413-A19D-753A5010D783}"/>
               </a:ext>
             </a:extLst>
           </p:cNvPr>
@@ -33519,8 +33519,8 @@
         </p:nvSpPr>
         <p:spPr>
           <a:xfrm>
-            <a:off x="3393914" y="3921449"/>
-            <a:ext cx="5404174" cy="926425"/>
+            <a:off x="3393914" y="3769067"/>
+            <a:ext cx="5404174" cy="1078807"/>
           </a:xfrm>
           <a:prstGeom prst="rect">
             <a:avLst/>
@@ -33557,23 +33557,8 @@
                 </a:solidFill>
                 <a:latin typeface="+mj-lt"/>
               </a:rPr>
-              <a:t>Cœur </a:t>
+              <a:t>Cœur métier enrichi</a:t>
             </a:r>
-            <a:r>
-              <a:rPr lang="fr-FR" sz="1200" kern="0" dirty="0" smtClean="0">
-                <a:solidFill>
-                  <a:srgbClr val="00AFCB"/>
-                </a:solidFill>
-                <a:latin typeface="+mj-lt"/>
-              </a:rPr>
-              <a:t>métier enrichi</a:t>
-            </a:r>
-            <a:endParaRPr lang="fr-FR" sz="1200" kern="0" dirty="0" smtClean="0">
-              <a:solidFill>
-                <a:srgbClr val="00AFCB"/>
-              </a:solidFill>
-              <a:latin typeface="+mj-lt"/>
-            </a:endParaRPr>
           </a:p>
         </p:txBody>
       </p:sp>
@@ -33589,7 +33574,7 @@
         <p:spPr bwMode="auto">
           <a:xfrm>
             <a:off x="3884015" y="2785083"/>
-            <a:ext cx="542109" cy="265317"/>
+            <a:ext cx="542109" cy="232071"/>
           </a:xfrm>
           <a:prstGeom prst="straightConnector1">
             <a:avLst/>
@@ -33621,7 +33606,7 @@
         <p:spPr bwMode="auto">
           <a:xfrm flipH="1">
             <a:off x="6628360" y="2779305"/>
-            <a:ext cx="508309" cy="269627"/>
+            <a:ext cx="508309" cy="237115"/>
           </a:xfrm>
           <a:prstGeom prst="straightConnector1">
             <a:avLst/>
@@ -33653,7 +33638,7 @@
         <p:spPr bwMode="auto">
           <a:xfrm>
             <a:off x="6052451" y="2779305"/>
-            <a:ext cx="575909" cy="269627"/>
+            <a:ext cx="575909" cy="237115"/>
           </a:xfrm>
           <a:prstGeom prst="straightConnector1">
             <a:avLst/>
@@ -33684,8 +33669,8 @@
         </p:nvCxnSpPr>
         <p:spPr bwMode="auto">
           <a:xfrm flipH="1">
-            <a:off x="6096001" y="3654665"/>
-            <a:ext cx="532359" cy="266784"/>
+            <a:off x="6096001" y="3527384"/>
+            <a:ext cx="532359" cy="241683"/>
           </a:xfrm>
           <a:prstGeom prst="straightConnector1">
             <a:avLst/>
@@ -33716,8 +33701,8 @@
         </p:nvCxnSpPr>
         <p:spPr bwMode="auto">
           <a:xfrm flipH="1">
-            <a:off x="6096001" y="3654665"/>
-            <a:ext cx="2124888" cy="266784"/>
+            <a:off x="6096001" y="3574769"/>
+            <a:ext cx="2124888" cy="194298"/>
           </a:xfrm>
           <a:prstGeom prst="straightConnector1">
             <a:avLst/>
@@ -33737,131 +33722,6 @@
           <a:effectLst/>
         </p:spPr>
       </p:cxnSp>
-      <p:grpSp>
-        <p:nvGrpSpPr>
-          <p:cNvPr id="15" name="Grouper 14"/>
-          <p:cNvGrpSpPr/>
-          <p:nvPr/>
-        </p:nvGrpSpPr>
-        <p:grpSpPr>
-          <a:xfrm>
-            <a:off x="3936022" y="3050400"/>
-            <a:ext cx="980203" cy="605733"/>
-            <a:chOff x="2399837" y="2779118"/>
-            <a:chExt cx="1880987" cy="1418100"/>
-          </a:xfrm>
-        </p:grpSpPr>
-        <p:sp>
-          <p:nvSpPr>
-            <p:cNvPr id="40" name="Rectangle 39"/>
-            <p:cNvSpPr/>
-            <p:nvPr/>
-          </p:nvSpPr>
-          <p:spPr>
-            <a:xfrm>
-              <a:off x="2399837" y="2779118"/>
-              <a:ext cx="1880987" cy="1418100"/>
-            </a:xfrm>
-            <a:prstGeom prst="rect">
-              <a:avLst/>
-            </a:prstGeom>
-            <a:noFill/>
-            <a:ln w="38100">
-              <a:solidFill>
-                <a:srgbClr val="00AFCB"/>
-              </a:solidFill>
-            </a:ln>
-          </p:spPr>
-          <p:txBody>
-            <a:bodyPr rtlCol="0" anchor="ctr">
-              <a:noAutofit/>
-            </a:bodyPr>
-            <a:lstStyle/>
-            <a:p>
-              <a:pPr algn="ctr" eaLnBrk="1" hangingPunct="1">
-                <a:spcBef>
-                  <a:spcPts val="384"/>
-                </a:spcBef>
-                <a:spcAft>
-                  <a:spcPts val="0"/>
-                </a:spcAft>
-                <a:buClr>
-                  <a:srgbClr val="00A9C5"/>
-                </a:buClr>
-                <a:buSzPct val="80000"/>
-              </a:pPr>
-              <a:r>
-                <a:rPr lang="fr-FR" sz="1200" kern="0" dirty="0" err="1" smtClean="0">
-                  <a:solidFill>
-                    <a:srgbClr val="00AFCB"/>
-                  </a:solidFill>
-                  <a:latin typeface="+mj-lt"/>
-                </a:rPr>
-                <a:t>Backend</a:t>
-              </a:r>
-              <a:r>
-                <a:rPr lang="fr-FR" sz="1200" kern="0" dirty="0" smtClean="0">
-                  <a:solidFill>
-                    <a:srgbClr val="00AFCB"/>
-                  </a:solidFill>
-                  <a:latin typeface="+mj-lt"/>
-                </a:rPr>
-                <a:t> partenaires</a:t>
-              </a:r>
-            </a:p>
-            <a:p>
-              <a:pPr algn="ctr" eaLnBrk="1" hangingPunct="1">
-                <a:spcBef>
-                  <a:spcPts val="384"/>
-                </a:spcBef>
-                <a:spcAft>
-                  <a:spcPts val="0"/>
-                </a:spcAft>
-                <a:buClr>
-                  <a:srgbClr val="00A9C5"/>
-                </a:buClr>
-                <a:buSzPct val="80000"/>
-              </a:pPr>
-              <a:endParaRPr lang="fr-FR" sz="1200" kern="0" dirty="0" smtClean="0">
-                <a:solidFill>
-                  <a:srgbClr val="00AFCB"/>
-                </a:solidFill>
-                <a:latin typeface="+mj-lt"/>
-              </a:endParaRPr>
-            </a:p>
-          </p:txBody>
-        </p:sp>
-        <p:pic>
-          <p:nvPicPr>
-            <p:cNvPr id="83" name="Image 82"/>
-            <p:cNvPicPr>
-              <a:picLocks noChangeAspect="1"/>
-            </p:cNvPicPr>
-            <p:nvPr/>
-          </p:nvPicPr>
-          <p:blipFill>
-            <a:blip r:embed="rId2">
-              <a:extLst>
-                <a:ext uri="{28A0092B-C50C-407E-A947-70E740481C1C}">
-                  <a14:useLocalDpi xmlns:a14="http://schemas.microsoft.com/office/drawing/2010/main" val="0"/>
-                </a:ext>
-              </a:extLst>
-            </a:blip>
-            <a:stretch>
-              <a:fillRect/>
-            </a:stretch>
-          </p:blipFill>
-          <p:spPr>
-            <a:xfrm>
-              <a:off x="3870144" y="3721197"/>
-              <a:ext cx="324728" cy="441843"/>
-            </a:xfrm>
-            <a:prstGeom prst="rect">
-              <a:avLst/>
-            </a:prstGeom>
-          </p:spPr>
-        </p:pic>
-      </p:grpSp>
       <p:pic>
         <p:nvPicPr>
           <p:cNvPr id="6" name="Image 5"/>
@@ -33892,111 +33752,6 @@
           </a:prstGeom>
         </p:spPr>
       </p:pic>
-      <p:grpSp>
-        <p:nvGrpSpPr>
-          <p:cNvPr id="14" name="Grouper 13"/>
-          <p:cNvGrpSpPr/>
-          <p:nvPr/>
-        </p:nvGrpSpPr>
-        <p:grpSpPr>
-          <a:xfrm>
-            <a:off x="6138258" y="3048932"/>
-            <a:ext cx="980203" cy="605733"/>
-            <a:chOff x="6638345" y="2768770"/>
-            <a:chExt cx="1880987" cy="1418099"/>
-          </a:xfrm>
-        </p:grpSpPr>
-        <p:pic>
-          <p:nvPicPr>
-            <p:cNvPr id="67" name="Image 66"/>
-            <p:cNvPicPr>
-              <a:picLocks noChangeAspect="1"/>
-            </p:cNvPicPr>
-            <p:nvPr/>
-          </p:nvPicPr>
-          <p:blipFill>
-            <a:blip r:embed="rId2">
-              <a:extLst>
-                <a:ext uri="{28A0092B-C50C-407E-A947-70E740481C1C}">
-                  <a14:useLocalDpi xmlns:a14="http://schemas.microsoft.com/office/drawing/2010/main" val="0"/>
-                </a:ext>
-              </a:extLst>
-            </a:blip>
-            <a:stretch>
-              <a:fillRect/>
-            </a:stretch>
-          </p:blipFill>
-          <p:spPr>
-            <a:xfrm>
-              <a:off x="8127266" y="3701533"/>
-              <a:ext cx="324728" cy="441843"/>
-            </a:xfrm>
-            <a:prstGeom prst="rect">
-              <a:avLst/>
-            </a:prstGeom>
-          </p:spPr>
-        </p:pic>
-        <p:sp>
-          <p:nvSpPr>
-            <p:cNvPr id="12" name="Rectangle 11"/>
-            <p:cNvSpPr/>
-            <p:nvPr/>
-          </p:nvSpPr>
-          <p:spPr>
-            <a:xfrm>
-              <a:off x="6638345" y="2768770"/>
-              <a:ext cx="1880987" cy="1418099"/>
-            </a:xfrm>
-            <a:prstGeom prst="rect">
-              <a:avLst/>
-            </a:prstGeom>
-            <a:noFill/>
-            <a:ln w="38100">
-              <a:solidFill>
-                <a:srgbClr val="00AFCB"/>
-              </a:solidFill>
-            </a:ln>
-          </p:spPr>
-          <p:txBody>
-            <a:bodyPr rtlCol="0" anchor="ctr">
-              <a:noAutofit/>
-            </a:bodyPr>
-            <a:lstStyle/>
-            <a:p>
-              <a:pPr algn="ctr" eaLnBrk="1" hangingPunct="1">
-                <a:spcBef>
-                  <a:spcPts val="384"/>
-                </a:spcBef>
-                <a:spcAft>
-                  <a:spcPts val="0"/>
-                </a:spcAft>
-                <a:buClr>
-                  <a:srgbClr val="00A9C5"/>
-                </a:buClr>
-                <a:buSzPct val="80000"/>
-              </a:pPr>
-              <a:r>
-                <a:rPr lang="fr-FR" sz="1200" kern="0" dirty="0" err="1" smtClean="0">
-                  <a:solidFill>
-                    <a:srgbClr val="00AFCB"/>
-                  </a:solidFill>
-                  <a:latin typeface="+mj-lt"/>
-                </a:rPr>
-                <a:t>Backend</a:t>
-              </a:r>
-              <a:r>
-                <a:rPr lang="fr-FR" sz="1200" kern="0" dirty="0" smtClean="0">
-                  <a:solidFill>
-                    <a:srgbClr val="00AFCB"/>
-                  </a:solidFill>
-                  <a:latin typeface="+mj-lt"/>
-                </a:rPr>
-                <a:t> site web client</a:t>
-              </a:r>
-            </a:p>
-          </p:txBody>
-        </p:sp>
-      </p:grpSp>
       <p:sp>
         <p:nvSpPr>
           <p:cNvPr id="13" name="Rectangle 12"/>
@@ -34101,72 +33856,6 @@
       </p:sp>
       <p:sp>
         <p:nvSpPr>
-          <p:cNvPr id="47" name="Rectangle 46"/>
-          <p:cNvSpPr/>
-          <p:nvPr/>
-        </p:nvSpPr>
-        <p:spPr>
-          <a:xfrm>
-            <a:off x="7730787" y="3048932"/>
-            <a:ext cx="980203" cy="605733"/>
-          </a:xfrm>
-          <a:prstGeom prst="rect">
-            <a:avLst/>
-          </a:prstGeom>
-          <a:noFill/>
-          <a:ln w="38100">
-            <a:solidFill>
-              <a:srgbClr val="00AFCB"/>
-            </a:solidFill>
-          </a:ln>
-        </p:spPr>
-        <p:txBody>
-          <a:bodyPr rtlCol="0" anchor="ctr">
-            <a:noAutofit/>
-          </a:bodyPr>
-          <a:lstStyle/>
-          <a:p>
-            <a:pPr lvl="0" algn="ctr" eaLnBrk="1" hangingPunct="1">
-              <a:spcBef>
-                <a:spcPts val="384"/>
-              </a:spcBef>
-              <a:spcAft>
-                <a:spcPts val="0"/>
-              </a:spcAft>
-              <a:buClr>
-                <a:srgbClr val="00A9C5"/>
-              </a:buClr>
-              <a:buSzPct val="80000"/>
-            </a:pPr>
-            <a:r>
-              <a:rPr lang="fr-FR" sz="1200" kern="0" dirty="0" err="1" smtClean="0">
-                <a:solidFill>
-                  <a:srgbClr val="00AFCB"/>
-                </a:solidFill>
-                <a:latin typeface="Arial"/>
-              </a:rPr>
-              <a:t>Backend</a:t>
-            </a:r>
-            <a:r>
-              <a:rPr lang="fr-FR" sz="1200" kern="0" dirty="0" smtClean="0">
-                <a:solidFill>
-                  <a:srgbClr val="00AFCB"/>
-                </a:solidFill>
-                <a:latin typeface="Arial"/>
-              </a:rPr>
-              <a:t> backoffice</a:t>
-            </a:r>
-            <a:endParaRPr lang="fr-FR" sz="1200" kern="0" dirty="0">
-              <a:solidFill>
-                <a:srgbClr val="00AFCB"/>
-              </a:solidFill>
-              <a:latin typeface="Arial"/>
-            </a:endParaRPr>
-          </a:p>
-        </p:txBody>
-      </p:sp>
-      <p:sp>
-        <p:nvSpPr>
           <p:cNvPr id="92" name="Rectangle 91"/>
           <p:cNvSpPr/>
           <p:nvPr/>
@@ -34228,7 +33917,7 @@
         <p:spPr bwMode="auto">
           <a:xfrm>
             <a:off x="8220889" y="2774738"/>
-            <a:ext cx="0" cy="274194"/>
+            <a:ext cx="0" cy="194298"/>
           </a:xfrm>
           <a:prstGeom prst="straightConnector1">
             <a:avLst/>
@@ -34259,8 +33948,8 @@
         </p:nvCxnSpPr>
         <p:spPr bwMode="auto">
           <a:xfrm>
-            <a:off x="4426124" y="3656133"/>
-            <a:ext cx="1669877" cy="265316"/>
+            <a:off x="4426124" y="3526650"/>
+            <a:ext cx="1669877" cy="242417"/>
           </a:xfrm>
           <a:prstGeom prst="straightConnector1">
             <a:avLst/>
@@ -34409,7 +34098,7 @@
         <p:spPr bwMode="auto">
           <a:xfrm flipH="1">
             <a:off x="4426124" y="2779305"/>
-            <a:ext cx="542109" cy="271095"/>
+            <a:ext cx="542109" cy="237849"/>
           </a:xfrm>
           <a:prstGeom prst="straightConnector1">
             <a:avLst/>
@@ -34429,111 +34118,297 @@
           <a:effectLst/>
         </p:spPr>
       </p:cxnSp>
-      <p:grpSp>
-        <p:nvGrpSpPr>
-          <p:cNvPr id="11" name="Grouper 10"/>
-          <p:cNvGrpSpPr/>
+      <p:sp>
+        <p:nvSpPr>
+          <p:cNvPr id="40" name="Rectangle 39"/>
+          <p:cNvSpPr/>
           <p:nvPr/>
-        </p:nvGrpSpPr>
-        <p:grpSpPr>
+        </p:nvSpPr>
+        <p:spPr>
           <a:xfrm>
-            <a:off x="5037140" y="3102544"/>
-            <a:ext cx="980203" cy="501445"/>
-            <a:chOff x="4577128" y="3023268"/>
-            <a:chExt cx="1880987" cy="1173947"/>
+            <a:off x="3936022" y="3017154"/>
+            <a:ext cx="980203" cy="509496"/>
           </a:xfrm>
-        </p:grpSpPr>
-        <p:sp>
-          <p:nvSpPr>
-            <p:cNvPr id="24" name="Rectangle 23"/>
-            <p:cNvSpPr/>
-            <p:nvPr/>
-          </p:nvSpPr>
-          <p:spPr>
-            <a:xfrm>
-              <a:off x="4577128" y="3023268"/>
-              <a:ext cx="1880987" cy="1173947"/>
-            </a:xfrm>
-            <a:prstGeom prst="rect">
-              <a:avLst/>
-            </a:prstGeom>
-            <a:noFill/>
-            <a:ln w="38100">
+          <a:prstGeom prst="rect">
+            <a:avLst/>
+          </a:prstGeom>
+          <a:noFill/>
+          <a:ln w="38100">
+            <a:solidFill>
+              <a:srgbClr val="00AFCB"/>
+            </a:solidFill>
+          </a:ln>
+        </p:spPr>
+        <p:txBody>
+          <a:bodyPr rtlCol="0" anchor="ctr">
+            <a:noAutofit/>
+          </a:bodyPr>
+          <a:lstStyle/>
+          <a:p>
+            <a:pPr algn="ctr" eaLnBrk="1" hangingPunct="1">
+              <a:spcBef>
+                <a:spcPts val="384"/>
+              </a:spcBef>
+              <a:spcAft>
+                <a:spcPts val="0"/>
+              </a:spcAft>
+              <a:buClr>
+                <a:srgbClr val="00A9C5"/>
+              </a:buClr>
+              <a:buSzPct val="80000"/>
+            </a:pPr>
+            <a:r>
+              <a:rPr lang="fr-FR" sz="1200" kern="0" dirty="0" err="1" smtClean="0">
+                <a:solidFill>
+                  <a:srgbClr val="00AFCB"/>
+                </a:solidFill>
+                <a:latin typeface="+mj-lt"/>
+              </a:rPr>
+              <a:t>Backend</a:t>
+            </a:r>
+            <a:r>
+              <a:rPr lang="fr-FR" sz="1200" kern="0" dirty="0" smtClean="0">
+                <a:solidFill>
+                  <a:srgbClr val="00AFCB"/>
+                </a:solidFill>
+                <a:latin typeface="+mj-lt"/>
+              </a:rPr>
+              <a:t> </a:t>
+            </a:r>
+            <a:r>
+              <a:rPr lang="fr-FR" sz="1200" kern="0" dirty="0" smtClean="0">
+                <a:solidFill>
+                  <a:srgbClr val="00AFCB"/>
+                </a:solidFill>
+                <a:latin typeface="+mj-lt"/>
+              </a:rPr>
+              <a:t>partenaires</a:t>
+            </a:r>
+            <a:endParaRPr lang="fr-FR" sz="1200" kern="0" dirty="0" smtClean="0">
               <a:solidFill>
                 <a:srgbClr val="00AFCB"/>
               </a:solidFill>
-            </a:ln>
-          </p:spPr>
-          <p:txBody>
-            <a:bodyPr rtlCol="0" anchor="ctr">
-              <a:noAutofit/>
-            </a:bodyPr>
-            <a:lstStyle/>
-            <a:p>
-              <a:pPr algn="ctr" eaLnBrk="1" hangingPunct="1">
-                <a:spcBef>
-                  <a:spcPts val="384"/>
-                </a:spcBef>
-                <a:spcAft>
-                  <a:spcPts val="0"/>
-                </a:spcAft>
-                <a:buClr>
-                  <a:srgbClr val="00A9C5"/>
-                </a:buClr>
-                <a:buSzPct val="80000"/>
-              </a:pPr>
-              <a:r>
-                <a:rPr lang="fr-FR" sz="1200" kern="0" dirty="0" err="1" smtClean="0">
-                  <a:solidFill>
-                    <a:srgbClr val="00AFCB"/>
-                  </a:solidFill>
-                  <a:latin typeface="+mj-lt"/>
-                </a:rPr>
-                <a:t>Backend</a:t>
-              </a:r>
-              <a:r>
-                <a:rPr lang="fr-FR" sz="1200" kern="0" dirty="0" smtClean="0">
-                  <a:solidFill>
-                    <a:srgbClr val="00AFCB"/>
-                  </a:solidFill>
-                  <a:latin typeface="+mj-lt"/>
-                </a:rPr>
-                <a:t> partagé</a:t>
-              </a:r>
-            </a:p>
-          </p:txBody>
-        </p:sp>
-        <p:pic>
-          <p:nvPicPr>
-            <p:cNvPr id="25" name="Image 24"/>
-            <p:cNvPicPr>
-              <a:picLocks noChangeAspect="1"/>
-            </p:cNvPicPr>
-            <p:nvPr/>
-          </p:nvPicPr>
-          <p:blipFill>
-            <a:blip r:embed="rId2">
-              <a:extLst>
-                <a:ext uri="{28A0092B-C50C-407E-A947-70E740481C1C}">
-                  <a14:useLocalDpi xmlns:a14="http://schemas.microsoft.com/office/drawing/2010/main" val="0"/>
-                </a:ext>
-              </a:extLst>
-            </a:blip>
-            <a:stretch>
-              <a:fillRect/>
-            </a:stretch>
-          </p:blipFill>
-          <p:spPr>
-            <a:xfrm>
-              <a:off x="6137358" y="3748828"/>
-              <a:ext cx="253671" cy="345160"/>
-            </a:xfrm>
-            <a:prstGeom prst="rect">
-              <a:avLst/>
-            </a:prstGeom>
-          </p:spPr>
-        </p:pic>
-      </p:grpSp>
+              <a:latin typeface="+mj-lt"/>
+            </a:endParaRPr>
+          </a:p>
+        </p:txBody>
+      </p:sp>
+      <p:sp>
+        <p:nvSpPr>
+          <p:cNvPr id="12" name="Rectangle 11"/>
+          <p:cNvSpPr/>
+          <p:nvPr/>
+        </p:nvSpPr>
+        <p:spPr>
+          <a:xfrm>
+            <a:off x="6138258" y="3016420"/>
+            <a:ext cx="980203" cy="510964"/>
+          </a:xfrm>
+          <a:prstGeom prst="rect">
+            <a:avLst/>
+          </a:prstGeom>
+          <a:noFill/>
+          <a:ln w="38100">
+            <a:solidFill>
+              <a:srgbClr val="00AFCB"/>
+            </a:solidFill>
+          </a:ln>
+        </p:spPr>
+        <p:txBody>
+          <a:bodyPr rtlCol="0" anchor="ctr">
+            <a:noAutofit/>
+          </a:bodyPr>
+          <a:lstStyle/>
+          <a:p>
+            <a:pPr algn="ctr" eaLnBrk="1" hangingPunct="1">
+              <a:spcBef>
+                <a:spcPts val="384"/>
+              </a:spcBef>
+              <a:spcAft>
+                <a:spcPts val="0"/>
+              </a:spcAft>
+              <a:buClr>
+                <a:srgbClr val="00A9C5"/>
+              </a:buClr>
+              <a:buSzPct val="80000"/>
+            </a:pPr>
+            <a:r>
+              <a:rPr lang="fr-FR" sz="1200" kern="0" dirty="0" err="1" smtClean="0">
+                <a:solidFill>
+                  <a:srgbClr val="00AFCB"/>
+                </a:solidFill>
+                <a:latin typeface="+mj-lt"/>
+              </a:rPr>
+              <a:t>Backend</a:t>
+            </a:r>
+            <a:r>
+              <a:rPr lang="fr-FR" sz="1200" kern="0" dirty="0" smtClean="0">
+                <a:solidFill>
+                  <a:srgbClr val="00AFCB"/>
+                </a:solidFill>
+                <a:latin typeface="+mj-lt"/>
+              </a:rPr>
+              <a:t> site web client</a:t>
+            </a:r>
+          </a:p>
+        </p:txBody>
+      </p:sp>
+      <p:sp>
+        <p:nvSpPr>
+          <p:cNvPr id="47" name="Rectangle 46"/>
+          <p:cNvSpPr/>
+          <p:nvPr/>
+        </p:nvSpPr>
+        <p:spPr>
+          <a:xfrm>
+            <a:off x="7730787" y="2969036"/>
+            <a:ext cx="980203" cy="605733"/>
+          </a:xfrm>
+          <a:prstGeom prst="rect">
+            <a:avLst/>
+          </a:prstGeom>
+          <a:noFill/>
+          <a:ln w="38100">
+            <a:solidFill>
+              <a:srgbClr val="00AFCB"/>
+            </a:solidFill>
+          </a:ln>
+        </p:spPr>
+        <p:txBody>
+          <a:bodyPr rtlCol="0" anchor="ctr">
+            <a:noAutofit/>
+          </a:bodyPr>
+          <a:lstStyle/>
+          <a:p>
+            <a:pPr lvl="0" algn="ctr" eaLnBrk="1" hangingPunct="1">
+              <a:spcBef>
+                <a:spcPts val="384"/>
+              </a:spcBef>
+              <a:spcAft>
+                <a:spcPts val="0"/>
+              </a:spcAft>
+              <a:buClr>
+                <a:srgbClr val="00A9C5"/>
+              </a:buClr>
+              <a:buSzPct val="80000"/>
+            </a:pPr>
+            <a:r>
+              <a:rPr lang="fr-FR" sz="1200" kern="0" dirty="0" err="1" smtClean="0">
+                <a:solidFill>
+                  <a:srgbClr val="00AFCB"/>
+                </a:solidFill>
+                <a:latin typeface="Arial"/>
+              </a:rPr>
+              <a:t>Backend</a:t>
+            </a:r>
+            <a:r>
+              <a:rPr lang="fr-FR" sz="1200" kern="0" dirty="0" smtClean="0">
+                <a:solidFill>
+                  <a:srgbClr val="00AFCB"/>
+                </a:solidFill>
+                <a:latin typeface="Arial"/>
+              </a:rPr>
+              <a:t> backoffice</a:t>
+            </a:r>
+            <a:endParaRPr lang="fr-FR" sz="1200" kern="0" dirty="0">
+              <a:solidFill>
+                <a:srgbClr val="00AFCB"/>
+              </a:solidFill>
+              <a:latin typeface="Arial"/>
+            </a:endParaRPr>
+          </a:p>
+        </p:txBody>
+      </p:sp>
+      <p:sp>
+        <p:nvSpPr>
+          <p:cNvPr id="24" name="Rectangle 23"/>
+          <p:cNvSpPr/>
+          <p:nvPr/>
+        </p:nvSpPr>
+        <p:spPr>
+          <a:xfrm>
+            <a:off x="5037140" y="3021180"/>
+            <a:ext cx="980203" cy="501445"/>
+          </a:xfrm>
+          <a:prstGeom prst="rect">
+            <a:avLst/>
+          </a:prstGeom>
+          <a:noFill/>
+          <a:ln w="38100">
+            <a:solidFill>
+              <a:srgbClr val="00AFCB"/>
+            </a:solidFill>
+          </a:ln>
+        </p:spPr>
+        <p:txBody>
+          <a:bodyPr rtlCol="0" anchor="ctr">
+            <a:noAutofit/>
+          </a:bodyPr>
+          <a:lstStyle/>
+          <a:p>
+            <a:pPr algn="ctr" eaLnBrk="1" hangingPunct="1">
+              <a:spcBef>
+                <a:spcPts val="384"/>
+              </a:spcBef>
+              <a:spcAft>
+                <a:spcPts val="0"/>
+              </a:spcAft>
+              <a:buClr>
+                <a:srgbClr val="00A9C5"/>
+              </a:buClr>
+              <a:buSzPct val="80000"/>
+            </a:pPr>
+            <a:r>
+              <a:rPr lang="fr-FR" sz="1200" kern="0" dirty="0" err="1" smtClean="0">
+                <a:solidFill>
+                  <a:srgbClr val="00AFCB"/>
+                </a:solidFill>
+                <a:latin typeface="+mj-lt"/>
+              </a:rPr>
+              <a:t>Backend</a:t>
+            </a:r>
+            <a:r>
+              <a:rPr lang="fr-FR" sz="1200" kern="0" dirty="0" smtClean="0">
+                <a:solidFill>
+                  <a:srgbClr val="00AFCB"/>
+                </a:solidFill>
+                <a:latin typeface="+mj-lt"/>
+              </a:rPr>
+              <a:t> partagé</a:t>
+            </a:r>
+          </a:p>
+        </p:txBody>
+      </p:sp>
+      <p:pic>
+        <p:nvPicPr>
+          <p:cNvPr id="25" name="Image 24"/>
+          <p:cNvPicPr>
+            <a:picLocks noChangeAspect="1"/>
+          </p:cNvPicPr>
+          <p:nvPr/>
+        </p:nvPicPr>
+        <p:blipFill>
+          <a:blip r:embed="rId2">
+            <a:extLst>
+              <a:ext uri="{28A0092B-C50C-407E-A947-70E740481C1C}">
+                <a14:useLocalDpi xmlns:a14="http://schemas.microsoft.com/office/drawing/2010/main" val="0"/>
+              </a:ext>
+            </a:extLst>
+          </a:blip>
+          <a:stretch>
+            <a:fillRect/>
+          </a:stretch>
+        </p:blipFill>
+        <p:spPr>
+          <a:xfrm>
+            <a:off x="5860025" y="3044587"/>
+            <a:ext cx="132191" cy="147433"/>
+          </a:xfrm>
+          <a:prstGeom prst="rect">
+            <a:avLst/>
+          </a:prstGeom>
+        </p:spPr>
+      </p:pic>
       <p:cxnSp>
         <p:nvCxnSpPr>
           <p:cNvPr id="26" name="Connecteur droit avec flèche 25"/>
@@ -34545,8 +34420,8 @@
         </p:nvCxnSpPr>
         <p:spPr bwMode="auto">
           <a:xfrm>
-            <a:off x="4916225" y="3353267"/>
-            <a:ext cx="120915" cy="0"/>
+            <a:off x="4916225" y="3271902"/>
+            <a:ext cx="120915" cy="1"/>
           </a:xfrm>
           <a:prstGeom prst="straightConnector1">
             <a:avLst/>
@@ -34577,8 +34452,8 @@
         </p:nvCxnSpPr>
         <p:spPr bwMode="auto">
           <a:xfrm>
-            <a:off x="5527242" y="3603989"/>
-            <a:ext cx="568759" cy="317460"/>
+            <a:off x="5527242" y="3522625"/>
+            <a:ext cx="568759" cy="246442"/>
           </a:xfrm>
           <a:prstGeom prst="straightConnector1">
             <a:avLst/>
@@ -34609,8 +34484,8 @@
         </p:nvCxnSpPr>
         <p:spPr bwMode="auto">
           <a:xfrm flipH="1">
-            <a:off x="6017343" y="3351799"/>
-            <a:ext cx="120915" cy="1468"/>
+            <a:off x="6017343" y="3271902"/>
+            <a:ext cx="120915" cy="1"/>
           </a:xfrm>
           <a:prstGeom prst="straightConnector1">
             <a:avLst/>
@@ -34654,6 +34529,66 @@
           <a:xfrm>
             <a:off x="7426095" y="2501280"/>
             <a:ext cx="169219" cy="238233"/>
+          </a:xfrm>
+          <a:prstGeom prst="rect">
+            <a:avLst/>
+          </a:prstGeom>
+        </p:spPr>
+      </p:pic>
+      <p:pic>
+        <p:nvPicPr>
+          <p:cNvPr id="43" name="Image 42"/>
+          <p:cNvPicPr>
+            <a:picLocks noChangeAspect="1"/>
+          </p:cNvPicPr>
+          <p:nvPr/>
+        </p:nvPicPr>
+        <p:blipFill>
+          <a:blip r:embed="rId2">
+            <a:extLst>
+              <a:ext uri="{28A0092B-C50C-407E-A947-70E740481C1C}">
+                <a14:useLocalDpi xmlns:a14="http://schemas.microsoft.com/office/drawing/2010/main" val="0"/>
+              </a:ext>
+            </a:extLst>
+          </a:blip>
+          <a:stretch>
+            <a:fillRect/>
+          </a:stretch>
+        </p:blipFill>
+        <p:spPr>
+          <a:xfrm>
+            <a:off x="4758578" y="3044587"/>
+            <a:ext cx="132191" cy="147433"/>
+          </a:xfrm>
+          <a:prstGeom prst="rect">
+            <a:avLst/>
+          </a:prstGeom>
+        </p:spPr>
+      </p:pic>
+      <p:pic>
+        <p:nvPicPr>
+          <p:cNvPr id="44" name="Image 43"/>
+          <p:cNvPicPr>
+            <a:picLocks noChangeAspect="1"/>
+          </p:cNvPicPr>
+          <p:nvPr/>
+        </p:nvPicPr>
+        <p:blipFill>
+          <a:blip r:embed="rId2">
+            <a:extLst>
+              <a:ext uri="{28A0092B-C50C-407E-A947-70E740481C1C}">
+                <a14:useLocalDpi xmlns:a14="http://schemas.microsoft.com/office/drawing/2010/main" val="0"/>
+              </a:ext>
+            </a:extLst>
+          </a:blip>
+          <a:stretch>
+            <a:fillRect/>
+          </a:stretch>
+        </p:blipFill>
+        <p:spPr>
+          <a:xfrm>
+            <a:off x="6964222" y="3051288"/>
+            <a:ext cx="120174" cy="134030"/>
           </a:xfrm>
           <a:prstGeom prst="rect">
             <a:avLst/>
@@ -34736,23 +34671,8 @@
                 </a:solidFill>
                 <a:latin typeface="+mj-lt"/>
               </a:rPr>
-              <a:t>Cœur </a:t>
+              <a:t>Cœur métier omnicanal</a:t>
             </a:r>
-            <a:r>
-              <a:rPr lang="fr-FR" sz="1200" kern="0" dirty="0" smtClean="0">
-                <a:solidFill>
-                  <a:srgbClr val="00AFCB"/>
-                </a:solidFill>
-                <a:latin typeface="+mj-lt"/>
-              </a:rPr>
-              <a:t>métier omnicanal</a:t>
-            </a:r>
-            <a:endParaRPr lang="fr-FR" sz="1200" kern="0" dirty="0" smtClean="0">
-              <a:solidFill>
-                <a:srgbClr val="00AFCB"/>
-              </a:solidFill>
-              <a:latin typeface="+mj-lt"/>
-            </a:endParaRPr>
           </a:p>
         </p:txBody>
       </p:sp>
@@ -37974,12 +37894,6 @@
               </a:rPr>
               <a:t>Reliquat du système historique</a:t>
             </a:r>
-            <a:endParaRPr lang="fr-FR" sz="1200" kern="0" dirty="0" smtClean="0">
-              <a:solidFill>
-                <a:srgbClr val="00AFCB"/>
-              </a:solidFill>
-              <a:latin typeface="+mj-lt"/>
-            </a:endParaRPr>
           </a:p>
         </p:txBody>
       </p:sp>
@@ -38819,12 +38733,6 @@
               </a:rPr>
               <a:t>Couche omnicanal</a:t>
             </a:r>
-            <a:endParaRPr lang="fr-FR" sz="1200" kern="0" dirty="0" smtClean="0">
-              <a:solidFill>
-                <a:srgbClr val="00AFCB"/>
-              </a:solidFill>
-              <a:latin typeface="+mj-lt"/>
-            </a:endParaRPr>
           </a:p>
           <a:p>
             <a:pPr algn="ctr" eaLnBrk="1" hangingPunct="1">
@@ -41179,7 +41087,7 @@
                 </a:solidFill>
                 <a:latin typeface="Arial"/>
               </a:rPr>
-              <a:t>A</a:t>
+              <a:t>E</a:t>
             </a:r>
             <a:endParaRPr lang="fr-FR" sz="1600" kern="0" dirty="0">
               <a:solidFill>

--- a/wip/omnicanal/slides.pptx
+++ b/wip/omnicanal/slides.pptx
@@ -546,7 +546,7 @@
             <a:fld id="{9174CE4A-3945-476E-9F9F-D25A0475318F}" type="datetimeFigureOut">
               <a:rPr lang="fr-FR" smtClean="0"/>
               <a:pPr/>
-              <a:t>27/07/2018</a:t>
+              <a:t>31/07/2018</a:t>
             </a:fld>
             <a:endParaRPr lang="fr-FR"/>
           </a:p>
@@ -1159,7 +1159,7 @@
           <p:cNvPr id="65" name="Rectangle 64">
             <a:extLst>
               <a:ext uri="{FF2B5EF4-FFF2-40B4-BE49-F238E27FC236}">
-                <a16:creationId xmlns:a16="http://schemas.microsoft.com/office/drawing/2014/main" xmlns="" id="{DAC2BD3D-F30D-4E09-AF38-DD12CCE211D7}"/>
+                <a16:creationId xmlns="" xmlns:a16="http://schemas.microsoft.com/office/drawing/2014/main" id="{DAC2BD3D-F30D-4E09-AF38-DD12CCE211D7}"/>
               </a:ext>
             </a:extLst>
           </p:cNvPr>
@@ -1225,7 +1225,7 @@
           <p:cNvPr id="2" name="Groupe 1">
             <a:extLst>
               <a:ext uri="{FF2B5EF4-FFF2-40B4-BE49-F238E27FC236}">
-                <a16:creationId xmlns:a16="http://schemas.microsoft.com/office/drawing/2014/main" xmlns="" id="{678F2DEF-A191-4732-B94A-D825BF029577}"/>
+                <a16:creationId xmlns="" xmlns:a16="http://schemas.microsoft.com/office/drawing/2014/main" id="{678F2DEF-A191-4732-B94A-D825BF029577}"/>
               </a:ext>
             </a:extLst>
           </p:cNvPr>
@@ -1245,7 +1245,7 @@
             <p:cNvPr id="67" name="Freeform 16">
               <a:extLst>
                 <a:ext uri="{FF2B5EF4-FFF2-40B4-BE49-F238E27FC236}">
-                  <a16:creationId xmlns:a16="http://schemas.microsoft.com/office/drawing/2014/main" xmlns="" id="{9065C895-ABC2-4BA1-9E70-522ECB4550DF}"/>
+                  <a16:creationId xmlns="" xmlns:a16="http://schemas.microsoft.com/office/drawing/2014/main" id="{9065C895-ABC2-4BA1-9E70-522ECB4550DF}"/>
                 </a:ext>
               </a:extLst>
             </p:cNvPr>
@@ -1378,7 +1378,7 @@
             </a:ln>
             <a:extLst>
               <a:ext uri="{91240B29-F687-4f45-9708-019B960494DF}">
-                <a14:hiddenLine xmlns="" xmlns:a14="http://schemas.microsoft.com/office/drawing/2010/main" w="9525">
+                <a14:hiddenLine xmlns:a14="http://schemas.microsoft.com/office/drawing/2010/main" xmlns="" w="9525">
                   <a:solidFill>
                     <a:srgbClr val="000000"/>
                   </a:solidFill>
@@ -1406,7 +1406,7 @@
             <p:cNvPr id="68" name="Freeform 17">
               <a:extLst>
                 <a:ext uri="{FF2B5EF4-FFF2-40B4-BE49-F238E27FC236}">
-                  <a16:creationId xmlns:a16="http://schemas.microsoft.com/office/drawing/2014/main" xmlns="" id="{CB0CBD82-F1C1-4C7E-8E64-786AEECF65D9}"/>
+                  <a16:creationId xmlns="" xmlns:a16="http://schemas.microsoft.com/office/drawing/2014/main" id="{CB0CBD82-F1C1-4C7E-8E64-786AEECF65D9}"/>
                 </a:ext>
               </a:extLst>
             </p:cNvPr>
@@ -1539,7 +1539,7 @@
             </a:ln>
             <a:extLst>
               <a:ext uri="{91240B29-F687-4f45-9708-019B960494DF}">
-                <a14:hiddenLine xmlns="" xmlns:a14="http://schemas.microsoft.com/office/drawing/2010/main" w="9525">
+                <a14:hiddenLine xmlns:a14="http://schemas.microsoft.com/office/drawing/2010/main" xmlns="" w="9525">
                   <a:solidFill>
                     <a:srgbClr val="000000"/>
                   </a:solidFill>
@@ -1567,7 +1567,7 @@
             <p:cNvPr id="69" name="Oval 18">
               <a:extLst>
                 <a:ext uri="{FF2B5EF4-FFF2-40B4-BE49-F238E27FC236}">
-                  <a16:creationId xmlns:a16="http://schemas.microsoft.com/office/drawing/2014/main" xmlns="" id="{A054D83A-47E5-4AD9-A149-0D88C16A7199}"/>
+                  <a16:creationId xmlns="" xmlns:a16="http://schemas.microsoft.com/office/drawing/2014/main" id="{A054D83A-47E5-4AD9-A149-0D88C16A7199}"/>
                 </a:ext>
               </a:extLst>
             </p:cNvPr>
@@ -1592,7 +1592,7 @@
             </a:ln>
             <a:extLst>
               <a:ext uri="{91240B29-F687-4f45-9708-019B960494DF}">
-                <a14:hiddenLine xmlns="" xmlns:a14="http://schemas.microsoft.com/office/drawing/2010/main" w="9525">
+                <a14:hiddenLine xmlns:a14="http://schemas.microsoft.com/office/drawing/2010/main" xmlns="" w="9525">
                   <a:solidFill>
                     <a:srgbClr val="000000"/>
                   </a:solidFill>
@@ -1620,7 +1620,7 @@
             <p:cNvPr id="70" name="Oval 19">
               <a:extLst>
                 <a:ext uri="{FF2B5EF4-FFF2-40B4-BE49-F238E27FC236}">
-                  <a16:creationId xmlns:a16="http://schemas.microsoft.com/office/drawing/2014/main" xmlns="" id="{BAAD1406-02A7-4C5F-A621-CF29B4125392}"/>
+                  <a16:creationId xmlns="" xmlns:a16="http://schemas.microsoft.com/office/drawing/2014/main" id="{BAAD1406-02A7-4C5F-A621-CF29B4125392}"/>
                 </a:ext>
               </a:extLst>
             </p:cNvPr>
@@ -1645,7 +1645,7 @@
             </a:ln>
             <a:extLst>
               <a:ext uri="{91240B29-F687-4f45-9708-019B960494DF}">
-                <a14:hiddenLine xmlns="" xmlns:a14="http://schemas.microsoft.com/office/drawing/2010/main" w="9525">
+                <a14:hiddenLine xmlns:a14="http://schemas.microsoft.com/office/drawing/2010/main" xmlns="" w="9525">
                   <a:solidFill>
                     <a:srgbClr val="000000"/>
                   </a:solidFill>
@@ -1673,7 +1673,7 @@
             <p:cNvPr id="71" name="Oval 20">
               <a:extLst>
                 <a:ext uri="{FF2B5EF4-FFF2-40B4-BE49-F238E27FC236}">
-                  <a16:creationId xmlns:a16="http://schemas.microsoft.com/office/drawing/2014/main" xmlns="" id="{F1385403-400C-4533-8412-FD1BEF733491}"/>
+                  <a16:creationId xmlns="" xmlns:a16="http://schemas.microsoft.com/office/drawing/2014/main" id="{F1385403-400C-4533-8412-FD1BEF733491}"/>
                 </a:ext>
               </a:extLst>
             </p:cNvPr>
@@ -1698,7 +1698,7 @@
             </a:ln>
             <a:extLst>
               <a:ext uri="{91240B29-F687-4f45-9708-019B960494DF}">
-                <a14:hiddenLine xmlns="" xmlns:a14="http://schemas.microsoft.com/office/drawing/2010/main" w="9525">
+                <a14:hiddenLine xmlns:a14="http://schemas.microsoft.com/office/drawing/2010/main" xmlns="" w="9525">
                   <a:solidFill>
                     <a:srgbClr val="000000"/>
                   </a:solidFill>
@@ -1726,7 +1726,7 @@
             <p:cNvPr id="72" name="Freeform 21">
               <a:extLst>
                 <a:ext uri="{FF2B5EF4-FFF2-40B4-BE49-F238E27FC236}">
-                  <a16:creationId xmlns:a16="http://schemas.microsoft.com/office/drawing/2014/main" xmlns="" id="{CBD796B4-7594-4BBD-B9F8-7126C8FA0DA0}"/>
+                  <a16:creationId xmlns="" xmlns:a16="http://schemas.microsoft.com/office/drawing/2014/main" id="{CBD796B4-7594-4BBD-B9F8-7126C8FA0DA0}"/>
                 </a:ext>
               </a:extLst>
             </p:cNvPr>
@@ -1859,7 +1859,7 @@
             </a:ln>
             <a:extLst>
               <a:ext uri="{91240B29-F687-4f45-9708-019B960494DF}">
-                <a14:hiddenLine xmlns="" xmlns:a14="http://schemas.microsoft.com/office/drawing/2010/main" w="9525">
+                <a14:hiddenLine xmlns:a14="http://schemas.microsoft.com/office/drawing/2010/main" xmlns="" w="9525">
                   <a:solidFill>
                     <a:srgbClr val="000000"/>
                   </a:solidFill>
@@ -1887,7 +1887,7 @@
             <p:cNvPr id="73" name="Freeform 22">
               <a:extLst>
                 <a:ext uri="{FF2B5EF4-FFF2-40B4-BE49-F238E27FC236}">
-                  <a16:creationId xmlns:a16="http://schemas.microsoft.com/office/drawing/2014/main" xmlns="" id="{C6469E4C-BA3D-44DA-AF94-2A9931BAD2E9}"/>
+                  <a16:creationId xmlns="" xmlns:a16="http://schemas.microsoft.com/office/drawing/2014/main" id="{C6469E4C-BA3D-44DA-AF94-2A9931BAD2E9}"/>
                 </a:ext>
               </a:extLst>
             </p:cNvPr>
@@ -1987,7 +1987,7 @@
             </a:ln>
             <a:extLst>
               <a:ext uri="{91240B29-F687-4f45-9708-019B960494DF}">
-                <a14:hiddenLine xmlns="" xmlns:a14="http://schemas.microsoft.com/office/drawing/2010/main" w="9525">
+                <a14:hiddenLine xmlns:a14="http://schemas.microsoft.com/office/drawing/2010/main" xmlns="" w="9525">
                   <a:solidFill>
                     <a:srgbClr val="000000"/>
                   </a:solidFill>
@@ -2015,7 +2015,7 @@
             <p:cNvPr id="74" name="Freeform 23">
               <a:extLst>
                 <a:ext uri="{FF2B5EF4-FFF2-40B4-BE49-F238E27FC236}">
-                  <a16:creationId xmlns:a16="http://schemas.microsoft.com/office/drawing/2014/main" xmlns="" id="{9006A303-9DC0-4635-8622-87758450354F}"/>
+                  <a16:creationId xmlns="" xmlns:a16="http://schemas.microsoft.com/office/drawing/2014/main" id="{9006A303-9DC0-4635-8622-87758450354F}"/>
                 </a:ext>
               </a:extLst>
             </p:cNvPr>
@@ -2155,7 +2155,7 @@
             </a:ln>
             <a:extLst>
               <a:ext uri="{91240B29-F687-4f45-9708-019B960494DF}">
-                <a14:hiddenLine xmlns="" xmlns:a14="http://schemas.microsoft.com/office/drawing/2010/main" w="9525">
+                <a14:hiddenLine xmlns:a14="http://schemas.microsoft.com/office/drawing/2010/main" xmlns="" w="9525">
                   <a:solidFill>
                     <a:srgbClr val="000000"/>
                   </a:solidFill>
@@ -2183,7 +2183,7 @@
             <p:cNvPr id="75" name="Freeform 24">
               <a:extLst>
                 <a:ext uri="{FF2B5EF4-FFF2-40B4-BE49-F238E27FC236}">
-                  <a16:creationId xmlns:a16="http://schemas.microsoft.com/office/drawing/2014/main" xmlns="" id="{6D80CC9A-0DB2-47E8-9104-F25E3DC9A198}"/>
+                  <a16:creationId xmlns="" xmlns:a16="http://schemas.microsoft.com/office/drawing/2014/main" id="{6D80CC9A-0DB2-47E8-9104-F25E3DC9A198}"/>
                 </a:ext>
               </a:extLst>
             </p:cNvPr>
@@ -2316,7 +2316,7 @@
             </a:ln>
             <a:extLst>
               <a:ext uri="{91240B29-F687-4f45-9708-019B960494DF}">
-                <a14:hiddenLine xmlns="" xmlns:a14="http://schemas.microsoft.com/office/drawing/2010/main" w="9525">
+                <a14:hiddenLine xmlns:a14="http://schemas.microsoft.com/office/drawing/2010/main" xmlns="" w="9525">
                   <a:solidFill>
                     <a:srgbClr val="000000"/>
                   </a:solidFill>
@@ -2344,7 +2344,7 @@
             <p:cNvPr id="76" name="Freeform 25">
               <a:extLst>
                 <a:ext uri="{FF2B5EF4-FFF2-40B4-BE49-F238E27FC236}">
-                  <a16:creationId xmlns:a16="http://schemas.microsoft.com/office/drawing/2014/main" xmlns="" id="{3BC3D495-807A-42D6-A934-D48D9D15CD5C}"/>
+                  <a16:creationId xmlns="" xmlns:a16="http://schemas.microsoft.com/office/drawing/2014/main" id="{3BC3D495-807A-42D6-A934-D48D9D15CD5C}"/>
                 </a:ext>
               </a:extLst>
             </p:cNvPr>
@@ -2477,7 +2477,7 @@
             </a:ln>
             <a:extLst>
               <a:ext uri="{91240B29-F687-4f45-9708-019B960494DF}">
-                <a14:hiddenLine xmlns="" xmlns:a14="http://schemas.microsoft.com/office/drawing/2010/main" w="9525">
+                <a14:hiddenLine xmlns:a14="http://schemas.microsoft.com/office/drawing/2010/main" xmlns="" w="9525">
                   <a:solidFill>
                     <a:srgbClr val="000000"/>
                   </a:solidFill>
@@ -2505,7 +2505,7 @@
             <p:cNvPr id="77" name="Oval 26">
               <a:extLst>
                 <a:ext uri="{FF2B5EF4-FFF2-40B4-BE49-F238E27FC236}">
-                  <a16:creationId xmlns:a16="http://schemas.microsoft.com/office/drawing/2014/main" xmlns="" id="{F192088B-3ACB-4E40-AE13-B3F6FE6077B3}"/>
+                  <a16:creationId xmlns="" xmlns:a16="http://schemas.microsoft.com/office/drawing/2014/main" id="{F192088B-3ACB-4E40-AE13-B3F6FE6077B3}"/>
                 </a:ext>
               </a:extLst>
             </p:cNvPr>
@@ -2530,7 +2530,7 @@
             </a:ln>
             <a:extLst>
               <a:ext uri="{91240B29-F687-4f45-9708-019B960494DF}">
-                <a14:hiddenLine xmlns="" xmlns:a14="http://schemas.microsoft.com/office/drawing/2010/main" w="9525">
+                <a14:hiddenLine xmlns:a14="http://schemas.microsoft.com/office/drawing/2010/main" xmlns="" w="9525">
                   <a:solidFill>
                     <a:srgbClr val="000000"/>
                   </a:solidFill>
@@ -2558,7 +2558,7 @@
             <p:cNvPr id="78" name="Oval 27">
               <a:extLst>
                 <a:ext uri="{FF2B5EF4-FFF2-40B4-BE49-F238E27FC236}">
-                  <a16:creationId xmlns:a16="http://schemas.microsoft.com/office/drawing/2014/main" xmlns="" id="{9CB526D3-D1E0-4A63-B591-2C5949945403}"/>
+                  <a16:creationId xmlns="" xmlns:a16="http://schemas.microsoft.com/office/drawing/2014/main" id="{9CB526D3-D1E0-4A63-B591-2C5949945403}"/>
                 </a:ext>
               </a:extLst>
             </p:cNvPr>
@@ -2583,7 +2583,7 @@
             </a:ln>
             <a:extLst>
               <a:ext uri="{91240B29-F687-4f45-9708-019B960494DF}">
-                <a14:hiddenLine xmlns="" xmlns:a14="http://schemas.microsoft.com/office/drawing/2010/main" w="9525">
+                <a14:hiddenLine xmlns:a14="http://schemas.microsoft.com/office/drawing/2010/main" xmlns="" w="9525">
                   <a:solidFill>
                     <a:srgbClr val="000000"/>
                   </a:solidFill>
@@ -2611,7 +2611,7 @@
             <p:cNvPr id="79" name="Oval 28">
               <a:extLst>
                 <a:ext uri="{FF2B5EF4-FFF2-40B4-BE49-F238E27FC236}">
-                  <a16:creationId xmlns:a16="http://schemas.microsoft.com/office/drawing/2014/main" xmlns="" id="{BF9FE296-C1E3-46DC-A754-8C4DE7B16992}"/>
+                  <a16:creationId xmlns="" xmlns:a16="http://schemas.microsoft.com/office/drawing/2014/main" id="{BF9FE296-C1E3-46DC-A754-8C4DE7B16992}"/>
                 </a:ext>
               </a:extLst>
             </p:cNvPr>
@@ -2636,7 +2636,7 @@
             </a:ln>
             <a:extLst>
               <a:ext uri="{91240B29-F687-4f45-9708-019B960494DF}">
-                <a14:hiddenLine xmlns="" xmlns:a14="http://schemas.microsoft.com/office/drawing/2010/main" w="9525">
+                <a14:hiddenLine xmlns:a14="http://schemas.microsoft.com/office/drawing/2010/main" xmlns="" w="9525">
                   <a:solidFill>
                     <a:srgbClr val="000000"/>
                   </a:solidFill>
@@ -2664,7 +2664,7 @@
             <p:cNvPr id="80" name="Freeform 29">
               <a:extLst>
                 <a:ext uri="{FF2B5EF4-FFF2-40B4-BE49-F238E27FC236}">
-                  <a16:creationId xmlns:a16="http://schemas.microsoft.com/office/drawing/2014/main" xmlns="" id="{454FA7F3-3934-43E7-ACFB-6238D9E36B95}"/>
+                  <a16:creationId xmlns="" xmlns:a16="http://schemas.microsoft.com/office/drawing/2014/main" id="{454FA7F3-3934-43E7-ACFB-6238D9E36B95}"/>
                 </a:ext>
               </a:extLst>
             </p:cNvPr>
@@ -2797,7 +2797,7 @@
             </a:ln>
             <a:extLst>
               <a:ext uri="{91240B29-F687-4f45-9708-019B960494DF}">
-                <a14:hiddenLine xmlns="" xmlns:a14="http://schemas.microsoft.com/office/drawing/2010/main" w="9525">
+                <a14:hiddenLine xmlns:a14="http://schemas.microsoft.com/office/drawing/2010/main" xmlns="" w="9525">
                   <a:solidFill>
                     <a:srgbClr val="000000"/>
                   </a:solidFill>
@@ -2825,7 +2825,7 @@
             <p:cNvPr id="81" name="Freeform 30">
               <a:extLst>
                 <a:ext uri="{FF2B5EF4-FFF2-40B4-BE49-F238E27FC236}">
-                  <a16:creationId xmlns:a16="http://schemas.microsoft.com/office/drawing/2014/main" xmlns="" id="{F47E77E9-0D0B-42C1-A8B8-C94B63CC5114}"/>
+                  <a16:creationId xmlns="" xmlns:a16="http://schemas.microsoft.com/office/drawing/2014/main" id="{F47E77E9-0D0B-42C1-A8B8-C94B63CC5114}"/>
                 </a:ext>
               </a:extLst>
             </p:cNvPr>
@@ -2925,7 +2925,7 @@
             </a:ln>
             <a:extLst>
               <a:ext uri="{91240B29-F687-4f45-9708-019B960494DF}">
-                <a14:hiddenLine xmlns="" xmlns:a14="http://schemas.microsoft.com/office/drawing/2010/main" w="9525">
+                <a14:hiddenLine xmlns:a14="http://schemas.microsoft.com/office/drawing/2010/main" xmlns="" w="9525">
                   <a:solidFill>
                     <a:srgbClr val="000000"/>
                   </a:solidFill>
@@ -2953,7 +2953,7 @@
             <p:cNvPr id="82" name="Freeform 31">
               <a:extLst>
                 <a:ext uri="{FF2B5EF4-FFF2-40B4-BE49-F238E27FC236}">
-                  <a16:creationId xmlns:a16="http://schemas.microsoft.com/office/drawing/2014/main" xmlns="" id="{1455675C-67D6-423B-9228-16BEA8E811B6}"/>
+                  <a16:creationId xmlns="" xmlns:a16="http://schemas.microsoft.com/office/drawing/2014/main" id="{1455675C-67D6-423B-9228-16BEA8E811B6}"/>
                 </a:ext>
               </a:extLst>
             </p:cNvPr>
@@ -3093,7 +3093,7 @@
             </a:ln>
             <a:extLst>
               <a:ext uri="{91240B29-F687-4f45-9708-019B960494DF}">
-                <a14:hiddenLine xmlns="" xmlns:a14="http://schemas.microsoft.com/office/drawing/2010/main" w="9525">
+                <a14:hiddenLine xmlns:a14="http://schemas.microsoft.com/office/drawing/2010/main" xmlns="" w="9525">
                   <a:solidFill>
                     <a:srgbClr val="000000"/>
                   </a:solidFill>
@@ -3121,7 +3121,7 @@
             <p:cNvPr id="83" name="Freeform 32">
               <a:extLst>
                 <a:ext uri="{FF2B5EF4-FFF2-40B4-BE49-F238E27FC236}">
-                  <a16:creationId xmlns:a16="http://schemas.microsoft.com/office/drawing/2014/main" xmlns="" id="{BF526C6B-3E39-4846-A820-77F5A305AE3C}"/>
+                  <a16:creationId xmlns="" xmlns:a16="http://schemas.microsoft.com/office/drawing/2014/main" id="{BF526C6B-3E39-4846-A820-77F5A305AE3C}"/>
                 </a:ext>
               </a:extLst>
             </p:cNvPr>
@@ -3189,7 +3189,7 @@
             </a:ln>
             <a:extLst>
               <a:ext uri="{91240B29-F687-4f45-9708-019B960494DF}">
-                <a14:hiddenLine xmlns="" xmlns:a14="http://schemas.microsoft.com/office/drawing/2010/main" w="9525">
+                <a14:hiddenLine xmlns:a14="http://schemas.microsoft.com/office/drawing/2010/main" xmlns="" w="9525">
                   <a:solidFill>
                     <a:srgbClr val="000000"/>
                   </a:solidFill>
@@ -3217,7 +3217,7 @@
             <p:cNvPr id="84" name="Freeform 33">
               <a:extLst>
                 <a:ext uri="{FF2B5EF4-FFF2-40B4-BE49-F238E27FC236}">
-                  <a16:creationId xmlns:a16="http://schemas.microsoft.com/office/drawing/2014/main" xmlns="" id="{0C9F02C9-A3C0-45C7-9185-D3CB68EDE808}"/>
+                  <a16:creationId xmlns="" xmlns:a16="http://schemas.microsoft.com/office/drawing/2014/main" id="{0C9F02C9-A3C0-45C7-9185-D3CB68EDE808}"/>
                 </a:ext>
               </a:extLst>
             </p:cNvPr>
@@ -3350,7 +3350,7 @@
             </a:ln>
             <a:extLst>
               <a:ext uri="{91240B29-F687-4f45-9708-019B960494DF}">
-                <a14:hiddenLine xmlns="" xmlns:a14="http://schemas.microsoft.com/office/drawing/2010/main" w="9525">
+                <a14:hiddenLine xmlns:a14="http://schemas.microsoft.com/office/drawing/2010/main" xmlns="" w="9525">
                   <a:solidFill>
                     <a:srgbClr val="000000"/>
                   </a:solidFill>
@@ -3378,7 +3378,7 @@
             <p:cNvPr id="85" name="Freeform 34">
               <a:extLst>
                 <a:ext uri="{FF2B5EF4-FFF2-40B4-BE49-F238E27FC236}">
-                  <a16:creationId xmlns:a16="http://schemas.microsoft.com/office/drawing/2014/main" xmlns="" id="{90DF2138-1C84-46D4-8778-8585160EF88A}"/>
+                  <a16:creationId xmlns="" xmlns:a16="http://schemas.microsoft.com/office/drawing/2014/main" id="{90DF2138-1C84-46D4-8778-8585160EF88A}"/>
                 </a:ext>
               </a:extLst>
             </p:cNvPr>
@@ -3511,7 +3511,7 @@
             </a:ln>
             <a:extLst>
               <a:ext uri="{91240B29-F687-4f45-9708-019B960494DF}">
-                <a14:hiddenLine xmlns="" xmlns:a14="http://schemas.microsoft.com/office/drawing/2010/main" w="9525">
+                <a14:hiddenLine xmlns:a14="http://schemas.microsoft.com/office/drawing/2010/main" xmlns="" w="9525">
                   <a:solidFill>
                     <a:srgbClr val="000000"/>
                   </a:solidFill>
@@ -3539,7 +3539,7 @@
             <p:cNvPr id="86" name="Oval 35">
               <a:extLst>
                 <a:ext uri="{FF2B5EF4-FFF2-40B4-BE49-F238E27FC236}">
-                  <a16:creationId xmlns:a16="http://schemas.microsoft.com/office/drawing/2014/main" xmlns="" id="{0816FF9E-F9A4-45E7-9452-A3AB5C9FC622}"/>
+                  <a16:creationId xmlns="" xmlns:a16="http://schemas.microsoft.com/office/drawing/2014/main" id="{0816FF9E-F9A4-45E7-9452-A3AB5C9FC622}"/>
                 </a:ext>
               </a:extLst>
             </p:cNvPr>
@@ -3564,7 +3564,7 @@
             </a:ln>
             <a:extLst>
               <a:ext uri="{91240B29-F687-4f45-9708-019B960494DF}">
-                <a14:hiddenLine xmlns="" xmlns:a14="http://schemas.microsoft.com/office/drawing/2010/main" w="9525">
+                <a14:hiddenLine xmlns:a14="http://schemas.microsoft.com/office/drawing/2010/main" xmlns="" w="9525">
                   <a:solidFill>
                     <a:srgbClr val="000000"/>
                   </a:solidFill>
@@ -3592,7 +3592,7 @@
             <p:cNvPr id="87" name="Oval 36">
               <a:extLst>
                 <a:ext uri="{FF2B5EF4-FFF2-40B4-BE49-F238E27FC236}">
-                  <a16:creationId xmlns:a16="http://schemas.microsoft.com/office/drawing/2014/main" xmlns="" id="{C838B80C-7BF6-4D16-B4CE-821D9F501E90}"/>
+                  <a16:creationId xmlns="" xmlns:a16="http://schemas.microsoft.com/office/drawing/2014/main" id="{C838B80C-7BF6-4D16-B4CE-821D9F501E90}"/>
                 </a:ext>
               </a:extLst>
             </p:cNvPr>
@@ -3617,7 +3617,7 @@
             </a:ln>
             <a:extLst>
               <a:ext uri="{91240B29-F687-4f45-9708-019B960494DF}">
-                <a14:hiddenLine xmlns="" xmlns:a14="http://schemas.microsoft.com/office/drawing/2010/main" w="9525">
+                <a14:hiddenLine xmlns:a14="http://schemas.microsoft.com/office/drawing/2010/main" xmlns="" w="9525">
                   <a:solidFill>
                     <a:srgbClr val="000000"/>
                   </a:solidFill>
@@ -3645,7 +3645,7 @@
             <p:cNvPr id="88" name="Oval 37">
               <a:extLst>
                 <a:ext uri="{FF2B5EF4-FFF2-40B4-BE49-F238E27FC236}">
-                  <a16:creationId xmlns:a16="http://schemas.microsoft.com/office/drawing/2014/main" xmlns="" id="{2664348C-28C6-4FCF-B395-AA547E04787D}"/>
+                  <a16:creationId xmlns="" xmlns:a16="http://schemas.microsoft.com/office/drawing/2014/main" id="{2664348C-28C6-4FCF-B395-AA547E04787D}"/>
                 </a:ext>
               </a:extLst>
             </p:cNvPr>
@@ -3670,7 +3670,7 @@
             </a:ln>
             <a:extLst>
               <a:ext uri="{91240B29-F687-4f45-9708-019B960494DF}">
-                <a14:hiddenLine xmlns="" xmlns:a14="http://schemas.microsoft.com/office/drawing/2010/main" w="9525">
+                <a14:hiddenLine xmlns:a14="http://schemas.microsoft.com/office/drawing/2010/main" xmlns="" w="9525">
                   <a:solidFill>
                     <a:srgbClr val="000000"/>
                   </a:solidFill>
@@ -3698,7 +3698,7 @@
             <p:cNvPr id="89" name="Freeform 38">
               <a:extLst>
                 <a:ext uri="{FF2B5EF4-FFF2-40B4-BE49-F238E27FC236}">
-                  <a16:creationId xmlns:a16="http://schemas.microsoft.com/office/drawing/2014/main" xmlns="" id="{C239B007-982E-43A6-8C3C-C7C998402056}"/>
+                  <a16:creationId xmlns="" xmlns:a16="http://schemas.microsoft.com/office/drawing/2014/main" id="{C239B007-982E-43A6-8C3C-C7C998402056}"/>
                 </a:ext>
               </a:extLst>
             </p:cNvPr>
@@ -3831,7 +3831,7 @@
             </a:ln>
             <a:extLst>
               <a:ext uri="{91240B29-F687-4f45-9708-019B960494DF}">
-                <a14:hiddenLine xmlns="" xmlns:a14="http://schemas.microsoft.com/office/drawing/2010/main" w="9525">
+                <a14:hiddenLine xmlns:a14="http://schemas.microsoft.com/office/drawing/2010/main" xmlns="" w="9525">
                   <a:solidFill>
                     <a:srgbClr val="000000"/>
                   </a:solidFill>
@@ -3859,7 +3859,7 @@
             <p:cNvPr id="90" name="Freeform 39">
               <a:extLst>
                 <a:ext uri="{FF2B5EF4-FFF2-40B4-BE49-F238E27FC236}">
-                  <a16:creationId xmlns:a16="http://schemas.microsoft.com/office/drawing/2014/main" xmlns="" id="{BD36DE13-21E5-4270-BF53-1A521DC0C342}"/>
+                  <a16:creationId xmlns="" xmlns:a16="http://schemas.microsoft.com/office/drawing/2014/main" id="{BD36DE13-21E5-4270-BF53-1A521DC0C342}"/>
                 </a:ext>
               </a:extLst>
             </p:cNvPr>
@@ -3959,7 +3959,7 @@
             </a:ln>
             <a:extLst>
               <a:ext uri="{91240B29-F687-4f45-9708-019B960494DF}">
-                <a14:hiddenLine xmlns="" xmlns:a14="http://schemas.microsoft.com/office/drawing/2010/main" w="9525">
+                <a14:hiddenLine xmlns:a14="http://schemas.microsoft.com/office/drawing/2010/main" xmlns="" w="9525">
                   <a:solidFill>
                     <a:srgbClr val="000000"/>
                   </a:solidFill>
@@ -3987,7 +3987,7 @@
             <p:cNvPr id="91" name="Freeform 40">
               <a:extLst>
                 <a:ext uri="{FF2B5EF4-FFF2-40B4-BE49-F238E27FC236}">
-                  <a16:creationId xmlns:a16="http://schemas.microsoft.com/office/drawing/2014/main" xmlns="" id="{10DCD4BD-4788-426E-BDDD-3E1BB6F298D9}"/>
+                  <a16:creationId xmlns="" xmlns:a16="http://schemas.microsoft.com/office/drawing/2014/main" id="{10DCD4BD-4788-426E-BDDD-3E1BB6F298D9}"/>
                 </a:ext>
               </a:extLst>
             </p:cNvPr>
@@ -4127,7 +4127,7 @@
             </a:ln>
             <a:extLst>
               <a:ext uri="{91240B29-F687-4f45-9708-019B960494DF}">
-                <a14:hiddenLine xmlns="" xmlns:a14="http://schemas.microsoft.com/office/drawing/2010/main" w="9525">
+                <a14:hiddenLine xmlns:a14="http://schemas.microsoft.com/office/drawing/2010/main" xmlns="" w="9525">
                   <a:solidFill>
                     <a:srgbClr val="000000"/>
                   </a:solidFill>
@@ -4155,7 +4155,7 @@
             <p:cNvPr id="92" name="Freeform 41">
               <a:extLst>
                 <a:ext uri="{FF2B5EF4-FFF2-40B4-BE49-F238E27FC236}">
-                  <a16:creationId xmlns:a16="http://schemas.microsoft.com/office/drawing/2014/main" xmlns="" id="{FEF4CBF7-5365-48B8-8E31-9C2E284C94F1}"/>
+                  <a16:creationId xmlns="" xmlns:a16="http://schemas.microsoft.com/office/drawing/2014/main" id="{FEF4CBF7-5365-48B8-8E31-9C2E284C94F1}"/>
                 </a:ext>
               </a:extLst>
             </p:cNvPr>
@@ -4223,7 +4223,7 @@
             </a:ln>
             <a:extLst>
               <a:ext uri="{91240B29-F687-4f45-9708-019B960494DF}">
-                <a14:hiddenLine xmlns="" xmlns:a14="http://schemas.microsoft.com/office/drawing/2010/main" w="9525">
+                <a14:hiddenLine xmlns:a14="http://schemas.microsoft.com/office/drawing/2010/main" xmlns="" w="9525">
                   <a:solidFill>
                     <a:srgbClr val="000000"/>
                   </a:solidFill>
@@ -4251,7 +4251,7 @@
             <p:cNvPr id="93" name="Freeform 42">
               <a:extLst>
                 <a:ext uri="{FF2B5EF4-FFF2-40B4-BE49-F238E27FC236}">
-                  <a16:creationId xmlns:a16="http://schemas.microsoft.com/office/drawing/2014/main" xmlns="" id="{6B4C49B7-3135-4EB2-92F5-D28216A583AB}"/>
+                  <a16:creationId xmlns="" xmlns:a16="http://schemas.microsoft.com/office/drawing/2014/main" id="{6B4C49B7-3135-4EB2-92F5-D28216A583AB}"/>
                 </a:ext>
               </a:extLst>
             </p:cNvPr>
@@ -4384,7 +4384,7 @@
             </a:ln>
             <a:extLst>
               <a:ext uri="{91240B29-F687-4f45-9708-019B960494DF}">
-                <a14:hiddenLine xmlns="" xmlns:a14="http://schemas.microsoft.com/office/drawing/2010/main" w="9525">
+                <a14:hiddenLine xmlns:a14="http://schemas.microsoft.com/office/drawing/2010/main" xmlns="" w="9525">
                   <a:solidFill>
                     <a:srgbClr val="000000"/>
                   </a:solidFill>
@@ -4412,7 +4412,7 @@
             <p:cNvPr id="94" name="Freeform 43">
               <a:extLst>
                 <a:ext uri="{FF2B5EF4-FFF2-40B4-BE49-F238E27FC236}">
-                  <a16:creationId xmlns:a16="http://schemas.microsoft.com/office/drawing/2014/main" xmlns="" id="{2D0C9EB9-0F19-4295-8DD0-7C8E2C593D77}"/>
+                  <a16:creationId xmlns="" xmlns:a16="http://schemas.microsoft.com/office/drawing/2014/main" id="{2D0C9EB9-0F19-4295-8DD0-7C8E2C593D77}"/>
                 </a:ext>
               </a:extLst>
             </p:cNvPr>
@@ -4545,7 +4545,7 @@
             </a:ln>
             <a:extLst>
               <a:ext uri="{91240B29-F687-4f45-9708-019B960494DF}">
-                <a14:hiddenLine xmlns="" xmlns:a14="http://schemas.microsoft.com/office/drawing/2010/main" w="9525">
+                <a14:hiddenLine xmlns:a14="http://schemas.microsoft.com/office/drawing/2010/main" xmlns="" w="9525">
                   <a:solidFill>
                     <a:srgbClr val="000000"/>
                   </a:solidFill>
@@ -4573,7 +4573,7 @@
             <p:cNvPr id="95" name="Oval 44">
               <a:extLst>
                 <a:ext uri="{FF2B5EF4-FFF2-40B4-BE49-F238E27FC236}">
-                  <a16:creationId xmlns:a16="http://schemas.microsoft.com/office/drawing/2014/main" xmlns="" id="{B7D28315-AC60-4F12-9BD7-160A197C807B}"/>
+                  <a16:creationId xmlns="" xmlns:a16="http://schemas.microsoft.com/office/drawing/2014/main" id="{B7D28315-AC60-4F12-9BD7-160A197C807B}"/>
                 </a:ext>
               </a:extLst>
             </p:cNvPr>
@@ -4598,7 +4598,7 @@
             </a:ln>
             <a:extLst>
               <a:ext uri="{91240B29-F687-4f45-9708-019B960494DF}">
-                <a14:hiddenLine xmlns="" xmlns:a14="http://schemas.microsoft.com/office/drawing/2010/main" w="9525">
+                <a14:hiddenLine xmlns:a14="http://schemas.microsoft.com/office/drawing/2010/main" xmlns="" w="9525">
                   <a:solidFill>
                     <a:srgbClr val="000000"/>
                   </a:solidFill>
@@ -4626,7 +4626,7 @@
             <p:cNvPr id="96" name="Oval 45">
               <a:extLst>
                 <a:ext uri="{FF2B5EF4-FFF2-40B4-BE49-F238E27FC236}">
-                  <a16:creationId xmlns:a16="http://schemas.microsoft.com/office/drawing/2014/main" xmlns="" id="{257E426D-A08D-4A3E-BA02-57BED8CA0099}"/>
+                  <a16:creationId xmlns="" xmlns:a16="http://schemas.microsoft.com/office/drawing/2014/main" id="{257E426D-A08D-4A3E-BA02-57BED8CA0099}"/>
                 </a:ext>
               </a:extLst>
             </p:cNvPr>
@@ -4651,7 +4651,7 @@
             </a:ln>
             <a:extLst>
               <a:ext uri="{91240B29-F687-4f45-9708-019B960494DF}">
-                <a14:hiddenLine xmlns="" xmlns:a14="http://schemas.microsoft.com/office/drawing/2010/main" w="9525">
+                <a14:hiddenLine xmlns:a14="http://schemas.microsoft.com/office/drawing/2010/main" xmlns="" w="9525">
                   <a:solidFill>
                     <a:srgbClr val="000000"/>
                   </a:solidFill>
@@ -4679,7 +4679,7 @@
             <p:cNvPr id="97" name="Oval 46">
               <a:extLst>
                 <a:ext uri="{FF2B5EF4-FFF2-40B4-BE49-F238E27FC236}">
-                  <a16:creationId xmlns:a16="http://schemas.microsoft.com/office/drawing/2014/main" xmlns="" id="{456DF678-7FF3-40D2-B1C9-CCC326EE155C}"/>
+                  <a16:creationId xmlns="" xmlns:a16="http://schemas.microsoft.com/office/drawing/2014/main" id="{456DF678-7FF3-40D2-B1C9-CCC326EE155C}"/>
                 </a:ext>
               </a:extLst>
             </p:cNvPr>
@@ -4704,7 +4704,7 @@
             </a:ln>
             <a:extLst>
               <a:ext uri="{91240B29-F687-4f45-9708-019B960494DF}">
-                <a14:hiddenLine xmlns="" xmlns:a14="http://schemas.microsoft.com/office/drawing/2010/main" w="9525">
+                <a14:hiddenLine xmlns:a14="http://schemas.microsoft.com/office/drawing/2010/main" xmlns="" w="9525">
                   <a:solidFill>
                     <a:srgbClr val="000000"/>
                   </a:solidFill>
@@ -4732,7 +4732,7 @@
             <p:cNvPr id="98" name="Freeform 47">
               <a:extLst>
                 <a:ext uri="{FF2B5EF4-FFF2-40B4-BE49-F238E27FC236}">
-                  <a16:creationId xmlns:a16="http://schemas.microsoft.com/office/drawing/2014/main" xmlns="" id="{0909DE71-F161-4D75-8B0F-C5615F34B22A}"/>
+                  <a16:creationId xmlns="" xmlns:a16="http://schemas.microsoft.com/office/drawing/2014/main" id="{0909DE71-F161-4D75-8B0F-C5615F34B22A}"/>
                 </a:ext>
               </a:extLst>
             </p:cNvPr>
@@ -4865,7 +4865,7 @@
             </a:ln>
             <a:extLst>
               <a:ext uri="{91240B29-F687-4f45-9708-019B960494DF}">
-                <a14:hiddenLine xmlns="" xmlns:a14="http://schemas.microsoft.com/office/drawing/2010/main" w="9525">
+                <a14:hiddenLine xmlns:a14="http://schemas.microsoft.com/office/drawing/2010/main" xmlns="" w="9525">
                   <a:solidFill>
                     <a:srgbClr val="000000"/>
                   </a:solidFill>
@@ -4893,7 +4893,7 @@
             <p:cNvPr id="99" name="Freeform 48">
               <a:extLst>
                 <a:ext uri="{FF2B5EF4-FFF2-40B4-BE49-F238E27FC236}">
-                  <a16:creationId xmlns:a16="http://schemas.microsoft.com/office/drawing/2014/main" xmlns="" id="{A5C50A28-7082-4E72-B482-42A519B76778}"/>
+                  <a16:creationId xmlns="" xmlns:a16="http://schemas.microsoft.com/office/drawing/2014/main" id="{A5C50A28-7082-4E72-B482-42A519B76778}"/>
                 </a:ext>
               </a:extLst>
             </p:cNvPr>
@@ -4993,7 +4993,7 @@
             </a:ln>
             <a:extLst>
               <a:ext uri="{91240B29-F687-4f45-9708-019B960494DF}">
-                <a14:hiddenLine xmlns="" xmlns:a14="http://schemas.microsoft.com/office/drawing/2010/main" w="9525">
+                <a14:hiddenLine xmlns:a14="http://schemas.microsoft.com/office/drawing/2010/main" xmlns="" w="9525">
                   <a:solidFill>
                     <a:srgbClr val="000000"/>
                   </a:solidFill>
@@ -5021,7 +5021,7 @@
             <p:cNvPr id="100" name="Freeform 49">
               <a:extLst>
                 <a:ext uri="{FF2B5EF4-FFF2-40B4-BE49-F238E27FC236}">
-                  <a16:creationId xmlns:a16="http://schemas.microsoft.com/office/drawing/2014/main" xmlns="" id="{2688176B-B99B-40F5-BF5E-B7B9F89F99E0}"/>
+                  <a16:creationId xmlns="" xmlns:a16="http://schemas.microsoft.com/office/drawing/2014/main" id="{2688176B-B99B-40F5-BF5E-B7B9F89F99E0}"/>
                 </a:ext>
               </a:extLst>
             </p:cNvPr>
@@ -5161,7 +5161,7 @@
             </a:ln>
             <a:extLst>
               <a:ext uri="{91240B29-F687-4f45-9708-019B960494DF}">
-                <a14:hiddenLine xmlns="" xmlns:a14="http://schemas.microsoft.com/office/drawing/2010/main" w="9525">
+                <a14:hiddenLine xmlns:a14="http://schemas.microsoft.com/office/drawing/2010/main" xmlns="" w="9525">
                   <a:solidFill>
                     <a:srgbClr val="000000"/>
                   </a:solidFill>
@@ -5189,7 +5189,7 @@
             <p:cNvPr id="101" name="Freeform 50">
               <a:extLst>
                 <a:ext uri="{FF2B5EF4-FFF2-40B4-BE49-F238E27FC236}">
-                  <a16:creationId xmlns:a16="http://schemas.microsoft.com/office/drawing/2014/main" xmlns="" id="{1C45397B-8D76-4F97-BEDF-3AC108D950C7}"/>
+                  <a16:creationId xmlns="" xmlns:a16="http://schemas.microsoft.com/office/drawing/2014/main" id="{1C45397B-8D76-4F97-BEDF-3AC108D950C7}"/>
                 </a:ext>
               </a:extLst>
             </p:cNvPr>
@@ -5257,7 +5257,7 @@
             </a:ln>
             <a:extLst>
               <a:ext uri="{91240B29-F687-4f45-9708-019B960494DF}">
-                <a14:hiddenLine xmlns="" xmlns:a14="http://schemas.microsoft.com/office/drawing/2010/main" w="9525">
+                <a14:hiddenLine xmlns:a14="http://schemas.microsoft.com/office/drawing/2010/main" xmlns="" w="9525">
                   <a:solidFill>
                     <a:srgbClr val="000000"/>
                   </a:solidFill>
@@ -5285,7 +5285,7 @@
             <p:cNvPr id="102" name="Freeform 51">
               <a:extLst>
                 <a:ext uri="{FF2B5EF4-FFF2-40B4-BE49-F238E27FC236}">
-                  <a16:creationId xmlns:a16="http://schemas.microsoft.com/office/drawing/2014/main" xmlns="" id="{9CFCB0FA-DD87-4C92-B3E1-CFD004752941}"/>
+                  <a16:creationId xmlns="" xmlns:a16="http://schemas.microsoft.com/office/drawing/2014/main" id="{9CFCB0FA-DD87-4C92-B3E1-CFD004752941}"/>
                 </a:ext>
               </a:extLst>
             </p:cNvPr>
@@ -5418,7 +5418,7 @@
             </a:ln>
             <a:extLst>
               <a:ext uri="{91240B29-F687-4f45-9708-019B960494DF}">
-                <a14:hiddenLine xmlns="" xmlns:a14="http://schemas.microsoft.com/office/drawing/2010/main" w="9525">
+                <a14:hiddenLine xmlns:a14="http://schemas.microsoft.com/office/drawing/2010/main" xmlns="" w="9525">
                   <a:solidFill>
                     <a:srgbClr val="000000"/>
                   </a:solidFill>
@@ -5446,7 +5446,7 @@
             <p:cNvPr id="103" name="Freeform 52">
               <a:extLst>
                 <a:ext uri="{FF2B5EF4-FFF2-40B4-BE49-F238E27FC236}">
-                  <a16:creationId xmlns:a16="http://schemas.microsoft.com/office/drawing/2014/main" xmlns="" id="{AD94F72C-CC90-422E-9D08-4CDCDA8BB87D}"/>
+                  <a16:creationId xmlns="" xmlns:a16="http://schemas.microsoft.com/office/drawing/2014/main" id="{AD94F72C-CC90-422E-9D08-4CDCDA8BB87D}"/>
                 </a:ext>
               </a:extLst>
             </p:cNvPr>
@@ -5579,7 +5579,7 @@
             </a:ln>
             <a:extLst>
               <a:ext uri="{91240B29-F687-4f45-9708-019B960494DF}">
-                <a14:hiddenLine xmlns="" xmlns:a14="http://schemas.microsoft.com/office/drawing/2010/main" w="9525">
+                <a14:hiddenLine xmlns:a14="http://schemas.microsoft.com/office/drawing/2010/main" xmlns="" w="9525">
                   <a:solidFill>
                     <a:srgbClr val="000000"/>
                   </a:solidFill>
@@ -5607,7 +5607,7 @@
             <p:cNvPr id="104" name="Oval 53">
               <a:extLst>
                 <a:ext uri="{FF2B5EF4-FFF2-40B4-BE49-F238E27FC236}">
-                  <a16:creationId xmlns:a16="http://schemas.microsoft.com/office/drawing/2014/main" xmlns="" id="{A541BAA6-0F3B-4A5F-95F1-1190D7CAF2D1}"/>
+                  <a16:creationId xmlns="" xmlns:a16="http://schemas.microsoft.com/office/drawing/2014/main" id="{A541BAA6-0F3B-4A5F-95F1-1190D7CAF2D1}"/>
                 </a:ext>
               </a:extLst>
             </p:cNvPr>
@@ -5632,7 +5632,7 @@
             </a:ln>
             <a:extLst>
               <a:ext uri="{91240B29-F687-4f45-9708-019B960494DF}">
-                <a14:hiddenLine xmlns="" xmlns:a14="http://schemas.microsoft.com/office/drawing/2010/main" w="9525">
+                <a14:hiddenLine xmlns:a14="http://schemas.microsoft.com/office/drawing/2010/main" xmlns="" w="9525">
                   <a:solidFill>
                     <a:srgbClr val="000000"/>
                   </a:solidFill>
@@ -5660,7 +5660,7 @@
             <p:cNvPr id="105" name="Freeform 59">
               <a:extLst>
                 <a:ext uri="{FF2B5EF4-FFF2-40B4-BE49-F238E27FC236}">
-                  <a16:creationId xmlns:a16="http://schemas.microsoft.com/office/drawing/2014/main" xmlns="" id="{398827D7-5E4B-4CC9-9B4E-26A8F8637B7F}"/>
+                  <a16:creationId xmlns="" xmlns:a16="http://schemas.microsoft.com/office/drawing/2014/main" id="{398827D7-5E4B-4CC9-9B4E-26A8F8637B7F}"/>
                 </a:ext>
               </a:extLst>
             </p:cNvPr>
@@ -5728,7 +5728,7 @@
             </a:ln>
             <a:extLst>
               <a:ext uri="{91240B29-F687-4f45-9708-019B960494DF}">
-                <a14:hiddenLine xmlns="" xmlns:a14="http://schemas.microsoft.com/office/drawing/2010/main" w="9525">
+                <a14:hiddenLine xmlns:a14="http://schemas.microsoft.com/office/drawing/2010/main" xmlns="" w="9525">
                   <a:solidFill>
                     <a:srgbClr val="000000"/>
                   </a:solidFill>
@@ -5756,7 +5756,7 @@
             <p:cNvPr id="106" name="Freeform 16">
               <a:extLst>
                 <a:ext uri="{FF2B5EF4-FFF2-40B4-BE49-F238E27FC236}">
-                  <a16:creationId xmlns:a16="http://schemas.microsoft.com/office/drawing/2014/main" xmlns="" id="{31CE89DB-F37E-4DA9-A8B2-F469E38E28CB}"/>
+                  <a16:creationId xmlns="" xmlns:a16="http://schemas.microsoft.com/office/drawing/2014/main" id="{31CE89DB-F37E-4DA9-A8B2-F469E38E28CB}"/>
                 </a:ext>
               </a:extLst>
             </p:cNvPr>
@@ -5889,7 +5889,7 @@
             </a:ln>
             <a:extLst>
               <a:ext uri="{91240B29-F687-4f45-9708-019B960494DF}">
-                <a14:hiddenLine xmlns="" xmlns:a14="http://schemas.microsoft.com/office/drawing/2010/main" w="9525">
+                <a14:hiddenLine xmlns:a14="http://schemas.microsoft.com/office/drawing/2010/main" xmlns="" w="9525">
                   <a:solidFill>
                     <a:srgbClr val="000000"/>
                   </a:solidFill>
@@ -5917,7 +5917,7 @@
             <p:cNvPr id="107" name="Freeform 17">
               <a:extLst>
                 <a:ext uri="{FF2B5EF4-FFF2-40B4-BE49-F238E27FC236}">
-                  <a16:creationId xmlns:a16="http://schemas.microsoft.com/office/drawing/2014/main" xmlns="" id="{FFEF1B2B-4687-411D-B1E8-4B4F075B9723}"/>
+                  <a16:creationId xmlns="" xmlns:a16="http://schemas.microsoft.com/office/drawing/2014/main" id="{FFEF1B2B-4687-411D-B1E8-4B4F075B9723}"/>
                 </a:ext>
               </a:extLst>
             </p:cNvPr>
@@ -6050,7 +6050,7 @@
             </a:ln>
             <a:extLst>
               <a:ext uri="{91240B29-F687-4f45-9708-019B960494DF}">
-                <a14:hiddenLine xmlns="" xmlns:a14="http://schemas.microsoft.com/office/drawing/2010/main" w="9525">
+                <a14:hiddenLine xmlns:a14="http://schemas.microsoft.com/office/drawing/2010/main" xmlns="" w="9525">
                   <a:solidFill>
                     <a:srgbClr val="000000"/>
                   </a:solidFill>
@@ -6078,7 +6078,7 @@
             <p:cNvPr id="108" name="Oval 18">
               <a:extLst>
                 <a:ext uri="{FF2B5EF4-FFF2-40B4-BE49-F238E27FC236}">
-                  <a16:creationId xmlns:a16="http://schemas.microsoft.com/office/drawing/2014/main" xmlns="" id="{8B436B09-C989-48F9-B988-02257B53AD95}"/>
+                  <a16:creationId xmlns="" xmlns:a16="http://schemas.microsoft.com/office/drawing/2014/main" id="{8B436B09-C989-48F9-B988-02257B53AD95}"/>
                 </a:ext>
               </a:extLst>
             </p:cNvPr>
@@ -6103,7 +6103,7 @@
             </a:ln>
             <a:extLst>
               <a:ext uri="{91240B29-F687-4f45-9708-019B960494DF}">
-                <a14:hiddenLine xmlns="" xmlns:a14="http://schemas.microsoft.com/office/drawing/2010/main" w="9525">
+                <a14:hiddenLine xmlns:a14="http://schemas.microsoft.com/office/drawing/2010/main" xmlns="" w="9525">
                   <a:solidFill>
                     <a:srgbClr val="000000"/>
                   </a:solidFill>
@@ -6131,7 +6131,7 @@
             <p:cNvPr id="109" name="Oval 19">
               <a:extLst>
                 <a:ext uri="{FF2B5EF4-FFF2-40B4-BE49-F238E27FC236}">
-                  <a16:creationId xmlns:a16="http://schemas.microsoft.com/office/drawing/2014/main" xmlns="" id="{80142D17-F659-4531-B720-7EE9C9EADBBC}"/>
+                  <a16:creationId xmlns="" xmlns:a16="http://schemas.microsoft.com/office/drawing/2014/main" id="{80142D17-F659-4531-B720-7EE9C9EADBBC}"/>
                 </a:ext>
               </a:extLst>
             </p:cNvPr>
@@ -6156,7 +6156,7 @@
             </a:ln>
             <a:extLst>
               <a:ext uri="{91240B29-F687-4f45-9708-019B960494DF}">
-                <a14:hiddenLine xmlns="" xmlns:a14="http://schemas.microsoft.com/office/drawing/2010/main" w="9525">
+                <a14:hiddenLine xmlns:a14="http://schemas.microsoft.com/office/drawing/2010/main" xmlns="" w="9525">
                   <a:solidFill>
                     <a:srgbClr val="000000"/>
                   </a:solidFill>
@@ -6184,7 +6184,7 @@
             <p:cNvPr id="110" name="Oval 20">
               <a:extLst>
                 <a:ext uri="{FF2B5EF4-FFF2-40B4-BE49-F238E27FC236}">
-                  <a16:creationId xmlns:a16="http://schemas.microsoft.com/office/drawing/2014/main" xmlns="" id="{FBB8A711-39DF-4380-BF61-2E5362E1FFDF}"/>
+                  <a16:creationId xmlns="" xmlns:a16="http://schemas.microsoft.com/office/drawing/2014/main" id="{FBB8A711-39DF-4380-BF61-2E5362E1FFDF}"/>
                 </a:ext>
               </a:extLst>
             </p:cNvPr>
@@ -6209,7 +6209,7 @@
             </a:ln>
             <a:extLst>
               <a:ext uri="{91240B29-F687-4f45-9708-019B960494DF}">
-                <a14:hiddenLine xmlns="" xmlns:a14="http://schemas.microsoft.com/office/drawing/2010/main" w="9525">
+                <a14:hiddenLine xmlns:a14="http://schemas.microsoft.com/office/drawing/2010/main" xmlns="" w="9525">
                   <a:solidFill>
                     <a:srgbClr val="000000"/>
                   </a:solidFill>
@@ -6237,7 +6237,7 @@
             <p:cNvPr id="111" name="Freeform 21">
               <a:extLst>
                 <a:ext uri="{FF2B5EF4-FFF2-40B4-BE49-F238E27FC236}">
-                  <a16:creationId xmlns:a16="http://schemas.microsoft.com/office/drawing/2014/main" xmlns="" id="{CEE46B9B-39A5-407E-96F7-BEC712CCD442}"/>
+                  <a16:creationId xmlns="" xmlns:a16="http://schemas.microsoft.com/office/drawing/2014/main" id="{CEE46B9B-39A5-407E-96F7-BEC712CCD442}"/>
                 </a:ext>
               </a:extLst>
             </p:cNvPr>
@@ -6370,7 +6370,7 @@
             </a:ln>
             <a:extLst>
               <a:ext uri="{91240B29-F687-4f45-9708-019B960494DF}">
-                <a14:hiddenLine xmlns="" xmlns:a14="http://schemas.microsoft.com/office/drawing/2010/main" w="9525">
+                <a14:hiddenLine xmlns:a14="http://schemas.microsoft.com/office/drawing/2010/main" xmlns="" w="9525">
                   <a:solidFill>
                     <a:srgbClr val="000000"/>
                   </a:solidFill>
@@ -6398,7 +6398,7 @@
             <p:cNvPr id="112" name="Freeform 22">
               <a:extLst>
                 <a:ext uri="{FF2B5EF4-FFF2-40B4-BE49-F238E27FC236}">
-                  <a16:creationId xmlns:a16="http://schemas.microsoft.com/office/drawing/2014/main" xmlns="" id="{B25FFA47-BB93-444D-9D87-7E8002DB136B}"/>
+                  <a16:creationId xmlns="" xmlns:a16="http://schemas.microsoft.com/office/drawing/2014/main" id="{B25FFA47-BB93-444D-9D87-7E8002DB136B}"/>
                 </a:ext>
               </a:extLst>
             </p:cNvPr>
@@ -6498,7 +6498,7 @@
             </a:ln>
             <a:extLst>
               <a:ext uri="{91240B29-F687-4f45-9708-019B960494DF}">
-                <a14:hiddenLine xmlns="" xmlns:a14="http://schemas.microsoft.com/office/drawing/2010/main" w="9525">
+                <a14:hiddenLine xmlns:a14="http://schemas.microsoft.com/office/drawing/2010/main" xmlns="" w="9525">
                   <a:solidFill>
                     <a:srgbClr val="000000"/>
                   </a:solidFill>
@@ -6526,7 +6526,7 @@
             <p:cNvPr id="113" name="Freeform 23">
               <a:extLst>
                 <a:ext uri="{FF2B5EF4-FFF2-40B4-BE49-F238E27FC236}">
-                  <a16:creationId xmlns:a16="http://schemas.microsoft.com/office/drawing/2014/main" xmlns="" id="{57D81572-471F-4DD4-BFD7-F52634FCD6BD}"/>
+                  <a16:creationId xmlns="" xmlns:a16="http://schemas.microsoft.com/office/drawing/2014/main" id="{57D81572-471F-4DD4-BFD7-F52634FCD6BD}"/>
                 </a:ext>
               </a:extLst>
             </p:cNvPr>
@@ -6666,7 +6666,7 @@
             </a:ln>
             <a:extLst>
               <a:ext uri="{91240B29-F687-4f45-9708-019B960494DF}">
-                <a14:hiddenLine xmlns="" xmlns:a14="http://schemas.microsoft.com/office/drawing/2010/main" w="9525">
+                <a14:hiddenLine xmlns:a14="http://schemas.microsoft.com/office/drawing/2010/main" xmlns="" w="9525">
                   <a:solidFill>
                     <a:srgbClr val="000000"/>
                   </a:solidFill>
@@ -6694,7 +6694,7 @@
             <p:cNvPr id="114" name="Freeform 32">
               <a:extLst>
                 <a:ext uri="{FF2B5EF4-FFF2-40B4-BE49-F238E27FC236}">
-                  <a16:creationId xmlns:a16="http://schemas.microsoft.com/office/drawing/2014/main" xmlns="" id="{8B260146-1C5C-4799-B962-0EC3A8603905}"/>
+                  <a16:creationId xmlns="" xmlns:a16="http://schemas.microsoft.com/office/drawing/2014/main" id="{8B260146-1C5C-4799-B962-0EC3A8603905}"/>
                 </a:ext>
               </a:extLst>
             </p:cNvPr>
@@ -6762,7 +6762,7 @@
             </a:ln>
             <a:extLst>
               <a:ext uri="{91240B29-F687-4f45-9708-019B960494DF}">
-                <a14:hiddenLine xmlns="" xmlns:a14="http://schemas.microsoft.com/office/drawing/2010/main" w="9525">
+                <a14:hiddenLine xmlns:a14="http://schemas.microsoft.com/office/drawing/2010/main" xmlns="" w="9525">
                   <a:solidFill>
                     <a:srgbClr val="000000"/>
                   </a:solidFill>
@@ -6790,7 +6790,7 @@
             <p:cNvPr id="115" name="Oval 19">
               <a:extLst>
                 <a:ext uri="{FF2B5EF4-FFF2-40B4-BE49-F238E27FC236}">
-                  <a16:creationId xmlns:a16="http://schemas.microsoft.com/office/drawing/2014/main" xmlns="" id="{7C923CC3-6F4E-4752-A190-BF63B2EFE023}"/>
+                  <a16:creationId xmlns="" xmlns:a16="http://schemas.microsoft.com/office/drawing/2014/main" id="{7C923CC3-6F4E-4752-A190-BF63B2EFE023}"/>
                 </a:ext>
               </a:extLst>
             </p:cNvPr>
@@ -6815,7 +6815,7 @@
             </a:ln>
             <a:extLst>
               <a:ext uri="{91240B29-F687-4f45-9708-019B960494DF}">
-                <a14:hiddenLine xmlns="" xmlns:a14="http://schemas.microsoft.com/office/drawing/2010/main" w="9525">
+                <a14:hiddenLine xmlns:a14="http://schemas.microsoft.com/office/drawing/2010/main" xmlns="" w="9525">
                   <a:solidFill>
                     <a:srgbClr val="000000"/>
                   </a:solidFill>
@@ -6843,7 +6843,7 @@
             <p:cNvPr id="116" name="Oval 20">
               <a:extLst>
                 <a:ext uri="{FF2B5EF4-FFF2-40B4-BE49-F238E27FC236}">
-                  <a16:creationId xmlns:a16="http://schemas.microsoft.com/office/drawing/2014/main" xmlns="" id="{1B596F2D-2DFC-4AB8-A265-163C8B0832AC}"/>
+                  <a16:creationId xmlns="" xmlns:a16="http://schemas.microsoft.com/office/drawing/2014/main" id="{1B596F2D-2DFC-4AB8-A265-163C8B0832AC}"/>
                 </a:ext>
               </a:extLst>
             </p:cNvPr>
@@ -6868,7 +6868,7 @@
             </a:ln>
             <a:extLst>
               <a:ext uri="{91240B29-F687-4f45-9708-019B960494DF}">
-                <a14:hiddenLine xmlns="" xmlns:a14="http://schemas.microsoft.com/office/drawing/2010/main" w="9525">
+                <a14:hiddenLine xmlns:a14="http://schemas.microsoft.com/office/drawing/2010/main" xmlns="" w="9525">
                   <a:solidFill>
                     <a:srgbClr val="000000"/>
                   </a:solidFill>
@@ -6896,7 +6896,7 @@
             <p:cNvPr id="117" name="Freeform 21">
               <a:extLst>
                 <a:ext uri="{FF2B5EF4-FFF2-40B4-BE49-F238E27FC236}">
-                  <a16:creationId xmlns:a16="http://schemas.microsoft.com/office/drawing/2014/main" xmlns="" id="{637068CE-C49E-4AA2-87B8-E353EE2D4AFF}"/>
+                  <a16:creationId xmlns="" xmlns:a16="http://schemas.microsoft.com/office/drawing/2014/main" id="{637068CE-C49E-4AA2-87B8-E353EE2D4AFF}"/>
                 </a:ext>
               </a:extLst>
             </p:cNvPr>
@@ -7029,7 +7029,7 @@
             </a:ln>
             <a:extLst>
               <a:ext uri="{91240B29-F687-4f45-9708-019B960494DF}">
-                <a14:hiddenLine xmlns="" xmlns:a14="http://schemas.microsoft.com/office/drawing/2010/main" w="9525">
+                <a14:hiddenLine xmlns:a14="http://schemas.microsoft.com/office/drawing/2010/main" xmlns="" w="9525">
                   <a:solidFill>
                     <a:srgbClr val="000000"/>
                   </a:solidFill>
@@ -7057,7 +7057,7 @@
             <p:cNvPr id="118" name="Freeform 22">
               <a:extLst>
                 <a:ext uri="{FF2B5EF4-FFF2-40B4-BE49-F238E27FC236}">
-                  <a16:creationId xmlns:a16="http://schemas.microsoft.com/office/drawing/2014/main" xmlns="" id="{069A3881-93BD-4E60-BF20-F2818A52825E}"/>
+                  <a16:creationId xmlns="" xmlns:a16="http://schemas.microsoft.com/office/drawing/2014/main" id="{069A3881-93BD-4E60-BF20-F2818A52825E}"/>
                 </a:ext>
               </a:extLst>
             </p:cNvPr>
@@ -7157,7 +7157,7 @@
             </a:ln>
             <a:extLst>
               <a:ext uri="{91240B29-F687-4f45-9708-019B960494DF}">
-                <a14:hiddenLine xmlns="" xmlns:a14="http://schemas.microsoft.com/office/drawing/2010/main" w="9525">
+                <a14:hiddenLine xmlns:a14="http://schemas.microsoft.com/office/drawing/2010/main" xmlns="" w="9525">
                   <a:solidFill>
                     <a:srgbClr val="000000"/>
                   </a:solidFill>
@@ -7185,7 +7185,7 @@
             <p:cNvPr id="119" name="Freeform 23">
               <a:extLst>
                 <a:ext uri="{FF2B5EF4-FFF2-40B4-BE49-F238E27FC236}">
-                  <a16:creationId xmlns:a16="http://schemas.microsoft.com/office/drawing/2014/main" xmlns="" id="{B2B6DFD8-E966-4026-898C-E3A47DF288B6}"/>
+                  <a16:creationId xmlns="" xmlns:a16="http://schemas.microsoft.com/office/drawing/2014/main" id="{B2B6DFD8-E966-4026-898C-E3A47DF288B6}"/>
                 </a:ext>
               </a:extLst>
             </p:cNvPr>
@@ -7325,7 +7325,7 @@
             </a:ln>
             <a:extLst>
               <a:ext uri="{91240B29-F687-4f45-9708-019B960494DF}">
-                <a14:hiddenLine xmlns="" xmlns:a14="http://schemas.microsoft.com/office/drawing/2010/main" w="9525">
+                <a14:hiddenLine xmlns:a14="http://schemas.microsoft.com/office/drawing/2010/main" xmlns="" w="9525">
                   <a:solidFill>
                     <a:srgbClr val="000000"/>
                   </a:solidFill>
@@ -7353,7 +7353,7 @@
             <p:cNvPr id="120" name="Freeform 24">
               <a:extLst>
                 <a:ext uri="{FF2B5EF4-FFF2-40B4-BE49-F238E27FC236}">
-                  <a16:creationId xmlns:a16="http://schemas.microsoft.com/office/drawing/2014/main" xmlns="" id="{4CC6BB82-26BA-4E04-92CC-A742A94845FA}"/>
+                  <a16:creationId xmlns="" xmlns:a16="http://schemas.microsoft.com/office/drawing/2014/main" id="{4CC6BB82-26BA-4E04-92CC-A742A94845FA}"/>
                 </a:ext>
               </a:extLst>
             </p:cNvPr>
@@ -7486,7 +7486,7 @@
             </a:ln>
             <a:extLst>
               <a:ext uri="{91240B29-F687-4f45-9708-019B960494DF}">
-                <a14:hiddenLine xmlns="" xmlns:a14="http://schemas.microsoft.com/office/drawing/2010/main" w="9525">
+                <a14:hiddenLine xmlns:a14="http://schemas.microsoft.com/office/drawing/2010/main" xmlns="" w="9525">
                   <a:solidFill>
                     <a:srgbClr val="000000"/>
                   </a:solidFill>
@@ -7514,7 +7514,7 @@
             <p:cNvPr id="121" name="Freeform 25">
               <a:extLst>
                 <a:ext uri="{FF2B5EF4-FFF2-40B4-BE49-F238E27FC236}">
-                  <a16:creationId xmlns:a16="http://schemas.microsoft.com/office/drawing/2014/main" xmlns="" id="{0098E8EA-80AF-4EDD-8F73-6EA773EAFE53}"/>
+                  <a16:creationId xmlns="" xmlns:a16="http://schemas.microsoft.com/office/drawing/2014/main" id="{0098E8EA-80AF-4EDD-8F73-6EA773EAFE53}"/>
                 </a:ext>
               </a:extLst>
             </p:cNvPr>
@@ -7647,7 +7647,7 @@
             </a:ln>
             <a:extLst>
               <a:ext uri="{91240B29-F687-4f45-9708-019B960494DF}">
-                <a14:hiddenLine xmlns="" xmlns:a14="http://schemas.microsoft.com/office/drawing/2010/main" w="9525">
+                <a14:hiddenLine xmlns:a14="http://schemas.microsoft.com/office/drawing/2010/main" xmlns="" w="9525">
                   <a:solidFill>
                     <a:srgbClr val="000000"/>
                   </a:solidFill>
@@ -7675,7 +7675,7 @@
             <p:cNvPr id="122" name="Oval 26">
               <a:extLst>
                 <a:ext uri="{FF2B5EF4-FFF2-40B4-BE49-F238E27FC236}">
-                  <a16:creationId xmlns:a16="http://schemas.microsoft.com/office/drawing/2014/main" xmlns="" id="{E1529FE8-F9A3-4096-878C-7E750DDDD800}"/>
+                  <a16:creationId xmlns="" xmlns:a16="http://schemas.microsoft.com/office/drawing/2014/main" id="{E1529FE8-F9A3-4096-878C-7E750DDDD800}"/>
                 </a:ext>
               </a:extLst>
             </p:cNvPr>
@@ -7700,7 +7700,7 @@
             </a:ln>
             <a:extLst>
               <a:ext uri="{91240B29-F687-4f45-9708-019B960494DF}">
-                <a14:hiddenLine xmlns="" xmlns:a14="http://schemas.microsoft.com/office/drawing/2010/main" w="9525">
+                <a14:hiddenLine xmlns:a14="http://schemas.microsoft.com/office/drawing/2010/main" xmlns="" w="9525">
                   <a:solidFill>
                     <a:srgbClr val="000000"/>
                   </a:solidFill>
@@ -7728,7 +7728,7 @@
             <p:cNvPr id="123" name="Oval 27">
               <a:extLst>
                 <a:ext uri="{FF2B5EF4-FFF2-40B4-BE49-F238E27FC236}">
-                  <a16:creationId xmlns:a16="http://schemas.microsoft.com/office/drawing/2014/main" xmlns="" id="{4502A066-105F-411C-8755-35B97FC85DE7}"/>
+                  <a16:creationId xmlns="" xmlns:a16="http://schemas.microsoft.com/office/drawing/2014/main" id="{4502A066-105F-411C-8755-35B97FC85DE7}"/>
                 </a:ext>
               </a:extLst>
             </p:cNvPr>
@@ -7753,7 +7753,7 @@
             </a:ln>
             <a:extLst>
               <a:ext uri="{91240B29-F687-4f45-9708-019B960494DF}">
-                <a14:hiddenLine xmlns="" xmlns:a14="http://schemas.microsoft.com/office/drawing/2010/main" w="9525">
+                <a14:hiddenLine xmlns:a14="http://schemas.microsoft.com/office/drawing/2010/main" xmlns="" w="9525">
                   <a:solidFill>
                     <a:srgbClr val="000000"/>
                   </a:solidFill>
@@ -7781,7 +7781,7 @@
             <p:cNvPr id="124" name="Oval 28">
               <a:extLst>
                 <a:ext uri="{FF2B5EF4-FFF2-40B4-BE49-F238E27FC236}">
-                  <a16:creationId xmlns:a16="http://schemas.microsoft.com/office/drawing/2014/main" xmlns="" id="{A2279562-1031-4CE7-80AA-1364AE4EC75D}"/>
+                  <a16:creationId xmlns="" xmlns:a16="http://schemas.microsoft.com/office/drawing/2014/main" id="{A2279562-1031-4CE7-80AA-1364AE4EC75D}"/>
                 </a:ext>
               </a:extLst>
             </p:cNvPr>
@@ -7806,7 +7806,7 @@
             </a:ln>
             <a:extLst>
               <a:ext uri="{91240B29-F687-4f45-9708-019B960494DF}">
-                <a14:hiddenLine xmlns="" xmlns:a14="http://schemas.microsoft.com/office/drawing/2010/main" w="9525">
+                <a14:hiddenLine xmlns:a14="http://schemas.microsoft.com/office/drawing/2010/main" xmlns="" w="9525">
                   <a:solidFill>
                     <a:srgbClr val="000000"/>
                   </a:solidFill>
@@ -7834,7 +7834,7 @@
             <p:cNvPr id="125" name="Freeform 29">
               <a:extLst>
                 <a:ext uri="{FF2B5EF4-FFF2-40B4-BE49-F238E27FC236}">
-                  <a16:creationId xmlns:a16="http://schemas.microsoft.com/office/drawing/2014/main" xmlns="" id="{79585C2B-CCF8-453C-B1A0-CBEDD05B3185}"/>
+                  <a16:creationId xmlns="" xmlns:a16="http://schemas.microsoft.com/office/drawing/2014/main" id="{79585C2B-CCF8-453C-B1A0-CBEDD05B3185}"/>
                 </a:ext>
               </a:extLst>
             </p:cNvPr>
@@ -7967,7 +7967,7 @@
             </a:ln>
             <a:extLst>
               <a:ext uri="{91240B29-F687-4f45-9708-019B960494DF}">
-                <a14:hiddenLine xmlns="" xmlns:a14="http://schemas.microsoft.com/office/drawing/2010/main" w="9525">
+                <a14:hiddenLine xmlns:a14="http://schemas.microsoft.com/office/drawing/2010/main" xmlns="" w="9525">
                   <a:solidFill>
                     <a:srgbClr val="000000"/>
                   </a:solidFill>
@@ -7995,7 +7995,7 @@
             <p:cNvPr id="126" name="Freeform 30">
               <a:extLst>
                 <a:ext uri="{FF2B5EF4-FFF2-40B4-BE49-F238E27FC236}">
-                  <a16:creationId xmlns:a16="http://schemas.microsoft.com/office/drawing/2014/main" xmlns="" id="{08A41A4E-2A02-48E0-B5EC-DB60F70F2B41}"/>
+                  <a16:creationId xmlns="" xmlns:a16="http://schemas.microsoft.com/office/drawing/2014/main" id="{08A41A4E-2A02-48E0-B5EC-DB60F70F2B41}"/>
                 </a:ext>
               </a:extLst>
             </p:cNvPr>
@@ -8095,7 +8095,7 @@
             </a:ln>
             <a:extLst>
               <a:ext uri="{91240B29-F687-4f45-9708-019B960494DF}">
-                <a14:hiddenLine xmlns="" xmlns:a14="http://schemas.microsoft.com/office/drawing/2010/main" w="9525">
+                <a14:hiddenLine xmlns:a14="http://schemas.microsoft.com/office/drawing/2010/main" xmlns="" w="9525">
                   <a:solidFill>
                     <a:srgbClr val="000000"/>
                   </a:solidFill>
@@ -8123,7 +8123,7 @@
             <p:cNvPr id="127" name="Freeform 31">
               <a:extLst>
                 <a:ext uri="{FF2B5EF4-FFF2-40B4-BE49-F238E27FC236}">
-                  <a16:creationId xmlns:a16="http://schemas.microsoft.com/office/drawing/2014/main" xmlns="" id="{1F12F1A3-82B8-431D-8B1B-EA52BF91B427}"/>
+                  <a16:creationId xmlns="" xmlns:a16="http://schemas.microsoft.com/office/drawing/2014/main" id="{1F12F1A3-82B8-431D-8B1B-EA52BF91B427}"/>
                 </a:ext>
               </a:extLst>
             </p:cNvPr>
@@ -8263,7 +8263,7 @@
             </a:ln>
             <a:extLst>
               <a:ext uri="{91240B29-F687-4f45-9708-019B960494DF}">
-                <a14:hiddenLine xmlns="" xmlns:a14="http://schemas.microsoft.com/office/drawing/2010/main" w="9525">
+                <a14:hiddenLine xmlns:a14="http://schemas.microsoft.com/office/drawing/2010/main" xmlns="" w="9525">
                   <a:solidFill>
                     <a:srgbClr val="000000"/>
                   </a:solidFill>
@@ -8291,7 +8291,7 @@
             <p:cNvPr id="128" name="Freeform 32">
               <a:extLst>
                 <a:ext uri="{FF2B5EF4-FFF2-40B4-BE49-F238E27FC236}">
-                  <a16:creationId xmlns:a16="http://schemas.microsoft.com/office/drawing/2014/main" xmlns="" id="{C210EF49-A2D6-42BD-9995-5AB7E7CC54A7}"/>
+                  <a16:creationId xmlns="" xmlns:a16="http://schemas.microsoft.com/office/drawing/2014/main" id="{C210EF49-A2D6-42BD-9995-5AB7E7CC54A7}"/>
                 </a:ext>
               </a:extLst>
             </p:cNvPr>
@@ -8359,7 +8359,7 @@
             </a:ln>
             <a:extLst>
               <a:ext uri="{91240B29-F687-4f45-9708-019B960494DF}">
-                <a14:hiddenLine xmlns="" xmlns:a14="http://schemas.microsoft.com/office/drawing/2010/main" w="9525">
+                <a14:hiddenLine xmlns:a14="http://schemas.microsoft.com/office/drawing/2010/main" xmlns="" w="9525">
                   <a:solidFill>
                     <a:srgbClr val="000000"/>
                   </a:solidFill>
@@ -8387,7 +8387,7 @@
             <p:cNvPr id="129" name="Freeform 33">
               <a:extLst>
                 <a:ext uri="{FF2B5EF4-FFF2-40B4-BE49-F238E27FC236}">
-                  <a16:creationId xmlns:a16="http://schemas.microsoft.com/office/drawing/2014/main" xmlns="" id="{5873E10C-24EC-4A32-9017-D26A13C045DB}"/>
+                  <a16:creationId xmlns="" xmlns:a16="http://schemas.microsoft.com/office/drawing/2014/main" id="{5873E10C-24EC-4A32-9017-D26A13C045DB}"/>
                 </a:ext>
               </a:extLst>
             </p:cNvPr>
@@ -8520,7 +8520,7 @@
             </a:ln>
             <a:extLst>
               <a:ext uri="{91240B29-F687-4f45-9708-019B960494DF}">
-                <a14:hiddenLine xmlns="" xmlns:a14="http://schemas.microsoft.com/office/drawing/2010/main" w="9525">
+                <a14:hiddenLine xmlns:a14="http://schemas.microsoft.com/office/drawing/2010/main" xmlns="" w="9525">
                   <a:solidFill>
                     <a:srgbClr val="000000"/>
                   </a:solidFill>
@@ -8548,7 +8548,7 @@
             <p:cNvPr id="130" name="Freeform 34">
               <a:extLst>
                 <a:ext uri="{FF2B5EF4-FFF2-40B4-BE49-F238E27FC236}">
-                  <a16:creationId xmlns:a16="http://schemas.microsoft.com/office/drawing/2014/main" xmlns="" id="{A4EA6405-2393-47CF-9773-1D2A3BFDF5AF}"/>
+                  <a16:creationId xmlns="" xmlns:a16="http://schemas.microsoft.com/office/drawing/2014/main" id="{A4EA6405-2393-47CF-9773-1D2A3BFDF5AF}"/>
                 </a:ext>
               </a:extLst>
             </p:cNvPr>
@@ -8681,7 +8681,7 @@
             </a:ln>
             <a:extLst>
               <a:ext uri="{91240B29-F687-4f45-9708-019B960494DF}">
-                <a14:hiddenLine xmlns="" xmlns:a14="http://schemas.microsoft.com/office/drawing/2010/main" w="9525">
+                <a14:hiddenLine xmlns:a14="http://schemas.microsoft.com/office/drawing/2010/main" xmlns="" w="9525">
                   <a:solidFill>
                     <a:srgbClr val="000000"/>
                   </a:solidFill>
@@ -8709,7 +8709,7 @@
             <p:cNvPr id="131" name="Oval 35">
               <a:extLst>
                 <a:ext uri="{FF2B5EF4-FFF2-40B4-BE49-F238E27FC236}">
-                  <a16:creationId xmlns:a16="http://schemas.microsoft.com/office/drawing/2014/main" xmlns="" id="{4500B5CF-8A87-4C94-98C2-D9AE92164882}"/>
+                  <a16:creationId xmlns="" xmlns:a16="http://schemas.microsoft.com/office/drawing/2014/main" id="{4500B5CF-8A87-4C94-98C2-D9AE92164882}"/>
                 </a:ext>
               </a:extLst>
             </p:cNvPr>
@@ -8734,7 +8734,7 @@
             </a:ln>
             <a:extLst>
               <a:ext uri="{91240B29-F687-4f45-9708-019B960494DF}">
-                <a14:hiddenLine xmlns="" xmlns:a14="http://schemas.microsoft.com/office/drawing/2010/main" w="9525">
+                <a14:hiddenLine xmlns:a14="http://schemas.microsoft.com/office/drawing/2010/main" xmlns="" w="9525">
                   <a:solidFill>
                     <a:srgbClr val="000000"/>
                   </a:solidFill>
@@ -8762,7 +8762,7 @@
             <p:cNvPr id="132" name="Oval 36">
               <a:extLst>
                 <a:ext uri="{FF2B5EF4-FFF2-40B4-BE49-F238E27FC236}">
-                  <a16:creationId xmlns:a16="http://schemas.microsoft.com/office/drawing/2014/main" xmlns="" id="{52349474-5EA9-4794-9B60-A8170A717911}"/>
+                  <a16:creationId xmlns="" xmlns:a16="http://schemas.microsoft.com/office/drawing/2014/main" id="{52349474-5EA9-4794-9B60-A8170A717911}"/>
                 </a:ext>
               </a:extLst>
             </p:cNvPr>
@@ -8787,7 +8787,7 @@
             </a:ln>
             <a:extLst>
               <a:ext uri="{91240B29-F687-4f45-9708-019B960494DF}">
-                <a14:hiddenLine xmlns="" xmlns:a14="http://schemas.microsoft.com/office/drawing/2010/main" w="9525">
+                <a14:hiddenLine xmlns:a14="http://schemas.microsoft.com/office/drawing/2010/main" xmlns="" w="9525">
                   <a:solidFill>
                     <a:srgbClr val="000000"/>
                   </a:solidFill>
@@ -8815,7 +8815,7 @@
             <p:cNvPr id="133" name="Oval 37">
               <a:extLst>
                 <a:ext uri="{FF2B5EF4-FFF2-40B4-BE49-F238E27FC236}">
-                  <a16:creationId xmlns:a16="http://schemas.microsoft.com/office/drawing/2014/main" xmlns="" id="{38C75585-D619-4E9A-A4CB-1FA8B388ABAC}"/>
+                  <a16:creationId xmlns="" xmlns:a16="http://schemas.microsoft.com/office/drawing/2014/main" id="{38C75585-D619-4E9A-A4CB-1FA8B388ABAC}"/>
                 </a:ext>
               </a:extLst>
             </p:cNvPr>
@@ -8840,7 +8840,7 @@
             </a:ln>
             <a:extLst>
               <a:ext uri="{91240B29-F687-4f45-9708-019B960494DF}">
-                <a14:hiddenLine xmlns="" xmlns:a14="http://schemas.microsoft.com/office/drawing/2010/main" w="9525">
+                <a14:hiddenLine xmlns:a14="http://schemas.microsoft.com/office/drawing/2010/main" xmlns="" w="9525">
                   <a:solidFill>
                     <a:srgbClr val="000000"/>
                   </a:solidFill>
@@ -8868,7 +8868,7 @@
             <p:cNvPr id="134" name="Freeform 38">
               <a:extLst>
                 <a:ext uri="{FF2B5EF4-FFF2-40B4-BE49-F238E27FC236}">
-                  <a16:creationId xmlns:a16="http://schemas.microsoft.com/office/drawing/2014/main" xmlns="" id="{B7DDAA9C-A34D-47EE-96C6-EAD14E1A8A90}"/>
+                  <a16:creationId xmlns="" xmlns:a16="http://schemas.microsoft.com/office/drawing/2014/main" id="{B7DDAA9C-A34D-47EE-96C6-EAD14E1A8A90}"/>
                 </a:ext>
               </a:extLst>
             </p:cNvPr>
@@ -9001,7 +9001,7 @@
             </a:ln>
             <a:extLst>
               <a:ext uri="{91240B29-F687-4f45-9708-019B960494DF}">
-                <a14:hiddenLine xmlns="" xmlns:a14="http://schemas.microsoft.com/office/drawing/2010/main" w="9525">
+                <a14:hiddenLine xmlns:a14="http://schemas.microsoft.com/office/drawing/2010/main" xmlns="" w="9525">
                   <a:solidFill>
                     <a:srgbClr val="000000"/>
                   </a:solidFill>
@@ -9029,7 +9029,7 @@
             <p:cNvPr id="135" name="Freeform 39">
               <a:extLst>
                 <a:ext uri="{FF2B5EF4-FFF2-40B4-BE49-F238E27FC236}">
-                  <a16:creationId xmlns:a16="http://schemas.microsoft.com/office/drawing/2014/main" xmlns="" id="{45DCF87A-1373-46DA-A54B-100EC39BA36B}"/>
+                  <a16:creationId xmlns="" xmlns:a16="http://schemas.microsoft.com/office/drawing/2014/main" id="{45DCF87A-1373-46DA-A54B-100EC39BA36B}"/>
                 </a:ext>
               </a:extLst>
             </p:cNvPr>
@@ -9129,7 +9129,7 @@
             </a:ln>
             <a:extLst>
               <a:ext uri="{91240B29-F687-4f45-9708-019B960494DF}">
-                <a14:hiddenLine xmlns="" xmlns:a14="http://schemas.microsoft.com/office/drawing/2010/main" w="9525">
+                <a14:hiddenLine xmlns:a14="http://schemas.microsoft.com/office/drawing/2010/main" xmlns="" w="9525">
                   <a:solidFill>
                     <a:srgbClr val="000000"/>
                   </a:solidFill>
@@ -9157,7 +9157,7 @@
             <p:cNvPr id="136" name="Freeform 40">
               <a:extLst>
                 <a:ext uri="{FF2B5EF4-FFF2-40B4-BE49-F238E27FC236}">
-                  <a16:creationId xmlns:a16="http://schemas.microsoft.com/office/drawing/2014/main" xmlns="" id="{A3F944FA-8AC6-49DF-A0E8-0EF7E7B6D001}"/>
+                  <a16:creationId xmlns="" xmlns:a16="http://schemas.microsoft.com/office/drawing/2014/main" id="{A3F944FA-8AC6-49DF-A0E8-0EF7E7B6D001}"/>
                 </a:ext>
               </a:extLst>
             </p:cNvPr>
@@ -9297,7 +9297,7 @@
             </a:ln>
             <a:extLst>
               <a:ext uri="{91240B29-F687-4f45-9708-019B960494DF}">
-                <a14:hiddenLine xmlns="" xmlns:a14="http://schemas.microsoft.com/office/drawing/2010/main" w="9525">
+                <a14:hiddenLine xmlns:a14="http://schemas.microsoft.com/office/drawing/2010/main" xmlns="" w="9525">
                   <a:solidFill>
                     <a:srgbClr val="000000"/>
                   </a:solidFill>
@@ -9325,7 +9325,7 @@
             <p:cNvPr id="137" name="Freeform 41">
               <a:extLst>
                 <a:ext uri="{FF2B5EF4-FFF2-40B4-BE49-F238E27FC236}">
-                  <a16:creationId xmlns:a16="http://schemas.microsoft.com/office/drawing/2014/main" xmlns="" id="{58BD42BD-CDB4-495C-8089-4AFDA2261359}"/>
+                  <a16:creationId xmlns="" xmlns:a16="http://schemas.microsoft.com/office/drawing/2014/main" id="{58BD42BD-CDB4-495C-8089-4AFDA2261359}"/>
                 </a:ext>
               </a:extLst>
             </p:cNvPr>
@@ -9393,7 +9393,7 @@
             </a:ln>
             <a:extLst>
               <a:ext uri="{91240B29-F687-4f45-9708-019B960494DF}">
-                <a14:hiddenLine xmlns="" xmlns:a14="http://schemas.microsoft.com/office/drawing/2010/main" w="9525">
+                <a14:hiddenLine xmlns:a14="http://schemas.microsoft.com/office/drawing/2010/main" xmlns="" w="9525">
                   <a:solidFill>
                     <a:srgbClr val="000000"/>
                   </a:solidFill>
@@ -9421,7 +9421,7 @@
             <p:cNvPr id="138" name="Freeform 42">
               <a:extLst>
                 <a:ext uri="{FF2B5EF4-FFF2-40B4-BE49-F238E27FC236}">
-                  <a16:creationId xmlns:a16="http://schemas.microsoft.com/office/drawing/2014/main" xmlns="" id="{ED8607BF-F0B5-4AA1-92D7-03C93A5B2E81}"/>
+                  <a16:creationId xmlns="" xmlns:a16="http://schemas.microsoft.com/office/drawing/2014/main" id="{ED8607BF-F0B5-4AA1-92D7-03C93A5B2E81}"/>
                 </a:ext>
               </a:extLst>
             </p:cNvPr>
@@ -9554,7 +9554,7 @@
             </a:ln>
             <a:extLst>
               <a:ext uri="{91240B29-F687-4f45-9708-019B960494DF}">
-                <a14:hiddenLine xmlns="" xmlns:a14="http://schemas.microsoft.com/office/drawing/2010/main" w="9525">
+                <a14:hiddenLine xmlns:a14="http://schemas.microsoft.com/office/drawing/2010/main" xmlns="" w="9525">
                   <a:solidFill>
                     <a:srgbClr val="000000"/>
                   </a:solidFill>
@@ -9582,7 +9582,7 @@
             <p:cNvPr id="139" name="Freeform 43">
               <a:extLst>
                 <a:ext uri="{FF2B5EF4-FFF2-40B4-BE49-F238E27FC236}">
-                  <a16:creationId xmlns:a16="http://schemas.microsoft.com/office/drawing/2014/main" xmlns="" id="{F138961B-D07B-48A4-94C8-AABA2E25EDF9}"/>
+                  <a16:creationId xmlns="" xmlns:a16="http://schemas.microsoft.com/office/drawing/2014/main" id="{F138961B-D07B-48A4-94C8-AABA2E25EDF9}"/>
                 </a:ext>
               </a:extLst>
             </p:cNvPr>
@@ -9715,7 +9715,7 @@
             </a:ln>
             <a:extLst>
               <a:ext uri="{91240B29-F687-4f45-9708-019B960494DF}">
-                <a14:hiddenLine xmlns="" xmlns:a14="http://schemas.microsoft.com/office/drawing/2010/main" w="9525">
+                <a14:hiddenLine xmlns:a14="http://schemas.microsoft.com/office/drawing/2010/main" xmlns="" w="9525">
                   <a:solidFill>
                     <a:srgbClr val="000000"/>
                   </a:solidFill>
@@ -9743,7 +9743,7 @@
             <p:cNvPr id="140" name="Oval 44">
               <a:extLst>
                 <a:ext uri="{FF2B5EF4-FFF2-40B4-BE49-F238E27FC236}">
-                  <a16:creationId xmlns:a16="http://schemas.microsoft.com/office/drawing/2014/main" xmlns="" id="{3C9AEC7F-17DD-40C8-8BA3-890A8BC8B31B}"/>
+                  <a16:creationId xmlns="" xmlns:a16="http://schemas.microsoft.com/office/drawing/2014/main" id="{3C9AEC7F-17DD-40C8-8BA3-890A8BC8B31B}"/>
                 </a:ext>
               </a:extLst>
             </p:cNvPr>
@@ -9768,7 +9768,7 @@
             </a:ln>
             <a:extLst>
               <a:ext uri="{91240B29-F687-4f45-9708-019B960494DF}">
-                <a14:hiddenLine xmlns="" xmlns:a14="http://schemas.microsoft.com/office/drawing/2010/main" w="9525">
+                <a14:hiddenLine xmlns:a14="http://schemas.microsoft.com/office/drawing/2010/main" xmlns="" w="9525">
                   <a:solidFill>
                     <a:srgbClr val="000000"/>
                   </a:solidFill>
@@ -9796,7 +9796,7 @@
             <p:cNvPr id="141" name="Oval 45">
               <a:extLst>
                 <a:ext uri="{FF2B5EF4-FFF2-40B4-BE49-F238E27FC236}">
-                  <a16:creationId xmlns:a16="http://schemas.microsoft.com/office/drawing/2014/main" xmlns="" id="{6A53FD15-15C8-45DF-9CD6-8E8F037DF006}"/>
+                  <a16:creationId xmlns="" xmlns:a16="http://schemas.microsoft.com/office/drawing/2014/main" id="{6A53FD15-15C8-45DF-9CD6-8E8F037DF006}"/>
                 </a:ext>
               </a:extLst>
             </p:cNvPr>
@@ -9821,7 +9821,7 @@
             </a:ln>
             <a:extLst>
               <a:ext uri="{91240B29-F687-4f45-9708-019B960494DF}">
-                <a14:hiddenLine xmlns="" xmlns:a14="http://schemas.microsoft.com/office/drawing/2010/main" w="9525">
+                <a14:hiddenLine xmlns:a14="http://schemas.microsoft.com/office/drawing/2010/main" xmlns="" w="9525">
                   <a:solidFill>
                     <a:srgbClr val="000000"/>
                   </a:solidFill>
@@ -9849,7 +9849,7 @@
             <p:cNvPr id="142" name="Oval 46">
               <a:extLst>
                 <a:ext uri="{FF2B5EF4-FFF2-40B4-BE49-F238E27FC236}">
-                  <a16:creationId xmlns:a16="http://schemas.microsoft.com/office/drawing/2014/main" xmlns="" id="{6F27F538-B87A-43A8-9A8C-4938EF5D5B5C}"/>
+                  <a16:creationId xmlns="" xmlns:a16="http://schemas.microsoft.com/office/drawing/2014/main" id="{6F27F538-B87A-43A8-9A8C-4938EF5D5B5C}"/>
                 </a:ext>
               </a:extLst>
             </p:cNvPr>
@@ -9874,7 +9874,7 @@
             </a:ln>
             <a:extLst>
               <a:ext uri="{91240B29-F687-4f45-9708-019B960494DF}">
-                <a14:hiddenLine xmlns="" xmlns:a14="http://schemas.microsoft.com/office/drawing/2010/main" w="9525">
+                <a14:hiddenLine xmlns:a14="http://schemas.microsoft.com/office/drawing/2010/main" xmlns="" w="9525">
                   <a:solidFill>
                     <a:srgbClr val="000000"/>
                   </a:solidFill>
@@ -9902,7 +9902,7 @@
             <p:cNvPr id="143" name="Freeform 47">
               <a:extLst>
                 <a:ext uri="{FF2B5EF4-FFF2-40B4-BE49-F238E27FC236}">
-                  <a16:creationId xmlns:a16="http://schemas.microsoft.com/office/drawing/2014/main" xmlns="" id="{7F7D42BF-6F3B-4325-89AB-32AB8B52CF9E}"/>
+                  <a16:creationId xmlns="" xmlns:a16="http://schemas.microsoft.com/office/drawing/2014/main" id="{7F7D42BF-6F3B-4325-89AB-32AB8B52CF9E}"/>
                 </a:ext>
               </a:extLst>
             </p:cNvPr>
@@ -10035,7 +10035,7 @@
             </a:ln>
             <a:extLst>
               <a:ext uri="{91240B29-F687-4f45-9708-019B960494DF}">
-                <a14:hiddenLine xmlns="" xmlns:a14="http://schemas.microsoft.com/office/drawing/2010/main" w="9525">
+                <a14:hiddenLine xmlns:a14="http://schemas.microsoft.com/office/drawing/2010/main" xmlns="" w="9525">
                   <a:solidFill>
                     <a:srgbClr val="000000"/>
                   </a:solidFill>
@@ -10063,7 +10063,7 @@
             <p:cNvPr id="144" name="Freeform 48">
               <a:extLst>
                 <a:ext uri="{FF2B5EF4-FFF2-40B4-BE49-F238E27FC236}">
-                  <a16:creationId xmlns:a16="http://schemas.microsoft.com/office/drawing/2014/main" xmlns="" id="{8C38543B-9677-4974-8072-F151BC92DECB}"/>
+                  <a16:creationId xmlns="" xmlns:a16="http://schemas.microsoft.com/office/drawing/2014/main" id="{8C38543B-9677-4974-8072-F151BC92DECB}"/>
                 </a:ext>
               </a:extLst>
             </p:cNvPr>
@@ -10163,7 +10163,7 @@
             </a:ln>
             <a:extLst>
               <a:ext uri="{91240B29-F687-4f45-9708-019B960494DF}">
-                <a14:hiddenLine xmlns="" xmlns:a14="http://schemas.microsoft.com/office/drawing/2010/main" w="9525">
+                <a14:hiddenLine xmlns:a14="http://schemas.microsoft.com/office/drawing/2010/main" xmlns="" w="9525">
                   <a:solidFill>
                     <a:srgbClr val="000000"/>
                   </a:solidFill>
@@ -10191,7 +10191,7 @@
             <p:cNvPr id="145" name="Freeform 49">
               <a:extLst>
                 <a:ext uri="{FF2B5EF4-FFF2-40B4-BE49-F238E27FC236}">
-                  <a16:creationId xmlns:a16="http://schemas.microsoft.com/office/drawing/2014/main" xmlns="" id="{7994DEF7-5380-47F3-ABDE-576FEAC00462}"/>
+                  <a16:creationId xmlns="" xmlns:a16="http://schemas.microsoft.com/office/drawing/2014/main" id="{7994DEF7-5380-47F3-ABDE-576FEAC00462}"/>
                 </a:ext>
               </a:extLst>
             </p:cNvPr>
@@ -10331,7 +10331,7 @@
             </a:ln>
             <a:extLst>
               <a:ext uri="{91240B29-F687-4f45-9708-019B960494DF}">
-                <a14:hiddenLine xmlns="" xmlns:a14="http://schemas.microsoft.com/office/drawing/2010/main" w="9525">
+                <a14:hiddenLine xmlns:a14="http://schemas.microsoft.com/office/drawing/2010/main" xmlns="" w="9525">
                   <a:solidFill>
                     <a:srgbClr val="000000"/>
                   </a:solidFill>
@@ -10359,7 +10359,7 @@
             <p:cNvPr id="146" name="Freeform 50">
               <a:extLst>
                 <a:ext uri="{FF2B5EF4-FFF2-40B4-BE49-F238E27FC236}">
-                  <a16:creationId xmlns:a16="http://schemas.microsoft.com/office/drawing/2014/main" xmlns="" id="{17DCE0A4-9C75-4788-9C8E-0DABB3645BC5}"/>
+                  <a16:creationId xmlns="" xmlns:a16="http://schemas.microsoft.com/office/drawing/2014/main" id="{17DCE0A4-9C75-4788-9C8E-0DABB3645BC5}"/>
                 </a:ext>
               </a:extLst>
             </p:cNvPr>
@@ -10427,7 +10427,7 @@
             </a:ln>
             <a:extLst>
               <a:ext uri="{91240B29-F687-4f45-9708-019B960494DF}">
-                <a14:hiddenLine xmlns="" xmlns:a14="http://schemas.microsoft.com/office/drawing/2010/main" w="9525">
+                <a14:hiddenLine xmlns:a14="http://schemas.microsoft.com/office/drawing/2010/main" xmlns="" w="9525">
                   <a:solidFill>
                     <a:srgbClr val="000000"/>
                   </a:solidFill>
@@ -10455,7 +10455,7 @@
             <p:cNvPr id="147" name="Freeform 51">
               <a:extLst>
                 <a:ext uri="{FF2B5EF4-FFF2-40B4-BE49-F238E27FC236}">
-                  <a16:creationId xmlns:a16="http://schemas.microsoft.com/office/drawing/2014/main" xmlns="" id="{62929493-B65E-4CB7-8690-A93FB82CC36A}"/>
+                  <a16:creationId xmlns="" xmlns:a16="http://schemas.microsoft.com/office/drawing/2014/main" id="{62929493-B65E-4CB7-8690-A93FB82CC36A}"/>
                 </a:ext>
               </a:extLst>
             </p:cNvPr>
@@ -10588,7 +10588,7 @@
             </a:ln>
             <a:extLst>
               <a:ext uri="{91240B29-F687-4f45-9708-019B960494DF}">
-                <a14:hiddenLine xmlns="" xmlns:a14="http://schemas.microsoft.com/office/drawing/2010/main" w="9525">
+                <a14:hiddenLine xmlns:a14="http://schemas.microsoft.com/office/drawing/2010/main" xmlns="" w="9525">
                   <a:solidFill>
                     <a:srgbClr val="000000"/>
                   </a:solidFill>
@@ -10616,7 +10616,7 @@
             <p:cNvPr id="148" name="Freeform 52">
               <a:extLst>
                 <a:ext uri="{FF2B5EF4-FFF2-40B4-BE49-F238E27FC236}">
-                  <a16:creationId xmlns:a16="http://schemas.microsoft.com/office/drawing/2014/main" xmlns="" id="{FEDABFB9-DC39-4D40-833B-F0DC4C323FAB}"/>
+                  <a16:creationId xmlns="" xmlns:a16="http://schemas.microsoft.com/office/drawing/2014/main" id="{FEDABFB9-DC39-4D40-833B-F0DC4C323FAB}"/>
                 </a:ext>
               </a:extLst>
             </p:cNvPr>
@@ -10749,7 +10749,7 @@
             </a:ln>
             <a:extLst>
               <a:ext uri="{91240B29-F687-4f45-9708-019B960494DF}">
-                <a14:hiddenLine xmlns="" xmlns:a14="http://schemas.microsoft.com/office/drawing/2010/main" w="9525">
+                <a14:hiddenLine xmlns:a14="http://schemas.microsoft.com/office/drawing/2010/main" xmlns="" w="9525">
                   <a:solidFill>
                     <a:srgbClr val="000000"/>
                   </a:solidFill>
@@ -10777,7 +10777,7 @@
             <p:cNvPr id="149" name="Oval 53">
               <a:extLst>
                 <a:ext uri="{FF2B5EF4-FFF2-40B4-BE49-F238E27FC236}">
-                  <a16:creationId xmlns:a16="http://schemas.microsoft.com/office/drawing/2014/main" xmlns="" id="{6B653D4A-C953-43A2-9107-7E72CFF0CBFD}"/>
+                  <a16:creationId xmlns="" xmlns:a16="http://schemas.microsoft.com/office/drawing/2014/main" id="{6B653D4A-C953-43A2-9107-7E72CFF0CBFD}"/>
                 </a:ext>
               </a:extLst>
             </p:cNvPr>
@@ -10802,7 +10802,7 @@
             </a:ln>
             <a:extLst>
               <a:ext uri="{91240B29-F687-4f45-9708-019B960494DF}">
-                <a14:hiddenLine xmlns="" xmlns:a14="http://schemas.microsoft.com/office/drawing/2010/main" w="9525">
+                <a14:hiddenLine xmlns:a14="http://schemas.microsoft.com/office/drawing/2010/main" xmlns="" w="9525">
                   <a:solidFill>
                     <a:srgbClr val="000000"/>
                   </a:solidFill>
@@ -10830,7 +10830,7 @@
             <p:cNvPr id="150" name="Freeform 59">
               <a:extLst>
                 <a:ext uri="{FF2B5EF4-FFF2-40B4-BE49-F238E27FC236}">
-                  <a16:creationId xmlns:a16="http://schemas.microsoft.com/office/drawing/2014/main" xmlns="" id="{8CD747EA-E5F0-4F59-B06A-3C2F8EB82D35}"/>
+                  <a16:creationId xmlns="" xmlns:a16="http://schemas.microsoft.com/office/drawing/2014/main" id="{8CD747EA-E5F0-4F59-B06A-3C2F8EB82D35}"/>
                 </a:ext>
               </a:extLst>
             </p:cNvPr>
@@ -10898,7 +10898,7 @@
             </a:ln>
             <a:extLst>
               <a:ext uri="{91240B29-F687-4f45-9708-019B960494DF}">
-                <a14:hiddenLine xmlns="" xmlns:a14="http://schemas.microsoft.com/office/drawing/2010/main" w="9525">
+                <a14:hiddenLine xmlns:a14="http://schemas.microsoft.com/office/drawing/2010/main" xmlns="" w="9525">
                   <a:solidFill>
                     <a:srgbClr val="000000"/>
                   </a:solidFill>
@@ -10926,7 +10926,7 @@
             <p:cNvPr id="151" name="Oval 36">
               <a:extLst>
                 <a:ext uri="{FF2B5EF4-FFF2-40B4-BE49-F238E27FC236}">
-                  <a16:creationId xmlns:a16="http://schemas.microsoft.com/office/drawing/2014/main" xmlns="" id="{10F7AD51-029F-42B4-8DB5-7BF27590897A}"/>
+                  <a16:creationId xmlns="" xmlns:a16="http://schemas.microsoft.com/office/drawing/2014/main" id="{10F7AD51-029F-42B4-8DB5-7BF27590897A}"/>
                 </a:ext>
               </a:extLst>
             </p:cNvPr>
@@ -10951,7 +10951,7 @@
             </a:ln>
             <a:extLst>
               <a:ext uri="{91240B29-F687-4f45-9708-019B960494DF}">
-                <a14:hiddenLine xmlns="" xmlns:a14="http://schemas.microsoft.com/office/drawing/2010/main" w="9525">
+                <a14:hiddenLine xmlns:a14="http://schemas.microsoft.com/office/drawing/2010/main" xmlns="" w="9525">
                   <a:solidFill>
                     <a:srgbClr val="000000"/>
                   </a:solidFill>
@@ -10979,7 +10979,7 @@
             <p:cNvPr id="152" name="Oval 37">
               <a:extLst>
                 <a:ext uri="{FF2B5EF4-FFF2-40B4-BE49-F238E27FC236}">
-                  <a16:creationId xmlns:a16="http://schemas.microsoft.com/office/drawing/2014/main" xmlns="" id="{D9280BDF-6D7B-4D2B-A354-0FC46252E370}"/>
+                  <a16:creationId xmlns="" xmlns:a16="http://schemas.microsoft.com/office/drawing/2014/main" id="{D9280BDF-6D7B-4D2B-A354-0FC46252E370}"/>
                 </a:ext>
               </a:extLst>
             </p:cNvPr>
@@ -11004,7 +11004,7 @@
             </a:ln>
             <a:extLst>
               <a:ext uri="{91240B29-F687-4f45-9708-019B960494DF}">
-                <a14:hiddenLine xmlns="" xmlns:a14="http://schemas.microsoft.com/office/drawing/2010/main" w="9525">
+                <a14:hiddenLine xmlns:a14="http://schemas.microsoft.com/office/drawing/2010/main" xmlns="" w="9525">
                   <a:solidFill>
                     <a:srgbClr val="000000"/>
                   </a:solidFill>
@@ -11032,7 +11032,7 @@
             <p:cNvPr id="153" name="Freeform 38">
               <a:extLst>
                 <a:ext uri="{FF2B5EF4-FFF2-40B4-BE49-F238E27FC236}">
-                  <a16:creationId xmlns:a16="http://schemas.microsoft.com/office/drawing/2014/main" xmlns="" id="{CE3D67F3-9339-4FED-863B-B211037D171A}"/>
+                  <a16:creationId xmlns="" xmlns:a16="http://schemas.microsoft.com/office/drawing/2014/main" id="{CE3D67F3-9339-4FED-863B-B211037D171A}"/>
                 </a:ext>
               </a:extLst>
             </p:cNvPr>
@@ -11165,7 +11165,7 @@
             </a:ln>
             <a:extLst>
               <a:ext uri="{91240B29-F687-4f45-9708-019B960494DF}">
-                <a14:hiddenLine xmlns="" xmlns:a14="http://schemas.microsoft.com/office/drawing/2010/main" w="9525">
+                <a14:hiddenLine xmlns:a14="http://schemas.microsoft.com/office/drawing/2010/main" xmlns="" w="9525">
                   <a:solidFill>
                     <a:srgbClr val="000000"/>
                   </a:solidFill>
@@ -11193,7 +11193,7 @@
             <p:cNvPr id="154" name="Freeform 39">
               <a:extLst>
                 <a:ext uri="{FF2B5EF4-FFF2-40B4-BE49-F238E27FC236}">
-                  <a16:creationId xmlns:a16="http://schemas.microsoft.com/office/drawing/2014/main" xmlns="" id="{D2E8443D-1FF6-476A-968D-1CC7BC782879}"/>
+                  <a16:creationId xmlns="" xmlns:a16="http://schemas.microsoft.com/office/drawing/2014/main" id="{D2E8443D-1FF6-476A-968D-1CC7BC782879}"/>
                 </a:ext>
               </a:extLst>
             </p:cNvPr>
@@ -11293,7 +11293,7 @@
             </a:ln>
             <a:extLst>
               <a:ext uri="{91240B29-F687-4f45-9708-019B960494DF}">
-                <a14:hiddenLine xmlns="" xmlns:a14="http://schemas.microsoft.com/office/drawing/2010/main" w="9525">
+                <a14:hiddenLine xmlns:a14="http://schemas.microsoft.com/office/drawing/2010/main" xmlns="" w="9525">
                   <a:solidFill>
                     <a:srgbClr val="000000"/>
                   </a:solidFill>
@@ -11321,7 +11321,7 @@
             <p:cNvPr id="155" name="Freeform 40">
               <a:extLst>
                 <a:ext uri="{FF2B5EF4-FFF2-40B4-BE49-F238E27FC236}">
-                  <a16:creationId xmlns:a16="http://schemas.microsoft.com/office/drawing/2014/main" xmlns="" id="{8BD89819-F099-4420-9B06-E54E9B89BA73}"/>
+                  <a16:creationId xmlns="" xmlns:a16="http://schemas.microsoft.com/office/drawing/2014/main" id="{8BD89819-F099-4420-9B06-E54E9B89BA73}"/>
                 </a:ext>
               </a:extLst>
             </p:cNvPr>
@@ -11461,7 +11461,7 @@
             </a:ln>
             <a:extLst>
               <a:ext uri="{91240B29-F687-4f45-9708-019B960494DF}">
-                <a14:hiddenLine xmlns="" xmlns:a14="http://schemas.microsoft.com/office/drawing/2010/main" w="9525">
+                <a14:hiddenLine xmlns:a14="http://schemas.microsoft.com/office/drawing/2010/main" xmlns="" w="9525">
                   <a:solidFill>
                     <a:srgbClr val="000000"/>
                   </a:solidFill>
@@ -11489,7 +11489,7 @@
             <p:cNvPr id="156" name="Freeform 42">
               <a:extLst>
                 <a:ext uri="{FF2B5EF4-FFF2-40B4-BE49-F238E27FC236}">
-                  <a16:creationId xmlns:a16="http://schemas.microsoft.com/office/drawing/2014/main" xmlns="" id="{1B5A5428-AC51-480A-A5AF-C1F800660E1F}"/>
+                  <a16:creationId xmlns="" xmlns:a16="http://schemas.microsoft.com/office/drawing/2014/main" id="{1B5A5428-AC51-480A-A5AF-C1F800660E1F}"/>
                 </a:ext>
               </a:extLst>
             </p:cNvPr>
@@ -11622,7 +11622,7 @@
             </a:ln>
             <a:extLst>
               <a:ext uri="{91240B29-F687-4f45-9708-019B960494DF}">
-                <a14:hiddenLine xmlns="" xmlns:a14="http://schemas.microsoft.com/office/drawing/2010/main" w="9525">
+                <a14:hiddenLine xmlns:a14="http://schemas.microsoft.com/office/drawing/2010/main" xmlns="" w="9525">
                   <a:solidFill>
                     <a:srgbClr val="000000"/>
                   </a:solidFill>
@@ -11650,7 +11650,7 @@
             <p:cNvPr id="157" name="Freeform 43">
               <a:extLst>
                 <a:ext uri="{FF2B5EF4-FFF2-40B4-BE49-F238E27FC236}">
-                  <a16:creationId xmlns:a16="http://schemas.microsoft.com/office/drawing/2014/main" xmlns="" id="{A0582DC2-0448-442A-9329-464DC716C4B1}"/>
+                  <a16:creationId xmlns="" xmlns:a16="http://schemas.microsoft.com/office/drawing/2014/main" id="{A0582DC2-0448-442A-9329-464DC716C4B1}"/>
                 </a:ext>
               </a:extLst>
             </p:cNvPr>
@@ -11783,7 +11783,7 @@
             </a:ln>
             <a:extLst>
               <a:ext uri="{91240B29-F687-4f45-9708-019B960494DF}">
-                <a14:hiddenLine xmlns="" xmlns:a14="http://schemas.microsoft.com/office/drawing/2010/main" w="9525">
+                <a14:hiddenLine xmlns:a14="http://schemas.microsoft.com/office/drawing/2010/main" xmlns="" w="9525">
                   <a:solidFill>
                     <a:srgbClr val="000000"/>
                   </a:solidFill>
@@ -11811,7 +11811,7 @@
             <p:cNvPr id="158" name="Oval 44">
               <a:extLst>
                 <a:ext uri="{FF2B5EF4-FFF2-40B4-BE49-F238E27FC236}">
-                  <a16:creationId xmlns:a16="http://schemas.microsoft.com/office/drawing/2014/main" xmlns="" id="{97BE47FE-FDA2-41C0-B9F1-A213ECF24298}"/>
+                  <a16:creationId xmlns="" xmlns:a16="http://schemas.microsoft.com/office/drawing/2014/main" id="{97BE47FE-FDA2-41C0-B9F1-A213ECF24298}"/>
                 </a:ext>
               </a:extLst>
             </p:cNvPr>
@@ -11836,7 +11836,7 @@
             </a:ln>
             <a:extLst>
               <a:ext uri="{91240B29-F687-4f45-9708-019B960494DF}">
-                <a14:hiddenLine xmlns="" xmlns:a14="http://schemas.microsoft.com/office/drawing/2010/main" w="9525">
+                <a14:hiddenLine xmlns:a14="http://schemas.microsoft.com/office/drawing/2010/main" xmlns="" w="9525">
                   <a:solidFill>
                     <a:srgbClr val="000000"/>
                   </a:solidFill>
@@ -11864,7 +11864,7 @@
             <p:cNvPr id="159" name="Oval 45">
               <a:extLst>
                 <a:ext uri="{FF2B5EF4-FFF2-40B4-BE49-F238E27FC236}">
-                  <a16:creationId xmlns:a16="http://schemas.microsoft.com/office/drawing/2014/main" xmlns="" id="{D5899F79-6CE3-4AD9-86BF-0B6DDC2A59A5}"/>
+                  <a16:creationId xmlns="" xmlns:a16="http://schemas.microsoft.com/office/drawing/2014/main" id="{D5899F79-6CE3-4AD9-86BF-0B6DDC2A59A5}"/>
                 </a:ext>
               </a:extLst>
             </p:cNvPr>
@@ -11889,7 +11889,7 @@
             </a:ln>
             <a:extLst>
               <a:ext uri="{91240B29-F687-4f45-9708-019B960494DF}">
-                <a14:hiddenLine xmlns="" xmlns:a14="http://schemas.microsoft.com/office/drawing/2010/main" w="9525">
+                <a14:hiddenLine xmlns:a14="http://schemas.microsoft.com/office/drawing/2010/main" xmlns="" w="9525">
                   <a:solidFill>
                     <a:srgbClr val="000000"/>
                   </a:solidFill>
@@ -11917,7 +11917,7 @@
             <p:cNvPr id="160" name="Oval 46">
               <a:extLst>
                 <a:ext uri="{FF2B5EF4-FFF2-40B4-BE49-F238E27FC236}">
-                  <a16:creationId xmlns:a16="http://schemas.microsoft.com/office/drawing/2014/main" xmlns="" id="{C22A3B75-2830-4AE9-AB66-C0582C36FE50}"/>
+                  <a16:creationId xmlns="" xmlns:a16="http://schemas.microsoft.com/office/drawing/2014/main" id="{C22A3B75-2830-4AE9-AB66-C0582C36FE50}"/>
                 </a:ext>
               </a:extLst>
             </p:cNvPr>
@@ -11942,7 +11942,7 @@
             </a:ln>
             <a:extLst>
               <a:ext uri="{91240B29-F687-4f45-9708-019B960494DF}">
-                <a14:hiddenLine xmlns="" xmlns:a14="http://schemas.microsoft.com/office/drawing/2010/main" w="9525">
+                <a14:hiddenLine xmlns:a14="http://schemas.microsoft.com/office/drawing/2010/main" xmlns="" w="9525">
                   <a:solidFill>
                     <a:srgbClr val="000000"/>
                   </a:solidFill>
@@ -11970,7 +11970,7 @@
             <p:cNvPr id="161" name="Freeform 47">
               <a:extLst>
                 <a:ext uri="{FF2B5EF4-FFF2-40B4-BE49-F238E27FC236}">
-                  <a16:creationId xmlns:a16="http://schemas.microsoft.com/office/drawing/2014/main" xmlns="" id="{EF8799BE-5C87-40F2-A886-5032A5E5B45B}"/>
+                  <a16:creationId xmlns="" xmlns:a16="http://schemas.microsoft.com/office/drawing/2014/main" id="{EF8799BE-5C87-40F2-A886-5032A5E5B45B}"/>
                 </a:ext>
               </a:extLst>
             </p:cNvPr>
@@ -12103,7 +12103,7 @@
             </a:ln>
             <a:extLst>
               <a:ext uri="{91240B29-F687-4f45-9708-019B960494DF}">
-                <a14:hiddenLine xmlns="" xmlns:a14="http://schemas.microsoft.com/office/drawing/2010/main" w="9525">
+                <a14:hiddenLine xmlns:a14="http://schemas.microsoft.com/office/drawing/2010/main" xmlns="" w="9525">
                   <a:solidFill>
                     <a:srgbClr val="000000"/>
                   </a:solidFill>
@@ -12131,7 +12131,7 @@
             <p:cNvPr id="162" name="Freeform 48">
               <a:extLst>
                 <a:ext uri="{FF2B5EF4-FFF2-40B4-BE49-F238E27FC236}">
-                  <a16:creationId xmlns:a16="http://schemas.microsoft.com/office/drawing/2014/main" xmlns="" id="{347F1E26-4D33-4A10-BE19-EF4B66B0866B}"/>
+                  <a16:creationId xmlns="" xmlns:a16="http://schemas.microsoft.com/office/drawing/2014/main" id="{347F1E26-4D33-4A10-BE19-EF4B66B0866B}"/>
                 </a:ext>
               </a:extLst>
             </p:cNvPr>
@@ -12231,7 +12231,7 @@
             </a:ln>
             <a:extLst>
               <a:ext uri="{91240B29-F687-4f45-9708-019B960494DF}">
-                <a14:hiddenLine xmlns="" xmlns:a14="http://schemas.microsoft.com/office/drawing/2010/main" w="9525">
+                <a14:hiddenLine xmlns:a14="http://schemas.microsoft.com/office/drawing/2010/main" xmlns="" w="9525">
                   <a:solidFill>
                     <a:srgbClr val="000000"/>
                   </a:solidFill>
@@ -12259,7 +12259,7 @@
             <p:cNvPr id="163" name="Freeform 49">
               <a:extLst>
                 <a:ext uri="{FF2B5EF4-FFF2-40B4-BE49-F238E27FC236}">
-                  <a16:creationId xmlns:a16="http://schemas.microsoft.com/office/drawing/2014/main" xmlns="" id="{D6D48CD1-E763-4A75-903E-9C091755C843}"/>
+                  <a16:creationId xmlns="" xmlns:a16="http://schemas.microsoft.com/office/drawing/2014/main" id="{D6D48CD1-E763-4A75-903E-9C091755C843}"/>
                 </a:ext>
               </a:extLst>
             </p:cNvPr>
@@ -12399,7 +12399,7 @@
             </a:ln>
             <a:extLst>
               <a:ext uri="{91240B29-F687-4f45-9708-019B960494DF}">
-                <a14:hiddenLine xmlns="" xmlns:a14="http://schemas.microsoft.com/office/drawing/2010/main" w="9525">
+                <a14:hiddenLine xmlns:a14="http://schemas.microsoft.com/office/drawing/2010/main" xmlns="" w="9525">
                   <a:solidFill>
                     <a:srgbClr val="000000"/>
                   </a:solidFill>
@@ -12427,7 +12427,7 @@
             <p:cNvPr id="164" name="Freeform 50">
               <a:extLst>
                 <a:ext uri="{FF2B5EF4-FFF2-40B4-BE49-F238E27FC236}">
-                  <a16:creationId xmlns:a16="http://schemas.microsoft.com/office/drawing/2014/main" xmlns="" id="{10EDCAE1-2F88-4E8A-9E87-5EA06CB1414E}"/>
+                  <a16:creationId xmlns="" xmlns:a16="http://schemas.microsoft.com/office/drawing/2014/main" id="{10EDCAE1-2F88-4E8A-9E87-5EA06CB1414E}"/>
                 </a:ext>
               </a:extLst>
             </p:cNvPr>
@@ -12495,7 +12495,7 @@
             </a:ln>
             <a:extLst>
               <a:ext uri="{91240B29-F687-4f45-9708-019B960494DF}">
-                <a14:hiddenLine xmlns="" xmlns:a14="http://schemas.microsoft.com/office/drawing/2010/main" w="9525">
+                <a14:hiddenLine xmlns:a14="http://schemas.microsoft.com/office/drawing/2010/main" xmlns="" w="9525">
                   <a:solidFill>
                     <a:srgbClr val="000000"/>
                   </a:solidFill>
@@ -12523,7 +12523,7 @@
             <p:cNvPr id="165" name="Freeform 51">
               <a:extLst>
                 <a:ext uri="{FF2B5EF4-FFF2-40B4-BE49-F238E27FC236}">
-                  <a16:creationId xmlns:a16="http://schemas.microsoft.com/office/drawing/2014/main" xmlns="" id="{B0318F65-29A9-4E99-A7B5-202839DB1F54}"/>
+                  <a16:creationId xmlns="" xmlns:a16="http://schemas.microsoft.com/office/drawing/2014/main" id="{B0318F65-29A9-4E99-A7B5-202839DB1F54}"/>
                 </a:ext>
               </a:extLst>
             </p:cNvPr>
@@ -12656,7 +12656,7 @@
             </a:ln>
             <a:extLst>
               <a:ext uri="{91240B29-F687-4f45-9708-019B960494DF}">
-                <a14:hiddenLine xmlns="" xmlns:a14="http://schemas.microsoft.com/office/drawing/2010/main" w="9525">
+                <a14:hiddenLine xmlns:a14="http://schemas.microsoft.com/office/drawing/2010/main" xmlns="" w="9525">
                   <a:solidFill>
                     <a:srgbClr val="000000"/>
                   </a:solidFill>
@@ -12684,7 +12684,7 @@
             <p:cNvPr id="166" name="Freeform 52">
               <a:extLst>
                 <a:ext uri="{FF2B5EF4-FFF2-40B4-BE49-F238E27FC236}">
-                  <a16:creationId xmlns:a16="http://schemas.microsoft.com/office/drawing/2014/main" xmlns="" id="{6B27258F-A3C7-41C7-8167-AAAF9E125D79}"/>
+                  <a16:creationId xmlns="" xmlns:a16="http://schemas.microsoft.com/office/drawing/2014/main" id="{6B27258F-A3C7-41C7-8167-AAAF9E125D79}"/>
                 </a:ext>
               </a:extLst>
             </p:cNvPr>
@@ -12817,7 +12817,7 @@
             </a:ln>
             <a:extLst>
               <a:ext uri="{91240B29-F687-4f45-9708-019B960494DF}">
-                <a14:hiddenLine xmlns="" xmlns:a14="http://schemas.microsoft.com/office/drawing/2010/main" w="9525">
+                <a14:hiddenLine xmlns:a14="http://schemas.microsoft.com/office/drawing/2010/main" xmlns="" w="9525">
                   <a:solidFill>
                     <a:srgbClr val="000000"/>
                   </a:solidFill>
@@ -12845,7 +12845,7 @@
             <p:cNvPr id="167" name="Oval 53">
               <a:extLst>
                 <a:ext uri="{FF2B5EF4-FFF2-40B4-BE49-F238E27FC236}">
-                  <a16:creationId xmlns:a16="http://schemas.microsoft.com/office/drawing/2014/main" xmlns="" id="{1FA0DF60-A1CC-498E-98F2-A4F6D304E079}"/>
+                  <a16:creationId xmlns="" xmlns:a16="http://schemas.microsoft.com/office/drawing/2014/main" id="{1FA0DF60-A1CC-498E-98F2-A4F6D304E079}"/>
                 </a:ext>
               </a:extLst>
             </p:cNvPr>
@@ -12870,7 +12870,7 @@
             </a:ln>
             <a:extLst>
               <a:ext uri="{91240B29-F687-4f45-9708-019B960494DF}">
-                <a14:hiddenLine xmlns="" xmlns:a14="http://schemas.microsoft.com/office/drawing/2010/main" w="9525">
+                <a14:hiddenLine xmlns:a14="http://schemas.microsoft.com/office/drawing/2010/main" xmlns="" w="9525">
                   <a:solidFill>
                     <a:srgbClr val="000000"/>
                   </a:solidFill>
@@ -12898,7 +12898,7 @@
             <p:cNvPr id="168" name="Freeform 59">
               <a:extLst>
                 <a:ext uri="{FF2B5EF4-FFF2-40B4-BE49-F238E27FC236}">
-                  <a16:creationId xmlns:a16="http://schemas.microsoft.com/office/drawing/2014/main" xmlns="" id="{37CCC26D-B56E-4372-85DE-4EDE87536347}"/>
+                  <a16:creationId xmlns="" xmlns:a16="http://schemas.microsoft.com/office/drawing/2014/main" id="{37CCC26D-B56E-4372-85DE-4EDE87536347}"/>
                 </a:ext>
               </a:extLst>
             </p:cNvPr>
@@ -12966,7 +12966,7 @@
             </a:ln>
             <a:extLst>
               <a:ext uri="{91240B29-F687-4f45-9708-019B960494DF}">
-                <a14:hiddenLine xmlns="" xmlns:a14="http://schemas.microsoft.com/office/drawing/2010/main" w="9525">
+                <a14:hiddenLine xmlns:a14="http://schemas.microsoft.com/office/drawing/2010/main" xmlns="" w="9525">
                   <a:solidFill>
                     <a:srgbClr val="000000"/>
                   </a:solidFill>
@@ -12994,7 +12994,7 @@
             <p:cNvPr id="170" name="Oval 36">
               <a:extLst>
                 <a:ext uri="{FF2B5EF4-FFF2-40B4-BE49-F238E27FC236}">
-                  <a16:creationId xmlns:a16="http://schemas.microsoft.com/office/drawing/2014/main" xmlns="" id="{B078A5C1-B480-412F-9782-8B910D78F004}"/>
+                  <a16:creationId xmlns="" xmlns:a16="http://schemas.microsoft.com/office/drawing/2014/main" id="{B078A5C1-B480-412F-9782-8B910D78F004}"/>
                 </a:ext>
               </a:extLst>
             </p:cNvPr>
@@ -13019,7 +13019,7 @@
             </a:ln>
             <a:extLst>
               <a:ext uri="{91240B29-F687-4f45-9708-019B960494DF}">
-                <a14:hiddenLine xmlns="" xmlns:a14="http://schemas.microsoft.com/office/drawing/2010/main" w="9525">
+                <a14:hiddenLine xmlns:a14="http://schemas.microsoft.com/office/drawing/2010/main" xmlns="" w="9525">
                   <a:solidFill>
                     <a:srgbClr val="000000"/>
                   </a:solidFill>
@@ -13047,7 +13047,7 @@
             <p:cNvPr id="171" name="Oval 37">
               <a:extLst>
                 <a:ext uri="{FF2B5EF4-FFF2-40B4-BE49-F238E27FC236}">
-                  <a16:creationId xmlns:a16="http://schemas.microsoft.com/office/drawing/2014/main" xmlns="" id="{05D72483-40FA-4A62-ABDE-31385CA04755}"/>
+                  <a16:creationId xmlns="" xmlns:a16="http://schemas.microsoft.com/office/drawing/2014/main" id="{05D72483-40FA-4A62-ABDE-31385CA04755}"/>
                 </a:ext>
               </a:extLst>
             </p:cNvPr>
@@ -13072,7 +13072,7 @@
             </a:ln>
             <a:extLst>
               <a:ext uri="{91240B29-F687-4f45-9708-019B960494DF}">
-                <a14:hiddenLine xmlns="" xmlns:a14="http://schemas.microsoft.com/office/drawing/2010/main" w="9525">
+                <a14:hiddenLine xmlns:a14="http://schemas.microsoft.com/office/drawing/2010/main" xmlns="" w="9525">
                   <a:solidFill>
                     <a:srgbClr val="000000"/>
                   </a:solidFill>
@@ -13100,7 +13100,7 @@
             <p:cNvPr id="172" name="Freeform 38">
               <a:extLst>
                 <a:ext uri="{FF2B5EF4-FFF2-40B4-BE49-F238E27FC236}">
-                  <a16:creationId xmlns:a16="http://schemas.microsoft.com/office/drawing/2014/main" xmlns="" id="{CBFBB7C8-E2B9-44C2-BF9D-07C57E716BB0}"/>
+                  <a16:creationId xmlns="" xmlns:a16="http://schemas.microsoft.com/office/drawing/2014/main" id="{CBFBB7C8-E2B9-44C2-BF9D-07C57E716BB0}"/>
                 </a:ext>
               </a:extLst>
             </p:cNvPr>
@@ -13233,7 +13233,7 @@
             </a:ln>
             <a:extLst>
               <a:ext uri="{91240B29-F687-4f45-9708-019B960494DF}">
-                <a14:hiddenLine xmlns="" xmlns:a14="http://schemas.microsoft.com/office/drawing/2010/main" w="9525">
+                <a14:hiddenLine xmlns:a14="http://schemas.microsoft.com/office/drawing/2010/main" xmlns="" w="9525">
                   <a:solidFill>
                     <a:srgbClr val="000000"/>
                   </a:solidFill>
@@ -13261,7 +13261,7 @@
             <p:cNvPr id="173" name="Freeform 39">
               <a:extLst>
                 <a:ext uri="{FF2B5EF4-FFF2-40B4-BE49-F238E27FC236}">
-                  <a16:creationId xmlns:a16="http://schemas.microsoft.com/office/drawing/2014/main" xmlns="" id="{D16F4513-1E27-47D2-9F97-04F24C3CBC7A}"/>
+                  <a16:creationId xmlns="" xmlns:a16="http://schemas.microsoft.com/office/drawing/2014/main" id="{D16F4513-1E27-47D2-9F97-04F24C3CBC7A}"/>
                 </a:ext>
               </a:extLst>
             </p:cNvPr>
@@ -13361,7 +13361,7 @@
             </a:ln>
             <a:extLst>
               <a:ext uri="{91240B29-F687-4f45-9708-019B960494DF}">
-                <a14:hiddenLine xmlns="" xmlns:a14="http://schemas.microsoft.com/office/drawing/2010/main" w="9525">
+                <a14:hiddenLine xmlns:a14="http://schemas.microsoft.com/office/drawing/2010/main" xmlns="" w="9525">
                   <a:solidFill>
                     <a:srgbClr val="000000"/>
                   </a:solidFill>
@@ -13389,7 +13389,7 @@
             <p:cNvPr id="174" name="Freeform 40">
               <a:extLst>
                 <a:ext uri="{FF2B5EF4-FFF2-40B4-BE49-F238E27FC236}">
-                  <a16:creationId xmlns:a16="http://schemas.microsoft.com/office/drawing/2014/main" xmlns="" id="{87D954E6-ED09-42C8-B3A6-03186E9823A4}"/>
+                  <a16:creationId xmlns="" xmlns:a16="http://schemas.microsoft.com/office/drawing/2014/main" id="{87D954E6-ED09-42C8-B3A6-03186E9823A4}"/>
                 </a:ext>
               </a:extLst>
             </p:cNvPr>
@@ -13529,7 +13529,7 @@
             </a:ln>
             <a:extLst>
               <a:ext uri="{91240B29-F687-4f45-9708-019B960494DF}">
-                <a14:hiddenLine xmlns="" xmlns:a14="http://schemas.microsoft.com/office/drawing/2010/main" w="9525">
+                <a14:hiddenLine xmlns:a14="http://schemas.microsoft.com/office/drawing/2010/main" xmlns="" w="9525">
                   <a:solidFill>
                     <a:srgbClr val="000000"/>
                   </a:solidFill>
@@ -13557,7 +13557,7 @@
             <p:cNvPr id="175" name="Freeform 42">
               <a:extLst>
                 <a:ext uri="{FF2B5EF4-FFF2-40B4-BE49-F238E27FC236}">
-                  <a16:creationId xmlns:a16="http://schemas.microsoft.com/office/drawing/2014/main" xmlns="" id="{B2156065-608F-4DC9-B507-678254D0DF9D}"/>
+                  <a16:creationId xmlns="" xmlns:a16="http://schemas.microsoft.com/office/drawing/2014/main" id="{B2156065-608F-4DC9-B507-678254D0DF9D}"/>
                 </a:ext>
               </a:extLst>
             </p:cNvPr>
@@ -13690,7 +13690,7 @@
             </a:ln>
             <a:extLst>
               <a:ext uri="{91240B29-F687-4f45-9708-019B960494DF}">
-                <a14:hiddenLine xmlns="" xmlns:a14="http://schemas.microsoft.com/office/drawing/2010/main" w="9525">
+                <a14:hiddenLine xmlns:a14="http://schemas.microsoft.com/office/drawing/2010/main" xmlns="" w="9525">
                   <a:solidFill>
                     <a:srgbClr val="000000"/>
                   </a:solidFill>
@@ -13718,7 +13718,7 @@
             <p:cNvPr id="176" name="Freeform 43">
               <a:extLst>
                 <a:ext uri="{FF2B5EF4-FFF2-40B4-BE49-F238E27FC236}">
-                  <a16:creationId xmlns:a16="http://schemas.microsoft.com/office/drawing/2014/main" xmlns="" id="{88231401-AE4E-420A-99EF-A48D1AB330DA}"/>
+                  <a16:creationId xmlns="" xmlns:a16="http://schemas.microsoft.com/office/drawing/2014/main" id="{88231401-AE4E-420A-99EF-A48D1AB330DA}"/>
                 </a:ext>
               </a:extLst>
             </p:cNvPr>
@@ -13851,7 +13851,7 @@
             </a:ln>
             <a:extLst>
               <a:ext uri="{91240B29-F687-4f45-9708-019B960494DF}">
-                <a14:hiddenLine xmlns="" xmlns:a14="http://schemas.microsoft.com/office/drawing/2010/main" w="9525">
+                <a14:hiddenLine xmlns:a14="http://schemas.microsoft.com/office/drawing/2010/main" xmlns="" w="9525">
                   <a:solidFill>
                     <a:srgbClr val="000000"/>
                   </a:solidFill>
@@ -13879,7 +13879,7 @@
             <p:cNvPr id="177" name="Oval 44">
               <a:extLst>
                 <a:ext uri="{FF2B5EF4-FFF2-40B4-BE49-F238E27FC236}">
-                  <a16:creationId xmlns:a16="http://schemas.microsoft.com/office/drawing/2014/main" xmlns="" id="{8395D515-511B-4D1B-ABB5-0C11B4D0D7BE}"/>
+                  <a16:creationId xmlns="" xmlns:a16="http://schemas.microsoft.com/office/drawing/2014/main" id="{8395D515-511B-4D1B-ABB5-0C11B4D0D7BE}"/>
                 </a:ext>
               </a:extLst>
             </p:cNvPr>
@@ -13904,7 +13904,7 @@
             </a:ln>
             <a:extLst>
               <a:ext uri="{91240B29-F687-4f45-9708-019B960494DF}">
-                <a14:hiddenLine xmlns="" xmlns:a14="http://schemas.microsoft.com/office/drawing/2010/main" w="9525">
+                <a14:hiddenLine xmlns:a14="http://schemas.microsoft.com/office/drawing/2010/main" xmlns="" w="9525">
                   <a:solidFill>
                     <a:srgbClr val="000000"/>
                   </a:solidFill>
@@ -13932,7 +13932,7 @@
             <p:cNvPr id="178" name="Oval 45">
               <a:extLst>
                 <a:ext uri="{FF2B5EF4-FFF2-40B4-BE49-F238E27FC236}">
-                  <a16:creationId xmlns:a16="http://schemas.microsoft.com/office/drawing/2014/main" xmlns="" id="{AEB0E138-77BE-41F9-A716-051BF43173D7}"/>
+                  <a16:creationId xmlns="" xmlns:a16="http://schemas.microsoft.com/office/drawing/2014/main" id="{AEB0E138-77BE-41F9-A716-051BF43173D7}"/>
                 </a:ext>
               </a:extLst>
             </p:cNvPr>
@@ -13957,7 +13957,7 @@
             </a:ln>
             <a:extLst>
               <a:ext uri="{91240B29-F687-4f45-9708-019B960494DF}">
-                <a14:hiddenLine xmlns="" xmlns:a14="http://schemas.microsoft.com/office/drawing/2010/main" w="9525">
+                <a14:hiddenLine xmlns:a14="http://schemas.microsoft.com/office/drawing/2010/main" xmlns="" w="9525">
                   <a:solidFill>
                     <a:srgbClr val="000000"/>
                   </a:solidFill>
@@ -13985,7 +13985,7 @@
             <p:cNvPr id="179" name="Oval 46">
               <a:extLst>
                 <a:ext uri="{FF2B5EF4-FFF2-40B4-BE49-F238E27FC236}">
-                  <a16:creationId xmlns:a16="http://schemas.microsoft.com/office/drawing/2014/main" xmlns="" id="{41927B00-105B-41D5-9928-D66D558BAC23}"/>
+                  <a16:creationId xmlns="" xmlns:a16="http://schemas.microsoft.com/office/drawing/2014/main" id="{41927B00-105B-41D5-9928-D66D558BAC23}"/>
                 </a:ext>
               </a:extLst>
             </p:cNvPr>
@@ -14010,7 +14010,7 @@
             </a:ln>
             <a:extLst>
               <a:ext uri="{91240B29-F687-4f45-9708-019B960494DF}">
-                <a14:hiddenLine xmlns="" xmlns:a14="http://schemas.microsoft.com/office/drawing/2010/main" w="9525">
+                <a14:hiddenLine xmlns:a14="http://schemas.microsoft.com/office/drawing/2010/main" xmlns="" w="9525">
                   <a:solidFill>
                     <a:srgbClr val="000000"/>
                   </a:solidFill>
@@ -14038,7 +14038,7 @@
             <p:cNvPr id="180" name="Freeform 47">
               <a:extLst>
                 <a:ext uri="{FF2B5EF4-FFF2-40B4-BE49-F238E27FC236}">
-                  <a16:creationId xmlns:a16="http://schemas.microsoft.com/office/drawing/2014/main" xmlns="" id="{D0EDE76C-EBDD-4BB8-BED4-77691286DC23}"/>
+                  <a16:creationId xmlns="" xmlns:a16="http://schemas.microsoft.com/office/drawing/2014/main" id="{D0EDE76C-EBDD-4BB8-BED4-77691286DC23}"/>
                 </a:ext>
               </a:extLst>
             </p:cNvPr>
@@ -14171,7 +14171,7 @@
             </a:ln>
             <a:extLst>
               <a:ext uri="{91240B29-F687-4f45-9708-019B960494DF}">
-                <a14:hiddenLine xmlns="" xmlns:a14="http://schemas.microsoft.com/office/drawing/2010/main" w="9525">
+                <a14:hiddenLine xmlns:a14="http://schemas.microsoft.com/office/drawing/2010/main" xmlns="" w="9525">
                   <a:solidFill>
                     <a:srgbClr val="000000"/>
                   </a:solidFill>
@@ -14199,7 +14199,7 @@
             <p:cNvPr id="181" name="Freeform 48">
               <a:extLst>
                 <a:ext uri="{FF2B5EF4-FFF2-40B4-BE49-F238E27FC236}">
-                  <a16:creationId xmlns:a16="http://schemas.microsoft.com/office/drawing/2014/main" xmlns="" id="{743B8296-6466-4F42-88E3-05BA9C8E45F5}"/>
+                  <a16:creationId xmlns="" xmlns:a16="http://schemas.microsoft.com/office/drawing/2014/main" id="{743B8296-6466-4F42-88E3-05BA9C8E45F5}"/>
                 </a:ext>
               </a:extLst>
             </p:cNvPr>
@@ -14299,7 +14299,7 @@
             </a:ln>
             <a:extLst>
               <a:ext uri="{91240B29-F687-4f45-9708-019B960494DF}">
-                <a14:hiddenLine xmlns="" xmlns:a14="http://schemas.microsoft.com/office/drawing/2010/main" w="9525">
+                <a14:hiddenLine xmlns:a14="http://schemas.microsoft.com/office/drawing/2010/main" xmlns="" w="9525">
                   <a:solidFill>
                     <a:srgbClr val="000000"/>
                   </a:solidFill>
@@ -14327,7 +14327,7 @@
             <p:cNvPr id="182" name="Freeform 49">
               <a:extLst>
                 <a:ext uri="{FF2B5EF4-FFF2-40B4-BE49-F238E27FC236}">
-                  <a16:creationId xmlns:a16="http://schemas.microsoft.com/office/drawing/2014/main" xmlns="" id="{0D804D19-6C23-4C6C-9394-9EE831A535CF}"/>
+                  <a16:creationId xmlns="" xmlns:a16="http://schemas.microsoft.com/office/drawing/2014/main" id="{0D804D19-6C23-4C6C-9394-9EE831A535CF}"/>
                 </a:ext>
               </a:extLst>
             </p:cNvPr>
@@ -14467,7 +14467,7 @@
             </a:ln>
             <a:extLst>
               <a:ext uri="{91240B29-F687-4f45-9708-019B960494DF}">
-                <a14:hiddenLine xmlns="" xmlns:a14="http://schemas.microsoft.com/office/drawing/2010/main" w="9525">
+                <a14:hiddenLine xmlns:a14="http://schemas.microsoft.com/office/drawing/2010/main" xmlns="" w="9525">
                   <a:solidFill>
                     <a:srgbClr val="000000"/>
                   </a:solidFill>
@@ -14495,7 +14495,7 @@
             <p:cNvPr id="183" name="Freeform 50">
               <a:extLst>
                 <a:ext uri="{FF2B5EF4-FFF2-40B4-BE49-F238E27FC236}">
-                  <a16:creationId xmlns:a16="http://schemas.microsoft.com/office/drawing/2014/main" xmlns="" id="{395819C0-D9B7-4D44-AEEC-81DD100E1CC7}"/>
+                  <a16:creationId xmlns="" xmlns:a16="http://schemas.microsoft.com/office/drawing/2014/main" id="{395819C0-D9B7-4D44-AEEC-81DD100E1CC7}"/>
                 </a:ext>
               </a:extLst>
             </p:cNvPr>
@@ -14563,7 +14563,7 @@
             </a:ln>
             <a:extLst>
               <a:ext uri="{91240B29-F687-4f45-9708-019B960494DF}">
-                <a14:hiddenLine xmlns="" xmlns:a14="http://schemas.microsoft.com/office/drawing/2010/main" w="9525">
+                <a14:hiddenLine xmlns:a14="http://schemas.microsoft.com/office/drawing/2010/main" xmlns="" w="9525">
                   <a:solidFill>
                     <a:srgbClr val="000000"/>
                   </a:solidFill>
@@ -14591,7 +14591,7 @@
             <p:cNvPr id="184" name="Freeform 51">
               <a:extLst>
                 <a:ext uri="{FF2B5EF4-FFF2-40B4-BE49-F238E27FC236}">
-                  <a16:creationId xmlns:a16="http://schemas.microsoft.com/office/drawing/2014/main" xmlns="" id="{AC6F935A-1039-4DB7-B33F-D8661270B868}"/>
+                  <a16:creationId xmlns="" xmlns:a16="http://schemas.microsoft.com/office/drawing/2014/main" id="{AC6F935A-1039-4DB7-B33F-D8661270B868}"/>
                 </a:ext>
               </a:extLst>
             </p:cNvPr>
@@ -14724,7 +14724,7 @@
             </a:ln>
             <a:extLst>
               <a:ext uri="{91240B29-F687-4f45-9708-019B960494DF}">
-                <a14:hiddenLine xmlns="" xmlns:a14="http://schemas.microsoft.com/office/drawing/2010/main" w="9525">
+                <a14:hiddenLine xmlns:a14="http://schemas.microsoft.com/office/drawing/2010/main" xmlns="" w="9525">
                   <a:solidFill>
                     <a:srgbClr val="000000"/>
                   </a:solidFill>
@@ -14752,7 +14752,7 @@
             <p:cNvPr id="185" name="Freeform 52">
               <a:extLst>
                 <a:ext uri="{FF2B5EF4-FFF2-40B4-BE49-F238E27FC236}">
-                  <a16:creationId xmlns:a16="http://schemas.microsoft.com/office/drawing/2014/main" xmlns="" id="{A30E2163-9BB2-4383-B18B-4522C68317D8}"/>
+                  <a16:creationId xmlns="" xmlns:a16="http://schemas.microsoft.com/office/drawing/2014/main" id="{A30E2163-9BB2-4383-B18B-4522C68317D8}"/>
                 </a:ext>
               </a:extLst>
             </p:cNvPr>
@@ -14885,7 +14885,7 @@
             </a:ln>
             <a:extLst>
               <a:ext uri="{91240B29-F687-4f45-9708-019B960494DF}">
-                <a14:hiddenLine xmlns="" xmlns:a14="http://schemas.microsoft.com/office/drawing/2010/main" w="9525">
+                <a14:hiddenLine xmlns:a14="http://schemas.microsoft.com/office/drawing/2010/main" xmlns="" w="9525">
                   <a:solidFill>
                     <a:srgbClr val="000000"/>
                   </a:solidFill>
@@ -14913,7 +14913,7 @@
             <p:cNvPr id="186" name="Oval 53">
               <a:extLst>
                 <a:ext uri="{FF2B5EF4-FFF2-40B4-BE49-F238E27FC236}">
-                  <a16:creationId xmlns:a16="http://schemas.microsoft.com/office/drawing/2014/main" xmlns="" id="{716D231B-E4B7-4CF9-BCDD-5DA9F2FAB478}"/>
+                  <a16:creationId xmlns="" xmlns:a16="http://schemas.microsoft.com/office/drawing/2014/main" id="{716D231B-E4B7-4CF9-BCDD-5DA9F2FAB478}"/>
                 </a:ext>
               </a:extLst>
             </p:cNvPr>
@@ -14938,7 +14938,7 @@
             </a:ln>
             <a:extLst>
               <a:ext uri="{91240B29-F687-4f45-9708-019B960494DF}">
-                <a14:hiddenLine xmlns="" xmlns:a14="http://schemas.microsoft.com/office/drawing/2010/main" w="9525">
+                <a14:hiddenLine xmlns:a14="http://schemas.microsoft.com/office/drawing/2010/main" xmlns="" w="9525">
                   <a:solidFill>
                     <a:srgbClr val="000000"/>
                   </a:solidFill>
@@ -14966,7 +14966,7 @@
             <p:cNvPr id="187" name="Freeform 59">
               <a:extLst>
                 <a:ext uri="{FF2B5EF4-FFF2-40B4-BE49-F238E27FC236}">
-                  <a16:creationId xmlns:a16="http://schemas.microsoft.com/office/drawing/2014/main" xmlns="" id="{BDCCD4DD-398C-4437-BCA6-E12528BB40A9}"/>
+                  <a16:creationId xmlns="" xmlns:a16="http://schemas.microsoft.com/office/drawing/2014/main" id="{BDCCD4DD-398C-4437-BCA6-E12528BB40A9}"/>
                 </a:ext>
               </a:extLst>
             </p:cNvPr>
@@ -15034,7 +15034,7 @@
             </a:ln>
             <a:extLst>
               <a:ext uri="{91240B29-F687-4f45-9708-019B960494DF}">
-                <a14:hiddenLine xmlns="" xmlns:a14="http://schemas.microsoft.com/office/drawing/2010/main" w="9525">
+                <a14:hiddenLine xmlns:a14="http://schemas.microsoft.com/office/drawing/2010/main" xmlns="" w="9525">
                   <a:solidFill>
                     <a:srgbClr val="000000"/>
                   </a:solidFill>
@@ -15062,7 +15062,7 @@
             <p:cNvPr id="188" name="Oval 36">
               <a:extLst>
                 <a:ext uri="{FF2B5EF4-FFF2-40B4-BE49-F238E27FC236}">
-                  <a16:creationId xmlns:a16="http://schemas.microsoft.com/office/drawing/2014/main" xmlns="" id="{63FF15A9-5075-4A8C-8DD6-567A66E5DDBA}"/>
+                  <a16:creationId xmlns="" xmlns:a16="http://schemas.microsoft.com/office/drawing/2014/main" id="{63FF15A9-5075-4A8C-8DD6-567A66E5DDBA}"/>
                 </a:ext>
               </a:extLst>
             </p:cNvPr>
@@ -15087,7 +15087,7 @@
             </a:ln>
             <a:extLst>
               <a:ext uri="{91240B29-F687-4f45-9708-019B960494DF}">
-                <a14:hiddenLine xmlns="" xmlns:a14="http://schemas.microsoft.com/office/drawing/2010/main" w="9525">
+                <a14:hiddenLine xmlns:a14="http://schemas.microsoft.com/office/drawing/2010/main" xmlns="" w="9525">
                   <a:solidFill>
                     <a:srgbClr val="000000"/>
                   </a:solidFill>
@@ -15115,7 +15115,7 @@
             <p:cNvPr id="189" name="Oval 37">
               <a:extLst>
                 <a:ext uri="{FF2B5EF4-FFF2-40B4-BE49-F238E27FC236}">
-                  <a16:creationId xmlns:a16="http://schemas.microsoft.com/office/drawing/2014/main" xmlns="" id="{09F155C3-BF25-4E95-8649-03AE21A20A39}"/>
+                  <a16:creationId xmlns="" xmlns:a16="http://schemas.microsoft.com/office/drawing/2014/main" id="{09F155C3-BF25-4E95-8649-03AE21A20A39}"/>
                 </a:ext>
               </a:extLst>
             </p:cNvPr>
@@ -15140,7 +15140,7 @@
             </a:ln>
             <a:extLst>
               <a:ext uri="{91240B29-F687-4f45-9708-019B960494DF}">
-                <a14:hiddenLine xmlns="" xmlns:a14="http://schemas.microsoft.com/office/drawing/2010/main" w="9525">
+                <a14:hiddenLine xmlns:a14="http://schemas.microsoft.com/office/drawing/2010/main" xmlns="" w="9525">
                   <a:solidFill>
                     <a:srgbClr val="000000"/>
                   </a:solidFill>
@@ -15168,7 +15168,7 @@
             <p:cNvPr id="190" name="Freeform 38">
               <a:extLst>
                 <a:ext uri="{FF2B5EF4-FFF2-40B4-BE49-F238E27FC236}">
-                  <a16:creationId xmlns:a16="http://schemas.microsoft.com/office/drawing/2014/main" xmlns="" id="{404C1D6E-E6AD-496C-946C-E43BC22F31AA}"/>
+                  <a16:creationId xmlns="" xmlns:a16="http://schemas.microsoft.com/office/drawing/2014/main" id="{404C1D6E-E6AD-496C-946C-E43BC22F31AA}"/>
                 </a:ext>
               </a:extLst>
             </p:cNvPr>
@@ -15301,7 +15301,7 @@
             </a:ln>
             <a:extLst>
               <a:ext uri="{91240B29-F687-4f45-9708-019B960494DF}">
-                <a14:hiddenLine xmlns="" xmlns:a14="http://schemas.microsoft.com/office/drawing/2010/main" w="9525">
+                <a14:hiddenLine xmlns:a14="http://schemas.microsoft.com/office/drawing/2010/main" xmlns="" w="9525">
                   <a:solidFill>
                     <a:srgbClr val="000000"/>
                   </a:solidFill>
@@ -15329,7 +15329,7 @@
             <p:cNvPr id="191" name="Freeform 39">
               <a:extLst>
                 <a:ext uri="{FF2B5EF4-FFF2-40B4-BE49-F238E27FC236}">
-                  <a16:creationId xmlns:a16="http://schemas.microsoft.com/office/drawing/2014/main" xmlns="" id="{D96FA199-22BD-460E-88A4-4B9C05A5ACD1}"/>
+                  <a16:creationId xmlns="" xmlns:a16="http://schemas.microsoft.com/office/drawing/2014/main" id="{D96FA199-22BD-460E-88A4-4B9C05A5ACD1}"/>
                 </a:ext>
               </a:extLst>
             </p:cNvPr>
@@ -15429,7 +15429,7 @@
             </a:ln>
             <a:extLst>
               <a:ext uri="{91240B29-F687-4f45-9708-019B960494DF}">
-                <a14:hiddenLine xmlns="" xmlns:a14="http://schemas.microsoft.com/office/drawing/2010/main" w="9525">
+                <a14:hiddenLine xmlns:a14="http://schemas.microsoft.com/office/drawing/2010/main" xmlns="" w="9525">
                   <a:solidFill>
                     <a:srgbClr val="000000"/>
                   </a:solidFill>
@@ -15457,7 +15457,7 @@
             <p:cNvPr id="192" name="Freeform 40">
               <a:extLst>
                 <a:ext uri="{FF2B5EF4-FFF2-40B4-BE49-F238E27FC236}">
-                  <a16:creationId xmlns:a16="http://schemas.microsoft.com/office/drawing/2014/main" xmlns="" id="{844A6B82-B300-49B7-B250-0236BFCF981B}"/>
+                  <a16:creationId xmlns="" xmlns:a16="http://schemas.microsoft.com/office/drawing/2014/main" id="{844A6B82-B300-49B7-B250-0236BFCF981B}"/>
                 </a:ext>
               </a:extLst>
             </p:cNvPr>
@@ -15597,7 +15597,7 @@
             </a:ln>
             <a:extLst>
               <a:ext uri="{91240B29-F687-4f45-9708-019B960494DF}">
-                <a14:hiddenLine xmlns="" xmlns:a14="http://schemas.microsoft.com/office/drawing/2010/main" w="9525">
+                <a14:hiddenLine xmlns:a14="http://schemas.microsoft.com/office/drawing/2010/main" xmlns="" w="9525">
                   <a:solidFill>
                     <a:srgbClr val="000000"/>
                   </a:solidFill>
@@ -15625,7 +15625,7 @@
             <p:cNvPr id="193" name="Freeform 42">
               <a:extLst>
                 <a:ext uri="{FF2B5EF4-FFF2-40B4-BE49-F238E27FC236}">
-                  <a16:creationId xmlns:a16="http://schemas.microsoft.com/office/drawing/2014/main" xmlns="" id="{CEE89A0C-B8C6-42C0-B898-1403359C7AC5}"/>
+                  <a16:creationId xmlns="" xmlns:a16="http://schemas.microsoft.com/office/drawing/2014/main" id="{CEE89A0C-B8C6-42C0-B898-1403359C7AC5}"/>
                 </a:ext>
               </a:extLst>
             </p:cNvPr>
@@ -15758,7 +15758,7 @@
             </a:ln>
             <a:extLst>
               <a:ext uri="{91240B29-F687-4f45-9708-019B960494DF}">
-                <a14:hiddenLine xmlns="" xmlns:a14="http://schemas.microsoft.com/office/drawing/2010/main" w="9525">
+                <a14:hiddenLine xmlns:a14="http://schemas.microsoft.com/office/drawing/2010/main" xmlns="" w="9525">
                   <a:solidFill>
                     <a:srgbClr val="000000"/>
                   </a:solidFill>
@@ -15786,7 +15786,7 @@
             <p:cNvPr id="194" name="Freeform 43">
               <a:extLst>
                 <a:ext uri="{FF2B5EF4-FFF2-40B4-BE49-F238E27FC236}">
-                  <a16:creationId xmlns:a16="http://schemas.microsoft.com/office/drawing/2014/main" xmlns="" id="{D50697B4-EA21-45BF-A9D5-CCD3AD34D478}"/>
+                  <a16:creationId xmlns="" xmlns:a16="http://schemas.microsoft.com/office/drawing/2014/main" id="{D50697B4-EA21-45BF-A9D5-CCD3AD34D478}"/>
                 </a:ext>
               </a:extLst>
             </p:cNvPr>
@@ -15919,7 +15919,7 @@
             </a:ln>
             <a:extLst>
               <a:ext uri="{91240B29-F687-4f45-9708-019B960494DF}">
-                <a14:hiddenLine xmlns="" xmlns:a14="http://schemas.microsoft.com/office/drawing/2010/main" w="9525">
+                <a14:hiddenLine xmlns:a14="http://schemas.microsoft.com/office/drawing/2010/main" xmlns="" w="9525">
                   <a:solidFill>
                     <a:srgbClr val="000000"/>
                   </a:solidFill>
@@ -15947,7 +15947,7 @@
             <p:cNvPr id="195" name="Oval 44">
               <a:extLst>
                 <a:ext uri="{FF2B5EF4-FFF2-40B4-BE49-F238E27FC236}">
-                  <a16:creationId xmlns:a16="http://schemas.microsoft.com/office/drawing/2014/main" xmlns="" id="{079319F3-BCC2-419B-B772-C685DAEE180E}"/>
+                  <a16:creationId xmlns="" xmlns:a16="http://schemas.microsoft.com/office/drawing/2014/main" id="{079319F3-BCC2-419B-B772-C685DAEE180E}"/>
                 </a:ext>
               </a:extLst>
             </p:cNvPr>
@@ -15972,7 +15972,7 @@
             </a:ln>
             <a:extLst>
               <a:ext uri="{91240B29-F687-4f45-9708-019B960494DF}">
-                <a14:hiddenLine xmlns="" xmlns:a14="http://schemas.microsoft.com/office/drawing/2010/main" w="9525">
+                <a14:hiddenLine xmlns:a14="http://schemas.microsoft.com/office/drawing/2010/main" xmlns="" w="9525">
                   <a:solidFill>
                     <a:srgbClr val="000000"/>
                   </a:solidFill>
@@ -16000,7 +16000,7 @@
             <p:cNvPr id="196" name="Oval 45">
               <a:extLst>
                 <a:ext uri="{FF2B5EF4-FFF2-40B4-BE49-F238E27FC236}">
-                  <a16:creationId xmlns:a16="http://schemas.microsoft.com/office/drawing/2014/main" xmlns="" id="{1BD2452C-4691-4003-B0F3-27E461DEF059}"/>
+                  <a16:creationId xmlns="" xmlns:a16="http://schemas.microsoft.com/office/drawing/2014/main" id="{1BD2452C-4691-4003-B0F3-27E461DEF059}"/>
                 </a:ext>
               </a:extLst>
             </p:cNvPr>
@@ -16025,7 +16025,7 @@
             </a:ln>
             <a:extLst>
               <a:ext uri="{91240B29-F687-4f45-9708-019B960494DF}">
-                <a14:hiddenLine xmlns="" xmlns:a14="http://schemas.microsoft.com/office/drawing/2010/main" w="9525">
+                <a14:hiddenLine xmlns:a14="http://schemas.microsoft.com/office/drawing/2010/main" xmlns="" w="9525">
                   <a:solidFill>
                     <a:srgbClr val="000000"/>
                   </a:solidFill>
@@ -16053,7 +16053,7 @@
             <p:cNvPr id="197" name="Oval 46">
               <a:extLst>
                 <a:ext uri="{FF2B5EF4-FFF2-40B4-BE49-F238E27FC236}">
-                  <a16:creationId xmlns:a16="http://schemas.microsoft.com/office/drawing/2014/main" xmlns="" id="{199C4794-7424-4B1F-9B2D-9170ABC9D421}"/>
+                  <a16:creationId xmlns="" xmlns:a16="http://schemas.microsoft.com/office/drawing/2014/main" id="{199C4794-7424-4B1F-9B2D-9170ABC9D421}"/>
                 </a:ext>
               </a:extLst>
             </p:cNvPr>
@@ -16078,7 +16078,7 @@
             </a:ln>
             <a:extLst>
               <a:ext uri="{91240B29-F687-4f45-9708-019B960494DF}">
-                <a14:hiddenLine xmlns="" xmlns:a14="http://schemas.microsoft.com/office/drawing/2010/main" w="9525">
+                <a14:hiddenLine xmlns:a14="http://schemas.microsoft.com/office/drawing/2010/main" xmlns="" w="9525">
                   <a:solidFill>
                     <a:srgbClr val="000000"/>
                   </a:solidFill>
@@ -16106,7 +16106,7 @@
             <p:cNvPr id="198" name="Freeform 47">
               <a:extLst>
                 <a:ext uri="{FF2B5EF4-FFF2-40B4-BE49-F238E27FC236}">
-                  <a16:creationId xmlns:a16="http://schemas.microsoft.com/office/drawing/2014/main" xmlns="" id="{F208CBF4-4680-4C5B-A046-A76CEBF22B4B}"/>
+                  <a16:creationId xmlns="" xmlns:a16="http://schemas.microsoft.com/office/drawing/2014/main" id="{F208CBF4-4680-4C5B-A046-A76CEBF22B4B}"/>
                 </a:ext>
               </a:extLst>
             </p:cNvPr>
@@ -16239,7 +16239,7 @@
             </a:ln>
             <a:extLst>
               <a:ext uri="{91240B29-F687-4f45-9708-019B960494DF}">
-                <a14:hiddenLine xmlns="" xmlns:a14="http://schemas.microsoft.com/office/drawing/2010/main" w="9525">
+                <a14:hiddenLine xmlns:a14="http://schemas.microsoft.com/office/drawing/2010/main" xmlns="" w="9525">
                   <a:solidFill>
                     <a:srgbClr val="000000"/>
                   </a:solidFill>
@@ -16267,7 +16267,7 @@
             <p:cNvPr id="199" name="Freeform 48">
               <a:extLst>
                 <a:ext uri="{FF2B5EF4-FFF2-40B4-BE49-F238E27FC236}">
-                  <a16:creationId xmlns:a16="http://schemas.microsoft.com/office/drawing/2014/main" xmlns="" id="{97609986-4137-4430-B2B2-888EB66F744A}"/>
+                  <a16:creationId xmlns="" xmlns:a16="http://schemas.microsoft.com/office/drawing/2014/main" id="{97609986-4137-4430-B2B2-888EB66F744A}"/>
                 </a:ext>
               </a:extLst>
             </p:cNvPr>
@@ -16367,7 +16367,7 @@
             </a:ln>
             <a:extLst>
               <a:ext uri="{91240B29-F687-4f45-9708-019B960494DF}">
-                <a14:hiddenLine xmlns="" xmlns:a14="http://schemas.microsoft.com/office/drawing/2010/main" w="9525">
+                <a14:hiddenLine xmlns:a14="http://schemas.microsoft.com/office/drawing/2010/main" xmlns="" w="9525">
                   <a:solidFill>
                     <a:srgbClr val="000000"/>
                   </a:solidFill>
@@ -16395,7 +16395,7 @@
             <p:cNvPr id="200" name="Freeform 49">
               <a:extLst>
                 <a:ext uri="{FF2B5EF4-FFF2-40B4-BE49-F238E27FC236}">
-                  <a16:creationId xmlns:a16="http://schemas.microsoft.com/office/drawing/2014/main" xmlns="" id="{8C6C1A6B-8468-4290-AAEE-EC3C5121E072}"/>
+                  <a16:creationId xmlns="" xmlns:a16="http://schemas.microsoft.com/office/drawing/2014/main" id="{8C6C1A6B-8468-4290-AAEE-EC3C5121E072}"/>
                 </a:ext>
               </a:extLst>
             </p:cNvPr>
@@ -16535,7 +16535,7 @@
             </a:ln>
             <a:extLst>
               <a:ext uri="{91240B29-F687-4f45-9708-019B960494DF}">
-                <a14:hiddenLine xmlns="" xmlns:a14="http://schemas.microsoft.com/office/drawing/2010/main" w="9525">
+                <a14:hiddenLine xmlns:a14="http://schemas.microsoft.com/office/drawing/2010/main" xmlns="" w="9525">
                   <a:solidFill>
                     <a:srgbClr val="000000"/>
                   </a:solidFill>
@@ -16563,7 +16563,7 @@
             <p:cNvPr id="201" name="Freeform 50">
               <a:extLst>
                 <a:ext uri="{FF2B5EF4-FFF2-40B4-BE49-F238E27FC236}">
-                  <a16:creationId xmlns:a16="http://schemas.microsoft.com/office/drawing/2014/main" xmlns="" id="{ADEAC44A-0FE3-4043-B530-F00B1A8C71B2}"/>
+                  <a16:creationId xmlns="" xmlns:a16="http://schemas.microsoft.com/office/drawing/2014/main" id="{ADEAC44A-0FE3-4043-B530-F00B1A8C71B2}"/>
                 </a:ext>
               </a:extLst>
             </p:cNvPr>
@@ -16631,7 +16631,7 @@
             </a:ln>
             <a:extLst>
               <a:ext uri="{91240B29-F687-4f45-9708-019B960494DF}">
-                <a14:hiddenLine xmlns="" xmlns:a14="http://schemas.microsoft.com/office/drawing/2010/main" w="9525">
+                <a14:hiddenLine xmlns:a14="http://schemas.microsoft.com/office/drawing/2010/main" xmlns="" w="9525">
                   <a:solidFill>
                     <a:srgbClr val="000000"/>
                   </a:solidFill>
@@ -16659,7 +16659,7 @@
             <p:cNvPr id="202" name="Freeform 51">
               <a:extLst>
                 <a:ext uri="{FF2B5EF4-FFF2-40B4-BE49-F238E27FC236}">
-                  <a16:creationId xmlns:a16="http://schemas.microsoft.com/office/drawing/2014/main" xmlns="" id="{FCBEA582-1B40-4B87-95C8-A5B8EF1BA1B1}"/>
+                  <a16:creationId xmlns="" xmlns:a16="http://schemas.microsoft.com/office/drawing/2014/main" id="{FCBEA582-1B40-4B87-95C8-A5B8EF1BA1B1}"/>
                 </a:ext>
               </a:extLst>
             </p:cNvPr>
@@ -16792,7 +16792,7 @@
             </a:ln>
             <a:extLst>
               <a:ext uri="{91240B29-F687-4f45-9708-019B960494DF}">
-                <a14:hiddenLine xmlns="" xmlns:a14="http://schemas.microsoft.com/office/drawing/2010/main" w="9525">
+                <a14:hiddenLine xmlns:a14="http://schemas.microsoft.com/office/drawing/2010/main" xmlns="" w="9525">
                   <a:solidFill>
                     <a:srgbClr val="000000"/>
                   </a:solidFill>
@@ -16820,7 +16820,7 @@
             <p:cNvPr id="203" name="Freeform 52">
               <a:extLst>
                 <a:ext uri="{FF2B5EF4-FFF2-40B4-BE49-F238E27FC236}">
-                  <a16:creationId xmlns:a16="http://schemas.microsoft.com/office/drawing/2014/main" xmlns="" id="{F602AB16-51DA-4DA9-BE00-E9DF0101B8E5}"/>
+                  <a16:creationId xmlns="" xmlns:a16="http://schemas.microsoft.com/office/drawing/2014/main" id="{F602AB16-51DA-4DA9-BE00-E9DF0101B8E5}"/>
                 </a:ext>
               </a:extLst>
             </p:cNvPr>
@@ -16953,7 +16953,7 @@
             </a:ln>
             <a:extLst>
               <a:ext uri="{91240B29-F687-4f45-9708-019B960494DF}">
-                <a14:hiddenLine xmlns="" xmlns:a14="http://schemas.microsoft.com/office/drawing/2010/main" w="9525">
+                <a14:hiddenLine xmlns:a14="http://schemas.microsoft.com/office/drawing/2010/main" xmlns="" w="9525">
                   <a:solidFill>
                     <a:srgbClr val="000000"/>
                   </a:solidFill>
@@ -16981,7 +16981,7 @@
             <p:cNvPr id="204" name="Oval 53">
               <a:extLst>
                 <a:ext uri="{FF2B5EF4-FFF2-40B4-BE49-F238E27FC236}">
-                  <a16:creationId xmlns:a16="http://schemas.microsoft.com/office/drawing/2014/main" xmlns="" id="{DFD0819C-8EAF-4CD7-834D-28C382F1B648}"/>
+                  <a16:creationId xmlns="" xmlns:a16="http://schemas.microsoft.com/office/drawing/2014/main" id="{DFD0819C-8EAF-4CD7-834D-28C382F1B648}"/>
                 </a:ext>
               </a:extLst>
             </p:cNvPr>
@@ -17006,7 +17006,7 @@
             </a:ln>
             <a:extLst>
               <a:ext uri="{91240B29-F687-4f45-9708-019B960494DF}">
-                <a14:hiddenLine xmlns="" xmlns:a14="http://schemas.microsoft.com/office/drawing/2010/main" w="9525">
+                <a14:hiddenLine xmlns:a14="http://schemas.microsoft.com/office/drawing/2010/main" xmlns="" w="9525">
                   <a:solidFill>
                     <a:srgbClr val="000000"/>
                   </a:solidFill>
@@ -17034,7 +17034,7 @@
             <p:cNvPr id="205" name="Freeform 59">
               <a:extLst>
                 <a:ext uri="{FF2B5EF4-FFF2-40B4-BE49-F238E27FC236}">
-                  <a16:creationId xmlns:a16="http://schemas.microsoft.com/office/drawing/2014/main" xmlns="" id="{1677F1E8-46E9-49C0-B3B8-69228949904F}"/>
+                  <a16:creationId xmlns="" xmlns:a16="http://schemas.microsoft.com/office/drawing/2014/main" id="{1677F1E8-46E9-49C0-B3B8-69228949904F}"/>
                 </a:ext>
               </a:extLst>
             </p:cNvPr>
@@ -17102,7 +17102,7 @@
             </a:ln>
             <a:extLst>
               <a:ext uri="{91240B29-F687-4f45-9708-019B960494DF}">
-                <a14:hiddenLine xmlns="" xmlns:a14="http://schemas.microsoft.com/office/drawing/2010/main" w="9525">
+                <a14:hiddenLine xmlns:a14="http://schemas.microsoft.com/office/drawing/2010/main" xmlns="" w="9525">
                   <a:solidFill>
                     <a:srgbClr val="000000"/>
                   </a:solidFill>
@@ -18012,7 +18012,7 @@
             </a:ln>
             <a:extLst>
               <a:ext uri="{91240B29-F687-4f45-9708-019B960494DF}">
-                <a14:hiddenLine xmlns="" xmlns:a14="http://schemas.microsoft.com/office/drawing/2010/main" w="9525">
+                <a14:hiddenLine xmlns:a14="http://schemas.microsoft.com/office/drawing/2010/main" xmlns="" w="9525">
                   <a:solidFill>
                     <a:srgbClr val="000000"/>
                   </a:solidFill>
@@ -18061,7 +18061,7 @@
             </a:ln>
             <a:extLst>
               <a:ext uri="{91240B29-F687-4f45-9708-019B960494DF}">
-                <a14:hiddenLine xmlns="" xmlns:a14="http://schemas.microsoft.com/office/drawing/2010/main" w="9525">
+                <a14:hiddenLine xmlns:a14="http://schemas.microsoft.com/office/drawing/2010/main" xmlns="" w="9525">
                   <a:solidFill>
                     <a:srgbClr val="000000"/>
                   </a:solidFill>
@@ -18218,7 +18218,7 @@
             </a:ln>
             <a:extLst>
               <a:ext uri="{91240B29-F687-4f45-9708-019B960494DF}">
-                <a14:hiddenLine xmlns="" xmlns:a14="http://schemas.microsoft.com/office/drawing/2010/main" w="9525">
+                <a14:hiddenLine xmlns:a14="http://schemas.microsoft.com/office/drawing/2010/main" xmlns="" w="9525">
                   <a:solidFill>
                     <a:srgbClr val="000000"/>
                   </a:solidFill>
@@ -18342,7 +18342,7 @@
             </a:ln>
             <a:extLst>
               <a:ext uri="{91240B29-F687-4f45-9708-019B960494DF}">
-                <a14:hiddenLine xmlns="" xmlns:a14="http://schemas.microsoft.com/office/drawing/2010/main" w="9525">
+                <a14:hiddenLine xmlns:a14="http://schemas.microsoft.com/office/drawing/2010/main" xmlns="" w="9525">
                   <a:solidFill>
                     <a:srgbClr val="000000"/>
                   </a:solidFill>
@@ -18506,7 +18506,7 @@
             </a:ln>
             <a:extLst>
               <a:ext uri="{91240B29-F687-4f45-9708-019B960494DF}">
-                <a14:hiddenLine xmlns="" xmlns:a14="http://schemas.microsoft.com/office/drawing/2010/main" w="9525">
+                <a14:hiddenLine xmlns:a14="http://schemas.microsoft.com/office/drawing/2010/main" xmlns="" w="9525">
                   <a:solidFill>
                     <a:srgbClr val="000000"/>
                   </a:solidFill>
@@ -18663,7 +18663,7 @@
             </a:ln>
             <a:extLst>
               <a:ext uri="{91240B29-F687-4f45-9708-019B960494DF}">
-                <a14:hiddenLine xmlns="" xmlns:a14="http://schemas.microsoft.com/office/drawing/2010/main" w="9525">
+                <a14:hiddenLine xmlns:a14="http://schemas.microsoft.com/office/drawing/2010/main" xmlns="" w="9525">
                   <a:solidFill>
                     <a:srgbClr val="000000"/>
                   </a:solidFill>
@@ -18820,7 +18820,7 @@
             </a:ln>
             <a:extLst>
               <a:ext uri="{91240B29-F687-4f45-9708-019B960494DF}">
-                <a14:hiddenLine xmlns="" xmlns:a14="http://schemas.microsoft.com/office/drawing/2010/main" w="9525">
+                <a14:hiddenLine xmlns:a14="http://schemas.microsoft.com/office/drawing/2010/main" xmlns="" w="9525">
                   <a:solidFill>
                     <a:srgbClr val="000000"/>
                   </a:solidFill>
@@ -18869,7 +18869,7 @@
             </a:ln>
             <a:extLst>
               <a:ext uri="{91240B29-F687-4f45-9708-019B960494DF}">
-                <a14:hiddenLine xmlns="" xmlns:a14="http://schemas.microsoft.com/office/drawing/2010/main" w="9525">
+                <a14:hiddenLine xmlns:a14="http://schemas.microsoft.com/office/drawing/2010/main" xmlns="" w="9525">
                   <a:solidFill>
                     <a:srgbClr val="000000"/>
                   </a:solidFill>
@@ -18918,7 +18918,7 @@
             </a:ln>
             <a:extLst>
               <a:ext uri="{91240B29-F687-4f45-9708-019B960494DF}">
-                <a14:hiddenLine xmlns="" xmlns:a14="http://schemas.microsoft.com/office/drawing/2010/main" w="9525">
+                <a14:hiddenLine xmlns:a14="http://schemas.microsoft.com/office/drawing/2010/main" xmlns="" w="9525">
                   <a:solidFill>
                     <a:srgbClr val="000000"/>
                   </a:solidFill>
@@ -18967,7 +18967,7 @@
             </a:ln>
             <a:extLst>
               <a:ext uri="{91240B29-F687-4f45-9708-019B960494DF}">
-                <a14:hiddenLine xmlns="" xmlns:a14="http://schemas.microsoft.com/office/drawing/2010/main" w="9525">
+                <a14:hiddenLine xmlns:a14="http://schemas.microsoft.com/office/drawing/2010/main" xmlns="" w="9525">
                   <a:solidFill>
                     <a:srgbClr val="000000"/>
                   </a:solidFill>
@@ -19124,7 +19124,7 @@
             </a:ln>
             <a:extLst>
               <a:ext uri="{91240B29-F687-4f45-9708-019B960494DF}">
-                <a14:hiddenLine xmlns="" xmlns:a14="http://schemas.microsoft.com/office/drawing/2010/main" w="9525">
+                <a14:hiddenLine xmlns:a14="http://schemas.microsoft.com/office/drawing/2010/main" xmlns="" w="9525">
                   <a:solidFill>
                     <a:srgbClr val="000000"/>
                   </a:solidFill>
@@ -19248,7 +19248,7 @@
             </a:ln>
             <a:extLst>
               <a:ext uri="{91240B29-F687-4f45-9708-019B960494DF}">
-                <a14:hiddenLine xmlns="" xmlns:a14="http://schemas.microsoft.com/office/drawing/2010/main" w="9525">
+                <a14:hiddenLine xmlns:a14="http://schemas.microsoft.com/office/drawing/2010/main" xmlns="" w="9525">
                   <a:solidFill>
                     <a:srgbClr val="000000"/>
                   </a:solidFill>
@@ -19412,7 +19412,7 @@
             </a:ln>
             <a:extLst>
               <a:ext uri="{91240B29-F687-4f45-9708-019B960494DF}">
-                <a14:hiddenLine xmlns="" xmlns:a14="http://schemas.microsoft.com/office/drawing/2010/main" w="9525">
+                <a14:hiddenLine xmlns:a14="http://schemas.microsoft.com/office/drawing/2010/main" xmlns="" w="9525">
                   <a:solidFill>
                     <a:srgbClr val="000000"/>
                   </a:solidFill>
@@ -19504,7 +19504,7 @@
             </a:ln>
             <a:extLst>
               <a:ext uri="{91240B29-F687-4f45-9708-019B960494DF}">
-                <a14:hiddenLine xmlns="" xmlns:a14="http://schemas.microsoft.com/office/drawing/2010/main" w="9525">
+                <a14:hiddenLine xmlns:a14="http://schemas.microsoft.com/office/drawing/2010/main" xmlns="" w="9525">
                   <a:solidFill>
                     <a:srgbClr val="000000"/>
                   </a:solidFill>
@@ -19661,7 +19661,7 @@
             </a:ln>
             <a:extLst>
               <a:ext uri="{91240B29-F687-4f45-9708-019B960494DF}">
-                <a14:hiddenLine xmlns="" xmlns:a14="http://schemas.microsoft.com/office/drawing/2010/main" w="9525">
+                <a14:hiddenLine xmlns:a14="http://schemas.microsoft.com/office/drawing/2010/main" xmlns="" w="9525">
                   <a:solidFill>
                     <a:srgbClr val="000000"/>
                   </a:solidFill>
@@ -19818,7 +19818,7 @@
             </a:ln>
             <a:extLst>
               <a:ext uri="{91240B29-F687-4f45-9708-019B960494DF}">
-                <a14:hiddenLine xmlns="" xmlns:a14="http://schemas.microsoft.com/office/drawing/2010/main" w="9525">
+                <a14:hiddenLine xmlns:a14="http://schemas.microsoft.com/office/drawing/2010/main" xmlns="" w="9525">
                   <a:solidFill>
                     <a:srgbClr val="000000"/>
                   </a:solidFill>
@@ -19867,7 +19867,7 @@
             </a:ln>
             <a:extLst>
               <a:ext uri="{91240B29-F687-4f45-9708-019B960494DF}">
-                <a14:hiddenLine xmlns="" xmlns:a14="http://schemas.microsoft.com/office/drawing/2010/main" w="9525">
+                <a14:hiddenLine xmlns:a14="http://schemas.microsoft.com/office/drawing/2010/main" xmlns="" w="9525">
                   <a:solidFill>
                     <a:srgbClr val="000000"/>
                   </a:solidFill>
@@ -19916,7 +19916,7 @@
             </a:ln>
             <a:extLst>
               <a:ext uri="{91240B29-F687-4f45-9708-019B960494DF}">
-                <a14:hiddenLine xmlns="" xmlns:a14="http://schemas.microsoft.com/office/drawing/2010/main" w="9525">
+                <a14:hiddenLine xmlns:a14="http://schemas.microsoft.com/office/drawing/2010/main" xmlns="" w="9525">
                   <a:solidFill>
                     <a:srgbClr val="000000"/>
                   </a:solidFill>
@@ -19965,7 +19965,7 @@
             </a:ln>
             <a:extLst>
               <a:ext uri="{91240B29-F687-4f45-9708-019B960494DF}">
-                <a14:hiddenLine xmlns="" xmlns:a14="http://schemas.microsoft.com/office/drawing/2010/main" w="9525">
+                <a14:hiddenLine xmlns:a14="http://schemas.microsoft.com/office/drawing/2010/main" xmlns="" w="9525">
                   <a:solidFill>
                     <a:srgbClr val="000000"/>
                   </a:solidFill>
@@ -20122,7 +20122,7 @@
             </a:ln>
             <a:extLst>
               <a:ext uri="{91240B29-F687-4f45-9708-019B960494DF}">
-                <a14:hiddenLine xmlns="" xmlns:a14="http://schemas.microsoft.com/office/drawing/2010/main" w="9525">
+                <a14:hiddenLine xmlns:a14="http://schemas.microsoft.com/office/drawing/2010/main" xmlns="" w="9525">
                   <a:solidFill>
                     <a:srgbClr val="000000"/>
                   </a:solidFill>
@@ -20246,7 +20246,7 @@
             </a:ln>
             <a:extLst>
               <a:ext uri="{91240B29-F687-4f45-9708-019B960494DF}">
-                <a14:hiddenLine xmlns="" xmlns:a14="http://schemas.microsoft.com/office/drawing/2010/main" w="9525">
+                <a14:hiddenLine xmlns:a14="http://schemas.microsoft.com/office/drawing/2010/main" xmlns="" w="9525">
                   <a:solidFill>
                     <a:srgbClr val="000000"/>
                   </a:solidFill>
@@ -20410,7 +20410,7 @@
             </a:ln>
             <a:extLst>
               <a:ext uri="{91240B29-F687-4f45-9708-019B960494DF}">
-                <a14:hiddenLine xmlns="" xmlns:a14="http://schemas.microsoft.com/office/drawing/2010/main" w="9525">
+                <a14:hiddenLine xmlns:a14="http://schemas.microsoft.com/office/drawing/2010/main" xmlns="" w="9525">
                   <a:solidFill>
                     <a:srgbClr val="000000"/>
                   </a:solidFill>
@@ -20502,7 +20502,7 @@
             </a:ln>
             <a:extLst>
               <a:ext uri="{91240B29-F687-4f45-9708-019B960494DF}">
-                <a14:hiddenLine xmlns="" xmlns:a14="http://schemas.microsoft.com/office/drawing/2010/main" w="9525">
+                <a14:hiddenLine xmlns:a14="http://schemas.microsoft.com/office/drawing/2010/main" xmlns="" w="9525">
                   <a:solidFill>
                     <a:srgbClr val="000000"/>
                   </a:solidFill>
@@ -20659,7 +20659,7 @@
             </a:ln>
             <a:extLst>
               <a:ext uri="{91240B29-F687-4f45-9708-019B960494DF}">
-                <a14:hiddenLine xmlns="" xmlns:a14="http://schemas.microsoft.com/office/drawing/2010/main" w="9525">
+                <a14:hiddenLine xmlns:a14="http://schemas.microsoft.com/office/drawing/2010/main" xmlns="" w="9525">
                   <a:solidFill>
                     <a:srgbClr val="000000"/>
                   </a:solidFill>
@@ -20816,7 +20816,7 @@
             </a:ln>
             <a:extLst>
               <a:ext uri="{91240B29-F687-4f45-9708-019B960494DF}">
-                <a14:hiddenLine xmlns="" xmlns:a14="http://schemas.microsoft.com/office/drawing/2010/main" w="9525">
+                <a14:hiddenLine xmlns:a14="http://schemas.microsoft.com/office/drawing/2010/main" xmlns="" w="9525">
                   <a:solidFill>
                     <a:srgbClr val="000000"/>
                   </a:solidFill>
@@ -20865,7 +20865,7 @@
             </a:ln>
             <a:extLst>
               <a:ext uri="{91240B29-F687-4f45-9708-019B960494DF}">
-                <a14:hiddenLine xmlns="" xmlns:a14="http://schemas.microsoft.com/office/drawing/2010/main" w="9525">
+                <a14:hiddenLine xmlns:a14="http://schemas.microsoft.com/office/drawing/2010/main" xmlns="" w="9525">
                   <a:solidFill>
                     <a:srgbClr val="000000"/>
                   </a:solidFill>
@@ -20914,7 +20914,7 @@
             </a:ln>
             <a:extLst>
               <a:ext uri="{91240B29-F687-4f45-9708-019B960494DF}">
-                <a14:hiddenLine xmlns="" xmlns:a14="http://schemas.microsoft.com/office/drawing/2010/main" w="9525">
+                <a14:hiddenLine xmlns:a14="http://schemas.microsoft.com/office/drawing/2010/main" xmlns="" w="9525">
                   <a:solidFill>
                     <a:srgbClr val="000000"/>
                   </a:solidFill>
@@ -20963,7 +20963,7 @@
             </a:ln>
             <a:extLst>
               <a:ext uri="{91240B29-F687-4f45-9708-019B960494DF}">
-                <a14:hiddenLine xmlns="" xmlns:a14="http://schemas.microsoft.com/office/drawing/2010/main" w="9525">
+                <a14:hiddenLine xmlns:a14="http://schemas.microsoft.com/office/drawing/2010/main" xmlns="" w="9525">
                   <a:solidFill>
                     <a:srgbClr val="000000"/>
                   </a:solidFill>
@@ -21120,7 +21120,7 @@
             </a:ln>
             <a:extLst>
               <a:ext uri="{91240B29-F687-4f45-9708-019B960494DF}">
-                <a14:hiddenLine xmlns="" xmlns:a14="http://schemas.microsoft.com/office/drawing/2010/main" w="9525">
+                <a14:hiddenLine xmlns:a14="http://schemas.microsoft.com/office/drawing/2010/main" xmlns="" w="9525">
                   <a:solidFill>
                     <a:srgbClr val="000000"/>
                   </a:solidFill>
@@ -21244,7 +21244,7 @@
             </a:ln>
             <a:extLst>
               <a:ext uri="{91240B29-F687-4f45-9708-019B960494DF}">
-                <a14:hiddenLine xmlns="" xmlns:a14="http://schemas.microsoft.com/office/drawing/2010/main" w="9525">
+                <a14:hiddenLine xmlns:a14="http://schemas.microsoft.com/office/drawing/2010/main" xmlns="" w="9525">
                   <a:solidFill>
                     <a:srgbClr val="000000"/>
                   </a:solidFill>
@@ -21408,7 +21408,7 @@
             </a:ln>
             <a:extLst>
               <a:ext uri="{91240B29-F687-4f45-9708-019B960494DF}">
-                <a14:hiddenLine xmlns="" xmlns:a14="http://schemas.microsoft.com/office/drawing/2010/main" w="9525">
+                <a14:hiddenLine xmlns:a14="http://schemas.microsoft.com/office/drawing/2010/main" xmlns="" w="9525">
                   <a:solidFill>
                     <a:srgbClr val="000000"/>
                   </a:solidFill>
@@ -21500,7 +21500,7 @@
             </a:ln>
             <a:extLst>
               <a:ext uri="{91240B29-F687-4f45-9708-019B960494DF}">
-                <a14:hiddenLine xmlns="" xmlns:a14="http://schemas.microsoft.com/office/drawing/2010/main" w="9525">
+                <a14:hiddenLine xmlns:a14="http://schemas.microsoft.com/office/drawing/2010/main" xmlns="" w="9525">
                   <a:solidFill>
                     <a:srgbClr val="000000"/>
                   </a:solidFill>
@@ -21657,7 +21657,7 @@
             </a:ln>
             <a:extLst>
               <a:ext uri="{91240B29-F687-4f45-9708-019B960494DF}">
-                <a14:hiddenLine xmlns="" xmlns:a14="http://schemas.microsoft.com/office/drawing/2010/main" w="9525">
+                <a14:hiddenLine xmlns:a14="http://schemas.microsoft.com/office/drawing/2010/main" xmlns="" w="9525">
                   <a:solidFill>
                     <a:srgbClr val="000000"/>
                   </a:solidFill>
@@ -21814,7 +21814,7 @@
             </a:ln>
             <a:extLst>
               <a:ext uri="{91240B29-F687-4f45-9708-019B960494DF}">
-                <a14:hiddenLine xmlns="" xmlns:a14="http://schemas.microsoft.com/office/drawing/2010/main" w="9525">
+                <a14:hiddenLine xmlns:a14="http://schemas.microsoft.com/office/drawing/2010/main" xmlns="" w="9525">
                   <a:solidFill>
                     <a:srgbClr val="000000"/>
                   </a:solidFill>
@@ -21863,7 +21863,7 @@
             </a:ln>
             <a:extLst>
               <a:ext uri="{91240B29-F687-4f45-9708-019B960494DF}">
-                <a14:hiddenLine xmlns="" xmlns:a14="http://schemas.microsoft.com/office/drawing/2010/main" w="9525">
+                <a14:hiddenLine xmlns:a14="http://schemas.microsoft.com/office/drawing/2010/main" xmlns="" w="9525">
                   <a:solidFill>
                     <a:srgbClr val="000000"/>
                   </a:solidFill>
@@ -21912,7 +21912,7 @@
             </a:ln>
             <a:extLst>
               <a:ext uri="{91240B29-F687-4f45-9708-019B960494DF}">
-                <a14:hiddenLine xmlns="" xmlns:a14="http://schemas.microsoft.com/office/drawing/2010/main" w="9525">
+                <a14:hiddenLine xmlns:a14="http://schemas.microsoft.com/office/drawing/2010/main" xmlns="" w="9525">
                   <a:solidFill>
                     <a:srgbClr val="000000"/>
                   </a:solidFill>
@@ -21961,7 +21961,7 @@
             </a:ln>
             <a:extLst>
               <a:ext uri="{91240B29-F687-4f45-9708-019B960494DF}">
-                <a14:hiddenLine xmlns="" xmlns:a14="http://schemas.microsoft.com/office/drawing/2010/main" w="9525">
+                <a14:hiddenLine xmlns:a14="http://schemas.microsoft.com/office/drawing/2010/main" xmlns="" w="9525">
                   <a:solidFill>
                     <a:srgbClr val="000000"/>
                   </a:solidFill>
@@ -22118,7 +22118,7 @@
             </a:ln>
             <a:extLst>
               <a:ext uri="{91240B29-F687-4f45-9708-019B960494DF}">
-                <a14:hiddenLine xmlns="" xmlns:a14="http://schemas.microsoft.com/office/drawing/2010/main" w="9525">
+                <a14:hiddenLine xmlns:a14="http://schemas.microsoft.com/office/drawing/2010/main" xmlns="" w="9525">
                   <a:solidFill>
                     <a:srgbClr val="000000"/>
                   </a:solidFill>
@@ -22242,7 +22242,7 @@
             </a:ln>
             <a:extLst>
               <a:ext uri="{91240B29-F687-4f45-9708-019B960494DF}">
-                <a14:hiddenLine xmlns="" xmlns:a14="http://schemas.microsoft.com/office/drawing/2010/main" w="9525">
+                <a14:hiddenLine xmlns:a14="http://schemas.microsoft.com/office/drawing/2010/main" xmlns="" w="9525">
                   <a:solidFill>
                     <a:srgbClr val="000000"/>
                   </a:solidFill>
@@ -22406,7 +22406,7 @@
             </a:ln>
             <a:extLst>
               <a:ext uri="{91240B29-F687-4f45-9708-019B960494DF}">
-                <a14:hiddenLine xmlns="" xmlns:a14="http://schemas.microsoft.com/office/drawing/2010/main" w="9525">
+                <a14:hiddenLine xmlns:a14="http://schemas.microsoft.com/office/drawing/2010/main" xmlns="" w="9525">
                   <a:solidFill>
                     <a:srgbClr val="000000"/>
                   </a:solidFill>
@@ -22498,7 +22498,7 @@
             </a:ln>
             <a:extLst>
               <a:ext uri="{91240B29-F687-4f45-9708-019B960494DF}">
-                <a14:hiddenLine xmlns="" xmlns:a14="http://schemas.microsoft.com/office/drawing/2010/main" w="9525">
+                <a14:hiddenLine xmlns:a14="http://schemas.microsoft.com/office/drawing/2010/main" xmlns="" w="9525">
                   <a:solidFill>
                     <a:srgbClr val="000000"/>
                   </a:solidFill>
@@ -22655,7 +22655,7 @@
             </a:ln>
             <a:extLst>
               <a:ext uri="{91240B29-F687-4f45-9708-019B960494DF}">
-                <a14:hiddenLine xmlns="" xmlns:a14="http://schemas.microsoft.com/office/drawing/2010/main" w="9525">
+                <a14:hiddenLine xmlns:a14="http://schemas.microsoft.com/office/drawing/2010/main" xmlns="" w="9525">
                   <a:solidFill>
                     <a:srgbClr val="000000"/>
                   </a:solidFill>
@@ -22812,7 +22812,7 @@
             </a:ln>
             <a:extLst>
               <a:ext uri="{91240B29-F687-4f45-9708-019B960494DF}">
-                <a14:hiddenLine xmlns="" xmlns:a14="http://schemas.microsoft.com/office/drawing/2010/main" w="9525">
+                <a14:hiddenLine xmlns:a14="http://schemas.microsoft.com/office/drawing/2010/main" xmlns="" w="9525">
                   <a:solidFill>
                     <a:srgbClr val="000000"/>
                   </a:solidFill>
@@ -22861,7 +22861,7 @@
             </a:ln>
             <a:extLst>
               <a:ext uri="{91240B29-F687-4f45-9708-019B960494DF}">
-                <a14:hiddenLine xmlns="" xmlns:a14="http://schemas.microsoft.com/office/drawing/2010/main" w="9525">
+                <a14:hiddenLine xmlns:a14="http://schemas.microsoft.com/office/drawing/2010/main" xmlns="" w="9525">
                   <a:solidFill>
                     <a:srgbClr val="000000"/>
                   </a:solidFill>
@@ -22910,7 +22910,7 @@
             </a:ln>
             <a:extLst>
               <a:ext uri="{91240B29-F687-4f45-9708-019B960494DF}">
-                <a14:hiddenLine xmlns="" xmlns:a14="http://schemas.microsoft.com/office/drawing/2010/main" w="9525">
+                <a14:hiddenLine xmlns:a14="http://schemas.microsoft.com/office/drawing/2010/main" xmlns="" w="9525">
                   <a:solidFill>
                     <a:srgbClr val="000000"/>
                   </a:solidFill>
@@ -22959,7 +22959,7 @@
             </a:ln>
             <a:extLst>
               <a:ext uri="{91240B29-F687-4f45-9708-019B960494DF}">
-                <a14:hiddenLine xmlns="" xmlns:a14="http://schemas.microsoft.com/office/drawing/2010/main" w="9525">
+                <a14:hiddenLine xmlns:a14="http://schemas.microsoft.com/office/drawing/2010/main" xmlns="" w="9525">
                   <a:solidFill>
                     <a:srgbClr val="000000"/>
                   </a:solidFill>
@@ -23116,7 +23116,7 @@
             </a:ln>
             <a:extLst>
               <a:ext uri="{91240B29-F687-4f45-9708-019B960494DF}">
-                <a14:hiddenLine xmlns="" xmlns:a14="http://schemas.microsoft.com/office/drawing/2010/main" w="9525">
+                <a14:hiddenLine xmlns:a14="http://schemas.microsoft.com/office/drawing/2010/main" xmlns="" w="9525">
                   <a:solidFill>
                     <a:srgbClr val="000000"/>
                   </a:solidFill>
@@ -23240,7 +23240,7 @@
             </a:ln>
             <a:extLst>
               <a:ext uri="{91240B29-F687-4f45-9708-019B960494DF}">
-                <a14:hiddenLine xmlns="" xmlns:a14="http://schemas.microsoft.com/office/drawing/2010/main" w="9525">
+                <a14:hiddenLine xmlns:a14="http://schemas.microsoft.com/office/drawing/2010/main" xmlns="" w="9525">
                   <a:solidFill>
                     <a:srgbClr val="000000"/>
                   </a:solidFill>
@@ -23404,7 +23404,7 @@
             </a:ln>
             <a:extLst>
               <a:ext uri="{91240B29-F687-4f45-9708-019B960494DF}">
-                <a14:hiddenLine xmlns="" xmlns:a14="http://schemas.microsoft.com/office/drawing/2010/main" w="9525">
+                <a14:hiddenLine xmlns:a14="http://schemas.microsoft.com/office/drawing/2010/main" xmlns="" w="9525">
                   <a:solidFill>
                     <a:srgbClr val="000000"/>
                   </a:solidFill>
@@ -23496,7 +23496,7 @@
             </a:ln>
             <a:extLst>
               <a:ext uri="{91240B29-F687-4f45-9708-019B960494DF}">
-                <a14:hiddenLine xmlns="" xmlns:a14="http://schemas.microsoft.com/office/drawing/2010/main" w="9525">
+                <a14:hiddenLine xmlns:a14="http://schemas.microsoft.com/office/drawing/2010/main" xmlns="" w="9525">
                   <a:solidFill>
                     <a:srgbClr val="000000"/>
                   </a:solidFill>
@@ -23653,7 +23653,7 @@
             </a:ln>
             <a:extLst>
               <a:ext uri="{91240B29-F687-4f45-9708-019B960494DF}">
-                <a14:hiddenLine xmlns="" xmlns:a14="http://schemas.microsoft.com/office/drawing/2010/main" w="9525">
+                <a14:hiddenLine xmlns:a14="http://schemas.microsoft.com/office/drawing/2010/main" xmlns="" w="9525">
                   <a:solidFill>
                     <a:srgbClr val="000000"/>
                   </a:solidFill>
@@ -23810,7 +23810,7 @@
             </a:ln>
             <a:extLst>
               <a:ext uri="{91240B29-F687-4f45-9708-019B960494DF}">
-                <a14:hiddenLine xmlns="" xmlns:a14="http://schemas.microsoft.com/office/drawing/2010/main" w="9525">
+                <a14:hiddenLine xmlns:a14="http://schemas.microsoft.com/office/drawing/2010/main" xmlns="" w="9525">
                   <a:solidFill>
                     <a:srgbClr val="000000"/>
                   </a:solidFill>
@@ -23859,7 +23859,7 @@
             </a:ln>
             <a:extLst>
               <a:ext uri="{91240B29-F687-4f45-9708-019B960494DF}">
-                <a14:hiddenLine xmlns="" xmlns:a14="http://schemas.microsoft.com/office/drawing/2010/main" w="9525">
+                <a14:hiddenLine xmlns:a14="http://schemas.microsoft.com/office/drawing/2010/main" xmlns="" w="9525">
                   <a:solidFill>
                     <a:srgbClr val="000000"/>
                   </a:solidFill>
@@ -23892,7 +23892,7 @@
           <p:cNvPr id="117" name="Espace réservé du pied de page 2">
             <a:extLst>
               <a:ext uri="{FF2B5EF4-FFF2-40B4-BE49-F238E27FC236}">
-                <a16:creationId xmlns:a16="http://schemas.microsoft.com/office/drawing/2014/main" xmlns="" id="{C19FB9A1-F92D-4F1C-A2DF-7EB1762C9976}"/>
+                <a16:creationId xmlns="" xmlns:a16="http://schemas.microsoft.com/office/drawing/2014/main" id="{C19FB9A1-F92D-4F1C-A2DF-7EB1762C9976}"/>
               </a:ext>
             </a:extLst>
           </p:cNvPr>
@@ -29179,7 +29179,7 @@
           <p:cNvPr id="14" name="Rectangle 13">
             <a:extLst>
               <a:ext uri="{FF2B5EF4-FFF2-40B4-BE49-F238E27FC236}">
-                <a16:creationId xmlns:a16="http://schemas.microsoft.com/office/drawing/2014/main" xmlns="" id="{C666C74C-1959-421E-9EC2-03B9A9385592}"/>
+                <a16:creationId xmlns="" xmlns:a16="http://schemas.microsoft.com/office/drawing/2014/main" id="{C666C74C-1959-421E-9EC2-03B9A9385592}"/>
               </a:ext>
             </a:extLst>
           </p:cNvPr>
@@ -29568,7 +29568,7 @@
           <p:cNvPr id="13" name="Rectangle 12">
             <a:extLst>
               <a:ext uri="{FF2B5EF4-FFF2-40B4-BE49-F238E27FC236}">
-                <a16:creationId xmlns:a16="http://schemas.microsoft.com/office/drawing/2014/main" xmlns="" id="{83C11809-576F-495E-A1F8-CA74A8AD904F}"/>
+                <a16:creationId xmlns="" xmlns:a16="http://schemas.microsoft.com/office/drawing/2014/main" id="{83C11809-576F-495E-A1F8-CA74A8AD904F}"/>
               </a:ext>
             </a:extLst>
           </p:cNvPr>
@@ -30029,7 +30029,7 @@
           <p:cNvPr id="14" name="Rectangle 13">
             <a:extLst>
               <a:ext uri="{FF2B5EF4-FFF2-40B4-BE49-F238E27FC236}">
-                <a16:creationId xmlns:a16="http://schemas.microsoft.com/office/drawing/2014/main" xmlns="" id="{9049269D-0BC6-4621-AFE9-2A9069445B0B}"/>
+                <a16:creationId xmlns="" xmlns:a16="http://schemas.microsoft.com/office/drawing/2014/main" id="{9049269D-0BC6-4621-AFE9-2A9069445B0B}"/>
               </a:ext>
             </a:extLst>
           </p:cNvPr>
@@ -30494,7 +30494,7 @@
           <p:cNvPr id="14" name="Rectangle 13">
             <a:extLst>
               <a:ext uri="{FF2B5EF4-FFF2-40B4-BE49-F238E27FC236}">
-                <a16:creationId xmlns:a16="http://schemas.microsoft.com/office/drawing/2014/main" xmlns="" id="{35ECD615-867E-4413-A19D-753A5010D783}"/>
+                <a16:creationId xmlns="" xmlns:a16="http://schemas.microsoft.com/office/drawing/2014/main" id="{35ECD615-867E-4413-A19D-753A5010D783}"/>
               </a:ext>
             </a:extLst>
           </p:cNvPr>
@@ -35562,131 +35562,81 @@
           <a:effectLst/>
         </p:spPr>
       </p:cxnSp>
-      <p:grpSp>
-        <p:nvGrpSpPr>
-          <p:cNvPr id="15" name="Grouper 14"/>
-          <p:cNvGrpSpPr/>
+      <p:sp>
+        <p:nvSpPr>
+          <p:cNvPr id="40" name="Rectangle 39"/>
+          <p:cNvSpPr/>
           <p:nvPr/>
-        </p:nvGrpSpPr>
-        <p:grpSpPr>
+        </p:nvSpPr>
+        <p:spPr>
           <a:xfrm>
             <a:off x="3393913" y="3048932"/>
             <a:ext cx="980203" cy="764612"/>
-            <a:chOff x="2399837" y="2779118"/>
-            <a:chExt cx="1880987" cy="1418100"/>
           </a:xfrm>
-        </p:grpSpPr>
-        <p:sp>
-          <p:nvSpPr>
-            <p:cNvPr id="40" name="Rectangle 39"/>
-            <p:cNvSpPr/>
-            <p:nvPr/>
-          </p:nvSpPr>
-          <p:spPr>
-            <a:xfrm>
-              <a:off x="2399837" y="2779118"/>
-              <a:ext cx="1880987" cy="1418100"/>
-            </a:xfrm>
-            <a:prstGeom prst="rect">
-              <a:avLst/>
-            </a:prstGeom>
-            <a:noFill/>
-            <a:ln w="38100">
-              <a:solidFill>
-                <a:srgbClr val="00AFCB"/>
-              </a:solidFill>
-            </a:ln>
-          </p:spPr>
-          <p:txBody>
-            <a:bodyPr rtlCol="0" anchor="ctr">
-              <a:noAutofit/>
-            </a:bodyPr>
-            <a:lstStyle/>
-            <a:p>
-              <a:pPr algn="ctr" eaLnBrk="1" hangingPunct="1">
-                <a:spcBef>
-                  <a:spcPts val="384"/>
-                </a:spcBef>
-                <a:spcAft>
-                  <a:spcPts val="0"/>
-                </a:spcAft>
-                <a:buClr>
-                  <a:srgbClr val="00A9C5"/>
-                </a:buClr>
-                <a:buSzPct val="80000"/>
-              </a:pPr>
-              <a:r>
-                <a:rPr lang="fr-FR" sz="1200" kern="0" dirty="0" err="1" smtClean="0">
-                  <a:solidFill>
-                    <a:srgbClr val="00AFCB"/>
-                  </a:solidFill>
-                  <a:latin typeface="+mj-lt"/>
-                </a:rPr>
-                <a:t>Backend</a:t>
-              </a:r>
-              <a:r>
-                <a:rPr lang="fr-FR" sz="1200" kern="0" dirty="0" smtClean="0">
-                  <a:solidFill>
-                    <a:srgbClr val="00AFCB"/>
-                  </a:solidFill>
-                  <a:latin typeface="+mj-lt"/>
-                </a:rPr>
-                <a:t> partenaires</a:t>
-              </a:r>
-            </a:p>
-            <a:p>
-              <a:pPr algn="ctr" eaLnBrk="1" hangingPunct="1">
-                <a:spcBef>
-                  <a:spcPts val="384"/>
-                </a:spcBef>
-                <a:spcAft>
-                  <a:spcPts val="0"/>
-                </a:spcAft>
-                <a:buClr>
-                  <a:srgbClr val="00A9C5"/>
-                </a:buClr>
-                <a:buSzPct val="80000"/>
-              </a:pPr>
-              <a:endParaRPr lang="fr-FR" sz="1200" kern="0" dirty="0" smtClean="0">
+          <a:prstGeom prst="rect">
+            <a:avLst/>
+          </a:prstGeom>
+          <a:noFill/>
+          <a:ln w="38100">
+            <a:solidFill>
+              <a:srgbClr val="00AFCB"/>
+            </a:solidFill>
+          </a:ln>
+        </p:spPr>
+        <p:txBody>
+          <a:bodyPr rtlCol="0" anchor="ctr">
+            <a:noAutofit/>
+          </a:bodyPr>
+          <a:lstStyle/>
+          <a:p>
+            <a:pPr algn="ctr" eaLnBrk="1" hangingPunct="1">
+              <a:spcBef>
+                <a:spcPts val="384"/>
+              </a:spcBef>
+              <a:spcAft>
+                <a:spcPts val="0"/>
+              </a:spcAft>
+              <a:buClr>
+                <a:srgbClr val="00A9C5"/>
+              </a:buClr>
+              <a:buSzPct val="80000"/>
+            </a:pPr>
+            <a:r>
+              <a:rPr lang="fr-FR" sz="1200" kern="0" dirty="0" err="1" smtClean="0">
                 <a:solidFill>
                   <a:srgbClr val="00AFCB"/>
                 </a:solidFill>
                 <a:latin typeface="+mj-lt"/>
-              </a:endParaRPr>
-            </a:p>
-          </p:txBody>
-        </p:sp>
-        <p:pic>
-          <p:nvPicPr>
-            <p:cNvPr id="83" name="Image 82"/>
-            <p:cNvPicPr>
-              <a:picLocks noChangeAspect="1"/>
-            </p:cNvPicPr>
-            <p:nvPr/>
-          </p:nvPicPr>
-          <p:blipFill>
-            <a:blip r:embed="rId2">
-              <a:extLst>
-                <a:ext uri="{28A0092B-C50C-407E-A947-70E740481C1C}">
-                  <a14:useLocalDpi xmlns:a14="http://schemas.microsoft.com/office/drawing/2010/main" val="0"/>
-                </a:ext>
-              </a:extLst>
-            </a:blip>
-            <a:stretch>
-              <a:fillRect/>
-            </a:stretch>
-          </p:blipFill>
-          <p:spPr>
-            <a:xfrm>
-              <a:off x="3870144" y="3721197"/>
-              <a:ext cx="324728" cy="441843"/>
-            </a:xfrm>
-            <a:prstGeom prst="rect">
-              <a:avLst/>
-            </a:prstGeom>
-          </p:spPr>
-        </p:pic>
-      </p:grpSp>
+              </a:rPr>
+              <a:t>Backend</a:t>
+            </a:r>
+            <a:r>
+              <a:rPr lang="fr-FR" sz="1200" kern="0" dirty="0" smtClean="0">
+                <a:solidFill>
+                  <a:srgbClr val="00AFCB"/>
+                </a:solidFill>
+                <a:latin typeface="+mj-lt"/>
+              </a:rPr>
+              <a:t> </a:t>
+            </a:r>
+            <a:r>
+              <a:rPr lang="fr-FR" sz="1200" kern="0" dirty="0" smtClean="0">
+                <a:solidFill>
+                  <a:srgbClr val="00AFCB"/>
+                </a:solidFill>
+                <a:latin typeface="+mj-lt"/>
+              </a:rPr>
+              <a:t>partenaires</a:t>
+            </a:r>
+            <a:endParaRPr lang="fr-FR" sz="1200" kern="0" dirty="0" smtClean="0">
+              <a:solidFill>
+                <a:srgbClr val="00AFCB"/>
+              </a:solidFill>
+              <a:latin typeface="+mj-lt"/>
+            </a:endParaRPr>
+          </a:p>
+        </p:txBody>
+      </p:sp>
       <p:pic>
         <p:nvPicPr>
           <p:cNvPr id="6" name="Image 5"/>
@@ -35717,111 +35667,66 @@
           </a:prstGeom>
         </p:spPr>
       </p:pic>
-      <p:grpSp>
-        <p:nvGrpSpPr>
-          <p:cNvPr id="14" name="Grouper 13"/>
-          <p:cNvGrpSpPr/>
+      <p:sp>
+        <p:nvSpPr>
+          <p:cNvPr id="12" name="Rectangle 11"/>
+          <p:cNvSpPr/>
           <p:nvPr/>
-        </p:nvGrpSpPr>
-        <p:grpSpPr>
+        </p:nvSpPr>
+        <p:spPr>
           <a:xfrm>
             <a:off x="6646567" y="3048932"/>
             <a:ext cx="980203" cy="764612"/>
-            <a:chOff x="6638345" y="2768770"/>
-            <a:chExt cx="1880987" cy="1418099"/>
           </a:xfrm>
-        </p:grpSpPr>
-        <p:pic>
-          <p:nvPicPr>
-            <p:cNvPr id="67" name="Image 66"/>
-            <p:cNvPicPr>
-              <a:picLocks noChangeAspect="1"/>
-            </p:cNvPicPr>
-            <p:nvPr/>
-          </p:nvPicPr>
-          <p:blipFill>
-            <a:blip r:embed="rId2">
-              <a:extLst>
-                <a:ext uri="{28A0092B-C50C-407E-A947-70E740481C1C}">
-                  <a14:useLocalDpi xmlns:a14="http://schemas.microsoft.com/office/drawing/2010/main" val="0"/>
-                </a:ext>
-              </a:extLst>
-            </a:blip>
-            <a:stretch>
-              <a:fillRect/>
-            </a:stretch>
-          </p:blipFill>
-          <p:spPr>
-            <a:xfrm>
-              <a:off x="8127266" y="3701533"/>
-              <a:ext cx="324728" cy="441843"/>
-            </a:xfrm>
-            <a:prstGeom prst="rect">
-              <a:avLst/>
-            </a:prstGeom>
-          </p:spPr>
-        </p:pic>
-        <p:sp>
-          <p:nvSpPr>
-            <p:cNvPr id="12" name="Rectangle 11"/>
-            <p:cNvSpPr/>
-            <p:nvPr/>
-          </p:nvSpPr>
-          <p:spPr>
-            <a:xfrm>
-              <a:off x="6638345" y="2768770"/>
-              <a:ext cx="1880987" cy="1418099"/>
-            </a:xfrm>
-            <a:prstGeom prst="rect">
-              <a:avLst/>
-            </a:prstGeom>
-            <a:noFill/>
-            <a:ln w="38100">
-              <a:solidFill>
-                <a:srgbClr val="00AFCB"/>
-              </a:solidFill>
-            </a:ln>
-          </p:spPr>
-          <p:txBody>
-            <a:bodyPr rtlCol="0" anchor="ctr">
-              <a:noAutofit/>
-            </a:bodyPr>
-            <a:lstStyle/>
-            <a:p>
-              <a:pPr algn="ctr" eaLnBrk="1" hangingPunct="1">
-                <a:spcBef>
-                  <a:spcPts val="384"/>
-                </a:spcBef>
-                <a:spcAft>
-                  <a:spcPts val="0"/>
-                </a:spcAft>
-                <a:buClr>
-                  <a:srgbClr val="00A9C5"/>
-                </a:buClr>
-                <a:buSzPct val="80000"/>
-              </a:pPr>
-              <a:r>
-                <a:rPr lang="fr-FR" sz="1200" kern="0" dirty="0" err="1" smtClean="0">
-                  <a:solidFill>
-                    <a:srgbClr val="00AFCB"/>
-                  </a:solidFill>
-                  <a:latin typeface="+mj-lt"/>
-                </a:rPr>
-                <a:t>Backend</a:t>
-              </a:r>
-              <a:r>
-                <a:rPr lang="fr-FR" sz="1200" kern="0" dirty="0" smtClean="0">
-                  <a:solidFill>
-                    <a:srgbClr val="00AFCB"/>
-                  </a:solidFill>
-                  <a:latin typeface="+mj-lt"/>
-                </a:rPr>
-                <a:t> site web client</a:t>
-              </a:r>
-            </a:p>
-          </p:txBody>
-        </p:sp>
-      </p:grpSp>
+          <a:prstGeom prst="rect">
+            <a:avLst/>
+          </a:prstGeom>
+          <a:noFill/>
+          <a:ln w="38100">
+            <a:solidFill>
+              <a:srgbClr val="00AFCB"/>
+            </a:solidFill>
+          </a:ln>
+        </p:spPr>
+        <p:txBody>
+          <a:bodyPr rtlCol="0" anchor="ctr">
+            <a:noAutofit/>
+          </a:bodyPr>
+          <a:lstStyle/>
+          <a:p>
+            <a:pPr algn="ctr" eaLnBrk="1" hangingPunct="1">
+              <a:spcBef>
+                <a:spcPts val="384"/>
+              </a:spcBef>
+              <a:spcAft>
+                <a:spcPts val="0"/>
+              </a:spcAft>
+              <a:buClr>
+                <a:srgbClr val="00A9C5"/>
+              </a:buClr>
+              <a:buSzPct val="80000"/>
+            </a:pPr>
+            <a:r>
+              <a:rPr lang="fr-FR" sz="1200" kern="0" dirty="0" err="1" smtClean="0">
+                <a:solidFill>
+                  <a:srgbClr val="00AFCB"/>
+                </a:solidFill>
+                <a:latin typeface="+mj-lt"/>
+              </a:rPr>
+              <a:t>Backend</a:t>
+            </a:r>
+            <a:r>
+              <a:rPr lang="fr-FR" sz="1200" kern="0" dirty="0" smtClean="0">
+                <a:solidFill>
+                  <a:srgbClr val="00AFCB"/>
+                </a:solidFill>
+                <a:latin typeface="+mj-lt"/>
+              </a:rPr>
+              <a:t> site web client</a:t>
+            </a:r>
+          </a:p>
+        </p:txBody>
+      </p:sp>
       <p:sp>
         <p:nvSpPr>
           <p:cNvPr id="13" name="Rectangle 12"/>
